--- a/GitHub.pptx
+++ b/GitHub.pptx
@@ -422,7 +422,7 @@
     </p:spTree>
     <p:extLst>
       <p:ext uri="{BB962C8B-B14F-4D97-AF65-F5344CB8AC3E}">
-        <p14:creationId xmlns:p14="http://schemas.microsoft.com/office/powerpoint/2010/main" xmlns="" val="486385863"/>
+        <p14:creationId xmlns="" xmlns:p14="http://schemas.microsoft.com/office/powerpoint/2010/main" val="486385863"/>
       </p:ext>
     </p:extLst>
   </p:cSld>
@@ -3066,11 +3066,7 @@
           <a:p>
             <a:r>
               <a:rPr lang="en-US" dirty="0" smtClean="0"/>
-              <a:t>For this tutorial, we’ll be using </a:t>
-            </a:r>
-            <a:r>
-              <a:rPr lang="en-US" dirty="0" smtClean="0"/>
-              <a:t>the </a:t>
+              <a:t>For this tutorial, we’ll be using the </a:t>
             </a:r>
             <a:r>
               <a:rPr lang="en-US" dirty="0" err="1" smtClean="0"/>
@@ -3100,11 +3096,7 @@
             </a:r>
             <a:r>
               <a:rPr lang="en-US" b="1" dirty="0" smtClean="0"/>
-              <a:t> </a:t>
-            </a:r>
-            <a:r>
-              <a:rPr lang="en-US" b="1" dirty="0" smtClean="0"/>
-              <a:t>” repo</a:t>
+              <a:t> ” repo</a:t>
             </a:r>
             <a:endParaRPr lang="en-US" dirty="0" smtClean="0"/>
           </a:p>
@@ -3131,7 +3123,19 @@
           <a:p>
             <a:r>
               <a:rPr lang="en-US" dirty="0" smtClean="0"/>
-              <a:t>You’ve successfully forked the Spoon-Knife repo, but so far it only exists on </a:t>
+              <a:t>You’ve successfully forked the </a:t>
+            </a:r>
+            <a:r>
+              <a:rPr lang="en-US" dirty="0" err="1" smtClean="0"/>
+              <a:t>Scrumdo</a:t>
+            </a:r>
+            <a:r>
+              <a:rPr lang="en-US" dirty="0" smtClean="0"/>
+              <a:t> </a:t>
+            </a:r>
+            <a:r>
+              <a:rPr lang="en-US" dirty="0" smtClean="0"/>
+              <a:t>repo, but so far it only exists on </a:t>
             </a:r>
             <a:r>
               <a:rPr lang="en-US" dirty="0" err="1" smtClean="0"/>
@@ -3196,6 +3200,67 @@
                 <a:sym typeface="Wingdings 3"/>
               </a:rPr>
               <a:t>/Scrumdo.git</a:t>
+            </a:r>
+          </a:p>
+          <a:p>
+            <a:endParaRPr lang="en-US" dirty="0" smtClean="0"/>
+          </a:p>
+          <a:p>
+            <a:r>
+              <a:rPr lang="en-US" b="1" dirty="0" smtClean="0"/>
+              <a:t>Step 2B: Configure remotes</a:t>
+            </a:r>
+            <a:endParaRPr lang="en-US" dirty="0" smtClean="0"/>
+          </a:p>
+          <a:p>
+            <a:r>
+              <a:rPr lang="en-US" dirty="0" smtClean="0"/>
+              <a:t>When a repo is cloned, it has a default remote called origin that points to your fork on </a:t>
+            </a:r>
+            <a:r>
+              <a:rPr lang="en-US" dirty="0" err="1" smtClean="0"/>
+              <a:t>GitHub</a:t>
+            </a:r>
+            <a:r>
+              <a:rPr lang="en-US" dirty="0" smtClean="0"/>
+              <a:t>, not the original repo it was forked from. To keep track of the original repo, you need to add another remote named upstream:</a:t>
+            </a:r>
+          </a:p>
+          <a:p>
+            <a:endParaRPr lang="en-US" dirty="0" smtClean="0"/>
+          </a:p>
+          <a:p>
+            <a:r>
+              <a:rPr lang="en-US" sz="1100" dirty="0" smtClean="0">
+                <a:latin typeface="Courier New" pitchFamily="49" charset="0"/>
+                <a:cs typeface="Courier New" pitchFamily="49" charset="0"/>
+                <a:sym typeface="Wingdings 3"/>
+              </a:rPr>
+              <a:t>$ </a:t>
+            </a:r>
+            <a:r>
+              <a:rPr lang="en-US" sz="1100" dirty="0" err="1" smtClean="0">
+                <a:latin typeface="Courier New" pitchFamily="49" charset="0"/>
+                <a:cs typeface="Courier New" pitchFamily="49" charset="0"/>
+                <a:sym typeface="Wingdings 3"/>
+              </a:rPr>
+              <a:t>cd</a:t>
+            </a:r>
+            <a:r>
+              <a:rPr lang="en-US" sz="1100" dirty="0" smtClean="0">
+                <a:latin typeface="Courier New" pitchFamily="49" charset="0"/>
+                <a:cs typeface="Courier New" pitchFamily="49" charset="0"/>
+                <a:sym typeface="Wingdings 3"/>
+              </a:rPr>
+              <a:t> </a:t>
+            </a:r>
+            <a:r>
+              <a:rPr lang="en-US" sz="1100" dirty="0" err="1" smtClean="0">
+                <a:latin typeface="Courier New" pitchFamily="49" charset="0"/>
+                <a:cs typeface="Courier New" pitchFamily="49" charset="0"/>
+                <a:sym typeface="Wingdings 3"/>
+              </a:rPr>
+              <a:t>Scrumdo</a:t>
             </a:r>
             <a:endParaRPr lang="en-US" sz="1100" dirty="0" smtClean="0">
               <a:latin typeface="Courier New" pitchFamily="49" charset="0"/>
@@ -3204,33 +3269,6 @@
             </a:endParaRPr>
           </a:p>
           <a:p>
-            <a:endParaRPr lang="en-US" dirty="0" smtClean="0"/>
-          </a:p>
-          <a:p>
-            <a:r>
-              <a:rPr lang="en-US" b="1" dirty="0" smtClean="0"/>
-              <a:t>Step 2B: Configure remotes</a:t>
-            </a:r>
-            <a:endParaRPr lang="en-US" dirty="0" smtClean="0"/>
-          </a:p>
-          <a:p>
-            <a:r>
-              <a:rPr lang="en-US" dirty="0" smtClean="0"/>
-              <a:t>When a repo is cloned, it has a default remote called origin that points to your fork on </a:t>
-            </a:r>
-            <a:r>
-              <a:rPr lang="en-US" dirty="0" err="1" smtClean="0"/>
-              <a:t>GitHub</a:t>
-            </a:r>
-            <a:r>
-              <a:rPr lang="en-US" dirty="0" smtClean="0"/>
-              <a:t>, not the original repo it was forked from. To keep track of the original repo, you need to add another remote named upstream:</a:t>
-            </a:r>
-          </a:p>
-          <a:p>
-            <a:endParaRPr lang="en-US" dirty="0" smtClean="0"/>
-          </a:p>
-          <a:p>
             <a:r>
               <a:rPr lang="en-US" sz="1100" dirty="0" smtClean="0">
                 <a:latin typeface="Courier New" pitchFamily="49" charset="0"/>
@@ -3245,7 +3283,7 @@
                 <a:cs typeface="Courier New" pitchFamily="49" charset="0"/>
                 <a:sym typeface="Wingdings 3"/>
               </a:rPr>
-              <a:t>cd</a:t>
+              <a:t>git</a:t>
             </a:r>
             <a:r>
               <a:rPr lang="en-US" sz="1100" dirty="0" smtClean="0">
@@ -3253,60 +3291,8 @@
                 <a:cs typeface="Courier New" pitchFamily="49" charset="0"/>
                 <a:sym typeface="Wingdings 3"/>
               </a:rPr>
-              <a:t> </a:t>
-            </a:r>
-            <a:r>
-              <a:rPr lang="en-US" sz="1100" dirty="0" err="1" smtClean="0">
-                <a:latin typeface="Courier New" pitchFamily="49" charset="0"/>
-                <a:cs typeface="Courier New" pitchFamily="49" charset="0"/>
-                <a:sym typeface="Wingdings 3"/>
-              </a:rPr>
-              <a:t>Scrumdo</a:t>
-            </a:r>
-            <a:endParaRPr lang="en-US" sz="1100" dirty="0" smtClean="0">
-              <a:latin typeface="Courier New" pitchFamily="49" charset="0"/>
-              <a:cs typeface="Courier New" pitchFamily="49" charset="0"/>
-              <a:sym typeface="Wingdings 3"/>
-            </a:endParaRPr>
-          </a:p>
-          <a:p>
-            <a:r>
-              <a:rPr lang="en-US" sz="1100" dirty="0" smtClean="0">
-                <a:latin typeface="Courier New" pitchFamily="49" charset="0"/>
-                <a:cs typeface="Courier New" pitchFamily="49" charset="0"/>
-                <a:sym typeface="Wingdings 3"/>
-              </a:rPr>
-              <a:t>$ </a:t>
-            </a:r>
-            <a:r>
-              <a:rPr lang="en-US" sz="1100" dirty="0" err="1" smtClean="0">
-                <a:latin typeface="Courier New" pitchFamily="49" charset="0"/>
-                <a:cs typeface="Courier New" pitchFamily="49" charset="0"/>
-                <a:sym typeface="Wingdings 3"/>
-              </a:rPr>
-              <a:t>git</a:t>
-            </a:r>
-            <a:r>
-              <a:rPr lang="en-US" sz="1100" dirty="0" smtClean="0">
-                <a:latin typeface="Courier New" pitchFamily="49" charset="0"/>
-                <a:cs typeface="Courier New" pitchFamily="49" charset="0"/>
-                <a:sym typeface="Wingdings 3"/>
-              </a:rPr>
-              <a:t> remote add upstream </a:t>
-            </a:r>
-            <a:r>
-              <a:rPr lang="en-US" sz="1100" dirty="0" smtClean="0">
-                <a:latin typeface="Courier New" pitchFamily="49" charset="0"/>
-                <a:cs typeface="Courier New" pitchFamily="49" charset="0"/>
-                <a:sym typeface="Wingdings 3"/>
-              </a:rPr>
-              <a:t>git://github.com/ScrumDoLLC/ScrumDo.git</a:t>
-            </a:r>
-            <a:endParaRPr lang="en-US" sz="1100" dirty="0" smtClean="0">
-              <a:latin typeface="Courier New" pitchFamily="49" charset="0"/>
-              <a:cs typeface="Courier New" pitchFamily="49" charset="0"/>
-              <a:sym typeface="Wingdings 3"/>
-            </a:endParaRPr>
+              <a:t> remote add upstream git://github.com/ScrumDoLLC/ScrumDo.git</a:t>
+            </a:r>
           </a:p>
           <a:p>
             <a:r>
@@ -4927,7 +4913,7 @@
     </p:spTree>
     <p:extLst>
       <p:ext uri="{BB962C8B-B14F-4D97-AF65-F5344CB8AC3E}">
-        <p14:creationId xmlns:p14="http://schemas.microsoft.com/office/powerpoint/2010/main" xmlns="" val="1343535215"/>
+        <p14:creationId xmlns="" xmlns:p14="http://schemas.microsoft.com/office/powerpoint/2010/main" val="1343535215"/>
       </p:ext>
     </p:extLst>
   </p:cSld>
@@ -7673,7 +7659,7 @@
         <p:spPr bwMode="auto">
           <a:xfrm>
             <a:off x="4131708" y="4005064"/>
-            <a:ext cx="5004048" cy="1594622"/>
+            <a:ext cx="5004048" cy="2210175"/>
           </a:xfrm>
           <a:prstGeom prst="rect">
             <a:avLst/>
@@ -7755,8 +7741,55 @@
                 </a:solidFill>
                 <a:latin typeface="Verdana" pitchFamily="34" charset="0"/>
               </a:rPr>
-              <a:t> and the CG team</a:t>
-            </a:r>
+              <a:t> and the CG </a:t>
+            </a:r>
+            <a:r>
+              <a:rPr lang="fr-FR" sz="2000" b="1" i="1" dirty="0" smtClean="0">
+                <a:solidFill>
+                  <a:srgbClr val="486DA2"/>
+                </a:solidFill>
+                <a:latin typeface="Verdana" pitchFamily="34" charset="0"/>
+              </a:rPr>
+              <a:t>team</a:t>
+            </a:r>
+          </a:p>
+          <a:p>
+            <a:pPr algn="ctr"/>
+            <a:r>
+              <a:rPr lang="fr-FR" sz="2000" b="1" i="1" dirty="0" smtClean="0">
+                <a:solidFill>
+                  <a:srgbClr val="486DA2"/>
+                </a:solidFill>
+                <a:latin typeface="Verdana" pitchFamily="34" charset="0"/>
+                <a:hlinkClick r:id="rId4"/>
+              </a:rPr>
+              <a:t>http://</a:t>
+            </a:r>
+            <a:r>
+              <a:rPr lang="fr-FR" sz="2000" b="1" i="1" dirty="0" smtClean="0">
+                <a:solidFill>
+                  <a:srgbClr val="486DA2"/>
+                </a:solidFill>
+                <a:latin typeface="Verdana" pitchFamily="34" charset="0"/>
+                <a:hlinkClick r:id="rId4"/>
+              </a:rPr>
+              <a:t>bit.ly/setupgit</a:t>
+            </a:r>
+            <a:endParaRPr lang="fr-FR" sz="2000" b="1" i="1" dirty="0" smtClean="0">
+              <a:solidFill>
+                <a:srgbClr val="486DA2"/>
+              </a:solidFill>
+              <a:latin typeface="Verdana" pitchFamily="34" charset="0"/>
+            </a:endParaRPr>
+          </a:p>
+          <a:p>
+            <a:pPr algn="ctr"/>
+            <a:endParaRPr lang="fr-FR" sz="2000" b="1" i="1" dirty="0" smtClean="0">
+              <a:solidFill>
+                <a:srgbClr val="486DA2"/>
+              </a:solidFill>
+              <a:latin typeface="Verdana" pitchFamily="34" charset="0"/>
+            </a:endParaRPr>
           </a:p>
           <a:p>
             <a:pPr algn="ctr"/>
@@ -7771,32 +7804,6 @@
       <p:pic>
         <p:nvPicPr>
           <p:cNvPr id="2075" name="Picture 27" descr="octocat.png (512×512)"/>
-          <p:cNvPicPr>
-            <a:picLocks noChangeAspect="1" noChangeArrowheads="1"/>
-          </p:cNvPicPr>
-          <p:nvPr/>
-        </p:nvPicPr>
-        <p:blipFill>
-          <a:blip r:embed="rId4" cstate="print"/>
-          <a:srcRect/>
-          <a:stretch>
-            <a:fillRect/>
-          </a:stretch>
-        </p:blipFill>
-        <p:spPr bwMode="auto">
-          <a:xfrm>
-            <a:off x="35496" y="1772816"/>
-            <a:ext cx="3240360" cy="3240361"/>
-          </a:xfrm>
-          <a:prstGeom prst="rect">
-            <a:avLst/>
-          </a:prstGeom>
-          <a:noFill/>
-        </p:spPr>
-      </p:pic>
-      <p:pic>
-        <p:nvPicPr>
-          <p:cNvPr id="6" name="Picture 15" descr="http://www.camilleroux.com/wp-content/uploads/2010/10/github_logo.png?119d5e"/>
           <p:cNvPicPr>
             <a:picLocks noChangeAspect="1" noChangeArrowheads="1"/>
           </p:cNvPicPr>
@@ -7811,8 +7818,8 @@
         </p:blipFill>
         <p:spPr bwMode="auto">
           <a:xfrm>
-            <a:off x="3812887" y="2276872"/>
-            <a:ext cx="5313956" cy="1656184"/>
+            <a:off x="35496" y="1772816"/>
+            <a:ext cx="3240360" cy="3240361"/>
           </a:xfrm>
           <a:prstGeom prst="rect">
             <a:avLst/>
@@ -7822,7 +7829,7 @@
       </p:pic>
       <p:pic>
         <p:nvPicPr>
-          <p:cNvPr id="7" name="Picture 2"/>
+          <p:cNvPr id="6" name="Picture 15" descr="http://www.camilleroux.com/wp-content/uploads/2010/10/github_logo.png?119d5e"/>
           <p:cNvPicPr>
             <a:picLocks noChangeAspect="1" noChangeArrowheads="1"/>
           </p:cNvPicPr>
@@ -7837,6 +7844,32 @@
         </p:blipFill>
         <p:spPr bwMode="auto">
           <a:xfrm>
+            <a:off x="3812887" y="2276872"/>
+            <a:ext cx="5313956" cy="1656184"/>
+          </a:xfrm>
+          <a:prstGeom prst="rect">
+            <a:avLst/>
+          </a:prstGeom>
+          <a:noFill/>
+        </p:spPr>
+      </p:pic>
+      <p:pic>
+        <p:nvPicPr>
+          <p:cNvPr id="7" name="Picture 2"/>
+          <p:cNvPicPr>
+            <a:picLocks noChangeAspect="1" noChangeArrowheads="1"/>
+          </p:cNvPicPr>
+          <p:nvPr/>
+        </p:nvPicPr>
+        <p:blipFill>
+          <a:blip r:embed="rId7" cstate="print"/>
+          <a:srcRect/>
+          <a:stretch>
+            <a:fillRect/>
+          </a:stretch>
+        </p:blipFill>
+        <p:spPr bwMode="auto">
+          <a:xfrm>
             <a:off x="2627784" y="5805264"/>
             <a:ext cx="3312368" cy="720080"/>
           </a:xfrm>
@@ -7898,10 +7931,10 @@
           <p:nvPr/>
         </p:nvPicPr>
         <p:blipFill>
-          <a:blip r:embed="rId7" cstate="print">
+          <a:blip r:embed="rId8" cstate="print">
             <a:extLst>
               <a:ext uri="{28A0092B-C50C-407E-A947-70E740481C1C}">
-                <a14:useLocalDpi xmlns:a14="http://schemas.microsoft.com/office/drawing/2010/main" xmlns="" val="0"/>
+                <a14:useLocalDpi xmlns="" xmlns:a14="http://schemas.microsoft.com/office/drawing/2010/main" val="0"/>
               </a:ext>
             </a:extLst>
           </a:blip>
@@ -7927,7 +7960,7 @@
         </p:nvSpPr>
         <p:spPr>
           <a:xfrm>
-            <a:off x="2627784" y="5229200"/>
+            <a:off x="2446208" y="5517232"/>
             <a:ext cx="6697792" cy="369332"/>
           </a:xfrm>
           <a:prstGeom prst="rect">
@@ -8924,7 +8957,7 @@
     </p:spTree>
     <p:extLst>
       <p:ext uri="{BB962C8B-B14F-4D97-AF65-F5344CB8AC3E}">
-        <p14:creationId xmlns:p14="http://schemas.microsoft.com/office/powerpoint/2010/main" xmlns="" val="1318206517"/>
+        <p14:creationId xmlns="" xmlns:p14="http://schemas.microsoft.com/office/powerpoint/2010/main" val="1318206517"/>
       </p:ext>
     </p:extLst>
   </p:cSld>
@@ -9105,7 +9138,7 @@
     </p:spTree>
     <p:extLst>
       <p:ext uri="{BB962C8B-B14F-4D97-AF65-F5344CB8AC3E}">
-        <p14:creationId xmlns:p14="http://schemas.microsoft.com/office/powerpoint/2010/main" xmlns="" val="2344691747"/>
+        <p14:creationId xmlns="" xmlns:p14="http://schemas.microsoft.com/office/powerpoint/2010/main" val="2344691747"/>
       </p:ext>
     </p:extLst>
   </p:cSld>
@@ -9160,16 +9193,7 @@
                 </a:solidFill>
                 <a:latin typeface="Verdana" pitchFamily="34" charset="0"/>
               </a:rPr>
-              <a:t>Installer </a:t>
-            </a:r>
-            <a:r>
-              <a:rPr lang="en-US" b="1" dirty="0" smtClean="0">
-                <a:solidFill>
-                  <a:srgbClr val="486DA2"/>
-                </a:solidFill>
-                <a:latin typeface="Verdana" pitchFamily="34" charset="0"/>
-              </a:rPr>
-              <a:t>Platform Assistance:</a:t>
+              <a:t>Installer Platform Assistance:</a:t>
             </a:r>
           </a:p>
           <a:p>
@@ -9180,7 +9204,6 @@
               <a:rPr lang="en-US" b="1" dirty="0" smtClean="0"/>
               <a:t>LINUX</a:t>
             </a:r>
-            <a:endParaRPr lang="en-US" b="1" dirty="0" smtClean="0"/>
           </a:p>
           <a:p>
             <a:r>
@@ -9203,7 +9226,6 @@
               <a:rPr lang="en-US" altLang="ja-JP" dirty="0" smtClean="0"/>
               <a:t>. </a:t>
             </a:r>
-            <a:endParaRPr lang="en-US" altLang="ja-JP" dirty="0" smtClean="0"/>
           </a:p>
           <a:p>
             <a:endParaRPr lang="en-US" sz="1200" dirty="0" smtClean="0"/>
@@ -9221,19 +9243,7 @@
           <a:p>
             <a:r>
               <a:rPr lang="en-US" dirty="0" smtClean="0"/>
-              <a:t>Configure </a:t>
-            </a:r>
-            <a:r>
-              <a:rPr lang="en-US" dirty="0" smtClean="0"/>
-              <a:t>the RPM forge repository </a:t>
-            </a:r>
-            <a:r>
-              <a:rPr lang="en-US" dirty="0" smtClean="0"/>
-              <a:t>by installing </a:t>
-            </a:r>
-            <a:r>
-              <a:rPr lang="en-US" dirty="0" smtClean="0"/>
-              <a:t>the correct </a:t>
+              <a:t>Configure the RPM forge repository by installing the correct </a:t>
             </a:r>
             <a:r>
               <a:rPr lang="en-US" dirty="0" err="1" smtClean="0"/>
@@ -9241,11 +9251,7 @@
             </a:r>
             <a:r>
               <a:rPr lang="en-US" dirty="0" smtClean="0"/>
-              <a:t> RPM </a:t>
-            </a:r>
-            <a:r>
-              <a:rPr lang="en-US" dirty="0" smtClean="0"/>
-              <a:t>from</a:t>
+              <a:t> RPM from</a:t>
             </a:r>
           </a:p>
           <a:p>
@@ -10806,22 +10812,13 @@
               <a:buChar char="•"/>
             </a:pPr>
             <a:r>
-              <a:rPr lang="en-US" b="1" dirty="0" smtClean="0">
-                <a:solidFill>
-                  <a:srgbClr val="486DA2"/>
-                </a:solidFill>
-                <a:latin typeface="Verdana" pitchFamily="34" charset="0"/>
-              </a:rPr>
-              <a:t> </a:t>
-            </a:r>
-            <a:r>
               <a:rPr lang="en-US" sz="2000" b="1" dirty="0" smtClean="0">
                 <a:solidFill>
                   <a:srgbClr val="486DA2"/>
                 </a:solidFill>
                 <a:latin typeface="Verdana" pitchFamily="34" charset="0"/>
               </a:rPr>
-              <a:t>Setup your identity:</a:t>
+              <a:t>Generate SSH keys:</a:t>
             </a:r>
           </a:p>
           <a:p>
@@ -10838,127 +10835,11 @@
           </a:p>
           <a:p>
             <a:r>
-              <a:rPr lang="en-US" sz="1600" dirty="0" smtClean="0">
+              <a:rPr lang="de-DE" sz="1600" dirty="0" smtClean="0">
                 <a:latin typeface="Courier New" pitchFamily="49" charset="0"/>
                 <a:cs typeface="Courier New" pitchFamily="49" charset="0"/>
               </a:rPr>
-              <a:t>$ </a:t>
-            </a:r>
-            <a:r>
-              <a:rPr lang="en-US" sz="1600" dirty="0" err="1" smtClean="0">
-                <a:latin typeface="Courier New" pitchFamily="49" charset="0"/>
-                <a:cs typeface="Courier New" pitchFamily="49" charset="0"/>
-              </a:rPr>
-              <a:t>git</a:t>
-            </a:r>
-            <a:r>
-              <a:rPr lang="en-US" sz="1600" dirty="0" smtClean="0">
-                <a:latin typeface="Courier New" pitchFamily="49" charset="0"/>
-                <a:cs typeface="Courier New" pitchFamily="49" charset="0"/>
-              </a:rPr>
-              <a:t> </a:t>
-            </a:r>
-            <a:r>
-              <a:rPr lang="en-US" sz="1600" dirty="0" err="1" smtClean="0">
-                <a:latin typeface="Courier New" pitchFamily="49" charset="0"/>
-                <a:cs typeface="Courier New" pitchFamily="49" charset="0"/>
-              </a:rPr>
-              <a:t>config</a:t>
-            </a:r>
-            <a:r>
-              <a:rPr lang="en-US" sz="1600" dirty="0" smtClean="0">
-                <a:latin typeface="Courier New" pitchFamily="49" charset="0"/>
-                <a:cs typeface="Courier New" pitchFamily="49" charset="0"/>
-              </a:rPr>
-              <a:t> --global user.name “</a:t>
-            </a:r>
-            <a:r>
-              <a:rPr lang="en-US" sz="1600" dirty="0" err="1" smtClean="0">
-                <a:latin typeface="Courier New" pitchFamily="49" charset="0"/>
-                <a:cs typeface="Courier New" pitchFamily="49" charset="0"/>
-              </a:rPr>
-              <a:t>firstName</a:t>
-            </a:r>
-            <a:r>
-              <a:rPr lang="en-US" sz="1600" dirty="0" smtClean="0">
-                <a:latin typeface="Courier New" pitchFamily="49" charset="0"/>
-                <a:cs typeface="Courier New" pitchFamily="49" charset="0"/>
-              </a:rPr>
-              <a:t> </a:t>
-            </a:r>
-            <a:r>
-              <a:rPr lang="en-US" sz="1600" dirty="0" err="1" smtClean="0">
-                <a:latin typeface="Courier New" pitchFamily="49" charset="0"/>
-                <a:cs typeface="Courier New" pitchFamily="49" charset="0"/>
-              </a:rPr>
-              <a:t>lastName</a:t>
-            </a:r>
-            <a:r>
-              <a:rPr lang="en-US" sz="1600" dirty="0" smtClean="0">
-                <a:latin typeface="Courier New" pitchFamily="49" charset="0"/>
-                <a:cs typeface="Courier New" pitchFamily="49" charset="0"/>
-              </a:rPr>
-              <a:t>“</a:t>
-            </a:r>
-          </a:p>
-          <a:p>
-            <a:r>
-              <a:rPr lang="en-US" sz="1600" dirty="0" smtClean="0">
-                <a:latin typeface="Courier New" pitchFamily="49" charset="0"/>
-                <a:cs typeface="Courier New" pitchFamily="49" charset="0"/>
-              </a:rPr>
-              <a:t> </a:t>
-            </a:r>
-          </a:p>
-          <a:p>
-            <a:r>
-              <a:rPr lang="en-US" sz="1600" dirty="0" smtClean="0">
-                <a:latin typeface="Courier New" pitchFamily="49" charset="0"/>
-                <a:cs typeface="Courier New" pitchFamily="49" charset="0"/>
-              </a:rPr>
-              <a:t>$ </a:t>
-            </a:r>
-            <a:r>
-              <a:rPr lang="en-US" sz="1600" dirty="0" err="1" smtClean="0">
-                <a:latin typeface="Courier New" pitchFamily="49" charset="0"/>
-                <a:cs typeface="Courier New" pitchFamily="49" charset="0"/>
-              </a:rPr>
-              <a:t>git</a:t>
-            </a:r>
-            <a:r>
-              <a:rPr lang="en-US" sz="1600" dirty="0" smtClean="0">
-                <a:latin typeface="Courier New" pitchFamily="49" charset="0"/>
-                <a:cs typeface="Courier New" pitchFamily="49" charset="0"/>
-              </a:rPr>
-              <a:t> </a:t>
-            </a:r>
-            <a:r>
-              <a:rPr lang="en-US" sz="1600" dirty="0" err="1" smtClean="0">
-                <a:latin typeface="Courier New" pitchFamily="49" charset="0"/>
-                <a:cs typeface="Courier New" pitchFamily="49" charset="0"/>
-              </a:rPr>
-              <a:t>config</a:t>
-            </a:r>
-            <a:r>
-              <a:rPr lang="en-US" sz="1600" dirty="0" smtClean="0">
-                <a:latin typeface="Courier New" pitchFamily="49" charset="0"/>
-                <a:cs typeface="Courier New" pitchFamily="49" charset="0"/>
-              </a:rPr>
-              <a:t> --global </a:t>
-            </a:r>
-            <a:r>
-              <a:rPr lang="en-US" sz="1600" dirty="0" err="1" smtClean="0">
-                <a:latin typeface="Courier New" pitchFamily="49" charset="0"/>
-                <a:cs typeface="Courier New" pitchFamily="49" charset="0"/>
-              </a:rPr>
-              <a:t>user.email</a:t>
-            </a:r>
-            <a:r>
-              <a:rPr lang="en-US" sz="1600" dirty="0" smtClean="0">
-                <a:latin typeface="Courier New" pitchFamily="49" charset="0"/>
-                <a:cs typeface="Courier New" pitchFamily="49" charset="0"/>
-              </a:rPr>
-              <a:t> </a:t>
+              <a:t>$ ssh-keygen -t rsa –C “ </a:t>
             </a:r>
             <a:r>
               <a:rPr lang="en-US" sz="1600" dirty="0" smtClean="0">
@@ -10968,16 +10849,56 @@
               </a:rPr>
               <a:t>userName@example.com</a:t>
             </a:r>
-            <a:endParaRPr lang="en-US" sz="1600" dirty="0" smtClean="0">
-              <a:latin typeface="Courier New" pitchFamily="49" charset="0"/>
-              <a:cs typeface="Courier New" pitchFamily="49" charset="0"/>
-            </a:endParaRPr>
-          </a:p>
-          <a:p>
+            <a:r>
+              <a:rPr lang="en-US" sz="1600" dirty="0" smtClean="0">
+                <a:latin typeface="Courier New" pitchFamily="49" charset="0"/>
+                <a:cs typeface="Courier New" pitchFamily="49" charset="0"/>
+              </a:rPr>
+              <a:t> </a:t>
+            </a:r>
+            <a:r>
+              <a:rPr lang="de-DE" sz="1600" dirty="0" smtClean="0">
+                <a:latin typeface="Courier New" pitchFamily="49" charset="0"/>
+                <a:cs typeface="Courier New" pitchFamily="49" charset="0"/>
+              </a:rPr>
+              <a:t>" </a:t>
+            </a:r>
+            <a:r>
+              <a:rPr lang="de-DE" sz="1600" dirty="0" smtClean="0">
+                <a:latin typeface="Courier New" pitchFamily="49" charset="0"/>
+                <a:cs typeface="Courier New" pitchFamily="49" charset="0"/>
+                <a:sym typeface="Wingdings 3"/>
+              </a:rPr>
+              <a:t>  </a:t>
+            </a:r>
             <a:endParaRPr lang="en-US" dirty="0" smtClean="0"/>
           </a:p>
           <a:p>
             <a:endParaRPr lang="en-US" dirty="0" smtClean="0"/>
+          </a:p>
+          <a:p>
+            <a:r>
+              <a:rPr lang="en-US" dirty="0" smtClean="0"/>
+              <a:t>(Press ‘Enter’ key thrice to skip the passphrase questions</a:t>
+            </a:r>
+            <a:r>
+              <a:rPr lang="en-US" dirty="0" smtClean="0"/>
+              <a:t>)</a:t>
+            </a:r>
+          </a:p>
+          <a:p>
+            <a:endParaRPr lang="en-US" dirty="0" smtClean="0"/>
+          </a:p>
+          <a:p>
+            <a:r>
+              <a:rPr lang="en-US" b="1" dirty="0" smtClean="0">
+                <a:solidFill>
+                  <a:srgbClr val="486DA2"/>
+                </a:solidFill>
+                <a:latin typeface="Verdana" pitchFamily="34" charset="0"/>
+              </a:rPr>
+              <a:t> </a:t>
+            </a:r>
           </a:p>
           <a:p>
             <a:pPr>
@@ -10991,7 +10912,16 @@
                 </a:solidFill>
                 <a:latin typeface="Verdana" pitchFamily="34" charset="0"/>
               </a:rPr>
-              <a:t> Generate SSH keys:</a:t>
+              <a:t>Setup </a:t>
+            </a:r>
+            <a:r>
+              <a:rPr lang="en-US" sz="2000" b="1" dirty="0" smtClean="0">
+                <a:solidFill>
+                  <a:srgbClr val="486DA2"/>
+                </a:solidFill>
+                <a:latin typeface="Verdana" pitchFamily="34" charset="0"/>
+              </a:rPr>
+              <a:t>your identity:</a:t>
             </a:r>
           </a:p>
           <a:p>
@@ -11008,32 +10938,127 @@
           </a:p>
           <a:p>
             <a:r>
-              <a:rPr lang="de-DE" sz="1600" dirty="0">
+              <a:rPr lang="en-US" sz="1600" dirty="0" smtClean="0">
                 <a:latin typeface="Courier New" pitchFamily="49" charset="0"/>
                 <a:cs typeface="Courier New" pitchFamily="49" charset="0"/>
               </a:rPr>
               <a:t>$ </a:t>
             </a:r>
             <a:r>
-              <a:rPr lang="de-DE" sz="1600" dirty="0" smtClean="0">
+              <a:rPr lang="en-US" sz="1600" dirty="0" err="1" smtClean="0">
                 <a:latin typeface="Courier New" pitchFamily="49" charset="0"/>
                 <a:cs typeface="Courier New" pitchFamily="49" charset="0"/>
               </a:rPr>
-              <a:t>ssh-keygen </a:t>
-            </a:r>
-            <a:r>
-              <a:rPr lang="de-DE" sz="1600" dirty="0">
+              <a:t>git</a:t>
+            </a:r>
+            <a:r>
+              <a:rPr lang="en-US" sz="1600" dirty="0" smtClean="0">
                 <a:latin typeface="Courier New" pitchFamily="49" charset="0"/>
                 <a:cs typeface="Courier New" pitchFamily="49" charset="0"/>
               </a:rPr>
-              <a:t>-t rsa </a:t>
-            </a:r>
-            <a:r>
-              <a:rPr lang="de-DE" sz="1600" dirty="0" smtClean="0">
+              <a:t> </a:t>
+            </a:r>
+            <a:r>
+              <a:rPr lang="en-US" sz="1600" dirty="0" err="1" smtClean="0">
                 <a:latin typeface="Courier New" pitchFamily="49" charset="0"/>
                 <a:cs typeface="Courier New" pitchFamily="49" charset="0"/>
               </a:rPr>
-              <a:t>–C “ </a:t>
+              <a:t>config</a:t>
+            </a:r>
+            <a:r>
+              <a:rPr lang="en-US" sz="1600" dirty="0" smtClean="0">
+                <a:latin typeface="Courier New" pitchFamily="49" charset="0"/>
+                <a:cs typeface="Courier New" pitchFamily="49" charset="0"/>
+              </a:rPr>
+              <a:t> --global user.name “</a:t>
+            </a:r>
+            <a:r>
+              <a:rPr lang="en-US" sz="1600" dirty="0" err="1" smtClean="0">
+                <a:latin typeface="Courier New" pitchFamily="49" charset="0"/>
+                <a:cs typeface="Courier New" pitchFamily="49" charset="0"/>
+              </a:rPr>
+              <a:t>firstName</a:t>
+            </a:r>
+            <a:r>
+              <a:rPr lang="en-US" sz="1600" dirty="0" smtClean="0">
+                <a:latin typeface="Courier New" pitchFamily="49" charset="0"/>
+                <a:cs typeface="Courier New" pitchFamily="49" charset="0"/>
+              </a:rPr>
+              <a:t> </a:t>
+            </a:r>
+            <a:r>
+              <a:rPr lang="en-US" sz="1600" dirty="0" err="1" smtClean="0">
+                <a:latin typeface="Courier New" pitchFamily="49" charset="0"/>
+                <a:cs typeface="Courier New" pitchFamily="49" charset="0"/>
+              </a:rPr>
+              <a:t>lastName</a:t>
+            </a:r>
+            <a:r>
+              <a:rPr lang="en-US" sz="1600" dirty="0" smtClean="0">
+                <a:latin typeface="Courier New" pitchFamily="49" charset="0"/>
+                <a:cs typeface="Courier New" pitchFamily="49" charset="0"/>
+              </a:rPr>
+              <a:t>“</a:t>
+            </a:r>
+          </a:p>
+          <a:p>
+            <a:r>
+              <a:rPr lang="en-US" sz="1600" dirty="0" smtClean="0">
+                <a:latin typeface="Courier New" pitchFamily="49" charset="0"/>
+                <a:cs typeface="Courier New" pitchFamily="49" charset="0"/>
+              </a:rPr>
+              <a:t> </a:t>
+            </a:r>
+          </a:p>
+          <a:p>
+            <a:r>
+              <a:rPr lang="en-US" sz="1600" dirty="0" smtClean="0">
+                <a:latin typeface="Courier New" pitchFamily="49" charset="0"/>
+                <a:cs typeface="Courier New" pitchFamily="49" charset="0"/>
+              </a:rPr>
+              <a:t>$ </a:t>
+            </a:r>
+            <a:r>
+              <a:rPr lang="en-US" sz="1600" dirty="0" err="1" smtClean="0">
+                <a:latin typeface="Courier New" pitchFamily="49" charset="0"/>
+                <a:cs typeface="Courier New" pitchFamily="49" charset="0"/>
+              </a:rPr>
+              <a:t>git</a:t>
+            </a:r>
+            <a:r>
+              <a:rPr lang="en-US" sz="1600" dirty="0" smtClean="0">
+                <a:latin typeface="Courier New" pitchFamily="49" charset="0"/>
+                <a:cs typeface="Courier New" pitchFamily="49" charset="0"/>
+              </a:rPr>
+              <a:t> </a:t>
+            </a:r>
+            <a:r>
+              <a:rPr lang="en-US" sz="1600" dirty="0" err="1" smtClean="0">
+                <a:latin typeface="Courier New" pitchFamily="49" charset="0"/>
+                <a:cs typeface="Courier New" pitchFamily="49" charset="0"/>
+              </a:rPr>
+              <a:t>config</a:t>
+            </a:r>
+            <a:r>
+              <a:rPr lang="en-US" sz="1600" dirty="0" smtClean="0">
+                <a:latin typeface="Courier New" pitchFamily="49" charset="0"/>
+                <a:cs typeface="Courier New" pitchFamily="49" charset="0"/>
+              </a:rPr>
+              <a:t> --global </a:t>
+            </a:r>
+            <a:r>
+              <a:rPr lang="en-US" sz="1600" dirty="0" err="1" smtClean="0">
+                <a:latin typeface="Courier New" pitchFamily="49" charset="0"/>
+                <a:cs typeface="Courier New" pitchFamily="49" charset="0"/>
+              </a:rPr>
+              <a:t>user.email</a:t>
+            </a:r>
+            <a:r>
+              <a:rPr lang="en-US" sz="1600" dirty="0" smtClean="0">
+                <a:latin typeface="Courier New" pitchFamily="49" charset="0"/>
+                <a:cs typeface="Courier New" pitchFamily="49" charset="0"/>
+              </a:rPr>
+              <a:t> </a:t>
             </a:r>
             <a:r>
               <a:rPr lang="en-US" sz="1600" dirty="0" smtClean="0">
@@ -11043,51 +11068,83 @@
               </a:rPr>
               <a:t>userName@example.com</a:t>
             </a:r>
+            <a:endParaRPr lang="en-US" sz="1600" dirty="0" smtClean="0">
+              <a:latin typeface="Courier New" pitchFamily="49" charset="0"/>
+              <a:cs typeface="Courier New" pitchFamily="49" charset="0"/>
+            </a:endParaRPr>
+          </a:p>
+          <a:p>
+            <a:endParaRPr lang="en-US" sz="1600" dirty="0" smtClean="0">
+              <a:latin typeface="Courier New" pitchFamily="49" charset="0"/>
+              <a:cs typeface="Courier New" pitchFamily="49" charset="0"/>
+            </a:endParaRPr>
+          </a:p>
+          <a:p>
             <a:r>
               <a:rPr lang="en-US" sz="1600" dirty="0" smtClean="0">
                 <a:latin typeface="Courier New" pitchFamily="49" charset="0"/>
                 <a:cs typeface="Courier New" pitchFamily="49" charset="0"/>
               </a:rPr>
-              <a:t> </a:t>
-            </a:r>
-            <a:r>
-              <a:rPr lang="de-DE" sz="1600" dirty="0" smtClean="0">
+              <a:t>$ </a:t>
+            </a:r>
+            <a:r>
+              <a:rPr lang="en-US" sz="1600" dirty="0" err="1" smtClean="0">
                 <a:latin typeface="Courier New" pitchFamily="49" charset="0"/>
                 <a:cs typeface="Courier New" pitchFamily="49" charset="0"/>
               </a:rPr>
-              <a:t>" </a:t>
-            </a:r>
-            <a:r>
-              <a:rPr lang="de-DE" sz="1600" dirty="0" smtClean="0">
+              <a:t>git</a:t>
+            </a:r>
+            <a:r>
+              <a:rPr lang="en-US" sz="1600" dirty="0" smtClean="0">
                 <a:latin typeface="Courier New" pitchFamily="49" charset="0"/>
                 <a:cs typeface="Courier New" pitchFamily="49" charset="0"/>
-                <a:sym typeface="Wingdings 3"/>
-              </a:rPr>
-              <a:t>  </a:t>
-            </a:r>
+              </a:rPr>
+              <a:t> </a:t>
+            </a:r>
+            <a:r>
+              <a:rPr lang="en-US" sz="1600" dirty="0" err="1" smtClean="0">
+                <a:latin typeface="Courier New" pitchFamily="49" charset="0"/>
+                <a:cs typeface="Courier New" pitchFamily="49" charset="0"/>
+              </a:rPr>
+              <a:t>config</a:t>
+            </a:r>
+            <a:r>
+              <a:rPr lang="en-US" sz="1600" dirty="0" smtClean="0">
+                <a:latin typeface="Courier New" pitchFamily="49" charset="0"/>
+                <a:cs typeface="Courier New" pitchFamily="49" charset="0"/>
+              </a:rPr>
+              <a:t> --global </a:t>
+            </a:r>
+            <a:r>
+              <a:rPr lang="en-US" sz="1600" dirty="0" err="1" smtClean="0">
+                <a:latin typeface="Courier New" pitchFamily="49" charset="0"/>
+                <a:cs typeface="Courier New" pitchFamily="49" charset="0"/>
+              </a:rPr>
+              <a:t>github.user</a:t>
+            </a:r>
+            <a:r>
+              <a:rPr lang="en-US" sz="1600" dirty="0" smtClean="0">
+                <a:latin typeface="Courier New" pitchFamily="49" charset="0"/>
+                <a:cs typeface="Courier New" pitchFamily="49" charset="0"/>
+              </a:rPr>
+              <a:t> </a:t>
+            </a:r>
+            <a:r>
+              <a:rPr lang="en-US" sz="1600" i="1" dirty="0" smtClean="0">
+                <a:latin typeface="Courier New" pitchFamily="49" charset="0"/>
+                <a:cs typeface="Courier New" pitchFamily="49" charset="0"/>
+              </a:rPr>
+              <a:t>username</a:t>
+            </a:r>
+            <a:endParaRPr lang="en-US" sz="1600" dirty="0" smtClean="0">
+              <a:latin typeface="Courier New" pitchFamily="49" charset="0"/>
+              <a:cs typeface="Courier New" pitchFamily="49" charset="0"/>
+            </a:endParaRPr>
+          </a:p>
+          <a:p>
             <a:endParaRPr lang="en-US" dirty="0" smtClean="0"/>
           </a:p>
           <a:p>
-            <a:endParaRPr lang="en-US" dirty="0" smtClean="0"/>
-          </a:p>
-          <a:p>
-            <a:r>
-              <a:rPr lang="en-US" dirty="0" smtClean="0"/>
-              <a:t>(Press ‘Enter’ key thrice to skip the passphrase questions)</a:t>
-            </a:r>
-          </a:p>
-          <a:p>
-            <a:pPr>
-              <a:buFontTx/>
-              <a:buChar char="-"/>
-            </a:pPr>
-            <a:endParaRPr lang="en-US" dirty="0" smtClean="0"/>
-          </a:p>
-          <a:p>
-            <a:pPr>
-              <a:buFontTx/>
-              <a:buChar char="-"/>
-            </a:pPr>
             <a:endParaRPr lang="en-US" dirty="0" smtClean="0"/>
           </a:p>
           <a:p>
@@ -11369,7 +11426,7 @@
     </p:spTree>
     <p:extLst>
       <p:ext uri="{BB962C8B-B14F-4D97-AF65-F5344CB8AC3E}">
-        <p14:creationId xmlns:p14="http://schemas.microsoft.com/office/powerpoint/2010/main" xmlns="" val="3160812206"/>
+        <p14:creationId xmlns="" xmlns:p14="http://schemas.microsoft.com/office/powerpoint/2010/main" val="3160812206"/>
       </p:ext>
     </p:extLst>
   </p:cSld>
@@ -13368,7 +13425,7 @@
     </p:spTree>
     <p:extLst>
       <p:ext uri="{BB962C8B-B14F-4D97-AF65-F5344CB8AC3E}">
-        <p14:creationId xmlns:p14="http://schemas.microsoft.com/office/powerpoint/2010/main" xmlns="" val="1795653434"/>
+        <p14:creationId xmlns="" xmlns:p14="http://schemas.microsoft.com/office/powerpoint/2010/main" val="1795653434"/>
       </p:ext>
     </p:extLst>
   </p:cSld>
@@ -13511,7 +13568,7 @@
     </p:spTree>
     <p:extLst>
       <p:ext uri="{BB962C8B-B14F-4D97-AF65-F5344CB8AC3E}">
-        <p14:creationId xmlns:p14="http://schemas.microsoft.com/office/powerpoint/2010/main" xmlns="" val="606890052"/>
+        <p14:creationId xmlns="" xmlns:p14="http://schemas.microsoft.com/office/powerpoint/2010/main" val="606890052"/>
       </p:ext>
     </p:extLst>
   </p:cSld>
@@ -13654,11 +13711,7 @@
           <a:p>
             <a:r>
               <a:rPr lang="en-US" b="1" dirty="0" smtClean="0"/>
-              <a:t>Step 1: Fork the </a:t>
-            </a:r>
-            <a:r>
-              <a:rPr lang="en-US" b="1" dirty="0" smtClean="0"/>
-              <a:t>“</a:t>
+              <a:t>Step 1: Fork the “</a:t>
             </a:r>
             <a:r>
               <a:rPr lang="en-US" b="1" dirty="0" err="1" smtClean="0"/>
@@ -13745,11 +13798,7 @@
           <a:p>
             <a:r>
               <a:rPr lang="en-US" b="1" dirty="0" smtClean="0"/>
-              <a:t>Step 2A: Clone the </a:t>
-            </a:r>
-            <a:r>
-              <a:rPr lang="en-US" b="1" dirty="0" smtClean="0"/>
-              <a:t>“</a:t>
+              <a:t>Step 2A: Clone the “</a:t>
             </a:r>
             <a:r>
               <a:rPr lang="en-US" b="1" dirty="0" err="1" smtClean="0"/>
@@ -13757,11 +13806,7 @@
             </a:r>
             <a:r>
               <a:rPr lang="en-US" b="1" dirty="0" smtClean="0"/>
-              <a:t>” </a:t>
-            </a:r>
-            <a:r>
-              <a:rPr lang="en-US" b="1" dirty="0" smtClean="0"/>
-              <a:t>project</a:t>
+              <a:t>” project</a:t>
             </a:r>
             <a:endParaRPr lang="en-US" dirty="0" smtClean="0"/>
           </a:p>
@@ -14115,66 +14160,6 @@
             </a:r>
           </a:p>
           <a:p>
-            <a:pPr>
-              <a:buFont typeface="Arial" pitchFamily="34" charset="0"/>
-              <a:buChar char="•"/>
-            </a:pPr>
-            <a:endParaRPr lang="en-US" b="1" dirty="0" smtClean="0"/>
-          </a:p>
-          <a:p>
-            <a:pPr>
-              <a:buFont typeface="Arial" pitchFamily="34" charset="0"/>
-              <a:buChar char="•"/>
-            </a:pPr>
-            <a:r>
-              <a:rPr lang="en-US" b="1" dirty="0" err="1" smtClean="0"/>
-              <a:t>Unwatch</a:t>
-            </a:r>
-            <a:r>
-              <a:rPr lang="en-US" b="1" dirty="0" smtClean="0"/>
-              <a:t> the main repo</a:t>
-            </a:r>
-          </a:p>
-          <a:p>
-            <a:pPr>
-              <a:buFont typeface="Arial" pitchFamily="34" charset="0"/>
-              <a:buChar char="•"/>
-            </a:pPr>
-            <a:endParaRPr lang="en-US" b="1" dirty="0" smtClean="0"/>
-          </a:p>
-          <a:p>
-            <a:pPr>
-              <a:buFont typeface="Arial" pitchFamily="34" charset="0"/>
-              <a:buChar char="•"/>
-            </a:pPr>
-            <a:endParaRPr lang="en-US" b="1" dirty="0" smtClean="0"/>
-          </a:p>
-          <a:p>
-            <a:pPr>
-              <a:buFont typeface="Arial" pitchFamily="34" charset="0"/>
-              <a:buChar char="•"/>
-            </a:pPr>
-            <a:endParaRPr lang="en-US" b="1" dirty="0" smtClean="0"/>
-          </a:p>
-          <a:p>
-            <a:pPr>
-              <a:buFont typeface="Arial" pitchFamily="34" charset="0"/>
-              <a:buChar char="•"/>
-            </a:pPr>
-            <a:endParaRPr lang="en-US" b="1" dirty="0" smtClean="0"/>
-          </a:p>
-          <a:p>
-            <a:pPr>
-              <a:buFont typeface="Arial" pitchFamily="34" charset="0"/>
-              <a:buChar char="•"/>
-            </a:pPr>
-            <a:endParaRPr lang="en-US" b="1" dirty="0" smtClean="0"/>
-          </a:p>
-          <a:p>
-            <a:pPr>
-              <a:buFont typeface="Arial" pitchFamily="34" charset="0"/>
-              <a:buChar char="•"/>
-            </a:pPr>
             <a:endParaRPr lang="en-US" b="1" dirty="0" smtClean="0"/>
           </a:p>
           <a:p>
@@ -14288,32 +14273,6 @@
           </a:p>
         </p:txBody>
       </p:sp>
-      <p:pic>
-        <p:nvPicPr>
-          <p:cNvPr id="9" name="Picture 2" descr="Click “Unwatch”"/>
-          <p:cNvPicPr>
-            <a:picLocks noChangeAspect="1" noChangeArrowheads="1"/>
-          </p:cNvPicPr>
-          <p:nvPr/>
-        </p:nvPicPr>
-        <p:blipFill>
-          <a:blip r:embed="rId4" cstate="print"/>
-          <a:srcRect/>
-          <a:stretch>
-            <a:fillRect/>
-          </a:stretch>
-        </p:blipFill>
-        <p:spPr bwMode="auto">
-          <a:xfrm>
-            <a:off x="2857450" y="4356322"/>
-            <a:ext cx="5314950" cy="1304926"/>
-          </a:xfrm>
-          <a:prstGeom prst="rect">
-            <a:avLst/>
-          </a:prstGeom>
-          <a:noFill/>
-        </p:spPr>
-      </p:pic>
     </p:spTree>
   </p:cSld>
   <p:clrMapOvr>
@@ -14923,12 +14882,275 @@
           </a:p>
           <a:p>
             <a:r>
+              <a:rPr lang="en-US" sz="2000" b="1" dirty="0" err="1" smtClean="0">
+                <a:solidFill>
+                  <a:srgbClr val="486DA2"/>
+                </a:solidFill>
+                <a:latin typeface="Verdana" pitchFamily="34" charset="0"/>
+              </a:rPr>
+              <a:t>Git</a:t>
+            </a:r>
+            <a:r>
+              <a:rPr lang="en-US" sz="2000" b="1" dirty="0" smtClean="0">
+                <a:solidFill>
+                  <a:srgbClr val="486DA2"/>
+                </a:solidFill>
+                <a:latin typeface="Verdana" pitchFamily="34" charset="0"/>
+              </a:rPr>
+              <a:t> </a:t>
+            </a:r>
+            <a:r>
+              <a:rPr lang="en-US" sz="2000" b="1" dirty="0" smtClean="0">
+                <a:solidFill>
+                  <a:srgbClr val="486DA2"/>
+                </a:solidFill>
+                <a:latin typeface="Verdana" pitchFamily="34" charset="0"/>
+              </a:rPr>
+              <a:t>Clients</a:t>
+            </a:r>
+            <a:endParaRPr lang="en-US" sz="2000" b="1" dirty="0" smtClean="0">
+              <a:solidFill>
+                <a:srgbClr val="486DA2"/>
+              </a:solidFill>
+              <a:latin typeface="Verdana" pitchFamily="34" charset="0"/>
+            </a:endParaRPr>
+          </a:p>
+          <a:p>
+            <a:endParaRPr lang="en-US" b="1" u="sng" dirty="0" smtClean="0">
+              <a:solidFill>
+                <a:srgbClr val="486DA2"/>
+              </a:solidFill>
+              <a:latin typeface="Verdana" pitchFamily="34" charset="0"/>
+            </a:endParaRPr>
+          </a:p>
+          <a:p>
+            <a:r>
+              <a:rPr lang="en-US" b="1" u="sng" dirty="0" smtClean="0">
+                <a:solidFill>
+                  <a:srgbClr val="486DA2"/>
+                </a:solidFill>
+                <a:latin typeface="Verdana" pitchFamily="34" charset="0"/>
+              </a:rPr>
+              <a:t>MAC</a:t>
+            </a:r>
+            <a:endParaRPr lang="en-US" b="1" dirty="0" smtClean="0">
+              <a:solidFill>
+                <a:srgbClr val="486DA2"/>
+              </a:solidFill>
+              <a:latin typeface="Verdana" pitchFamily="34" charset="0"/>
+            </a:endParaRPr>
+          </a:p>
+          <a:p>
+            <a:r>
               <a:rPr lang="en-US" b="1" dirty="0" err="1" smtClean="0">
                 <a:solidFill>
                   <a:srgbClr val="486DA2"/>
                 </a:solidFill>
                 <a:latin typeface="Verdana" pitchFamily="34" charset="0"/>
               </a:rPr>
+              <a:t>Gitti</a:t>
+            </a:r>
+            <a:r>
+              <a:rPr lang="en-US" b="1" dirty="0" smtClean="0">
+                <a:solidFill>
+                  <a:srgbClr val="486DA2"/>
+                </a:solidFill>
+                <a:latin typeface="Verdana" pitchFamily="34" charset="0"/>
+              </a:rPr>
+              <a:t> - </a:t>
+            </a:r>
+            <a:r>
+              <a:rPr lang="en-US" dirty="0" smtClean="0">
+                <a:hlinkClick r:id="rId4"/>
+              </a:rPr>
+              <a:t>http://www.gittiapp.com/</a:t>
+            </a:r>
+            <a:endParaRPr lang="en-US" b="1" dirty="0" smtClean="0">
+              <a:solidFill>
+                <a:srgbClr val="486DA2"/>
+              </a:solidFill>
+              <a:latin typeface="Verdana" pitchFamily="34" charset="0"/>
+            </a:endParaRPr>
+          </a:p>
+          <a:p>
+            <a:r>
+              <a:rPr lang="en-US" b="1" dirty="0" err="1" smtClean="0">
+                <a:solidFill>
+                  <a:srgbClr val="486DA2"/>
+                </a:solidFill>
+                <a:latin typeface="Verdana" pitchFamily="34" charset="0"/>
+              </a:rPr>
+              <a:t>Atlassian</a:t>
+            </a:r>
+            <a:r>
+              <a:rPr lang="en-US" b="1" dirty="0" smtClean="0">
+                <a:solidFill>
+                  <a:srgbClr val="486DA2"/>
+                </a:solidFill>
+                <a:latin typeface="Verdana" pitchFamily="34" charset="0"/>
+              </a:rPr>
+              <a:t> </a:t>
+            </a:r>
+            <a:r>
+              <a:rPr lang="en-US" b="1" dirty="0" smtClean="0">
+                <a:solidFill>
+                  <a:srgbClr val="486DA2"/>
+                </a:solidFill>
+                <a:latin typeface="Verdana" pitchFamily="34" charset="0"/>
+              </a:rPr>
+              <a:t>Source Tree - </a:t>
+            </a:r>
+            <a:r>
+              <a:rPr lang="en-US" b="1" dirty="0" smtClean="0">
+                <a:solidFill>
+                  <a:srgbClr val="486DA2"/>
+                </a:solidFill>
+                <a:latin typeface="Verdana" pitchFamily="34" charset="0"/>
+                <a:hlinkClick r:id="rId5"/>
+              </a:rPr>
+              <a:t>www.sourcetreeapp.com</a:t>
+            </a:r>
+            <a:endParaRPr lang="en-US" b="1" dirty="0" smtClean="0">
+              <a:solidFill>
+                <a:srgbClr val="486DA2"/>
+              </a:solidFill>
+              <a:latin typeface="Verdana" pitchFamily="34" charset="0"/>
+            </a:endParaRPr>
+          </a:p>
+          <a:p>
+            <a:r>
+              <a:rPr lang="en-US" b="1" dirty="0" smtClean="0">
+                <a:solidFill>
+                  <a:srgbClr val="486DA2"/>
+                </a:solidFill>
+                <a:latin typeface="Verdana" pitchFamily="34" charset="0"/>
+              </a:rPr>
+              <a:t>Tower (Commercial) - </a:t>
+            </a:r>
+            <a:r>
+              <a:rPr lang="en-US" dirty="0" smtClean="0">
+                <a:hlinkClick r:id="rId6"/>
+              </a:rPr>
+              <a:t>http://www.git-tower.com</a:t>
+            </a:r>
+            <a:r>
+              <a:rPr lang="en-US" dirty="0" smtClean="0">
+                <a:hlinkClick r:id="rId6"/>
+              </a:rPr>
+              <a:t>/</a:t>
+            </a:r>
+            <a:endParaRPr lang="en-US" dirty="0" smtClean="0"/>
+          </a:p>
+          <a:p>
+            <a:r>
+              <a:rPr lang="en-US" b="1" dirty="0" smtClean="0">
+                <a:solidFill>
+                  <a:srgbClr val="486DA2"/>
+                </a:solidFill>
+                <a:latin typeface="Verdana" pitchFamily="34" charset="0"/>
+              </a:rPr>
+              <a:t>Smart </a:t>
+            </a:r>
+            <a:r>
+              <a:rPr lang="en-US" b="1" dirty="0" err="1" smtClean="0">
+                <a:solidFill>
+                  <a:srgbClr val="486DA2"/>
+                </a:solidFill>
+                <a:latin typeface="Verdana" pitchFamily="34" charset="0"/>
+              </a:rPr>
+              <a:t>git</a:t>
+            </a:r>
+            <a:r>
+              <a:rPr lang="en-US" b="1" dirty="0" smtClean="0">
+                <a:solidFill>
+                  <a:srgbClr val="486DA2"/>
+                </a:solidFill>
+                <a:latin typeface="Verdana" pitchFamily="34" charset="0"/>
+              </a:rPr>
+              <a:t> (Commercial) - </a:t>
+            </a:r>
+            <a:r>
+              <a:rPr lang="en-US" dirty="0" smtClean="0">
+                <a:hlinkClick r:id="rId7"/>
+              </a:rPr>
+              <a:t>http://</a:t>
+            </a:r>
+            <a:r>
+              <a:rPr lang="en-US" dirty="0" smtClean="0">
+                <a:hlinkClick r:id="rId7"/>
+              </a:rPr>
+              <a:t>www.syntevo.com/smartgit/index.html</a:t>
+            </a:r>
+            <a:endParaRPr lang="en-US" dirty="0" smtClean="0"/>
+          </a:p>
+          <a:p>
+            <a:r>
+              <a:rPr lang="en-US" b="1" dirty="0" err="1" smtClean="0">
+                <a:solidFill>
+                  <a:srgbClr val="486DA2"/>
+                </a:solidFill>
+                <a:latin typeface="Verdana" pitchFamily="34" charset="0"/>
+              </a:rPr>
+              <a:t>GitX</a:t>
+            </a:r>
+            <a:r>
+              <a:rPr lang="en-US" b="1" dirty="0" smtClean="0">
+                <a:solidFill>
+                  <a:srgbClr val="486DA2"/>
+                </a:solidFill>
+                <a:latin typeface="Verdana" pitchFamily="34" charset="0"/>
+              </a:rPr>
+              <a:t> - </a:t>
+            </a:r>
+            <a:r>
+              <a:rPr lang="en-US" dirty="0" smtClean="0">
+                <a:hlinkClick r:id="rId8"/>
+              </a:rPr>
+              <a:t>http://gitx.frim.nl/</a:t>
+            </a:r>
+            <a:endParaRPr lang="en-US" b="1" dirty="0" smtClean="0">
+              <a:solidFill>
+                <a:srgbClr val="486DA2"/>
+              </a:solidFill>
+              <a:latin typeface="Verdana" pitchFamily="34" charset="0"/>
+            </a:endParaRPr>
+          </a:p>
+          <a:p>
+            <a:endParaRPr lang="en-US" b="1" u="sng" dirty="0" smtClean="0">
+              <a:solidFill>
+                <a:srgbClr val="486DA2"/>
+              </a:solidFill>
+              <a:latin typeface="Verdana" pitchFamily="34" charset="0"/>
+            </a:endParaRPr>
+          </a:p>
+          <a:p>
+            <a:r>
+              <a:rPr lang="en-US" b="1" u="sng" dirty="0" smtClean="0">
+                <a:solidFill>
+                  <a:srgbClr val="486DA2"/>
+                </a:solidFill>
+                <a:latin typeface="Verdana" pitchFamily="34" charset="0"/>
+              </a:rPr>
+              <a:t>Windows</a:t>
+            </a:r>
+          </a:p>
+          <a:p>
+            <a:r>
+              <a:rPr lang="en-US" b="1" dirty="0" smtClean="0">
+                <a:solidFill>
+                  <a:srgbClr val="486DA2"/>
+                </a:solidFill>
+                <a:latin typeface="Verdana" pitchFamily="34" charset="0"/>
+              </a:rPr>
+              <a:t>Tortoise </a:t>
+            </a:r>
+            <a:r>
+              <a:rPr lang="en-US" b="1" dirty="0" err="1" smtClean="0">
+                <a:solidFill>
+                  <a:srgbClr val="486DA2"/>
+                </a:solidFill>
+                <a:latin typeface="Verdana" pitchFamily="34" charset="0"/>
+              </a:rPr>
               <a:t>Git</a:t>
             </a:r>
             <a:r>
@@ -14938,8 +15160,106 @@
                 </a:solidFill>
                 <a:latin typeface="Verdana" pitchFamily="34" charset="0"/>
               </a:rPr>
-              <a:t> Clients</a:t>
-            </a:r>
+              <a:t> - </a:t>
+            </a:r>
+            <a:r>
+              <a:rPr lang="en-US" dirty="0" smtClean="0">
+                <a:hlinkClick r:id="rId9"/>
+              </a:rPr>
+              <a:t>http://code.google.com/p/tortoisegit</a:t>
+            </a:r>
+            <a:r>
+              <a:rPr lang="en-US" dirty="0" smtClean="0">
+                <a:hlinkClick r:id="rId9"/>
+              </a:rPr>
+              <a:t>/</a:t>
+            </a:r>
+            <a:endParaRPr lang="en-US" dirty="0" smtClean="0"/>
+          </a:p>
+          <a:p>
+            <a:r>
+              <a:rPr lang="en-US" b="1" dirty="0" err="1" smtClean="0">
+                <a:solidFill>
+                  <a:srgbClr val="486DA2"/>
+                </a:solidFill>
+                <a:latin typeface="Verdana" pitchFamily="34" charset="0"/>
+              </a:rPr>
+              <a:t>Git</a:t>
+            </a:r>
+            <a:r>
+              <a:rPr lang="en-US" b="1" dirty="0" smtClean="0">
+                <a:solidFill>
+                  <a:srgbClr val="486DA2"/>
+                </a:solidFill>
+                <a:latin typeface="Verdana" pitchFamily="34" charset="0"/>
+              </a:rPr>
+              <a:t> Extension - </a:t>
+            </a:r>
+            <a:r>
+              <a:rPr lang="en-US" dirty="0" smtClean="0">
+                <a:hlinkClick r:id="rId10"/>
+              </a:rPr>
+              <a:t>http://code.google.com/p/gitextensions</a:t>
+            </a:r>
+            <a:r>
+              <a:rPr lang="en-US" dirty="0" smtClean="0">
+                <a:hlinkClick r:id="rId10"/>
+              </a:rPr>
+              <a:t>/</a:t>
+            </a:r>
+            <a:endParaRPr lang="en-US" dirty="0" smtClean="0"/>
+          </a:p>
+          <a:p>
+            <a:r>
+              <a:rPr lang="en-US" b="1" dirty="0" smtClean="0">
+                <a:solidFill>
+                  <a:srgbClr val="486DA2"/>
+                </a:solidFill>
+                <a:latin typeface="Verdana" pitchFamily="34" charset="0"/>
+              </a:rPr>
+              <a:t>Smart </a:t>
+            </a:r>
+            <a:r>
+              <a:rPr lang="en-US" b="1" dirty="0" err="1" smtClean="0">
+                <a:solidFill>
+                  <a:srgbClr val="486DA2"/>
+                </a:solidFill>
+                <a:latin typeface="Verdana" pitchFamily="34" charset="0"/>
+              </a:rPr>
+              <a:t>git</a:t>
+            </a:r>
+            <a:r>
+              <a:rPr lang="en-US" b="1" dirty="0" smtClean="0">
+                <a:solidFill>
+                  <a:srgbClr val="486DA2"/>
+                </a:solidFill>
+                <a:latin typeface="Verdana" pitchFamily="34" charset="0"/>
+              </a:rPr>
+              <a:t> (Commercial) - </a:t>
+            </a:r>
+            <a:r>
+              <a:rPr lang="en-US" dirty="0" smtClean="0">
+                <a:hlinkClick r:id="rId7"/>
+              </a:rPr>
+              <a:t>http://www.syntevo.com/smartgit/index.html</a:t>
+            </a:r>
+            <a:endParaRPr lang="en-US" dirty="0" smtClean="0"/>
+          </a:p>
+          <a:p>
+            <a:endParaRPr lang="en-US" b="1" dirty="0" smtClean="0">
+              <a:solidFill>
+                <a:srgbClr val="486DA2"/>
+              </a:solidFill>
+              <a:latin typeface="Verdana" pitchFamily="34" charset="0"/>
+            </a:endParaRPr>
+          </a:p>
+          <a:p>
+            <a:endParaRPr lang="en-US" b="1" dirty="0" smtClean="0">
+              <a:solidFill>
+                <a:srgbClr val="486DA2"/>
+              </a:solidFill>
+              <a:latin typeface="Verdana" pitchFamily="34" charset="0"/>
+            </a:endParaRPr>
           </a:p>
           <a:p>
             <a:endParaRPr lang="en-US" b="1" dirty="0">
@@ -15518,7 +15838,7 @@
           <a:blip r:embed="rId9" cstate="print">
             <a:extLst>
               <a:ext uri="{28A0092B-C50C-407E-A947-70E740481C1C}">
-                <a14:useLocalDpi xmlns:a14="http://schemas.microsoft.com/office/drawing/2010/main" xmlns="" val="0"/>
+                <a14:useLocalDpi xmlns="" xmlns:a14="http://schemas.microsoft.com/office/drawing/2010/main" val="0"/>
               </a:ext>
             </a:extLst>
           </a:blip>

--- a/GitHub.pptx
+++ b/GitHub.pptx
@@ -251,7 +251,7 @@
             <a:fld id="{8B93CF00-3018-440F-8C99-39B9A2E3D4AF}" type="datetimeFigureOut">
               <a:rPr lang="en-US" smtClean="0"/>
               <a:pPr/>
-              <a:t>3/18/2012</a:t>
+              <a:t>3/19/2012</a:t>
             </a:fld>
             <a:endParaRPr lang="en-US"/>
           </a:p>
@@ -422,7 +422,7 @@
     </p:spTree>
     <p:extLst>
       <p:ext uri="{BB962C8B-B14F-4D97-AF65-F5344CB8AC3E}">
-        <p14:creationId xmlns="" xmlns:p14="http://schemas.microsoft.com/office/powerpoint/2010/main" val="486385863"/>
+        <p14:creationId xmlns:p14="http://schemas.microsoft.com/office/powerpoint/2010/main" xmlns="" val="486385863"/>
       </p:ext>
     </p:extLst>
   </p:cSld>
@@ -3131,11 +3131,7 @@
             </a:r>
             <a:r>
               <a:rPr lang="en-US" dirty="0" smtClean="0"/>
-              <a:t> </a:t>
-            </a:r>
-            <a:r>
-              <a:rPr lang="en-US" dirty="0" smtClean="0"/>
-              <a:t>repo, but so far it only exists on </a:t>
+              <a:t> repo, but so far it only exists on </a:t>
             </a:r>
             <a:r>
               <a:rPr lang="en-US" dirty="0" err="1" smtClean="0"/>
@@ -4913,7 +4909,7 @@
     </p:spTree>
     <p:extLst>
       <p:ext uri="{BB962C8B-B14F-4D97-AF65-F5344CB8AC3E}">
-        <p14:creationId xmlns="" xmlns:p14="http://schemas.microsoft.com/office/powerpoint/2010/main" val="1343535215"/>
+        <p14:creationId xmlns:p14="http://schemas.microsoft.com/office/powerpoint/2010/main" xmlns="" val="1343535215"/>
       </p:ext>
     </p:extLst>
   </p:cSld>
@@ -7741,39 +7737,20 @@
                 </a:solidFill>
                 <a:latin typeface="Verdana" pitchFamily="34" charset="0"/>
               </a:rPr>
-              <a:t> and the CG </a:t>
-            </a:r>
+              <a:t> and the CG team</a:t>
+            </a:r>
+          </a:p>
+          <a:p>
+            <a:pPr algn="ctr"/>
             <a:r>
               <a:rPr lang="fr-FR" sz="2000" b="1" i="1" dirty="0" smtClean="0">
                 <a:solidFill>
                   <a:srgbClr val="486DA2"/>
                 </a:solidFill>
                 <a:latin typeface="Verdana" pitchFamily="34" charset="0"/>
-              </a:rPr>
-              <a:t>team</a:t>
-            </a:r>
-          </a:p>
-          <a:p>
-            <a:pPr algn="ctr"/>
-            <a:r>
-              <a:rPr lang="fr-FR" sz="2000" b="1" i="1" dirty="0" smtClean="0">
-                <a:solidFill>
-                  <a:srgbClr val="486DA2"/>
-                </a:solidFill>
-                <a:latin typeface="Verdana" pitchFamily="34" charset="0"/>
                 <a:hlinkClick r:id="rId4"/>
               </a:rPr>
-              <a:t>http://</a:t>
-            </a:r>
-            <a:r>
-              <a:rPr lang="fr-FR" sz="2000" b="1" i="1" dirty="0" smtClean="0">
-                <a:solidFill>
-                  <a:srgbClr val="486DA2"/>
-                </a:solidFill>
-                <a:latin typeface="Verdana" pitchFamily="34" charset="0"/>
-                <a:hlinkClick r:id="rId4"/>
-              </a:rPr>
-              <a:t>bit.ly/setupgit</a:t>
+              <a:t>http://bit.ly/setupgit</a:t>
             </a:r>
             <a:endParaRPr lang="fr-FR" sz="2000" b="1" i="1" dirty="0" smtClean="0">
               <a:solidFill>
@@ -7934,7 +7911,7 @@
           <a:blip r:embed="rId8" cstate="print">
             <a:extLst>
               <a:ext uri="{28A0092B-C50C-407E-A947-70E740481C1C}">
-                <a14:useLocalDpi xmlns="" xmlns:a14="http://schemas.microsoft.com/office/drawing/2010/main" val="0"/>
+                <a14:useLocalDpi xmlns:a14="http://schemas.microsoft.com/office/drawing/2010/main" xmlns="" val="0"/>
               </a:ext>
             </a:extLst>
           </a:blip>
@@ -8823,15 +8800,15 @@
             </a:pPr>
             <a:r>
               <a:rPr lang="en-US" dirty="0" smtClean="0"/>
-              <a:t>FREE on open </a:t>
-            </a:r>
-            <a:r>
-              <a:rPr lang="en-US" dirty="0" err="1" smtClean="0"/>
-              <a:t>souce</a:t>
+              <a:t>FREE on </a:t>
+            </a:r>
+            <a:r>
+              <a:rPr lang="en-US" smtClean="0"/>
+              <a:t>open source </a:t>
             </a:r>
             <a:r>
               <a:rPr lang="en-US" dirty="0" smtClean="0"/>
-              <a:t> repos</a:t>
+              <a:t>repos</a:t>
             </a:r>
           </a:p>
           <a:p>
@@ -8957,7 +8934,7 @@
     </p:spTree>
     <p:extLst>
       <p:ext uri="{BB962C8B-B14F-4D97-AF65-F5344CB8AC3E}">
-        <p14:creationId xmlns="" xmlns:p14="http://schemas.microsoft.com/office/powerpoint/2010/main" val="1318206517"/>
+        <p14:creationId xmlns:p14="http://schemas.microsoft.com/office/powerpoint/2010/main" xmlns="" val="1318206517"/>
       </p:ext>
     </p:extLst>
   </p:cSld>
@@ -9138,7 +9115,7 @@
     </p:spTree>
     <p:extLst>
       <p:ext uri="{BB962C8B-B14F-4D97-AF65-F5344CB8AC3E}">
-        <p14:creationId xmlns="" xmlns:p14="http://schemas.microsoft.com/office/powerpoint/2010/main" val="2344691747"/>
+        <p14:creationId xmlns:p14="http://schemas.microsoft.com/office/powerpoint/2010/main" xmlns="" val="2344691747"/>
       </p:ext>
     </p:extLst>
   </p:cSld>
@@ -10879,26 +10856,16 @@
           <a:p>
             <a:r>
               <a:rPr lang="en-US" dirty="0" smtClean="0"/>
-              <a:t>(Press ‘Enter’ key thrice to skip the passphrase questions</a:t>
-            </a:r>
-            <a:r>
-              <a:rPr lang="en-US" dirty="0" smtClean="0"/>
-              <a:t>)</a:t>
-            </a:r>
-          </a:p>
-          <a:p>
-            <a:endParaRPr lang="en-US" dirty="0" smtClean="0"/>
-          </a:p>
-          <a:p>
-            <a:r>
-              <a:rPr lang="en-US" b="1" dirty="0" smtClean="0">
-                <a:solidFill>
-                  <a:srgbClr val="486DA2"/>
-                </a:solidFill>
-                <a:latin typeface="Verdana" pitchFamily="34" charset="0"/>
-              </a:rPr>
-              <a:t> </a:t>
-            </a:r>
+              <a:t>(Press ‘Enter’ key thrice to skip the passphrase questions)</a:t>
+            </a:r>
+          </a:p>
+          <a:p>
+            <a:endParaRPr lang="en-US" b="1" dirty="0" smtClean="0">
+              <a:solidFill>
+                <a:srgbClr val="486DA2"/>
+              </a:solidFill>
+              <a:latin typeface="Verdana" pitchFamily="34" charset="0"/>
+            </a:endParaRPr>
           </a:p>
           <a:p>
             <a:pPr>
@@ -10912,16 +10879,7 @@
                 </a:solidFill>
                 <a:latin typeface="Verdana" pitchFamily="34" charset="0"/>
               </a:rPr>
-              <a:t>Setup </a:t>
-            </a:r>
-            <a:r>
-              <a:rPr lang="en-US" sz="2000" b="1" dirty="0" smtClean="0">
-                <a:solidFill>
-                  <a:srgbClr val="486DA2"/>
-                </a:solidFill>
-                <a:latin typeface="Verdana" pitchFamily="34" charset="0"/>
-              </a:rPr>
-              <a:t>your identity:</a:t>
+              <a:t>Setup your identity:</a:t>
             </a:r>
           </a:p>
           <a:p>
@@ -11080,83 +11038,74 @@
             </a:endParaRPr>
           </a:p>
           <a:p>
-            <a:r>
-              <a:rPr lang="en-US" sz="1600" dirty="0" smtClean="0">
+            <a:endParaRPr lang="en-US" dirty="0" smtClean="0"/>
+          </a:p>
+          <a:p>
+            <a:endParaRPr lang="en-US" dirty="0" smtClean="0"/>
+          </a:p>
+          <a:p>
+            <a:r>
+              <a:rPr lang="en-US" sz="2000" b="1" dirty="0" smtClean="0">
+                <a:solidFill>
+                  <a:srgbClr val="486DA2"/>
+                </a:solidFill>
+                <a:latin typeface="Verdana" pitchFamily="34" charset="0"/>
+              </a:rPr>
+              <a:t>Create local GIT Repositories</a:t>
+            </a:r>
+            <a:r>
+              <a:rPr lang="en-US" sz="2000" b="1" dirty="0" smtClean="0">
+                <a:solidFill>
+                  <a:srgbClr val="486DA2"/>
+                </a:solidFill>
+                <a:latin typeface="Verdana" pitchFamily="34" charset="0"/>
+              </a:rPr>
+              <a:t>:</a:t>
+            </a:r>
+          </a:p>
+          <a:p>
+            <a:r>
+              <a:rPr lang="en-US" sz="2000" dirty="0" smtClean="0">
                 <a:latin typeface="Courier New" pitchFamily="49" charset="0"/>
                 <a:cs typeface="Courier New" pitchFamily="49" charset="0"/>
               </a:rPr>
               <a:t>$ </a:t>
             </a:r>
             <a:r>
-              <a:rPr lang="en-US" sz="1600" dirty="0" err="1" smtClean="0">
+              <a:rPr lang="en-US" sz="2000" dirty="0" err="1" smtClean="0">
                 <a:latin typeface="Courier New" pitchFamily="49" charset="0"/>
                 <a:cs typeface="Courier New" pitchFamily="49" charset="0"/>
               </a:rPr>
               <a:t>git</a:t>
             </a:r>
             <a:r>
-              <a:rPr lang="en-US" sz="1600" dirty="0" smtClean="0">
+              <a:rPr lang="en-US" sz="2000" dirty="0" smtClean="0">
                 <a:latin typeface="Courier New" pitchFamily="49" charset="0"/>
                 <a:cs typeface="Courier New" pitchFamily="49" charset="0"/>
               </a:rPr>
               <a:t> </a:t>
             </a:r>
             <a:r>
-              <a:rPr lang="en-US" sz="1600" dirty="0" err="1" smtClean="0">
+              <a:rPr lang="en-US" sz="2000" dirty="0" err="1" smtClean="0">
                 <a:latin typeface="Courier New" pitchFamily="49" charset="0"/>
                 <a:cs typeface="Courier New" pitchFamily="49" charset="0"/>
               </a:rPr>
               <a:t>config</a:t>
             </a:r>
-            <a:r>
-              <a:rPr lang="en-US" sz="1600" dirty="0" smtClean="0">
-                <a:latin typeface="Courier New" pitchFamily="49" charset="0"/>
-                <a:cs typeface="Courier New" pitchFamily="49" charset="0"/>
-              </a:rPr>
-              <a:t> --global </a:t>
-            </a:r>
-            <a:r>
-              <a:rPr lang="en-US" sz="1600" dirty="0" err="1" smtClean="0">
-                <a:latin typeface="Courier New" pitchFamily="49" charset="0"/>
-                <a:cs typeface="Courier New" pitchFamily="49" charset="0"/>
-              </a:rPr>
-              <a:t>github.user</a:t>
-            </a:r>
-            <a:r>
-              <a:rPr lang="en-US" sz="1600" dirty="0" smtClean="0">
-                <a:latin typeface="Courier New" pitchFamily="49" charset="0"/>
-                <a:cs typeface="Courier New" pitchFamily="49" charset="0"/>
-              </a:rPr>
-              <a:t> </a:t>
-            </a:r>
-            <a:r>
-              <a:rPr lang="en-US" sz="1600" i="1" dirty="0" smtClean="0">
-                <a:latin typeface="Courier New" pitchFamily="49" charset="0"/>
-                <a:cs typeface="Courier New" pitchFamily="49" charset="0"/>
-              </a:rPr>
-              <a:t>username</a:t>
-            </a:r>
-            <a:endParaRPr lang="en-US" sz="1600" dirty="0" smtClean="0">
-              <a:latin typeface="Courier New" pitchFamily="49" charset="0"/>
-              <a:cs typeface="Courier New" pitchFamily="49" charset="0"/>
+            <a:endParaRPr lang="en-US" sz="2000" b="1" dirty="0" smtClean="0">
+              <a:solidFill>
+                <a:srgbClr val="486DA2"/>
+              </a:solidFill>
+              <a:latin typeface="Verdana" pitchFamily="34" charset="0"/>
             </a:endParaRPr>
           </a:p>
           <a:p>
-            <a:endParaRPr lang="en-US" dirty="0" smtClean="0"/>
-          </a:p>
-          <a:p>
-            <a:endParaRPr lang="en-US" dirty="0" smtClean="0"/>
-          </a:p>
-          <a:p>
-            <a:r>
-              <a:rPr lang="en-US" sz="2000" b="1" dirty="0" smtClean="0">
-                <a:solidFill>
-                  <a:srgbClr val="486DA2"/>
-                </a:solidFill>
-                <a:latin typeface="Verdana" pitchFamily="34" charset="0"/>
-              </a:rPr>
-              <a:t>Create local GIT Repositories:</a:t>
-            </a:r>
+            <a:endParaRPr lang="en-US" sz="2000" b="1" dirty="0" smtClean="0">
+              <a:solidFill>
+                <a:srgbClr val="486DA2"/>
+              </a:solidFill>
+              <a:latin typeface="Verdana" pitchFamily="34" charset="0"/>
+            </a:endParaRPr>
           </a:p>
           <a:p>
             <a:endParaRPr lang="en-US" sz="1600" dirty="0"/>
@@ -11426,7 +11375,7 @@
     </p:spTree>
     <p:extLst>
       <p:ext uri="{BB962C8B-B14F-4D97-AF65-F5344CB8AC3E}">
-        <p14:creationId xmlns="" xmlns:p14="http://schemas.microsoft.com/office/powerpoint/2010/main" val="3160812206"/>
+        <p14:creationId xmlns:p14="http://schemas.microsoft.com/office/powerpoint/2010/main" xmlns="" val="3160812206"/>
       </p:ext>
     </p:extLst>
   </p:cSld>
@@ -12728,6 +12677,14 @@
           <a:bodyPr lIns="180000" tIns="180000" rIns="180000" bIns="180000"/>
           <a:lstStyle/>
           <a:p>
+            <a:endParaRPr lang="en-US" b="1" dirty="0" smtClean="0">
+              <a:solidFill>
+                <a:srgbClr val="486DA2"/>
+              </a:solidFill>
+              <a:latin typeface="Verdana" pitchFamily="34" charset="0"/>
+            </a:endParaRPr>
+          </a:p>
+          <a:p>
             <a:pPr>
               <a:buFont typeface="Arial" pitchFamily="34" charset="0"/>
               <a:buChar char="•"/>
@@ -12757,7 +12714,7 @@
                 </a:solidFill>
                 <a:latin typeface="Verdana" pitchFamily="34" charset="0"/>
               </a:rPr>
-              <a:t> add</a:t>
+              <a:t> reset</a:t>
             </a:r>
           </a:p>
           <a:p>
@@ -12801,33 +12758,12 @@
               <a:buFont typeface="Arial" pitchFamily="34" charset="0"/>
               <a:buChar char="•"/>
             </a:pPr>
-            <a:r>
-              <a:rPr lang="en-US" b="1" dirty="0" smtClean="0">
-                <a:solidFill>
-                  <a:srgbClr val="486DA2"/>
-                </a:solidFill>
-                <a:latin typeface="Verdana" pitchFamily="34" charset="0"/>
-              </a:rPr>
-              <a:t> </a:t>
-            </a:r>
-            <a:r>
-              <a:rPr lang="en-US" b="1" dirty="0" err="1" smtClean="0">
-                <a:solidFill>
-                  <a:srgbClr val="486DA2"/>
-                </a:solidFill>
-                <a:latin typeface="Verdana" pitchFamily="34" charset="0"/>
-              </a:rPr>
-              <a:t>git</a:t>
-            </a:r>
-            <a:r>
-              <a:rPr lang="en-US" b="1" dirty="0" smtClean="0">
-                <a:solidFill>
-                  <a:srgbClr val="486DA2"/>
-                </a:solidFill>
-                <a:latin typeface="Verdana" pitchFamily="34" charset="0"/>
-              </a:rPr>
-              <a:t> reset</a:t>
-            </a:r>
+            <a:endParaRPr lang="en-US" b="1" dirty="0" smtClean="0">
+              <a:solidFill>
+                <a:srgbClr val="486DA2"/>
+              </a:solidFill>
+              <a:latin typeface="Verdana" pitchFamily="34" charset="0"/>
+            </a:endParaRPr>
           </a:p>
           <a:p>
             <a:pPr>
@@ -12870,54 +12806,6 @@
               <a:buFont typeface="Arial" pitchFamily="34" charset="0"/>
               <a:buChar char="•"/>
             </a:pPr>
-            <a:endParaRPr lang="en-US" b="1" dirty="0" smtClean="0">
-              <a:solidFill>
-                <a:srgbClr val="486DA2"/>
-              </a:solidFill>
-              <a:latin typeface="Verdana" pitchFamily="34" charset="0"/>
-            </a:endParaRPr>
-          </a:p>
-          <a:p>
-            <a:pPr>
-              <a:buFont typeface="Arial" pitchFamily="34" charset="0"/>
-              <a:buChar char="•"/>
-            </a:pPr>
-            <a:endParaRPr lang="en-US" b="1" dirty="0" smtClean="0">
-              <a:solidFill>
-                <a:srgbClr val="486DA2"/>
-              </a:solidFill>
-              <a:latin typeface="Verdana" pitchFamily="34" charset="0"/>
-            </a:endParaRPr>
-          </a:p>
-          <a:p>
-            <a:pPr>
-              <a:buFont typeface="Arial" pitchFamily="34" charset="0"/>
-              <a:buChar char="•"/>
-            </a:pPr>
-            <a:endParaRPr lang="en-US" b="1" dirty="0" smtClean="0">
-              <a:solidFill>
-                <a:srgbClr val="486DA2"/>
-              </a:solidFill>
-              <a:latin typeface="Verdana" pitchFamily="34" charset="0"/>
-            </a:endParaRPr>
-          </a:p>
-          <a:p>
-            <a:pPr>
-              <a:buFont typeface="Arial" pitchFamily="34" charset="0"/>
-              <a:buChar char="•"/>
-            </a:pPr>
-            <a:endParaRPr lang="en-US" b="1" dirty="0" smtClean="0">
-              <a:solidFill>
-                <a:srgbClr val="486DA2"/>
-              </a:solidFill>
-              <a:latin typeface="Verdana" pitchFamily="34" charset="0"/>
-            </a:endParaRPr>
-          </a:p>
-          <a:p>
-            <a:pPr>
-              <a:buFont typeface="Arial" pitchFamily="34" charset="0"/>
-              <a:buChar char="•"/>
-            </a:pPr>
             <a:r>
               <a:rPr lang="en-US" b="1" dirty="0" smtClean="0">
                 <a:solidFill>
@@ -13148,7 +13036,7 @@
       </p:sp>
       <p:pic>
         <p:nvPicPr>
-          <p:cNvPr id="33796" name="Picture 4" descr="image"/>
+          <p:cNvPr id="10" name="Picture 2" descr="image"/>
           <p:cNvPicPr>
             <a:picLocks noChangeAspect="1" noChangeArrowheads="1"/>
           </p:cNvPicPr>
@@ -13163,33 +13051,7 @@
         </p:blipFill>
         <p:spPr bwMode="auto">
           <a:xfrm>
-            <a:off x="2232248" y="1570541"/>
-            <a:ext cx="6804248" cy="490307"/>
-          </a:xfrm>
-          <a:prstGeom prst="rect">
-            <a:avLst/>
-          </a:prstGeom>
-          <a:noFill/>
-        </p:spPr>
-      </p:pic>
-      <p:pic>
-        <p:nvPicPr>
-          <p:cNvPr id="10" name="Picture 2" descr="image"/>
-          <p:cNvPicPr>
-            <a:picLocks noChangeAspect="1" noChangeArrowheads="1"/>
-          </p:cNvPicPr>
-          <p:nvPr/>
-        </p:nvPicPr>
-        <p:blipFill>
-          <a:blip r:embed="rId5" cstate="print"/>
-          <a:srcRect/>
-          <a:stretch>
-            <a:fillRect/>
-          </a:stretch>
-        </p:blipFill>
-        <p:spPr bwMode="auto">
-          <a:xfrm>
-            <a:off x="2267744" y="2663180"/>
+            <a:off x="2267744" y="1916832"/>
             <a:ext cx="6600825" cy="1485900"/>
           </a:xfrm>
           <a:prstGeom prst="rect">
@@ -13425,7 +13287,7 @@
     </p:spTree>
     <p:extLst>
       <p:ext uri="{BB962C8B-B14F-4D97-AF65-F5344CB8AC3E}">
-        <p14:creationId xmlns="" xmlns:p14="http://schemas.microsoft.com/office/powerpoint/2010/main" val="1795653434"/>
+        <p14:creationId xmlns:p14="http://schemas.microsoft.com/office/powerpoint/2010/main" xmlns="" val="1795653434"/>
       </p:ext>
     </p:extLst>
   </p:cSld>
@@ -13568,7 +13430,7 @@
     </p:spTree>
     <p:extLst>
       <p:ext uri="{BB962C8B-B14F-4D97-AF65-F5344CB8AC3E}">
-        <p14:creationId xmlns="" xmlns:p14="http://schemas.microsoft.com/office/powerpoint/2010/main" val="606890052"/>
+        <p14:creationId xmlns:p14="http://schemas.microsoft.com/office/powerpoint/2010/main" xmlns="" val="606890052"/>
       </p:ext>
     </p:extLst>
   </p:cSld>
@@ -14126,27 +13988,6 @@
             </a:r>
           </a:p>
           <a:p>
-            <a:pPr>
-              <a:buFont typeface="Arial" pitchFamily="34" charset="0"/>
-              <a:buChar char="•"/>
-            </a:pPr>
-            <a:endParaRPr lang="en-US" dirty="0" smtClean="0"/>
-          </a:p>
-          <a:p>
-            <a:pPr>
-              <a:buFont typeface="Arial" pitchFamily="34" charset="0"/>
-              <a:buChar char="•"/>
-            </a:pPr>
-            <a:r>
-              <a:rPr lang="en-US" b="1" dirty="0" smtClean="0"/>
-              <a:t>Work with branches</a:t>
-            </a:r>
-          </a:p>
-          <a:p>
-            <a:pPr>
-              <a:buFont typeface="Arial" pitchFamily="34" charset="0"/>
-              <a:buChar char="•"/>
-            </a:pPr>
             <a:endParaRPr lang="en-US" b="1" dirty="0" smtClean="0"/>
           </a:p>
           <a:p>
@@ -14897,23 +14738,8 @@
                 </a:solidFill>
                 <a:latin typeface="Verdana" pitchFamily="34" charset="0"/>
               </a:rPr>
-              <a:t> </a:t>
-            </a:r>
-            <a:r>
-              <a:rPr lang="en-US" sz="2000" b="1" dirty="0" smtClean="0">
-                <a:solidFill>
-                  <a:srgbClr val="486DA2"/>
-                </a:solidFill>
-                <a:latin typeface="Verdana" pitchFamily="34" charset="0"/>
-              </a:rPr>
-              <a:t>Clients</a:t>
-            </a:r>
-            <a:endParaRPr lang="en-US" sz="2000" b="1" dirty="0" smtClean="0">
-              <a:solidFill>
-                <a:srgbClr val="486DA2"/>
-              </a:solidFill>
-              <a:latin typeface="Verdana" pitchFamily="34" charset="0"/>
-            </a:endParaRPr>
+              <a:t> Clients</a:t>
+            </a:r>
           </a:p>
           <a:p>
             <a:endParaRPr lang="en-US" b="1" u="sng" dirty="0" smtClean="0">
@@ -14989,16 +14815,7 @@
                 </a:solidFill>
                 <a:latin typeface="Verdana" pitchFamily="34" charset="0"/>
               </a:rPr>
-              <a:t> </a:t>
-            </a:r>
-            <a:r>
-              <a:rPr lang="en-US" b="1" dirty="0" smtClean="0">
-                <a:solidFill>
-                  <a:srgbClr val="486DA2"/>
-                </a:solidFill>
-                <a:latin typeface="Verdana" pitchFamily="34" charset="0"/>
-              </a:rPr>
-              <a:t>Source Tree - </a:t>
+              <a:t> Source Tree - </a:t>
             </a:r>
             <a:r>
               <a:rPr lang="en-US" b="1" dirty="0" smtClean="0">
@@ -15031,13 +14848,7 @@
               <a:rPr lang="en-US" dirty="0" smtClean="0">
                 <a:hlinkClick r:id="rId6"/>
               </a:rPr>
-              <a:t>http://www.git-tower.com</a:t>
-            </a:r>
-            <a:r>
-              <a:rPr lang="en-US" dirty="0" smtClean="0">
-                <a:hlinkClick r:id="rId6"/>
-              </a:rPr>
-              <a:t>/</a:t>
+              <a:t>http://www.git-tower.com/</a:t>
             </a:r>
             <a:endParaRPr lang="en-US" dirty="0" smtClean="0"/>
           </a:p>
@@ -15073,13 +14884,7 @@
               <a:rPr lang="en-US" dirty="0" smtClean="0">
                 <a:hlinkClick r:id="rId7"/>
               </a:rPr>
-              <a:t>http://</a:t>
-            </a:r>
-            <a:r>
-              <a:rPr lang="en-US" dirty="0" smtClean="0">
-                <a:hlinkClick r:id="rId7"/>
-              </a:rPr>
-              <a:t>www.syntevo.com/smartgit/index.html</a:t>
+              <a:t>http://www.syntevo.com/smartgit/index.html</a:t>
             </a:r>
             <a:endParaRPr lang="en-US" dirty="0" smtClean="0"/>
           </a:p>
@@ -15166,13 +14971,7 @@
               <a:rPr lang="en-US" dirty="0" smtClean="0">
                 <a:hlinkClick r:id="rId9"/>
               </a:rPr>
-              <a:t>http://code.google.com/p/tortoisegit</a:t>
-            </a:r>
-            <a:r>
-              <a:rPr lang="en-US" dirty="0" smtClean="0">
-                <a:hlinkClick r:id="rId9"/>
-              </a:rPr>
-              <a:t>/</a:t>
+              <a:t>http://code.google.com/p/tortoisegit/</a:t>
             </a:r>
             <a:endParaRPr lang="en-US" dirty="0" smtClean="0"/>
           </a:p>
@@ -15199,13 +14998,7 @@
               <a:rPr lang="en-US" dirty="0" smtClean="0">
                 <a:hlinkClick r:id="rId10"/>
               </a:rPr>
-              <a:t>http://code.google.com/p/gitextensions</a:t>
-            </a:r>
-            <a:r>
-              <a:rPr lang="en-US" dirty="0" smtClean="0">
-                <a:hlinkClick r:id="rId10"/>
-              </a:rPr>
-              <a:t>/</a:t>
+              <a:t>http://code.google.com/p/gitextensions/</a:t>
             </a:r>
             <a:endParaRPr lang="en-US" dirty="0" smtClean="0"/>
           </a:p>
@@ -15838,7 +15631,7 @@
           <a:blip r:embed="rId9" cstate="print">
             <a:extLst>
               <a:ext uri="{28A0092B-C50C-407E-A947-70E740481C1C}">
-                <a14:useLocalDpi xmlns="" xmlns:a14="http://schemas.microsoft.com/office/drawing/2010/main" val="0"/>
+                <a14:useLocalDpi xmlns:a14="http://schemas.microsoft.com/office/drawing/2010/main" xmlns="" val="0"/>
               </a:ext>
             </a:extLst>
           </a:blip>

--- a/GitHub.pptx
+++ b/GitHub.pptx
@@ -251,7 +251,7 @@
             <a:fld id="{8B93CF00-3018-440F-8C99-39B9A2E3D4AF}" type="datetimeFigureOut">
               <a:rPr lang="en-US" smtClean="0"/>
               <a:pPr/>
-              <a:t>3/19/2012</a:t>
+              <a:t>3/20/2012</a:t>
             </a:fld>
             <a:endParaRPr lang="en-US"/>
           </a:p>
@@ -422,7 +422,7 @@
     </p:spTree>
     <p:extLst>
       <p:ext uri="{BB962C8B-B14F-4D97-AF65-F5344CB8AC3E}">
-        <p14:creationId xmlns:p14="http://schemas.microsoft.com/office/powerpoint/2010/main" xmlns="" val="486385863"/>
+        <p14:creationId xmlns="" xmlns:p14="http://schemas.microsoft.com/office/powerpoint/2010/main" val="486385863"/>
       </p:ext>
     </p:extLst>
   </p:cSld>
@@ -4909,7 +4909,7 @@
     </p:spTree>
     <p:extLst>
       <p:ext uri="{BB962C8B-B14F-4D97-AF65-F5344CB8AC3E}">
-        <p14:creationId xmlns:p14="http://schemas.microsoft.com/office/powerpoint/2010/main" xmlns="" val="1343535215"/>
+        <p14:creationId xmlns="" xmlns:p14="http://schemas.microsoft.com/office/powerpoint/2010/main" val="1343535215"/>
       </p:ext>
     </p:extLst>
   </p:cSld>
@@ -7911,7 +7911,7 @@
           <a:blip r:embed="rId8" cstate="print">
             <a:extLst>
               <a:ext uri="{28A0092B-C50C-407E-A947-70E740481C1C}">
-                <a14:useLocalDpi xmlns:a14="http://schemas.microsoft.com/office/drawing/2010/main" xmlns="" val="0"/>
+                <a14:useLocalDpi xmlns="" xmlns:a14="http://schemas.microsoft.com/office/drawing/2010/main" val="0"/>
               </a:ext>
             </a:extLst>
           </a:blip>
@@ -8934,7 +8934,7 @@
     </p:spTree>
     <p:extLst>
       <p:ext uri="{BB962C8B-B14F-4D97-AF65-F5344CB8AC3E}">
-        <p14:creationId xmlns:p14="http://schemas.microsoft.com/office/powerpoint/2010/main" xmlns="" val="1318206517"/>
+        <p14:creationId xmlns="" xmlns:p14="http://schemas.microsoft.com/office/powerpoint/2010/main" val="1318206517"/>
       </p:ext>
     </p:extLst>
   </p:cSld>
@@ -9115,13 +9115,20 @@
     </p:spTree>
     <p:extLst>
       <p:ext uri="{BB962C8B-B14F-4D97-AF65-F5344CB8AC3E}">
-        <p14:creationId xmlns:p14="http://schemas.microsoft.com/office/powerpoint/2010/main" xmlns="" val="2344691747"/>
+        <p14:creationId xmlns="" xmlns:p14="http://schemas.microsoft.com/office/powerpoint/2010/main" val="2344691747"/>
       </p:ext>
     </p:extLst>
   </p:cSld>
   <p:clrMapOvr>
     <a:masterClrMapping/>
   </p:clrMapOvr>
+  <p:timing>
+    <p:tnLst>
+      <p:par>
+        <p:cTn id="1" dur="indefinite" restart="never" nodeType="tmRoot"/>
+      </p:par>
+    </p:tnLst>
+  </p:timing>
 </p:sld>
 </file>
 
@@ -9386,6 +9393,13 @@
   <p:clrMapOvr>
     <a:masterClrMapping/>
   </p:clrMapOvr>
+  <p:timing>
+    <p:tnLst>
+      <p:par>
+        <p:cTn id="1" dur="indefinite" restart="never" nodeType="tmRoot"/>
+      </p:par>
+    </p:tnLst>
+  </p:timing>
 </p:sld>
 </file>
 
@@ -11051,16 +11065,7 @@
                 </a:solidFill>
                 <a:latin typeface="Verdana" pitchFamily="34" charset="0"/>
               </a:rPr>
-              <a:t>Create local GIT Repositories</a:t>
-            </a:r>
-            <a:r>
-              <a:rPr lang="en-US" sz="2000" b="1" dirty="0" smtClean="0">
-                <a:solidFill>
-                  <a:srgbClr val="486DA2"/>
-                </a:solidFill>
-                <a:latin typeface="Verdana" pitchFamily="34" charset="0"/>
-              </a:rPr>
-              <a:t>:</a:t>
+              <a:t>Create local GIT Repositories:</a:t>
             </a:r>
           </a:p>
           <a:p>
@@ -11079,18 +11084,11 @@
               <a:t>git</a:t>
             </a:r>
             <a:r>
-              <a:rPr lang="en-US" sz="2000" dirty="0" smtClean="0">
+              <a:rPr lang="en-US" sz="2000" smtClean="0">
                 <a:latin typeface="Courier New" pitchFamily="49" charset="0"/>
                 <a:cs typeface="Courier New" pitchFamily="49" charset="0"/>
               </a:rPr>
-              <a:t> </a:t>
-            </a:r>
-            <a:r>
-              <a:rPr lang="en-US" sz="2000" dirty="0" err="1" smtClean="0">
-                <a:latin typeface="Courier New" pitchFamily="49" charset="0"/>
-                <a:cs typeface="Courier New" pitchFamily="49" charset="0"/>
-              </a:rPr>
-              <a:t>config</a:t>
+              <a:t> init</a:t>
             </a:r>
             <a:endParaRPr lang="en-US" sz="2000" b="1" dirty="0" smtClean="0">
               <a:solidFill>
@@ -11375,7 +11373,7 @@
     </p:spTree>
     <p:extLst>
       <p:ext uri="{BB962C8B-B14F-4D97-AF65-F5344CB8AC3E}">
-        <p14:creationId xmlns:p14="http://schemas.microsoft.com/office/powerpoint/2010/main" xmlns="" val="3160812206"/>
+        <p14:creationId xmlns="" xmlns:p14="http://schemas.microsoft.com/office/powerpoint/2010/main" val="3160812206"/>
       </p:ext>
     </p:extLst>
   </p:cSld>
@@ -13101,7 +13099,7 @@
         <p:spPr>
           <a:xfrm>
             <a:off x="2195736" y="1484784"/>
-            <a:ext cx="6390456" cy="4801315"/>
+            <a:ext cx="6390456" cy="4524315"/>
           </a:xfrm>
           <a:prstGeom prst="rect">
             <a:avLst/>
@@ -13113,13 +13111,12 @@
           </a:bodyPr>
           <a:lstStyle/>
           <a:p>
+            <a:endParaRPr lang="en-US" dirty="0"/>
+          </a:p>
+          <a:p>
             <a:r>
               <a:rPr lang="en-US" b="1" dirty="0"/>
-              <a:t>To delete a remote branch on </a:t>
-            </a:r>
-            <a:r>
-              <a:rPr lang="en-US" b="1" dirty="0" err="1"/>
-              <a:t>github</a:t>
+              <a:t>To create a local branch </a:t>
             </a:r>
             <a:endParaRPr lang="en-US" dirty="0"/>
           </a:p>
@@ -13133,7 +13130,7 @@
             </a:r>
             <a:r>
               <a:rPr lang="en-US" dirty="0"/>
-              <a:t> push origin :</a:t>
+              <a:t> branch -b </a:t>
             </a:r>
             <a:r>
               <a:rPr lang="en-US" dirty="0" err="1"/>
@@ -13142,94 +13139,99 @@
             <a:endParaRPr lang="en-US" dirty="0"/>
           </a:p>
           <a:p>
-            <a:endParaRPr lang="en-US" dirty="0"/>
-          </a:p>
-          <a:p>
-            <a:endParaRPr lang="en-US" dirty="0"/>
-          </a:p>
-          <a:p>
-            <a:r>
-              <a:rPr lang="en-US" b="1" dirty="0"/>
-              <a:t>To create a local branch </a:t>
-            </a:r>
-            <a:endParaRPr lang="en-US" dirty="0"/>
-          </a:p>
-          <a:p>
-            <a:endParaRPr lang="en-US" dirty="0"/>
-          </a:p>
-          <a:p>
-            <a:r>
-              <a:rPr lang="en-US" dirty="0" err="1"/>
+            <a:endParaRPr lang="en-US" dirty="0" smtClean="0"/>
+          </a:p>
+          <a:p>
+            <a:r>
+              <a:rPr lang="en-US" b="1" dirty="0" smtClean="0"/>
+              <a:t>To create a remote branch on </a:t>
+            </a:r>
+            <a:r>
+              <a:rPr lang="en-US" b="1" dirty="0" err="1" smtClean="0"/>
+              <a:t>github</a:t>
+            </a:r>
+            <a:r>
+              <a:rPr lang="en-US" b="1" dirty="0" smtClean="0"/>
+              <a:t> that is a replica of your local branch</a:t>
+            </a:r>
+          </a:p>
+          <a:p>
+            <a:r>
+              <a:rPr lang="en-US" dirty="0" smtClean="0"/>
+              <a:t>To push all of the changes from your </a:t>
+            </a:r>
+            <a:r>
+              <a:rPr lang="en-US" i="1" dirty="0" err="1" smtClean="0"/>
+              <a:t>plugin</a:t>
+            </a:r>
+            <a:r>
+              <a:rPr lang="en-US" dirty="0" smtClean="0"/>
+              <a:t> branch to a </a:t>
+            </a:r>
+            <a:r>
+              <a:rPr lang="en-US" i="1" dirty="0" err="1" smtClean="0"/>
+              <a:t>plugin</a:t>
+            </a:r>
+            <a:r>
+              <a:rPr lang="en-US" dirty="0" smtClean="0"/>
+              <a:t> branch on the remote repository:</a:t>
+            </a:r>
+          </a:p>
+          <a:p>
+            <a:r>
+              <a:rPr lang="en-US" dirty="0" smtClean="0"/>
+              <a:t>	</a:t>
+            </a:r>
+            <a:r>
+              <a:rPr lang="en-US" dirty="0" err="1" smtClean="0"/>
               <a:t>git</a:t>
             </a:r>
             <a:r>
-              <a:rPr lang="en-US" dirty="0"/>
-              <a:t> branch -b </a:t>
-            </a:r>
-            <a:r>
-              <a:rPr lang="en-US" dirty="0" err="1"/>
+              <a:rPr lang="en-US" dirty="0" smtClean="0"/>
+              <a:t> push origin </a:t>
+            </a:r>
+            <a:r>
+              <a:rPr lang="en-US" dirty="0" err="1" smtClean="0"/>
               <a:t>javaClient</a:t>
             </a:r>
-            <a:endParaRPr lang="en-US" dirty="0"/>
-          </a:p>
-          <a:p>
-            <a:endParaRPr lang="en-US" dirty="0"/>
-          </a:p>
-          <a:p>
-            <a:r>
-              <a:rPr lang="en-US" b="1" dirty="0"/>
-              <a:t>To create a tracking branch</a:t>
-            </a:r>
-            <a:endParaRPr lang="en-US" dirty="0"/>
-          </a:p>
-          <a:p>
-            <a:endParaRPr lang="en-US" dirty="0"/>
-          </a:p>
-          <a:p>
-            <a:r>
-              <a:rPr lang="en-US" dirty="0" err="1"/>
+            <a:r>
+              <a:rPr lang="en-US" dirty="0" smtClean="0"/>
+              <a:t> 	</a:t>
+            </a:r>
+          </a:p>
+          <a:p>
+            <a:endParaRPr lang="en-US" dirty="0" smtClean="0"/>
+          </a:p>
+          <a:p>
+            <a:r>
+              <a:rPr lang="en-US" b="1" dirty="0" smtClean="0"/>
+              <a:t>To delete a remote branch on </a:t>
+            </a:r>
+            <a:r>
+              <a:rPr lang="en-US" b="1" dirty="0" err="1" smtClean="0"/>
+              <a:t>github</a:t>
+            </a:r>
+            <a:endParaRPr lang="en-US" dirty="0" smtClean="0"/>
+          </a:p>
+          <a:p>
+            <a:endParaRPr lang="en-US" dirty="0" smtClean="0"/>
+          </a:p>
+          <a:p>
+            <a:r>
+              <a:rPr lang="en-US" dirty="0" err="1" smtClean="0"/>
               <a:t>git</a:t>
             </a:r>
             <a:r>
-              <a:rPr lang="en-US" dirty="0"/>
-              <a:t> branch -t </a:t>
-            </a:r>
-            <a:r>
-              <a:rPr lang="en-US" dirty="0" err="1"/>
+              <a:rPr lang="en-US" dirty="0" smtClean="0"/>
+              <a:t> push origin :</a:t>
+            </a:r>
+            <a:r>
+              <a:rPr lang="en-US" dirty="0" err="1" smtClean="0"/>
               <a:t>javaClient</a:t>
             </a:r>
-            <a:endParaRPr lang="en-US" dirty="0"/>
-          </a:p>
-          <a:p>
-            <a:endParaRPr lang="en-US" dirty="0"/>
-          </a:p>
-          <a:p>
-            <a:r>
-              <a:rPr lang="en-US" b="1" dirty="0"/>
-              <a:t>To reflect that on </a:t>
-            </a:r>
-            <a:r>
-              <a:rPr lang="en-US" b="1" dirty="0" err="1"/>
-              <a:t>github</a:t>
-            </a:r>
-            <a:endParaRPr lang="en-US" dirty="0"/>
-          </a:p>
-          <a:p>
-            <a:endParaRPr lang="en-US" dirty="0"/>
-          </a:p>
-          <a:p>
-            <a:r>
-              <a:rPr lang="en-US" dirty="0" err="1"/>
-              <a:t>git</a:t>
-            </a:r>
-            <a:r>
-              <a:rPr lang="en-US" dirty="0"/>
-              <a:t> push -u origin </a:t>
-            </a:r>
-            <a:r>
-              <a:rPr lang="en-US" dirty="0" err="1"/>
-              <a:t>javaClient</a:t>
-            </a:r>
+            <a:endParaRPr lang="en-US" dirty="0" smtClean="0"/>
+          </a:p>
+          <a:p>
             <a:endParaRPr lang="en-US" dirty="0"/>
           </a:p>
           <a:p>
@@ -13287,13 +13289,20 @@
     </p:spTree>
     <p:extLst>
       <p:ext uri="{BB962C8B-B14F-4D97-AF65-F5344CB8AC3E}">
-        <p14:creationId xmlns:p14="http://schemas.microsoft.com/office/powerpoint/2010/main" xmlns="" val="1795653434"/>
+        <p14:creationId xmlns="" xmlns:p14="http://schemas.microsoft.com/office/powerpoint/2010/main" val="1795653434"/>
       </p:ext>
     </p:extLst>
   </p:cSld>
   <p:clrMapOvr>
     <a:masterClrMapping/>
   </p:clrMapOvr>
+  <p:timing>
+    <p:tnLst>
+      <p:par>
+        <p:cTn id="1" dur="indefinite" restart="never" nodeType="tmRoot"/>
+      </p:par>
+    </p:tnLst>
+  </p:timing>
 </p:sld>
 </file>
 
@@ -13323,14 +13332,14 @@
         <p:spPr>
           <a:xfrm>
             <a:off x="2286000" y="889843"/>
-            <a:ext cx="4572000" cy="3693319"/>
+            <a:ext cx="5742384" cy="3693319"/>
           </a:xfrm>
           <a:prstGeom prst="rect">
             <a:avLst/>
           </a:prstGeom>
         </p:spPr>
         <p:txBody>
-          <a:bodyPr>
+          <a:bodyPr wrap="square">
             <a:spAutoFit/>
           </a:bodyPr>
           <a:lstStyle/>
@@ -13338,9 +13347,44 @@
             <a:endParaRPr lang="en-US" dirty="0"/>
           </a:p>
           <a:p>
+            <a:endParaRPr lang="en-US" dirty="0" smtClean="0"/>
+          </a:p>
+          <a:p>
+            <a:r>
+              <a:rPr lang="en-US" b="1" dirty="0" smtClean="0"/>
+              <a:t>To create a tracking branch</a:t>
+            </a:r>
+            <a:endParaRPr lang="en-US" dirty="0" smtClean="0"/>
+          </a:p>
+          <a:p>
+            <a:endParaRPr lang="en-US" dirty="0" smtClean="0"/>
+          </a:p>
+          <a:p>
+            <a:r>
+              <a:rPr lang="en-US" dirty="0" err="1" smtClean="0"/>
+              <a:t>git</a:t>
+            </a:r>
+            <a:r>
+              <a:rPr lang="en-US" dirty="0" smtClean="0"/>
+              <a:t> branch -t </a:t>
+            </a:r>
+            <a:r>
+              <a:rPr lang="en-US" dirty="0" err="1" smtClean="0"/>
+              <a:t>javaClient</a:t>
+            </a:r>
+            <a:endParaRPr lang="en-US" dirty="0" smtClean="0"/>
+          </a:p>
+          <a:p>
+            <a:endParaRPr lang="en-US" b="1" dirty="0" smtClean="0"/>
+          </a:p>
+          <a:p>
+            <a:r>
+              <a:rPr lang="en-US" b="1" dirty="0" smtClean="0"/>
+              <a:t>To </a:t>
+            </a:r>
             <a:r>
               <a:rPr lang="en-US" b="1" dirty="0"/>
-              <a:t>To create a local branch that is tracking an already existing remote branch</a:t>
+              <a:t>create a local branch that is tracking an already existing remote branch</a:t>
             </a:r>
             <a:endParaRPr lang="en-US" dirty="0"/>
           </a:p>
@@ -13372,71 +13416,27 @@
             <a:endParaRPr lang="en-US" b="1" dirty="0"/>
           </a:p>
           <a:p>
-            <a:r>
-              <a:rPr lang="en-US" b="1" dirty="0"/>
-              <a:t>To create a remote branch on </a:t>
-            </a:r>
-            <a:r>
-              <a:rPr lang="en-US" b="1" dirty="0" err="1"/>
-              <a:t>github</a:t>
-            </a:r>
-            <a:r>
-              <a:rPr lang="en-US" b="1" dirty="0"/>
-              <a:t> that is a replica of your local branch</a:t>
-            </a:r>
-          </a:p>
-          <a:p>
-            <a:r>
-              <a:rPr lang="en-US" dirty="0" smtClean="0"/>
-              <a:t>To </a:t>
-            </a:r>
-            <a:r>
-              <a:rPr lang="en-US" dirty="0"/>
-              <a:t>push all of the changes from your </a:t>
-            </a:r>
-            <a:r>
-              <a:rPr lang="en-US" i="1" dirty="0"/>
-              <a:t>plugin</a:t>
-            </a:r>
-            <a:r>
-              <a:rPr lang="en-US" dirty="0"/>
-              <a:t> branch to a </a:t>
-            </a:r>
-            <a:r>
-              <a:rPr lang="en-US" i="1" dirty="0"/>
-              <a:t>plugin</a:t>
-            </a:r>
-            <a:r>
-              <a:rPr lang="en-US" dirty="0"/>
-              <a:t> branch on the remote repository:</a:t>
-            </a:r>
-          </a:p>
-          <a:p>
-            <a:r>
-              <a:rPr lang="en-US" dirty="0"/>
-              <a:t>	</a:t>
-            </a:r>
-            <a:r>
-              <a:rPr lang="en-US" dirty="0" err="1"/>
-              <a:t>git</a:t>
-            </a:r>
-            <a:r>
-              <a:rPr lang="en-US" dirty="0"/>
-              <a:t> push origin plugin	</a:t>
-            </a:r>
+            <a:endParaRPr lang="en-US" dirty="0"/>
           </a:p>
         </p:txBody>
       </p:sp>
     </p:spTree>
     <p:extLst>
       <p:ext uri="{BB962C8B-B14F-4D97-AF65-F5344CB8AC3E}">
-        <p14:creationId xmlns:p14="http://schemas.microsoft.com/office/powerpoint/2010/main" xmlns="" val="606890052"/>
+        <p14:creationId xmlns="" xmlns:p14="http://schemas.microsoft.com/office/powerpoint/2010/main" val="606890052"/>
       </p:ext>
     </p:extLst>
   </p:cSld>
   <p:clrMapOvr>
     <a:masterClrMapping/>
   </p:clrMapOvr>
+  <p:timing>
+    <p:tnLst>
+      <p:par>
+        <p:cTn id="1" dur="indefinite" restart="never" nodeType="tmRoot"/>
+      </p:par>
+    </p:tnLst>
+  </p:timing>
 </p:sld>
 </file>
 
@@ -13988,6 +13988,74 @@
             </a:r>
           </a:p>
           <a:p>
+            <a:endParaRPr lang="en-US" dirty="0" smtClean="0"/>
+          </a:p>
+          <a:p>
+            <a:r>
+              <a:rPr lang="en-US" dirty="0" smtClean="0"/>
+              <a:t>If the original repo you forked your project from gets updated, you can add those updates to your fork by running the code:</a:t>
+            </a:r>
+          </a:p>
+          <a:p>
+            <a:r>
+              <a:rPr lang="en-US" sz="1600" dirty="0" smtClean="0">
+                <a:latin typeface="Courier New" pitchFamily="49" charset="0"/>
+                <a:cs typeface="Courier New" pitchFamily="49" charset="0"/>
+                <a:sym typeface="Wingdings 3"/>
+              </a:rPr>
+              <a:t>$ </a:t>
+            </a:r>
+            <a:r>
+              <a:rPr lang="en-US" sz="1600" dirty="0" err="1" smtClean="0">
+                <a:latin typeface="Courier New" pitchFamily="49" charset="0"/>
+                <a:cs typeface="Courier New" pitchFamily="49" charset="0"/>
+                <a:sym typeface="Wingdings 3"/>
+              </a:rPr>
+              <a:t>git</a:t>
+            </a:r>
+            <a:r>
+              <a:rPr lang="en-US" sz="1600" dirty="0" smtClean="0">
+                <a:latin typeface="Courier New" pitchFamily="49" charset="0"/>
+                <a:cs typeface="Courier New" pitchFamily="49" charset="0"/>
+                <a:sym typeface="Wingdings 3"/>
+              </a:rPr>
+              <a:t> fetch upstream</a:t>
+            </a:r>
+          </a:p>
+          <a:p>
+            <a:r>
+              <a:rPr lang="en-US" sz="1600" dirty="0" smtClean="0">
+                <a:latin typeface="Courier New" pitchFamily="49" charset="0"/>
+                <a:cs typeface="Courier New" pitchFamily="49" charset="0"/>
+                <a:sym typeface="Wingdings 3"/>
+              </a:rPr>
+              <a:t>$ </a:t>
+            </a:r>
+            <a:r>
+              <a:rPr lang="en-US" sz="1600" dirty="0" err="1" smtClean="0">
+                <a:latin typeface="Courier New" pitchFamily="49" charset="0"/>
+                <a:cs typeface="Courier New" pitchFamily="49" charset="0"/>
+                <a:sym typeface="Wingdings 3"/>
+              </a:rPr>
+              <a:t>git</a:t>
+            </a:r>
+            <a:r>
+              <a:rPr lang="en-US" sz="1600" dirty="0" smtClean="0">
+                <a:latin typeface="Courier New" pitchFamily="49" charset="0"/>
+                <a:cs typeface="Courier New" pitchFamily="49" charset="0"/>
+                <a:sym typeface="Wingdings 3"/>
+              </a:rPr>
+              <a:t> merge upstream/master</a:t>
+            </a:r>
+          </a:p>
+          <a:p>
+            <a:pPr>
+              <a:buFont typeface="Arial" pitchFamily="34" charset="0"/>
+              <a:buChar char="•"/>
+            </a:pPr>
+            <a:endParaRPr lang="en-US" b="1" dirty="0" smtClean="0"/>
+          </a:p>
+          <a:p>
             <a:endParaRPr lang="en-US" b="1" dirty="0" smtClean="0"/>
           </a:p>
           <a:p>
@@ -15631,7 +15699,7 @@
           <a:blip r:embed="rId9" cstate="print">
             <a:extLst>
               <a:ext uri="{28A0092B-C50C-407E-A947-70E740481C1C}">
-                <a14:useLocalDpi xmlns:a14="http://schemas.microsoft.com/office/drawing/2010/main" xmlns="" val="0"/>
+                <a14:useLocalDpi xmlns="" xmlns:a14="http://schemas.microsoft.com/office/drawing/2010/main" val="0"/>
               </a:ext>
             </a:extLst>
           </a:blip>

--- a/GitHub.pptx
+++ b/GitHub.pptx
@@ -5,7 +5,7 @@
     <p:sldMasterId id="2147483648" r:id="rId1"/>
   </p:sldMasterIdLst>
   <p:notesMasterIdLst>
-    <p:notesMasterId r:id="rId31"/>
+    <p:notesMasterId r:id="rId30"/>
   </p:notesMasterIdLst>
   <p:sldIdLst>
     <p:sldId id="256" r:id="rId2"/>
@@ -28,15 +28,14 @@
     <p:sldId id="268" r:id="rId19"/>
     <p:sldId id="266" r:id="rId20"/>
     <p:sldId id="270" r:id="rId21"/>
-    <p:sldId id="274" r:id="rId22"/>
-    <p:sldId id="276" r:id="rId23"/>
-    <p:sldId id="293" r:id="rId24"/>
-    <p:sldId id="294" r:id="rId25"/>
-    <p:sldId id="285" r:id="rId26"/>
-    <p:sldId id="288" r:id="rId27"/>
-    <p:sldId id="290" r:id="rId28"/>
-    <p:sldId id="279" r:id="rId29"/>
-    <p:sldId id="284" r:id="rId30"/>
+    <p:sldId id="276" r:id="rId22"/>
+    <p:sldId id="293" r:id="rId23"/>
+    <p:sldId id="294" r:id="rId24"/>
+    <p:sldId id="285" r:id="rId25"/>
+    <p:sldId id="288" r:id="rId26"/>
+    <p:sldId id="290" r:id="rId27"/>
+    <p:sldId id="279" r:id="rId28"/>
+    <p:sldId id="284" r:id="rId29"/>
   </p:sldIdLst>
   <p:sldSz cx="9144000" cy="6858000" type="screen4x3"/>
   <p:notesSz cx="6858000" cy="9144000"/>
@@ -1536,8 +1535,62 @@
           <a:p>
             <a:r>
               <a:rPr lang="en-US" dirty="0" smtClean="0"/>
-              <a:t>We can now view all the files that we can commit.</a:t>
-            </a:r>
+              <a:t>We can now view all the files that we can commit</a:t>
+            </a:r>
+            <a:r>
+              <a:rPr lang="en-US" dirty="0" smtClean="0"/>
+              <a:t>.</a:t>
+            </a:r>
+          </a:p>
+          <a:p>
+            <a:endParaRPr lang="en-US" dirty="0" smtClean="0"/>
+          </a:p>
+          <a:p>
+            <a:pPr>
+              <a:buFont typeface="Arial" pitchFamily="34" charset="0"/>
+              <a:buChar char="•"/>
+            </a:pPr>
+            <a:r>
+              <a:rPr lang="en-US" b="1" dirty="0" smtClean="0">
+                <a:solidFill>
+                  <a:srgbClr val="486DA2"/>
+                </a:solidFill>
+                <a:latin typeface="Verdana" pitchFamily="34" charset="0"/>
+              </a:rPr>
+              <a:t> GIT Status</a:t>
+            </a:r>
+          </a:p>
+          <a:p>
+            <a:r>
+              <a:rPr lang="en-US" dirty="0" smtClean="0"/>
+              <a:t>After committing our code to the repo we can run “</a:t>
+            </a:r>
+            <a:r>
+              <a:rPr lang="en-US" dirty="0" err="1" smtClean="0"/>
+              <a:t>git</a:t>
+            </a:r>
+            <a:r>
+              <a:rPr lang="en-US" dirty="0" smtClean="0"/>
+              <a:t> status” to see the status between staging area &amp; working directory.</a:t>
+            </a:r>
+          </a:p>
+          <a:p>
+            <a:endParaRPr lang="en-US" dirty="0" smtClean="0"/>
+          </a:p>
+          <a:p>
+            <a:r>
+              <a:rPr lang="en-US" dirty="0" smtClean="0"/>
+              <a:t>From the above example, (where a file ‘</a:t>
+            </a:r>
+            <a:r>
+              <a:rPr lang="en-US" dirty="0" err="1" smtClean="0"/>
+              <a:t>program.cs</a:t>
+            </a:r>
+            <a:r>
+              <a:rPr lang="en-US" dirty="0" smtClean="0"/>
+              <a:t>’ has been edited and changed) we get a message: “Changed but not updated”. It means that it’s changed in our working directory, but not staged (i.e. not in our staging area or ready for commit).  If we tried to commit right now, nothing would be committed because nothing is in our staging area. </a:t>
+            </a:r>
+            <a:endParaRPr lang="en-US" dirty="0" smtClean="0"/>
           </a:p>
           <a:p>
             <a:r>
@@ -1663,63 +1716,6 @@
             </a:endParaRPr>
           </a:p>
           <a:p>
-            <a:pPr>
-              <a:buFont typeface="Arial" pitchFamily="34" charset="0"/>
-              <a:buChar char="•"/>
-            </a:pPr>
-            <a:r>
-              <a:rPr lang="en-US" sz="1100" b="1" dirty="0" smtClean="0">
-                <a:solidFill>
-                  <a:srgbClr val="486DA2"/>
-                </a:solidFill>
-                <a:latin typeface="Verdana" pitchFamily="34" charset="0"/>
-              </a:rPr>
-              <a:t>GIT Branch</a:t>
-            </a:r>
-          </a:p>
-          <a:p>
-            <a:r>
-              <a:rPr lang="en-US" sz="1100" dirty="0" smtClean="0"/>
-              <a:t>You can run “</a:t>
-            </a:r>
-            <a:r>
-              <a:rPr lang="en-US" sz="1100" b="1" dirty="0" err="1" smtClean="0"/>
-              <a:t>git</a:t>
-            </a:r>
-            <a:r>
-              <a:rPr lang="en-US" sz="1100" b="1" dirty="0" smtClean="0"/>
-              <a:t> branch</a:t>
-            </a:r>
-            <a:r>
-              <a:rPr lang="en-US" sz="1100" dirty="0" smtClean="0"/>
-              <a:t>” to see what branch you’re on, but </a:t>
-            </a:r>
-            <a:r>
-              <a:rPr lang="en-US" sz="1100" dirty="0" err="1" smtClean="0"/>
-              <a:t>msysgit</a:t>
-            </a:r>
-            <a:r>
-              <a:rPr lang="en-US" sz="1100" dirty="0" smtClean="0"/>
-              <a:t> let’s you know via the end of your bash prompt “(master)”. [For more information go </a:t>
-            </a:r>
-            <a:r>
-              <a:rPr lang="en-US" sz="1100" dirty="0" smtClean="0">
-                <a:hlinkClick r:id="rId3" action="ppaction://hlinksldjump"/>
-              </a:rPr>
-              <a:t>here</a:t>
-            </a:r>
-            <a:r>
-              <a:rPr lang="en-US" sz="1100" dirty="0" smtClean="0"/>
-              <a:t>]</a:t>
-            </a:r>
-          </a:p>
-          <a:p>
-            <a:r>
-              <a:rPr lang="en-US" sz="1100" dirty="0" smtClean="0"/>
-              <a:t>The branch name with the asterisk (*) next to it is the active branch.  In this case I only have the one branch, master.</a:t>
-            </a:r>
-          </a:p>
-          <a:p>
             <a:endParaRPr lang="en-US" sz="1100" dirty="0" smtClean="0"/>
           </a:p>
           <a:p>
@@ -1871,7 +1867,7 @@
             </a:r>
             <a:r>
               <a:rPr lang="en-US" dirty="0" smtClean="0">
-                <a:hlinkClick r:id="rId4"/>
+                <a:hlinkClick r:id="rId3"/>
               </a:rPr>
               <a:t>Github.com</a:t>
             </a:r>
@@ -1889,7 +1885,7 @@
             </a:r>
             <a:r>
               <a:rPr lang="en-US" dirty="0" smtClean="0">
-                <a:hlinkClick r:id="rId4"/>
+                <a:hlinkClick r:id="rId3"/>
               </a:rPr>
               <a:t>Github.com</a:t>
             </a:r>
@@ -2091,20 +2087,79 @@
         <p:spPr/>
         <p:txBody>
           <a:bodyPr>
-            <a:normAutofit fontScale="92500" lnSpcReduction="20000"/>
+            <a:normAutofit fontScale="85000" lnSpcReduction="20000"/>
           </a:bodyPr>
           <a:lstStyle/>
           <a:p>
-            <a:r>
-              <a:rPr lang="en-US" dirty="0" smtClean="0"/>
-              <a:t>Now let’s imagine that we have a task that states “Prompt user for their name and say hello back to them, including their name”.  Let’s create a new branch locally so that we have a separate place to do our active development for this task.</a:t>
-            </a:r>
-          </a:p>
-          <a:p>
-            <a:r>
-              <a:rPr lang="en-US" dirty="0" smtClean="0"/>
-              <a:t>Issue the command:  </a:t>
-            </a:r>
+            <a:pPr>
+              <a:buFont typeface="Arial" pitchFamily="34" charset="0"/>
+              <a:buChar char="•"/>
+            </a:pPr>
+            <a:r>
+              <a:rPr lang="en-US" b="1" dirty="0" smtClean="0">
+                <a:solidFill>
+                  <a:srgbClr val="486DA2"/>
+                </a:solidFill>
+                <a:latin typeface="Verdana" pitchFamily="34" charset="0"/>
+              </a:rPr>
+              <a:t> GIT Add</a:t>
+            </a:r>
+          </a:p>
+          <a:p>
+            <a:r>
+              <a:rPr lang="en-US" dirty="0" smtClean="0"/>
+              <a:t>Example of adding ‘</a:t>
+            </a:r>
+            <a:r>
+              <a:rPr lang="en-US" dirty="0" err="1" smtClean="0"/>
+              <a:t>Program.cs</a:t>
+            </a:r>
+            <a:r>
+              <a:rPr lang="en-US" dirty="0" smtClean="0"/>
+              <a:t>’ to our staging area with the “</a:t>
+            </a:r>
+            <a:r>
+              <a:rPr lang="en-US" b="1" dirty="0" err="1" smtClean="0"/>
+              <a:t>git</a:t>
+            </a:r>
+            <a:r>
+              <a:rPr lang="en-US" b="1" dirty="0" smtClean="0"/>
+              <a:t> add </a:t>
+            </a:r>
+            <a:r>
+              <a:rPr lang="en-US" b="1" dirty="0" err="1" smtClean="0"/>
+              <a:t>Program.cs</a:t>
+            </a:r>
+            <a:r>
+              <a:rPr lang="en-US" dirty="0" smtClean="0"/>
+              <a:t>” command:</a:t>
+            </a:r>
+          </a:p>
+          <a:p>
+            <a:endParaRPr lang="en-US" dirty="0" smtClean="0"/>
+          </a:p>
+          <a:p>
+            <a:pPr>
+              <a:buFont typeface="Arial" pitchFamily="34" charset="0"/>
+              <a:buChar char="•"/>
+            </a:pPr>
+            <a:r>
+              <a:rPr lang="en-US" b="1" dirty="0" smtClean="0">
+                <a:solidFill>
+                  <a:srgbClr val="486DA2"/>
+                </a:solidFill>
+                <a:latin typeface="Verdana" pitchFamily="34" charset="0"/>
+              </a:rPr>
+              <a:t> GIT Reset</a:t>
+            </a:r>
+          </a:p>
+          <a:p>
+            <a:r>
+              <a:rPr lang="en-US" dirty="0" smtClean="0"/>
+              <a:t>We can roll back one commit clearing our staging area and working directory with the following command:</a:t>
+            </a:r>
+          </a:p>
+          <a:p>
             <a:r>
               <a:rPr lang="en-US" sz="1100" dirty="0" smtClean="0">
                 <a:latin typeface="Courier New" pitchFamily="49" charset="0"/>
@@ -2127,126 +2182,242 @@
                 <a:cs typeface="Courier New" pitchFamily="49" charset="0"/>
                 <a:sym typeface="Wingdings 3"/>
               </a:rPr>
-              <a:t> checkout -b </a:t>
-            </a:r>
-            <a:r>
-              <a:rPr lang="en-US" sz="1100" dirty="0" err="1" smtClean="0">
+              <a:t> reset –hard HEAD^</a:t>
+            </a:r>
+          </a:p>
+          <a:p>
+            <a:endParaRPr lang="en-US" dirty="0" smtClean="0"/>
+          </a:p>
+          <a:p>
+            <a:r>
+              <a:rPr lang="en-US" dirty="0" smtClean="0"/>
+              <a:t>The “HEAD^” portion of the command means that we want to reset the commits to one prior (^) to the HEAD (aka, the latest commit).</a:t>
+            </a:r>
+          </a:p>
+          <a:p>
+            <a:r>
+              <a:rPr lang="en-US" dirty="0" smtClean="0"/>
+              <a:t>This branch has been rolled back to the previous commit.  The new commit we just did was destroyed from history.</a:t>
+            </a:r>
+          </a:p>
+          <a:p>
+            <a:endParaRPr lang="en-US" dirty="0" smtClean="0"/>
+          </a:p>
+          <a:p>
+            <a:r>
+              <a:rPr lang="en-US" sz="1100" b="1" i="1" dirty="0" smtClean="0"/>
+              <a:t>SIDE NOTE: </a:t>
+            </a:r>
+            <a:r>
+              <a:rPr lang="en-US" sz="1100" i="1" dirty="0" smtClean="0"/>
+              <a:t>If you just want to clear your working directory and staging area, but not the latest commit, just issue a “</a:t>
+            </a:r>
+            <a:r>
+              <a:rPr lang="en-US" sz="1100" i="1" dirty="0" err="1" smtClean="0"/>
+              <a:t>git</a:t>
+            </a:r>
+            <a:r>
+              <a:rPr lang="en-US" sz="1100" i="1" dirty="0" smtClean="0"/>
+              <a:t> reset –-hard” command without the “HEAD^”</a:t>
+            </a:r>
+          </a:p>
+          <a:p>
+            <a:endParaRPr lang="en-US" sz="1100" i="1" dirty="0" smtClean="0"/>
+          </a:p>
+          <a:p>
+            <a:pPr>
+              <a:buFont typeface="Arial" pitchFamily="34" charset="0"/>
+              <a:buChar char="•"/>
+            </a:pPr>
+            <a:r>
+              <a:rPr lang="en-US" sz="1100" b="1" dirty="0" smtClean="0">
+                <a:solidFill>
+                  <a:srgbClr val="486DA2"/>
+                </a:solidFill>
+                <a:latin typeface="Verdana" pitchFamily="34" charset="0"/>
+              </a:rPr>
+              <a:t> GIT Remote</a:t>
+            </a:r>
+          </a:p>
+          <a:p>
+            <a:r>
+              <a:rPr lang="en-US" sz="1100" dirty="0" smtClean="0"/>
+              <a:t>We can look at the remote repository that we’re watching by issuing the following command:</a:t>
+            </a:r>
+          </a:p>
+          <a:p>
+            <a:r>
+              <a:rPr lang="en-US" sz="1050" dirty="0" smtClean="0">
                 <a:latin typeface="Courier New" pitchFamily="49" charset="0"/>
                 <a:cs typeface="Courier New" pitchFamily="49" charset="0"/>
                 <a:sym typeface="Wingdings 3"/>
               </a:rPr>
-              <a:t>user_prompt</a:t>
-            </a:r>
-            <a:endParaRPr lang="en-US" sz="1100" dirty="0" smtClean="0">
+              <a:t>$ </a:t>
+            </a:r>
+            <a:r>
+              <a:rPr lang="en-US" sz="1050" dirty="0" err="1" smtClean="0">
+                <a:latin typeface="Courier New" pitchFamily="49" charset="0"/>
+                <a:cs typeface="Courier New" pitchFamily="49" charset="0"/>
+                <a:sym typeface="Wingdings 3"/>
+              </a:rPr>
+              <a:t>git</a:t>
+            </a:r>
+            <a:r>
+              <a:rPr lang="en-US" sz="1050" dirty="0" smtClean="0">
+                <a:latin typeface="Courier New" pitchFamily="49" charset="0"/>
+                <a:cs typeface="Courier New" pitchFamily="49" charset="0"/>
+                <a:sym typeface="Wingdings 3"/>
+              </a:rPr>
+              <a:t> remote -v</a:t>
+            </a:r>
+          </a:p>
+          <a:p>
+            <a:endParaRPr lang="en-US" sz="1100" dirty="0" smtClean="0"/>
+          </a:p>
+          <a:p>
+            <a:pPr>
+              <a:buFont typeface="Arial" pitchFamily="34" charset="0"/>
+              <a:buChar char="•"/>
+            </a:pPr>
+            <a:r>
+              <a:rPr lang="en-US" sz="1100" b="1" dirty="0" smtClean="0">
+                <a:solidFill>
+                  <a:srgbClr val="486DA2"/>
+                </a:solidFill>
+                <a:latin typeface="Verdana" pitchFamily="34" charset="0"/>
+              </a:rPr>
+              <a:t>  GIT Log</a:t>
+            </a:r>
+          </a:p>
+          <a:p>
+            <a:r>
+              <a:rPr lang="en-US" sz="1100" dirty="0" smtClean="0"/>
+              <a:t>We can see all the commits we’ve made to the repository by issuing the following command:</a:t>
+            </a:r>
+          </a:p>
+          <a:p>
+            <a:r>
+              <a:rPr lang="en-US" sz="1050" dirty="0" smtClean="0">
+                <a:latin typeface="Courier New" pitchFamily="49" charset="0"/>
+                <a:cs typeface="Courier New" pitchFamily="49" charset="0"/>
+                <a:sym typeface="Wingdings 3"/>
+              </a:rPr>
+              <a:t>$ </a:t>
+            </a:r>
+            <a:r>
+              <a:rPr lang="en-US" sz="1050" dirty="0" err="1" smtClean="0">
+                <a:latin typeface="Courier New" pitchFamily="49" charset="0"/>
+                <a:cs typeface="Courier New" pitchFamily="49" charset="0"/>
+                <a:sym typeface="Wingdings 3"/>
+              </a:rPr>
+              <a:t>git</a:t>
+            </a:r>
+            <a:r>
+              <a:rPr lang="en-US" sz="1050" dirty="0" smtClean="0">
+                <a:latin typeface="Courier New" pitchFamily="49" charset="0"/>
+                <a:cs typeface="Courier New" pitchFamily="49" charset="0"/>
+                <a:sym typeface="Wingdings 3"/>
+              </a:rPr>
+              <a:t> log</a:t>
+            </a:r>
+          </a:p>
+          <a:p>
+            <a:endParaRPr lang="en-US" sz="1100" dirty="0" smtClean="0"/>
+          </a:p>
+          <a:p>
+            <a:pPr>
+              <a:buFont typeface="Arial" pitchFamily="34" charset="0"/>
+              <a:buChar char="•"/>
+            </a:pPr>
+            <a:r>
+              <a:rPr lang="en-US" sz="1100" b="1" dirty="0" smtClean="0">
+                <a:solidFill>
+                  <a:srgbClr val="486DA2"/>
+                </a:solidFill>
+                <a:latin typeface="Verdana" pitchFamily="34" charset="0"/>
+              </a:rPr>
+              <a:t>  GIT Clone</a:t>
+            </a:r>
+          </a:p>
+          <a:p>
+            <a:r>
+              <a:rPr lang="en-US" sz="1100" dirty="0" smtClean="0"/>
+              <a:t>If you want to get a copy of an existing </a:t>
+            </a:r>
+            <a:r>
+              <a:rPr lang="en-US" sz="1100" dirty="0" err="1" smtClean="0"/>
+              <a:t>Git</a:t>
+            </a:r>
+            <a:r>
+              <a:rPr lang="en-US" sz="1100" dirty="0" smtClean="0"/>
+              <a:t> repository — for example, a project you’d like to contribute to — the command you need is </a:t>
+            </a:r>
+            <a:r>
+              <a:rPr lang="en-US" sz="1100" dirty="0" err="1" smtClean="0"/>
+              <a:t>git</a:t>
+            </a:r>
+            <a:r>
+              <a:rPr lang="en-US" sz="1100" dirty="0" smtClean="0"/>
+              <a:t> clone.</a:t>
+            </a:r>
+          </a:p>
+          <a:p>
+            <a:r>
+              <a:rPr lang="en-US" sz="1050" dirty="0" smtClean="0">
+                <a:latin typeface="Courier New" pitchFamily="49" charset="0"/>
+                <a:cs typeface="Courier New" pitchFamily="49" charset="0"/>
+                <a:sym typeface="Wingdings 3"/>
+              </a:rPr>
+              <a:t>$ </a:t>
+            </a:r>
+            <a:r>
+              <a:rPr lang="en-US" sz="1050" dirty="0" err="1" smtClean="0">
+                <a:latin typeface="Courier New" pitchFamily="49" charset="0"/>
+                <a:cs typeface="Courier New" pitchFamily="49" charset="0"/>
+                <a:sym typeface="Wingdings 3"/>
+              </a:rPr>
+              <a:t>git</a:t>
+            </a:r>
+            <a:r>
+              <a:rPr lang="en-US" sz="1050" dirty="0" smtClean="0">
+                <a:latin typeface="Courier New" pitchFamily="49" charset="0"/>
+                <a:cs typeface="Courier New" pitchFamily="49" charset="0"/>
+                <a:sym typeface="Wingdings 3"/>
+              </a:rPr>
+              <a:t> clone </a:t>
+            </a:r>
+            <a:r>
+              <a:rPr lang="en-US" sz="1050" dirty="0" err="1" smtClean="0">
+                <a:latin typeface="Courier New" pitchFamily="49" charset="0"/>
+                <a:cs typeface="Courier New" pitchFamily="49" charset="0"/>
+                <a:sym typeface="Wingdings 3"/>
+              </a:rPr>
+              <a:t>your_clone_URL</a:t>
+            </a:r>
+            <a:r>
+              <a:rPr lang="en-US" sz="1050" dirty="0" smtClean="0">
+                <a:latin typeface="Courier New" pitchFamily="49" charset="0"/>
+                <a:cs typeface="Courier New" pitchFamily="49" charset="0"/>
+                <a:sym typeface="Wingdings 3"/>
+              </a:rPr>
+              <a:t> </a:t>
+            </a:r>
+            <a:r>
+              <a:rPr lang="en-US" sz="1050" dirty="0" err="1" smtClean="0">
+                <a:latin typeface="Courier New" pitchFamily="49" charset="0"/>
+                <a:cs typeface="Courier New" pitchFamily="49" charset="0"/>
+                <a:sym typeface="Wingdings 3"/>
+              </a:rPr>
+              <a:t>local_foldername</a:t>
+            </a:r>
+            <a:endParaRPr lang="en-US" sz="1050" dirty="0" smtClean="0">
               <a:latin typeface="Courier New" pitchFamily="49" charset="0"/>
               <a:cs typeface="Courier New" pitchFamily="49" charset="0"/>
               <a:sym typeface="Wingdings 3"/>
             </a:endParaRPr>
           </a:p>
           <a:p>
-            <a:endParaRPr lang="en-US" dirty="0" smtClean="0"/>
-          </a:p>
-          <a:p>
-            <a:r>
-              <a:rPr lang="en-US" dirty="0" smtClean="0"/>
-              <a:t>A couple things to notice:</a:t>
-            </a:r>
-          </a:p>
-          <a:p>
-            <a:pPr marL="228600" indent="-228600">
-              <a:buAutoNum type="arabicPeriod"/>
-            </a:pPr>
-            <a:r>
-              <a:rPr lang="en-US" dirty="0" smtClean="0"/>
-              <a:t>It says “Switched to a new branch ‘</a:t>
-            </a:r>
-            <a:r>
-              <a:rPr lang="en-US" dirty="0" err="1" smtClean="0"/>
-              <a:t>user_prompt</a:t>
-            </a:r>
-            <a:r>
-              <a:rPr lang="en-US" dirty="0" smtClean="0"/>
-              <a:t>’”.  The “</a:t>
-            </a:r>
-            <a:r>
-              <a:rPr lang="en-US" dirty="0" err="1" smtClean="0"/>
-              <a:t>git</a:t>
-            </a:r>
-            <a:r>
-              <a:rPr lang="en-US" dirty="0" smtClean="0"/>
-              <a:t> checkout –b” command creates a new branch by the name following the command and then checks it out automatically.  This is the shorthand version of doing “</a:t>
-            </a:r>
-            <a:r>
-              <a:rPr lang="en-US" dirty="0" err="1" smtClean="0"/>
-              <a:t>git</a:t>
-            </a:r>
-            <a:r>
-              <a:rPr lang="en-US" dirty="0" smtClean="0"/>
-              <a:t> branch </a:t>
-            </a:r>
-            <a:r>
-              <a:rPr lang="en-US" dirty="0" err="1" smtClean="0"/>
-              <a:t>user_prompt</a:t>
-            </a:r>
-            <a:r>
-              <a:rPr lang="en-US" dirty="0" smtClean="0"/>
-              <a:t>” and then “</a:t>
-            </a:r>
-            <a:r>
-              <a:rPr lang="en-US" dirty="0" err="1" smtClean="0"/>
-              <a:t>git</a:t>
-            </a:r>
-            <a:r>
-              <a:rPr lang="en-US" dirty="0" smtClean="0"/>
-              <a:t> checkout </a:t>
-            </a:r>
-            <a:r>
-              <a:rPr lang="en-US" dirty="0" err="1" smtClean="0"/>
-              <a:t>user_prompt</a:t>
-            </a:r>
-            <a:r>
-              <a:rPr lang="en-US" dirty="0" smtClean="0"/>
-              <a:t>”.</a:t>
-            </a:r>
-          </a:p>
-          <a:p>
-            <a:pPr marL="228600" indent="-228600">
-              <a:buAutoNum type="arabicPeriod"/>
-            </a:pPr>
-            <a:endParaRPr lang="en-US" dirty="0" smtClean="0"/>
-          </a:p>
-          <a:p>
-            <a:r>
-              <a:rPr lang="en-US" dirty="0" smtClean="0"/>
-              <a:t>2. It shows the “(</a:t>
-            </a:r>
-            <a:r>
-              <a:rPr lang="en-US" dirty="0" err="1" smtClean="0"/>
-              <a:t>user_prompt</a:t>
-            </a:r>
-            <a:r>
-              <a:rPr lang="en-US" dirty="0" smtClean="0"/>
-              <a:t>)” text at the end of bash prompt which means that we’re on the </a:t>
-            </a:r>
-            <a:r>
-              <a:rPr lang="en-US" dirty="0" err="1" smtClean="0"/>
-              <a:t>user_prompt</a:t>
-            </a:r>
-            <a:r>
-              <a:rPr lang="en-US" dirty="0" smtClean="0"/>
-              <a:t> branch.  To verify we can issue “</a:t>
-            </a:r>
-            <a:r>
-              <a:rPr lang="en-US" dirty="0" err="1" smtClean="0"/>
-              <a:t>git</a:t>
-            </a:r>
-            <a:r>
-              <a:rPr lang="en-US" dirty="0" smtClean="0"/>
-              <a:t> branch” command that lists all the local branches. Here the (*) next to name indicates the active branch.</a:t>
-            </a:r>
-          </a:p>
-          <a:p>
-            <a:endParaRPr lang="en-US" dirty="0" smtClean="0"/>
+            <a:endParaRPr lang="en-US" sz="1100" dirty="0" smtClean="0"/>
           </a:p>
           <a:p>
             <a:pPr>
@@ -2254,84 +2425,55 @@
               <a:buChar char="•"/>
             </a:pPr>
             <a:r>
-              <a:rPr lang="en-US" b="1" dirty="0" smtClean="0">
-                <a:solidFill>
-                  <a:srgbClr val="486DA2"/>
-                </a:solidFill>
-                <a:latin typeface="Verdana" pitchFamily="34" charset="0"/>
-              </a:rPr>
-              <a:t>  GIT Status</a:t>
-            </a:r>
-          </a:p>
-          <a:p>
-            <a:r>
-              <a:rPr lang="en-US" dirty="0" smtClean="0"/>
-              <a:t>After committing our code to the repo we can run “</a:t>
-            </a:r>
-            <a:r>
-              <a:rPr lang="en-US" dirty="0" err="1" smtClean="0"/>
+              <a:rPr lang="en-US" sz="1100" b="1" dirty="0" smtClean="0">
+                <a:solidFill>
+                  <a:srgbClr val="486DA2"/>
+                </a:solidFill>
+                <a:latin typeface="Verdana" pitchFamily="34" charset="0"/>
+              </a:rPr>
+              <a:t>  GIT Diff</a:t>
+            </a:r>
+          </a:p>
+          <a:p>
+            <a:r>
+              <a:rPr lang="en-US" sz="1100" dirty="0" smtClean="0"/>
+              <a:t>We can see all the </a:t>
+            </a:r>
+            <a:r>
+              <a:rPr lang="en-US" sz="1100" dirty="0" err="1" smtClean="0"/>
+              <a:t>unstaged</a:t>
+            </a:r>
+            <a:r>
+              <a:rPr lang="en-US" sz="1100" dirty="0" smtClean="0"/>
+              <a:t> files with the following command:</a:t>
+            </a:r>
+          </a:p>
+          <a:p>
+            <a:r>
+              <a:rPr lang="en-US" sz="1050" dirty="0" smtClean="0">
+                <a:latin typeface="Courier New" pitchFamily="49" charset="0"/>
+                <a:cs typeface="Courier New" pitchFamily="49" charset="0"/>
+                <a:sym typeface="Wingdings 3"/>
+              </a:rPr>
+              <a:t>$ </a:t>
+            </a:r>
+            <a:r>
+              <a:rPr lang="en-US" sz="1050" dirty="0" err="1" smtClean="0">
+                <a:latin typeface="Courier New" pitchFamily="49" charset="0"/>
+                <a:cs typeface="Courier New" pitchFamily="49" charset="0"/>
+                <a:sym typeface="Wingdings 3"/>
+              </a:rPr>
               <a:t>git</a:t>
             </a:r>
             <a:r>
-              <a:rPr lang="en-US" dirty="0" smtClean="0"/>
-              <a:t> status” to see the status between staging area &amp; working directory.</a:t>
-            </a:r>
-          </a:p>
-          <a:p>
-            <a:endParaRPr lang="en-US" dirty="0" smtClean="0"/>
-          </a:p>
-          <a:p>
-            <a:r>
-              <a:rPr lang="en-US" dirty="0" smtClean="0"/>
-              <a:t>From the above example, (where a file ‘</a:t>
-            </a:r>
-            <a:r>
-              <a:rPr lang="en-US" dirty="0" err="1" smtClean="0"/>
-              <a:t>program.cs</a:t>
-            </a:r>
-            <a:r>
-              <a:rPr lang="en-US" dirty="0" smtClean="0"/>
-              <a:t>’ has been edited and changed) we get a message: “Changed but not updated”. It means that it’s changed in our working directory, but not staged (i.e. not in our staging area or ready for commit).  If we tried to commit right now, nothing would be committed because nothing is in our staging area. </a:t>
-            </a:r>
-          </a:p>
-          <a:p>
-            <a:pPr marL="228600" indent="-228600">
-              <a:buNone/>
-            </a:pPr>
-            <a:endParaRPr lang="en-US" dirty="0" smtClean="0"/>
-          </a:p>
-          <a:p>
-            <a:pPr>
-              <a:buFont typeface="Arial" pitchFamily="34" charset="0"/>
-              <a:buChar char="•"/>
-            </a:pPr>
-            <a:r>
-              <a:rPr lang="en-US" b="1" dirty="0" smtClean="0">
-                <a:solidFill>
-                  <a:srgbClr val="486DA2"/>
-                </a:solidFill>
-                <a:latin typeface="Verdana" pitchFamily="34" charset="0"/>
-              </a:rPr>
-              <a:t> GIT Commit</a:t>
-            </a:r>
-          </a:p>
-          <a:p>
-            <a:r>
-              <a:rPr lang="en-US" dirty="0" smtClean="0"/>
-              <a:t>Example of running “</a:t>
-            </a:r>
-            <a:r>
-              <a:rPr lang="en-US" b="1" dirty="0" err="1" smtClean="0"/>
-              <a:t>git</a:t>
-            </a:r>
-            <a:r>
-              <a:rPr lang="en-US" b="1" dirty="0" smtClean="0"/>
-              <a:t> commit …</a:t>
-            </a:r>
-            <a:r>
-              <a:rPr lang="en-US" dirty="0" smtClean="0"/>
-              <a:t>” without adding files to the staging area:</a:t>
-            </a:r>
+              <a:rPr lang="en-US" sz="1050" dirty="0" smtClean="0">
+                <a:latin typeface="Courier New" pitchFamily="49" charset="0"/>
+                <a:cs typeface="Courier New" pitchFamily="49" charset="0"/>
+                <a:sym typeface="Wingdings 3"/>
+              </a:rPr>
+              <a:t> diff</a:t>
+            </a:r>
+            <a:endParaRPr lang="en-US" sz="1100" i="1" dirty="0" smtClean="0"/>
           </a:p>
           <a:p>
             <a:endParaRPr lang="en-US" dirty="0"/>
@@ -2412,56 +2554,171 @@
         <p:spPr/>
         <p:txBody>
           <a:bodyPr>
-            <a:normAutofit fontScale="85000" lnSpcReduction="20000"/>
+            <a:normAutofit fontScale="92500" lnSpcReduction="10000"/>
           </a:bodyPr>
           <a:lstStyle/>
+          <a:p>
+            <a:r>
+              <a:rPr lang="en-US" dirty="0" smtClean="0"/>
+              <a:t>Now let’s imagine that we have a task that states “Prompt user for their name and say hello back to them, including their name”.  Let’s create a new branch locally so that we have a separate place to do our active development for this task.</a:t>
+            </a:r>
+          </a:p>
+          <a:p>
+            <a:r>
+              <a:rPr lang="en-US" dirty="0" smtClean="0"/>
+              <a:t>Issue the command:  </a:t>
+            </a:r>
+            <a:r>
+              <a:rPr lang="en-US" sz="1100" dirty="0" smtClean="0">
+                <a:latin typeface="Courier New" pitchFamily="49" charset="0"/>
+                <a:cs typeface="Courier New" pitchFamily="49" charset="0"/>
+                <a:sym typeface="Wingdings 3"/>
+              </a:rPr>
+              <a:t>$ </a:t>
+            </a:r>
+            <a:r>
+              <a:rPr lang="en-US" sz="1100" dirty="0" err="1" smtClean="0">
+                <a:latin typeface="Courier New" pitchFamily="49" charset="0"/>
+                <a:cs typeface="Courier New" pitchFamily="49" charset="0"/>
+                <a:sym typeface="Wingdings 3"/>
+              </a:rPr>
+              <a:t>git</a:t>
+            </a:r>
+            <a:r>
+              <a:rPr lang="en-US" sz="1100" dirty="0" smtClean="0">
+                <a:latin typeface="Courier New" pitchFamily="49" charset="0"/>
+                <a:cs typeface="Courier New" pitchFamily="49" charset="0"/>
+                <a:sym typeface="Wingdings 3"/>
+              </a:rPr>
+              <a:t> checkout -b </a:t>
+            </a:r>
+            <a:r>
+              <a:rPr lang="en-US" sz="1100" dirty="0" err="1" smtClean="0">
+                <a:latin typeface="Courier New" pitchFamily="49" charset="0"/>
+                <a:cs typeface="Courier New" pitchFamily="49" charset="0"/>
+                <a:sym typeface="Wingdings 3"/>
+              </a:rPr>
+              <a:t>user_prompt</a:t>
+            </a:r>
+            <a:endParaRPr lang="en-US" sz="1100" dirty="0" smtClean="0">
+              <a:latin typeface="Courier New" pitchFamily="49" charset="0"/>
+              <a:cs typeface="Courier New" pitchFamily="49" charset="0"/>
+              <a:sym typeface="Wingdings 3"/>
+            </a:endParaRPr>
+          </a:p>
+          <a:p>
+            <a:endParaRPr lang="en-US" dirty="0" smtClean="0"/>
+          </a:p>
+          <a:p>
+            <a:r>
+              <a:rPr lang="en-US" dirty="0" smtClean="0"/>
+              <a:t>A couple things to notice:</a:t>
+            </a:r>
+          </a:p>
+          <a:p>
+            <a:pPr marL="228600" indent="-228600">
+              <a:buAutoNum type="arabicPeriod"/>
+            </a:pPr>
+            <a:r>
+              <a:rPr lang="en-US" dirty="0" smtClean="0"/>
+              <a:t>It says “Switched to a new branch ‘</a:t>
+            </a:r>
+            <a:r>
+              <a:rPr lang="en-US" dirty="0" err="1" smtClean="0"/>
+              <a:t>user_prompt</a:t>
+            </a:r>
+            <a:r>
+              <a:rPr lang="en-US" dirty="0" smtClean="0"/>
+              <a:t>’”.  The “</a:t>
+            </a:r>
+            <a:r>
+              <a:rPr lang="en-US" dirty="0" err="1" smtClean="0"/>
+              <a:t>git</a:t>
+            </a:r>
+            <a:r>
+              <a:rPr lang="en-US" dirty="0" smtClean="0"/>
+              <a:t> checkout –b” command creates a new branch by the name following the command and then checks it out automatically.  This is the shorthand version of doing “</a:t>
+            </a:r>
+            <a:r>
+              <a:rPr lang="en-US" dirty="0" err="1" smtClean="0"/>
+              <a:t>git</a:t>
+            </a:r>
+            <a:r>
+              <a:rPr lang="en-US" dirty="0" smtClean="0"/>
+              <a:t> branch </a:t>
+            </a:r>
+            <a:r>
+              <a:rPr lang="en-US" dirty="0" err="1" smtClean="0"/>
+              <a:t>user_prompt</a:t>
+            </a:r>
+            <a:r>
+              <a:rPr lang="en-US" dirty="0" smtClean="0"/>
+              <a:t>” and then “</a:t>
+            </a:r>
+            <a:r>
+              <a:rPr lang="en-US" dirty="0" err="1" smtClean="0"/>
+              <a:t>git</a:t>
+            </a:r>
+            <a:r>
+              <a:rPr lang="en-US" dirty="0" smtClean="0"/>
+              <a:t> checkout </a:t>
+            </a:r>
+            <a:r>
+              <a:rPr lang="en-US" dirty="0" err="1" smtClean="0"/>
+              <a:t>user_prompt</a:t>
+            </a:r>
+            <a:r>
+              <a:rPr lang="en-US" dirty="0" smtClean="0"/>
+              <a:t>”.</a:t>
+            </a:r>
+          </a:p>
+          <a:p>
+            <a:pPr marL="228600" indent="-228600">
+              <a:buAutoNum type="arabicPeriod"/>
+            </a:pPr>
+            <a:endParaRPr lang="en-US" dirty="0" smtClean="0"/>
+          </a:p>
+          <a:p>
+            <a:r>
+              <a:rPr lang="en-US" dirty="0" smtClean="0"/>
+              <a:t>2. It shows the “(</a:t>
+            </a:r>
+            <a:r>
+              <a:rPr lang="en-US" dirty="0" err="1" smtClean="0"/>
+              <a:t>user_prompt</a:t>
+            </a:r>
+            <a:r>
+              <a:rPr lang="en-US" dirty="0" smtClean="0"/>
+              <a:t>)” text at the end of bash prompt which means that we’re on the </a:t>
+            </a:r>
+            <a:r>
+              <a:rPr lang="en-US" dirty="0" err="1" smtClean="0"/>
+              <a:t>user_prompt</a:t>
+            </a:r>
+            <a:r>
+              <a:rPr lang="en-US" dirty="0" smtClean="0"/>
+              <a:t> branch.  To verify we can issue “</a:t>
+            </a:r>
+            <a:r>
+              <a:rPr lang="en-US" dirty="0" err="1" smtClean="0"/>
+              <a:t>git</a:t>
+            </a:r>
+            <a:r>
+              <a:rPr lang="en-US" dirty="0" smtClean="0"/>
+              <a:t> branch” command that lists all the local branches. Here the (*) next to name indicates the active branch.</a:t>
+            </a:r>
+          </a:p>
           <a:p>
             <a:pPr>
               <a:buFont typeface="Arial" pitchFamily="34" charset="0"/>
               <a:buChar char="•"/>
             </a:pPr>
-            <a:r>
-              <a:rPr lang="en-US" b="1" dirty="0" smtClean="0">
-                <a:solidFill>
-                  <a:srgbClr val="486DA2"/>
-                </a:solidFill>
-                <a:latin typeface="Verdana" pitchFamily="34" charset="0"/>
-              </a:rPr>
-              <a:t> GIT Add</a:t>
-            </a:r>
-          </a:p>
-          <a:p>
-            <a:r>
-              <a:rPr lang="en-US" dirty="0" smtClean="0"/>
-              <a:t>Example of adding ‘</a:t>
-            </a:r>
-            <a:r>
-              <a:rPr lang="en-US" dirty="0" err="1" smtClean="0"/>
-              <a:t>Program.cs</a:t>
-            </a:r>
-            <a:r>
-              <a:rPr lang="en-US" dirty="0" smtClean="0"/>
-              <a:t>’ to our staging area with the “</a:t>
-            </a:r>
-            <a:r>
-              <a:rPr lang="en-US" b="1" dirty="0" err="1" smtClean="0"/>
-              <a:t>git</a:t>
-            </a:r>
-            <a:r>
-              <a:rPr lang="en-US" b="1" dirty="0" smtClean="0"/>
-              <a:t> add </a:t>
-            </a:r>
-            <a:r>
-              <a:rPr lang="en-US" b="1" dirty="0" err="1" smtClean="0"/>
-              <a:t>Program.cs</a:t>
-            </a:r>
-            <a:r>
-              <a:rPr lang="en-US" dirty="0" smtClean="0"/>
-              <a:t>” command:</a:t>
-            </a:r>
-          </a:p>
-          <a:p>
-            <a:endParaRPr lang="en-US" dirty="0" smtClean="0"/>
+            <a:endParaRPr lang="en-US" sz="1200" b="1" dirty="0" smtClean="0">
+              <a:solidFill>
+                <a:srgbClr val="486DA2"/>
+              </a:solidFill>
+              <a:latin typeface="Verdana" pitchFamily="34" charset="0"/>
+            </a:endParaRPr>
           </a:p>
           <a:p>
             <a:pPr>
@@ -2469,336 +2726,169 @@
               <a:buChar char="•"/>
             </a:pPr>
             <a:r>
-              <a:rPr lang="en-US" b="1" dirty="0" smtClean="0">
-                <a:solidFill>
-                  <a:srgbClr val="486DA2"/>
-                </a:solidFill>
-                <a:latin typeface="Verdana" pitchFamily="34" charset="0"/>
-              </a:rPr>
-              <a:t> GIT Reset</a:t>
-            </a:r>
-          </a:p>
-          <a:p>
-            <a:r>
-              <a:rPr lang="en-US" dirty="0" smtClean="0"/>
-              <a:t>We can roll back one commit clearing our staging area and working directory with the following command:</a:t>
-            </a:r>
-          </a:p>
-          <a:p>
-            <a:r>
-              <a:rPr lang="en-US" sz="1100" dirty="0" smtClean="0">
-                <a:latin typeface="Courier New" pitchFamily="49" charset="0"/>
-                <a:cs typeface="Courier New" pitchFamily="49" charset="0"/>
-                <a:sym typeface="Wingdings 3"/>
-              </a:rPr>
-              <a:t>$ </a:t>
-            </a:r>
-            <a:r>
-              <a:rPr lang="en-US" sz="1100" dirty="0" err="1" smtClean="0">
-                <a:latin typeface="Courier New" pitchFamily="49" charset="0"/>
-                <a:cs typeface="Courier New" pitchFamily="49" charset="0"/>
-                <a:sym typeface="Wingdings 3"/>
-              </a:rPr>
+              <a:rPr lang="en-US" sz="1200" b="1" dirty="0" smtClean="0">
+                <a:solidFill>
+                  <a:srgbClr val="486DA2"/>
+                </a:solidFill>
+                <a:latin typeface="Verdana" pitchFamily="34" charset="0"/>
+              </a:rPr>
+              <a:t>GIT Branch</a:t>
+            </a:r>
+          </a:p>
+          <a:p>
+            <a:r>
+              <a:rPr lang="en-US" sz="1200" dirty="0" smtClean="0"/>
+              <a:t>You can run “</a:t>
+            </a:r>
+            <a:r>
+              <a:rPr lang="en-US" sz="1200" b="1" dirty="0" err="1" smtClean="0"/>
               <a:t>git</a:t>
             </a:r>
             <a:r>
-              <a:rPr lang="en-US" sz="1100" dirty="0" smtClean="0">
-                <a:latin typeface="Courier New" pitchFamily="49" charset="0"/>
-                <a:cs typeface="Courier New" pitchFamily="49" charset="0"/>
-                <a:sym typeface="Wingdings 3"/>
-              </a:rPr>
-              <a:t> reset –hard HEAD^</a:t>
-            </a:r>
-          </a:p>
-          <a:p>
+              <a:rPr lang="en-US" sz="1200" b="1" dirty="0" smtClean="0"/>
+              <a:t> branch</a:t>
+            </a:r>
+            <a:r>
+              <a:rPr lang="en-US" sz="1200" dirty="0" smtClean="0"/>
+              <a:t>” to see what branch you’re on, but </a:t>
+            </a:r>
+            <a:r>
+              <a:rPr lang="en-US" sz="1200" dirty="0" err="1" smtClean="0"/>
+              <a:t>msysgit</a:t>
+            </a:r>
+            <a:r>
+              <a:rPr lang="en-US" sz="1200" dirty="0" smtClean="0"/>
+              <a:t> let’s you know via the end of your bash prompt “(master)”. [For more information go </a:t>
+            </a:r>
+            <a:r>
+              <a:rPr lang="en-US" sz="1200" dirty="0" smtClean="0">
+                <a:hlinkClick r:id="rId3" action="ppaction://hlinksldjump"/>
+              </a:rPr>
+              <a:t>here</a:t>
+            </a:r>
+            <a:r>
+              <a:rPr lang="en-US" sz="1200" dirty="0" smtClean="0"/>
+              <a:t>]</a:t>
+            </a:r>
+          </a:p>
+          <a:p>
+            <a:r>
+              <a:rPr lang="en-US" sz="1200" dirty="0" smtClean="0"/>
+              <a:t>The branch name with the asterisk (*) next to it is the active branch.  In this case I only have the one branch, master.</a:t>
+            </a:r>
+          </a:p>
+          <a:p>
+            <a:pPr marL="0" marR="0" indent="0" algn="l" defTabSz="914400" rtl="0" eaLnBrk="1" fontAlgn="auto" latinLnBrk="0" hangingPunct="1">
+              <a:lnSpc>
+                <a:spcPct val="100000"/>
+              </a:lnSpc>
+              <a:spcBef>
+                <a:spcPts val="0"/>
+              </a:spcBef>
+              <a:spcAft>
+                <a:spcPts val="0"/>
+              </a:spcAft>
+              <a:buClrTx/>
+              <a:buSzTx/>
+              <a:buFontTx/>
+              <a:buNone/>
+              <a:tabLst/>
+              <a:defRPr/>
+            </a:pPr>
+            <a:endParaRPr lang="en-US" b="1" dirty="0" smtClean="0"/>
+          </a:p>
+          <a:p>
+            <a:pPr marL="0" marR="0" indent="0" algn="l" defTabSz="914400" rtl="0" eaLnBrk="1" fontAlgn="auto" latinLnBrk="0" hangingPunct="1">
+              <a:lnSpc>
+                <a:spcPct val="100000"/>
+              </a:lnSpc>
+              <a:spcBef>
+                <a:spcPts val="0"/>
+              </a:spcBef>
+              <a:spcAft>
+                <a:spcPts val="0"/>
+              </a:spcAft>
+              <a:buClrTx/>
+              <a:buSzTx/>
+              <a:buFontTx/>
+              <a:buNone/>
+              <a:tabLst/>
+              <a:defRPr/>
+            </a:pPr>
+            <a:r>
+              <a:rPr lang="en-US" b="1" dirty="0" smtClean="0"/>
+              <a:t>To create a remote branch on </a:t>
+            </a:r>
+            <a:r>
+              <a:rPr lang="en-US" b="1" dirty="0" err="1" smtClean="0"/>
+              <a:t>github</a:t>
+            </a:r>
+            <a:r>
+              <a:rPr lang="en-US" b="1" dirty="0" smtClean="0"/>
+              <a:t> that is a replica of your local branch</a:t>
+            </a:r>
+          </a:p>
+          <a:p>
+            <a:pPr marL="0" marR="0" indent="0" algn="l" defTabSz="914400" rtl="0" eaLnBrk="1" fontAlgn="auto" latinLnBrk="0" hangingPunct="1">
+              <a:lnSpc>
+                <a:spcPct val="100000"/>
+              </a:lnSpc>
+              <a:spcBef>
+                <a:spcPts val="0"/>
+              </a:spcBef>
+              <a:spcAft>
+                <a:spcPts val="0"/>
+              </a:spcAft>
+              <a:buClrTx/>
+              <a:buSzTx/>
+              <a:buFontTx/>
+              <a:buNone/>
+              <a:tabLst/>
+              <a:defRPr/>
+            </a:pPr>
             <a:endParaRPr lang="en-US" dirty="0" smtClean="0"/>
           </a:p>
           <a:p>
-            <a:r>
-              <a:rPr lang="en-US" dirty="0" smtClean="0"/>
-              <a:t>The “HEAD^” portion of the command means that we want to reset the commits to one prior (^) to the HEAD (aka, the latest commit).</a:t>
-            </a:r>
-          </a:p>
-          <a:p>
-            <a:r>
-              <a:rPr lang="en-US" dirty="0" smtClean="0"/>
-              <a:t>This branch has been rolled back to the previous commit.  The new commit we just did was destroyed from history.</a:t>
+            <a:pPr marL="0" marR="0" indent="0" algn="l" defTabSz="914400" rtl="0" eaLnBrk="1" fontAlgn="auto" latinLnBrk="0" hangingPunct="1">
+              <a:lnSpc>
+                <a:spcPct val="100000"/>
+              </a:lnSpc>
+              <a:spcBef>
+                <a:spcPts val="0"/>
+              </a:spcBef>
+              <a:spcAft>
+                <a:spcPts val="0"/>
+              </a:spcAft>
+              <a:buClrTx/>
+              <a:buSzTx/>
+              <a:buFontTx/>
+              <a:buNone/>
+              <a:tabLst/>
+              <a:defRPr/>
+            </a:pPr>
+            <a:r>
+              <a:rPr lang="en-US" dirty="0" smtClean="0"/>
+              <a:t>Suppose you created a local </a:t>
+            </a:r>
+            <a:r>
+              <a:rPr lang="en-US" i="1" dirty="0" err="1" smtClean="0"/>
+              <a:t>plugin</a:t>
+            </a:r>
+            <a:r>
+              <a:rPr lang="en-US" dirty="0" smtClean="0"/>
+              <a:t> branch that you want to expose to others through your </a:t>
+            </a:r>
+            <a:r>
+              <a:rPr lang="en-US" dirty="0" err="1" smtClean="0"/>
+              <a:t>GitHub</a:t>
+            </a:r>
+            <a:r>
+              <a:rPr lang="en-US" dirty="0" smtClean="0"/>
+              <a:t> repository but you are not yet confident enough to put it into the master branch.</a:t>
             </a:r>
           </a:p>
           <a:p>
             <a:endParaRPr lang="en-US" dirty="0" smtClean="0"/>
-          </a:p>
-          <a:p>
-            <a:r>
-              <a:rPr lang="en-US" sz="1100" b="1" i="1" dirty="0" smtClean="0"/>
-              <a:t>SIDE NOTE: </a:t>
-            </a:r>
-            <a:r>
-              <a:rPr lang="en-US" sz="1100" i="1" dirty="0" smtClean="0"/>
-              <a:t>If you just want to clear your working directory and staging area, but not the latest commit, just issue a “</a:t>
-            </a:r>
-            <a:r>
-              <a:rPr lang="en-US" sz="1100" i="1" dirty="0" err="1" smtClean="0"/>
-              <a:t>git</a:t>
-            </a:r>
-            <a:r>
-              <a:rPr lang="en-US" sz="1100" i="1" dirty="0" smtClean="0"/>
-              <a:t> reset –-hard” command without the “HEAD^”</a:t>
-            </a:r>
-          </a:p>
-          <a:p>
-            <a:endParaRPr lang="en-US" sz="1100" i="1" dirty="0" smtClean="0"/>
-          </a:p>
-          <a:p>
-            <a:pPr>
-              <a:buFont typeface="Arial" pitchFamily="34" charset="0"/>
-              <a:buChar char="•"/>
-            </a:pPr>
-            <a:r>
-              <a:rPr lang="en-US" sz="1100" b="1" dirty="0" smtClean="0">
-                <a:solidFill>
-                  <a:srgbClr val="486DA2"/>
-                </a:solidFill>
-                <a:latin typeface="Verdana" pitchFamily="34" charset="0"/>
-              </a:rPr>
-              <a:t> GIT Remote</a:t>
-            </a:r>
-          </a:p>
-          <a:p>
-            <a:r>
-              <a:rPr lang="en-US" sz="1100" dirty="0" smtClean="0"/>
-              <a:t>We can look at the remote repository that we’re watching by issuing the following command:</a:t>
-            </a:r>
-          </a:p>
-          <a:p>
-            <a:r>
-              <a:rPr lang="en-US" sz="1050" dirty="0" smtClean="0">
-                <a:latin typeface="Courier New" pitchFamily="49" charset="0"/>
-                <a:cs typeface="Courier New" pitchFamily="49" charset="0"/>
-                <a:sym typeface="Wingdings 3"/>
-              </a:rPr>
-              <a:t>$ </a:t>
-            </a:r>
-            <a:r>
-              <a:rPr lang="en-US" sz="1050" dirty="0" err="1" smtClean="0">
-                <a:latin typeface="Courier New" pitchFamily="49" charset="0"/>
-                <a:cs typeface="Courier New" pitchFamily="49" charset="0"/>
-                <a:sym typeface="Wingdings 3"/>
-              </a:rPr>
-              <a:t>git</a:t>
-            </a:r>
-            <a:r>
-              <a:rPr lang="en-US" sz="1050" dirty="0" smtClean="0">
-                <a:latin typeface="Courier New" pitchFamily="49" charset="0"/>
-                <a:cs typeface="Courier New" pitchFamily="49" charset="0"/>
-                <a:sym typeface="Wingdings 3"/>
-              </a:rPr>
-              <a:t> remote -v</a:t>
-            </a:r>
-          </a:p>
-          <a:p>
-            <a:endParaRPr lang="en-US" sz="1100" dirty="0" smtClean="0"/>
-          </a:p>
-          <a:p>
-            <a:pPr>
-              <a:buFont typeface="Arial" pitchFamily="34" charset="0"/>
-              <a:buChar char="•"/>
-            </a:pPr>
-            <a:r>
-              <a:rPr lang="en-US" sz="1100" b="1" dirty="0" smtClean="0">
-                <a:solidFill>
-                  <a:srgbClr val="486DA2"/>
-                </a:solidFill>
-                <a:latin typeface="Verdana" pitchFamily="34" charset="0"/>
-              </a:rPr>
-              <a:t>  GIT Log</a:t>
-            </a:r>
-          </a:p>
-          <a:p>
-            <a:r>
-              <a:rPr lang="en-US" sz="1100" dirty="0" smtClean="0"/>
-              <a:t>We can see all the commits we’ve made to the repository by issuing the following command:</a:t>
-            </a:r>
-          </a:p>
-          <a:p>
-            <a:r>
-              <a:rPr lang="en-US" sz="1050" dirty="0" smtClean="0">
-                <a:latin typeface="Courier New" pitchFamily="49" charset="0"/>
-                <a:cs typeface="Courier New" pitchFamily="49" charset="0"/>
-                <a:sym typeface="Wingdings 3"/>
-              </a:rPr>
-              <a:t>$ </a:t>
-            </a:r>
-            <a:r>
-              <a:rPr lang="en-US" sz="1050" dirty="0" err="1" smtClean="0">
-                <a:latin typeface="Courier New" pitchFamily="49" charset="0"/>
-                <a:cs typeface="Courier New" pitchFamily="49" charset="0"/>
-                <a:sym typeface="Wingdings 3"/>
-              </a:rPr>
-              <a:t>git</a:t>
-            </a:r>
-            <a:r>
-              <a:rPr lang="en-US" sz="1050" dirty="0" smtClean="0">
-                <a:latin typeface="Courier New" pitchFamily="49" charset="0"/>
-                <a:cs typeface="Courier New" pitchFamily="49" charset="0"/>
-                <a:sym typeface="Wingdings 3"/>
-              </a:rPr>
-              <a:t> log</a:t>
-            </a:r>
-          </a:p>
-          <a:p>
-            <a:endParaRPr lang="en-US" sz="1100" dirty="0" smtClean="0"/>
-          </a:p>
-          <a:p>
-            <a:pPr>
-              <a:buFont typeface="Arial" pitchFamily="34" charset="0"/>
-              <a:buChar char="•"/>
-            </a:pPr>
-            <a:r>
-              <a:rPr lang="en-US" sz="1100" b="1" dirty="0" smtClean="0">
-                <a:solidFill>
-                  <a:srgbClr val="486DA2"/>
-                </a:solidFill>
-                <a:latin typeface="Verdana" pitchFamily="34" charset="0"/>
-              </a:rPr>
-              <a:t>  GIT Clone</a:t>
-            </a:r>
-          </a:p>
-          <a:p>
-            <a:r>
-              <a:rPr lang="en-US" sz="1100" dirty="0" smtClean="0"/>
-              <a:t>If you want to get a copy of an existing </a:t>
-            </a:r>
-            <a:r>
-              <a:rPr lang="en-US" sz="1100" dirty="0" err="1" smtClean="0"/>
-              <a:t>Git</a:t>
-            </a:r>
-            <a:r>
-              <a:rPr lang="en-US" sz="1100" dirty="0" smtClean="0"/>
-              <a:t> repository — for example, a project you’d like to contribute to — the command you need is </a:t>
-            </a:r>
-            <a:r>
-              <a:rPr lang="en-US" sz="1100" dirty="0" err="1" smtClean="0"/>
-              <a:t>git</a:t>
-            </a:r>
-            <a:r>
-              <a:rPr lang="en-US" sz="1100" dirty="0" smtClean="0"/>
-              <a:t> clone.</a:t>
-            </a:r>
-          </a:p>
-          <a:p>
-            <a:r>
-              <a:rPr lang="en-US" sz="1050" dirty="0" smtClean="0">
-                <a:latin typeface="Courier New" pitchFamily="49" charset="0"/>
-                <a:cs typeface="Courier New" pitchFamily="49" charset="0"/>
-                <a:sym typeface="Wingdings 3"/>
-              </a:rPr>
-              <a:t>$ </a:t>
-            </a:r>
-            <a:r>
-              <a:rPr lang="en-US" sz="1050" dirty="0" err="1" smtClean="0">
-                <a:latin typeface="Courier New" pitchFamily="49" charset="0"/>
-                <a:cs typeface="Courier New" pitchFamily="49" charset="0"/>
-                <a:sym typeface="Wingdings 3"/>
-              </a:rPr>
-              <a:t>git</a:t>
-            </a:r>
-            <a:r>
-              <a:rPr lang="en-US" sz="1050" dirty="0" smtClean="0">
-                <a:latin typeface="Courier New" pitchFamily="49" charset="0"/>
-                <a:cs typeface="Courier New" pitchFamily="49" charset="0"/>
-                <a:sym typeface="Wingdings 3"/>
-              </a:rPr>
-              <a:t> clone </a:t>
-            </a:r>
-            <a:r>
-              <a:rPr lang="en-US" sz="1050" dirty="0" err="1" smtClean="0">
-                <a:latin typeface="Courier New" pitchFamily="49" charset="0"/>
-                <a:cs typeface="Courier New" pitchFamily="49" charset="0"/>
-                <a:sym typeface="Wingdings 3"/>
-              </a:rPr>
-              <a:t>your_clone_URL</a:t>
-            </a:r>
-            <a:r>
-              <a:rPr lang="en-US" sz="1050" dirty="0" smtClean="0">
-                <a:latin typeface="Courier New" pitchFamily="49" charset="0"/>
-                <a:cs typeface="Courier New" pitchFamily="49" charset="0"/>
-                <a:sym typeface="Wingdings 3"/>
-              </a:rPr>
-              <a:t> </a:t>
-            </a:r>
-            <a:r>
-              <a:rPr lang="en-US" sz="1050" dirty="0" err="1" smtClean="0">
-                <a:latin typeface="Courier New" pitchFamily="49" charset="0"/>
-                <a:cs typeface="Courier New" pitchFamily="49" charset="0"/>
-                <a:sym typeface="Wingdings 3"/>
-              </a:rPr>
-              <a:t>local_foldername</a:t>
-            </a:r>
-            <a:endParaRPr lang="en-US" sz="1050" dirty="0" smtClean="0">
-              <a:latin typeface="Courier New" pitchFamily="49" charset="0"/>
-              <a:cs typeface="Courier New" pitchFamily="49" charset="0"/>
-              <a:sym typeface="Wingdings 3"/>
-            </a:endParaRPr>
-          </a:p>
-          <a:p>
-            <a:endParaRPr lang="en-US" sz="1100" dirty="0" smtClean="0"/>
-          </a:p>
-          <a:p>
-            <a:pPr>
-              <a:buFont typeface="Arial" pitchFamily="34" charset="0"/>
-              <a:buChar char="•"/>
-            </a:pPr>
-            <a:r>
-              <a:rPr lang="en-US" sz="1100" b="1" dirty="0" smtClean="0">
-                <a:solidFill>
-                  <a:srgbClr val="486DA2"/>
-                </a:solidFill>
-                <a:latin typeface="Verdana" pitchFamily="34" charset="0"/>
-              </a:rPr>
-              <a:t>  GIT Diff</a:t>
-            </a:r>
-          </a:p>
-          <a:p>
-            <a:r>
-              <a:rPr lang="en-US" sz="1100" dirty="0" smtClean="0"/>
-              <a:t>We can see all the </a:t>
-            </a:r>
-            <a:r>
-              <a:rPr lang="en-US" sz="1100" dirty="0" err="1" smtClean="0"/>
-              <a:t>unstaged</a:t>
-            </a:r>
-            <a:r>
-              <a:rPr lang="en-US" sz="1100" dirty="0" smtClean="0"/>
-              <a:t> files with the following command:</a:t>
-            </a:r>
-          </a:p>
-          <a:p>
-            <a:r>
-              <a:rPr lang="en-US" sz="1050" dirty="0" smtClean="0">
-                <a:latin typeface="Courier New" pitchFamily="49" charset="0"/>
-                <a:cs typeface="Courier New" pitchFamily="49" charset="0"/>
-                <a:sym typeface="Wingdings 3"/>
-              </a:rPr>
-              <a:t>$ </a:t>
-            </a:r>
-            <a:r>
-              <a:rPr lang="en-US" sz="1050" dirty="0" err="1" smtClean="0">
-                <a:latin typeface="Courier New" pitchFamily="49" charset="0"/>
-                <a:cs typeface="Courier New" pitchFamily="49" charset="0"/>
-                <a:sym typeface="Wingdings 3"/>
-              </a:rPr>
-              <a:t>git</a:t>
-            </a:r>
-            <a:r>
-              <a:rPr lang="en-US" sz="1050" dirty="0" smtClean="0">
-                <a:latin typeface="Courier New" pitchFamily="49" charset="0"/>
-                <a:cs typeface="Courier New" pitchFamily="49" charset="0"/>
-                <a:sym typeface="Wingdings 3"/>
-              </a:rPr>
-              <a:t> diff</a:t>
-            </a:r>
-            <a:endParaRPr lang="en-US" sz="1100" i="1" dirty="0" smtClean="0"/>
           </a:p>
           <a:p>
             <a:endParaRPr lang="en-US" dirty="0"/>
@@ -2883,96 +2973,6 @@
           </a:bodyPr>
           <a:lstStyle/>
           <a:p>
-            <a:pPr marL="0" marR="0" indent="0" algn="l" defTabSz="914400" rtl="0" eaLnBrk="1" fontAlgn="auto" latinLnBrk="0" hangingPunct="1">
-              <a:lnSpc>
-                <a:spcPct val="100000"/>
-              </a:lnSpc>
-              <a:spcBef>
-                <a:spcPts val="0"/>
-              </a:spcBef>
-              <a:spcAft>
-                <a:spcPts val="0"/>
-              </a:spcAft>
-              <a:buClrTx/>
-              <a:buSzTx/>
-              <a:buFontTx/>
-              <a:buNone/>
-              <a:tabLst/>
-              <a:defRPr/>
-            </a:pPr>
-            <a:r>
-              <a:rPr lang="en-US" b="1" dirty="0" smtClean="0"/>
-              <a:t>To create a remote branch on </a:t>
-            </a:r>
-            <a:r>
-              <a:rPr lang="en-US" b="1" dirty="0" err="1" smtClean="0"/>
-              <a:t>github</a:t>
-            </a:r>
-            <a:r>
-              <a:rPr lang="en-US" b="1" dirty="0" smtClean="0"/>
-              <a:t> that is a replica of your local branch</a:t>
-            </a:r>
-          </a:p>
-          <a:p>
-            <a:pPr marL="0" marR="0" indent="0" algn="l" defTabSz="914400" rtl="0" eaLnBrk="1" fontAlgn="auto" latinLnBrk="0" hangingPunct="1">
-              <a:lnSpc>
-                <a:spcPct val="100000"/>
-              </a:lnSpc>
-              <a:spcBef>
-                <a:spcPts val="0"/>
-              </a:spcBef>
-              <a:spcAft>
-                <a:spcPts val="0"/>
-              </a:spcAft>
-              <a:buClrTx/>
-              <a:buSzTx/>
-              <a:buFontTx/>
-              <a:buNone/>
-              <a:tabLst/>
-              <a:defRPr/>
-            </a:pPr>
-            <a:endParaRPr lang="en-US" dirty="0" smtClean="0"/>
-          </a:p>
-          <a:p>
-            <a:pPr marL="0" marR="0" indent="0" algn="l" defTabSz="914400" rtl="0" eaLnBrk="1" fontAlgn="auto" latinLnBrk="0" hangingPunct="1">
-              <a:lnSpc>
-                <a:spcPct val="100000"/>
-              </a:lnSpc>
-              <a:spcBef>
-                <a:spcPts val="0"/>
-              </a:spcBef>
-              <a:spcAft>
-                <a:spcPts val="0"/>
-              </a:spcAft>
-              <a:buClrTx/>
-              <a:buSzTx/>
-              <a:buFontTx/>
-              <a:buNone/>
-              <a:tabLst/>
-              <a:defRPr/>
-            </a:pPr>
-            <a:r>
-              <a:rPr lang="en-US" dirty="0" smtClean="0"/>
-              <a:t>Suppose you created a local </a:t>
-            </a:r>
-            <a:r>
-              <a:rPr lang="en-US" i="1" dirty="0" err="1" smtClean="0"/>
-              <a:t>plugin</a:t>
-            </a:r>
-            <a:r>
-              <a:rPr lang="en-US" dirty="0" smtClean="0"/>
-              <a:t> branch that you want to expose to others through your </a:t>
-            </a:r>
-            <a:r>
-              <a:rPr lang="en-US" dirty="0" err="1" smtClean="0"/>
-              <a:t>GitHub</a:t>
-            </a:r>
-            <a:r>
-              <a:rPr lang="en-US" dirty="0" smtClean="0"/>
-              <a:t> repository but you are not yet confident enough to put it into the master branch.</a:t>
-            </a:r>
-          </a:p>
-          <a:p>
             <a:endParaRPr lang="en-US" dirty="0"/>
           </a:p>
         </p:txBody>
@@ -2995,7 +2995,7 @@
             <a:fld id="{06F8F5D6-CB0D-4EDE-B95E-664AB82371FD}" type="slidenum">
               <a:rPr lang="en-US" smtClean="0"/>
               <a:pPr/>
-              <a:t>24</a:t>
+              <a:t>23</a:t>
             </a:fld>
             <a:endParaRPr lang="en-US"/>
           </a:p>
@@ -3148,7 +3148,23 @@
           <a:p>
             <a:r>
               <a:rPr lang="en-US" b="1" dirty="0" smtClean="0"/>
-              <a:t>Step 2A: Clone the “Spoon-Knife” project</a:t>
+              <a:t>Step 2A: Clone the </a:t>
+            </a:r>
+            <a:r>
+              <a:rPr lang="en-US" b="1" dirty="0" smtClean="0"/>
+              <a:t>“</a:t>
+            </a:r>
+            <a:r>
+              <a:rPr lang="en-US" b="1" dirty="0" err="1" smtClean="0"/>
+              <a:t>Scrumdo</a:t>
+            </a:r>
+            <a:r>
+              <a:rPr lang="en-US" b="1" dirty="0" smtClean="0"/>
+              <a:t>” </a:t>
+            </a:r>
+            <a:r>
+              <a:rPr lang="en-US" b="1" dirty="0" smtClean="0"/>
+              <a:t>project</a:t>
             </a:r>
             <a:endParaRPr lang="en-US" dirty="0" smtClean="0"/>
           </a:p>
@@ -3365,7 +3381,7 @@
             <a:fld id="{06F8F5D6-CB0D-4EDE-B95E-664AB82371FD}" type="slidenum">
               <a:rPr lang="en-US" smtClean="0"/>
               <a:pPr/>
-              <a:t>25</a:t>
+              <a:t>24</a:t>
             </a:fld>
             <a:endParaRPr lang="en-US"/>
           </a:p>
@@ -3651,7 +3667,7 @@
             <a:fld id="{06F8F5D6-CB0D-4EDE-B95E-664AB82371FD}" type="slidenum">
               <a:rPr lang="en-US" smtClean="0"/>
               <a:pPr/>
-              <a:t>26</a:t>
+              <a:t>25</a:t>
             </a:fld>
             <a:endParaRPr lang="en-US"/>
           </a:p>
@@ -11084,7 +11100,7 @@
               <a:t>git</a:t>
             </a:r>
             <a:r>
-              <a:rPr lang="en-US" sz="2000" smtClean="0">
+              <a:rPr lang="en-US" sz="2000" dirty="0" smtClean="0">
                 <a:latin typeface="Courier New" pitchFamily="49" charset="0"/>
                 <a:cs typeface="Courier New" pitchFamily="49" charset="0"/>
               </a:rPr>
@@ -11705,59 +11721,11 @@
             </a:r>
           </a:p>
           <a:p>
-            <a:pPr>
-              <a:buFont typeface="Arial" pitchFamily="34" charset="0"/>
-              <a:buChar char="•"/>
-            </a:pPr>
-            <a:endParaRPr lang="en-US" sz="2000" b="1" dirty="0" smtClean="0">
-              <a:solidFill>
-                <a:srgbClr val="486DA2"/>
-              </a:solidFill>
-              <a:latin typeface="Verdana" pitchFamily="34" charset="0"/>
-              <a:sym typeface="Wingdings 3"/>
-            </a:endParaRPr>
-          </a:p>
-          <a:p>
-            <a:pPr>
-              <a:buFont typeface="Arial" pitchFamily="34" charset="0"/>
-              <a:buChar char="•"/>
-            </a:pPr>
-            <a:r>
-              <a:rPr lang="en-US" sz="2000" b="1" dirty="0" smtClean="0">
-                <a:solidFill>
-                  <a:srgbClr val="486DA2"/>
-                </a:solidFill>
-                <a:latin typeface="Verdana" pitchFamily="34" charset="0"/>
-                <a:sym typeface="Wingdings 3"/>
-              </a:rPr>
-              <a:t> </a:t>
-            </a:r>
-            <a:r>
-              <a:rPr lang="en-US" sz="2000" b="1" dirty="0" err="1" smtClean="0">
-                <a:solidFill>
-                  <a:srgbClr val="486DA2"/>
-                </a:solidFill>
-                <a:latin typeface="Verdana" pitchFamily="34" charset="0"/>
-                <a:sym typeface="Wingdings 3"/>
-              </a:rPr>
-              <a:t>git</a:t>
-            </a:r>
-            <a:r>
-              <a:rPr lang="en-US" sz="2000" b="1" dirty="0" smtClean="0">
-                <a:solidFill>
-                  <a:srgbClr val="486DA2"/>
-                </a:solidFill>
-                <a:latin typeface="Verdana" pitchFamily="34" charset="0"/>
-                <a:sym typeface="Wingdings 3"/>
-              </a:rPr>
-              <a:t> branch</a:t>
-            </a:r>
-          </a:p>
-          <a:p>
             <a:r>
               <a:rPr lang="en-US" sz="2000" dirty="0" smtClean="0"/>
               <a:t>.</a:t>
             </a:r>
+            <a:endParaRPr lang="en-US" sz="2000" dirty="0" smtClean="0"/>
           </a:p>
           <a:p>
             <a:pPr>
@@ -11987,564 +11955,6 @@
 </file>
 
 <file path=ppt/slides/slide21.xml><?xml version="1.0" encoding="utf-8"?>
-<p:sld xmlns:a="http://schemas.openxmlformats.org/drawingml/2006/main" xmlns:r="http://schemas.openxmlformats.org/officeDocument/2006/relationships" xmlns:p="http://schemas.openxmlformats.org/presentationml/2006/main">
-  <p:cSld>
-    <p:spTree>
-      <p:nvGrpSpPr>
-        <p:cNvPr id="1" name=""/>
-        <p:cNvGrpSpPr/>
-        <p:nvPr/>
-      </p:nvGrpSpPr>
-      <p:grpSpPr>
-        <a:xfrm>
-          <a:off x="0" y="0"/>
-          <a:ext cx="0" cy="0"/>
-          <a:chOff x="0" y="0"/>
-          <a:chExt cx="0" cy="0"/>
-        </a:xfrm>
-      </p:grpSpPr>
-      <p:sp>
-        <p:nvSpPr>
-          <p:cNvPr id="21506" name="Text Box 2"/>
-          <p:cNvSpPr txBox="1">
-            <a:spLocks noChangeArrowheads="1"/>
-          </p:cNvSpPr>
-          <p:nvPr/>
-        </p:nvSpPr>
-        <p:spPr bwMode="auto">
-          <a:xfrm>
-            <a:off x="2627784" y="188913"/>
-            <a:ext cx="3708066" cy="584775"/>
-          </a:xfrm>
-          <a:prstGeom prst="rect">
-            <a:avLst/>
-          </a:prstGeom>
-          <a:noFill/>
-          <a:ln w="9525">
-            <a:noFill/>
-            <a:miter lim="800000"/>
-            <a:headEnd/>
-            <a:tailEnd/>
-          </a:ln>
-          <a:effectLst/>
-        </p:spPr>
-        <p:txBody>
-          <a:bodyPr wrap="none">
-            <a:spAutoFit/>
-          </a:bodyPr>
-          <a:lstStyle/>
-          <a:p>
-            <a:r>
-              <a:rPr lang="fr-FR" sz="3200" b="1" u="sng" dirty="0" smtClean="0">
-                <a:solidFill>
-                  <a:srgbClr val="486DA2"/>
-                </a:solidFill>
-                <a:latin typeface="Verdana" pitchFamily="34" charset="0"/>
-              </a:rPr>
-              <a:t>GIT </a:t>
-            </a:r>
-            <a:r>
-              <a:rPr lang="fr-FR" sz="3200" b="1" u="sng" dirty="0" err="1" smtClean="0">
-                <a:solidFill>
-                  <a:srgbClr val="486DA2"/>
-                </a:solidFill>
-                <a:latin typeface="Verdana" pitchFamily="34" charset="0"/>
-              </a:rPr>
-              <a:t>Commands</a:t>
-            </a:r>
-            <a:endParaRPr lang="fr-FR" sz="3200" u="sng" dirty="0">
-              <a:solidFill>
-                <a:srgbClr val="486DA2"/>
-              </a:solidFill>
-            </a:endParaRPr>
-          </a:p>
-        </p:txBody>
-      </p:sp>
-      <p:pic>
-        <p:nvPicPr>
-          <p:cNvPr id="4" name="Picture 19" descr="http://www.posscon.org/wp-content/uploads/2011/12/GitHub_Logo.png"/>
-          <p:cNvPicPr>
-            <a:picLocks noChangeAspect="1" noChangeArrowheads="1"/>
-          </p:cNvPicPr>
-          <p:nvPr/>
-        </p:nvPicPr>
-        <p:blipFill>
-          <a:blip r:embed="rId3" cstate="print">
-            <a:lum bright="70000" contrast="-70000"/>
-          </a:blip>
-          <a:srcRect/>
-          <a:stretch>
-            <a:fillRect/>
-          </a:stretch>
-        </p:blipFill>
-        <p:spPr bwMode="auto">
-          <a:xfrm rot="16200000">
-            <a:off x="-415422" y="639559"/>
-            <a:ext cx="1872208" cy="826354"/>
-          </a:xfrm>
-          <a:prstGeom prst="rect">
-            <a:avLst/>
-          </a:prstGeom>
-          <a:noFill/>
-        </p:spPr>
-      </p:pic>
-      <p:sp>
-        <p:nvSpPr>
-          <p:cNvPr id="8" name="Text Box 8"/>
-          <p:cNvSpPr txBox="1">
-            <a:spLocks noChangeArrowheads="1"/>
-          </p:cNvSpPr>
-          <p:nvPr/>
-        </p:nvSpPr>
-        <p:spPr bwMode="auto">
-          <a:xfrm>
-            <a:off x="2123728" y="981621"/>
-            <a:ext cx="6840760" cy="5327699"/>
-          </a:xfrm>
-          <a:prstGeom prst="rect">
-            <a:avLst/>
-          </a:prstGeom>
-          <a:noFill/>
-          <a:ln w="9525">
-            <a:noFill/>
-            <a:miter lim="800000"/>
-            <a:headEnd/>
-            <a:tailEnd/>
-          </a:ln>
-          <a:effectLst/>
-        </p:spPr>
-        <p:txBody>
-          <a:bodyPr lIns="180000" tIns="180000" rIns="180000" bIns="180000"/>
-          <a:lstStyle/>
-          <a:p>
-            <a:pPr>
-              <a:buFont typeface="Arial" pitchFamily="34" charset="0"/>
-              <a:buChar char="•"/>
-            </a:pPr>
-            <a:r>
-              <a:rPr lang="en-US" b="1" dirty="0" smtClean="0">
-                <a:solidFill>
-                  <a:srgbClr val="486DA2"/>
-                </a:solidFill>
-                <a:latin typeface="Verdana" pitchFamily="34" charset="0"/>
-              </a:rPr>
-              <a:t> </a:t>
-            </a:r>
-            <a:r>
-              <a:rPr lang="en-US" b="1" dirty="0" err="1" smtClean="0">
-                <a:solidFill>
-                  <a:srgbClr val="486DA2"/>
-                </a:solidFill>
-                <a:latin typeface="Verdana" pitchFamily="34" charset="0"/>
-              </a:rPr>
-              <a:t>git</a:t>
-            </a:r>
-            <a:r>
-              <a:rPr lang="en-US" b="1" dirty="0" smtClean="0">
-                <a:solidFill>
-                  <a:srgbClr val="486DA2"/>
-                </a:solidFill>
-                <a:latin typeface="Verdana" pitchFamily="34" charset="0"/>
-              </a:rPr>
-              <a:t> checkout</a:t>
-            </a:r>
-          </a:p>
-          <a:p>
-            <a:pPr>
-              <a:buFont typeface="Arial" pitchFamily="34" charset="0"/>
-              <a:buChar char="•"/>
-            </a:pPr>
-            <a:endParaRPr lang="en-US" b="1" dirty="0" smtClean="0">
-              <a:solidFill>
-                <a:srgbClr val="486DA2"/>
-              </a:solidFill>
-              <a:latin typeface="Verdana" pitchFamily="34" charset="0"/>
-            </a:endParaRPr>
-          </a:p>
-          <a:p>
-            <a:pPr>
-              <a:buFont typeface="Arial" pitchFamily="34" charset="0"/>
-              <a:buChar char="•"/>
-            </a:pPr>
-            <a:endParaRPr lang="en-US" b="1" dirty="0" smtClean="0">
-              <a:solidFill>
-                <a:srgbClr val="486DA2"/>
-              </a:solidFill>
-              <a:latin typeface="Verdana" pitchFamily="34" charset="0"/>
-            </a:endParaRPr>
-          </a:p>
-          <a:p>
-            <a:pPr>
-              <a:buFont typeface="Arial" pitchFamily="34" charset="0"/>
-              <a:buChar char="•"/>
-            </a:pPr>
-            <a:endParaRPr lang="en-US" b="1" dirty="0" smtClean="0">
-              <a:solidFill>
-                <a:srgbClr val="486DA2"/>
-              </a:solidFill>
-              <a:latin typeface="Verdana" pitchFamily="34" charset="0"/>
-            </a:endParaRPr>
-          </a:p>
-          <a:p>
-            <a:pPr>
-              <a:buFont typeface="Arial" pitchFamily="34" charset="0"/>
-              <a:buChar char="•"/>
-            </a:pPr>
-            <a:endParaRPr lang="en-US" b="1" dirty="0" smtClean="0">
-              <a:solidFill>
-                <a:srgbClr val="486DA2"/>
-              </a:solidFill>
-              <a:latin typeface="Verdana" pitchFamily="34" charset="0"/>
-            </a:endParaRPr>
-          </a:p>
-          <a:p>
-            <a:pPr>
-              <a:buFont typeface="Arial" pitchFamily="34" charset="0"/>
-              <a:buChar char="•"/>
-            </a:pPr>
-            <a:endParaRPr lang="en-US" b="1" dirty="0" smtClean="0">
-              <a:solidFill>
-                <a:srgbClr val="486DA2"/>
-              </a:solidFill>
-              <a:latin typeface="Verdana" pitchFamily="34" charset="0"/>
-            </a:endParaRPr>
-          </a:p>
-          <a:p>
-            <a:pPr>
-              <a:buFont typeface="Arial" pitchFamily="34" charset="0"/>
-              <a:buChar char="•"/>
-            </a:pPr>
-            <a:endParaRPr lang="en-US" b="1" dirty="0" smtClean="0">
-              <a:solidFill>
-                <a:srgbClr val="486DA2"/>
-              </a:solidFill>
-              <a:latin typeface="Verdana" pitchFamily="34" charset="0"/>
-            </a:endParaRPr>
-          </a:p>
-          <a:p>
-            <a:pPr>
-              <a:buFont typeface="Arial" pitchFamily="34" charset="0"/>
-              <a:buChar char="•"/>
-            </a:pPr>
-            <a:r>
-              <a:rPr lang="en-US" b="1" dirty="0" smtClean="0">
-                <a:solidFill>
-                  <a:srgbClr val="486DA2"/>
-                </a:solidFill>
-                <a:latin typeface="Verdana" pitchFamily="34" charset="0"/>
-              </a:rPr>
-              <a:t> </a:t>
-            </a:r>
-            <a:r>
-              <a:rPr lang="en-US" b="1" dirty="0" err="1" smtClean="0">
-                <a:solidFill>
-                  <a:srgbClr val="486DA2"/>
-                </a:solidFill>
-                <a:latin typeface="Verdana" pitchFamily="34" charset="0"/>
-              </a:rPr>
-              <a:t>git</a:t>
-            </a:r>
-            <a:r>
-              <a:rPr lang="en-US" b="1" dirty="0" smtClean="0">
-                <a:solidFill>
-                  <a:srgbClr val="486DA2"/>
-                </a:solidFill>
-                <a:latin typeface="Verdana" pitchFamily="34" charset="0"/>
-              </a:rPr>
-              <a:t> status</a:t>
-            </a:r>
-          </a:p>
-          <a:p>
-            <a:pPr>
-              <a:buFont typeface="Arial" pitchFamily="34" charset="0"/>
-              <a:buChar char="•"/>
-            </a:pPr>
-            <a:endParaRPr lang="en-US" b="1" dirty="0" smtClean="0">
-              <a:solidFill>
-                <a:srgbClr val="486DA2"/>
-              </a:solidFill>
-              <a:latin typeface="Verdana" pitchFamily="34" charset="0"/>
-            </a:endParaRPr>
-          </a:p>
-          <a:p>
-            <a:pPr>
-              <a:buFont typeface="Arial" pitchFamily="34" charset="0"/>
-              <a:buChar char="•"/>
-            </a:pPr>
-            <a:endParaRPr lang="en-US" b="1" dirty="0" smtClean="0">
-              <a:solidFill>
-                <a:srgbClr val="486DA2"/>
-              </a:solidFill>
-              <a:latin typeface="Verdana" pitchFamily="34" charset="0"/>
-            </a:endParaRPr>
-          </a:p>
-          <a:p>
-            <a:pPr>
-              <a:buFont typeface="Arial" pitchFamily="34" charset="0"/>
-              <a:buChar char="•"/>
-            </a:pPr>
-            <a:endParaRPr lang="en-US" b="1" dirty="0" smtClean="0">
-              <a:solidFill>
-                <a:srgbClr val="486DA2"/>
-              </a:solidFill>
-              <a:latin typeface="Verdana" pitchFamily="34" charset="0"/>
-            </a:endParaRPr>
-          </a:p>
-          <a:p>
-            <a:pPr>
-              <a:buFont typeface="Arial" pitchFamily="34" charset="0"/>
-              <a:buChar char="•"/>
-            </a:pPr>
-            <a:endParaRPr lang="en-US" b="1" dirty="0" smtClean="0">
-              <a:solidFill>
-                <a:srgbClr val="486DA2"/>
-              </a:solidFill>
-              <a:latin typeface="Verdana" pitchFamily="34" charset="0"/>
-            </a:endParaRPr>
-          </a:p>
-          <a:p>
-            <a:pPr>
-              <a:buFont typeface="Arial" pitchFamily="34" charset="0"/>
-              <a:buChar char="•"/>
-            </a:pPr>
-            <a:endParaRPr lang="en-US" b="1" dirty="0" smtClean="0">
-              <a:solidFill>
-                <a:srgbClr val="486DA2"/>
-              </a:solidFill>
-              <a:latin typeface="Verdana" pitchFamily="34" charset="0"/>
-            </a:endParaRPr>
-          </a:p>
-          <a:p>
-            <a:pPr>
-              <a:buFont typeface="Arial" pitchFamily="34" charset="0"/>
-              <a:buChar char="•"/>
-            </a:pPr>
-            <a:endParaRPr lang="en-US" b="1" dirty="0" smtClean="0">
-              <a:solidFill>
-                <a:srgbClr val="486DA2"/>
-              </a:solidFill>
-              <a:latin typeface="Verdana" pitchFamily="34" charset="0"/>
-            </a:endParaRPr>
-          </a:p>
-          <a:p>
-            <a:pPr>
-              <a:buFont typeface="Arial" pitchFamily="34" charset="0"/>
-              <a:buChar char="•"/>
-            </a:pPr>
-            <a:r>
-              <a:rPr lang="en-US" b="1" dirty="0" smtClean="0">
-                <a:solidFill>
-                  <a:srgbClr val="486DA2"/>
-                </a:solidFill>
-                <a:latin typeface="Verdana" pitchFamily="34" charset="0"/>
-              </a:rPr>
-              <a:t> </a:t>
-            </a:r>
-            <a:r>
-              <a:rPr lang="en-US" b="1" dirty="0" err="1" smtClean="0">
-                <a:solidFill>
-                  <a:srgbClr val="486DA2"/>
-                </a:solidFill>
-                <a:latin typeface="Verdana" pitchFamily="34" charset="0"/>
-              </a:rPr>
-              <a:t>git</a:t>
-            </a:r>
-            <a:r>
-              <a:rPr lang="en-US" b="1" dirty="0" smtClean="0">
-                <a:solidFill>
-                  <a:srgbClr val="486DA2"/>
-                </a:solidFill>
-                <a:latin typeface="Verdana" pitchFamily="34" charset="0"/>
-              </a:rPr>
-              <a:t> commit</a:t>
-            </a:r>
-          </a:p>
-        </p:txBody>
-      </p:sp>
-      <p:sp>
-        <p:nvSpPr>
-          <p:cNvPr id="38914" name="AutoShape 2" descr="D:\CodeGenesys\GitHub\Git For Windows Developers %E2%80%93 Git Series %E2%80%93 Part 1   Jason Meridth's Blog_files\install41.png"/>
-          <p:cNvSpPr>
-            <a:spLocks noChangeAspect="1" noChangeArrowheads="1"/>
-          </p:cNvSpPr>
-          <p:nvPr/>
-        </p:nvSpPr>
-        <p:spPr bwMode="auto">
-          <a:xfrm>
-            <a:off x="155575" y="-144463"/>
-            <a:ext cx="304800" cy="304801"/>
-          </a:xfrm>
-          <a:prstGeom prst="rect">
-            <a:avLst/>
-          </a:prstGeom>
-          <a:noFill/>
-        </p:spPr>
-        <p:txBody>
-          <a:bodyPr vert="horz" wrap="square" lIns="91440" tIns="45720" rIns="91440" bIns="45720" numCol="1" anchor="t" anchorCtr="0" compatLnSpc="1">
-            <a:prstTxWarp prst="textNoShape">
-              <a:avLst/>
-            </a:prstTxWarp>
-          </a:bodyPr>
-          <a:lstStyle/>
-          <a:p>
-            <a:endParaRPr lang="en-US"/>
-          </a:p>
-        </p:txBody>
-      </p:sp>
-      <p:sp>
-        <p:nvSpPr>
-          <p:cNvPr id="38916" name="AutoShape 4" descr="D:\CodeGenesys\GitHub\Git For Windows Developers %E2%80%93 Git Series %E2%80%93 Part 1   Jason Meridth's Blog_files\install41.png"/>
-          <p:cNvSpPr>
-            <a:spLocks noChangeAspect="1" noChangeArrowheads="1"/>
-          </p:cNvSpPr>
-          <p:nvPr/>
-        </p:nvSpPr>
-        <p:spPr bwMode="auto">
-          <a:xfrm>
-            <a:off x="155575" y="-144463"/>
-            <a:ext cx="304800" cy="304801"/>
-          </a:xfrm>
-          <a:prstGeom prst="rect">
-            <a:avLst/>
-          </a:prstGeom>
-          <a:noFill/>
-        </p:spPr>
-        <p:txBody>
-          <a:bodyPr vert="horz" wrap="square" lIns="91440" tIns="45720" rIns="91440" bIns="45720" numCol="1" anchor="t" anchorCtr="0" compatLnSpc="1">
-            <a:prstTxWarp prst="textNoShape">
-              <a:avLst/>
-            </a:prstTxWarp>
-          </a:bodyPr>
-          <a:lstStyle/>
-          <a:p>
-            <a:endParaRPr lang="en-US"/>
-          </a:p>
-        </p:txBody>
-      </p:sp>
-      <p:sp>
-        <p:nvSpPr>
-          <p:cNvPr id="38918" name="AutoShape 6" descr="D:\CodeGenesys\GitHub\Git For Windows Developers %E2%80%93 Git Series %E2%80%93 Part 1   Jason Meridth's Blog_files\install41.png"/>
-          <p:cNvSpPr>
-            <a:spLocks noChangeAspect="1" noChangeArrowheads="1"/>
-          </p:cNvSpPr>
-          <p:nvPr/>
-        </p:nvSpPr>
-        <p:spPr bwMode="auto">
-          <a:xfrm>
-            <a:off x="155575" y="-144463"/>
-            <a:ext cx="304800" cy="304801"/>
-          </a:xfrm>
-          <a:prstGeom prst="rect">
-            <a:avLst/>
-          </a:prstGeom>
-          <a:noFill/>
-        </p:spPr>
-        <p:txBody>
-          <a:bodyPr vert="horz" wrap="square" lIns="91440" tIns="45720" rIns="91440" bIns="45720" numCol="1" anchor="t" anchorCtr="0" compatLnSpc="1">
-            <a:prstTxWarp prst="textNoShape">
-              <a:avLst/>
-            </a:prstTxWarp>
-          </a:bodyPr>
-          <a:lstStyle/>
-          <a:p>
-            <a:endParaRPr lang="en-US"/>
-          </a:p>
-        </p:txBody>
-      </p:sp>
-      <p:pic>
-        <p:nvPicPr>
-          <p:cNvPr id="30722" name="Picture 2" descr="image"/>
-          <p:cNvPicPr>
-            <a:picLocks noChangeAspect="1" noChangeArrowheads="1"/>
-          </p:cNvPicPr>
-          <p:nvPr/>
-        </p:nvPicPr>
-        <p:blipFill>
-          <a:blip r:embed="rId4" cstate="print"/>
-          <a:srcRect/>
-          <a:stretch>
-            <a:fillRect/>
-          </a:stretch>
-        </p:blipFill>
-        <p:spPr bwMode="auto">
-          <a:xfrm>
-            <a:off x="2339752" y="1556792"/>
-            <a:ext cx="6624736" cy="1279187"/>
-          </a:xfrm>
-          <a:prstGeom prst="rect">
-            <a:avLst/>
-          </a:prstGeom>
-          <a:noFill/>
-        </p:spPr>
-      </p:pic>
-      <p:pic>
-        <p:nvPicPr>
-          <p:cNvPr id="9" name="Picture 2" descr="image"/>
-          <p:cNvPicPr>
-            <a:picLocks noChangeAspect="1" noChangeArrowheads="1"/>
-          </p:cNvPicPr>
-          <p:nvPr/>
-        </p:nvPicPr>
-        <p:blipFill>
-          <a:blip r:embed="rId5" cstate="print"/>
-          <a:srcRect/>
-          <a:stretch>
-            <a:fillRect/>
-          </a:stretch>
-        </p:blipFill>
-        <p:spPr bwMode="auto">
-          <a:xfrm>
-            <a:off x="2298898" y="3429000"/>
-            <a:ext cx="6305550" cy="1314451"/>
-          </a:xfrm>
-          <a:prstGeom prst="rect">
-            <a:avLst/>
-          </a:prstGeom>
-          <a:noFill/>
-        </p:spPr>
-      </p:pic>
-      <p:pic>
-        <p:nvPicPr>
-          <p:cNvPr id="10" name="Picture 2" descr="image"/>
-          <p:cNvPicPr>
-            <a:picLocks noChangeAspect="1" noChangeArrowheads="1"/>
-          </p:cNvPicPr>
-          <p:nvPr/>
-        </p:nvPicPr>
-        <p:blipFill>
-          <a:blip r:embed="rId6" cstate="print"/>
-          <a:srcRect/>
-          <a:stretch>
-            <a:fillRect/>
-          </a:stretch>
-        </p:blipFill>
-        <p:spPr bwMode="auto">
-          <a:xfrm>
-            <a:off x="2267744" y="5373216"/>
-            <a:ext cx="6757674" cy="1440160"/>
-          </a:xfrm>
-          <a:prstGeom prst="rect">
-            <a:avLst/>
-          </a:prstGeom>
-          <a:noFill/>
-        </p:spPr>
-      </p:pic>
-    </p:spTree>
-  </p:cSld>
-  <p:clrMapOvr>
-    <a:masterClrMapping/>
-  </p:clrMapOvr>
-  <p:timing>
-    <p:tnLst>
-      <p:par>
-        <p:cTn id="1" dur="indefinite" restart="never" nodeType="tmRoot"/>
-      </p:par>
-    </p:tnLst>
-  </p:timing>
-</p:sld>
-</file>
-
-<file path=ppt/slides/slide22.xml><?xml version="1.0" encoding="utf-8"?>
 <p:sld xmlns:a="http://schemas.openxmlformats.org/drawingml/2006/main" xmlns:r="http://schemas.openxmlformats.org/officeDocument/2006/relationships" xmlns:p="http://schemas.openxmlformats.org/presentationml/2006/main">
   <p:cSld>
     <p:spTree>
@@ -13073,7 +12483,7 @@
 </p:sld>
 </file>
 
-<file path=ppt/slides/slide23.xml><?xml version="1.0" encoding="utf-8"?>
+<file path=ppt/slides/slide22.xml><?xml version="1.0" encoding="utf-8"?>
 <p:sld xmlns:a="http://schemas.openxmlformats.org/drawingml/2006/main" xmlns:r="http://schemas.openxmlformats.org/officeDocument/2006/relationships" xmlns:p="http://schemas.openxmlformats.org/presentationml/2006/main">
   <p:cSld>
     <p:spTree>
@@ -13099,7 +12509,7 @@
         <p:spPr>
           <a:xfrm>
             <a:off x="2195736" y="1484784"/>
-            <a:ext cx="6390456" cy="4524315"/>
+            <a:ext cx="6390456" cy="5355312"/>
           </a:xfrm>
           <a:prstGeom prst="rect">
             <a:avLst/>
@@ -13115,28 +12525,144 @@
           </a:p>
           <a:p>
             <a:r>
+              <a:rPr lang="en-US" b="1" dirty="0" smtClean="0"/>
+              <a:t>To </a:t>
+            </a:r>
+            <a:r>
               <a:rPr lang="en-US" b="1" dirty="0"/>
-              <a:t>To create a local branch </a:t>
+              <a:t>create a local branch </a:t>
             </a:r>
             <a:endParaRPr lang="en-US" dirty="0"/>
           </a:p>
           <a:p>
+            <a:r>
+              <a:rPr lang="en-US" dirty="0" smtClean="0">
+                <a:latin typeface="Courier New" pitchFamily="49" charset="0"/>
+                <a:cs typeface="Courier New" pitchFamily="49" charset="0"/>
+                <a:sym typeface="Wingdings 3"/>
+              </a:rPr>
+              <a:t>$ </a:t>
+            </a:r>
+            <a:r>
+              <a:rPr lang="en-US" dirty="0" err="1" smtClean="0">
+                <a:latin typeface="Courier New" pitchFamily="49" charset="0"/>
+                <a:cs typeface="Courier New" pitchFamily="49" charset="0"/>
+                <a:sym typeface="Wingdings 3"/>
+              </a:rPr>
+              <a:t>git</a:t>
+            </a:r>
+            <a:r>
+              <a:rPr lang="en-US" dirty="0" smtClean="0">
+                <a:latin typeface="Courier New" pitchFamily="49" charset="0"/>
+                <a:cs typeface="Courier New" pitchFamily="49" charset="0"/>
+                <a:sym typeface="Wingdings 3"/>
+              </a:rPr>
+              <a:t> </a:t>
+            </a:r>
+            <a:r>
+              <a:rPr lang="en-US" dirty="0" smtClean="0">
+                <a:latin typeface="Courier New" pitchFamily="49" charset="0"/>
+                <a:cs typeface="Courier New" pitchFamily="49" charset="0"/>
+                <a:sym typeface="Wingdings 3"/>
+              </a:rPr>
+              <a:t>branch </a:t>
+            </a:r>
+            <a:r>
+              <a:rPr lang="en-US" dirty="0" err="1" smtClean="0">
+                <a:latin typeface="Courier New" pitchFamily="49" charset="0"/>
+                <a:cs typeface="Courier New" pitchFamily="49" charset="0"/>
+                <a:sym typeface="Wingdings 3"/>
+              </a:rPr>
+              <a:t>user_prompt</a:t>
+            </a:r>
+            <a:endParaRPr lang="en-US" dirty="0" smtClean="0">
+              <a:latin typeface="Courier New" pitchFamily="49" charset="0"/>
+              <a:cs typeface="Courier New" pitchFamily="49" charset="0"/>
+              <a:sym typeface="Wingdings 3"/>
+            </a:endParaRPr>
+          </a:p>
+          <a:p>
+            <a:r>
+              <a:rPr lang="en-US" dirty="0" smtClean="0">
+                <a:latin typeface="Courier New" pitchFamily="49" charset="0"/>
+                <a:cs typeface="Courier New" pitchFamily="49" charset="0"/>
+                <a:sym typeface="Wingdings 3"/>
+              </a:rPr>
+              <a:t>$ </a:t>
+            </a:r>
+            <a:r>
+              <a:rPr lang="en-US" dirty="0" err="1" smtClean="0">
+                <a:latin typeface="Courier New" pitchFamily="49" charset="0"/>
+                <a:cs typeface="Courier New" pitchFamily="49" charset="0"/>
+                <a:sym typeface="Wingdings 3"/>
+              </a:rPr>
+              <a:t>git</a:t>
+            </a:r>
+            <a:r>
+              <a:rPr lang="en-US" dirty="0" smtClean="0">
+                <a:latin typeface="Courier New" pitchFamily="49" charset="0"/>
+                <a:cs typeface="Courier New" pitchFamily="49" charset="0"/>
+                <a:sym typeface="Wingdings 3"/>
+              </a:rPr>
+              <a:t> checkout </a:t>
+            </a:r>
+            <a:r>
+              <a:rPr lang="en-US" dirty="0" err="1" smtClean="0">
+                <a:latin typeface="Courier New" pitchFamily="49" charset="0"/>
+                <a:cs typeface="Courier New" pitchFamily="49" charset="0"/>
+                <a:sym typeface="Wingdings 3"/>
+              </a:rPr>
+              <a:t>user_prompt</a:t>
+            </a:r>
             <a:endParaRPr lang="en-US" dirty="0"/>
           </a:p>
           <a:p>
-            <a:r>
-              <a:rPr lang="en-US" dirty="0" err="1"/>
+            <a:endParaRPr lang="en-US" dirty="0" smtClean="0"/>
+          </a:p>
+          <a:p>
+            <a:r>
+              <a:rPr lang="en-US" b="1" dirty="0" smtClean="0"/>
+              <a:t>To create a local branch and checkout branch</a:t>
+            </a:r>
+          </a:p>
+          <a:p>
+            <a:r>
+              <a:rPr lang="en-US" dirty="0" smtClean="0">
+                <a:latin typeface="Courier New" pitchFamily="49" charset="0"/>
+                <a:cs typeface="Courier New" pitchFamily="49" charset="0"/>
+                <a:sym typeface="Wingdings 3"/>
+              </a:rPr>
+              <a:t>$ </a:t>
+            </a:r>
+            <a:r>
+              <a:rPr lang="en-US" dirty="0" err="1" smtClean="0">
+                <a:latin typeface="Courier New" pitchFamily="49" charset="0"/>
+                <a:cs typeface="Courier New" pitchFamily="49" charset="0"/>
+                <a:sym typeface="Wingdings 3"/>
+              </a:rPr>
               <a:t>git</a:t>
             </a:r>
             <a:r>
-              <a:rPr lang="en-US" dirty="0"/>
-              <a:t> branch -b </a:t>
-            </a:r>
-            <a:r>
-              <a:rPr lang="en-US" dirty="0" err="1"/>
-              <a:t>javaClient</a:t>
-            </a:r>
-            <a:endParaRPr lang="en-US" dirty="0"/>
+              <a:rPr lang="en-US" dirty="0" smtClean="0">
+                <a:latin typeface="Courier New" pitchFamily="49" charset="0"/>
+                <a:cs typeface="Courier New" pitchFamily="49" charset="0"/>
+                <a:sym typeface="Wingdings 3"/>
+              </a:rPr>
+              <a:t> checkout -b </a:t>
+            </a:r>
+            <a:r>
+              <a:rPr lang="en-US" dirty="0" err="1" smtClean="0">
+                <a:latin typeface="Courier New" pitchFamily="49" charset="0"/>
+                <a:cs typeface="Courier New" pitchFamily="49" charset="0"/>
+                <a:sym typeface="Wingdings 3"/>
+              </a:rPr>
+              <a:t>user_prompt</a:t>
+            </a:r>
+            <a:endParaRPr lang="en-US" dirty="0" smtClean="0">
+              <a:latin typeface="Courier New" pitchFamily="49" charset="0"/>
+              <a:cs typeface="Courier New" pitchFamily="49" charset="0"/>
+              <a:sym typeface="Wingdings 3"/>
+            </a:endParaRPr>
           </a:p>
           <a:p>
             <a:endParaRPr lang="en-US" dirty="0" smtClean="0"/>
@@ -13174,14 +12700,74 @@
             </a:r>
             <a:r>
               <a:rPr lang="en-US" dirty="0" smtClean="0"/>
-              <a:t> branch on the remote repository:</a:t>
-            </a:r>
-          </a:p>
-          <a:p>
-            <a:r>
-              <a:rPr lang="en-US" dirty="0" smtClean="0"/>
-              <a:t>	</a:t>
-            </a:r>
+              <a:t> branch on the remote repository</a:t>
+            </a:r>
+            <a:r>
+              <a:rPr lang="en-US" dirty="0" smtClean="0"/>
+              <a:t>:</a:t>
+            </a:r>
+          </a:p>
+          <a:p>
+            <a:r>
+              <a:rPr lang="en-US" dirty="0" smtClean="0">
+                <a:latin typeface="Courier New" pitchFamily="49" charset="0"/>
+                <a:cs typeface="Courier New" pitchFamily="49" charset="0"/>
+                <a:sym typeface="Wingdings 3"/>
+              </a:rPr>
+              <a:t>$ </a:t>
+            </a:r>
+            <a:r>
+              <a:rPr lang="en-US" dirty="0" err="1" smtClean="0">
+                <a:latin typeface="Courier New" pitchFamily="49" charset="0"/>
+                <a:cs typeface="Courier New" pitchFamily="49" charset="0"/>
+                <a:sym typeface="Wingdings 3"/>
+              </a:rPr>
+              <a:t>git</a:t>
+            </a:r>
+            <a:r>
+              <a:rPr lang="en-US" dirty="0" smtClean="0">
+                <a:latin typeface="Courier New" pitchFamily="49" charset="0"/>
+                <a:cs typeface="Courier New" pitchFamily="49" charset="0"/>
+                <a:sym typeface="Wingdings 3"/>
+              </a:rPr>
+              <a:t> </a:t>
+            </a:r>
+            <a:r>
+              <a:rPr lang="en-US" dirty="0" smtClean="0">
+                <a:latin typeface="Courier New" pitchFamily="49" charset="0"/>
+                <a:cs typeface="Courier New" pitchFamily="49" charset="0"/>
+                <a:sym typeface="Wingdings 3"/>
+              </a:rPr>
+              <a:t>push origin </a:t>
+            </a:r>
+            <a:r>
+              <a:rPr lang="en-US" dirty="0" err="1" smtClean="0">
+                <a:latin typeface="Courier New" pitchFamily="49" charset="0"/>
+                <a:cs typeface="Courier New" pitchFamily="49" charset="0"/>
+                <a:sym typeface="Wingdings 3"/>
+              </a:rPr>
+              <a:t>user_prompt</a:t>
+            </a:r>
+            <a:endParaRPr lang="en-US" dirty="0" smtClean="0"/>
+          </a:p>
+          <a:p>
+            <a:endParaRPr lang="en-US" dirty="0" smtClean="0"/>
+          </a:p>
+          <a:p>
+            <a:r>
+              <a:rPr lang="en-US" b="1" dirty="0" smtClean="0"/>
+              <a:t>To delete a remote branch on </a:t>
+            </a:r>
+            <a:r>
+              <a:rPr lang="en-US" b="1" dirty="0" err="1" smtClean="0"/>
+              <a:t>github</a:t>
+            </a:r>
+            <a:endParaRPr lang="en-US" dirty="0" smtClean="0"/>
+          </a:p>
+          <a:p>
+            <a:endParaRPr lang="en-US" dirty="0" smtClean="0"/>
+          </a:p>
+          <a:p>
             <a:r>
               <a:rPr lang="en-US" dirty="0" err="1" smtClean="0"/>
               <a:t>git</a:t>
@@ -13191,43 +12777,12 @@
               <a:t> push origin </a:t>
             </a:r>
             <a:r>
+              <a:rPr lang="en-US" dirty="0" smtClean="0"/>
+              <a:t>:</a:t>
+            </a:r>
+            <a:r>
               <a:rPr lang="en-US" dirty="0" err="1" smtClean="0"/>
-              <a:t>javaClient</a:t>
-            </a:r>
-            <a:r>
-              <a:rPr lang="en-US" dirty="0" smtClean="0"/>
-              <a:t> 	</a:t>
-            </a:r>
-          </a:p>
-          <a:p>
-            <a:endParaRPr lang="en-US" dirty="0" smtClean="0"/>
-          </a:p>
-          <a:p>
-            <a:r>
-              <a:rPr lang="en-US" b="1" dirty="0" smtClean="0"/>
-              <a:t>To delete a remote branch on </a:t>
-            </a:r>
-            <a:r>
-              <a:rPr lang="en-US" b="1" dirty="0" err="1" smtClean="0"/>
-              <a:t>github</a:t>
-            </a:r>
-            <a:endParaRPr lang="en-US" dirty="0" smtClean="0"/>
-          </a:p>
-          <a:p>
-            <a:endParaRPr lang="en-US" dirty="0" smtClean="0"/>
-          </a:p>
-          <a:p>
-            <a:r>
-              <a:rPr lang="en-US" dirty="0" err="1" smtClean="0"/>
-              <a:t>git</a:t>
-            </a:r>
-            <a:r>
-              <a:rPr lang="en-US" dirty="0" smtClean="0"/>
-              <a:t> push origin :</a:t>
-            </a:r>
-            <a:r>
-              <a:rPr lang="en-US" dirty="0" err="1" smtClean="0"/>
-              <a:t>javaClient</a:t>
+              <a:t>user_prompt</a:t>
             </a:r>
             <a:endParaRPr lang="en-US" dirty="0" smtClean="0"/>
           </a:p>
@@ -13248,7 +12803,7 @@
         <p:spPr>
           <a:xfrm>
             <a:off x="3563888" y="764704"/>
-            <a:ext cx="3708066" cy="584775"/>
+            <a:ext cx="2520242" cy="584775"/>
           </a:xfrm>
           <a:prstGeom prst="rect">
             <a:avLst/>
@@ -13261,22 +12816,13 @@
           <a:lstStyle/>
           <a:p>
             <a:r>
-              <a:rPr lang="fr-FR" sz="3200" b="1" u="sng" dirty="0" smtClean="0">
-                <a:solidFill>
-                  <a:srgbClr val="486DA2"/>
-                </a:solidFill>
-                <a:latin typeface="Verdana" pitchFamily="34" charset="0"/>
-              </a:rPr>
-              <a:t>GIT </a:t>
-            </a:r>
-            <a:r>
               <a:rPr lang="fr-FR" sz="3200" b="1" u="sng" dirty="0" err="1" smtClean="0">
                 <a:solidFill>
                   <a:srgbClr val="486DA2"/>
                 </a:solidFill>
                 <a:latin typeface="Verdana" pitchFamily="34" charset="0"/>
               </a:rPr>
-              <a:t>Commands</a:t>
+              <a:t>Branching</a:t>
             </a:r>
             <a:endParaRPr lang="fr-FR" sz="3200" u="sng" dirty="0">
               <a:solidFill>
@@ -13306,7 +12852,7 @@
 </p:sld>
 </file>
 
-<file path=ppt/slides/slide24.xml><?xml version="1.0" encoding="utf-8"?>
+<file path=ppt/slides/slide23.xml><?xml version="1.0" encoding="utf-8"?>
 <p:sld xmlns:a="http://schemas.openxmlformats.org/drawingml/2006/main" xmlns:r="http://schemas.openxmlformats.org/officeDocument/2006/relationships" xmlns:p="http://schemas.openxmlformats.org/presentationml/2006/main">
   <p:cSld>
     <p:spTree>
@@ -13440,7 +12986,7 @@
 </p:sld>
 </file>
 
-<file path=ppt/slides/slide25.xml><?xml version="1.0" encoding="utf-8"?>
+<file path=ppt/slides/slide24.xml><?xml version="1.0" encoding="utf-8"?>
 <p:sld xmlns:a="http://schemas.openxmlformats.org/drawingml/2006/main" xmlns:r="http://schemas.openxmlformats.org/officeDocument/2006/relationships" xmlns:p="http://schemas.openxmlformats.org/presentationml/2006/main">
   <p:cSld>
     <p:spTree>
@@ -13821,7 +13367,7 @@
 </p:sld>
 </file>
 
-<file path=ppt/slides/slide26.xml><?xml version="1.0" encoding="utf-8"?>
+<file path=ppt/slides/slide25.xml><?xml version="1.0" encoding="utf-8"?>
 <p:sld xmlns:a="http://schemas.openxmlformats.org/drawingml/2006/main" xmlns:r="http://schemas.openxmlformats.org/officeDocument/2006/relationships" xmlns:p="http://schemas.openxmlformats.org/presentationml/2006/main">
   <p:cSld>
     <p:spTree>
@@ -14086,6 +13632,442 @@
           </a:p>
           <a:p>
             <a:endParaRPr lang="en-US" b="1" dirty="0" smtClean="0"/>
+          </a:p>
+          <a:p>
+            <a:endParaRPr lang="en-US" b="1" dirty="0" smtClean="0"/>
+          </a:p>
+        </p:txBody>
+      </p:sp>
+      <p:sp>
+        <p:nvSpPr>
+          <p:cNvPr id="38914" name="AutoShape 2" descr="D:\CodeGenesys\GitHub\Git For Windows Developers %E2%80%93 Git Series %E2%80%93 Part 1   Jason Meridth's Blog_files\install41.png"/>
+          <p:cNvSpPr>
+            <a:spLocks noChangeAspect="1" noChangeArrowheads="1"/>
+          </p:cNvSpPr>
+          <p:nvPr/>
+        </p:nvSpPr>
+        <p:spPr bwMode="auto">
+          <a:xfrm>
+            <a:off x="155575" y="-144463"/>
+            <a:ext cx="304800" cy="304801"/>
+          </a:xfrm>
+          <a:prstGeom prst="rect">
+            <a:avLst/>
+          </a:prstGeom>
+          <a:noFill/>
+        </p:spPr>
+        <p:txBody>
+          <a:bodyPr vert="horz" wrap="square" lIns="91440" tIns="45720" rIns="91440" bIns="45720" numCol="1" anchor="t" anchorCtr="0" compatLnSpc="1">
+            <a:prstTxWarp prst="textNoShape">
+              <a:avLst/>
+            </a:prstTxWarp>
+          </a:bodyPr>
+          <a:lstStyle/>
+          <a:p>
+            <a:endParaRPr lang="en-US"/>
+          </a:p>
+        </p:txBody>
+      </p:sp>
+      <p:sp>
+        <p:nvSpPr>
+          <p:cNvPr id="38916" name="AutoShape 4" descr="D:\CodeGenesys\GitHub\Git For Windows Developers %E2%80%93 Git Series %E2%80%93 Part 1   Jason Meridth's Blog_files\install41.png"/>
+          <p:cNvSpPr>
+            <a:spLocks noChangeAspect="1" noChangeArrowheads="1"/>
+          </p:cNvSpPr>
+          <p:nvPr/>
+        </p:nvSpPr>
+        <p:spPr bwMode="auto">
+          <a:xfrm>
+            <a:off x="155575" y="-144463"/>
+            <a:ext cx="304800" cy="304801"/>
+          </a:xfrm>
+          <a:prstGeom prst="rect">
+            <a:avLst/>
+          </a:prstGeom>
+          <a:noFill/>
+        </p:spPr>
+        <p:txBody>
+          <a:bodyPr vert="horz" wrap="square" lIns="91440" tIns="45720" rIns="91440" bIns="45720" numCol="1" anchor="t" anchorCtr="0" compatLnSpc="1">
+            <a:prstTxWarp prst="textNoShape">
+              <a:avLst/>
+            </a:prstTxWarp>
+          </a:bodyPr>
+          <a:lstStyle/>
+          <a:p>
+            <a:endParaRPr lang="en-US"/>
+          </a:p>
+        </p:txBody>
+      </p:sp>
+      <p:sp>
+        <p:nvSpPr>
+          <p:cNvPr id="38918" name="AutoShape 6" descr="D:\CodeGenesys\GitHub\Git For Windows Developers %E2%80%93 Git Series %E2%80%93 Part 1   Jason Meridth's Blog_files\install41.png"/>
+          <p:cNvSpPr>
+            <a:spLocks noChangeAspect="1" noChangeArrowheads="1"/>
+          </p:cNvSpPr>
+          <p:nvPr/>
+        </p:nvSpPr>
+        <p:spPr bwMode="auto">
+          <a:xfrm>
+            <a:off x="155575" y="-144463"/>
+            <a:ext cx="304800" cy="304801"/>
+          </a:xfrm>
+          <a:prstGeom prst="rect">
+            <a:avLst/>
+          </a:prstGeom>
+          <a:noFill/>
+        </p:spPr>
+        <p:txBody>
+          <a:bodyPr vert="horz" wrap="square" lIns="91440" tIns="45720" rIns="91440" bIns="45720" numCol="1" anchor="t" anchorCtr="0" compatLnSpc="1">
+            <a:prstTxWarp prst="textNoShape">
+              <a:avLst/>
+            </a:prstTxWarp>
+          </a:bodyPr>
+          <a:lstStyle/>
+          <a:p>
+            <a:endParaRPr lang="en-US"/>
+          </a:p>
+        </p:txBody>
+      </p:sp>
+    </p:spTree>
+  </p:cSld>
+  <p:clrMapOvr>
+    <a:masterClrMapping/>
+  </p:clrMapOvr>
+  <p:timing>
+    <p:tnLst>
+      <p:par>
+        <p:cTn id="1" dur="indefinite" restart="never" nodeType="tmRoot"/>
+      </p:par>
+    </p:tnLst>
+  </p:timing>
+</p:sld>
+</file>
+
+<file path=ppt/slides/slide26.xml><?xml version="1.0" encoding="utf-8"?>
+<p:sld xmlns:a="http://schemas.openxmlformats.org/drawingml/2006/main" xmlns:r="http://schemas.openxmlformats.org/officeDocument/2006/relationships" xmlns:p="http://schemas.openxmlformats.org/presentationml/2006/main">
+  <p:cSld>
+    <p:spTree>
+      <p:nvGrpSpPr>
+        <p:cNvPr id="1" name=""/>
+        <p:cNvGrpSpPr/>
+        <p:nvPr/>
+      </p:nvGrpSpPr>
+      <p:grpSpPr>
+        <a:xfrm>
+          <a:off x="0" y="0"/>
+          <a:ext cx="0" cy="0"/>
+          <a:chOff x="0" y="0"/>
+          <a:chExt cx="0" cy="0"/>
+        </a:xfrm>
+      </p:grpSpPr>
+      <p:sp>
+        <p:nvSpPr>
+          <p:cNvPr id="21506" name="Text Box 2"/>
+          <p:cNvSpPr txBox="1">
+            <a:spLocks noChangeArrowheads="1"/>
+          </p:cNvSpPr>
+          <p:nvPr/>
+        </p:nvSpPr>
+        <p:spPr bwMode="auto">
+          <a:xfrm>
+            <a:off x="2627784" y="188913"/>
+            <a:ext cx="3139001" cy="584775"/>
+          </a:xfrm>
+          <a:prstGeom prst="rect">
+            <a:avLst/>
+          </a:prstGeom>
+          <a:noFill/>
+          <a:ln w="9525">
+            <a:noFill/>
+            <a:miter lim="800000"/>
+            <a:headEnd/>
+            <a:tailEnd/>
+          </a:ln>
+          <a:effectLst/>
+        </p:spPr>
+        <p:txBody>
+          <a:bodyPr wrap="none">
+            <a:spAutoFit/>
+          </a:bodyPr>
+          <a:lstStyle/>
+          <a:p>
+            <a:r>
+              <a:rPr lang="fr-FR" sz="3200" b="1" u="sng" dirty="0" err="1" smtClean="0">
+                <a:solidFill>
+                  <a:srgbClr val="486DA2"/>
+                </a:solidFill>
+                <a:latin typeface="Verdana" pitchFamily="34" charset="0"/>
+              </a:rPr>
+              <a:t>GitHub</a:t>
+            </a:r>
+            <a:r>
+              <a:rPr lang="fr-FR" sz="3200" b="1" u="sng" dirty="0" smtClean="0">
+                <a:solidFill>
+                  <a:srgbClr val="486DA2"/>
+                </a:solidFill>
+                <a:latin typeface="Verdana" pitchFamily="34" charset="0"/>
+              </a:rPr>
+              <a:t> Tools</a:t>
+            </a:r>
+            <a:endParaRPr lang="fr-FR" sz="3200" u="sng" dirty="0">
+              <a:solidFill>
+                <a:srgbClr val="486DA2"/>
+              </a:solidFill>
+            </a:endParaRPr>
+          </a:p>
+        </p:txBody>
+      </p:sp>
+      <p:pic>
+        <p:nvPicPr>
+          <p:cNvPr id="4" name="Picture 19" descr="http://www.posscon.org/wp-content/uploads/2011/12/GitHub_Logo.png"/>
+          <p:cNvPicPr>
+            <a:picLocks noChangeAspect="1" noChangeArrowheads="1"/>
+          </p:cNvPicPr>
+          <p:nvPr/>
+        </p:nvPicPr>
+        <p:blipFill>
+          <a:blip r:embed="rId2" cstate="print">
+            <a:lum bright="70000" contrast="-70000"/>
+          </a:blip>
+          <a:srcRect/>
+          <a:stretch>
+            <a:fillRect/>
+          </a:stretch>
+        </p:blipFill>
+        <p:spPr bwMode="auto">
+          <a:xfrm rot="16200000">
+            <a:off x="-415422" y="639559"/>
+            <a:ext cx="1872208" cy="826354"/>
+          </a:xfrm>
+          <a:prstGeom prst="rect">
+            <a:avLst/>
+          </a:prstGeom>
+          <a:noFill/>
+        </p:spPr>
+      </p:pic>
+      <p:sp>
+        <p:nvSpPr>
+          <p:cNvPr id="8" name="Text Box 8"/>
+          <p:cNvSpPr txBox="1">
+            <a:spLocks noChangeArrowheads="1"/>
+          </p:cNvSpPr>
+          <p:nvPr/>
+        </p:nvSpPr>
+        <p:spPr bwMode="auto">
+          <a:xfrm>
+            <a:off x="2123728" y="981621"/>
+            <a:ext cx="6840760" cy="5327699"/>
+          </a:xfrm>
+          <a:prstGeom prst="rect">
+            <a:avLst/>
+          </a:prstGeom>
+          <a:noFill/>
+          <a:ln w="9525">
+            <a:noFill/>
+            <a:miter lim="800000"/>
+            <a:headEnd/>
+            <a:tailEnd/>
+          </a:ln>
+          <a:effectLst/>
+        </p:spPr>
+        <p:txBody>
+          <a:bodyPr lIns="180000" tIns="180000" rIns="180000" bIns="180000"/>
+          <a:lstStyle/>
+          <a:p>
+            <a:pPr>
+              <a:buFont typeface="Arial" pitchFamily="34" charset="0"/>
+              <a:buChar char="•"/>
+            </a:pPr>
+            <a:r>
+              <a:rPr lang="en-US" b="1" dirty="0" smtClean="0">
+                <a:solidFill>
+                  <a:srgbClr val="486DA2"/>
+                </a:solidFill>
+                <a:latin typeface="Verdana" pitchFamily="34" charset="0"/>
+              </a:rPr>
+              <a:t> JENKINS Integration</a:t>
+            </a:r>
+          </a:p>
+          <a:p>
+            <a:r>
+              <a:rPr lang="en-US" dirty="0" smtClean="0"/>
+              <a:t>When there are changes checked Jenkins polls for these changes, auto build, tests and deploys.</a:t>
+            </a:r>
+          </a:p>
+          <a:p>
+            <a:endParaRPr lang="en-US" dirty="0" smtClean="0"/>
+          </a:p>
+          <a:p>
+            <a:pPr>
+              <a:buFont typeface="Arial" pitchFamily="34" charset="0"/>
+              <a:buChar char="•"/>
+            </a:pPr>
+            <a:r>
+              <a:rPr lang="en-US" b="1" dirty="0" smtClean="0">
+                <a:solidFill>
+                  <a:srgbClr val="486DA2"/>
+                </a:solidFill>
+                <a:latin typeface="Verdana" pitchFamily="34" charset="0"/>
+              </a:rPr>
+              <a:t> SCRUMDO Integration</a:t>
+            </a:r>
+          </a:p>
+          <a:p>
+            <a:r>
+              <a:rPr lang="en-US" dirty="0" err="1" smtClean="0"/>
+              <a:t>ScrumDo</a:t>
+            </a:r>
+            <a:r>
+              <a:rPr lang="en-US" dirty="0" smtClean="0"/>
+              <a:t> is a tool that allows you to easily manage your scrum projects. To learn more </a:t>
+            </a:r>
+            <a:r>
+              <a:rPr lang="en-US" dirty="0" err="1" smtClean="0"/>
+              <a:t>goto</a:t>
+            </a:r>
+            <a:r>
+              <a:rPr lang="en-US" dirty="0" smtClean="0"/>
+              <a:t>: </a:t>
+            </a:r>
+            <a:r>
+              <a:rPr lang="en-US" dirty="0" smtClean="0">
+                <a:hlinkClick r:id="rId3"/>
+              </a:rPr>
+              <a:t>www.scrumdo.com</a:t>
+            </a:r>
+            <a:endParaRPr lang="en-US" dirty="0" smtClean="0"/>
+          </a:p>
+          <a:p>
+            <a:endParaRPr lang="en-US" b="1" dirty="0" smtClean="0">
+              <a:solidFill>
+                <a:srgbClr val="486DA2"/>
+              </a:solidFill>
+              <a:latin typeface="Verdana" pitchFamily="34" charset="0"/>
+            </a:endParaRPr>
+          </a:p>
+          <a:p>
+            <a:pPr marL="285750" indent="-285750">
+              <a:buFont typeface="Arial"/>
+              <a:buChar char="•"/>
+            </a:pPr>
+            <a:r>
+              <a:rPr lang="en-US" dirty="0" smtClean="0"/>
+              <a:t>Change story status with </a:t>
+            </a:r>
+            <a:r>
+              <a:rPr lang="en-US" dirty="0" err="1" smtClean="0"/>
+              <a:t>git</a:t>
+            </a:r>
+            <a:r>
+              <a:rPr lang="en-US" dirty="0" smtClean="0"/>
+              <a:t> hub commit messages</a:t>
+            </a:r>
+          </a:p>
+          <a:p>
+            <a:pPr marL="285750" indent="-285750">
+              <a:buFont typeface="Arial"/>
+              <a:buChar char="•"/>
+            </a:pPr>
+            <a:endParaRPr lang="en-US" dirty="0" smtClean="0"/>
+          </a:p>
+          <a:p>
+            <a:pPr marL="285750" indent="-285750">
+              <a:buFont typeface="Arial"/>
+              <a:buChar char="•"/>
+            </a:pPr>
+            <a:r>
+              <a:rPr lang="en-US" dirty="0" err="1" smtClean="0"/>
+              <a:t>Github</a:t>
+            </a:r>
+            <a:r>
+              <a:rPr lang="en-US" dirty="0" smtClean="0"/>
+              <a:t> issues</a:t>
+            </a:r>
+          </a:p>
+          <a:p>
+            <a:pPr marL="285750" indent="-285750">
+              <a:buFont typeface="Arial"/>
+              <a:buChar char="•"/>
+            </a:pPr>
+            <a:endParaRPr lang="en-US" dirty="0" smtClean="0"/>
+          </a:p>
+          <a:p>
+            <a:pPr marL="285750" indent="-285750">
+              <a:buFont typeface="Arial"/>
+              <a:buChar char="•"/>
+            </a:pPr>
+            <a:r>
+              <a:rPr lang="en-US" dirty="0" smtClean="0"/>
+              <a:t>Commit messages to scrum log</a:t>
+            </a:r>
+            <a:endParaRPr lang="en-US" b="1" dirty="0" smtClean="0"/>
+          </a:p>
+          <a:p>
+            <a:pPr marL="285750" indent="-285750">
+              <a:buFont typeface="Arial"/>
+              <a:buChar char="•"/>
+            </a:pPr>
+            <a:endParaRPr lang="en-US" b="1" dirty="0" smtClean="0"/>
+          </a:p>
+          <a:p>
+            <a:pPr>
+              <a:buFont typeface="Arial" pitchFamily="34" charset="0"/>
+              <a:buChar char="•"/>
+            </a:pPr>
+            <a:r>
+              <a:rPr lang="en-US" b="1" dirty="0">
+                <a:solidFill>
+                  <a:srgbClr val="486DA2"/>
+                </a:solidFill>
+                <a:latin typeface="Verdana" pitchFamily="34" charset="0"/>
+              </a:rPr>
+              <a:t> </a:t>
+            </a:r>
+            <a:r>
+              <a:rPr lang="en-US" b="1" dirty="0" err="1">
+                <a:solidFill>
+                  <a:srgbClr val="486DA2"/>
+                </a:solidFill>
+                <a:latin typeface="Verdana" pitchFamily="34" charset="0"/>
+              </a:rPr>
+              <a:t>ScrumDo</a:t>
+            </a:r>
+            <a:r>
+              <a:rPr lang="en-US" b="1" dirty="0">
+                <a:solidFill>
+                  <a:srgbClr val="486DA2"/>
+                </a:solidFill>
+                <a:latin typeface="Verdana" pitchFamily="34" charset="0"/>
+              </a:rPr>
+              <a:t> integration with </a:t>
+            </a:r>
+            <a:r>
+              <a:rPr lang="en-US" b="1" dirty="0" err="1">
+                <a:solidFill>
+                  <a:srgbClr val="486DA2"/>
+                </a:solidFill>
+                <a:latin typeface="Verdana" pitchFamily="34" charset="0"/>
+              </a:rPr>
+              <a:t>GitHub</a:t>
+            </a:r>
+            <a:r>
+              <a:rPr lang="en-US" b="1" dirty="0">
+                <a:solidFill>
+                  <a:srgbClr val="486DA2"/>
+                </a:solidFill>
+                <a:latin typeface="Verdana" pitchFamily="34" charset="0"/>
+              </a:rPr>
+              <a:t> video link: </a:t>
+            </a:r>
+            <a:r>
+              <a:rPr lang="en-US" dirty="0">
+                <a:hlinkClick r:id="rId4"/>
+              </a:rPr>
+              <a:t>http://www.youtube.com/watch?v=Xsjk31wH0A4&amp;feature=youtu.be</a:t>
+            </a:r>
+            <a:endParaRPr lang="en-US" dirty="0">
+              <a:hlinkClick r:id="rId5"/>
+            </a:endParaRPr>
           </a:p>
           <a:p>
             <a:endParaRPr lang="en-US" b="1" dirty="0" smtClean="0"/>
@@ -14225,7 +14207,7 @@
         <p:spPr bwMode="auto">
           <a:xfrm>
             <a:off x="2627784" y="188913"/>
-            <a:ext cx="3139001" cy="584775"/>
+            <a:ext cx="3292889" cy="584775"/>
           </a:xfrm>
           <a:prstGeom prst="rect">
             <a:avLst/>
@@ -14246,22 +14228,13 @@
           <a:lstStyle/>
           <a:p>
             <a:r>
-              <a:rPr lang="fr-FR" sz="3200" b="1" u="sng" dirty="0" err="1" smtClean="0">
-                <a:solidFill>
-                  <a:srgbClr val="486DA2"/>
-                </a:solidFill>
-                <a:latin typeface="Verdana" pitchFamily="34" charset="0"/>
-              </a:rPr>
-              <a:t>GitHub</a:t>
-            </a:r>
-            <a:r>
               <a:rPr lang="fr-FR" sz="3200" b="1" u="sng" dirty="0" smtClean="0">
                 <a:solidFill>
                   <a:srgbClr val="486DA2"/>
                 </a:solidFill>
                 <a:latin typeface="Verdana" pitchFamily="34" charset="0"/>
               </a:rPr>
-              <a:t> Tools</a:t>
+              <a:t>GIT Resource</a:t>
             </a:r>
             <a:endParaRPr lang="fr-FR" sz="3200" u="sng" dirty="0">
               <a:solidFill>
@@ -14339,59 +14312,14 @@
                 </a:solidFill>
                 <a:latin typeface="Verdana" pitchFamily="34" charset="0"/>
               </a:rPr>
-              <a:t> JENKINS Integration</a:t>
-            </a:r>
-          </a:p>
-          <a:p>
-            <a:r>
-              <a:rPr lang="en-US" dirty="0" smtClean="0"/>
-              <a:t>When there are changes checked Jenkins polls for these changes, auto build, tests and deploys.</a:t>
-            </a:r>
-          </a:p>
-          <a:p>
-            <a:endParaRPr lang="en-US" dirty="0" smtClean="0"/>
-          </a:p>
-          <a:p>
-            <a:pPr>
-              <a:buFont typeface="Arial" pitchFamily="34" charset="0"/>
-              <a:buChar char="•"/>
-            </a:pPr>
-            <a:r>
-              <a:rPr lang="en-US" b="1" dirty="0" smtClean="0">
-                <a:solidFill>
-                  <a:srgbClr val="486DA2"/>
-                </a:solidFill>
-                <a:latin typeface="Verdana" pitchFamily="34" charset="0"/>
-              </a:rPr>
-              <a:t> SCRUMDO Integration</a:t>
-            </a:r>
-          </a:p>
-          <a:p>
-            <a:r>
-              <a:rPr lang="en-US" dirty="0" err="1" smtClean="0"/>
-              <a:t>ScrumDo</a:t>
-            </a:r>
-            <a:r>
-              <a:rPr lang="en-US" dirty="0" smtClean="0"/>
-              <a:t> is a tool that allows you to easily manage your scrum projects. To learn more </a:t>
-            </a:r>
-            <a:r>
-              <a:rPr lang="en-US" dirty="0" err="1" smtClean="0"/>
-              <a:t>goto</a:t>
-            </a:r>
-            <a:r>
-              <a:rPr lang="en-US" dirty="0" smtClean="0"/>
-              <a:t>: </a:t>
+              <a:t> For more information on the GIT commands and all the available options visit:  </a:t>
             </a:r>
             <a:r>
               <a:rPr lang="en-US" dirty="0" smtClean="0">
                 <a:hlinkClick r:id="rId3"/>
               </a:rPr>
-              <a:t>www.scrumdo.com</a:t>
-            </a:r>
-            <a:endParaRPr lang="en-US" dirty="0" smtClean="0"/>
-          </a:p>
-          <a:p>
+              <a:t>http://progit.org/book/</a:t>
+            </a:r>
             <a:endParaRPr lang="en-US" b="1" dirty="0" smtClean="0">
               <a:solidFill>
                 <a:srgbClr val="486DA2"/>
@@ -14400,131 +14328,369 @@
             </a:endParaRPr>
           </a:p>
           <a:p>
-            <a:pPr marL="285750" indent="-285750">
-              <a:buFont typeface="Arial"/>
-              <a:buChar char="•"/>
-            </a:pPr>
-            <a:r>
-              <a:rPr lang="en-US" dirty="0" smtClean="0"/>
-              <a:t>Change story status with </a:t>
-            </a:r>
-            <a:r>
-              <a:rPr lang="en-US" dirty="0" err="1" smtClean="0"/>
+            <a:endParaRPr lang="en-US" b="1" dirty="0" smtClean="0">
+              <a:solidFill>
+                <a:srgbClr val="486DA2"/>
+              </a:solidFill>
+              <a:latin typeface="Verdana" pitchFamily="34" charset="0"/>
+            </a:endParaRPr>
+          </a:p>
+          <a:p>
+            <a:r>
+              <a:rPr lang="en-US" sz="2000" b="1" dirty="0" err="1" smtClean="0">
+                <a:solidFill>
+                  <a:srgbClr val="486DA2"/>
+                </a:solidFill>
+                <a:latin typeface="Verdana" pitchFamily="34" charset="0"/>
+              </a:rPr>
+              <a:t>Git</a:t>
+            </a:r>
+            <a:r>
+              <a:rPr lang="en-US" sz="2000" b="1" dirty="0" smtClean="0">
+                <a:solidFill>
+                  <a:srgbClr val="486DA2"/>
+                </a:solidFill>
+                <a:latin typeface="Verdana" pitchFamily="34" charset="0"/>
+              </a:rPr>
+              <a:t> Clients</a:t>
+            </a:r>
+          </a:p>
+          <a:p>
+            <a:endParaRPr lang="en-US" b="1" u="sng" dirty="0" smtClean="0">
+              <a:solidFill>
+                <a:srgbClr val="486DA2"/>
+              </a:solidFill>
+              <a:latin typeface="Verdana" pitchFamily="34" charset="0"/>
+            </a:endParaRPr>
+          </a:p>
+          <a:p>
+            <a:r>
+              <a:rPr lang="en-US" b="1" u="sng" dirty="0" smtClean="0">
+                <a:solidFill>
+                  <a:srgbClr val="486DA2"/>
+                </a:solidFill>
+                <a:latin typeface="Verdana" pitchFamily="34" charset="0"/>
+              </a:rPr>
+              <a:t>MAC</a:t>
+            </a:r>
+            <a:endParaRPr lang="en-US" b="1" dirty="0" smtClean="0">
+              <a:solidFill>
+                <a:srgbClr val="486DA2"/>
+              </a:solidFill>
+              <a:latin typeface="Verdana" pitchFamily="34" charset="0"/>
+            </a:endParaRPr>
+          </a:p>
+          <a:p>
+            <a:r>
+              <a:rPr lang="en-US" b="1" dirty="0" err="1" smtClean="0">
+                <a:solidFill>
+                  <a:srgbClr val="486DA2"/>
+                </a:solidFill>
+                <a:latin typeface="Verdana" pitchFamily="34" charset="0"/>
+              </a:rPr>
+              <a:t>Gitti</a:t>
+            </a:r>
+            <a:r>
+              <a:rPr lang="en-US" b="1" dirty="0" smtClean="0">
+                <a:solidFill>
+                  <a:srgbClr val="486DA2"/>
+                </a:solidFill>
+                <a:latin typeface="Verdana" pitchFamily="34" charset="0"/>
+              </a:rPr>
+              <a:t> - </a:t>
+            </a:r>
+            <a:r>
+              <a:rPr lang="en-US" dirty="0" smtClean="0">
+                <a:hlinkClick r:id="rId4"/>
+              </a:rPr>
+              <a:t>http://www.gittiapp.com/</a:t>
+            </a:r>
+            <a:endParaRPr lang="en-US" b="1" dirty="0" smtClean="0">
+              <a:solidFill>
+                <a:srgbClr val="486DA2"/>
+              </a:solidFill>
+              <a:latin typeface="Verdana" pitchFamily="34" charset="0"/>
+            </a:endParaRPr>
+          </a:p>
+          <a:p>
+            <a:r>
+              <a:rPr lang="en-US" b="1" dirty="0" err="1" smtClean="0">
+                <a:solidFill>
+                  <a:srgbClr val="486DA2"/>
+                </a:solidFill>
+                <a:latin typeface="Verdana" pitchFamily="34" charset="0"/>
+              </a:rPr>
+              <a:t>Atlassian</a:t>
+            </a:r>
+            <a:r>
+              <a:rPr lang="en-US" b="1" dirty="0" smtClean="0">
+                <a:solidFill>
+                  <a:srgbClr val="486DA2"/>
+                </a:solidFill>
+                <a:latin typeface="Verdana" pitchFamily="34" charset="0"/>
+              </a:rPr>
+              <a:t> Source Tree - </a:t>
+            </a:r>
+            <a:r>
+              <a:rPr lang="en-US" dirty="0" smtClean="0">
+                <a:solidFill>
+                  <a:srgbClr val="486DA2"/>
+                </a:solidFill>
+                <a:latin typeface="+mj-lt"/>
+                <a:hlinkClick r:id="rId5"/>
+              </a:rPr>
+              <a:t>www.sourcetreeapp.com</a:t>
+            </a:r>
+            <a:endParaRPr lang="en-US" dirty="0" smtClean="0">
+              <a:solidFill>
+                <a:srgbClr val="486DA2"/>
+              </a:solidFill>
+              <a:latin typeface="+mj-lt"/>
+            </a:endParaRPr>
+          </a:p>
+          <a:p>
+            <a:r>
+              <a:rPr lang="en-US" b="1" dirty="0" smtClean="0">
+                <a:solidFill>
+                  <a:srgbClr val="486DA2"/>
+                </a:solidFill>
+                <a:latin typeface="Verdana" pitchFamily="34" charset="0"/>
+              </a:rPr>
+              <a:t>Tower (Commercial) - </a:t>
+            </a:r>
+            <a:r>
+              <a:rPr lang="en-US" dirty="0" smtClean="0">
+                <a:hlinkClick r:id="rId6"/>
+              </a:rPr>
+              <a:t>http://www.git-tower.com/</a:t>
+            </a:r>
+            <a:endParaRPr lang="en-US" dirty="0" smtClean="0"/>
+          </a:p>
+          <a:p>
+            <a:r>
+              <a:rPr lang="en-US" b="1" dirty="0" smtClean="0">
+                <a:solidFill>
+                  <a:srgbClr val="486DA2"/>
+                </a:solidFill>
+                <a:latin typeface="Verdana" pitchFamily="34" charset="0"/>
+              </a:rPr>
+              <a:t>Smart </a:t>
+            </a:r>
+            <a:r>
+              <a:rPr lang="en-US" b="1" dirty="0" err="1" smtClean="0">
+                <a:solidFill>
+                  <a:srgbClr val="486DA2"/>
+                </a:solidFill>
+                <a:latin typeface="Verdana" pitchFamily="34" charset="0"/>
+              </a:rPr>
               <a:t>git</a:t>
             </a:r>
             <a:r>
-              <a:rPr lang="en-US" dirty="0" smtClean="0"/>
-              <a:t> hub commit messages</a:t>
-            </a:r>
-          </a:p>
-          <a:p>
-            <a:pPr marL="285750" indent="-285750">
-              <a:buFont typeface="Arial"/>
-              <a:buChar char="•"/>
-            </a:pPr>
+              <a:rPr lang="en-US" b="1" dirty="0" smtClean="0">
+                <a:solidFill>
+                  <a:srgbClr val="486DA2"/>
+                </a:solidFill>
+                <a:latin typeface="Verdana" pitchFamily="34" charset="0"/>
+              </a:rPr>
+              <a:t> (Commercial) - </a:t>
+            </a:r>
+            <a:r>
+              <a:rPr lang="en-US" dirty="0" smtClean="0">
+                <a:hlinkClick r:id="rId7"/>
+              </a:rPr>
+              <a:t>http://www.syntevo.com/smartgit/index.html</a:t>
+            </a:r>
             <a:endParaRPr lang="en-US" dirty="0" smtClean="0"/>
           </a:p>
           <a:p>
-            <a:pPr marL="285750" indent="-285750">
-              <a:buFont typeface="Arial"/>
-              <a:buChar char="•"/>
-            </a:pPr>
-            <a:r>
-              <a:rPr lang="en-US" dirty="0" err="1" smtClean="0"/>
-              <a:t>Github</a:t>
-            </a:r>
-            <a:r>
-              <a:rPr lang="en-US" dirty="0" smtClean="0"/>
-              <a:t> issues</a:t>
-            </a:r>
-          </a:p>
-          <a:p>
-            <a:pPr marL="285750" indent="-285750">
-              <a:buFont typeface="Arial"/>
-              <a:buChar char="•"/>
-            </a:pPr>
+            <a:r>
+              <a:rPr lang="en-US" b="1" dirty="0" err="1" smtClean="0">
+                <a:solidFill>
+                  <a:srgbClr val="486DA2"/>
+                </a:solidFill>
+                <a:latin typeface="Verdana" pitchFamily="34" charset="0"/>
+              </a:rPr>
+              <a:t>GitX</a:t>
+            </a:r>
+            <a:r>
+              <a:rPr lang="en-US" b="1" dirty="0" smtClean="0">
+                <a:solidFill>
+                  <a:srgbClr val="486DA2"/>
+                </a:solidFill>
+                <a:latin typeface="Verdana" pitchFamily="34" charset="0"/>
+              </a:rPr>
+              <a:t> - </a:t>
+            </a:r>
+            <a:r>
+              <a:rPr lang="en-US" dirty="0" smtClean="0">
+                <a:hlinkClick r:id="rId8"/>
+              </a:rPr>
+              <a:t>http://gitx.frim.nl/</a:t>
+            </a:r>
+            <a:endParaRPr lang="en-US" b="1" dirty="0" smtClean="0">
+              <a:solidFill>
+                <a:srgbClr val="486DA2"/>
+              </a:solidFill>
+              <a:latin typeface="Verdana" pitchFamily="34" charset="0"/>
+            </a:endParaRPr>
+          </a:p>
+          <a:p>
+            <a:endParaRPr lang="en-US" b="1" u="sng" dirty="0" smtClean="0">
+              <a:solidFill>
+                <a:srgbClr val="486DA2"/>
+              </a:solidFill>
+              <a:latin typeface="Verdana" pitchFamily="34" charset="0"/>
+            </a:endParaRPr>
+          </a:p>
+          <a:p>
+            <a:r>
+              <a:rPr lang="en-US" b="1" u="sng" dirty="0" smtClean="0">
+                <a:solidFill>
+                  <a:srgbClr val="486DA2"/>
+                </a:solidFill>
+                <a:latin typeface="Verdana" pitchFamily="34" charset="0"/>
+              </a:rPr>
+              <a:t>Windows</a:t>
+            </a:r>
+          </a:p>
+          <a:p>
+            <a:r>
+              <a:rPr lang="en-US" b="1" dirty="0" smtClean="0">
+                <a:solidFill>
+                  <a:srgbClr val="486DA2"/>
+                </a:solidFill>
+                <a:latin typeface="Verdana" pitchFamily="34" charset="0"/>
+              </a:rPr>
+              <a:t>Tortoise </a:t>
+            </a:r>
+            <a:r>
+              <a:rPr lang="en-US" b="1" dirty="0" err="1" smtClean="0">
+                <a:solidFill>
+                  <a:srgbClr val="486DA2"/>
+                </a:solidFill>
+                <a:latin typeface="Verdana" pitchFamily="34" charset="0"/>
+              </a:rPr>
+              <a:t>Git</a:t>
+            </a:r>
+            <a:r>
+              <a:rPr lang="en-US" b="1" dirty="0" smtClean="0">
+                <a:solidFill>
+                  <a:srgbClr val="486DA2"/>
+                </a:solidFill>
+                <a:latin typeface="Verdana" pitchFamily="34" charset="0"/>
+              </a:rPr>
+              <a:t> - </a:t>
+            </a:r>
+            <a:r>
+              <a:rPr lang="en-US" dirty="0" smtClean="0">
+                <a:hlinkClick r:id="rId9"/>
+              </a:rPr>
+              <a:t>http://code.google.com/p/tortoisegit/</a:t>
+            </a:r>
             <a:endParaRPr lang="en-US" dirty="0" smtClean="0"/>
           </a:p>
           <a:p>
-            <a:pPr marL="285750" indent="-285750">
-              <a:buFont typeface="Arial"/>
-              <a:buChar char="•"/>
-            </a:pPr>
-            <a:r>
-              <a:rPr lang="en-US" dirty="0" smtClean="0"/>
-              <a:t>Commit messages to scrum log</a:t>
-            </a:r>
-            <a:endParaRPr lang="en-US" b="1" dirty="0" smtClean="0"/>
-          </a:p>
-          <a:p>
-            <a:pPr marL="285750" indent="-285750">
-              <a:buFont typeface="Arial"/>
-              <a:buChar char="•"/>
-            </a:pPr>
-            <a:endParaRPr lang="en-US" b="1" dirty="0" smtClean="0"/>
-          </a:p>
-          <a:p>
-            <a:pPr>
-              <a:buFont typeface="Arial" pitchFamily="34" charset="0"/>
-              <a:buChar char="•"/>
-            </a:pPr>
-            <a:r>
-              <a:rPr lang="en-US" b="1" dirty="0">
-                <a:solidFill>
-                  <a:srgbClr val="486DA2"/>
-                </a:solidFill>
-                <a:latin typeface="Verdana" pitchFamily="34" charset="0"/>
-              </a:rPr>
-              <a:t> </a:t>
-            </a:r>
-            <a:r>
-              <a:rPr lang="en-US" b="1" dirty="0" err="1">
-                <a:solidFill>
-                  <a:srgbClr val="486DA2"/>
-                </a:solidFill>
-                <a:latin typeface="Verdana" pitchFamily="34" charset="0"/>
-              </a:rPr>
-              <a:t>ScrumDo</a:t>
-            </a:r>
-            <a:r>
-              <a:rPr lang="en-US" b="1" dirty="0">
-                <a:solidFill>
-                  <a:srgbClr val="486DA2"/>
-                </a:solidFill>
-                <a:latin typeface="Verdana" pitchFamily="34" charset="0"/>
-              </a:rPr>
-              <a:t> integration with </a:t>
-            </a:r>
-            <a:r>
-              <a:rPr lang="en-US" b="1" dirty="0" err="1">
-                <a:solidFill>
-                  <a:srgbClr val="486DA2"/>
-                </a:solidFill>
-                <a:latin typeface="Verdana" pitchFamily="34" charset="0"/>
-              </a:rPr>
-              <a:t>GitHub</a:t>
-            </a:r>
-            <a:r>
-              <a:rPr lang="en-US" b="1" dirty="0">
-                <a:solidFill>
-                  <a:srgbClr val="486DA2"/>
-                </a:solidFill>
-                <a:latin typeface="Verdana" pitchFamily="34" charset="0"/>
-              </a:rPr>
-              <a:t> video link: </a:t>
-            </a:r>
-            <a:r>
-              <a:rPr lang="en-US" dirty="0">
-                <a:hlinkClick r:id="rId4"/>
-              </a:rPr>
-              <a:t>http://www.youtube.com/watch?v=Xsjk31wH0A4&amp;feature=youtu.be</a:t>
-            </a:r>
-            <a:endParaRPr lang="en-US" dirty="0">
-              <a:hlinkClick r:id="rId5"/>
+            <a:r>
+              <a:rPr lang="en-US" b="1" dirty="0" err="1" smtClean="0">
+                <a:solidFill>
+                  <a:srgbClr val="486DA2"/>
+                </a:solidFill>
+                <a:latin typeface="Verdana" pitchFamily="34" charset="0"/>
+              </a:rPr>
+              <a:t>Git</a:t>
+            </a:r>
+            <a:r>
+              <a:rPr lang="en-US" b="1" dirty="0" smtClean="0">
+                <a:solidFill>
+                  <a:srgbClr val="486DA2"/>
+                </a:solidFill>
+                <a:latin typeface="Verdana" pitchFamily="34" charset="0"/>
+              </a:rPr>
+              <a:t> Extension - </a:t>
+            </a:r>
+            <a:r>
+              <a:rPr lang="en-US" dirty="0" smtClean="0">
+                <a:hlinkClick r:id="rId10"/>
+              </a:rPr>
+              <a:t>http://code.google.com/p/gitextensions/</a:t>
+            </a:r>
+            <a:endParaRPr lang="en-US" dirty="0" smtClean="0"/>
+          </a:p>
+          <a:p>
+            <a:r>
+              <a:rPr lang="en-US" b="1" dirty="0" smtClean="0">
+                <a:solidFill>
+                  <a:srgbClr val="486DA2"/>
+                </a:solidFill>
+                <a:latin typeface="Verdana" pitchFamily="34" charset="0"/>
+              </a:rPr>
+              <a:t>Smart </a:t>
+            </a:r>
+            <a:r>
+              <a:rPr lang="en-US" b="1" dirty="0" err="1" smtClean="0">
+                <a:solidFill>
+                  <a:srgbClr val="486DA2"/>
+                </a:solidFill>
+                <a:latin typeface="Verdana" pitchFamily="34" charset="0"/>
+              </a:rPr>
+              <a:t>git</a:t>
+            </a:r>
+            <a:r>
+              <a:rPr lang="en-US" b="1" dirty="0" smtClean="0">
+                <a:solidFill>
+                  <a:srgbClr val="486DA2"/>
+                </a:solidFill>
+                <a:latin typeface="Verdana" pitchFamily="34" charset="0"/>
+              </a:rPr>
+              <a:t> (Commercial) - </a:t>
+            </a:r>
+            <a:r>
+              <a:rPr lang="en-US" dirty="0" smtClean="0">
+                <a:hlinkClick r:id="rId7"/>
+              </a:rPr>
+              <a:t>http://www.syntevo.com/smartgit/index.html</a:t>
+            </a:r>
+            <a:endParaRPr lang="en-US" dirty="0" smtClean="0"/>
+          </a:p>
+          <a:p>
+            <a:endParaRPr lang="en-US" b="1" dirty="0" smtClean="0">
+              <a:solidFill>
+                <a:srgbClr val="486DA2"/>
+              </a:solidFill>
+              <a:latin typeface="Verdana" pitchFamily="34" charset="0"/>
             </a:endParaRPr>
           </a:p>
           <a:p>
-            <a:endParaRPr lang="en-US" b="1" dirty="0" smtClean="0"/>
+            <a:endParaRPr lang="en-US" b="1" dirty="0" smtClean="0">
+              <a:solidFill>
+                <a:srgbClr val="486DA2"/>
+              </a:solidFill>
+              <a:latin typeface="Verdana" pitchFamily="34" charset="0"/>
+            </a:endParaRPr>
+          </a:p>
+          <a:p>
+            <a:endParaRPr lang="en-US" b="1" dirty="0">
+              <a:solidFill>
+                <a:srgbClr val="486DA2"/>
+              </a:solidFill>
+              <a:latin typeface="Verdana" pitchFamily="34" charset="0"/>
+            </a:endParaRPr>
+          </a:p>
+          <a:p>
+            <a:endParaRPr lang="en-US" b="1" dirty="0" smtClean="0">
+              <a:solidFill>
+                <a:srgbClr val="486DA2"/>
+              </a:solidFill>
+              <a:latin typeface="Verdana" pitchFamily="34" charset="0"/>
+            </a:endParaRPr>
+          </a:p>
+          <a:p>
+            <a:endParaRPr lang="en-US" b="1" dirty="0" smtClean="0">
+              <a:solidFill>
+                <a:srgbClr val="486DA2"/>
+              </a:solidFill>
+              <a:latin typeface="Verdana" pitchFamily="34" charset="0"/>
+            </a:endParaRPr>
           </a:p>
         </p:txBody>
       </p:sp>
@@ -14634,626 +14800,6 @@
 </file>
 
 <file path=ppt/slides/slide28.xml><?xml version="1.0" encoding="utf-8"?>
-<p:sld xmlns:a="http://schemas.openxmlformats.org/drawingml/2006/main" xmlns:r="http://schemas.openxmlformats.org/officeDocument/2006/relationships" xmlns:p="http://schemas.openxmlformats.org/presentationml/2006/main">
-  <p:cSld>
-    <p:spTree>
-      <p:nvGrpSpPr>
-        <p:cNvPr id="1" name=""/>
-        <p:cNvGrpSpPr/>
-        <p:nvPr/>
-      </p:nvGrpSpPr>
-      <p:grpSpPr>
-        <a:xfrm>
-          <a:off x="0" y="0"/>
-          <a:ext cx="0" cy="0"/>
-          <a:chOff x="0" y="0"/>
-          <a:chExt cx="0" cy="0"/>
-        </a:xfrm>
-      </p:grpSpPr>
-      <p:sp>
-        <p:nvSpPr>
-          <p:cNvPr id="21506" name="Text Box 2"/>
-          <p:cNvSpPr txBox="1">
-            <a:spLocks noChangeArrowheads="1"/>
-          </p:cNvSpPr>
-          <p:nvPr/>
-        </p:nvSpPr>
-        <p:spPr bwMode="auto">
-          <a:xfrm>
-            <a:off x="2627784" y="188913"/>
-            <a:ext cx="3292889" cy="584775"/>
-          </a:xfrm>
-          <a:prstGeom prst="rect">
-            <a:avLst/>
-          </a:prstGeom>
-          <a:noFill/>
-          <a:ln w="9525">
-            <a:noFill/>
-            <a:miter lim="800000"/>
-            <a:headEnd/>
-            <a:tailEnd/>
-          </a:ln>
-          <a:effectLst/>
-        </p:spPr>
-        <p:txBody>
-          <a:bodyPr wrap="none">
-            <a:spAutoFit/>
-          </a:bodyPr>
-          <a:lstStyle/>
-          <a:p>
-            <a:r>
-              <a:rPr lang="fr-FR" sz="3200" b="1" u="sng" dirty="0" smtClean="0">
-                <a:solidFill>
-                  <a:srgbClr val="486DA2"/>
-                </a:solidFill>
-                <a:latin typeface="Verdana" pitchFamily="34" charset="0"/>
-              </a:rPr>
-              <a:t>GIT Resource</a:t>
-            </a:r>
-            <a:endParaRPr lang="fr-FR" sz="3200" u="sng" dirty="0">
-              <a:solidFill>
-                <a:srgbClr val="486DA2"/>
-              </a:solidFill>
-            </a:endParaRPr>
-          </a:p>
-        </p:txBody>
-      </p:sp>
-      <p:pic>
-        <p:nvPicPr>
-          <p:cNvPr id="4" name="Picture 19" descr="http://www.posscon.org/wp-content/uploads/2011/12/GitHub_Logo.png"/>
-          <p:cNvPicPr>
-            <a:picLocks noChangeAspect="1" noChangeArrowheads="1"/>
-          </p:cNvPicPr>
-          <p:nvPr/>
-        </p:nvPicPr>
-        <p:blipFill>
-          <a:blip r:embed="rId2" cstate="print">
-            <a:lum bright="70000" contrast="-70000"/>
-          </a:blip>
-          <a:srcRect/>
-          <a:stretch>
-            <a:fillRect/>
-          </a:stretch>
-        </p:blipFill>
-        <p:spPr bwMode="auto">
-          <a:xfrm rot="16200000">
-            <a:off x="-415422" y="639559"/>
-            <a:ext cx="1872208" cy="826354"/>
-          </a:xfrm>
-          <a:prstGeom prst="rect">
-            <a:avLst/>
-          </a:prstGeom>
-          <a:noFill/>
-        </p:spPr>
-      </p:pic>
-      <p:sp>
-        <p:nvSpPr>
-          <p:cNvPr id="8" name="Text Box 8"/>
-          <p:cNvSpPr txBox="1">
-            <a:spLocks noChangeArrowheads="1"/>
-          </p:cNvSpPr>
-          <p:nvPr/>
-        </p:nvSpPr>
-        <p:spPr bwMode="auto">
-          <a:xfrm>
-            <a:off x="2123728" y="981621"/>
-            <a:ext cx="6840760" cy="5327699"/>
-          </a:xfrm>
-          <a:prstGeom prst="rect">
-            <a:avLst/>
-          </a:prstGeom>
-          <a:noFill/>
-          <a:ln w="9525">
-            <a:noFill/>
-            <a:miter lim="800000"/>
-            <a:headEnd/>
-            <a:tailEnd/>
-          </a:ln>
-          <a:effectLst/>
-        </p:spPr>
-        <p:txBody>
-          <a:bodyPr lIns="180000" tIns="180000" rIns="180000" bIns="180000"/>
-          <a:lstStyle/>
-          <a:p>
-            <a:pPr>
-              <a:buFont typeface="Arial" pitchFamily="34" charset="0"/>
-              <a:buChar char="•"/>
-            </a:pPr>
-            <a:r>
-              <a:rPr lang="en-US" b="1" dirty="0" smtClean="0">
-                <a:solidFill>
-                  <a:srgbClr val="486DA2"/>
-                </a:solidFill>
-                <a:latin typeface="Verdana" pitchFamily="34" charset="0"/>
-              </a:rPr>
-              <a:t> For more information on the GIT commands and all the available options visit:  </a:t>
-            </a:r>
-            <a:r>
-              <a:rPr lang="en-US" dirty="0" smtClean="0">
-                <a:hlinkClick r:id="rId3"/>
-              </a:rPr>
-              <a:t>http://progit.org/book/</a:t>
-            </a:r>
-            <a:endParaRPr lang="en-US" b="1" dirty="0" smtClean="0">
-              <a:solidFill>
-                <a:srgbClr val="486DA2"/>
-              </a:solidFill>
-              <a:latin typeface="Verdana" pitchFamily="34" charset="0"/>
-            </a:endParaRPr>
-          </a:p>
-          <a:p>
-            <a:endParaRPr lang="en-US" b="1" dirty="0" smtClean="0">
-              <a:solidFill>
-                <a:srgbClr val="486DA2"/>
-              </a:solidFill>
-              <a:latin typeface="Verdana" pitchFamily="34" charset="0"/>
-            </a:endParaRPr>
-          </a:p>
-          <a:p>
-            <a:r>
-              <a:rPr lang="en-US" sz="2000" b="1" dirty="0" err="1" smtClean="0">
-                <a:solidFill>
-                  <a:srgbClr val="486DA2"/>
-                </a:solidFill>
-                <a:latin typeface="Verdana" pitchFamily="34" charset="0"/>
-              </a:rPr>
-              <a:t>Git</a:t>
-            </a:r>
-            <a:r>
-              <a:rPr lang="en-US" sz="2000" b="1" dirty="0" smtClean="0">
-                <a:solidFill>
-                  <a:srgbClr val="486DA2"/>
-                </a:solidFill>
-                <a:latin typeface="Verdana" pitchFamily="34" charset="0"/>
-              </a:rPr>
-              <a:t> Clients</a:t>
-            </a:r>
-          </a:p>
-          <a:p>
-            <a:endParaRPr lang="en-US" b="1" u="sng" dirty="0" smtClean="0">
-              <a:solidFill>
-                <a:srgbClr val="486DA2"/>
-              </a:solidFill>
-              <a:latin typeface="Verdana" pitchFamily="34" charset="0"/>
-            </a:endParaRPr>
-          </a:p>
-          <a:p>
-            <a:r>
-              <a:rPr lang="en-US" b="1" u="sng" dirty="0" smtClean="0">
-                <a:solidFill>
-                  <a:srgbClr val="486DA2"/>
-                </a:solidFill>
-                <a:latin typeface="Verdana" pitchFamily="34" charset="0"/>
-              </a:rPr>
-              <a:t>MAC</a:t>
-            </a:r>
-            <a:endParaRPr lang="en-US" b="1" dirty="0" smtClean="0">
-              <a:solidFill>
-                <a:srgbClr val="486DA2"/>
-              </a:solidFill>
-              <a:latin typeface="Verdana" pitchFamily="34" charset="0"/>
-            </a:endParaRPr>
-          </a:p>
-          <a:p>
-            <a:r>
-              <a:rPr lang="en-US" b="1" dirty="0" err="1" smtClean="0">
-                <a:solidFill>
-                  <a:srgbClr val="486DA2"/>
-                </a:solidFill>
-                <a:latin typeface="Verdana" pitchFamily="34" charset="0"/>
-              </a:rPr>
-              <a:t>Gitti</a:t>
-            </a:r>
-            <a:r>
-              <a:rPr lang="en-US" b="1" dirty="0" smtClean="0">
-                <a:solidFill>
-                  <a:srgbClr val="486DA2"/>
-                </a:solidFill>
-                <a:latin typeface="Verdana" pitchFamily="34" charset="0"/>
-              </a:rPr>
-              <a:t> - </a:t>
-            </a:r>
-            <a:r>
-              <a:rPr lang="en-US" dirty="0" smtClean="0">
-                <a:hlinkClick r:id="rId4"/>
-              </a:rPr>
-              <a:t>http://www.gittiapp.com/</a:t>
-            </a:r>
-            <a:endParaRPr lang="en-US" b="1" dirty="0" smtClean="0">
-              <a:solidFill>
-                <a:srgbClr val="486DA2"/>
-              </a:solidFill>
-              <a:latin typeface="Verdana" pitchFamily="34" charset="0"/>
-            </a:endParaRPr>
-          </a:p>
-          <a:p>
-            <a:r>
-              <a:rPr lang="en-US" b="1" dirty="0" err="1" smtClean="0">
-                <a:solidFill>
-                  <a:srgbClr val="486DA2"/>
-                </a:solidFill>
-                <a:latin typeface="Verdana" pitchFamily="34" charset="0"/>
-              </a:rPr>
-              <a:t>Atlassian</a:t>
-            </a:r>
-            <a:r>
-              <a:rPr lang="en-US" b="1" dirty="0" smtClean="0">
-                <a:solidFill>
-                  <a:srgbClr val="486DA2"/>
-                </a:solidFill>
-                <a:latin typeface="Verdana" pitchFamily="34" charset="0"/>
-              </a:rPr>
-              <a:t> Source Tree - </a:t>
-            </a:r>
-            <a:r>
-              <a:rPr lang="en-US" b="1" dirty="0" smtClean="0">
-                <a:solidFill>
-                  <a:srgbClr val="486DA2"/>
-                </a:solidFill>
-                <a:latin typeface="Verdana" pitchFamily="34" charset="0"/>
-                <a:hlinkClick r:id="rId5"/>
-              </a:rPr>
-              <a:t>www.sourcetreeapp.com</a:t>
-            </a:r>
-            <a:endParaRPr lang="en-US" b="1" dirty="0" smtClean="0">
-              <a:solidFill>
-                <a:srgbClr val="486DA2"/>
-              </a:solidFill>
-              <a:latin typeface="Verdana" pitchFamily="34" charset="0"/>
-            </a:endParaRPr>
-          </a:p>
-          <a:p>
-            <a:r>
-              <a:rPr lang="en-US" b="1" dirty="0" smtClean="0">
-                <a:solidFill>
-                  <a:srgbClr val="486DA2"/>
-                </a:solidFill>
-                <a:latin typeface="Verdana" pitchFamily="34" charset="0"/>
-              </a:rPr>
-              <a:t>Tower (Commercial) - </a:t>
-            </a:r>
-            <a:r>
-              <a:rPr lang="en-US" dirty="0" smtClean="0">
-                <a:hlinkClick r:id="rId6"/>
-              </a:rPr>
-              <a:t>http://www.git-tower.com/</a:t>
-            </a:r>
-            <a:endParaRPr lang="en-US" dirty="0" smtClean="0"/>
-          </a:p>
-          <a:p>
-            <a:r>
-              <a:rPr lang="en-US" b="1" dirty="0" smtClean="0">
-                <a:solidFill>
-                  <a:srgbClr val="486DA2"/>
-                </a:solidFill>
-                <a:latin typeface="Verdana" pitchFamily="34" charset="0"/>
-              </a:rPr>
-              <a:t>Smart </a:t>
-            </a:r>
-            <a:r>
-              <a:rPr lang="en-US" b="1" dirty="0" err="1" smtClean="0">
-                <a:solidFill>
-                  <a:srgbClr val="486DA2"/>
-                </a:solidFill>
-                <a:latin typeface="Verdana" pitchFamily="34" charset="0"/>
-              </a:rPr>
-              <a:t>git</a:t>
-            </a:r>
-            <a:r>
-              <a:rPr lang="en-US" b="1" dirty="0" smtClean="0">
-                <a:solidFill>
-                  <a:srgbClr val="486DA2"/>
-                </a:solidFill>
-                <a:latin typeface="Verdana" pitchFamily="34" charset="0"/>
-              </a:rPr>
-              <a:t> (Commercial) - </a:t>
-            </a:r>
-            <a:r>
-              <a:rPr lang="en-US" dirty="0" smtClean="0">
-                <a:hlinkClick r:id="rId7"/>
-              </a:rPr>
-              <a:t>http://www.syntevo.com/smartgit/index.html</a:t>
-            </a:r>
-            <a:endParaRPr lang="en-US" dirty="0" smtClean="0"/>
-          </a:p>
-          <a:p>
-            <a:r>
-              <a:rPr lang="en-US" b="1" dirty="0" err="1" smtClean="0">
-                <a:solidFill>
-                  <a:srgbClr val="486DA2"/>
-                </a:solidFill>
-                <a:latin typeface="Verdana" pitchFamily="34" charset="0"/>
-              </a:rPr>
-              <a:t>GitX</a:t>
-            </a:r>
-            <a:r>
-              <a:rPr lang="en-US" b="1" dirty="0" smtClean="0">
-                <a:solidFill>
-                  <a:srgbClr val="486DA2"/>
-                </a:solidFill>
-                <a:latin typeface="Verdana" pitchFamily="34" charset="0"/>
-              </a:rPr>
-              <a:t> - </a:t>
-            </a:r>
-            <a:r>
-              <a:rPr lang="en-US" dirty="0" smtClean="0">
-                <a:hlinkClick r:id="rId8"/>
-              </a:rPr>
-              <a:t>http://gitx.frim.nl/</a:t>
-            </a:r>
-            <a:endParaRPr lang="en-US" b="1" dirty="0" smtClean="0">
-              <a:solidFill>
-                <a:srgbClr val="486DA2"/>
-              </a:solidFill>
-              <a:latin typeface="Verdana" pitchFamily="34" charset="0"/>
-            </a:endParaRPr>
-          </a:p>
-          <a:p>
-            <a:endParaRPr lang="en-US" b="1" u="sng" dirty="0" smtClean="0">
-              <a:solidFill>
-                <a:srgbClr val="486DA2"/>
-              </a:solidFill>
-              <a:latin typeface="Verdana" pitchFamily="34" charset="0"/>
-            </a:endParaRPr>
-          </a:p>
-          <a:p>
-            <a:r>
-              <a:rPr lang="en-US" b="1" u="sng" dirty="0" smtClean="0">
-                <a:solidFill>
-                  <a:srgbClr val="486DA2"/>
-                </a:solidFill>
-                <a:latin typeface="Verdana" pitchFamily="34" charset="0"/>
-              </a:rPr>
-              <a:t>Windows</a:t>
-            </a:r>
-          </a:p>
-          <a:p>
-            <a:r>
-              <a:rPr lang="en-US" b="1" dirty="0" smtClean="0">
-                <a:solidFill>
-                  <a:srgbClr val="486DA2"/>
-                </a:solidFill>
-                <a:latin typeface="Verdana" pitchFamily="34" charset="0"/>
-              </a:rPr>
-              <a:t>Tortoise </a:t>
-            </a:r>
-            <a:r>
-              <a:rPr lang="en-US" b="1" dirty="0" err="1" smtClean="0">
-                <a:solidFill>
-                  <a:srgbClr val="486DA2"/>
-                </a:solidFill>
-                <a:latin typeface="Verdana" pitchFamily="34" charset="0"/>
-              </a:rPr>
-              <a:t>Git</a:t>
-            </a:r>
-            <a:r>
-              <a:rPr lang="en-US" b="1" dirty="0" smtClean="0">
-                <a:solidFill>
-                  <a:srgbClr val="486DA2"/>
-                </a:solidFill>
-                <a:latin typeface="Verdana" pitchFamily="34" charset="0"/>
-              </a:rPr>
-              <a:t> - </a:t>
-            </a:r>
-            <a:r>
-              <a:rPr lang="en-US" dirty="0" smtClean="0">
-                <a:hlinkClick r:id="rId9"/>
-              </a:rPr>
-              <a:t>http://code.google.com/p/tortoisegit/</a:t>
-            </a:r>
-            <a:endParaRPr lang="en-US" dirty="0" smtClean="0"/>
-          </a:p>
-          <a:p>
-            <a:r>
-              <a:rPr lang="en-US" b="1" dirty="0" err="1" smtClean="0">
-                <a:solidFill>
-                  <a:srgbClr val="486DA2"/>
-                </a:solidFill>
-                <a:latin typeface="Verdana" pitchFamily="34" charset="0"/>
-              </a:rPr>
-              <a:t>Git</a:t>
-            </a:r>
-            <a:r>
-              <a:rPr lang="en-US" b="1" dirty="0" smtClean="0">
-                <a:solidFill>
-                  <a:srgbClr val="486DA2"/>
-                </a:solidFill>
-                <a:latin typeface="Verdana" pitchFamily="34" charset="0"/>
-              </a:rPr>
-              <a:t> Extension - </a:t>
-            </a:r>
-            <a:r>
-              <a:rPr lang="en-US" dirty="0" smtClean="0">
-                <a:hlinkClick r:id="rId10"/>
-              </a:rPr>
-              <a:t>http://code.google.com/p/gitextensions/</a:t>
-            </a:r>
-            <a:endParaRPr lang="en-US" dirty="0" smtClean="0"/>
-          </a:p>
-          <a:p>
-            <a:r>
-              <a:rPr lang="en-US" b="1" dirty="0" smtClean="0">
-                <a:solidFill>
-                  <a:srgbClr val="486DA2"/>
-                </a:solidFill>
-                <a:latin typeface="Verdana" pitchFamily="34" charset="0"/>
-              </a:rPr>
-              <a:t>Smart </a:t>
-            </a:r>
-            <a:r>
-              <a:rPr lang="en-US" b="1" dirty="0" err="1" smtClean="0">
-                <a:solidFill>
-                  <a:srgbClr val="486DA2"/>
-                </a:solidFill>
-                <a:latin typeface="Verdana" pitchFamily="34" charset="0"/>
-              </a:rPr>
-              <a:t>git</a:t>
-            </a:r>
-            <a:r>
-              <a:rPr lang="en-US" b="1" dirty="0" smtClean="0">
-                <a:solidFill>
-                  <a:srgbClr val="486DA2"/>
-                </a:solidFill>
-                <a:latin typeface="Verdana" pitchFamily="34" charset="0"/>
-              </a:rPr>
-              <a:t> (Commercial) - </a:t>
-            </a:r>
-            <a:r>
-              <a:rPr lang="en-US" dirty="0" smtClean="0">
-                <a:hlinkClick r:id="rId7"/>
-              </a:rPr>
-              <a:t>http://www.syntevo.com/smartgit/index.html</a:t>
-            </a:r>
-            <a:endParaRPr lang="en-US" dirty="0" smtClean="0"/>
-          </a:p>
-          <a:p>
-            <a:endParaRPr lang="en-US" b="1" dirty="0" smtClean="0">
-              <a:solidFill>
-                <a:srgbClr val="486DA2"/>
-              </a:solidFill>
-              <a:latin typeface="Verdana" pitchFamily="34" charset="0"/>
-            </a:endParaRPr>
-          </a:p>
-          <a:p>
-            <a:endParaRPr lang="en-US" b="1" dirty="0" smtClean="0">
-              <a:solidFill>
-                <a:srgbClr val="486DA2"/>
-              </a:solidFill>
-              <a:latin typeface="Verdana" pitchFamily="34" charset="0"/>
-            </a:endParaRPr>
-          </a:p>
-          <a:p>
-            <a:endParaRPr lang="en-US" b="1" dirty="0">
-              <a:solidFill>
-                <a:srgbClr val="486DA2"/>
-              </a:solidFill>
-              <a:latin typeface="Verdana" pitchFamily="34" charset="0"/>
-            </a:endParaRPr>
-          </a:p>
-          <a:p>
-            <a:endParaRPr lang="en-US" b="1" dirty="0" smtClean="0">
-              <a:solidFill>
-                <a:srgbClr val="486DA2"/>
-              </a:solidFill>
-              <a:latin typeface="Verdana" pitchFamily="34" charset="0"/>
-            </a:endParaRPr>
-          </a:p>
-          <a:p>
-            <a:endParaRPr lang="en-US" b="1" dirty="0" smtClean="0">
-              <a:solidFill>
-                <a:srgbClr val="486DA2"/>
-              </a:solidFill>
-              <a:latin typeface="Verdana" pitchFamily="34" charset="0"/>
-            </a:endParaRPr>
-          </a:p>
-        </p:txBody>
-      </p:sp>
-      <p:sp>
-        <p:nvSpPr>
-          <p:cNvPr id="38914" name="AutoShape 2" descr="D:\CodeGenesys\GitHub\Git For Windows Developers %E2%80%93 Git Series %E2%80%93 Part 1   Jason Meridth's Blog_files\install41.png"/>
-          <p:cNvSpPr>
-            <a:spLocks noChangeAspect="1" noChangeArrowheads="1"/>
-          </p:cNvSpPr>
-          <p:nvPr/>
-        </p:nvSpPr>
-        <p:spPr bwMode="auto">
-          <a:xfrm>
-            <a:off x="155575" y="-144463"/>
-            <a:ext cx="304800" cy="304801"/>
-          </a:xfrm>
-          <a:prstGeom prst="rect">
-            <a:avLst/>
-          </a:prstGeom>
-          <a:noFill/>
-        </p:spPr>
-        <p:txBody>
-          <a:bodyPr vert="horz" wrap="square" lIns="91440" tIns="45720" rIns="91440" bIns="45720" numCol="1" anchor="t" anchorCtr="0" compatLnSpc="1">
-            <a:prstTxWarp prst="textNoShape">
-              <a:avLst/>
-            </a:prstTxWarp>
-          </a:bodyPr>
-          <a:lstStyle/>
-          <a:p>
-            <a:endParaRPr lang="en-US"/>
-          </a:p>
-        </p:txBody>
-      </p:sp>
-      <p:sp>
-        <p:nvSpPr>
-          <p:cNvPr id="38916" name="AutoShape 4" descr="D:\CodeGenesys\GitHub\Git For Windows Developers %E2%80%93 Git Series %E2%80%93 Part 1   Jason Meridth's Blog_files\install41.png"/>
-          <p:cNvSpPr>
-            <a:spLocks noChangeAspect="1" noChangeArrowheads="1"/>
-          </p:cNvSpPr>
-          <p:nvPr/>
-        </p:nvSpPr>
-        <p:spPr bwMode="auto">
-          <a:xfrm>
-            <a:off x="155575" y="-144463"/>
-            <a:ext cx="304800" cy="304801"/>
-          </a:xfrm>
-          <a:prstGeom prst="rect">
-            <a:avLst/>
-          </a:prstGeom>
-          <a:noFill/>
-        </p:spPr>
-        <p:txBody>
-          <a:bodyPr vert="horz" wrap="square" lIns="91440" tIns="45720" rIns="91440" bIns="45720" numCol="1" anchor="t" anchorCtr="0" compatLnSpc="1">
-            <a:prstTxWarp prst="textNoShape">
-              <a:avLst/>
-            </a:prstTxWarp>
-          </a:bodyPr>
-          <a:lstStyle/>
-          <a:p>
-            <a:endParaRPr lang="en-US"/>
-          </a:p>
-        </p:txBody>
-      </p:sp>
-      <p:sp>
-        <p:nvSpPr>
-          <p:cNvPr id="38918" name="AutoShape 6" descr="D:\CodeGenesys\GitHub\Git For Windows Developers %E2%80%93 Git Series %E2%80%93 Part 1   Jason Meridth's Blog_files\install41.png"/>
-          <p:cNvSpPr>
-            <a:spLocks noChangeAspect="1" noChangeArrowheads="1"/>
-          </p:cNvSpPr>
-          <p:nvPr/>
-        </p:nvSpPr>
-        <p:spPr bwMode="auto">
-          <a:xfrm>
-            <a:off x="155575" y="-144463"/>
-            <a:ext cx="304800" cy="304801"/>
-          </a:xfrm>
-          <a:prstGeom prst="rect">
-            <a:avLst/>
-          </a:prstGeom>
-          <a:noFill/>
-        </p:spPr>
-        <p:txBody>
-          <a:bodyPr vert="horz" wrap="square" lIns="91440" tIns="45720" rIns="91440" bIns="45720" numCol="1" anchor="t" anchorCtr="0" compatLnSpc="1">
-            <a:prstTxWarp prst="textNoShape">
-              <a:avLst/>
-            </a:prstTxWarp>
-          </a:bodyPr>
-          <a:lstStyle/>
-          <a:p>
-            <a:endParaRPr lang="en-US"/>
-          </a:p>
-        </p:txBody>
-      </p:sp>
-    </p:spTree>
-  </p:cSld>
-  <p:clrMapOvr>
-    <a:masterClrMapping/>
-  </p:clrMapOvr>
-  <p:timing>
-    <p:tnLst>
-      <p:par>
-        <p:cTn id="1" dur="indefinite" restart="never" nodeType="tmRoot"/>
-      </p:par>
-    </p:tnLst>
-  </p:timing>
-</p:sld>
-</file>
-
-<file path=ppt/slides/slide29.xml><?xml version="1.0" encoding="utf-8"?>
 <p:sld xmlns:a="http://schemas.openxmlformats.org/drawingml/2006/main" xmlns:r="http://schemas.openxmlformats.org/officeDocument/2006/relationships" xmlns:p="http://schemas.openxmlformats.org/presentationml/2006/main">
   <p:cSld>
     <p:spTree>

--- a/GitHub.pptx
+++ b/GitHub.pptx
@@ -250,7 +250,7 @@
             <a:fld id="{8B93CF00-3018-440F-8C99-39B9A2E3D4AF}" type="datetimeFigureOut">
               <a:rPr lang="en-US" smtClean="0"/>
               <a:pPr/>
-              <a:t>3/20/2012</a:t>
+              <a:t>3/21/12</a:t>
             </a:fld>
             <a:endParaRPr lang="en-US"/>
           </a:p>
@@ -421,7 +421,7 @@
     </p:spTree>
     <p:extLst>
       <p:ext uri="{BB962C8B-B14F-4D97-AF65-F5344CB8AC3E}">
-        <p14:creationId xmlns="" xmlns:p14="http://schemas.microsoft.com/office/powerpoint/2010/main" val="486385863"/>
+        <p14:creationId xmlns:p14="http://schemas.microsoft.com/office/powerpoint/2010/main" val="486385863"/>
       </p:ext>
     </p:extLst>
   </p:cSld>
@@ -562,126 +562,10 @@
         </p:nvSpPr>
         <p:spPr/>
         <p:txBody>
-          <a:bodyPr>
-            <a:normAutofit/>
-          </a:bodyPr>
+          <a:bodyPr/>
           <a:lstStyle/>
           <a:p>
-            <a:pPr algn="just"/>
-            <a:r>
-              <a:rPr lang="fr-FR" sz="1400" b="1" dirty="0" err="1" smtClean="0">
-                <a:solidFill>
-                  <a:srgbClr val="486DA2"/>
-                </a:solidFill>
-                <a:latin typeface="Verdana" pitchFamily="34" charset="0"/>
-              </a:rPr>
-              <a:t>What</a:t>
-            </a:r>
-            <a:r>
-              <a:rPr lang="fr-FR" sz="1400" b="1" dirty="0" smtClean="0">
-                <a:solidFill>
-                  <a:srgbClr val="486DA2"/>
-                </a:solidFill>
-                <a:latin typeface="Verdana" pitchFamily="34" charset="0"/>
-              </a:rPr>
-              <a:t> </a:t>
-            </a:r>
-            <a:r>
-              <a:rPr lang="fr-FR" sz="1400" b="1" dirty="0" err="1" smtClean="0">
-                <a:solidFill>
-                  <a:srgbClr val="486DA2"/>
-                </a:solidFill>
-                <a:latin typeface="Verdana" pitchFamily="34" charset="0"/>
-              </a:rPr>
-              <a:t>is</a:t>
-            </a:r>
-            <a:r>
-              <a:rPr lang="fr-FR" sz="1400" b="1" dirty="0" smtClean="0">
-                <a:solidFill>
-                  <a:srgbClr val="486DA2"/>
-                </a:solidFill>
-                <a:latin typeface="Verdana" pitchFamily="34" charset="0"/>
-              </a:rPr>
-              <a:t> Version Control?</a:t>
-            </a:r>
-          </a:p>
-          <a:p>
-            <a:pPr algn="just"/>
-            <a:r>
-              <a:rPr lang="en-US" dirty="0" smtClean="0"/>
-              <a:t>It is a system that records changes to a file or set of files over time so that you can recall specific versions later.</a:t>
-            </a:r>
-          </a:p>
-          <a:p>
-            <a:pPr algn="just"/>
-            <a:endParaRPr lang="en-US" sz="1400" b="1" dirty="0" smtClean="0">
-              <a:solidFill>
-                <a:srgbClr val="486DA2"/>
-              </a:solidFill>
-              <a:latin typeface="Verdana" pitchFamily="34" charset="0"/>
-            </a:endParaRPr>
-          </a:p>
-          <a:p>
-            <a:pPr algn="just"/>
-            <a:r>
-              <a:rPr lang="en-US" sz="1400" b="1" dirty="0" smtClean="0">
-                <a:solidFill>
-                  <a:srgbClr val="486DA2"/>
-                </a:solidFill>
-                <a:latin typeface="Verdana" pitchFamily="34" charset="0"/>
-              </a:rPr>
-              <a:t>Some of the features include:</a:t>
-            </a:r>
-          </a:p>
-          <a:p>
-            <a:pPr algn="just">
-              <a:buFont typeface="Arial" pitchFamily="34" charset="0"/>
-              <a:buChar char="•"/>
-            </a:pPr>
-            <a:r>
-              <a:rPr lang="en-US" dirty="0" smtClean="0"/>
-              <a:t> Revert files back to a previous state</a:t>
-            </a:r>
-          </a:p>
-          <a:p>
-            <a:pPr algn="just">
-              <a:buFont typeface="Arial" pitchFamily="34" charset="0"/>
-              <a:buChar char="•"/>
-            </a:pPr>
-            <a:r>
-              <a:rPr lang="en-US" dirty="0" smtClean="0"/>
-              <a:t> Revert the entire project back to a previous state</a:t>
-            </a:r>
-          </a:p>
-          <a:p>
-            <a:pPr algn="just">
-              <a:buFont typeface="Arial" pitchFamily="34" charset="0"/>
-              <a:buChar char="•"/>
-            </a:pPr>
-            <a:r>
-              <a:rPr lang="en-US" dirty="0" smtClean="0"/>
-              <a:t> Compare changes over time</a:t>
-            </a:r>
-          </a:p>
-          <a:p>
-            <a:pPr algn="just">
-              <a:buFont typeface="Arial" pitchFamily="34" charset="0"/>
-              <a:buChar char="•"/>
-            </a:pPr>
-            <a:r>
-              <a:rPr lang="en-US" dirty="0" smtClean="0"/>
-              <a:t> See who last modified something that might be causing a problem</a:t>
-            </a:r>
-          </a:p>
-          <a:p>
-            <a:pPr algn="just">
-              <a:buFont typeface="Arial" pitchFamily="34" charset="0"/>
-              <a:buChar char="•"/>
-            </a:pPr>
-            <a:r>
-              <a:rPr lang="en-US" dirty="0" smtClean="0"/>
-              <a:t> See who introduced an issue and when, and more.</a:t>
-            </a:r>
+            <a:endParaRPr lang="en-US" dirty="0"/>
           </a:p>
         </p:txBody>
       </p:sp>
@@ -703,13 +587,18 @@
             <a:fld id="{06F8F5D6-CB0D-4EDE-B95E-664AB82371FD}" type="slidenum">
               <a:rPr lang="en-US" smtClean="0"/>
               <a:pPr/>
-              <a:t>3</a:t>
+              <a:t>1</a:t>
             </a:fld>
             <a:endParaRPr lang="en-US"/>
           </a:p>
         </p:txBody>
       </p:sp>
     </p:spTree>
+    <p:extLst>
+      <p:ext uri="{BB962C8B-B14F-4D97-AF65-F5344CB8AC3E}">
+        <p14:creationId xmlns:p14="http://schemas.microsoft.com/office/powerpoint/2010/main" val="2797439516"/>
+      </p:ext>
+    </p:extLst>
   </p:cSld>
   <p:clrMapOvr>
     <a:masterClrMapping/>
@@ -759,40 +648,61 @@
         <p:spPr/>
         <p:txBody>
           <a:bodyPr>
-            <a:normAutofit/>
+            <a:normAutofit fontScale="92500"/>
           </a:bodyPr>
           <a:lstStyle/>
           <a:p>
-            <a:pPr marL="0" marR="0" indent="0" algn="l" defTabSz="914400" rtl="0" eaLnBrk="1" fontAlgn="auto" latinLnBrk="0" hangingPunct="1">
-              <a:lnSpc>
-                <a:spcPct val="100000"/>
-              </a:lnSpc>
-              <a:spcBef>
-                <a:spcPts val="0"/>
-              </a:spcBef>
-              <a:spcAft>
-                <a:spcPts val="0"/>
-              </a:spcAft>
-              <a:buClrTx/>
-              <a:buSzTx/>
-              <a:buFontTx/>
-              <a:buNone/>
-              <a:tabLst/>
-              <a:defRPr/>
-            </a:pPr>
+            <a:r>
+              <a:rPr lang="en-US" i="1" dirty="0" smtClean="0"/>
+              <a:t>[Note: It is assumed that the user is comfortable with installing a basic application. Only the ones that require close attention are mentioned in the next few slides.</a:t>
+            </a:r>
+          </a:p>
+          <a:p>
+            <a:endParaRPr lang="en-US" i="1" dirty="0" smtClean="0"/>
+          </a:p>
+          <a:p>
+            <a:r>
+              <a:rPr lang="en-US" i="1" dirty="0" smtClean="0"/>
+              <a:t>For a detailed installation manual please refer to the following link: </a:t>
+            </a:r>
+            <a:r>
+              <a:rPr lang="en-US" i="1" dirty="0" smtClean="0">
+                <a:hlinkClick r:id="rId3"/>
+              </a:rPr>
+              <a:t>http://help.github.com/win-set-up-git/</a:t>
+            </a:r>
+            <a:endParaRPr lang="en-US" i="1" dirty="0" smtClean="0"/>
+          </a:p>
+          <a:p>
+            <a:endParaRPr lang="en-US" i="1" dirty="0" smtClean="0"/>
+          </a:p>
+          <a:p>
+            <a:r>
+              <a:rPr lang="en-US" i="1" dirty="0" smtClean="0"/>
+              <a:t>The installation screens shown here are for Windows machine and it is fairly similar for other non-windows systems.]</a:t>
+            </a:r>
+          </a:p>
+          <a:p>
+            <a:endParaRPr lang="en-US" i="1" dirty="0" smtClean="0"/>
+          </a:p>
+          <a:p>
             <a:r>
               <a:rPr lang="en-US" dirty="0" smtClean="0"/>
-              <a:t>The context menu entries options give a user two new options on files when right-clicked in Windows Explorer.</a:t>
-            </a:r>
-            <a:endParaRPr lang="en-US" b="1" dirty="0" smtClean="0">
-              <a:solidFill>
-                <a:srgbClr val="486DA2"/>
-              </a:solidFill>
-              <a:latin typeface="Verdana" pitchFamily="34" charset="0"/>
-            </a:endParaRPr>
-          </a:p>
-          <a:p>
-            <a:endParaRPr lang="en-US" dirty="0"/>
+              <a:t>(If you’ve completed the installation then you can jump to </a:t>
+            </a:r>
+            <a:r>
+              <a:rPr lang="en-US" i="1" dirty="0" smtClean="0">
+                <a:hlinkClick r:id="rId4" action="ppaction://hlinksldjump"/>
+              </a:rPr>
+              <a:t>GIT Setup</a:t>
+            </a:r>
+            <a:r>
+              <a:rPr lang="en-US" dirty="0" smtClean="0"/>
+              <a:t>)</a:t>
+            </a:r>
+          </a:p>
+          <a:p>
+            <a:endParaRPr lang="en-US" dirty="0" smtClean="0"/>
           </a:p>
         </p:txBody>
       </p:sp>
@@ -814,7 +724,7 @@
             <a:fld id="{06F8F5D6-CB0D-4EDE-B95E-664AB82371FD}" type="slidenum">
               <a:rPr lang="en-US" smtClean="0"/>
               <a:pPr/>
-              <a:t>16</a:t>
+              <a:t>15</a:t>
             </a:fld>
             <a:endParaRPr lang="en-US"/>
           </a:p>
@@ -893,25 +803,9 @@
             </a:pPr>
             <a:r>
               <a:rPr lang="en-US" dirty="0" smtClean="0"/>
-              <a:t>Use the “</a:t>
-            </a:r>
-            <a:r>
-              <a:rPr lang="en-US" dirty="0" err="1" smtClean="0"/>
-              <a:t>Git</a:t>
-            </a:r>
-            <a:r>
-              <a:rPr lang="en-US" dirty="0" smtClean="0"/>
-              <a:t> Bash only” option if you only want </a:t>
-            </a:r>
-            <a:r>
-              <a:rPr lang="en-US" dirty="0" err="1" smtClean="0"/>
-              <a:t>msysgit</a:t>
-            </a:r>
-            <a:r>
-              <a:rPr lang="en-US" dirty="0" smtClean="0"/>
-              <a:t> component.  The other two options are tightly coupled to the operating system’s current setup.</a:t>
-            </a:r>
-            <a:endParaRPr lang="en-US" sz="1400" b="1" dirty="0" smtClean="0">
+              <a:t>The context menu entries options give a user two new options on files when right-clicked in Windows Explorer.</a:t>
+            </a:r>
+            <a:endParaRPr lang="en-US" b="1" dirty="0" smtClean="0">
               <a:solidFill>
                 <a:srgbClr val="486DA2"/>
               </a:solidFill>
@@ -941,7 +835,7 @@
             <a:fld id="{06F8F5D6-CB0D-4EDE-B95E-664AB82371FD}" type="slidenum">
               <a:rPr lang="en-US" smtClean="0"/>
               <a:pPr/>
-              <a:t>17</a:t>
+              <a:t>16</a:t>
             </a:fld>
             <a:endParaRPr lang="en-US"/>
           </a:p>
@@ -1020,7 +914,23 @@
             </a:pPr>
             <a:r>
               <a:rPr lang="en-US" dirty="0" smtClean="0"/>
-              <a:t>Typical Windows developers won’t interact with other operating systems so choosing the 3rd option, in regards to non-handling of line-endings is usually best.</a:t>
+              <a:t>Use the “</a:t>
+            </a:r>
+            <a:r>
+              <a:rPr lang="en-US" dirty="0" err="1" smtClean="0"/>
+              <a:t>Git</a:t>
+            </a:r>
+            <a:r>
+              <a:rPr lang="en-US" dirty="0" smtClean="0"/>
+              <a:t> Bash only” option if you only want </a:t>
+            </a:r>
+            <a:r>
+              <a:rPr lang="en-US" dirty="0" err="1" smtClean="0"/>
+              <a:t>msysgit</a:t>
+            </a:r>
+            <a:r>
+              <a:rPr lang="en-US" dirty="0" smtClean="0"/>
+              <a:t> component.  The other two options are tightly coupled to the operating system’s current setup.</a:t>
             </a:r>
             <a:endParaRPr lang="en-US" sz="1400" b="1" dirty="0" smtClean="0">
               <a:solidFill>
@@ -1052,7 +962,7 @@
             <a:fld id="{06F8F5D6-CB0D-4EDE-B95E-664AB82371FD}" type="slidenum">
               <a:rPr lang="en-US" smtClean="0"/>
               <a:pPr/>
-              <a:t>18</a:t>
+              <a:t>17</a:t>
             </a:fld>
             <a:endParaRPr lang="en-US"/>
           </a:p>
@@ -1108,7 +1018,7 @@
         <p:spPr/>
         <p:txBody>
           <a:bodyPr>
-            <a:normAutofit fontScale="92500" lnSpcReduction="10000"/>
+            <a:normAutofit/>
           </a:bodyPr>
           <a:lstStyle/>
           <a:p>
@@ -1131,252 +1041,14 @@
             </a:pPr>
             <a:r>
               <a:rPr lang="en-US" dirty="0" smtClean="0"/>
-              <a:t>If you’ve installed it successfully you will have both a command-line version (including an SSH client that will come in handy later) and the standard GUI. Open the </a:t>
-            </a:r>
-            <a:r>
-              <a:rPr lang="en-US" dirty="0" err="1" smtClean="0"/>
-              <a:t>GitBash</a:t>
-            </a:r>
-            <a:r>
-              <a:rPr lang="en-US" dirty="0" smtClean="0"/>
-              <a:t> program and follow the steps below.</a:t>
-            </a:r>
-          </a:p>
-          <a:p>
-            <a:endParaRPr lang="en-US" dirty="0" smtClean="0"/>
-          </a:p>
-          <a:p>
-            <a:pPr>
-              <a:buFont typeface="Wingdings" pitchFamily="2" charset="2"/>
-              <a:buChar char="§"/>
-            </a:pPr>
-            <a:r>
-              <a:rPr lang="en-US" sz="1400" dirty="0" smtClean="0"/>
-              <a:t> </a:t>
-            </a:r>
-            <a:r>
-              <a:rPr lang="en-US" dirty="0" smtClean="0"/>
-              <a:t>Add your generated SSH to your account on the </a:t>
-            </a:r>
-            <a:r>
-              <a:rPr lang="en-US" dirty="0" err="1" smtClean="0">
-                <a:hlinkClick r:id="rId3" action="ppaction://hlinksldjump"/>
-              </a:rPr>
-              <a:t>GitHub</a:t>
-            </a:r>
-            <a:r>
-              <a:rPr lang="en-US" dirty="0" smtClean="0"/>
-              <a:t> site. (</a:t>
-            </a:r>
-            <a:r>
-              <a:rPr lang="en-US" i="1" dirty="0" smtClean="0"/>
-              <a:t>Click “Account Settings”</a:t>
-            </a:r>
-            <a:r>
-              <a:rPr lang="en-US" dirty="0" smtClean="0"/>
-              <a:t> &gt;</a:t>
-            </a:r>
-            <a:r>
-              <a:rPr lang="en-US" i="1" dirty="0" smtClean="0"/>
-              <a:t> “SSH Public Keys”</a:t>
-            </a:r>
-            <a:r>
-              <a:rPr lang="en-US" dirty="0" smtClean="0"/>
-              <a:t> &gt;</a:t>
-            </a:r>
-            <a:r>
-              <a:rPr lang="en-US" i="1" dirty="0" smtClean="0"/>
-              <a:t> “Add another public key”)</a:t>
-            </a:r>
-          </a:p>
-          <a:p>
-            <a:pPr>
-              <a:buFont typeface="Wingdings" pitchFamily="2" charset="2"/>
-              <a:buChar char="§"/>
-            </a:pPr>
-            <a:r>
-              <a:rPr lang="en-US" dirty="0" smtClean="0"/>
-              <a:t> Open the id_rsa.pub file, that contains your public SSH key, in a text editor. This file might be hidden so use appropriate action to get access to it.</a:t>
-            </a:r>
-            <a:endParaRPr lang="en-US" i="1" dirty="0" smtClean="0"/>
-          </a:p>
-          <a:p>
-            <a:endParaRPr lang="en-US" dirty="0" smtClean="0"/>
-          </a:p>
-          <a:p>
-            <a:r>
-              <a:rPr lang="en-US" dirty="0" smtClean="0"/>
-              <a:t>It is important that you copy your SSH key exactly as it is written without adding any newlines or whitespace into the “Key” field.</a:t>
-            </a:r>
-          </a:p>
-          <a:p>
-            <a:endParaRPr lang="en-US" dirty="0" smtClean="0"/>
-          </a:p>
-          <a:p>
-            <a:pPr>
-              <a:buFontTx/>
-              <a:buChar char="-"/>
-            </a:pPr>
-            <a:r>
-              <a:rPr lang="en-US" dirty="0" smtClean="0"/>
-              <a:t> Test your SSH key by typing the following in </a:t>
-            </a:r>
-            <a:r>
-              <a:rPr lang="en-US" dirty="0" err="1" smtClean="0"/>
-              <a:t>GitBash</a:t>
-            </a:r>
-            <a:r>
-              <a:rPr lang="en-US" dirty="0" smtClean="0"/>
-              <a:t> prompt:</a:t>
-            </a:r>
-          </a:p>
-          <a:p>
-            <a:r>
-              <a:rPr lang="en-US" sz="1100" dirty="0" smtClean="0">
-                <a:latin typeface="Courier New" pitchFamily="49" charset="0"/>
-                <a:cs typeface="Courier New" pitchFamily="49" charset="0"/>
-                <a:sym typeface="Wingdings 3"/>
-              </a:rPr>
-              <a:t>$ </a:t>
-            </a:r>
-            <a:r>
-              <a:rPr lang="en-US" sz="1100" dirty="0" err="1" smtClean="0">
-                <a:latin typeface="Courier New" pitchFamily="49" charset="0"/>
-                <a:cs typeface="Courier New" pitchFamily="49" charset="0"/>
-                <a:sym typeface="Wingdings 3"/>
-              </a:rPr>
-              <a:t>ssh</a:t>
-            </a:r>
-            <a:r>
-              <a:rPr lang="en-US" sz="1100" dirty="0" smtClean="0">
-                <a:latin typeface="Courier New" pitchFamily="49" charset="0"/>
-                <a:cs typeface="Courier New" pitchFamily="49" charset="0"/>
-                <a:sym typeface="Wingdings 3"/>
-              </a:rPr>
-              <a:t> -T </a:t>
-            </a:r>
-            <a:r>
-              <a:rPr lang="en-US" sz="1100" dirty="0" smtClean="0">
-                <a:latin typeface="Courier New" pitchFamily="49" charset="0"/>
-                <a:cs typeface="Courier New" pitchFamily="49" charset="0"/>
-                <a:sym typeface="Wingdings 3"/>
-                <a:hlinkClick r:id="rId4"/>
-              </a:rPr>
-              <a:t>git@github.com</a:t>
-            </a:r>
-            <a:r>
-              <a:rPr lang="en-US" sz="1100" dirty="0" smtClean="0">
-                <a:latin typeface="Courier New" pitchFamily="49" charset="0"/>
-                <a:cs typeface="Courier New" pitchFamily="49" charset="0"/>
-                <a:sym typeface="Wingdings 3"/>
-              </a:rPr>
-              <a:t> </a:t>
-            </a:r>
-            <a:r>
-              <a:rPr lang="de-DE" sz="1100" dirty="0" smtClean="0">
-                <a:latin typeface="Courier New" pitchFamily="49" charset="0"/>
-                <a:cs typeface="Courier New" pitchFamily="49" charset="0"/>
-                <a:sym typeface="Wingdings 3"/>
-              </a:rPr>
-              <a:t></a:t>
-            </a:r>
-          </a:p>
-          <a:p>
-            <a:r>
-              <a:rPr lang="de-DE" sz="1100" dirty="0" smtClean="0">
-                <a:latin typeface="Courier New" pitchFamily="49" charset="0"/>
-                <a:cs typeface="Courier New" pitchFamily="49" charset="0"/>
-                <a:sym typeface="Wingdings 3"/>
-              </a:rPr>
-              <a:t>Are you sure you want to continue connecting (yes/no)? yes </a:t>
-            </a:r>
-            <a:endParaRPr lang="en-US" sz="1100" dirty="0" smtClean="0"/>
-          </a:p>
-          <a:p>
-            <a:r>
-              <a:rPr lang="en-US" dirty="0" smtClean="0"/>
-              <a:t> </a:t>
-            </a:r>
-          </a:p>
-          <a:p>
-            <a:pPr>
-              <a:buFont typeface="Arial" pitchFamily="34" charset="0"/>
-              <a:buChar char="•"/>
-            </a:pPr>
-            <a:r>
-              <a:rPr lang="en-US" sz="1400" b="1" dirty="0" smtClean="0">
-                <a:solidFill>
-                  <a:srgbClr val="486DA2"/>
-                </a:solidFill>
-                <a:latin typeface="Verdana" pitchFamily="34" charset="0"/>
-              </a:rPr>
-              <a:t> Create local GIT Repositories:</a:t>
-            </a:r>
-          </a:p>
-          <a:p>
-            <a:r>
-              <a:rPr lang="en-US" dirty="0" smtClean="0"/>
-              <a:t>Every time you make a commit with </a:t>
-            </a:r>
-            <a:r>
-              <a:rPr lang="en-US" dirty="0" err="1" smtClean="0"/>
-              <a:t>Git</a:t>
-            </a:r>
-            <a:r>
-              <a:rPr lang="en-US" dirty="0" smtClean="0"/>
-              <a:t>, it is stored in a repository (a.k.a. “repo”). To put your project up on </a:t>
-            </a:r>
-            <a:r>
-              <a:rPr lang="en-US" dirty="0" err="1" smtClean="0"/>
-              <a:t>GitHub</a:t>
-            </a:r>
-            <a:r>
-              <a:rPr lang="en-US" dirty="0" smtClean="0"/>
-              <a:t>, you’ll need to have a </a:t>
-            </a:r>
-            <a:r>
-              <a:rPr lang="en-US" dirty="0" err="1" smtClean="0"/>
-              <a:t>GitHub</a:t>
-            </a:r>
-            <a:r>
-              <a:rPr lang="en-US" dirty="0" smtClean="0"/>
-              <a:t> repository for it to live in.</a:t>
-            </a:r>
-          </a:p>
-          <a:p>
-            <a:endParaRPr lang="de-DE" dirty="0" smtClean="0"/>
-          </a:p>
-          <a:p>
-            <a:r>
-              <a:rPr lang="de-DE" dirty="0" smtClean="0"/>
-              <a:t>Go to any folder which contains the application source code that you wish to convert as local repository. Right click on it and choose “Git Bash Here“. Then type the following: </a:t>
-            </a:r>
-            <a:r>
-              <a:rPr lang="de-DE" sz="1100" dirty="0" smtClean="0">
-                <a:latin typeface="Courier New" pitchFamily="49" charset="0"/>
-                <a:cs typeface="Courier New" pitchFamily="49" charset="0"/>
-                <a:sym typeface="Wingdings 3"/>
-              </a:rPr>
-              <a:t>$ git init </a:t>
-            </a:r>
-          </a:p>
-          <a:p>
-            <a:endParaRPr lang="de-DE" sz="1100" dirty="0" smtClean="0">
-              <a:latin typeface="Courier New" pitchFamily="49" charset="0"/>
-              <a:cs typeface="Courier New" pitchFamily="49" charset="0"/>
-              <a:sym typeface="Wingdings 3"/>
+              <a:t>Typical Windows developers won’t interact with other operating systems so choosing the 3rd option, in regards to non-handling of line-endings is usually best.</a:t>
+            </a:r>
+            <a:endParaRPr lang="en-US" sz="1400" b="1" dirty="0" smtClean="0">
+              <a:solidFill>
+                <a:srgbClr val="486DA2"/>
+              </a:solidFill>
+              <a:latin typeface="Verdana" pitchFamily="34" charset="0"/>
             </a:endParaRPr>
-          </a:p>
-          <a:p>
-            <a:r>
-              <a:rPr lang="en-US" dirty="0" err="1" smtClean="0"/>
-              <a:t>Voilà</a:t>
-            </a:r>
-            <a:r>
-              <a:rPr lang="de-DE" dirty="0" smtClean="0"/>
-              <a:t>!  You‘ve just created a local GitHub Rep in your system!</a:t>
-            </a:r>
-            <a:endParaRPr lang="en-US" dirty="0" smtClean="0"/>
           </a:p>
           <a:p>
             <a:endParaRPr lang="en-US" dirty="0"/>
@@ -1401,7 +1073,7 @@
             <a:fld id="{06F8F5D6-CB0D-4EDE-B95E-664AB82371FD}" type="slidenum">
               <a:rPr lang="en-US" smtClean="0"/>
               <a:pPr/>
-              <a:t>19</a:t>
+              <a:t>18</a:t>
             </a:fld>
             <a:endParaRPr lang="en-US"/>
           </a:p>
@@ -1457,21 +1129,126 @@
         <p:spPr/>
         <p:txBody>
           <a:bodyPr>
-            <a:normAutofit fontScale="77500" lnSpcReduction="20000"/>
+            <a:normAutofit fontScale="92500" lnSpcReduction="10000"/>
           </a:bodyPr>
           <a:lstStyle/>
           <a:p>
+            <a:pPr marL="0" marR="0" indent="0" algn="l" defTabSz="914400" rtl="0" eaLnBrk="1" fontAlgn="auto" latinLnBrk="0" hangingPunct="1">
+              <a:lnSpc>
+                <a:spcPct val="100000"/>
+              </a:lnSpc>
+              <a:spcBef>
+                <a:spcPts val="0"/>
+              </a:spcBef>
+              <a:spcAft>
+                <a:spcPts val="0"/>
+              </a:spcAft>
+              <a:buClrTx/>
+              <a:buSzTx/>
+              <a:buFontTx/>
+              <a:buNone/>
+              <a:tabLst/>
+              <a:defRPr/>
+            </a:pPr>
             <a:r>
               <a:rPr lang="en-US" dirty="0" smtClean="0"/>
-              <a:t>Create ‘.</a:t>
+              <a:t>If you’ve installed it successfully you will have both a command-line version (including an SSH client that will come in handy later) and the standard GUI. Open the </a:t>
             </a:r>
             <a:r>
               <a:rPr lang="en-US" dirty="0" err="1" smtClean="0"/>
-              <a:t>gitignore</a:t>
+              <a:t>GitBash</a:t>
             </a:r>
             <a:r>
               <a:rPr lang="en-US" dirty="0" smtClean="0"/>
-              <a:t>’ file to filter the commit operation by excluding the ones specific to local environment (like bin folder etc)</a:t>
+              <a:t> program and follow the steps below.</a:t>
+            </a:r>
+          </a:p>
+          <a:p>
+            <a:endParaRPr lang="en-US" dirty="0" smtClean="0"/>
+          </a:p>
+          <a:p>
+            <a:pPr>
+              <a:buFont typeface="Wingdings" pitchFamily="2" charset="2"/>
+              <a:buChar char="§"/>
+            </a:pPr>
+            <a:r>
+              <a:rPr lang="en-US" sz="1400" dirty="0" smtClean="0"/>
+              <a:t> </a:t>
+            </a:r>
+            <a:r>
+              <a:rPr lang="en-US" dirty="0" smtClean="0"/>
+              <a:t>Add your generated SSH to your account on the </a:t>
+            </a:r>
+            <a:r>
+              <a:rPr lang="en-US" dirty="0" err="1" smtClean="0">
+                <a:hlinkClick r:id="rId3" action="ppaction://hlinksldjump"/>
+              </a:rPr>
+              <a:t>GitHub</a:t>
+            </a:r>
+            <a:r>
+              <a:rPr lang="en-US" dirty="0" smtClean="0"/>
+              <a:t> site. (</a:t>
+            </a:r>
+            <a:r>
+              <a:rPr lang="en-US" i="1" dirty="0" smtClean="0"/>
+              <a:t>Click “Account Settings”</a:t>
+            </a:r>
+            <a:r>
+              <a:rPr lang="en-US" dirty="0" smtClean="0"/>
+              <a:t> &gt;</a:t>
+            </a:r>
+            <a:r>
+              <a:rPr lang="en-US" i="1" dirty="0" smtClean="0"/>
+              <a:t> “SSH Public Keys”</a:t>
+            </a:r>
+            <a:r>
+              <a:rPr lang="en-US" dirty="0" smtClean="0"/>
+              <a:t> &gt;</a:t>
+            </a:r>
+            <a:r>
+              <a:rPr lang="en-US" i="1" dirty="0" smtClean="0"/>
+              <a:t> “Add another public key”)</a:t>
+            </a:r>
+          </a:p>
+          <a:p>
+            <a:pPr>
+              <a:buFont typeface="Wingdings" pitchFamily="2" charset="2"/>
+              <a:buChar char="§"/>
+            </a:pPr>
+            <a:r>
+              <a:rPr lang="en-US" dirty="0" smtClean="0"/>
+              <a:t> Open the id_rsa.pub file, that contains your public SSH key, in a text editor. This file might be hidden so use appropriate action to get access to it.</a:t>
+            </a:r>
+            <a:endParaRPr lang="en-US" i="1" dirty="0" smtClean="0"/>
+          </a:p>
+          <a:p>
+            <a:endParaRPr lang="en-US" dirty="0" smtClean="0"/>
+          </a:p>
+          <a:p>
+            <a:r>
+              <a:rPr lang="en-US" dirty="0" smtClean="0"/>
+              <a:t>It is important that you copy your SSH key exactly as it is written without adding any newlines or whitespace into the “Key” field.</a:t>
+            </a:r>
+          </a:p>
+          <a:p>
+            <a:endParaRPr lang="en-US" dirty="0" smtClean="0"/>
+          </a:p>
+          <a:p>
+            <a:pPr>
+              <a:buFontTx/>
+              <a:buChar char="-"/>
+            </a:pPr>
+            <a:r>
+              <a:rPr lang="en-US" dirty="0" smtClean="0"/>
+              <a:t> Test your SSH key by typing the following in </a:t>
+            </a:r>
+            <a:r>
+              <a:rPr lang="en-US" dirty="0" err="1" smtClean="0"/>
+              <a:t>GitBash</a:t>
+            </a:r>
+            <a:r>
+              <a:rPr lang="en-US" dirty="0" smtClean="0"/>
+              <a:t> prompt:</a:t>
             </a:r>
           </a:p>
           <a:p>
@@ -1481,7 +1258,7 @@
                 <a:cs typeface="Courier New" pitchFamily="49" charset="0"/>
                 <a:sym typeface="Wingdings 3"/>
               </a:rPr>
-              <a:t>$ touch .</a:t>
+              <a:t>$ </a:t>
             </a:r>
             <a:r>
               <a:rPr lang="en-US" sz="1100" dirty="0" err="1" smtClean="0">
@@ -1489,9 +1266,123 @@
                 <a:cs typeface="Courier New" pitchFamily="49" charset="0"/>
                 <a:sym typeface="Wingdings 3"/>
               </a:rPr>
-              <a:t>gitignore</a:t>
-            </a:r>
-            <a:endParaRPr lang="en-US" sz="1100" dirty="0" smtClean="0">
+              <a:t>ssh</a:t>
+            </a:r>
+            <a:r>
+              <a:rPr lang="en-US" sz="1100" dirty="0" smtClean="0">
+                <a:latin typeface="Courier New" pitchFamily="49" charset="0"/>
+                <a:cs typeface="Courier New" pitchFamily="49" charset="0"/>
+                <a:sym typeface="Wingdings 3"/>
+              </a:rPr>
+              <a:t> -T </a:t>
+            </a:r>
+            <a:r>
+              <a:rPr lang="en-US" sz="1100" dirty="0" smtClean="0">
+                <a:latin typeface="Courier New" pitchFamily="49" charset="0"/>
+                <a:cs typeface="Courier New" pitchFamily="49" charset="0"/>
+                <a:sym typeface="Wingdings 3"/>
+                <a:hlinkClick r:id="rId4"/>
+              </a:rPr>
+              <a:t>git@github.com</a:t>
+            </a:r>
+            <a:r>
+              <a:rPr lang="en-US" sz="1100" dirty="0" smtClean="0">
+                <a:latin typeface="Courier New" pitchFamily="49" charset="0"/>
+                <a:cs typeface="Courier New" pitchFamily="49" charset="0"/>
+                <a:sym typeface="Wingdings 3"/>
+              </a:rPr>
+              <a:t> </a:t>
+            </a:r>
+            <a:r>
+              <a:rPr lang="de-DE" sz="1100" dirty="0" smtClean="0">
+                <a:latin typeface="Courier New" pitchFamily="49" charset="0"/>
+                <a:cs typeface="Courier New" pitchFamily="49" charset="0"/>
+                <a:sym typeface="Wingdings 3"/>
+              </a:rPr>
+              <a:t></a:t>
+            </a:r>
+          </a:p>
+          <a:p>
+            <a:r>
+              <a:rPr lang="de-DE" sz="1100" dirty="0" smtClean="0">
+                <a:latin typeface="Courier New" pitchFamily="49" charset="0"/>
+                <a:cs typeface="Courier New" pitchFamily="49" charset="0"/>
+                <a:sym typeface="Wingdings 3"/>
+              </a:rPr>
+              <a:t>Are you sure you want to continue connecting (yes/no)? yes </a:t>
+            </a:r>
+            <a:endParaRPr lang="en-US" sz="1100" dirty="0" smtClean="0"/>
+          </a:p>
+          <a:p>
+            <a:r>
+              <a:rPr lang="en-US" dirty="0" smtClean="0"/>
+              <a:t> </a:t>
+            </a:r>
+          </a:p>
+          <a:p>
+            <a:pPr>
+              <a:buFont typeface="Arial" pitchFamily="34" charset="0"/>
+              <a:buChar char="•"/>
+            </a:pPr>
+            <a:r>
+              <a:rPr lang="en-US" sz="1400" b="1" dirty="0" smtClean="0">
+                <a:solidFill>
+                  <a:srgbClr val="486DA2"/>
+                </a:solidFill>
+                <a:latin typeface="Verdana" pitchFamily="34" charset="0"/>
+              </a:rPr>
+              <a:t> Create local GIT Repositories:</a:t>
+            </a:r>
+          </a:p>
+          <a:p>
+            <a:r>
+              <a:rPr lang="en-US" dirty="0" smtClean="0"/>
+              <a:t>Every time you make a commit with </a:t>
+            </a:r>
+            <a:r>
+              <a:rPr lang="en-US" dirty="0" err="1" smtClean="0"/>
+              <a:t>Git</a:t>
+            </a:r>
+            <a:r>
+              <a:rPr lang="en-US" dirty="0" smtClean="0"/>
+              <a:t>, it is stored in a repository (a.k.a. “repo”). To put your project up on </a:t>
+            </a:r>
+            <a:r>
+              <a:rPr lang="en-US" dirty="0" err="1" smtClean="0"/>
+              <a:t>GitHub</a:t>
+            </a:r>
+            <a:r>
+              <a:rPr lang="en-US" dirty="0" smtClean="0"/>
+              <a:t>, you’ll need to have a </a:t>
+            </a:r>
+            <a:r>
+              <a:rPr lang="en-US" dirty="0" err="1" smtClean="0"/>
+              <a:t>GitHub</a:t>
+            </a:r>
+            <a:r>
+              <a:rPr lang="en-US" dirty="0" smtClean="0"/>
+              <a:t> repository for it to live in.</a:t>
+            </a:r>
+          </a:p>
+          <a:p>
+            <a:endParaRPr lang="de-DE" dirty="0" smtClean="0"/>
+          </a:p>
+          <a:p>
+            <a:r>
+              <a:rPr lang="de-DE" dirty="0" smtClean="0"/>
+              <a:t>Go to any folder which contains the application source code that you wish to convert as local repository. Right click on it and choose “Git Bash Here“. Then type the following: </a:t>
+            </a:r>
+            <a:r>
+              <a:rPr lang="de-DE" sz="1100" dirty="0" smtClean="0">
+                <a:latin typeface="Courier New" pitchFamily="49" charset="0"/>
+                <a:cs typeface="Courier New" pitchFamily="49" charset="0"/>
+                <a:sym typeface="Wingdings 3"/>
+              </a:rPr>
+              <a:t>$ git init </a:t>
+            </a:r>
+          </a:p>
+          <a:p>
+            <a:endParaRPr lang="de-DE" sz="1100" dirty="0" smtClean="0">
               <a:latin typeface="Courier New" pitchFamily="49" charset="0"/>
               <a:cs typeface="Courier New" pitchFamily="49" charset="0"/>
               <a:sym typeface="Wingdings 3"/>
@@ -1499,513 +1390,13 @@
           </a:p>
           <a:p>
             <a:r>
-              <a:rPr lang="en-US" sz="1100" dirty="0" smtClean="0">
-                <a:latin typeface="Courier New" pitchFamily="49" charset="0"/>
-                <a:cs typeface="Courier New" pitchFamily="49" charset="0"/>
-                <a:sym typeface="Wingdings 3"/>
-              </a:rPr>
-              <a:t>$ </a:t>
-            </a:r>
-            <a:r>
-              <a:rPr lang="en-US" sz="1100" dirty="0" err="1" smtClean="0">
-                <a:latin typeface="Courier New" pitchFamily="49" charset="0"/>
-                <a:cs typeface="Courier New" pitchFamily="49" charset="0"/>
-                <a:sym typeface="Wingdings 3"/>
-              </a:rPr>
-              <a:t>ls</a:t>
-            </a:r>
-            <a:r>
-              <a:rPr lang="en-US" sz="1100" dirty="0" smtClean="0">
-                <a:latin typeface="Courier New" pitchFamily="49" charset="0"/>
-                <a:cs typeface="Courier New" pitchFamily="49" charset="0"/>
-                <a:sym typeface="Wingdings 3"/>
-              </a:rPr>
-              <a:t> –al</a:t>
-            </a:r>
-          </a:p>
-          <a:p>
-            <a:r>
-              <a:rPr lang="en-US" dirty="0" smtClean="0"/>
-              <a:t>[In this file you can enter partial or full names of files/folder that you don’t want to commit to the repo]</a:t>
-            </a:r>
-          </a:p>
-          <a:p>
-            <a:endParaRPr lang="en-US" dirty="0" smtClean="0"/>
-          </a:p>
-          <a:p>
-            <a:r>
-              <a:rPr lang="en-US" dirty="0" smtClean="0"/>
-              <a:t>We can now view all the files that we can commit</a:t>
-            </a:r>
-            <a:r>
-              <a:rPr lang="en-US" dirty="0" smtClean="0"/>
-              <a:t>.</a:t>
-            </a:r>
-          </a:p>
-          <a:p>
-            <a:endParaRPr lang="en-US" dirty="0" smtClean="0"/>
-          </a:p>
-          <a:p>
-            <a:pPr>
-              <a:buFont typeface="Arial" pitchFamily="34" charset="0"/>
-              <a:buChar char="•"/>
-            </a:pPr>
-            <a:r>
-              <a:rPr lang="en-US" b="1" dirty="0" smtClean="0">
-                <a:solidFill>
-                  <a:srgbClr val="486DA2"/>
-                </a:solidFill>
-                <a:latin typeface="Verdana" pitchFamily="34" charset="0"/>
-              </a:rPr>
-              <a:t> GIT Status</a:t>
-            </a:r>
-          </a:p>
-          <a:p>
-            <a:r>
-              <a:rPr lang="en-US" dirty="0" smtClean="0"/>
-              <a:t>After committing our code to the repo we can run “</a:t>
-            </a:r>
-            <a:r>
               <a:rPr lang="en-US" dirty="0" err="1" smtClean="0"/>
-              <a:t>git</a:t>
-            </a:r>
-            <a:r>
-              <a:rPr lang="en-US" dirty="0" smtClean="0"/>
-              <a:t> status” to see the status between staging area &amp; working directory.</a:t>
-            </a:r>
-          </a:p>
-          <a:p>
-            <a:endParaRPr lang="en-US" dirty="0" smtClean="0"/>
-          </a:p>
-          <a:p>
-            <a:r>
-              <a:rPr lang="en-US" dirty="0" smtClean="0"/>
-              <a:t>From the above example, (where a file ‘</a:t>
-            </a:r>
-            <a:r>
-              <a:rPr lang="en-US" dirty="0" err="1" smtClean="0"/>
-              <a:t>program.cs</a:t>
-            </a:r>
-            <a:r>
-              <a:rPr lang="en-US" dirty="0" smtClean="0"/>
-              <a:t>’ has been edited and changed) we get a message: “Changed but not updated”. It means that it’s changed in our working directory, but not staged (i.e. not in our staging area or ready for commit).  If we tried to commit right now, nothing would be committed because nothing is in our staging area. </a:t>
-            </a:r>
-            <a:endParaRPr lang="en-US" dirty="0" smtClean="0"/>
-          </a:p>
-          <a:p>
-            <a:r>
-              <a:rPr lang="en-US" sz="1100" dirty="0" smtClean="0">
-                <a:latin typeface="Courier New" pitchFamily="49" charset="0"/>
-                <a:cs typeface="Courier New" pitchFamily="49" charset="0"/>
-                <a:sym typeface="Wingdings 3"/>
-              </a:rPr>
-              <a:t>$ </a:t>
-            </a:r>
-            <a:r>
-              <a:rPr lang="en-US" sz="1100" dirty="0" err="1" smtClean="0">
-                <a:latin typeface="Courier New" pitchFamily="49" charset="0"/>
-                <a:cs typeface="Courier New" pitchFamily="49" charset="0"/>
-                <a:sym typeface="Wingdings 3"/>
-              </a:rPr>
-              <a:t>git</a:t>
-            </a:r>
-            <a:r>
-              <a:rPr lang="en-US" sz="1100" dirty="0" smtClean="0">
-                <a:latin typeface="Courier New" pitchFamily="49" charset="0"/>
-                <a:cs typeface="Courier New" pitchFamily="49" charset="0"/>
-                <a:sym typeface="Wingdings 3"/>
-              </a:rPr>
-              <a:t> status</a:t>
-            </a:r>
-          </a:p>
-          <a:p>
-            <a:r>
-              <a:rPr lang="en-US" dirty="0" smtClean="0"/>
-              <a:t>This gives the status of all the files in the folder i.e. whether they are in the modified, staging or repo area.</a:t>
-            </a:r>
-          </a:p>
-          <a:p>
-            <a:endParaRPr lang="en-US" dirty="0" smtClean="0"/>
-          </a:p>
-          <a:p>
-            <a:r>
-              <a:rPr lang="en-US" dirty="0" smtClean="0"/>
-              <a:t>In order to add files to staging area we execute:</a:t>
-            </a:r>
-          </a:p>
-          <a:p>
-            <a:r>
-              <a:rPr lang="en-US" sz="1100" dirty="0" smtClean="0">
-                <a:latin typeface="Courier New" pitchFamily="49" charset="0"/>
-                <a:cs typeface="Courier New" pitchFamily="49" charset="0"/>
-                <a:sym typeface="Wingdings 3"/>
-              </a:rPr>
-              <a:t>$ </a:t>
-            </a:r>
-            <a:r>
-              <a:rPr lang="en-US" sz="1100" dirty="0" err="1" smtClean="0">
-                <a:latin typeface="Courier New" pitchFamily="49" charset="0"/>
-                <a:cs typeface="Courier New" pitchFamily="49" charset="0"/>
-                <a:sym typeface="Wingdings 3"/>
-              </a:rPr>
-              <a:t>git</a:t>
-            </a:r>
-            <a:r>
-              <a:rPr lang="en-US" sz="1100" dirty="0" smtClean="0">
-                <a:latin typeface="Courier New" pitchFamily="49" charset="0"/>
-                <a:cs typeface="Courier New" pitchFamily="49" charset="0"/>
-                <a:sym typeface="Wingdings 3"/>
-              </a:rPr>
-              <a:t> add .</a:t>
-            </a:r>
-          </a:p>
-          <a:p>
-            <a:r>
-              <a:rPr lang="en-US" dirty="0" smtClean="0"/>
-              <a:t>And then execute ‘</a:t>
-            </a:r>
-            <a:r>
-              <a:rPr lang="en-US" dirty="0" err="1" smtClean="0"/>
-              <a:t>git</a:t>
-            </a:r>
-            <a:r>
-              <a:rPr lang="en-US" dirty="0" smtClean="0"/>
-              <a:t> status’ again to see the changes made.</a:t>
-            </a:r>
-          </a:p>
-          <a:p>
-            <a:endParaRPr lang="en-US" dirty="0" smtClean="0"/>
-          </a:p>
-          <a:p>
-            <a:r>
-              <a:rPr lang="en-US" dirty="0" smtClean="0"/>
-              <a:t>Now its time to commit files from staging area to repo by typing:</a:t>
-            </a:r>
-          </a:p>
-          <a:p>
-            <a:r>
-              <a:rPr lang="en-US" sz="1100" dirty="0" smtClean="0">
-                <a:latin typeface="Courier New" pitchFamily="49" charset="0"/>
-                <a:cs typeface="Courier New" pitchFamily="49" charset="0"/>
-                <a:sym typeface="Wingdings 3"/>
-              </a:rPr>
-              <a:t>$ </a:t>
-            </a:r>
-            <a:r>
-              <a:rPr lang="en-US" sz="1100" dirty="0" err="1" smtClean="0">
-                <a:latin typeface="Courier New" pitchFamily="49" charset="0"/>
-                <a:cs typeface="Courier New" pitchFamily="49" charset="0"/>
-                <a:sym typeface="Wingdings 3"/>
-              </a:rPr>
-              <a:t>git</a:t>
-            </a:r>
-            <a:r>
-              <a:rPr lang="en-US" sz="1100" dirty="0" smtClean="0">
-                <a:latin typeface="Courier New" pitchFamily="49" charset="0"/>
-                <a:cs typeface="Courier New" pitchFamily="49" charset="0"/>
-                <a:sym typeface="Wingdings 3"/>
-              </a:rPr>
-              <a:t> commit –m “Your Custom Message”</a:t>
-            </a:r>
-          </a:p>
-          <a:p>
-            <a:endParaRPr lang="en-US" sz="1100" dirty="0" smtClean="0">
-              <a:latin typeface="Courier New" pitchFamily="49" charset="0"/>
-              <a:cs typeface="Courier New" pitchFamily="49" charset="0"/>
-              <a:sym typeface="Wingdings 3"/>
-            </a:endParaRPr>
-          </a:p>
-          <a:p>
-            <a:endParaRPr lang="en-US" sz="1100" dirty="0" smtClean="0"/>
-          </a:p>
-          <a:p>
-            <a:pPr>
-              <a:buFont typeface="Arial" pitchFamily="34" charset="0"/>
-              <a:buChar char="•"/>
-            </a:pPr>
-            <a:r>
-              <a:rPr lang="en-US" sz="1100" b="1" dirty="0" smtClean="0">
-                <a:solidFill>
-                  <a:srgbClr val="486DA2"/>
-                </a:solidFill>
-                <a:latin typeface="Verdana" pitchFamily="34" charset="0"/>
-              </a:rPr>
-              <a:t>  GIT Remote</a:t>
-            </a:r>
-          </a:p>
-          <a:p>
-            <a:r>
-              <a:rPr lang="en-US" sz="1100" dirty="0" smtClean="0"/>
-              <a:t>We need to add the remote repository to be watched by your local GIT repository.</a:t>
-            </a:r>
-          </a:p>
-          <a:p>
-            <a:r>
-              <a:rPr lang="en-US" sz="1100" dirty="0" smtClean="0"/>
-              <a:t>First </a:t>
-            </a:r>
-            <a:r>
-              <a:rPr lang="en-US" sz="1100" dirty="0" err="1" smtClean="0"/>
-              <a:t>goto</a:t>
-            </a:r>
-            <a:r>
-              <a:rPr lang="en-US" sz="1100" dirty="0" smtClean="0"/>
-              <a:t> your local repo folder.</a:t>
-            </a:r>
-          </a:p>
-          <a:p>
-            <a:r>
-              <a:rPr lang="en-US" sz="1100" dirty="0" smtClean="0"/>
-              <a:t>Then type the following:</a:t>
-            </a:r>
-          </a:p>
-          <a:p>
-            <a:r>
-              <a:rPr lang="en-US" sz="1050" dirty="0" smtClean="0">
-                <a:latin typeface="Courier New" pitchFamily="49" charset="0"/>
-                <a:cs typeface="Courier New" pitchFamily="49" charset="0"/>
-                <a:sym typeface="Wingdings 3"/>
-              </a:rPr>
-              <a:t>$ </a:t>
-            </a:r>
-            <a:r>
-              <a:rPr lang="en-US" sz="1050" dirty="0" err="1" smtClean="0">
-                <a:latin typeface="Courier New" pitchFamily="49" charset="0"/>
-                <a:cs typeface="Courier New" pitchFamily="49" charset="0"/>
-                <a:sym typeface="Wingdings 3"/>
-              </a:rPr>
-              <a:t>git</a:t>
-            </a:r>
-            <a:r>
-              <a:rPr lang="en-US" sz="1050" dirty="0" smtClean="0">
-                <a:latin typeface="Courier New" pitchFamily="49" charset="0"/>
-                <a:cs typeface="Courier New" pitchFamily="49" charset="0"/>
-                <a:sym typeface="Wingdings 3"/>
-              </a:rPr>
-              <a:t> remote add </a:t>
-            </a:r>
-            <a:r>
-              <a:rPr lang="en-US" sz="1050" dirty="0" err="1" smtClean="0">
-                <a:latin typeface="Courier New" pitchFamily="49" charset="0"/>
-                <a:cs typeface="Courier New" pitchFamily="49" charset="0"/>
-                <a:sym typeface="Wingdings 3"/>
-              </a:rPr>
-              <a:t>remote_repo_name</a:t>
-            </a:r>
-            <a:r>
-              <a:rPr lang="en-US" sz="1050" dirty="0" smtClean="0">
-                <a:latin typeface="Courier New" pitchFamily="49" charset="0"/>
-                <a:cs typeface="Courier New" pitchFamily="49" charset="0"/>
-                <a:sym typeface="Wingdings 3"/>
-              </a:rPr>
-              <a:t> </a:t>
-            </a:r>
-            <a:r>
-              <a:rPr lang="en-US" sz="1050" dirty="0" err="1" smtClean="0">
-                <a:latin typeface="Courier New" pitchFamily="49" charset="0"/>
-                <a:cs typeface="Courier New" pitchFamily="49" charset="0"/>
-                <a:sym typeface="Wingdings 3"/>
-                <a:hlinkClick r:id="rId2" action="ppaction://hlinksldjump"/>
-              </a:rPr>
-              <a:t>your_clone_URL</a:t>
-            </a:r>
-            <a:endParaRPr lang="en-US" sz="1050" dirty="0" smtClean="0">
-              <a:latin typeface="Courier New" pitchFamily="49" charset="0"/>
-              <a:cs typeface="Courier New" pitchFamily="49" charset="0"/>
-              <a:sym typeface="Wingdings 3"/>
-            </a:endParaRPr>
-          </a:p>
-          <a:p>
-            <a:endParaRPr lang="en-US" sz="1100" dirty="0" smtClean="0"/>
-          </a:p>
-          <a:p>
-            <a:r>
-              <a:rPr lang="en-US" sz="1050" b="1" i="1" dirty="0" smtClean="0"/>
-              <a:t>Quick Tip: </a:t>
-            </a:r>
-            <a:r>
-              <a:rPr lang="en-US" sz="1050" i="1" dirty="0" smtClean="0"/>
-              <a:t>You can clear your </a:t>
-            </a:r>
-            <a:r>
-              <a:rPr lang="en-US" sz="1050" i="1" dirty="0" err="1" smtClean="0"/>
-              <a:t>Git</a:t>
-            </a:r>
-            <a:r>
-              <a:rPr lang="en-US" sz="1050" i="1" dirty="0" smtClean="0"/>
-              <a:t> Bash screen by pressing </a:t>
-            </a:r>
-            <a:r>
-              <a:rPr lang="en-US" sz="1050" i="1" dirty="0" err="1" smtClean="0"/>
-              <a:t>Ctrl+L</a:t>
-            </a:r>
-            <a:r>
-              <a:rPr lang="en-US" sz="1050" i="1" dirty="0" smtClean="0"/>
-              <a:t> on the keyboard.  This works in most bash terminals.</a:t>
-            </a:r>
-          </a:p>
-          <a:p>
-            <a:endParaRPr lang="en-US" sz="1100" dirty="0" smtClean="0">
-              <a:latin typeface="Courier New" pitchFamily="49" charset="0"/>
-              <a:cs typeface="Courier New" pitchFamily="49" charset="0"/>
-              <a:sym typeface="Wingdings 3"/>
-            </a:endParaRPr>
-          </a:p>
-          <a:p>
-            <a:r>
-              <a:rPr lang="en-US" dirty="0" smtClean="0"/>
-              <a:t>Now you have told your local repository to watch your newly created github.com remote public repository.</a:t>
-            </a:r>
-          </a:p>
-          <a:p>
-            <a:endParaRPr lang="en-US" dirty="0" smtClean="0"/>
-          </a:p>
-          <a:p>
-            <a:r>
-              <a:rPr lang="en-US" dirty="0" smtClean="0"/>
-              <a:t>Now we need to push this code up to the </a:t>
-            </a:r>
-            <a:r>
-              <a:rPr lang="en-US" dirty="0" smtClean="0">
-                <a:hlinkClick r:id="rId3"/>
-              </a:rPr>
-              <a:t>Github.com</a:t>
-            </a:r>
-            <a:r>
-              <a:rPr lang="en-US" dirty="0" smtClean="0"/>
-              <a:t> repository. (Look at the last step of the “Existing </a:t>
-            </a:r>
-            <a:r>
-              <a:rPr lang="en-US" dirty="0" err="1" smtClean="0"/>
-              <a:t>Git</a:t>
-            </a:r>
-            <a:r>
-              <a:rPr lang="en-US" dirty="0" smtClean="0"/>
-              <a:t> Repo?” information from </a:t>
-            </a:r>
-            <a:r>
-              <a:rPr lang="en-US" dirty="0" smtClean="0">
-                <a:hlinkClick r:id="rId3"/>
-              </a:rPr>
-              <a:t>Github.com</a:t>
-            </a:r>
-            <a:r>
-              <a:rPr lang="en-US" dirty="0" smtClean="0"/>
-              <a:t>)</a:t>
-            </a:r>
-          </a:p>
-          <a:p>
-            <a:r>
-              <a:rPr lang="en-US" dirty="0" smtClean="0"/>
-              <a:t>Type the following:</a:t>
-            </a:r>
-          </a:p>
-          <a:p>
-            <a:r>
-              <a:rPr lang="en-US" sz="1100" dirty="0" smtClean="0">
-                <a:latin typeface="Courier New" pitchFamily="49" charset="0"/>
-                <a:cs typeface="Courier New" pitchFamily="49" charset="0"/>
-                <a:sym typeface="Wingdings 3"/>
-              </a:rPr>
-              <a:t>$ </a:t>
-            </a:r>
-            <a:r>
-              <a:rPr lang="en-US" sz="1100" dirty="0" err="1" smtClean="0">
-                <a:latin typeface="Courier New" pitchFamily="49" charset="0"/>
-                <a:cs typeface="Courier New" pitchFamily="49" charset="0"/>
-                <a:sym typeface="Wingdings 3"/>
-              </a:rPr>
-              <a:t>git</a:t>
-            </a:r>
-            <a:r>
-              <a:rPr lang="en-US" sz="1100" dirty="0" smtClean="0">
-                <a:latin typeface="Courier New" pitchFamily="49" charset="0"/>
-                <a:cs typeface="Courier New" pitchFamily="49" charset="0"/>
-                <a:sym typeface="Wingdings 3"/>
-              </a:rPr>
-              <a:t> push </a:t>
-            </a:r>
-            <a:r>
-              <a:rPr lang="en-US" sz="1100" dirty="0" err="1" smtClean="0">
-                <a:latin typeface="Courier New" pitchFamily="49" charset="0"/>
-                <a:cs typeface="Courier New" pitchFamily="49" charset="0"/>
-                <a:sym typeface="Wingdings 3"/>
-              </a:rPr>
-              <a:t>remote_repo_name</a:t>
-            </a:r>
-            <a:r>
-              <a:rPr lang="en-US" sz="1100" dirty="0" smtClean="0">
-                <a:latin typeface="Courier New" pitchFamily="49" charset="0"/>
-                <a:cs typeface="Courier New" pitchFamily="49" charset="0"/>
-                <a:sym typeface="Wingdings 3"/>
-              </a:rPr>
-              <a:t> master</a:t>
-            </a:r>
-            <a:endParaRPr lang="en-US" dirty="0" smtClean="0"/>
-          </a:p>
-          <a:p>
-            <a:endParaRPr lang="en-US" dirty="0" smtClean="0"/>
-          </a:p>
-          <a:p>
-            <a:r>
-              <a:rPr lang="en-US" dirty="0" smtClean="0"/>
-              <a:t>During the push, you will most likely get prompted for host authenticity.  Make sure you type ‘yes’, not just ‘y’.  This will add </a:t>
-            </a:r>
-            <a:r>
-              <a:rPr lang="en-US" dirty="0" err="1" smtClean="0"/>
-              <a:t>github.com’s</a:t>
-            </a:r>
-            <a:r>
-              <a:rPr lang="en-US" dirty="0" smtClean="0"/>
-              <a:t> public RSA key to your ~/.</a:t>
-            </a:r>
-            <a:r>
-              <a:rPr lang="en-US" dirty="0" err="1" smtClean="0"/>
-              <a:t>ssh</a:t>
-            </a:r>
-            <a:r>
-              <a:rPr lang="en-US" dirty="0" smtClean="0"/>
-              <a:t>/</a:t>
-            </a:r>
-            <a:r>
-              <a:rPr lang="en-US" dirty="0" err="1" smtClean="0"/>
-              <a:t>known_hosts</a:t>
-            </a:r>
-            <a:r>
-              <a:rPr lang="en-US" dirty="0" smtClean="0"/>
-              <a:t> file so that you won’t get prompted for this again on any future push.  This let’s your system and github.com to trust each other.  After you say ‘yes’ the files are pushed up to the remote repository.</a:t>
-            </a:r>
-          </a:p>
-          <a:p>
-            <a:endParaRPr lang="en-US" dirty="0" smtClean="0"/>
-          </a:p>
-          <a:p>
-            <a:r>
-              <a:rPr lang="en-US" sz="1100" b="1" i="1" dirty="0" smtClean="0"/>
-              <a:t>Side Note:</a:t>
-            </a:r>
-            <a:r>
-              <a:rPr lang="en-US" sz="1100" i="1" dirty="0" smtClean="0"/>
-              <a:t>  Your clone URL doesn’t look like a HTTP URL or a </a:t>
-            </a:r>
-            <a:r>
-              <a:rPr lang="en-US" sz="1100" i="1" dirty="0" err="1" smtClean="0"/>
-              <a:t>ssh</a:t>
-            </a:r>
-            <a:r>
-              <a:rPr lang="en-US" sz="1100" i="1" dirty="0" smtClean="0"/>
-              <a:t>:// protocol.  But it is still SSH.  The </a:t>
-            </a:r>
-            <a:r>
-              <a:rPr lang="en-US" sz="1100" i="1" dirty="0" err="1" smtClean="0"/>
-              <a:t>git</a:t>
-            </a:r>
-            <a:r>
-              <a:rPr lang="en-US" sz="1100" i="1" dirty="0" smtClean="0"/>
-              <a:t> protocol, usually using port 9418, is used for clone, fetch, or pull.</a:t>
-            </a:r>
-          </a:p>
-          <a:p>
+              <a:t>Voilà</a:t>
+            </a:r>
+            <a:r>
+              <a:rPr lang="de-DE" dirty="0" smtClean="0"/>
+              <a:t>!  You‘ve just created a local GitHub Rep in your system!</a:t>
+            </a:r>
             <a:endParaRPr lang="en-US" dirty="0" smtClean="0"/>
           </a:p>
           <a:p>
@@ -2031,7 +1422,7 @@
             <a:fld id="{06F8F5D6-CB0D-4EDE-B95E-664AB82371FD}" type="slidenum">
               <a:rPr lang="en-US" smtClean="0"/>
               <a:pPr/>
-              <a:t>20</a:t>
+              <a:t>19</a:t>
             </a:fld>
             <a:endParaRPr lang="en-US"/>
           </a:p>
@@ -2087,9 +1478,90 @@
         <p:spPr/>
         <p:txBody>
           <a:bodyPr>
-            <a:normAutofit fontScale="85000" lnSpcReduction="20000"/>
+            <a:normAutofit fontScale="77500" lnSpcReduction="20000"/>
           </a:bodyPr>
           <a:lstStyle/>
+          <a:p>
+            <a:r>
+              <a:rPr lang="en-US" dirty="0" smtClean="0"/>
+              <a:t>Create ‘.</a:t>
+            </a:r>
+            <a:r>
+              <a:rPr lang="en-US" dirty="0" err="1" smtClean="0"/>
+              <a:t>gitignore</a:t>
+            </a:r>
+            <a:r>
+              <a:rPr lang="en-US" dirty="0" smtClean="0"/>
+              <a:t>’ file to filter the commit operation by excluding the ones specific to local environment (like bin folder etc)</a:t>
+            </a:r>
+          </a:p>
+          <a:p>
+            <a:r>
+              <a:rPr lang="en-US" sz="1100" dirty="0" smtClean="0">
+                <a:latin typeface="Courier New" pitchFamily="49" charset="0"/>
+                <a:cs typeface="Courier New" pitchFamily="49" charset="0"/>
+                <a:sym typeface="Wingdings 3"/>
+              </a:rPr>
+              <a:t>$ touch .</a:t>
+            </a:r>
+            <a:r>
+              <a:rPr lang="en-US" sz="1100" dirty="0" err="1" smtClean="0">
+                <a:latin typeface="Courier New" pitchFamily="49" charset="0"/>
+                <a:cs typeface="Courier New" pitchFamily="49" charset="0"/>
+                <a:sym typeface="Wingdings 3"/>
+              </a:rPr>
+              <a:t>gitignore</a:t>
+            </a:r>
+            <a:endParaRPr lang="en-US" sz="1100" dirty="0" smtClean="0">
+              <a:latin typeface="Courier New" pitchFamily="49" charset="0"/>
+              <a:cs typeface="Courier New" pitchFamily="49" charset="0"/>
+              <a:sym typeface="Wingdings 3"/>
+            </a:endParaRPr>
+          </a:p>
+          <a:p>
+            <a:r>
+              <a:rPr lang="en-US" sz="1100" dirty="0" smtClean="0">
+                <a:latin typeface="Courier New" pitchFamily="49" charset="0"/>
+                <a:cs typeface="Courier New" pitchFamily="49" charset="0"/>
+                <a:sym typeface="Wingdings 3"/>
+              </a:rPr>
+              <a:t>$ </a:t>
+            </a:r>
+            <a:r>
+              <a:rPr lang="en-US" sz="1100" dirty="0" err="1" smtClean="0">
+                <a:latin typeface="Courier New" pitchFamily="49" charset="0"/>
+                <a:cs typeface="Courier New" pitchFamily="49" charset="0"/>
+                <a:sym typeface="Wingdings 3"/>
+              </a:rPr>
+              <a:t>ls</a:t>
+            </a:r>
+            <a:r>
+              <a:rPr lang="en-US" sz="1100" dirty="0" smtClean="0">
+                <a:latin typeface="Courier New" pitchFamily="49" charset="0"/>
+                <a:cs typeface="Courier New" pitchFamily="49" charset="0"/>
+                <a:sym typeface="Wingdings 3"/>
+              </a:rPr>
+              <a:t> –al</a:t>
+            </a:r>
+          </a:p>
+          <a:p>
+            <a:r>
+              <a:rPr lang="en-US" dirty="0" smtClean="0"/>
+              <a:t>[In this file you can enter partial or full names of files/folder that you don’t want to commit to the repo]</a:t>
+            </a:r>
+          </a:p>
+          <a:p>
+            <a:endParaRPr lang="en-US" dirty="0" smtClean="0"/>
+          </a:p>
+          <a:p>
+            <a:r>
+              <a:rPr lang="en-US" dirty="0" smtClean="0"/>
+              <a:t>We can now view all the files that we can commit.</a:t>
+            </a:r>
+          </a:p>
+          <a:p>
+            <a:endParaRPr lang="en-US" dirty="0" smtClean="0"/>
+          </a:p>
           <a:p>
             <a:pPr>
               <a:buFont typeface="Arial" pitchFamily="34" charset="0"/>
@@ -2102,61 +1574,38 @@
                 </a:solidFill>
                 <a:latin typeface="Verdana" pitchFamily="34" charset="0"/>
               </a:rPr>
-              <a:t> GIT Add</a:t>
+              <a:t> GIT Status</a:t>
             </a:r>
           </a:p>
           <a:p>
             <a:r>
               <a:rPr lang="en-US" dirty="0" smtClean="0"/>
-              <a:t>Example of adding ‘</a:t>
+              <a:t>After committing our code to the repo we can run “</a:t>
             </a:r>
             <a:r>
               <a:rPr lang="en-US" dirty="0" err="1" smtClean="0"/>
-              <a:t>Program.cs</a:t>
+              <a:t>git</a:t>
             </a:r>
             <a:r>
               <a:rPr lang="en-US" dirty="0" smtClean="0"/>
-              <a:t>’ to our staging area with the “</a:t>
-            </a:r>
-            <a:r>
-              <a:rPr lang="en-US" b="1" dirty="0" err="1" smtClean="0"/>
-              <a:t>git</a:t>
-            </a:r>
-            <a:r>
-              <a:rPr lang="en-US" b="1" dirty="0" smtClean="0"/>
-              <a:t> add </a:t>
-            </a:r>
-            <a:r>
-              <a:rPr lang="en-US" b="1" dirty="0" err="1" smtClean="0"/>
-              <a:t>Program.cs</a:t>
-            </a:r>
+              <a:t> status” to see the status between staging area &amp; working directory.</a:t>
+            </a:r>
+          </a:p>
+          <a:p>
+            <a:endParaRPr lang="en-US" dirty="0" smtClean="0"/>
+          </a:p>
+          <a:p>
             <a:r>
               <a:rPr lang="en-US" dirty="0" smtClean="0"/>
-              <a:t>” command:</a:t>
-            </a:r>
-          </a:p>
-          <a:p>
-            <a:endParaRPr lang="en-US" dirty="0" smtClean="0"/>
-          </a:p>
-          <a:p>
-            <a:pPr>
-              <a:buFont typeface="Arial" pitchFamily="34" charset="0"/>
-              <a:buChar char="•"/>
-            </a:pPr>
-            <a:r>
-              <a:rPr lang="en-US" b="1" dirty="0" smtClean="0">
-                <a:solidFill>
-                  <a:srgbClr val="486DA2"/>
-                </a:solidFill>
-                <a:latin typeface="Verdana" pitchFamily="34" charset="0"/>
-              </a:rPr>
-              <a:t> GIT Reset</a:t>
-            </a:r>
-          </a:p>
-          <a:p>
+              <a:t>From the above example, (where a file ‘</a:t>
+            </a:r>
+            <a:r>
+              <a:rPr lang="en-US" dirty="0" err="1" smtClean="0"/>
+              <a:t>program.cs</a:t>
+            </a:r>
             <a:r>
               <a:rPr lang="en-US" dirty="0" smtClean="0"/>
-              <a:t>We can roll back one commit clearing our staging area and working directory with the following command:</a:t>
+              <a:t>’ has been edited and changed) we get a message: “Changed but not updated”. It means that it’s changed in our working directory, but not staged (i.e. not in our staging area or ready for commit).  If we tried to commit right now, nothing would be committed because nothing is in our staging area. </a:t>
             </a:r>
           </a:p>
           <a:p>
@@ -2182,7 +1631,13 @@
                 <a:cs typeface="Courier New" pitchFamily="49" charset="0"/>
                 <a:sym typeface="Wingdings 3"/>
               </a:rPr>
-              <a:t> reset –hard HEAD^</a:t>
+              <a:t> status</a:t>
+            </a:r>
+          </a:p>
+          <a:p>
+            <a:r>
+              <a:rPr lang="en-US" dirty="0" smtClean="0"/>
+              <a:t>This gives the status of all the files in the folder i.e. whether they are in the modified, staging or repo area.</a:t>
             </a:r>
           </a:p>
           <a:p>
@@ -2191,13 +1646,47 @@
           <a:p>
             <a:r>
               <a:rPr lang="en-US" dirty="0" smtClean="0"/>
-              <a:t>The “HEAD^” portion of the command means that we want to reset the commits to one prior (^) to the HEAD (aka, the latest commit).</a:t>
+              <a:t>In order to add files to staging area we execute:</a:t>
+            </a:r>
+          </a:p>
+          <a:p>
+            <a:r>
+              <a:rPr lang="en-US" sz="1100" dirty="0" smtClean="0">
+                <a:latin typeface="Courier New" pitchFamily="49" charset="0"/>
+                <a:cs typeface="Courier New" pitchFamily="49" charset="0"/>
+                <a:sym typeface="Wingdings 3"/>
+              </a:rPr>
+              <a:t>$ </a:t>
+            </a:r>
+            <a:r>
+              <a:rPr lang="en-US" sz="1100" dirty="0" err="1" smtClean="0">
+                <a:latin typeface="Courier New" pitchFamily="49" charset="0"/>
+                <a:cs typeface="Courier New" pitchFamily="49" charset="0"/>
+                <a:sym typeface="Wingdings 3"/>
+              </a:rPr>
+              <a:t>git</a:t>
+            </a:r>
+            <a:r>
+              <a:rPr lang="en-US" sz="1100" dirty="0" smtClean="0">
+                <a:latin typeface="Courier New" pitchFamily="49" charset="0"/>
+                <a:cs typeface="Courier New" pitchFamily="49" charset="0"/>
+                <a:sym typeface="Wingdings 3"/>
+              </a:rPr>
+              <a:t> add .</a:t>
             </a:r>
           </a:p>
           <a:p>
             <a:r>
               <a:rPr lang="en-US" dirty="0" smtClean="0"/>
-              <a:t>This branch has been rolled back to the previous commit.  The new commit we just did was destroyed from history.</a:t>
+              <a:t>And then execute ‘</a:t>
+            </a:r>
+            <a:r>
+              <a:rPr lang="en-US" dirty="0" err="1" smtClean="0"/>
+              <a:t>git</a:t>
+            </a:r>
+            <a:r>
+              <a:rPr lang="en-US" dirty="0" smtClean="0"/>
+              <a:t> status’ again to see the changes made.</a:t>
             </a:r>
           </a:p>
           <a:p>
@@ -2205,24 +1694,45 @@
           </a:p>
           <a:p>
             <a:r>
-              <a:rPr lang="en-US" sz="1100" b="1" i="1" dirty="0" smtClean="0"/>
-              <a:t>SIDE NOTE: </a:t>
-            </a:r>
-            <a:r>
-              <a:rPr lang="en-US" sz="1100" i="1" dirty="0" smtClean="0"/>
-              <a:t>If you just want to clear your working directory and staging area, but not the latest commit, just issue a “</a:t>
-            </a:r>
-            <a:r>
-              <a:rPr lang="en-US" sz="1100" i="1" dirty="0" err="1" smtClean="0"/>
+              <a:rPr lang="en-US" dirty="0" smtClean="0"/>
+              <a:t>Now its time to commit files from staging area to repo by typing:</a:t>
+            </a:r>
+          </a:p>
+          <a:p>
+            <a:r>
+              <a:rPr lang="en-US" sz="1100" dirty="0" smtClean="0">
+                <a:latin typeface="Courier New" pitchFamily="49" charset="0"/>
+                <a:cs typeface="Courier New" pitchFamily="49" charset="0"/>
+                <a:sym typeface="Wingdings 3"/>
+              </a:rPr>
+              <a:t>$ </a:t>
+            </a:r>
+            <a:r>
+              <a:rPr lang="en-US" sz="1100" dirty="0" err="1" smtClean="0">
+                <a:latin typeface="Courier New" pitchFamily="49" charset="0"/>
+                <a:cs typeface="Courier New" pitchFamily="49" charset="0"/>
+                <a:sym typeface="Wingdings 3"/>
+              </a:rPr>
               <a:t>git</a:t>
             </a:r>
             <a:r>
-              <a:rPr lang="en-US" sz="1100" i="1" dirty="0" smtClean="0"/>
-              <a:t> reset –-hard” command without the “HEAD^”</a:t>
-            </a:r>
-          </a:p>
-          <a:p>
-            <a:endParaRPr lang="en-US" sz="1100" i="1" dirty="0" smtClean="0"/>
+              <a:rPr lang="en-US" sz="1100" dirty="0" smtClean="0">
+                <a:latin typeface="Courier New" pitchFamily="49" charset="0"/>
+                <a:cs typeface="Courier New" pitchFamily="49" charset="0"/>
+                <a:sym typeface="Wingdings 3"/>
+              </a:rPr>
+              <a:t> commit –m “Your Custom Message”</a:t>
+            </a:r>
+          </a:p>
+          <a:p>
+            <a:endParaRPr lang="en-US" sz="1100" dirty="0" smtClean="0">
+              <a:latin typeface="Courier New" pitchFamily="49" charset="0"/>
+              <a:cs typeface="Courier New" pitchFamily="49" charset="0"/>
+              <a:sym typeface="Wingdings 3"/>
+            </a:endParaRPr>
+          </a:p>
+          <a:p>
+            <a:endParaRPr lang="en-US" sz="1100" dirty="0" smtClean="0"/>
           </a:p>
           <a:p>
             <a:pPr>
@@ -2236,13 +1746,33 @@
                 </a:solidFill>
                 <a:latin typeface="Verdana" pitchFamily="34" charset="0"/>
               </a:rPr>
-              <a:t> GIT Remote</a:t>
+              <a:t>  GIT Remote</a:t>
             </a:r>
           </a:p>
           <a:p>
             <a:r>
               <a:rPr lang="en-US" sz="1100" dirty="0" smtClean="0"/>
-              <a:t>We can look at the remote repository that we’re watching by issuing the following command:</a:t>
+              <a:t>We need to add the remote repository to be watched by your local GIT repository.</a:t>
+            </a:r>
+          </a:p>
+          <a:p>
+            <a:r>
+              <a:rPr lang="en-US" sz="1100" dirty="0" smtClean="0"/>
+              <a:t>First </a:t>
+            </a:r>
+            <a:r>
+              <a:rPr lang="en-US" sz="1100" dirty="0" err="1" smtClean="0"/>
+              <a:t>goto</a:t>
+            </a:r>
+            <a:r>
+              <a:rPr lang="en-US" sz="1100" dirty="0" smtClean="0"/>
+              <a:t> your local repo folder.</a:t>
+            </a:r>
+          </a:p>
+          <a:p>
+            <a:r>
+              <a:rPr lang="en-US" sz="1100" dirty="0" smtClean="0"/>
+              <a:t>Then type the following:</a:t>
             </a:r>
           </a:p>
           <a:p>
@@ -2268,147 +1798,32 @@
                 <a:cs typeface="Courier New" pitchFamily="49" charset="0"/>
                 <a:sym typeface="Wingdings 3"/>
               </a:rPr>
-              <a:t> remote -v</a:t>
-            </a:r>
-          </a:p>
-          <a:p>
-            <a:endParaRPr lang="en-US" sz="1100" dirty="0" smtClean="0"/>
-          </a:p>
-          <a:p>
-            <a:pPr>
-              <a:buFont typeface="Arial" pitchFamily="34" charset="0"/>
-              <a:buChar char="•"/>
-            </a:pPr>
-            <a:r>
-              <a:rPr lang="en-US" sz="1100" b="1" dirty="0" smtClean="0">
-                <a:solidFill>
-                  <a:srgbClr val="486DA2"/>
-                </a:solidFill>
-                <a:latin typeface="Verdana" pitchFamily="34" charset="0"/>
-              </a:rPr>
-              <a:t>  GIT Log</a:t>
-            </a:r>
-          </a:p>
-          <a:p>
-            <a:r>
-              <a:rPr lang="en-US" sz="1100" dirty="0" smtClean="0"/>
-              <a:t>We can see all the commits we’ve made to the repository by issuing the following command:</a:t>
-            </a:r>
-          </a:p>
-          <a:p>
+              <a:t> remote add </a:t>
+            </a:r>
+            <a:r>
+              <a:rPr lang="en-US" sz="1050" dirty="0" err="1" smtClean="0">
+                <a:latin typeface="Courier New" pitchFamily="49" charset="0"/>
+                <a:cs typeface="Courier New" pitchFamily="49" charset="0"/>
+                <a:sym typeface="Wingdings 3"/>
+              </a:rPr>
+              <a:t>remote_repo_name</a:t>
+            </a:r>
             <a:r>
               <a:rPr lang="en-US" sz="1050" dirty="0" smtClean="0">
                 <a:latin typeface="Courier New" pitchFamily="49" charset="0"/>
                 <a:cs typeface="Courier New" pitchFamily="49" charset="0"/>
                 <a:sym typeface="Wingdings 3"/>
               </a:rPr>
-              <a:t>$ </a:t>
+              <a:t> </a:t>
             </a:r>
             <a:r>
               <a:rPr lang="en-US" sz="1050" dirty="0" err="1" smtClean="0">
                 <a:latin typeface="Courier New" pitchFamily="49" charset="0"/>
                 <a:cs typeface="Courier New" pitchFamily="49" charset="0"/>
                 <a:sym typeface="Wingdings 3"/>
-              </a:rPr>
-              <a:t>git</a:t>
-            </a:r>
-            <a:r>
-              <a:rPr lang="en-US" sz="1050" dirty="0" smtClean="0">
-                <a:latin typeface="Courier New" pitchFamily="49" charset="0"/>
-                <a:cs typeface="Courier New" pitchFamily="49" charset="0"/>
-                <a:sym typeface="Wingdings 3"/>
-              </a:rPr>
-              <a:t> log</a:t>
-            </a:r>
-          </a:p>
-          <a:p>
-            <a:endParaRPr lang="en-US" sz="1100" dirty="0" smtClean="0"/>
-          </a:p>
-          <a:p>
-            <a:pPr>
-              <a:buFont typeface="Arial" pitchFamily="34" charset="0"/>
-              <a:buChar char="•"/>
-            </a:pPr>
-            <a:r>
-              <a:rPr lang="en-US" sz="1100" b="1" dirty="0" smtClean="0">
-                <a:solidFill>
-                  <a:srgbClr val="486DA2"/>
-                </a:solidFill>
-                <a:latin typeface="Verdana" pitchFamily="34" charset="0"/>
-              </a:rPr>
-              <a:t>  GIT Clone</a:t>
-            </a:r>
-          </a:p>
-          <a:p>
-            <a:r>
-              <a:rPr lang="en-US" sz="1100" dirty="0" smtClean="0"/>
-              <a:t>If you want to get a copy of an existing </a:t>
-            </a:r>
-            <a:r>
-              <a:rPr lang="en-US" sz="1100" dirty="0" err="1" smtClean="0"/>
-              <a:t>Git</a:t>
-            </a:r>
-            <a:r>
-              <a:rPr lang="en-US" sz="1100" dirty="0" smtClean="0"/>
-              <a:t> repository — for example, a project you’d like to contribute to — the command you need is </a:t>
-            </a:r>
-            <a:r>
-              <a:rPr lang="en-US" sz="1100" dirty="0" err="1" smtClean="0"/>
-              <a:t>git</a:t>
-            </a:r>
-            <a:r>
-              <a:rPr lang="en-US" sz="1100" dirty="0" smtClean="0"/>
-              <a:t> clone.</a:t>
-            </a:r>
-          </a:p>
-          <a:p>
-            <a:r>
-              <a:rPr lang="en-US" sz="1050" dirty="0" smtClean="0">
-                <a:latin typeface="Courier New" pitchFamily="49" charset="0"/>
-                <a:cs typeface="Courier New" pitchFamily="49" charset="0"/>
-                <a:sym typeface="Wingdings 3"/>
-              </a:rPr>
-              <a:t>$ </a:t>
-            </a:r>
-            <a:r>
-              <a:rPr lang="en-US" sz="1050" dirty="0" err="1" smtClean="0">
-                <a:latin typeface="Courier New" pitchFamily="49" charset="0"/>
-                <a:cs typeface="Courier New" pitchFamily="49" charset="0"/>
-                <a:sym typeface="Wingdings 3"/>
-              </a:rPr>
-              <a:t>git</a:t>
-            </a:r>
-            <a:r>
-              <a:rPr lang="en-US" sz="1050" dirty="0" smtClean="0">
-                <a:latin typeface="Courier New" pitchFamily="49" charset="0"/>
-                <a:cs typeface="Courier New" pitchFamily="49" charset="0"/>
-                <a:sym typeface="Wingdings 3"/>
-              </a:rPr>
-              <a:t> clone </a:t>
-            </a:r>
-            <a:r>
-              <a:rPr lang="en-US" sz="1050" dirty="0" err="1" smtClean="0">
-                <a:latin typeface="Courier New" pitchFamily="49" charset="0"/>
-                <a:cs typeface="Courier New" pitchFamily="49" charset="0"/>
-                <a:sym typeface="Wingdings 3"/>
+                <a:hlinkClick r:id="rId2" action="ppaction://hlinksldjump"/>
               </a:rPr>
               <a:t>your_clone_URL</a:t>
-            </a:r>
-            <a:r>
-              <a:rPr lang="en-US" sz="1050" dirty="0" smtClean="0">
-                <a:latin typeface="Courier New" pitchFamily="49" charset="0"/>
-                <a:cs typeface="Courier New" pitchFamily="49" charset="0"/>
-                <a:sym typeface="Wingdings 3"/>
-              </a:rPr>
-              <a:t> </a:t>
-            </a:r>
-            <a:r>
-              <a:rPr lang="en-US" sz="1050" dirty="0" err="1" smtClean="0">
-                <a:latin typeface="Courier New" pitchFamily="49" charset="0"/>
-                <a:cs typeface="Courier New" pitchFamily="49" charset="0"/>
-                <a:sym typeface="Wingdings 3"/>
-              </a:rPr>
-              <a:t>local_foldername</a:t>
             </a:r>
             <a:endParaRPr lang="en-US" sz="1050" dirty="0" smtClean="0">
               <a:latin typeface="Courier New" pitchFamily="49" charset="0"/>
@@ -2420,37 +1835,90 @@
             <a:endParaRPr lang="en-US" sz="1100" dirty="0" smtClean="0"/>
           </a:p>
           <a:p>
-            <a:pPr>
-              <a:buFont typeface="Arial" pitchFamily="34" charset="0"/>
-              <a:buChar char="•"/>
-            </a:pPr>
-            <a:r>
-              <a:rPr lang="en-US" sz="1100" b="1" dirty="0" smtClean="0">
-                <a:solidFill>
-                  <a:srgbClr val="486DA2"/>
-                </a:solidFill>
-                <a:latin typeface="Verdana" pitchFamily="34" charset="0"/>
-              </a:rPr>
-              <a:t>  GIT Diff</a:t>
-            </a:r>
-          </a:p>
-          <a:p>
-            <a:r>
-              <a:rPr lang="en-US" sz="1100" dirty="0" smtClean="0"/>
-              <a:t>We can see all the </a:t>
-            </a:r>
-            <a:r>
-              <a:rPr lang="en-US" sz="1100" dirty="0" err="1" smtClean="0"/>
-              <a:t>unstaged</a:t>
-            </a:r>
-            <a:r>
-              <a:rPr lang="en-US" sz="1100" dirty="0" smtClean="0"/>
-              <a:t> files with the following command:</a:t>
-            </a:r>
-          </a:p>
-          <a:p>
-            <a:r>
-              <a:rPr lang="en-US" sz="1050" dirty="0" smtClean="0">
+            <a:r>
+              <a:rPr lang="en-US" sz="1050" b="1" i="1" dirty="0" smtClean="0"/>
+              <a:t>Quick Tip: </a:t>
+            </a:r>
+            <a:r>
+              <a:rPr lang="en-US" sz="1050" i="1" dirty="0" smtClean="0"/>
+              <a:t>You can clear your </a:t>
+            </a:r>
+            <a:r>
+              <a:rPr lang="en-US" sz="1050" i="1" dirty="0" err="1" smtClean="0"/>
+              <a:t>Git</a:t>
+            </a:r>
+            <a:r>
+              <a:rPr lang="en-US" sz="1050" i="1" dirty="0" smtClean="0"/>
+              <a:t> Bash screen by pressing </a:t>
+            </a:r>
+            <a:r>
+              <a:rPr lang="en-US" sz="1050" i="1" dirty="0" err="1" smtClean="0"/>
+              <a:t>Ctrl+L</a:t>
+            </a:r>
+            <a:r>
+              <a:rPr lang="en-US" sz="1050" i="1" dirty="0" smtClean="0"/>
+              <a:t> on the keyboard.  This works in most bash terminals.</a:t>
+            </a:r>
+          </a:p>
+          <a:p>
+            <a:endParaRPr lang="en-US" sz="1100" dirty="0" smtClean="0">
+              <a:latin typeface="Courier New" pitchFamily="49" charset="0"/>
+              <a:cs typeface="Courier New" pitchFamily="49" charset="0"/>
+              <a:sym typeface="Wingdings 3"/>
+            </a:endParaRPr>
+          </a:p>
+          <a:p>
+            <a:r>
+              <a:rPr lang="en-US" dirty="0" smtClean="0"/>
+              <a:t>Now you have told your local repository to watch your newly created github.com remote public repository.</a:t>
+            </a:r>
+          </a:p>
+          <a:p>
+            <a:endParaRPr lang="en-US" dirty="0" smtClean="0"/>
+          </a:p>
+          <a:p>
+            <a:r>
+              <a:rPr lang="en-US" dirty="0" smtClean="0"/>
+              <a:t>Now we need to push this code up to the </a:t>
+            </a:r>
+            <a:r>
+              <a:rPr lang="en-US" dirty="0" smtClean="0">
+                <a:hlinkClick r:id="rId3"/>
+              </a:rPr>
+              <a:t>Github.com</a:t>
+            </a:r>
+            <a:r>
+              <a:rPr lang="en-US" dirty="0" smtClean="0"/>
+              <a:t> repository. (Look at the last step of the “Existing </a:t>
+            </a:r>
+            <a:r>
+              <a:rPr lang="en-US" dirty="0" err="1" smtClean="0"/>
+              <a:t>Git</a:t>
+            </a:r>
+            <a:r>
+              <a:rPr lang="en-US" dirty="0" smtClean="0"/>
+              <a:t> Repo?” information from </a:t>
+            </a:r>
+            <a:r>
+              <a:rPr lang="en-US" dirty="0" smtClean="0">
+                <a:hlinkClick r:id="rId3"/>
+              </a:rPr>
+              <a:t>Github.com</a:t>
+            </a:r>
+            <a:r>
+              <a:rPr lang="en-US" dirty="0" smtClean="0"/>
+              <a:t>)</a:t>
+            </a:r>
+          </a:p>
+          <a:p>
+            <a:r>
+              <a:rPr lang="en-US" dirty="0" smtClean="0"/>
+              <a:t>Type the following:</a:t>
+            </a:r>
+          </a:p>
+          <a:p>
+            <a:r>
+              <a:rPr lang="en-US" sz="1100" dirty="0" smtClean="0">
                 <a:latin typeface="Courier New" pitchFamily="49" charset="0"/>
                 <a:cs typeface="Courier New" pitchFamily="49" charset="0"/>
                 <a:sym typeface="Wingdings 3"/>
@@ -2458,7 +1926,7 @@
               <a:t>$ </a:t>
             </a:r>
             <a:r>
-              <a:rPr lang="en-US" sz="1050" dirty="0" err="1" smtClean="0">
+              <a:rPr lang="en-US" sz="1100" dirty="0" err="1" smtClean="0">
                 <a:latin typeface="Courier New" pitchFamily="49" charset="0"/>
                 <a:cs typeface="Courier New" pitchFamily="49" charset="0"/>
                 <a:sym typeface="Wingdings 3"/>
@@ -2466,14 +1934,95 @@
               <a:t>git</a:t>
             </a:r>
             <a:r>
-              <a:rPr lang="en-US" sz="1050" dirty="0" smtClean="0">
+              <a:rPr lang="en-US" sz="1100" dirty="0" smtClean="0">
                 <a:latin typeface="Courier New" pitchFamily="49" charset="0"/>
                 <a:cs typeface="Courier New" pitchFamily="49" charset="0"/>
                 <a:sym typeface="Wingdings 3"/>
               </a:rPr>
-              <a:t> diff</a:t>
-            </a:r>
-            <a:endParaRPr lang="en-US" sz="1100" i="1" dirty="0" smtClean="0"/>
+              <a:t> push </a:t>
+            </a:r>
+            <a:r>
+              <a:rPr lang="en-US" sz="1100" dirty="0" err="1" smtClean="0">
+                <a:latin typeface="Courier New" pitchFamily="49" charset="0"/>
+                <a:cs typeface="Courier New" pitchFamily="49" charset="0"/>
+                <a:sym typeface="Wingdings 3"/>
+              </a:rPr>
+              <a:t>remote_repo_name</a:t>
+            </a:r>
+            <a:r>
+              <a:rPr lang="en-US" sz="1100" dirty="0" smtClean="0">
+                <a:latin typeface="Courier New" pitchFamily="49" charset="0"/>
+                <a:cs typeface="Courier New" pitchFamily="49" charset="0"/>
+                <a:sym typeface="Wingdings 3"/>
+              </a:rPr>
+              <a:t> master</a:t>
+            </a:r>
+            <a:endParaRPr lang="en-US" dirty="0" smtClean="0"/>
+          </a:p>
+          <a:p>
+            <a:endParaRPr lang="en-US" dirty="0" smtClean="0"/>
+          </a:p>
+          <a:p>
+            <a:r>
+              <a:rPr lang="en-US" dirty="0" smtClean="0"/>
+              <a:t>During the push, you will most likely get prompted for host authenticity.  Make sure you type ‘yes’, not just ‘y’.  This will add </a:t>
+            </a:r>
+            <a:r>
+              <a:rPr lang="en-US" dirty="0" err="1" smtClean="0"/>
+              <a:t>github.com’s</a:t>
+            </a:r>
+            <a:r>
+              <a:rPr lang="en-US" dirty="0" smtClean="0"/>
+              <a:t> public RSA key to your ~/.</a:t>
+            </a:r>
+            <a:r>
+              <a:rPr lang="en-US" dirty="0" err="1" smtClean="0"/>
+              <a:t>ssh</a:t>
+            </a:r>
+            <a:r>
+              <a:rPr lang="en-US" dirty="0" smtClean="0"/>
+              <a:t>/</a:t>
+            </a:r>
+            <a:r>
+              <a:rPr lang="en-US" dirty="0" err="1" smtClean="0"/>
+              <a:t>known_hosts</a:t>
+            </a:r>
+            <a:r>
+              <a:rPr lang="en-US" dirty="0" smtClean="0"/>
+              <a:t> file so that you won’t get prompted for this again on any future push.  This let’s your system and github.com to trust each other.  After you say ‘yes’ the files are pushed up to the remote repository.</a:t>
+            </a:r>
+          </a:p>
+          <a:p>
+            <a:endParaRPr lang="en-US" dirty="0" smtClean="0"/>
+          </a:p>
+          <a:p>
+            <a:r>
+              <a:rPr lang="en-US" sz="1100" b="1" i="1" dirty="0" smtClean="0"/>
+              <a:t>Side Note:</a:t>
+            </a:r>
+            <a:r>
+              <a:rPr lang="en-US" sz="1100" i="1" dirty="0" smtClean="0"/>
+              <a:t>  Your clone URL doesn’t look like a HTTP URL or a </a:t>
+            </a:r>
+            <a:r>
+              <a:rPr lang="en-US" sz="1100" i="1" dirty="0" err="1" smtClean="0"/>
+              <a:t>ssh</a:t>
+            </a:r>
+            <a:r>
+              <a:rPr lang="en-US" sz="1100" i="1" dirty="0" smtClean="0"/>
+              <a:t>:// protocol.  But it is still SSH.  The </a:t>
+            </a:r>
+            <a:r>
+              <a:rPr lang="en-US" sz="1100" i="1" dirty="0" err="1" smtClean="0"/>
+              <a:t>git</a:t>
+            </a:r>
+            <a:r>
+              <a:rPr lang="en-US" sz="1100" i="1" dirty="0" smtClean="0"/>
+              <a:t> protocol, usually using port 9418, is used for clone, fetch, or pull.</a:t>
+            </a:r>
+          </a:p>
+          <a:p>
+            <a:endParaRPr lang="en-US" dirty="0" smtClean="0"/>
           </a:p>
           <a:p>
             <a:endParaRPr lang="en-US" dirty="0"/>
@@ -2498,7 +2047,7 @@
             <a:fld id="{06F8F5D6-CB0D-4EDE-B95E-664AB82371FD}" type="slidenum">
               <a:rPr lang="en-US" smtClean="0"/>
               <a:pPr/>
-              <a:t>21</a:t>
+              <a:t>20</a:t>
             </a:fld>
             <a:endParaRPr lang="en-US"/>
           </a:p>
@@ -2554,20 +2103,79 @@
         <p:spPr/>
         <p:txBody>
           <a:bodyPr>
-            <a:normAutofit fontScale="92500" lnSpcReduction="10000"/>
+            <a:normAutofit fontScale="85000" lnSpcReduction="20000"/>
           </a:bodyPr>
           <a:lstStyle/>
           <a:p>
+            <a:pPr>
+              <a:buFont typeface="Arial" pitchFamily="34" charset="0"/>
+              <a:buChar char="•"/>
+            </a:pPr>
+            <a:r>
+              <a:rPr lang="en-US" b="1" dirty="0" smtClean="0">
+                <a:solidFill>
+                  <a:srgbClr val="486DA2"/>
+                </a:solidFill>
+                <a:latin typeface="Verdana" pitchFamily="34" charset="0"/>
+              </a:rPr>
+              <a:t> GIT Add</a:t>
+            </a:r>
+          </a:p>
+          <a:p>
             <a:r>
               <a:rPr lang="en-US" dirty="0" smtClean="0"/>
-              <a:t>Now let’s imagine that we have a task that states “Prompt user for their name and say hello back to them, including their name”.  Let’s create a new branch locally so that we have a separate place to do our active development for this task.</a:t>
-            </a:r>
-          </a:p>
-          <a:p>
+              <a:t>Example of adding ‘</a:t>
+            </a:r>
+            <a:r>
+              <a:rPr lang="en-US" dirty="0" err="1" smtClean="0"/>
+              <a:t>Program.cs</a:t>
+            </a:r>
             <a:r>
               <a:rPr lang="en-US" dirty="0" smtClean="0"/>
-              <a:t>Issue the command:  </a:t>
-            </a:r>
+              <a:t>’ to our staging area with the “</a:t>
+            </a:r>
+            <a:r>
+              <a:rPr lang="en-US" b="1" dirty="0" err="1" smtClean="0"/>
+              <a:t>git</a:t>
+            </a:r>
+            <a:r>
+              <a:rPr lang="en-US" b="1" dirty="0" smtClean="0"/>
+              <a:t> add </a:t>
+            </a:r>
+            <a:r>
+              <a:rPr lang="en-US" b="1" dirty="0" err="1" smtClean="0"/>
+              <a:t>Program.cs</a:t>
+            </a:r>
+            <a:r>
+              <a:rPr lang="en-US" dirty="0" smtClean="0"/>
+              <a:t>” command:</a:t>
+            </a:r>
+          </a:p>
+          <a:p>
+            <a:endParaRPr lang="en-US" dirty="0" smtClean="0"/>
+          </a:p>
+          <a:p>
+            <a:pPr>
+              <a:buFont typeface="Arial" pitchFamily="34" charset="0"/>
+              <a:buChar char="•"/>
+            </a:pPr>
+            <a:r>
+              <a:rPr lang="en-US" b="1" dirty="0" smtClean="0">
+                <a:solidFill>
+                  <a:srgbClr val="486DA2"/>
+                </a:solidFill>
+                <a:latin typeface="Verdana" pitchFamily="34" charset="0"/>
+              </a:rPr>
+              <a:t> GIT Reset</a:t>
+            </a:r>
+          </a:p>
+          <a:p>
+            <a:r>
+              <a:rPr lang="en-US" dirty="0" smtClean="0"/>
+              <a:t>We can roll back one commit clearing our staging area and working directory with the following command:</a:t>
+            </a:r>
+          </a:p>
+          <a:p>
             <a:r>
               <a:rPr lang="en-US" sz="1100" dirty="0" smtClean="0">
                 <a:latin typeface="Courier New" pitchFamily="49" charset="0"/>
@@ -2590,305 +2198,298 @@
                 <a:cs typeface="Courier New" pitchFamily="49" charset="0"/>
                 <a:sym typeface="Wingdings 3"/>
               </a:rPr>
-              <a:t> checkout -b </a:t>
-            </a:r>
-            <a:r>
-              <a:rPr lang="en-US" sz="1100" dirty="0" err="1" smtClean="0">
+              <a:t> reset –hard HEAD^</a:t>
+            </a:r>
+          </a:p>
+          <a:p>
+            <a:endParaRPr lang="en-US" dirty="0" smtClean="0"/>
+          </a:p>
+          <a:p>
+            <a:r>
+              <a:rPr lang="en-US" dirty="0" smtClean="0"/>
+              <a:t>The “HEAD^” portion of the command means that we want to reset the commits to one prior (^) to the HEAD (aka, the latest commit).</a:t>
+            </a:r>
+          </a:p>
+          <a:p>
+            <a:r>
+              <a:rPr lang="en-US" dirty="0" smtClean="0"/>
+              <a:t>This branch has been rolled back to the previous commit.  The new commit we just did was destroyed from history.</a:t>
+            </a:r>
+          </a:p>
+          <a:p>
+            <a:endParaRPr lang="en-US" dirty="0" smtClean="0"/>
+          </a:p>
+          <a:p>
+            <a:r>
+              <a:rPr lang="en-US" sz="1100" b="1" i="1" dirty="0" smtClean="0"/>
+              <a:t>SIDE NOTE: </a:t>
+            </a:r>
+            <a:r>
+              <a:rPr lang="en-US" sz="1100" i="1" dirty="0" smtClean="0"/>
+              <a:t>If you just want to clear your working directory and staging area, but not the latest commit, just issue a “</a:t>
+            </a:r>
+            <a:r>
+              <a:rPr lang="en-US" sz="1100" i="1" dirty="0" err="1" smtClean="0"/>
+              <a:t>git</a:t>
+            </a:r>
+            <a:r>
+              <a:rPr lang="en-US" sz="1100" i="1" dirty="0" smtClean="0"/>
+              <a:t> reset –-hard” command without the “HEAD^”</a:t>
+            </a:r>
+          </a:p>
+          <a:p>
+            <a:endParaRPr lang="en-US" sz="1100" i="1" dirty="0" smtClean="0"/>
+          </a:p>
+          <a:p>
+            <a:pPr>
+              <a:buFont typeface="Arial" pitchFamily="34" charset="0"/>
+              <a:buChar char="•"/>
+            </a:pPr>
+            <a:r>
+              <a:rPr lang="en-US" sz="1100" b="1" dirty="0" smtClean="0">
+                <a:solidFill>
+                  <a:srgbClr val="486DA2"/>
+                </a:solidFill>
+                <a:latin typeface="Verdana" pitchFamily="34" charset="0"/>
+              </a:rPr>
+              <a:t> GIT Remote</a:t>
+            </a:r>
+          </a:p>
+          <a:p>
+            <a:r>
+              <a:rPr lang="en-US" sz="1100" dirty="0" smtClean="0"/>
+              <a:t>We can look at the remote repository that we’re watching by issuing the following command:</a:t>
+            </a:r>
+          </a:p>
+          <a:p>
+            <a:r>
+              <a:rPr lang="en-US" sz="1050" dirty="0" smtClean="0">
                 <a:latin typeface="Courier New" pitchFamily="49" charset="0"/>
                 <a:cs typeface="Courier New" pitchFamily="49" charset="0"/>
                 <a:sym typeface="Wingdings 3"/>
               </a:rPr>
-              <a:t>user_prompt</a:t>
-            </a:r>
-            <a:endParaRPr lang="en-US" sz="1100" dirty="0" smtClean="0">
+              <a:t>$ </a:t>
+            </a:r>
+            <a:r>
+              <a:rPr lang="en-US" sz="1050" dirty="0" err="1" smtClean="0">
+                <a:latin typeface="Courier New" pitchFamily="49" charset="0"/>
+                <a:cs typeface="Courier New" pitchFamily="49" charset="0"/>
+                <a:sym typeface="Wingdings 3"/>
+              </a:rPr>
+              <a:t>git</a:t>
+            </a:r>
+            <a:r>
+              <a:rPr lang="en-US" sz="1050" dirty="0" smtClean="0">
+                <a:latin typeface="Courier New" pitchFamily="49" charset="0"/>
+                <a:cs typeface="Courier New" pitchFamily="49" charset="0"/>
+                <a:sym typeface="Wingdings 3"/>
+              </a:rPr>
+              <a:t> remote -v</a:t>
+            </a:r>
+          </a:p>
+          <a:p>
+            <a:endParaRPr lang="en-US" sz="1100" dirty="0" smtClean="0"/>
+          </a:p>
+          <a:p>
+            <a:pPr>
+              <a:buFont typeface="Arial" pitchFamily="34" charset="0"/>
+              <a:buChar char="•"/>
+            </a:pPr>
+            <a:r>
+              <a:rPr lang="en-US" sz="1100" b="1" dirty="0" smtClean="0">
+                <a:solidFill>
+                  <a:srgbClr val="486DA2"/>
+                </a:solidFill>
+                <a:latin typeface="Verdana" pitchFamily="34" charset="0"/>
+              </a:rPr>
+              <a:t>  GIT Log</a:t>
+            </a:r>
+          </a:p>
+          <a:p>
+            <a:r>
+              <a:rPr lang="en-US" sz="1100" dirty="0" smtClean="0"/>
+              <a:t>We can see all the commits we’ve made to the repository by issuing the following command:</a:t>
+            </a:r>
+          </a:p>
+          <a:p>
+            <a:r>
+              <a:rPr lang="en-US" sz="1050" dirty="0" smtClean="0">
+                <a:latin typeface="Courier New" pitchFamily="49" charset="0"/>
+                <a:cs typeface="Courier New" pitchFamily="49" charset="0"/>
+                <a:sym typeface="Wingdings 3"/>
+              </a:rPr>
+              <a:t>$ </a:t>
+            </a:r>
+            <a:r>
+              <a:rPr lang="en-US" sz="1050" dirty="0" err="1" smtClean="0">
+                <a:latin typeface="Courier New" pitchFamily="49" charset="0"/>
+                <a:cs typeface="Courier New" pitchFamily="49" charset="0"/>
+                <a:sym typeface="Wingdings 3"/>
+              </a:rPr>
+              <a:t>git</a:t>
+            </a:r>
+            <a:r>
+              <a:rPr lang="en-US" sz="1050" dirty="0" smtClean="0">
+                <a:latin typeface="Courier New" pitchFamily="49" charset="0"/>
+                <a:cs typeface="Courier New" pitchFamily="49" charset="0"/>
+                <a:sym typeface="Wingdings 3"/>
+              </a:rPr>
+              <a:t> log</a:t>
+            </a:r>
+          </a:p>
+          <a:p>
+            <a:endParaRPr lang="en-US" sz="1100" dirty="0" smtClean="0"/>
+          </a:p>
+          <a:p>
+            <a:pPr>
+              <a:buFont typeface="Arial" pitchFamily="34" charset="0"/>
+              <a:buChar char="•"/>
+            </a:pPr>
+            <a:r>
+              <a:rPr lang="en-US" sz="1100" b="1" dirty="0" smtClean="0">
+                <a:solidFill>
+                  <a:srgbClr val="486DA2"/>
+                </a:solidFill>
+                <a:latin typeface="Verdana" pitchFamily="34" charset="0"/>
+              </a:rPr>
+              <a:t>  GIT Clone</a:t>
+            </a:r>
+          </a:p>
+          <a:p>
+            <a:r>
+              <a:rPr lang="en-US" sz="1100" dirty="0" smtClean="0"/>
+              <a:t>If you want to get a copy of an existing </a:t>
+            </a:r>
+            <a:r>
+              <a:rPr lang="en-US" sz="1100" dirty="0" err="1" smtClean="0"/>
+              <a:t>Git</a:t>
+            </a:r>
+            <a:r>
+              <a:rPr lang="en-US" sz="1100" dirty="0" smtClean="0"/>
+              <a:t> repository — for example, a project you’d like to contribute to — the command you need is </a:t>
+            </a:r>
+            <a:r>
+              <a:rPr lang="en-US" sz="1100" dirty="0" err="1" smtClean="0"/>
+              <a:t>git</a:t>
+            </a:r>
+            <a:r>
+              <a:rPr lang="en-US" sz="1100" dirty="0" smtClean="0"/>
+              <a:t> clone.</a:t>
+            </a:r>
+          </a:p>
+          <a:p>
+            <a:r>
+              <a:rPr lang="en-US" sz="1050" dirty="0" smtClean="0">
+                <a:latin typeface="Courier New" pitchFamily="49" charset="0"/>
+                <a:cs typeface="Courier New" pitchFamily="49" charset="0"/>
+                <a:sym typeface="Wingdings 3"/>
+              </a:rPr>
+              <a:t>$ </a:t>
+            </a:r>
+            <a:r>
+              <a:rPr lang="en-US" sz="1050" dirty="0" err="1" smtClean="0">
+                <a:latin typeface="Courier New" pitchFamily="49" charset="0"/>
+                <a:cs typeface="Courier New" pitchFamily="49" charset="0"/>
+                <a:sym typeface="Wingdings 3"/>
+              </a:rPr>
+              <a:t>git</a:t>
+            </a:r>
+            <a:r>
+              <a:rPr lang="en-US" sz="1050" dirty="0" smtClean="0">
+                <a:latin typeface="Courier New" pitchFamily="49" charset="0"/>
+                <a:cs typeface="Courier New" pitchFamily="49" charset="0"/>
+                <a:sym typeface="Wingdings 3"/>
+              </a:rPr>
+              <a:t> clone </a:t>
+            </a:r>
+            <a:r>
+              <a:rPr lang="en-US" sz="1050" dirty="0" err="1" smtClean="0">
+                <a:latin typeface="Courier New" pitchFamily="49" charset="0"/>
+                <a:cs typeface="Courier New" pitchFamily="49" charset="0"/>
+                <a:sym typeface="Wingdings 3"/>
+              </a:rPr>
+              <a:t>your_clone_URL</a:t>
+            </a:r>
+            <a:r>
+              <a:rPr lang="en-US" sz="1050" dirty="0" smtClean="0">
+                <a:latin typeface="Courier New" pitchFamily="49" charset="0"/>
+                <a:cs typeface="Courier New" pitchFamily="49" charset="0"/>
+                <a:sym typeface="Wingdings 3"/>
+              </a:rPr>
+              <a:t> </a:t>
+            </a:r>
+            <a:r>
+              <a:rPr lang="en-US" sz="1050" dirty="0" err="1" smtClean="0">
+                <a:latin typeface="Courier New" pitchFamily="49" charset="0"/>
+                <a:cs typeface="Courier New" pitchFamily="49" charset="0"/>
+                <a:sym typeface="Wingdings 3"/>
+              </a:rPr>
+              <a:t>local_foldername</a:t>
+            </a:r>
+            <a:endParaRPr lang="en-US" sz="1050" dirty="0" smtClean="0">
               <a:latin typeface="Courier New" pitchFamily="49" charset="0"/>
               <a:cs typeface="Courier New" pitchFamily="49" charset="0"/>
               <a:sym typeface="Wingdings 3"/>
             </a:endParaRPr>
           </a:p>
           <a:p>
-            <a:endParaRPr lang="en-US" dirty="0" smtClean="0"/>
-          </a:p>
-          <a:p>
-            <a:r>
-              <a:rPr lang="en-US" dirty="0" smtClean="0"/>
-              <a:t>A couple things to notice:</a:t>
-            </a:r>
-          </a:p>
-          <a:p>
-            <a:pPr marL="228600" indent="-228600">
-              <a:buAutoNum type="arabicPeriod"/>
-            </a:pPr>
-            <a:r>
-              <a:rPr lang="en-US" dirty="0" smtClean="0"/>
-              <a:t>It says “Switched to a new branch ‘</a:t>
-            </a:r>
-            <a:r>
-              <a:rPr lang="en-US" dirty="0" err="1" smtClean="0"/>
-              <a:t>user_prompt</a:t>
-            </a:r>
-            <a:r>
-              <a:rPr lang="en-US" dirty="0" smtClean="0"/>
-              <a:t>’”.  The “</a:t>
-            </a:r>
-            <a:r>
-              <a:rPr lang="en-US" dirty="0" err="1" smtClean="0"/>
-              <a:t>git</a:t>
-            </a:r>
-            <a:r>
-              <a:rPr lang="en-US" dirty="0" smtClean="0"/>
-              <a:t> checkout –b” command creates a new branch by the name following the command and then checks it out automatically.  This is the shorthand version of doing “</a:t>
-            </a:r>
-            <a:r>
-              <a:rPr lang="en-US" dirty="0" err="1" smtClean="0"/>
-              <a:t>git</a:t>
-            </a:r>
-            <a:r>
-              <a:rPr lang="en-US" dirty="0" smtClean="0"/>
-              <a:t> branch </a:t>
-            </a:r>
-            <a:r>
-              <a:rPr lang="en-US" dirty="0" err="1" smtClean="0"/>
-              <a:t>user_prompt</a:t>
-            </a:r>
-            <a:r>
-              <a:rPr lang="en-US" dirty="0" smtClean="0"/>
-              <a:t>” and then “</a:t>
-            </a:r>
-            <a:r>
-              <a:rPr lang="en-US" dirty="0" err="1" smtClean="0"/>
-              <a:t>git</a:t>
-            </a:r>
-            <a:r>
-              <a:rPr lang="en-US" dirty="0" smtClean="0"/>
-              <a:t> checkout </a:t>
-            </a:r>
-            <a:r>
-              <a:rPr lang="en-US" dirty="0" err="1" smtClean="0"/>
-              <a:t>user_prompt</a:t>
-            </a:r>
-            <a:r>
-              <a:rPr lang="en-US" dirty="0" smtClean="0"/>
-              <a:t>”.</a:t>
-            </a:r>
-          </a:p>
-          <a:p>
-            <a:pPr marL="228600" indent="-228600">
-              <a:buAutoNum type="arabicPeriod"/>
-            </a:pPr>
-            <a:endParaRPr lang="en-US" dirty="0" smtClean="0"/>
-          </a:p>
-          <a:p>
-            <a:r>
-              <a:rPr lang="en-US" dirty="0" smtClean="0"/>
-              <a:t>2. It shows the “(</a:t>
-            </a:r>
-            <a:r>
-              <a:rPr lang="en-US" dirty="0" err="1" smtClean="0"/>
-              <a:t>user_prompt</a:t>
-            </a:r>
-            <a:r>
-              <a:rPr lang="en-US" dirty="0" smtClean="0"/>
-              <a:t>)” text at the end of bash prompt which means that we’re on the </a:t>
-            </a:r>
-            <a:r>
-              <a:rPr lang="en-US" dirty="0" err="1" smtClean="0"/>
-              <a:t>user_prompt</a:t>
-            </a:r>
-            <a:r>
-              <a:rPr lang="en-US" dirty="0" smtClean="0"/>
-              <a:t> branch.  To verify we can issue “</a:t>
-            </a:r>
-            <a:r>
-              <a:rPr lang="en-US" dirty="0" err="1" smtClean="0"/>
-              <a:t>git</a:t>
-            </a:r>
-            <a:r>
-              <a:rPr lang="en-US" dirty="0" smtClean="0"/>
-              <a:t> branch” command that lists all the local branches. Here the (*) next to name indicates the active branch.</a:t>
-            </a:r>
+            <a:endParaRPr lang="en-US" sz="1100" dirty="0" smtClean="0"/>
           </a:p>
           <a:p>
             <a:pPr>
               <a:buFont typeface="Arial" pitchFamily="34" charset="0"/>
               <a:buChar char="•"/>
             </a:pPr>
-            <a:endParaRPr lang="en-US" sz="1200" b="1" dirty="0" smtClean="0">
-              <a:solidFill>
-                <a:srgbClr val="486DA2"/>
-              </a:solidFill>
-              <a:latin typeface="Verdana" pitchFamily="34" charset="0"/>
-            </a:endParaRPr>
-          </a:p>
-          <a:p>
-            <a:pPr>
-              <a:buFont typeface="Arial" pitchFamily="34" charset="0"/>
-              <a:buChar char="•"/>
-            </a:pPr>
-            <a:r>
-              <a:rPr lang="en-US" sz="1200" b="1" dirty="0" smtClean="0">
+            <a:r>
+              <a:rPr lang="en-US" sz="1100" b="1" dirty="0" smtClean="0">
                 <a:solidFill>
                   <a:srgbClr val="486DA2"/>
                 </a:solidFill>
                 <a:latin typeface="Verdana" pitchFamily="34" charset="0"/>
               </a:rPr>
-              <a:t>GIT Branch</a:t>
-            </a:r>
-          </a:p>
-          <a:p>
-            <a:r>
-              <a:rPr lang="en-US" sz="1200" dirty="0" smtClean="0"/>
-              <a:t>You can run “</a:t>
-            </a:r>
-            <a:r>
-              <a:rPr lang="en-US" sz="1200" b="1" dirty="0" err="1" smtClean="0"/>
+              <a:t>  GIT Diff</a:t>
+            </a:r>
+          </a:p>
+          <a:p>
+            <a:r>
+              <a:rPr lang="en-US" sz="1100" dirty="0" smtClean="0"/>
+              <a:t>We can see all the </a:t>
+            </a:r>
+            <a:r>
+              <a:rPr lang="en-US" sz="1100" dirty="0" err="1" smtClean="0"/>
+              <a:t>unstaged</a:t>
+            </a:r>
+            <a:r>
+              <a:rPr lang="en-US" sz="1100" dirty="0" smtClean="0"/>
+              <a:t> files with the following command:</a:t>
+            </a:r>
+          </a:p>
+          <a:p>
+            <a:r>
+              <a:rPr lang="en-US" sz="1050" dirty="0" smtClean="0">
+                <a:latin typeface="Courier New" pitchFamily="49" charset="0"/>
+                <a:cs typeface="Courier New" pitchFamily="49" charset="0"/>
+                <a:sym typeface="Wingdings 3"/>
+              </a:rPr>
+              <a:t>$ </a:t>
+            </a:r>
+            <a:r>
+              <a:rPr lang="en-US" sz="1050" dirty="0" err="1" smtClean="0">
+                <a:latin typeface="Courier New" pitchFamily="49" charset="0"/>
+                <a:cs typeface="Courier New" pitchFamily="49" charset="0"/>
+                <a:sym typeface="Wingdings 3"/>
+              </a:rPr>
               <a:t>git</a:t>
             </a:r>
             <a:r>
-              <a:rPr lang="en-US" sz="1200" b="1" dirty="0" smtClean="0"/>
-              <a:t> branch</a:t>
-            </a:r>
-            <a:r>
-              <a:rPr lang="en-US" sz="1200" dirty="0" smtClean="0"/>
-              <a:t>” to see what branch you’re on, but </a:t>
-            </a:r>
-            <a:r>
-              <a:rPr lang="en-US" sz="1200" dirty="0" err="1" smtClean="0"/>
-              <a:t>msysgit</a:t>
-            </a:r>
-            <a:r>
-              <a:rPr lang="en-US" sz="1200" dirty="0" smtClean="0"/>
-              <a:t> let’s you know via the end of your bash prompt “(master)”. [For more information go </a:t>
-            </a:r>
-            <a:r>
-              <a:rPr lang="en-US" sz="1200" dirty="0" smtClean="0">
-                <a:hlinkClick r:id="rId3" action="ppaction://hlinksldjump"/>
-              </a:rPr>
-              <a:t>here</a:t>
-            </a:r>
-            <a:r>
-              <a:rPr lang="en-US" sz="1200" dirty="0" smtClean="0"/>
-              <a:t>]</a:t>
-            </a:r>
-          </a:p>
-          <a:p>
-            <a:r>
-              <a:rPr lang="en-US" sz="1200" dirty="0" smtClean="0"/>
-              <a:t>The branch name with the asterisk (*) next to it is the active branch.  In this case I only have the one branch, master.</a:t>
-            </a:r>
-          </a:p>
-          <a:p>
-            <a:pPr marL="0" marR="0" indent="0" algn="l" defTabSz="914400" rtl="0" eaLnBrk="1" fontAlgn="auto" latinLnBrk="0" hangingPunct="1">
-              <a:lnSpc>
-                <a:spcPct val="100000"/>
-              </a:lnSpc>
-              <a:spcBef>
-                <a:spcPts val="0"/>
-              </a:spcBef>
-              <a:spcAft>
-                <a:spcPts val="0"/>
-              </a:spcAft>
-              <a:buClrTx/>
-              <a:buSzTx/>
-              <a:buFontTx/>
-              <a:buNone/>
-              <a:tabLst/>
-              <a:defRPr/>
-            </a:pPr>
-            <a:endParaRPr lang="en-US" b="1" dirty="0" smtClean="0"/>
-          </a:p>
-          <a:p>
-            <a:pPr marL="0" marR="0" indent="0" algn="l" defTabSz="914400" rtl="0" eaLnBrk="1" fontAlgn="auto" latinLnBrk="0" hangingPunct="1">
-              <a:lnSpc>
-                <a:spcPct val="100000"/>
-              </a:lnSpc>
-              <a:spcBef>
-                <a:spcPts val="0"/>
-              </a:spcBef>
-              <a:spcAft>
-                <a:spcPts val="0"/>
-              </a:spcAft>
-              <a:buClrTx/>
-              <a:buSzTx/>
-              <a:buFontTx/>
-              <a:buNone/>
-              <a:tabLst/>
-              <a:defRPr/>
-            </a:pPr>
-            <a:r>
-              <a:rPr lang="en-US" b="1" dirty="0" smtClean="0"/>
-              <a:t>To create a remote branch on </a:t>
-            </a:r>
-            <a:r>
-              <a:rPr lang="en-US" b="1" dirty="0" err="1" smtClean="0"/>
-              <a:t>github</a:t>
-            </a:r>
-            <a:r>
-              <a:rPr lang="en-US" b="1" dirty="0" smtClean="0"/>
-              <a:t> that is a replica of your local branch</a:t>
-            </a:r>
-          </a:p>
-          <a:p>
-            <a:pPr marL="0" marR="0" indent="0" algn="l" defTabSz="914400" rtl="0" eaLnBrk="1" fontAlgn="auto" latinLnBrk="0" hangingPunct="1">
-              <a:lnSpc>
-                <a:spcPct val="100000"/>
-              </a:lnSpc>
-              <a:spcBef>
-                <a:spcPts val="0"/>
-              </a:spcBef>
-              <a:spcAft>
-                <a:spcPts val="0"/>
-              </a:spcAft>
-              <a:buClrTx/>
-              <a:buSzTx/>
-              <a:buFontTx/>
-              <a:buNone/>
-              <a:tabLst/>
-              <a:defRPr/>
-            </a:pPr>
-            <a:endParaRPr lang="en-US" dirty="0" smtClean="0"/>
-          </a:p>
-          <a:p>
-            <a:pPr marL="0" marR="0" indent="0" algn="l" defTabSz="914400" rtl="0" eaLnBrk="1" fontAlgn="auto" latinLnBrk="0" hangingPunct="1">
-              <a:lnSpc>
-                <a:spcPct val="100000"/>
-              </a:lnSpc>
-              <a:spcBef>
-                <a:spcPts val="0"/>
-              </a:spcBef>
-              <a:spcAft>
-                <a:spcPts val="0"/>
-              </a:spcAft>
-              <a:buClrTx/>
-              <a:buSzTx/>
-              <a:buFontTx/>
-              <a:buNone/>
-              <a:tabLst/>
-              <a:defRPr/>
-            </a:pPr>
-            <a:r>
-              <a:rPr lang="en-US" dirty="0" smtClean="0"/>
-              <a:t>Suppose you created a local </a:t>
-            </a:r>
-            <a:r>
-              <a:rPr lang="en-US" i="1" dirty="0" err="1" smtClean="0"/>
-              <a:t>plugin</a:t>
-            </a:r>
-            <a:r>
-              <a:rPr lang="en-US" dirty="0" smtClean="0"/>
-              <a:t> branch that you want to expose to others through your </a:t>
-            </a:r>
-            <a:r>
-              <a:rPr lang="en-US" dirty="0" err="1" smtClean="0"/>
-              <a:t>GitHub</a:t>
-            </a:r>
-            <a:r>
-              <a:rPr lang="en-US" dirty="0" smtClean="0"/>
-              <a:t> repository but you are not yet confident enough to put it into the master branch.</a:t>
-            </a:r>
-          </a:p>
-          <a:p>
-            <a:endParaRPr lang="en-US" dirty="0" smtClean="0"/>
+              <a:rPr lang="en-US" sz="1050" dirty="0" smtClean="0">
+                <a:latin typeface="Courier New" pitchFamily="49" charset="0"/>
+                <a:cs typeface="Courier New" pitchFamily="49" charset="0"/>
+                <a:sym typeface="Wingdings 3"/>
+              </a:rPr>
+              <a:t> diff</a:t>
+            </a:r>
+            <a:endParaRPr lang="en-US" sz="1100" i="1" dirty="0" smtClean="0"/>
           </a:p>
           <a:p>
             <a:endParaRPr lang="en-US" dirty="0"/>
@@ -2913,7 +2514,7 @@
             <a:fld id="{06F8F5D6-CB0D-4EDE-B95E-664AB82371FD}" type="slidenum">
               <a:rPr lang="en-US" smtClean="0"/>
               <a:pPr/>
-              <a:t>22</a:t>
+              <a:t>21</a:t>
             </a:fld>
             <a:endParaRPr lang="en-US"/>
           </a:p>
@@ -2969,9 +2570,342 @@
         <p:spPr/>
         <p:txBody>
           <a:bodyPr>
-            <a:normAutofit/>
+            <a:normAutofit fontScale="92500" lnSpcReduction="10000"/>
           </a:bodyPr>
           <a:lstStyle/>
+          <a:p>
+            <a:r>
+              <a:rPr lang="en-US" dirty="0" smtClean="0"/>
+              <a:t>Now let’s imagine that we have a task that states “Prompt user for their name and say hello back to them, including their name”.  Let’s create a new branch locally so that we have a separate place to do our active development for this task.</a:t>
+            </a:r>
+          </a:p>
+          <a:p>
+            <a:r>
+              <a:rPr lang="en-US" dirty="0" smtClean="0"/>
+              <a:t>Issue the command:  </a:t>
+            </a:r>
+            <a:r>
+              <a:rPr lang="en-US" sz="1100" dirty="0" smtClean="0">
+                <a:latin typeface="Courier New" pitchFamily="49" charset="0"/>
+                <a:cs typeface="Courier New" pitchFamily="49" charset="0"/>
+                <a:sym typeface="Wingdings 3"/>
+              </a:rPr>
+              <a:t>$ </a:t>
+            </a:r>
+            <a:r>
+              <a:rPr lang="en-US" sz="1100" dirty="0" err="1" smtClean="0">
+                <a:latin typeface="Courier New" pitchFamily="49" charset="0"/>
+                <a:cs typeface="Courier New" pitchFamily="49" charset="0"/>
+                <a:sym typeface="Wingdings 3"/>
+              </a:rPr>
+              <a:t>git</a:t>
+            </a:r>
+            <a:r>
+              <a:rPr lang="en-US" sz="1100" dirty="0" smtClean="0">
+                <a:latin typeface="Courier New" pitchFamily="49" charset="0"/>
+                <a:cs typeface="Courier New" pitchFamily="49" charset="0"/>
+                <a:sym typeface="Wingdings 3"/>
+              </a:rPr>
+              <a:t> checkout -b </a:t>
+            </a:r>
+            <a:r>
+              <a:rPr lang="en-US" sz="1100" dirty="0" err="1" smtClean="0">
+                <a:latin typeface="Courier New" pitchFamily="49" charset="0"/>
+                <a:cs typeface="Courier New" pitchFamily="49" charset="0"/>
+                <a:sym typeface="Wingdings 3"/>
+              </a:rPr>
+              <a:t>user_prompt</a:t>
+            </a:r>
+            <a:endParaRPr lang="en-US" sz="1100" dirty="0" smtClean="0">
+              <a:latin typeface="Courier New" pitchFamily="49" charset="0"/>
+              <a:cs typeface="Courier New" pitchFamily="49" charset="0"/>
+              <a:sym typeface="Wingdings 3"/>
+            </a:endParaRPr>
+          </a:p>
+          <a:p>
+            <a:endParaRPr lang="en-US" dirty="0" smtClean="0"/>
+          </a:p>
+          <a:p>
+            <a:r>
+              <a:rPr lang="en-US" dirty="0" smtClean="0"/>
+              <a:t>A couple things to notice:</a:t>
+            </a:r>
+          </a:p>
+          <a:p>
+            <a:pPr marL="228600" indent="-228600">
+              <a:buAutoNum type="arabicPeriod"/>
+            </a:pPr>
+            <a:r>
+              <a:rPr lang="en-US" dirty="0" smtClean="0"/>
+              <a:t>It says “Switched to a new branch ‘</a:t>
+            </a:r>
+            <a:r>
+              <a:rPr lang="en-US" dirty="0" err="1" smtClean="0"/>
+              <a:t>user_prompt</a:t>
+            </a:r>
+            <a:r>
+              <a:rPr lang="en-US" dirty="0" smtClean="0"/>
+              <a:t>’”.  The “</a:t>
+            </a:r>
+            <a:r>
+              <a:rPr lang="en-US" dirty="0" err="1" smtClean="0"/>
+              <a:t>git</a:t>
+            </a:r>
+            <a:r>
+              <a:rPr lang="en-US" dirty="0" smtClean="0"/>
+              <a:t> checkout –b” command creates a new branch by the name following the command and then checks it out automatically.  This is the shorthand version of doing “</a:t>
+            </a:r>
+            <a:r>
+              <a:rPr lang="en-US" dirty="0" err="1" smtClean="0"/>
+              <a:t>git</a:t>
+            </a:r>
+            <a:r>
+              <a:rPr lang="en-US" dirty="0" smtClean="0"/>
+              <a:t> branch </a:t>
+            </a:r>
+            <a:r>
+              <a:rPr lang="en-US" dirty="0" err="1" smtClean="0"/>
+              <a:t>user_prompt</a:t>
+            </a:r>
+            <a:r>
+              <a:rPr lang="en-US" dirty="0" smtClean="0"/>
+              <a:t>” and then “</a:t>
+            </a:r>
+            <a:r>
+              <a:rPr lang="en-US" dirty="0" err="1" smtClean="0"/>
+              <a:t>git</a:t>
+            </a:r>
+            <a:r>
+              <a:rPr lang="en-US" dirty="0" smtClean="0"/>
+              <a:t> checkout </a:t>
+            </a:r>
+            <a:r>
+              <a:rPr lang="en-US" dirty="0" err="1" smtClean="0"/>
+              <a:t>user_prompt</a:t>
+            </a:r>
+            <a:r>
+              <a:rPr lang="en-US" dirty="0" smtClean="0"/>
+              <a:t>”.</a:t>
+            </a:r>
+          </a:p>
+          <a:p>
+            <a:pPr marL="228600" indent="-228600">
+              <a:buAutoNum type="arabicPeriod"/>
+            </a:pPr>
+            <a:endParaRPr lang="en-US" dirty="0" smtClean="0"/>
+          </a:p>
+          <a:p>
+            <a:r>
+              <a:rPr lang="en-US" dirty="0" smtClean="0"/>
+              <a:t>2. It shows the “(</a:t>
+            </a:r>
+            <a:r>
+              <a:rPr lang="en-US" dirty="0" err="1" smtClean="0"/>
+              <a:t>user_prompt</a:t>
+            </a:r>
+            <a:r>
+              <a:rPr lang="en-US" dirty="0" smtClean="0"/>
+              <a:t>)” text at the end of bash prompt which means that we’re on the </a:t>
+            </a:r>
+            <a:r>
+              <a:rPr lang="en-US" dirty="0" err="1" smtClean="0"/>
+              <a:t>user_prompt</a:t>
+            </a:r>
+            <a:r>
+              <a:rPr lang="en-US" dirty="0" smtClean="0"/>
+              <a:t> branch.  To verify we can issue “</a:t>
+            </a:r>
+            <a:r>
+              <a:rPr lang="en-US" dirty="0" err="1" smtClean="0"/>
+              <a:t>git</a:t>
+            </a:r>
+            <a:r>
+              <a:rPr lang="en-US" dirty="0" smtClean="0"/>
+              <a:t> branch” command that lists all the local branches. Here the (*) next to name indicates the active branch.</a:t>
+            </a:r>
+          </a:p>
+          <a:p>
+            <a:pPr>
+              <a:buFont typeface="Arial" pitchFamily="34" charset="0"/>
+              <a:buChar char="•"/>
+            </a:pPr>
+            <a:endParaRPr lang="en-US" sz="1200" b="1" dirty="0" smtClean="0">
+              <a:solidFill>
+                <a:srgbClr val="486DA2"/>
+              </a:solidFill>
+              <a:latin typeface="Verdana" pitchFamily="34" charset="0"/>
+            </a:endParaRPr>
+          </a:p>
+          <a:p>
+            <a:pPr>
+              <a:buFont typeface="Arial" pitchFamily="34" charset="0"/>
+              <a:buChar char="•"/>
+            </a:pPr>
+            <a:r>
+              <a:rPr lang="en-US" sz="1200" b="1" dirty="0" smtClean="0">
+                <a:solidFill>
+                  <a:srgbClr val="486DA2"/>
+                </a:solidFill>
+                <a:latin typeface="Verdana" pitchFamily="34" charset="0"/>
+              </a:rPr>
+              <a:t>GIT Branch</a:t>
+            </a:r>
+          </a:p>
+          <a:p>
+            <a:r>
+              <a:rPr lang="en-US" sz="1200" dirty="0" smtClean="0"/>
+              <a:t>You can run “</a:t>
+            </a:r>
+            <a:r>
+              <a:rPr lang="en-US" sz="1200" b="1" dirty="0" err="1" smtClean="0"/>
+              <a:t>git</a:t>
+            </a:r>
+            <a:r>
+              <a:rPr lang="en-US" sz="1200" b="1" dirty="0" smtClean="0"/>
+              <a:t> branch</a:t>
+            </a:r>
+            <a:r>
+              <a:rPr lang="en-US" sz="1200" dirty="0" smtClean="0"/>
+              <a:t>” to see what branch you’re on, but </a:t>
+            </a:r>
+            <a:r>
+              <a:rPr lang="en-US" sz="1200" dirty="0" err="1" smtClean="0"/>
+              <a:t>msysgit</a:t>
+            </a:r>
+            <a:r>
+              <a:rPr lang="en-US" sz="1200" dirty="0" smtClean="0"/>
+              <a:t> let’s you know via the end of your bash prompt “(master)”. [For more information go </a:t>
+            </a:r>
+            <a:r>
+              <a:rPr lang="en-US" sz="1200" dirty="0" smtClean="0">
+                <a:hlinkClick r:id="rId3" action="ppaction://hlinksldjump"/>
+              </a:rPr>
+              <a:t>here</a:t>
+            </a:r>
+            <a:r>
+              <a:rPr lang="en-US" sz="1200" dirty="0" smtClean="0"/>
+              <a:t>]</a:t>
+            </a:r>
+          </a:p>
+          <a:p>
+            <a:r>
+              <a:rPr lang="en-US" sz="1200" dirty="0" smtClean="0"/>
+              <a:t>The branch name with the asterisk (*) next to it is the active branch.  In this case I only have the one branch, master.</a:t>
+            </a:r>
+          </a:p>
+          <a:p>
+            <a:pPr marL="0" marR="0" indent="0" algn="l" defTabSz="914400" rtl="0" eaLnBrk="1" fontAlgn="auto" latinLnBrk="0" hangingPunct="1">
+              <a:lnSpc>
+                <a:spcPct val="100000"/>
+              </a:lnSpc>
+              <a:spcBef>
+                <a:spcPts val="0"/>
+              </a:spcBef>
+              <a:spcAft>
+                <a:spcPts val="0"/>
+              </a:spcAft>
+              <a:buClrTx/>
+              <a:buSzTx/>
+              <a:buFontTx/>
+              <a:buNone/>
+              <a:tabLst/>
+              <a:defRPr/>
+            </a:pPr>
+            <a:endParaRPr lang="en-US" b="1" dirty="0" smtClean="0"/>
+          </a:p>
+          <a:p>
+            <a:pPr marL="0" marR="0" indent="0" algn="l" defTabSz="914400" rtl="0" eaLnBrk="1" fontAlgn="auto" latinLnBrk="0" hangingPunct="1">
+              <a:lnSpc>
+                <a:spcPct val="100000"/>
+              </a:lnSpc>
+              <a:spcBef>
+                <a:spcPts val="0"/>
+              </a:spcBef>
+              <a:spcAft>
+                <a:spcPts val="0"/>
+              </a:spcAft>
+              <a:buClrTx/>
+              <a:buSzTx/>
+              <a:buFontTx/>
+              <a:buNone/>
+              <a:tabLst/>
+              <a:defRPr/>
+            </a:pPr>
+            <a:r>
+              <a:rPr lang="en-US" b="1" dirty="0" smtClean="0"/>
+              <a:t>To create a remote branch on </a:t>
+            </a:r>
+            <a:r>
+              <a:rPr lang="en-US" b="1" dirty="0" err="1" smtClean="0"/>
+              <a:t>github</a:t>
+            </a:r>
+            <a:r>
+              <a:rPr lang="en-US" b="1" dirty="0" smtClean="0"/>
+              <a:t> that is a replica of your local branch</a:t>
+            </a:r>
+          </a:p>
+          <a:p>
+            <a:pPr marL="0" marR="0" indent="0" algn="l" defTabSz="914400" rtl="0" eaLnBrk="1" fontAlgn="auto" latinLnBrk="0" hangingPunct="1">
+              <a:lnSpc>
+                <a:spcPct val="100000"/>
+              </a:lnSpc>
+              <a:spcBef>
+                <a:spcPts val="0"/>
+              </a:spcBef>
+              <a:spcAft>
+                <a:spcPts val="0"/>
+              </a:spcAft>
+              <a:buClrTx/>
+              <a:buSzTx/>
+              <a:buFontTx/>
+              <a:buNone/>
+              <a:tabLst/>
+              <a:defRPr/>
+            </a:pPr>
+            <a:endParaRPr lang="en-US" dirty="0" smtClean="0"/>
+          </a:p>
+          <a:p>
+            <a:pPr marL="0" marR="0" indent="0" algn="l" defTabSz="914400" rtl="0" eaLnBrk="1" fontAlgn="auto" latinLnBrk="0" hangingPunct="1">
+              <a:lnSpc>
+                <a:spcPct val="100000"/>
+              </a:lnSpc>
+              <a:spcBef>
+                <a:spcPts val="0"/>
+              </a:spcBef>
+              <a:spcAft>
+                <a:spcPts val="0"/>
+              </a:spcAft>
+              <a:buClrTx/>
+              <a:buSzTx/>
+              <a:buFontTx/>
+              <a:buNone/>
+              <a:tabLst/>
+              <a:defRPr/>
+            </a:pPr>
+            <a:r>
+              <a:rPr lang="en-US" dirty="0" smtClean="0"/>
+              <a:t>Suppose you created a local </a:t>
+            </a:r>
+            <a:r>
+              <a:rPr lang="en-US" i="1" dirty="0" err="1" smtClean="0"/>
+              <a:t>plugin</a:t>
+            </a:r>
+            <a:r>
+              <a:rPr lang="en-US" dirty="0" smtClean="0"/>
+              <a:t> branch that you want to expose to others through your </a:t>
+            </a:r>
+            <a:r>
+              <a:rPr lang="en-US" dirty="0" err="1" smtClean="0"/>
+              <a:t>GitHub</a:t>
+            </a:r>
+            <a:r>
+              <a:rPr lang="en-US" dirty="0" smtClean="0"/>
+              <a:t> repository but you are not yet confident enough to put it into the master branch.</a:t>
+            </a:r>
+          </a:p>
+          <a:p>
+            <a:endParaRPr lang="en-US" dirty="0" smtClean="0"/>
+          </a:p>
           <a:p>
             <a:endParaRPr lang="en-US" dirty="0"/>
           </a:p>
@@ -2995,7 +2929,7 @@
             <a:fld id="{06F8F5D6-CB0D-4EDE-B95E-664AB82371FD}" type="slidenum">
               <a:rPr lang="en-US" smtClean="0"/>
               <a:pPr/>
-              <a:t>23</a:t>
+              <a:t>22</a:t>
             </a:fld>
             <a:endParaRPr lang="en-US"/>
           </a:p>
@@ -3051,313 +2985,9 @@
         <p:spPr/>
         <p:txBody>
           <a:bodyPr>
-            <a:normAutofit fontScale="92500" lnSpcReduction="20000"/>
+            <a:normAutofit/>
           </a:bodyPr>
           <a:lstStyle/>
-          <a:p>
-            <a:r>
-              <a:rPr lang="en-US" dirty="0" smtClean="0"/>
-              <a:t>At some point you may find yourself wanting to contribute to someone else’s project, or would like to use someone’s project as the starting point for your own. This is known as “forking.” </a:t>
-            </a:r>
-          </a:p>
-          <a:p>
-            <a:endParaRPr lang="en-US" dirty="0" smtClean="0"/>
-          </a:p>
-          <a:p>
-            <a:r>
-              <a:rPr lang="en-US" dirty="0" smtClean="0"/>
-              <a:t>For this tutorial, we’ll be using the </a:t>
-            </a:r>
-            <a:r>
-              <a:rPr lang="en-US" dirty="0" err="1" smtClean="0"/>
-              <a:t>Scrumdo</a:t>
-            </a:r>
-            <a:r>
-              <a:rPr lang="en-US" dirty="0" smtClean="0"/>
-              <a:t> project.</a:t>
-            </a:r>
-          </a:p>
-          <a:p>
-            <a:endParaRPr lang="en-US" b="1" dirty="0" smtClean="0">
-              <a:solidFill>
-                <a:srgbClr val="486DA2"/>
-              </a:solidFill>
-              <a:latin typeface="Verdana" pitchFamily="34" charset="0"/>
-            </a:endParaRPr>
-          </a:p>
-          <a:p>
-            <a:r>
-              <a:rPr lang="en-US" b="1" dirty="0" smtClean="0"/>
-              <a:t>Step 1: Fork the “</a:t>
-            </a:r>
-            <a:r>
-              <a:rPr lang="en-US" b="1" dirty="0" err="1" smtClean="0"/>
-              <a:t>Scrumdo</a:t>
-            </a:r>
-            <a:r>
-              <a:rPr lang="en-US" b="1" dirty="0" smtClean="0"/>
-              <a:t> ” repo</a:t>
-            </a:r>
-            <a:endParaRPr lang="en-US" dirty="0" smtClean="0"/>
-          </a:p>
-          <a:p>
-            <a:r>
-              <a:rPr lang="en-US" dirty="0" smtClean="0"/>
-              <a:t>To fork this project, click the “Fork” button.</a:t>
-            </a:r>
-          </a:p>
-          <a:p>
-            <a:endParaRPr lang="en-US" b="1" dirty="0" smtClean="0">
-              <a:solidFill>
-                <a:srgbClr val="486DA2"/>
-              </a:solidFill>
-              <a:latin typeface="Verdana" pitchFamily="34" charset="0"/>
-            </a:endParaRPr>
-          </a:p>
-          <a:p>
-            <a:r>
-              <a:rPr lang="en-US" b="1" dirty="0" smtClean="0"/>
-              <a:t>Step 2 : Set Up Your Local Repo</a:t>
-            </a:r>
-          </a:p>
-          <a:p>
-            <a:r>
-              <a:rPr lang="en-US" dirty="0" smtClean="0"/>
-              <a:t>You’ve successfully forked the </a:t>
-            </a:r>
-            <a:r>
-              <a:rPr lang="en-US" dirty="0" err="1" smtClean="0"/>
-              <a:t>Scrumdo</a:t>
-            </a:r>
-            <a:r>
-              <a:rPr lang="en-US" dirty="0" smtClean="0"/>
-              <a:t> repo, but so far it only exists on </a:t>
-            </a:r>
-            <a:r>
-              <a:rPr lang="en-US" dirty="0" err="1" smtClean="0"/>
-              <a:t>GitHub</a:t>
-            </a:r>
-            <a:r>
-              <a:rPr lang="en-US" dirty="0" smtClean="0"/>
-              <a:t>. To be able to work on the project, you will need to clone it to your local machine.</a:t>
-            </a:r>
-          </a:p>
-          <a:p>
-            <a:endParaRPr lang="en-US" dirty="0" smtClean="0"/>
-          </a:p>
-          <a:p>
-            <a:r>
-              <a:rPr lang="en-US" b="1" dirty="0" smtClean="0"/>
-              <a:t>Step 2A: Clone the </a:t>
-            </a:r>
-            <a:r>
-              <a:rPr lang="en-US" b="1" dirty="0" smtClean="0"/>
-              <a:t>“</a:t>
-            </a:r>
-            <a:r>
-              <a:rPr lang="en-US" b="1" dirty="0" err="1" smtClean="0"/>
-              <a:t>Scrumdo</a:t>
-            </a:r>
-            <a:r>
-              <a:rPr lang="en-US" b="1" dirty="0" smtClean="0"/>
-              <a:t>” </a:t>
-            </a:r>
-            <a:r>
-              <a:rPr lang="en-US" b="1" dirty="0" smtClean="0"/>
-              <a:t>project</a:t>
-            </a:r>
-            <a:endParaRPr lang="en-US" dirty="0" smtClean="0"/>
-          </a:p>
-          <a:p>
-            <a:r>
-              <a:rPr lang="en-US" dirty="0" smtClean="0"/>
-              <a:t>Run the following code:	</a:t>
-            </a:r>
-            <a:r>
-              <a:rPr lang="en-US" sz="1100" dirty="0" smtClean="0">
-                <a:latin typeface="Courier New" pitchFamily="49" charset="0"/>
-                <a:cs typeface="Courier New" pitchFamily="49" charset="0"/>
-                <a:sym typeface="Wingdings 3"/>
-              </a:rPr>
-              <a:t>$ </a:t>
-            </a:r>
-            <a:r>
-              <a:rPr lang="en-US" sz="1100" dirty="0" err="1" smtClean="0">
-                <a:latin typeface="Courier New" pitchFamily="49" charset="0"/>
-                <a:cs typeface="Courier New" pitchFamily="49" charset="0"/>
-                <a:sym typeface="Wingdings 3"/>
-              </a:rPr>
-              <a:t>git</a:t>
-            </a:r>
-            <a:r>
-              <a:rPr lang="en-US" sz="1100" dirty="0" smtClean="0">
-                <a:latin typeface="Courier New" pitchFamily="49" charset="0"/>
-                <a:cs typeface="Courier New" pitchFamily="49" charset="0"/>
-                <a:sym typeface="Wingdings 3"/>
-              </a:rPr>
-              <a:t> clone </a:t>
-            </a:r>
-            <a:r>
-              <a:rPr lang="en-US" sz="1100" dirty="0" err="1" smtClean="0">
-                <a:latin typeface="Courier New" pitchFamily="49" charset="0"/>
-                <a:cs typeface="Courier New" pitchFamily="49" charset="0"/>
-                <a:sym typeface="Wingdings 3"/>
-              </a:rPr>
-              <a:t>git@github.com:username</a:t>
-            </a:r>
-            <a:r>
-              <a:rPr lang="en-US" sz="1100" dirty="0" smtClean="0">
-                <a:latin typeface="Courier New" pitchFamily="49" charset="0"/>
-                <a:cs typeface="Courier New" pitchFamily="49" charset="0"/>
-                <a:sym typeface="Wingdings 3"/>
-              </a:rPr>
-              <a:t>/Scrumdo.git</a:t>
-            </a:r>
-          </a:p>
-          <a:p>
-            <a:endParaRPr lang="en-US" dirty="0" smtClean="0"/>
-          </a:p>
-          <a:p>
-            <a:r>
-              <a:rPr lang="en-US" b="1" dirty="0" smtClean="0"/>
-              <a:t>Step 2B: Configure remotes</a:t>
-            </a:r>
-            <a:endParaRPr lang="en-US" dirty="0" smtClean="0"/>
-          </a:p>
-          <a:p>
-            <a:r>
-              <a:rPr lang="en-US" dirty="0" smtClean="0"/>
-              <a:t>When a repo is cloned, it has a default remote called origin that points to your fork on </a:t>
-            </a:r>
-            <a:r>
-              <a:rPr lang="en-US" dirty="0" err="1" smtClean="0"/>
-              <a:t>GitHub</a:t>
-            </a:r>
-            <a:r>
-              <a:rPr lang="en-US" dirty="0" smtClean="0"/>
-              <a:t>, not the original repo it was forked from. To keep track of the original repo, you need to add another remote named upstream:</a:t>
-            </a:r>
-          </a:p>
-          <a:p>
-            <a:endParaRPr lang="en-US" dirty="0" smtClean="0"/>
-          </a:p>
-          <a:p>
-            <a:r>
-              <a:rPr lang="en-US" sz="1100" dirty="0" smtClean="0">
-                <a:latin typeface="Courier New" pitchFamily="49" charset="0"/>
-                <a:cs typeface="Courier New" pitchFamily="49" charset="0"/>
-                <a:sym typeface="Wingdings 3"/>
-              </a:rPr>
-              <a:t>$ </a:t>
-            </a:r>
-            <a:r>
-              <a:rPr lang="en-US" sz="1100" dirty="0" err="1" smtClean="0">
-                <a:latin typeface="Courier New" pitchFamily="49" charset="0"/>
-                <a:cs typeface="Courier New" pitchFamily="49" charset="0"/>
-                <a:sym typeface="Wingdings 3"/>
-              </a:rPr>
-              <a:t>cd</a:t>
-            </a:r>
-            <a:r>
-              <a:rPr lang="en-US" sz="1100" dirty="0" smtClean="0">
-                <a:latin typeface="Courier New" pitchFamily="49" charset="0"/>
-                <a:cs typeface="Courier New" pitchFamily="49" charset="0"/>
-                <a:sym typeface="Wingdings 3"/>
-              </a:rPr>
-              <a:t> </a:t>
-            </a:r>
-            <a:r>
-              <a:rPr lang="en-US" sz="1100" dirty="0" err="1" smtClean="0">
-                <a:latin typeface="Courier New" pitchFamily="49" charset="0"/>
-                <a:cs typeface="Courier New" pitchFamily="49" charset="0"/>
-                <a:sym typeface="Wingdings 3"/>
-              </a:rPr>
-              <a:t>Scrumdo</a:t>
-            </a:r>
-            <a:endParaRPr lang="en-US" sz="1100" dirty="0" smtClean="0">
-              <a:latin typeface="Courier New" pitchFamily="49" charset="0"/>
-              <a:cs typeface="Courier New" pitchFamily="49" charset="0"/>
-              <a:sym typeface="Wingdings 3"/>
-            </a:endParaRPr>
-          </a:p>
-          <a:p>
-            <a:r>
-              <a:rPr lang="en-US" sz="1100" dirty="0" smtClean="0">
-                <a:latin typeface="Courier New" pitchFamily="49" charset="0"/>
-                <a:cs typeface="Courier New" pitchFamily="49" charset="0"/>
-                <a:sym typeface="Wingdings 3"/>
-              </a:rPr>
-              <a:t>$ </a:t>
-            </a:r>
-            <a:r>
-              <a:rPr lang="en-US" sz="1100" dirty="0" err="1" smtClean="0">
-                <a:latin typeface="Courier New" pitchFamily="49" charset="0"/>
-                <a:cs typeface="Courier New" pitchFamily="49" charset="0"/>
-                <a:sym typeface="Wingdings 3"/>
-              </a:rPr>
-              <a:t>git</a:t>
-            </a:r>
-            <a:r>
-              <a:rPr lang="en-US" sz="1100" dirty="0" smtClean="0">
-                <a:latin typeface="Courier New" pitchFamily="49" charset="0"/>
-                <a:cs typeface="Courier New" pitchFamily="49" charset="0"/>
-                <a:sym typeface="Wingdings 3"/>
-              </a:rPr>
-              <a:t> remote add upstream git://github.com/ScrumDoLLC/ScrumDo.git</a:t>
-            </a:r>
-          </a:p>
-          <a:p>
-            <a:r>
-              <a:rPr lang="en-US" sz="1100" dirty="0" smtClean="0">
-                <a:latin typeface="Courier New" pitchFamily="49" charset="0"/>
-                <a:cs typeface="Courier New" pitchFamily="49" charset="0"/>
-                <a:sym typeface="Wingdings 3"/>
-              </a:rPr>
-              <a:t>$ </a:t>
-            </a:r>
-            <a:r>
-              <a:rPr lang="en-US" sz="1100" dirty="0" err="1" smtClean="0">
-                <a:latin typeface="Courier New" pitchFamily="49" charset="0"/>
-                <a:cs typeface="Courier New" pitchFamily="49" charset="0"/>
-                <a:sym typeface="Wingdings 3"/>
-              </a:rPr>
-              <a:t>git</a:t>
-            </a:r>
-            <a:r>
-              <a:rPr lang="en-US" sz="1100" dirty="0" smtClean="0">
-                <a:latin typeface="Courier New" pitchFamily="49" charset="0"/>
-                <a:cs typeface="Courier New" pitchFamily="49" charset="0"/>
-                <a:sym typeface="Wingdings 3"/>
-              </a:rPr>
-              <a:t> fetch upstream</a:t>
-            </a:r>
-          </a:p>
-          <a:p>
-            <a:endParaRPr lang="en-US" sz="1100" dirty="0" smtClean="0">
-              <a:latin typeface="Courier New" pitchFamily="49" charset="0"/>
-              <a:cs typeface="Courier New" pitchFamily="49" charset="0"/>
-              <a:sym typeface="Wingdings 3"/>
-              <a:hlinkClick r:id="rId3"/>
-            </a:endParaRPr>
-          </a:p>
-          <a:p>
-            <a:r>
-              <a:rPr lang="en-US" dirty="0" smtClean="0"/>
-              <a:t>You’ve successfully forked a repo!</a:t>
-            </a:r>
-          </a:p>
-          <a:p>
-            <a:endParaRPr lang="en-US" dirty="0" smtClean="0">
-              <a:sym typeface="Wingdings 3"/>
-              <a:hlinkClick r:id="rId3"/>
-            </a:endParaRPr>
-          </a:p>
-          <a:p>
-            <a:endParaRPr lang="en-US" dirty="0" smtClean="0">
-              <a:sym typeface="Wingdings 3"/>
-              <a:hlinkClick r:id="rId3"/>
-            </a:endParaRPr>
-          </a:p>
           <a:p>
             <a:endParaRPr lang="en-US" dirty="0"/>
           </a:p>
@@ -3381,7 +3011,7 @@
             <a:fld id="{06F8F5D6-CB0D-4EDE-B95E-664AB82371FD}" type="slidenum">
               <a:rPr lang="en-US" smtClean="0"/>
               <a:pPr/>
-              <a:t>24</a:t>
+              <a:t>23</a:t>
             </a:fld>
             <a:endParaRPr lang="en-US"/>
           </a:p>
@@ -3437,22 +3067,120 @@
         <p:spPr/>
         <p:txBody>
           <a:bodyPr>
-            <a:normAutofit fontScale="85000" lnSpcReduction="20000"/>
+            <a:normAutofit fontScale="92500" lnSpcReduction="20000"/>
           </a:bodyPr>
           <a:lstStyle/>
           <a:p>
             <a:r>
+              <a:rPr lang="en-US" dirty="0" smtClean="0"/>
+              <a:t>At some point you may find yourself wanting to contribute to someone else’s project, or would like to use someone’s project as the starting point for your own. This is known as “forking.” </a:t>
+            </a:r>
+          </a:p>
+          <a:p>
+            <a:endParaRPr lang="en-US" dirty="0" smtClean="0"/>
+          </a:p>
+          <a:p>
+            <a:r>
+              <a:rPr lang="en-US" dirty="0" smtClean="0"/>
+              <a:t>For this tutorial, we’ll be using the </a:t>
+            </a:r>
+            <a:r>
+              <a:rPr lang="en-US" dirty="0" err="1" smtClean="0"/>
+              <a:t>Scrumdo</a:t>
+            </a:r>
+            <a:r>
+              <a:rPr lang="en-US" dirty="0" smtClean="0"/>
+              <a:t> project.</a:t>
+            </a:r>
+          </a:p>
+          <a:p>
+            <a:endParaRPr lang="en-US" b="1" dirty="0" smtClean="0">
+              <a:solidFill>
+                <a:srgbClr val="486DA2"/>
+              </a:solidFill>
+              <a:latin typeface="Verdana" pitchFamily="34" charset="0"/>
+            </a:endParaRPr>
+          </a:p>
+          <a:p>
+            <a:r>
               <a:rPr lang="en-US" b="1" dirty="0" smtClean="0"/>
-              <a:t>Push commits:</a:t>
-            </a:r>
+              <a:t>Step 1: Fork the “</a:t>
+            </a:r>
+            <a:r>
+              <a:rPr lang="en-US" b="1" dirty="0" err="1" smtClean="0"/>
+              <a:t>Scrumdo</a:t>
+            </a:r>
+            <a:r>
+              <a:rPr lang="en-US" b="1" dirty="0" smtClean="0"/>
+              <a:t> ” repo</a:t>
+            </a:r>
+            <a:endParaRPr lang="en-US" dirty="0" smtClean="0"/>
           </a:p>
           <a:p>
             <a:r>
               <a:rPr lang="en-US" dirty="0" smtClean="0"/>
-              <a:t>Once you’ve made some commits to a forked repo and want to push it to your forked project, you do it the same way you would with a regular repo:</a:t>
-            </a:r>
-          </a:p>
-          <a:p>
+              <a:t>To fork this project, click the “Fork” button.</a:t>
+            </a:r>
+          </a:p>
+          <a:p>
+            <a:endParaRPr lang="en-US" b="1" dirty="0" smtClean="0">
+              <a:solidFill>
+                <a:srgbClr val="486DA2"/>
+              </a:solidFill>
+              <a:latin typeface="Verdana" pitchFamily="34" charset="0"/>
+            </a:endParaRPr>
+          </a:p>
+          <a:p>
+            <a:r>
+              <a:rPr lang="en-US" b="1" dirty="0" smtClean="0"/>
+              <a:t>Step 2 : Set Up Your Local Repo</a:t>
+            </a:r>
+          </a:p>
+          <a:p>
+            <a:r>
+              <a:rPr lang="en-US" dirty="0" smtClean="0"/>
+              <a:t>You’ve successfully forked the </a:t>
+            </a:r>
+            <a:r>
+              <a:rPr lang="en-US" dirty="0" err="1" smtClean="0"/>
+              <a:t>Scrumdo</a:t>
+            </a:r>
+            <a:r>
+              <a:rPr lang="en-US" dirty="0" smtClean="0"/>
+              <a:t> repo, but so far it only exists on </a:t>
+            </a:r>
+            <a:r>
+              <a:rPr lang="en-US" dirty="0" err="1" smtClean="0"/>
+              <a:t>GitHub</a:t>
+            </a:r>
+            <a:r>
+              <a:rPr lang="en-US" dirty="0" smtClean="0"/>
+              <a:t>. To be able to work on the project, you will need to clone it to your local machine.</a:t>
+            </a:r>
+          </a:p>
+          <a:p>
+            <a:endParaRPr lang="en-US" dirty="0" smtClean="0"/>
+          </a:p>
+          <a:p>
+            <a:r>
+              <a:rPr lang="en-US" b="1" dirty="0" smtClean="0"/>
+              <a:t>Step 2A: Clone the “</a:t>
+            </a:r>
+            <a:r>
+              <a:rPr lang="en-US" b="1" dirty="0" err="1" smtClean="0"/>
+              <a:t>Scrumdo</a:t>
+            </a:r>
+            <a:r>
+              <a:rPr lang="en-US" b="1" dirty="0" smtClean="0"/>
+              <a:t>” project</a:t>
+            </a:r>
+            <a:endParaRPr lang="en-US" dirty="0" smtClean="0"/>
+          </a:p>
+          <a:p>
+            <a:r>
+              <a:rPr lang="en-US" dirty="0" smtClean="0"/>
+              <a:t>Run the following code:	</a:t>
+            </a:r>
             <a:r>
               <a:rPr lang="en-US" sz="1100" dirty="0" smtClean="0">
                 <a:latin typeface="Courier New" pitchFamily="49" charset="0"/>
@@ -3475,31 +3203,59 @@
                 <a:cs typeface="Courier New" pitchFamily="49" charset="0"/>
                 <a:sym typeface="Wingdings 3"/>
               </a:rPr>
-              <a:t> push origin master</a:t>
-            </a:r>
-          </a:p>
-          <a:p>
-            <a:endParaRPr lang="en-US" dirty="0" smtClean="0"/>
-          </a:p>
-          <a:p>
-            <a:r>
-              <a:rPr lang="en-US" b="1" dirty="0" smtClean="0"/>
-              <a:t>Pull in upstream changes:</a:t>
-            </a:r>
-          </a:p>
-          <a:p>
-            <a:r>
-              <a:rPr lang="en-US" dirty="0" smtClean="0"/>
-              <a:t>If the original repo you forked your project from gets updated, you can add those updates to your fork by running the code:</a:t>
-            </a:r>
-          </a:p>
-          <a:p>
+              <a:t> clone </a:t>
+            </a:r>
+            <a:r>
+              <a:rPr lang="en-US" sz="1100" dirty="0" err="1" smtClean="0">
+                <a:latin typeface="Courier New" pitchFamily="49" charset="0"/>
+                <a:cs typeface="Courier New" pitchFamily="49" charset="0"/>
+                <a:sym typeface="Wingdings 3"/>
+              </a:rPr>
+              <a:t>git@github.com:username</a:t>
+            </a:r>
             <a:r>
               <a:rPr lang="en-US" sz="1100" dirty="0" smtClean="0">
                 <a:latin typeface="Courier New" pitchFamily="49" charset="0"/>
                 <a:cs typeface="Courier New" pitchFamily="49" charset="0"/>
                 <a:sym typeface="Wingdings 3"/>
               </a:rPr>
+              <a:t>/Scrumdo.git</a:t>
+            </a:r>
+          </a:p>
+          <a:p>
+            <a:endParaRPr lang="en-US" dirty="0" smtClean="0"/>
+          </a:p>
+          <a:p>
+            <a:r>
+              <a:rPr lang="en-US" b="1" dirty="0" smtClean="0"/>
+              <a:t>Step 2B: Configure remotes</a:t>
+            </a:r>
+            <a:endParaRPr lang="en-US" dirty="0" smtClean="0"/>
+          </a:p>
+          <a:p>
+            <a:r>
+              <a:rPr lang="en-US" dirty="0" smtClean="0"/>
+              <a:t>When a repo is cloned, it has a default remote called origin that points to your fork on </a:t>
+            </a:r>
+            <a:r>
+              <a:rPr lang="en-US" dirty="0" err="1" smtClean="0"/>
+              <a:t>GitHub</a:t>
+            </a:r>
+            <a:r>
+              <a:rPr lang="en-US" dirty="0" smtClean="0"/>
+              <a:t>, not the original repo it was forked from. To keep track of the original repo, you need to add another remote named upstream:</a:t>
+            </a:r>
+          </a:p>
+          <a:p>
+            <a:endParaRPr lang="en-US" dirty="0" smtClean="0"/>
+          </a:p>
+          <a:p>
+            <a:r>
+              <a:rPr lang="en-US" sz="1100" dirty="0" smtClean="0">
+                <a:latin typeface="Courier New" pitchFamily="49" charset="0"/>
+                <a:cs typeface="Courier New" pitchFamily="49" charset="0"/>
+                <a:sym typeface="Wingdings 3"/>
+              </a:rPr>
               <a:t>$ </a:t>
             </a:r>
             <a:r>
@@ -3508,7 +3264,7 @@
                 <a:cs typeface="Courier New" pitchFamily="49" charset="0"/>
                 <a:sym typeface="Wingdings 3"/>
               </a:rPr>
-              <a:t>git</a:t>
+              <a:t>cd</a:t>
             </a:r>
             <a:r>
               <a:rPr lang="en-US" sz="1100" dirty="0" smtClean="0">
@@ -3516,8 +3272,21 @@
                 <a:cs typeface="Courier New" pitchFamily="49" charset="0"/>
                 <a:sym typeface="Wingdings 3"/>
               </a:rPr>
-              <a:t> fetch upstream</a:t>
-            </a:r>
+              <a:t> </a:t>
+            </a:r>
+            <a:r>
+              <a:rPr lang="en-US" sz="1100" dirty="0" err="1" smtClean="0">
+                <a:latin typeface="Courier New" pitchFamily="49" charset="0"/>
+                <a:cs typeface="Courier New" pitchFamily="49" charset="0"/>
+                <a:sym typeface="Wingdings 3"/>
+              </a:rPr>
+              <a:t>Scrumdo</a:t>
+            </a:r>
+            <a:endParaRPr lang="en-US" sz="1100" dirty="0" smtClean="0">
+              <a:latin typeface="Courier New" pitchFamily="49" charset="0"/>
+              <a:cs typeface="Courier New" pitchFamily="49" charset="0"/>
+              <a:sym typeface="Wingdings 3"/>
+            </a:endParaRPr>
           </a:p>
           <a:p>
             <a:r>
@@ -3542,107 +3311,60 @@
                 <a:cs typeface="Courier New" pitchFamily="49" charset="0"/>
                 <a:sym typeface="Wingdings 3"/>
               </a:rPr>
-              <a:t> merge upstream/master</a:t>
-            </a:r>
-          </a:p>
-          <a:p>
-            <a:endParaRPr lang="en-US" dirty="0" smtClean="0"/>
-          </a:p>
-          <a:p>
-            <a:r>
-              <a:rPr lang="en-US" b="1" dirty="0" smtClean="0"/>
-              <a:t>Work with branches:</a:t>
-            </a:r>
+              <a:t> remote add upstream git://github.com/ScrumDoLLC/ScrumDo.git</a:t>
+            </a:r>
+          </a:p>
+          <a:p>
+            <a:r>
+              <a:rPr lang="en-US" sz="1100" dirty="0" smtClean="0">
+                <a:latin typeface="Courier New" pitchFamily="49" charset="0"/>
+                <a:cs typeface="Courier New" pitchFamily="49" charset="0"/>
+                <a:sym typeface="Wingdings 3"/>
+              </a:rPr>
+              <a:t>$ </a:t>
+            </a:r>
+            <a:r>
+              <a:rPr lang="en-US" sz="1100" dirty="0" err="1" smtClean="0">
+                <a:latin typeface="Courier New" pitchFamily="49" charset="0"/>
+                <a:cs typeface="Courier New" pitchFamily="49" charset="0"/>
+                <a:sym typeface="Wingdings 3"/>
+              </a:rPr>
+              <a:t>git</a:t>
+            </a:r>
+            <a:r>
+              <a:rPr lang="en-US" sz="1100" dirty="0" smtClean="0">
+                <a:latin typeface="Courier New" pitchFamily="49" charset="0"/>
+                <a:cs typeface="Courier New" pitchFamily="49" charset="0"/>
+                <a:sym typeface="Wingdings 3"/>
+              </a:rPr>
+              <a:t> fetch upstream</a:t>
+            </a:r>
+          </a:p>
+          <a:p>
+            <a:endParaRPr lang="en-US" sz="1100" dirty="0" smtClean="0">
+              <a:latin typeface="Courier New" pitchFamily="49" charset="0"/>
+              <a:cs typeface="Courier New" pitchFamily="49" charset="0"/>
+              <a:sym typeface="Wingdings 3"/>
+              <a:hlinkClick r:id="rId3"/>
+            </a:endParaRPr>
           </a:p>
           <a:p>
             <a:r>
               <a:rPr lang="en-US" dirty="0" smtClean="0"/>
-              <a:t>Branching allows you to build new features or test out ideas without putting your main project at risk. A </a:t>
-            </a:r>
-            <a:r>
-              <a:rPr lang="en-US" dirty="0" err="1" smtClean="0"/>
-              <a:t>Git</a:t>
-            </a:r>
-            <a:r>
-              <a:rPr lang="en-US" dirty="0" smtClean="0"/>
-              <a:t> branch is a small file that references the commit it was spawned from. This makes </a:t>
-            </a:r>
-            <a:r>
-              <a:rPr lang="en-US" dirty="0" err="1" smtClean="0"/>
-              <a:t>Git</a:t>
-            </a:r>
-            <a:r>
-              <a:rPr lang="en-US" dirty="0" smtClean="0"/>
-              <a:t> branches very small and easy to work with.</a:t>
-            </a:r>
-          </a:p>
-          <a:p>
-            <a:endParaRPr lang="en-US" dirty="0" smtClean="0"/>
-          </a:p>
-          <a:p>
-            <a:r>
-              <a:rPr lang="en-US" b="1" dirty="0" smtClean="0"/>
-              <a:t>Pull requests:</a:t>
-            </a:r>
-          </a:p>
-          <a:p>
-            <a:r>
-              <a:rPr lang="en-US" dirty="0" smtClean="0"/>
-              <a:t>If you are hoping to contribute back to the original fork, you can send the original author a pull request.</a:t>
-            </a:r>
-          </a:p>
-          <a:p>
-            <a:endParaRPr lang="en-US" b="1" dirty="0" smtClean="0"/>
-          </a:p>
-          <a:p>
-            <a:r>
-              <a:rPr lang="en-US" b="1" dirty="0" err="1" smtClean="0"/>
-              <a:t>Unwatch</a:t>
-            </a:r>
-            <a:r>
-              <a:rPr lang="en-US" b="1" dirty="0" smtClean="0"/>
-              <a:t> the main repo:</a:t>
-            </a:r>
-          </a:p>
-          <a:p>
-            <a:r>
-              <a:rPr lang="en-US" dirty="0" smtClean="0"/>
-              <a:t>When you fork a particularly popular repo, you may find yourself with a lot of unwanted updates about it. To unsubscribe from updates to the main repo, click the “</a:t>
-            </a:r>
-            <a:r>
-              <a:rPr lang="en-US" dirty="0" err="1" smtClean="0"/>
-              <a:t>Unwatch</a:t>
-            </a:r>
-            <a:r>
-              <a:rPr lang="en-US" dirty="0" smtClean="0"/>
-              <a:t>” button on the </a:t>
-            </a:r>
-            <a:r>
-              <a:rPr lang="en-US" b="1" dirty="0" smtClean="0"/>
-              <a:t>main repo</a:t>
-            </a:r>
-            <a:r>
-              <a:rPr lang="en-US" dirty="0" smtClean="0"/>
-              <a:t>.</a:t>
-            </a:r>
-          </a:p>
-          <a:p>
-            <a:endParaRPr lang="en-US" b="1" dirty="0" smtClean="0"/>
-          </a:p>
-          <a:p>
-            <a:r>
-              <a:rPr lang="en-US" b="1" dirty="0" smtClean="0"/>
-              <a:t>Delete your fork:</a:t>
-            </a:r>
-          </a:p>
-          <a:p>
-            <a:r>
-              <a:rPr lang="en-US" dirty="0" smtClean="0"/>
-              <a:t>At some point you may decide that you want to delete your fork. To delete a fork, just follow the same steps as you would to delete a regular repo.</a:t>
-            </a:r>
-          </a:p>
-          <a:p>
-            <a:endParaRPr lang="en-US" dirty="0" smtClean="0"/>
+              <a:t>You’ve successfully forked a repo!</a:t>
+            </a:r>
+          </a:p>
+          <a:p>
+            <a:endParaRPr lang="en-US" dirty="0" smtClean="0">
+              <a:sym typeface="Wingdings 3"/>
+              <a:hlinkClick r:id="rId3"/>
+            </a:endParaRPr>
+          </a:p>
+          <a:p>
+            <a:endParaRPr lang="en-US" dirty="0" smtClean="0">
+              <a:sym typeface="Wingdings 3"/>
+              <a:hlinkClick r:id="rId3"/>
+            </a:endParaRPr>
           </a:p>
           <a:p>
             <a:endParaRPr lang="en-US" dirty="0"/>
@@ -3667,7 +3389,7 @@
             <a:fld id="{06F8F5D6-CB0D-4EDE-B95E-664AB82371FD}" type="slidenum">
               <a:rPr lang="en-US" smtClean="0"/>
               <a:pPr/>
-              <a:t>25</a:t>
+              <a:t>24</a:t>
             </a:fld>
             <a:endParaRPr lang="en-US"/>
           </a:p>
@@ -3729,18 +3451,52 @@
           <a:p>
             <a:pPr algn="just"/>
             <a:r>
-              <a:rPr lang="en-US" sz="1200" b="1" dirty="0" smtClean="0">
+              <a:rPr lang="fr-FR" sz="1400" b="1" dirty="0" err="1" smtClean="0">
                 <a:solidFill>
                   <a:srgbClr val="486DA2"/>
                 </a:solidFill>
                 <a:latin typeface="Verdana" pitchFamily="34" charset="0"/>
               </a:rPr>
-              <a:t>What's GIT?</a:t>
+              <a:t>What</a:t>
+            </a:r>
+            <a:r>
+              <a:rPr lang="fr-FR" sz="1400" b="1" dirty="0" smtClean="0">
+                <a:solidFill>
+                  <a:srgbClr val="486DA2"/>
+                </a:solidFill>
+                <a:latin typeface="Verdana" pitchFamily="34" charset="0"/>
+              </a:rPr>
+              <a:t> </a:t>
+            </a:r>
+            <a:r>
+              <a:rPr lang="fr-FR" sz="1400" b="1" dirty="0" err="1" smtClean="0">
+                <a:solidFill>
+                  <a:srgbClr val="486DA2"/>
+                </a:solidFill>
+                <a:latin typeface="Verdana" pitchFamily="34" charset="0"/>
+              </a:rPr>
+              <a:t>is</a:t>
+            </a:r>
+            <a:r>
+              <a:rPr lang="fr-FR" sz="1400" b="1" dirty="0" smtClean="0">
+                <a:solidFill>
+                  <a:srgbClr val="486DA2"/>
+                </a:solidFill>
+                <a:latin typeface="Verdana" pitchFamily="34" charset="0"/>
+              </a:rPr>
+              <a:t> Version Control?</a:t>
             </a:r>
           </a:p>
           <a:p>
             <a:pPr algn="just"/>
-            <a:endParaRPr lang="en-US" sz="1200" b="1" dirty="0" smtClean="0">
+            <a:r>
+              <a:rPr lang="en-US" dirty="0" smtClean="0"/>
+              <a:t>It is a system that records changes to a file or set of files over time so that you can recall specific versions later.</a:t>
+            </a:r>
+          </a:p>
+          <a:p>
+            <a:pPr algn="just"/>
+            <a:endParaRPr lang="en-US" sz="1400" b="1" dirty="0" smtClean="0">
               <a:solidFill>
                 <a:srgbClr val="486DA2"/>
               </a:solidFill>
@@ -3750,194 +3506,64 @@
           <a:p>
             <a:pPr algn="just"/>
             <a:r>
-              <a:rPr lang="en-US" sz="1200" b="1" dirty="0" err="1" smtClean="0">
+              <a:rPr lang="en-US" sz="1400" b="1" dirty="0" smtClean="0">
                 <a:solidFill>
                   <a:srgbClr val="486DA2"/>
                 </a:solidFill>
                 <a:latin typeface="Verdana" pitchFamily="34" charset="0"/>
               </a:rPr>
-              <a:t>Git</a:t>
-            </a:r>
-            <a:r>
-              <a:rPr lang="en-US" sz="1200" b="1" dirty="0" smtClean="0">
-                <a:solidFill>
-                  <a:srgbClr val="486DA2"/>
-                </a:solidFill>
-                <a:latin typeface="Verdana" pitchFamily="34" charset="0"/>
-              </a:rPr>
-              <a:t> is an extremely fast, efficient, distributed version control system ideal for the collaborative development of software.</a:t>
-            </a:r>
-          </a:p>
-          <a:p>
-            <a:pPr algn="just"/>
-            <a:endParaRPr lang="en-US" sz="1200" b="1" dirty="0" smtClean="0">
-              <a:solidFill>
-                <a:srgbClr val="486DA2"/>
-              </a:solidFill>
-              <a:latin typeface="Verdana" pitchFamily="34" charset="0"/>
-            </a:endParaRPr>
-          </a:p>
-          <a:p>
-            <a:pPr algn="just"/>
-            <a:r>
-              <a:rPr lang="en-US" sz="1200" b="1" dirty="0" smtClean="0">
-                <a:solidFill>
-                  <a:srgbClr val="486DA2"/>
-                </a:solidFill>
-                <a:latin typeface="Verdana" pitchFamily="34" charset="0"/>
-              </a:rPr>
-              <a:t>Why is it</a:t>
-            </a:r>
-            <a:r>
-              <a:rPr lang="en-US" sz="1200" b="1" baseline="0" dirty="0" smtClean="0">
-                <a:solidFill>
-                  <a:srgbClr val="486DA2"/>
-                </a:solidFill>
-                <a:latin typeface="Verdana" pitchFamily="34" charset="0"/>
-              </a:rPr>
-              <a:t> fast t- because it maximizes uses of storage and pointer </a:t>
-            </a:r>
-            <a:r>
-              <a:rPr lang="en-US" sz="1200" b="1" baseline="0" dirty="0" err="1" smtClean="0">
-                <a:solidFill>
-                  <a:srgbClr val="486DA2"/>
-                </a:solidFill>
-                <a:latin typeface="Verdana" pitchFamily="34" charset="0"/>
-              </a:rPr>
-              <a:t>arithmentic</a:t>
-            </a:r>
-            <a:r>
-              <a:rPr lang="en-US" sz="1200" b="1" baseline="0" dirty="0" smtClean="0">
-                <a:solidFill>
-                  <a:srgbClr val="486DA2"/>
-                </a:solidFill>
-                <a:latin typeface="Verdana" pitchFamily="34" charset="0"/>
-              </a:rPr>
-              <a:t>.</a:t>
-            </a:r>
-            <a:endParaRPr lang="en-US" sz="1200" b="1" dirty="0" smtClean="0">
-              <a:solidFill>
-                <a:srgbClr val="486DA2"/>
-              </a:solidFill>
-              <a:latin typeface="Verdana" pitchFamily="34" charset="0"/>
-            </a:endParaRPr>
-          </a:p>
-          <a:p>
-            <a:pPr algn="just"/>
-            <a:endParaRPr lang="en-US" sz="1200" b="1" dirty="0" smtClean="0">
-              <a:solidFill>
-                <a:srgbClr val="486DA2"/>
-              </a:solidFill>
-              <a:latin typeface="Verdana" pitchFamily="34" charset="0"/>
-            </a:endParaRPr>
-          </a:p>
-          <a:p>
-            <a:pPr algn="just"/>
-            <a:r>
-              <a:rPr lang="en-US" sz="1200" b="1" dirty="0" smtClean="0">
-                <a:solidFill>
-                  <a:srgbClr val="486DA2"/>
-                </a:solidFill>
-                <a:latin typeface="Verdana" pitchFamily="34" charset="0"/>
-              </a:rPr>
-              <a:t>And why </a:t>
-            </a:r>
-            <a:r>
-              <a:rPr lang="en-US" sz="1200" b="1" dirty="0" err="1" smtClean="0">
-                <a:solidFill>
-                  <a:srgbClr val="486DA2"/>
-                </a:solidFill>
-                <a:latin typeface="Verdana" pitchFamily="34" charset="0"/>
-              </a:rPr>
-              <a:t>GITHub</a:t>
-            </a:r>
-            <a:r>
-              <a:rPr lang="en-US" sz="1200" b="1" dirty="0" smtClean="0">
-                <a:solidFill>
-                  <a:srgbClr val="486DA2"/>
-                </a:solidFill>
-                <a:latin typeface="Verdana" pitchFamily="34" charset="0"/>
-              </a:rPr>
-              <a:t>?</a:t>
-            </a:r>
-          </a:p>
-          <a:p>
-            <a:pPr algn="just"/>
-            <a:endParaRPr lang="en-US" sz="1200" b="1" dirty="0" smtClean="0">
-              <a:solidFill>
-                <a:srgbClr val="486DA2"/>
-              </a:solidFill>
-              <a:latin typeface="Verdana" pitchFamily="34" charset="0"/>
-            </a:endParaRPr>
-          </a:p>
-          <a:p>
-            <a:pPr algn="just"/>
-            <a:r>
-              <a:rPr lang="en-US" sz="1200" b="1" dirty="0" err="1" smtClean="0">
-                <a:solidFill>
-                  <a:srgbClr val="486DA2"/>
-                </a:solidFill>
-                <a:latin typeface="Verdana" pitchFamily="34" charset="0"/>
-              </a:rPr>
-              <a:t>GitHub</a:t>
-            </a:r>
-            <a:r>
-              <a:rPr lang="en-US" sz="1200" b="1" dirty="0" smtClean="0">
-                <a:solidFill>
-                  <a:srgbClr val="486DA2"/>
-                </a:solidFill>
-                <a:latin typeface="Verdana" pitchFamily="34" charset="0"/>
-              </a:rPr>
-              <a:t> is the best way to collaborate with others. Fork, send pull requests and manage all your public and private </a:t>
-            </a:r>
-            <a:r>
-              <a:rPr lang="en-US" sz="1200" b="1" dirty="0" err="1" smtClean="0">
-                <a:solidFill>
-                  <a:srgbClr val="486DA2"/>
-                </a:solidFill>
-                <a:latin typeface="Verdana" pitchFamily="34" charset="0"/>
-              </a:rPr>
-              <a:t>git</a:t>
-            </a:r>
-            <a:r>
-              <a:rPr lang="en-US" sz="1200" b="1" dirty="0" smtClean="0">
-                <a:solidFill>
-                  <a:srgbClr val="486DA2"/>
-                </a:solidFill>
-                <a:latin typeface="Verdana" pitchFamily="34" charset="0"/>
-              </a:rPr>
-              <a:t> repositories.</a:t>
-            </a:r>
-          </a:p>
-          <a:p>
-            <a:pPr algn="just"/>
-            <a:endParaRPr lang="en-US" sz="1200" b="1" dirty="0" smtClean="0">
-              <a:solidFill>
-                <a:srgbClr val="486DA2"/>
-              </a:solidFill>
-              <a:latin typeface="Verdana" pitchFamily="34" charset="0"/>
-            </a:endParaRPr>
-          </a:p>
-          <a:p>
-            <a:pPr algn="just"/>
-            <a:r>
-              <a:rPr lang="en-US" sz="1200" b="1" dirty="0" smtClean="0">
-                <a:solidFill>
-                  <a:srgbClr val="486DA2"/>
-                </a:solidFill>
-                <a:latin typeface="Verdana" pitchFamily="34" charset="0"/>
-              </a:rPr>
-              <a:t>It blends agile scrum practices naturally with its local repository features that makes it stand tall among all version control tools in the market.</a:t>
-            </a:r>
-            <a:endParaRPr lang="fr-FR" b="1" dirty="0" smtClean="0">
-              <a:solidFill>
-                <a:srgbClr val="486DA2"/>
-              </a:solidFill>
-              <a:latin typeface="Verdana" pitchFamily="34" charset="0"/>
-            </a:endParaRPr>
-          </a:p>
-          <a:p>
-            <a:endParaRPr lang="en-US" dirty="0"/>
+              <a:t>Some of the features include:</a:t>
+            </a:r>
+          </a:p>
+          <a:p>
+            <a:pPr algn="just">
+              <a:buFont typeface="Arial" pitchFamily="34" charset="0"/>
+              <a:buChar char="•"/>
+            </a:pPr>
+            <a:r>
+              <a:rPr lang="en-US" dirty="0" smtClean="0"/>
+              <a:t> Revert files back to a previous state</a:t>
+            </a:r>
+          </a:p>
+          <a:p>
+            <a:pPr algn="just">
+              <a:buFont typeface="Arial" pitchFamily="34" charset="0"/>
+              <a:buChar char="•"/>
+            </a:pPr>
+            <a:r>
+              <a:rPr lang="en-US" dirty="0" smtClean="0"/>
+              <a:t> Revert the entire project back to a previous state</a:t>
+            </a:r>
+          </a:p>
+          <a:p>
+            <a:pPr algn="just">
+              <a:buFont typeface="Arial" pitchFamily="34" charset="0"/>
+              <a:buChar char="•"/>
+            </a:pPr>
+            <a:r>
+              <a:rPr lang="en-US" dirty="0" smtClean="0"/>
+              <a:t> Compare changes over time</a:t>
+            </a:r>
+          </a:p>
+          <a:p>
+            <a:pPr algn="just">
+              <a:buFont typeface="Arial" pitchFamily="34" charset="0"/>
+              <a:buChar char="•"/>
+            </a:pPr>
+            <a:r>
+              <a:rPr lang="en-US" dirty="0" smtClean="0"/>
+              <a:t> See who last modified something that might be causing a problem</a:t>
+            </a:r>
+          </a:p>
+          <a:p>
+            <a:pPr algn="just">
+              <a:buFont typeface="Arial" pitchFamily="34" charset="0"/>
+              <a:buChar char="•"/>
+            </a:pPr>
+            <a:r>
+              <a:rPr lang="en-US" dirty="0" smtClean="0"/>
+              <a:t> See who introduced an issue and when, and more.</a:t>
+            </a:r>
           </a:p>
         </p:txBody>
       </p:sp>
@@ -3959,13 +3585,384 @@
             <a:fld id="{06F8F5D6-CB0D-4EDE-B95E-664AB82371FD}" type="slidenum">
               <a:rPr lang="en-US" smtClean="0"/>
               <a:pPr/>
-              <a:t>7</a:t>
+              <a:t>3</a:t>
             </a:fld>
             <a:endParaRPr lang="en-US"/>
           </a:p>
         </p:txBody>
       </p:sp>
     </p:spTree>
+  </p:cSld>
+  <p:clrMapOvr>
+    <a:masterClrMapping/>
+  </p:clrMapOvr>
+</p:notes>
+</file>
+
+<file path=ppt/notesSlides/notesSlide20.xml><?xml version="1.0" encoding="utf-8"?>
+<p:notes xmlns:a="http://schemas.openxmlformats.org/drawingml/2006/main" xmlns:r="http://schemas.openxmlformats.org/officeDocument/2006/relationships" xmlns:p="http://schemas.openxmlformats.org/presentationml/2006/main">
+  <p:cSld>
+    <p:spTree>
+      <p:nvGrpSpPr>
+        <p:cNvPr id="1" name=""/>
+        <p:cNvGrpSpPr/>
+        <p:nvPr/>
+      </p:nvGrpSpPr>
+      <p:grpSpPr>
+        <a:xfrm>
+          <a:off x="0" y="0"/>
+          <a:ext cx="0" cy="0"/>
+          <a:chOff x="0" y="0"/>
+          <a:chExt cx="0" cy="0"/>
+        </a:xfrm>
+      </p:grpSpPr>
+      <p:sp>
+        <p:nvSpPr>
+          <p:cNvPr id="2" name="Slide Image Placeholder 1"/>
+          <p:cNvSpPr>
+            <a:spLocks noGrp="1" noRot="1" noChangeAspect="1"/>
+          </p:cNvSpPr>
+          <p:nvPr>
+            <p:ph type="sldImg"/>
+          </p:nvPr>
+        </p:nvSpPr>
+        <p:spPr/>
+      </p:sp>
+      <p:sp>
+        <p:nvSpPr>
+          <p:cNvPr id="3" name="Notes Placeholder 2"/>
+          <p:cNvSpPr>
+            <a:spLocks noGrp="1"/>
+          </p:cNvSpPr>
+          <p:nvPr>
+            <p:ph type="body" idx="1"/>
+          </p:nvPr>
+        </p:nvSpPr>
+        <p:spPr/>
+        <p:txBody>
+          <a:bodyPr>
+            <a:normAutofit fontScale="85000" lnSpcReduction="20000"/>
+          </a:bodyPr>
+          <a:lstStyle/>
+          <a:p>
+            <a:r>
+              <a:rPr lang="en-US" b="1" dirty="0" smtClean="0"/>
+              <a:t>Push commits:</a:t>
+            </a:r>
+          </a:p>
+          <a:p>
+            <a:r>
+              <a:rPr lang="en-US" dirty="0" smtClean="0"/>
+              <a:t>Once you’ve made some commits to a forked repo and want to push it to your forked project, you do it the same way you would with a regular repo:</a:t>
+            </a:r>
+          </a:p>
+          <a:p>
+            <a:r>
+              <a:rPr lang="en-US" sz="1100" dirty="0" smtClean="0">
+                <a:latin typeface="Courier New" pitchFamily="49" charset="0"/>
+                <a:cs typeface="Courier New" pitchFamily="49" charset="0"/>
+                <a:sym typeface="Wingdings 3"/>
+              </a:rPr>
+              <a:t>$ </a:t>
+            </a:r>
+            <a:r>
+              <a:rPr lang="en-US" sz="1100" dirty="0" err="1" smtClean="0">
+                <a:latin typeface="Courier New" pitchFamily="49" charset="0"/>
+                <a:cs typeface="Courier New" pitchFamily="49" charset="0"/>
+                <a:sym typeface="Wingdings 3"/>
+              </a:rPr>
+              <a:t>git</a:t>
+            </a:r>
+            <a:r>
+              <a:rPr lang="en-US" sz="1100" dirty="0" smtClean="0">
+                <a:latin typeface="Courier New" pitchFamily="49" charset="0"/>
+                <a:cs typeface="Courier New" pitchFamily="49" charset="0"/>
+                <a:sym typeface="Wingdings 3"/>
+              </a:rPr>
+              <a:t> push origin master</a:t>
+            </a:r>
+          </a:p>
+          <a:p>
+            <a:endParaRPr lang="en-US" dirty="0" smtClean="0"/>
+          </a:p>
+          <a:p>
+            <a:r>
+              <a:rPr lang="en-US" b="1" dirty="0" smtClean="0"/>
+              <a:t>Pull in upstream changes:</a:t>
+            </a:r>
+          </a:p>
+          <a:p>
+            <a:r>
+              <a:rPr lang="en-US" dirty="0" smtClean="0"/>
+              <a:t>If the original repo you forked your project from gets updated, you can add those updates to your fork by running the code:</a:t>
+            </a:r>
+          </a:p>
+          <a:p>
+            <a:r>
+              <a:rPr lang="en-US" sz="1100" dirty="0" smtClean="0">
+                <a:latin typeface="Courier New" pitchFamily="49" charset="0"/>
+                <a:cs typeface="Courier New" pitchFamily="49" charset="0"/>
+                <a:sym typeface="Wingdings 3"/>
+              </a:rPr>
+              <a:t>$ </a:t>
+            </a:r>
+            <a:r>
+              <a:rPr lang="en-US" sz="1100" dirty="0" err="1" smtClean="0">
+                <a:latin typeface="Courier New" pitchFamily="49" charset="0"/>
+                <a:cs typeface="Courier New" pitchFamily="49" charset="0"/>
+                <a:sym typeface="Wingdings 3"/>
+              </a:rPr>
+              <a:t>git</a:t>
+            </a:r>
+            <a:r>
+              <a:rPr lang="en-US" sz="1100" dirty="0" smtClean="0">
+                <a:latin typeface="Courier New" pitchFamily="49" charset="0"/>
+                <a:cs typeface="Courier New" pitchFamily="49" charset="0"/>
+                <a:sym typeface="Wingdings 3"/>
+              </a:rPr>
+              <a:t> fetch upstream</a:t>
+            </a:r>
+          </a:p>
+          <a:p>
+            <a:r>
+              <a:rPr lang="en-US" sz="1100" dirty="0" smtClean="0">
+                <a:latin typeface="Courier New" pitchFamily="49" charset="0"/>
+                <a:cs typeface="Courier New" pitchFamily="49" charset="0"/>
+                <a:sym typeface="Wingdings 3"/>
+              </a:rPr>
+              <a:t>$ </a:t>
+            </a:r>
+            <a:r>
+              <a:rPr lang="en-US" sz="1100" dirty="0" err="1" smtClean="0">
+                <a:latin typeface="Courier New" pitchFamily="49" charset="0"/>
+                <a:cs typeface="Courier New" pitchFamily="49" charset="0"/>
+                <a:sym typeface="Wingdings 3"/>
+              </a:rPr>
+              <a:t>git</a:t>
+            </a:r>
+            <a:r>
+              <a:rPr lang="en-US" sz="1100" dirty="0" smtClean="0">
+                <a:latin typeface="Courier New" pitchFamily="49" charset="0"/>
+                <a:cs typeface="Courier New" pitchFamily="49" charset="0"/>
+                <a:sym typeface="Wingdings 3"/>
+              </a:rPr>
+              <a:t> merge upstream/master</a:t>
+            </a:r>
+          </a:p>
+          <a:p>
+            <a:endParaRPr lang="en-US" dirty="0" smtClean="0"/>
+          </a:p>
+          <a:p>
+            <a:r>
+              <a:rPr lang="en-US" b="1" dirty="0" smtClean="0"/>
+              <a:t>Work with branches:</a:t>
+            </a:r>
+          </a:p>
+          <a:p>
+            <a:r>
+              <a:rPr lang="en-US" dirty="0" smtClean="0"/>
+              <a:t>Branching allows you to build new features or test out ideas without putting your main project at risk. A </a:t>
+            </a:r>
+            <a:r>
+              <a:rPr lang="en-US" dirty="0" err="1" smtClean="0"/>
+              <a:t>Git</a:t>
+            </a:r>
+            <a:r>
+              <a:rPr lang="en-US" dirty="0" smtClean="0"/>
+              <a:t> branch is a small file that references the commit it was spawned from. This makes </a:t>
+            </a:r>
+            <a:r>
+              <a:rPr lang="en-US" dirty="0" err="1" smtClean="0"/>
+              <a:t>Git</a:t>
+            </a:r>
+            <a:r>
+              <a:rPr lang="en-US" dirty="0" smtClean="0"/>
+              <a:t> branches very small and easy to work with.</a:t>
+            </a:r>
+          </a:p>
+          <a:p>
+            <a:endParaRPr lang="en-US" dirty="0" smtClean="0"/>
+          </a:p>
+          <a:p>
+            <a:r>
+              <a:rPr lang="en-US" b="1" dirty="0" smtClean="0"/>
+              <a:t>Pull requests:</a:t>
+            </a:r>
+          </a:p>
+          <a:p>
+            <a:r>
+              <a:rPr lang="en-US" dirty="0" smtClean="0"/>
+              <a:t>If you are hoping to contribute back to the original fork, you can send the original author a pull request.</a:t>
+            </a:r>
+          </a:p>
+          <a:p>
+            <a:endParaRPr lang="en-US" b="1" dirty="0" smtClean="0"/>
+          </a:p>
+          <a:p>
+            <a:r>
+              <a:rPr lang="en-US" b="1" dirty="0" err="1" smtClean="0"/>
+              <a:t>Unwatch</a:t>
+            </a:r>
+            <a:r>
+              <a:rPr lang="en-US" b="1" dirty="0" smtClean="0"/>
+              <a:t> the main repo:</a:t>
+            </a:r>
+          </a:p>
+          <a:p>
+            <a:r>
+              <a:rPr lang="en-US" dirty="0" smtClean="0"/>
+              <a:t>When you fork a particularly popular repo, you may find yourself with a lot of unwanted updates about it. To unsubscribe from updates to the main repo, click the “</a:t>
+            </a:r>
+            <a:r>
+              <a:rPr lang="en-US" dirty="0" err="1" smtClean="0"/>
+              <a:t>Unwatch</a:t>
+            </a:r>
+            <a:r>
+              <a:rPr lang="en-US" dirty="0" smtClean="0"/>
+              <a:t>” button on the </a:t>
+            </a:r>
+            <a:r>
+              <a:rPr lang="en-US" b="1" dirty="0" smtClean="0"/>
+              <a:t>main repo</a:t>
+            </a:r>
+            <a:r>
+              <a:rPr lang="en-US" dirty="0" smtClean="0"/>
+              <a:t>.</a:t>
+            </a:r>
+          </a:p>
+          <a:p>
+            <a:endParaRPr lang="en-US" b="1" dirty="0" smtClean="0"/>
+          </a:p>
+          <a:p>
+            <a:r>
+              <a:rPr lang="en-US" b="1" dirty="0" smtClean="0"/>
+              <a:t>Delete your fork:</a:t>
+            </a:r>
+          </a:p>
+          <a:p>
+            <a:r>
+              <a:rPr lang="en-US" dirty="0" smtClean="0"/>
+              <a:t>At some point you may decide that you want to delete your fork. To delete a fork, just follow the same steps as you would to delete a regular repo.</a:t>
+            </a:r>
+          </a:p>
+          <a:p>
+            <a:endParaRPr lang="en-US" dirty="0" smtClean="0"/>
+          </a:p>
+          <a:p>
+            <a:endParaRPr lang="en-US" dirty="0"/>
+          </a:p>
+        </p:txBody>
+      </p:sp>
+      <p:sp>
+        <p:nvSpPr>
+          <p:cNvPr id="4" name="Slide Number Placeholder 3"/>
+          <p:cNvSpPr>
+            <a:spLocks noGrp="1"/>
+          </p:cNvSpPr>
+          <p:nvPr>
+            <p:ph type="sldNum" sz="quarter" idx="10"/>
+          </p:nvPr>
+        </p:nvSpPr>
+        <p:spPr/>
+        <p:txBody>
+          <a:bodyPr/>
+          <a:lstStyle/>
+          <a:p>
+            <a:fld id="{06F8F5D6-CB0D-4EDE-B95E-664AB82371FD}" type="slidenum">
+              <a:rPr lang="en-US" smtClean="0"/>
+              <a:pPr/>
+              <a:t>25</a:t>
+            </a:fld>
+            <a:endParaRPr lang="en-US"/>
+          </a:p>
+        </p:txBody>
+      </p:sp>
+    </p:spTree>
+  </p:cSld>
+  <p:clrMapOvr>
+    <a:masterClrMapping/>
+  </p:clrMapOvr>
+</p:notes>
+</file>
+
+<file path=ppt/notesSlides/notesSlide21.xml><?xml version="1.0" encoding="utf-8"?>
+<p:notes xmlns:a="http://schemas.openxmlformats.org/drawingml/2006/main" xmlns:r="http://schemas.openxmlformats.org/officeDocument/2006/relationships" xmlns:p="http://schemas.openxmlformats.org/presentationml/2006/main">
+  <p:cSld>
+    <p:spTree>
+      <p:nvGrpSpPr>
+        <p:cNvPr id="1" name=""/>
+        <p:cNvGrpSpPr/>
+        <p:nvPr/>
+      </p:nvGrpSpPr>
+      <p:grpSpPr>
+        <a:xfrm>
+          <a:off x="0" y="0"/>
+          <a:ext cx="0" cy="0"/>
+          <a:chOff x="0" y="0"/>
+          <a:chExt cx="0" cy="0"/>
+        </a:xfrm>
+      </p:grpSpPr>
+      <p:sp>
+        <p:nvSpPr>
+          <p:cNvPr id="2" name="Slide Image Placeholder 1"/>
+          <p:cNvSpPr>
+            <a:spLocks noGrp="1" noRot="1" noChangeAspect="1"/>
+          </p:cNvSpPr>
+          <p:nvPr>
+            <p:ph type="sldImg"/>
+          </p:nvPr>
+        </p:nvSpPr>
+        <p:spPr/>
+      </p:sp>
+      <p:sp>
+        <p:nvSpPr>
+          <p:cNvPr id="3" name="Notes Placeholder 2"/>
+          <p:cNvSpPr>
+            <a:spLocks noGrp="1"/>
+          </p:cNvSpPr>
+          <p:nvPr>
+            <p:ph type="body" idx="1"/>
+          </p:nvPr>
+        </p:nvSpPr>
+        <p:spPr/>
+        <p:txBody>
+          <a:bodyPr/>
+          <a:lstStyle/>
+          <a:p>
+            <a:endParaRPr lang="en-US" dirty="0"/>
+          </a:p>
+        </p:txBody>
+      </p:sp>
+      <p:sp>
+        <p:nvSpPr>
+          <p:cNvPr id="4" name="Slide Number Placeholder 3"/>
+          <p:cNvSpPr>
+            <a:spLocks noGrp="1"/>
+          </p:cNvSpPr>
+          <p:nvPr>
+            <p:ph type="sldNum" sz="quarter" idx="10"/>
+          </p:nvPr>
+        </p:nvSpPr>
+        <p:spPr/>
+        <p:txBody>
+          <a:bodyPr/>
+          <a:lstStyle/>
+          <a:p>
+            <a:fld id="{06F8F5D6-CB0D-4EDE-B95E-664AB82371FD}" type="slidenum">
+              <a:rPr lang="en-US" smtClean="0"/>
+              <a:pPr/>
+              <a:t>27</a:t>
+            </a:fld>
+            <a:endParaRPr lang="en-US"/>
+          </a:p>
+        </p:txBody>
+      </p:sp>
+    </p:spTree>
+    <p:extLst>
+      <p:ext uri="{BB962C8B-B14F-4D97-AF65-F5344CB8AC3E}">
+        <p14:creationId xmlns:p14="http://schemas.microsoft.com/office/powerpoint/2010/main" val="4194202331"/>
+      </p:ext>
+    </p:extLst>
   </p:cSld>
   <p:clrMapOvr>
     <a:masterClrMapping/>
@@ -4019,55 +4016,207 @@
           </a:bodyPr>
           <a:lstStyle/>
           <a:p>
-            <a:r>
-              <a:rPr lang="en-US" sz="1400" b="1" dirty="0" smtClean="0">
+            <a:pPr algn="just"/>
+            <a:r>
+              <a:rPr lang="en-US" sz="1200" b="1" dirty="0" smtClean="0">
                 <a:solidFill>
                   <a:srgbClr val="486DA2"/>
                 </a:solidFill>
                 <a:latin typeface="Verdana" pitchFamily="34" charset="0"/>
               </a:rPr>
-              <a:t>Other VCSs</a:t>
-            </a:r>
-          </a:p>
-          <a:p>
-            <a:r>
-              <a:rPr lang="en-US" dirty="0" smtClean="0"/>
-              <a:t>Store information as a list of  file-based changes.</a:t>
-            </a:r>
-            <a:endParaRPr lang="en-US" sz="1400" dirty="0" smtClean="0"/>
+              <a:t>What's GIT?</a:t>
+            </a:r>
           </a:p>
           <a:p>
             <a:pPr algn="just"/>
-            <a:endParaRPr lang="en-US" sz="1400" dirty="0" smtClean="0"/>
+            <a:endParaRPr lang="en-US" sz="1200" b="1" dirty="0" smtClean="0">
+              <a:solidFill>
+                <a:srgbClr val="486DA2"/>
+              </a:solidFill>
+              <a:latin typeface="Verdana" pitchFamily="34" charset="0"/>
+            </a:endParaRPr>
           </a:p>
           <a:p>
             <a:pPr algn="just"/>
             <a:r>
-              <a:rPr lang="en-US" sz="1400" b="1" dirty="0" smtClean="0">
+              <a:rPr lang="en-US" sz="1200" b="1" dirty="0" err="1" smtClean="0">
                 <a:solidFill>
                   <a:srgbClr val="486DA2"/>
                 </a:solidFill>
                 <a:latin typeface="Verdana" pitchFamily="34" charset="0"/>
               </a:rPr>
-              <a:t>GIT VCS</a:t>
+              <a:t>Git</a:t>
+            </a:r>
+            <a:r>
+              <a:rPr lang="en-US" sz="1200" b="1" dirty="0" smtClean="0">
+                <a:solidFill>
+                  <a:srgbClr val="486DA2"/>
+                </a:solidFill>
+                <a:latin typeface="Verdana" pitchFamily="34" charset="0"/>
+              </a:rPr>
+              <a:t> is an extremely fast, efficient, distributed version control system ideal for the collaborative development of software.</a:t>
             </a:r>
           </a:p>
           <a:p>
             <a:pPr algn="just"/>
-            <a:r>
-              <a:rPr lang="en-US" dirty="0" smtClean="0"/>
-              <a:t>Considers data more  like a set of snapshots of a mini file-system.</a:t>
-            </a:r>
+            <a:endParaRPr lang="en-US" sz="1200" b="1" dirty="0" smtClean="0">
+              <a:solidFill>
+                <a:srgbClr val="486DA2"/>
+              </a:solidFill>
+              <a:latin typeface="Verdana" pitchFamily="34" charset="0"/>
+            </a:endParaRPr>
           </a:p>
           <a:p>
             <a:pPr algn="just"/>
-            <a:endParaRPr lang="en-US" sz="1400" dirty="0" smtClean="0"/>
+            <a:r>
+              <a:rPr lang="en-US" sz="1200" b="1" dirty="0" smtClean="0">
+                <a:solidFill>
+                  <a:srgbClr val="486DA2"/>
+                </a:solidFill>
+                <a:latin typeface="Verdana" pitchFamily="34" charset="0"/>
+              </a:rPr>
+              <a:t>Why is it</a:t>
+            </a:r>
+            <a:r>
+              <a:rPr lang="en-US" sz="1200" b="1" baseline="0" dirty="0" smtClean="0">
+                <a:solidFill>
+                  <a:srgbClr val="486DA2"/>
+                </a:solidFill>
+                <a:latin typeface="Verdana" pitchFamily="34" charset="0"/>
+              </a:rPr>
+              <a:t> fast t- because it maximizes uses of storage and pointer </a:t>
+            </a:r>
+            <a:r>
+              <a:rPr lang="en-US" sz="1200" b="1" baseline="0" dirty="0" err="1" smtClean="0">
+                <a:solidFill>
+                  <a:srgbClr val="486DA2"/>
+                </a:solidFill>
+                <a:latin typeface="Verdana" pitchFamily="34" charset="0"/>
+              </a:rPr>
+              <a:t>arithmentic</a:t>
+            </a:r>
+            <a:r>
+              <a:rPr lang="en-US" sz="1200" b="1" baseline="0" dirty="0" smtClean="0">
+                <a:solidFill>
+                  <a:srgbClr val="486DA2"/>
+                </a:solidFill>
+                <a:latin typeface="Verdana" pitchFamily="34" charset="0"/>
+              </a:rPr>
+              <a:t>.</a:t>
+            </a:r>
+            <a:endParaRPr lang="en-US" sz="1200" b="1" dirty="0" smtClean="0">
+              <a:solidFill>
+                <a:srgbClr val="486DA2"/>
+              </a:solidFill>
+              <a:latin typeface="Verdana" pitchFamily="34" charset="0"/>
+            </a:endParaRPr>
           </a:p>
           <a:p>
             <a:pPr algn="just"/>
-            <a:r>
-              <a:rPr lang="en-US" dirty="0" smtClean="0"/>
-              <a:t>It basically takes a picture of what all your files look like at that moment and stores a reference to that snapshot.</a:t>
+            <a:endParaRPr lang="en-US" sz="1200" b="1" dirty="0" smtClean="0">
+              <a:solidFill>
+                <a:srgbClr val="486DA2"/>
+              </a:solidFill>
+              <a:latin typeface="Verdana" pitchFamily="34" charset="0"/>
+            </a:endParaRPr>
+          </a:p>
+          <a:p>
+            <a:pPr algn="just"/>
+            <a:r>
+              <a:rPr lang="en-US" sz="1200" b="1" dirty="0" smtClean="0">
+                <a:solidFill>
+                  <a:srgbClr val="486DA2"/>
+                </a:solidFill>
+                <a:latin typeface="Verdana" pitchFamily="34" charset="0"/>
+              </a:rPr>
+              <a:t>And why </a:t>
+            </a:r>
+            <a:r>
+              <a:rPr lang="en-US" sz="1200" b="1" dirty="0" err="1" smtClean="0">
+                <a:solidFill>
+                  <a:srgbClr val="486DA2"/>
+                </a:solidFill>
+                <a:latin typeface="Verdana" pitchFamily="34" charset="0"/>
+              </a:rPr>
+              <a:t>GITHub</a:t>
+            </a:r>
+            <a:r>
+              <a:rPr lang="en-US" sz="1200" b="1" dirty="0" smtClean="0">
+                <a:solidFill>
+                  <a:srgbClr val="486DA2"/>
+                </a:solidFill>
+                <a:latin typeface="Verdana" pitchFamily="34" charset="0"/>
+              </a:rPr>
+              <a:t>?</a:t>
+            </a:r>
+          </a:p>
+          <a:p>
+            <a:pPr algn="just"/>
+            <a:endParaRPr lang="en-US" sz="1200" b="1" dirty="0" smtClean="0">
+              <a:solidFill>
+                <a:srgbClr val="486DA2"/>
+              </a:solidFill>
+              <a:latin typeface="Verdana" pitchFamily="34" charset="0"/>
+            </a:endParaRPr>
+          </a:p>
+          <a:p>
+            <a:pPr algn="just"/>
+            <a:r>
+              <a:rPr lang="en-US" sz="1200" b="1" dirty="0" err="1" smtClean="0">
+                <a:solidFill>
+                  <a:srgbClr val="486DA2"/>
+                </a:solidFill>
+                <a:latin typeface="Verdana" pitchFamily="34" charset="0"/>
+              </a:rPr>
+              <a:t>GitHub</a:t>
+            </a:r>
+            <a:r>
+              <a:rPr lang="en-US" sz="1200" b="1" dirty="0" smtClean="0">
+                <a:solidFill>
+                  <a:srgbClr val="486DA2"/>
+                </a:solidFill>
+                <a:latin typeface="Verdana" pitchFamily="34" charset="0"/>
+              </a:rPr>
+              <a:t> is the best way to collaborate with others. Fork, send pull requests and manage all your public and private </a:t>
+            </a:r>
+            <a:r>
+              <a:rPr lang="en-US" sz="1200" b="1" dirty="0" err="1" smtClean="0">
+                <a:solidFill>
+                  <a:srgbClr val="486DA2"/>
+                </a:solidFill>
+                <a:latin typeface="Verdana" pitchFamily="34" charset="0"/>
+              </a:rPr>
+              <a:t>git</a:t>
+            </a:r>
+            <a:r>
+              <a:rPr lang="en-US" sz="1200" b="1" dirty="0" smtClean="0">
+                <a:solidFill>
+                  <a:srgbClr val="486DA2"/>
+                </a:solidFill>
+                <a:latin typeface="Verdana" pitchFamily="34" charset="0"/>
+              </a:rPr>
+              <a:t> repositories.</a:t>
+            </a:r>
+          </a:p>
+          <a:p>
+            <a:pPr algn="just"/>
+            <a:endParaRPr lang="en-US" sz="1200" b="1" dirty="0" smtClean="0">
+              <a:solidFill>
+                <a:srgbClr val="486DA2"/>
+              </a:solidFill>
+              <a:latin typeface="Verdana" pitchFamily="34" charset="0"/>
+            </a:endParaRPr>
+          </a:p>
+          <a:p>
+            <a:pPr algn="just"/>
+            <a:r>
+              <a:rPr lang="en-US" sz="1200" b="1" dirty="0" smtClean="0">
+                <a:solidFill>
+                  <a:srgbClr val="486DA2"/>
+                </a:solidFill>
+                <a:latin typeface="Verdana" pitchFamily="34" charset="0"/>
+              </a:rPr>
+              <a:t>It blends agile scrum practices naturally with its local repository features that makes it stand tall among all version control tools in the market.</a:t>
             </a:r>
             <a:endParaRPr lang="fr-FR" b="1" dirty="0" smtClean="0">
               <a:solidFill>
@@ -4099,7 +4248,7 @@
             <a:fld id="{06F8F5D6-CB0D-4EDE-B95E-664AB82371FD}" type="slidenum">
               <a:rPr lang="en-US" smtClean="0"/>
               <a:pPr/>
-              <a:t>8</a:t>
+              <a:t>7</a:t>
             </a:fld>
             <a:endParaRPr lang="en-US"/>
           </a:p>
@@ -4155,7 +4304,7 @@
         <p:spPr/>
         <p:txBody>
           <a:bodyPr>
-            <a:normAutofit fontScale="70000" lnSpcReduction="20000"/>
+            <a:normAutofit/>
           </a:bodyPr>
           <a:lstStyle/>
           <a:p>
@@ -4166,29 +4315,50 @@
                 </a:solidFill>
                 <a:latin typeface="Verdana" pitchFamily="34" charset="0"/>
               </a:rPr>
-              <a:t>- Nearly Every Operation Is Local</a:t>
+              <a:t>Other VCSs</a:t>
             </a:r>
           </a:p>
           <a:p>
             <a:r>
               <a:rPr lang="en-US" dirty="0" smtClean="0"/>
-              <a:t>Most operations in </a:t>
-            </a:r>
-            <a:r>
-              <a:rPr lang="en-US" dirty="0" err="1" smtClean="0"/>
-              <a:t>Git</a:t>
-            </a:r>
+              <a:t>Store information as a list of  file-based changes.</a:t>
+            </a:r>
+            <a:endParaRPr lang="en-US" sz="1400" dirty="0" smtClean="0"/>
+          </a:p>
+          <a:p>
+            <a:pPr algn="just"/>
+            <a:endParaRPr lang="en-US" sz="1400" dirty="0" smtClean="0"/>
+          </a:p>
+          <a:p>
+            <a:pPr algn="just"/>
+            <a:r>
+              <a:rPr lang="en-US" sz="1400" b="1" dirty="0" smtClean="0">
+                <a:solidFill>
+                  <a:srgbClr val="486DA2"/>
+                </a:solidFill>
+                <a:latin typeface="Verdana" pitchFamily="34" charset="0"/>
+              </a:rPr>
+              <a:t>GIT VCS</a:t>
+            </a:r>
+          </a:p>
+          <a:p>
+            <a:pPr algn="just"/>
             <a:r>
               <a:rPr lang="en-US" dirty="0" smtClean="0"/>
-              <a:t> only need local files and resources to operate – generally no information is needed from another computer on your network.</a:t>
-            </a:r>
-          </a:p>
-          <a:p>
+              <a:t>Considers data more  like a set of snapshots of a mini file-system.</a:t>
+            </a:r>
+          </a:p>
+          <a:p>
+            <a:pPr algn="just"/>
+            <a:endParaRPr lang="en-US" sz="1400" dirty="0" smtClean="0"/>
+          </a:p>
+          <a:p>
+            <a:pPr algn="just"/>
             <a:r>
               <a:rPr lang="en-US" dirty="0" smtClean="0"/>
-              <a:t>Because you have the entire history of the project right there on your local disk, most operations seem almost instantaneous.</a:t>
-            </a:r>
-            <a:endParaRPr lang="en-US" sz="1400" b="1" dirty="0" smtClean="0">
+              <a:t>It basically takes a picture of what all your files look like at that moment and stores a reference to that snapshot.</a:t>
+            </a:r>
+            <a:endParaRPr lang="fr-FR" b="1" dirty="0" smtClean="0">
               <a:solidFill>
                 <a:srgbClr val="486DA2"/>
               </a:solidFill>
@@ -4196,230 +4366,7 @@
             </a:endParaRPr>
           </a:p>
           <a:p>
-            <a:endParaRPr lang="en-US" sz="1400" b="1" dirty="0" smtClean="0">
-              <a:solidFill>
-                <a:srgbClr val="486DA2"/>
-              </a:solidFill>
-              <a:latin typeface="Verdana" pitchFamily="34" charset="0"/>
-            </a:endParaRPr>
-          </a:p>
-          <a:p>
-            <a:r>
-              <a:rPr lang="en-US" sz="1400" b="1" dirty="0" smtClean="0">
-                <a:solidFill>
-                  <a:srgbClr val="486DA2"/>
-                </a:solidFill>
-                <a:latin typeface="Verdana" pitchFamily="34" charset="0"/>
-              </a:rPr>
-              <a:t>- </a:t>
-            </a:r>
-            <a:r>
-              <a:rPr lang="en-US" sz="1400" b="1" dirty="0" err="1" smtClean="0">
-                <a:solidFill>
-                  <a:srgbClr val="486DA2"/>
-                </a:solidFill>
-                <a:latin typeface="Verdana" pitchFamily="34" charset="0"/>
-              </a:rPr>
-              <a:t>Git</a:t>
-            </a:r>
-            <a:r>
-              <a:rPr lang="en-US" sz="1400" b="1" dirty="0" smtClean="0">
-                <a:solidFill>
-                  <a:srgbClr val="486DA2"/>
-                </a:solidFill>
-                <a:latin typeface="Verdana" pitchFamily="34" charset="0"/>
-              </a:rPr>
-              <a:t> Has Integrity</a:t>
-            </a:r>
-          </a:p>
-          <a:p>
-            <a:r>
-              <a:rPr lang="en-US" dirty="0" smtClean="0"/>
-              <a:t>Everything in </a:t>
-            </a:r>
-            <a:r>
-              <a:rPr lang="en-US" dirty="0" err="1" smtClean="0"/>
-              <a:t>Git</a:t>
-            </a:r>
-            <a:r>
-              <a:rPr lang="en-US" dirty="0" smtClean="0"/>
-              <a:t> is check-summed before it is stored and is then referred to by that checksum. This means it’s impossible to change the contents of any file or directory without </a:t>
-            </a:r>
-            <a:r>
-              <a:rPr lang="en-US" dirty="0" err="1" smtClean="0"/>
-              <a:t>Git</a:t>
-            </a:r>
-            <a:r>
-              <a:rPr lang="en-US" dirty="0" smtClean="0"/>
-              <a:t> knowing about it.</a:t>
-            </a:r>
-            <a:endParaRPr lang="en-US" sz="1400" b="1" dirty="0" smtClean="0">
-              <a:solidFill>
-                <a:srgbClr val="486DA2"/>
-              </a:solidFill>
-              <a:latin typeface="Verdana" pitchFamily="34" charset="0"/>
-            </a:endParaRPr>
-          </a:p>
-          <a:p>
-            <a:endParaRPr lang="en-US" sz="1400" b="1" dirty="0" smtClean="0">
-              <a:solidFill>
-                <a:srgbClr val="486DA2"/>
-              </a:solidFill>
-              <a:latin typeface="Verdana" pitchFamily="34" charset="0"/>
-            </a:endParaRPr>
-          </a:p>
-          <a:p>
-            <a:r>
-              <a:rPr lang="en-US" sz="1400" b="1" dirty="0" smtClean="0">
-                <a:solidFill>
-                  <a:srgbClr val="486DA2"/>
-                </a:solidFill>
-                <a:latin typeface="Verdana" pitchFamily="34" charset="0"/>
-              </a:rPr>
-              <a:t>- </a:t>
-            </a:r>
-            <a:r>
-              <a:rPr lang="en-US" sz="1400" b="1" dirty="0" err="1" smtClean="0">
-                <a:solidFill>
-                  <a:srgbClr val="486DA2"/>
-                </a:solidFill>
-                <a:latin typeface="Verdana" pitchFamily="34" charset="0"/>
-              </a:rPr>
-              <a:t>Git</a:t>
-            </a:r>
-            <a:r>
-              <a:rPr lang="en-US" sz="1400" b="1" dirty="0" smtClean="0">
-                <a:solidFill>
-                  <a:srgbClr val="486DA2"/>
-                </a:solidFill>
-                <a:latin typeface="Verdana" pitchFamily="34" charset="0"/>
-              </a:rPr>
-              <a:t> Generally Only Adds Data</a:t>
-            </a:r>
-          </a:p>
-          <a:p>
-            <a:r>
-              <a:rPr lang="en-US" dirty="0" smtClean="0"/>
-              <a:t>When you do actions in </a:t>
-            </a:r>
-            <a:r>
-              <a:rPr lang="en-US" dirty="0" err="1" smtClean="0"/>
-              <a:t>Git</a:t>
-            </a:r>
-            <a:r>
-              <a:rPr lang="en-US" dirty="0" smtClean="0"/>
-              <a:t>, nearly all of them only add data to the </a:t>
-            </a:r>
-            <a:r>
-              <a:rPr lang="en-US" dirty="0" err="1" smtClean="0"/>
-              <a:t>Git</a:t>
-            </a:r>
-            <a:r>
-              <a:rPr lang="en-US" dirty="0" smtClean="0"/>
-              <a:t> database. This makes using </a:t>
-            </a:r>
-            <a:r>
-              <a:rPr lang="en-US" dirty="0" err="1" smtClean="0"/>
-              <a:t>Git</a:t>
-            </a:r>
-            <a:r>
-              <a:rPr lang="en-US" dirty="0" smtClean="0"/>
-              <a:t> a joy because we know we can experiment without the danger of severely screwing things up.</a:t>
-            </a:r>
-          </a:p>
-          <a:p>
-            <a:endParaRPr lang="en-US" sz="1400" b="1" dirty="0" smtClean="0">
-              <a:solidFill>
-                <a:srgbClr val="486DA2"/>
-              </a:solidFill>
-              <a:latin typeface="Verdana" pitchFamily="34" charset="0"/>
-            </a:endParaRPr>
-          </a:p>
-          <a:p>
-            <a:pPr>
-              <a:buFont typeface="Arial" pitchFamily="34" charset="0"/>
-              <a:buNone/>
-            </a:pPr>
-            <a:r>
-              <a:rPr lang="en-US" sz="1600" b="1" dirty="0" smtClean="0">
-                <a:solidFill>
-                  <a:srgbClr val="486DA2"/>
-                </a:solidFill>
-                <a:latin typeface="Verdana" pitchFamily="34" charset="0"/>
-              </a:rPr>
-              <a:t>- </a:t>
-            </a:r>
-            <a:r>
-              <a:rPr lang="en-US" sz="1600" b="1" dirty="0" err="1" smtClean="0">
-                <a:solidFill>
-                  <a:srgbClr val="486DA2"/>
-                </a:solidFill>
-                <a:latin typeface="Verdana" pitchFamily="34" charset="0"/>
-              </a:rPr>
-              <a:t>Git</a:t>
-            </a:r>
-            <a:r>
-              <a:rPr lang="en-US" sz="1600" b="1" dirty="0" smtClean="0">
-                <a:solidFill>
-                  <a:srgbClr val="486DA2"/>
-                </a:solidFill>
-                <a:latin typeface="Verdana" pitchFamily="34" charset="0"/>
-              </a:rPr>
-              <a:t> 3-State Model</a:t>
-            </a:r>
-            <a:endParaRPr lang="en-US" sz="1400" dirty="0" smtClean="0"/>
-          </a:p>
-          <a:p>
-            <a:r>
-              <a:rPr lang="en-US" sz="1400" dirty="0" smtClean="0"/>
-              <a:t>The basic </a:t>
-            </a:r>
-            <a:r>
-              <a:rPr lang="en-US" sz="1400" dirty="0" err="1" smtClean="0"/>
-              <a:t>Git</a:t>
-            </a:r>
-            <a:r>
-              <a:rPr lang="en-US" sz="1400" dirty="0" smtClean="0"/>
-              <a:t> workflow goes something like this:</a:t>
-            </a:r>
-          </a:p>
-          <a:p>
-            <a:r>
-              <a:rPr lang="en-US" sz="1400" dirty="0" smtClean="0"/>
-              <a:t>1) You modify files in your working directory.</a:t>
-            </a:r>
-          </a:p>
-          <a:p>
-            <a:r>
-              <a:rPr lang="en-US" sz="1400" dirty="0" smtClean="0"/>
-              <a:t>2) You stage the files, adding snapshots of them to your staging area.</a:t>
-            </a:r>
-          </a:p>
-          <a:p>
-            <a:r>
-              <a:rPr lang="en-US" sz="1400" dirty="0" smtClean="0"/>
-              <a:t>3) You do a commit, which takes the files as they are in the staging </a:t>
-            </a:r>
-          </a:p>
-          <a:p>
-            <a:r>
-              <a:rPr lang="en-US" sz="1400" dirty="0" smtClean="0"/>
-              <a:t>area and stores that snapshot permanently to your </a:t>
-            </a:r>
-            <a:r>
-              <a:rPr lang="en-US" sz="1400" dirty="0" err="1" smtClean="0"/>
-              <a:t>Git</a:t>
-            </a:r>
-            <a:r>
-              <a:rPr lang="en-US" sz="1400" dirty="0" smtClean="0"/>
-              <a:t> directory.</a:t>
-            </a:r>
-          </a:p>
-          <a:p>
-            <a:endParaRPr lang="en-US" sz="1400" dirty="0" smtClean="0"/>
-          </a:p>
-          <a:p>
-            <a:endParaRPr lang="en-US" sz="1400" dirty="0" smtClean="0"/>
+            <a:endParaRPr lang="en-US" dirty="0"/>
           </a:p>
         </p:txBody>
       </p:sp>
@@ -4441,7 +4388,7 @@
             <a:fld id="{06F8F5D6-CB0D-4EDE-B95E-664AB82371FD}" type="slidenum">
               <a:rPr lang="en-US" smtClean="0"/>
               <a:pPr/>
-              <a:t>9</a:t>
+              <a:t>8</a:t>
             </a:fld>
             <a:endParaRPr lang="en-US"/>
           </a:p>
@@ -4497,102 +4444,271 @@
         <p:spPr/>
         <p:txBody>
           <a:bodyPr>
-            <a:normAutofit/>
+            <a:normAutofit fontScale="70000" lnSpcReduction="20000"/>
           </a:bodyPr>
           <a:lstStyle/>
           <a:p>
+            <a:r>
+              <a:rPr lang="en-US" sz="1400" b="1" dirty="0" smtClean="0">
+                <a:solidFill>
+                  <a:srgbClr val="486DA2"/>
+                </a:solidFill>
+                <a:latin typeface="Verdana" pitchFamily="34" charset="0"/>
+              </a:rPr>
+              <a:t>- Nearly Every Operation Is Local</a:t>
+            </a:r>
+          </a:p>
+          <a:p>
+            <a:r>
+              <a:rPr lang="en-US" dirty="0" smtClean="0"/>
+              <a:t>Most operations in </a:t>
+            </a:r>
+            <a:r>
+              <a:rPr lang="en-US" dirty="0" err="1" smtClean="0"/>
+              <a:t>Git</a:t>
+            </a:r>
+            <a:r>
+              <a:rPr lang="en-US" dirty="0" smtClean="0"/>
+              <a:t> only need local files and resources to operate – generally no information is needed from another computer on your network.</a:t>
+            </a:r>
+          </a:p>
+          <a:p>
+            <a:r>
+              <a:rPr lang="en-US" dirty="0" smtClean="0"/>
+              <a:t>Because you have the entire history of the project right there on your local disk, most operations seem almost instantaneous.</a:t>
+            </a:r>
+            <a:endParaRPr lang="en-US" sz="1400" b="1" dirty="0" smtClean="0">
+              <a:solidFill>
+                <a:srgbClr val="486DA2"/>
+              </a:solidFill>
+              <a:latin typeface="Verdana" pitchFamily="34" charset="0"/>
+            </a:endParaRPr>
+          </a:p>
+          <a:p>
+            <a:endParaRPr lang="en-US" sz="1400" b="1" dirty="0" smtClean="0">
+              <a:solidFill>
+                <a:srgbClr val="486DA2"/>
+              </a:solidFill>
+              <a:latin typeface="Verdana" pitchFamily="34" charset="0"/>
+            </a:endParaRPr>
+          </a:p>
+          <a:p>
+            <a:r>
+              <a:rPr lang="en-US" sz="1400" b="1" dirty="0" smtClean="0">
+                <a:solidFill>
+                  <a:srgbClr val="486DA2"/>
+                </a:solidFill>
+                <a:latin typeface="Verdana" pitchFamily="34" charset="0"/>
+              </a:rPr>
+              <a:t>- </a:t>
+            </a:r>
+            <a:r>
+              <a:rPr lang="en-US" sz="1400" b="1" dirty="0" err="1" smtClean="0">
+                <a:solidFill>
+                  <a:srgbClr val="486DA2"/>
+                </a:solidFill>
+                <a:latin typeface="Verdana" pitchFamily="34" charset="0"/>
+              </a:rPr>
+              <a:t>Git</a:t>
+            </a:r>
+            <a:r>
+              <a:rPr lang="en-US" sz="1400" b="1" dirty="0" smtClean="0">
+                <a:solidFill>
+                  <a:srgbClr val="486DA2"/>
+                </a:solidFill>
+                <a:latin typeface="Verdana" pitchFamily="34" charset="0"/>
+              </a:rPr>
+              <a:t> Has Integrity</a:t>
+            </a:r>
+          </a:p>
+          <a:p>
+            <a:r>
+              <a:rPr lang="en-US" dirty="0" smtClean="0"/>
+              <a:t>Everything in </a:t>
+            </a:r>
+            <a:r>
+              <a:rPr lang="en-US" dirty="0" err="1" smtClean="0"/>
+              <a:t>Git</a:t>
+            </a:r>
+            <a:r>
+              <a:rPr lang="en-US" dirty="0" smtClean="0"/>
+              <a:t> is check-summed before it is stored and is then referred to by that checksum. This means it’s impossible to change the contents of any file or directory without </a:t>
+            </a:r>
+            <a:r>
+              <a:rPr lang="en-US" dirty="0" err="1" smtClean="0"/>
+              <a:t>Git</a:t>
+            </a:r>
+            <a:r>
+              <a:rPr lang="en-US" dirty="0" smtClean="0"/>
+              <a:t> knowing about it.</a:t>
+            </a:r>
+            <a:endParaRPr lang="en-US" sz="1400" b="1" dirty="0" smtClean="0">
+              <a:solidFill>
+                <a:srgbClr val="486DA2"/>
+              </a:solidFill>
+              <a:latin typeface="Verdana" pitchFamily="34" charset="0"/>
+            </a:endParaRPr>
+          </a:p>
+          <a:p>
+            <a:endParaRPr lang="en-US" sz="1400" b="1" dirty="0" smtClean="0">
+              <a:solidFill>
+                <a:srgbClr val="486DA2"/>
+              </a:solidFill>
+              <a:latin typeface="Verdana" pitchFamily="34" charset="0"/>
+            </a:endParaRPr>
+          </a:p>
+          <a:p>
+            <a:r>
+              <a:rPr lang="en-US" sz="1400" b="1" dirty="0" smtClean="0">
+                <a:solidFill>
+                  <a:srgbClr val="486DA2"/>
+                </a:solidFill>
+                <a:latin typeface="Verdana" pitchFamily="34" charset="0"/>
+              </a:rPr>
+              <a:t>- </a:t>
+            </a:r>
+            <a:r>
+              <a:rPr lang="en-US" sz="1400" b="1" dirty="0" err="1" smtClean="0">
+                <a:solidFill>
+                  <a:srgbClr val="486DA2"/>
+                </a:solidFill>
+                <a:latin typeface="Verdana" pitchFamily="34" charset="0"/>
+              </a:rPr>
+              <a:t>Git</a:t>
+            </a:r>
+            <a:r>
+              <a:rPr lang="en-US" sz="1400" b="1" dirty="0" smtClean="0">
+                <a:solidFill>
+                  <a:srgbClr val="486DA2"/>
+                </a:solidFill>
+                <a:latin typeface="Verdana" pitchFamily="34" charset="0"/>
+              </a:rPr>
+              <a:t> Generally Only Adds Data</a:t>
+            </a:r>
+          </a:p>
+          <a:p>
+            <a:r>
+              <a:rPr lang="en-US" dirty="0" smtClean="0"/>
+              <a:t>When you do actions in </a:t>
+            </a:r>
+            <a:r>
+              <a:rPr lang="en-US" dirty="0" err="1" smtClean="0"/>
+              <a:t>Git</a:t>
+            </a:r>
+            <a:r>
+              <a:rPr lang="en-US" dirty="0" smtClean="0"/>
+              <a:t>, nearly all of them only add data to the </a:t>
+            </a:r>
+            <a:r>
+              <a:rPr lang="en-US" dirty="0" err="1" smtClean="0"/>
+              <a:t>Git</a:t>
+            </a:r>
+            <a:r>
+              <a:rPr lang="en-US" dirty="0" smtClean="0"/>
+              <a:t> database. This makes using </a:t>
+            </a:r>
+            <a:r>
+              <a:rPr lang="en-US" dirty="0" err="1" smtClean="0"/>
+              <a:t>Git</a:t>
+            </a:r>
+            <a:r>
+              <a:rPr lang="en-US" dirty="0" smtClean="0"/>
+              <a:t> a joy because we know we can experiment without the danger of severely screwing things up.</a:t>
+            </a:r>
+          </a:p>
+          <a:p>
+            <a:endParaRPr lang="en-US" sz="1400" b="1" dirty="0" smtClean="0">
+              <a:solidFill>
+                <a:srgbClr val="486DA2"/>
+              </a:solidFill>
+              <a:latin typeface="Verdana" pitchFamily="34" charset="0"/>
+            </a:endParaRPr>
+          </a:p>
+          <a:p>
             <a:pPr>
               <a:buFont typeface="Arial" pitchFamily="34" charset="0"/>
-              <a:buChar char="•"/>
+              <a:buNone/>
             </a:pPr>
             <a:r>
-              <a:rPr lang="en-US" dirty="0" smtClean="0"/>
-              <a:t> Br</a:t>
-            </a:r>
-            <a:r>
-              <a:rPr lang="en-US" sz="1200" kern="1200" dirty="0" smtClean="0">
+              <a:rPr lang="en-US" sz="1600" b="1" dirty="0" smtClean="0">
                 <a:solidFill>
-                  <a:schemeClr val="tx1"/>
+                  <a:srgbClr val="486DA2"/>
                 </a:solidFill>
-                <a:latin typeface="+mn-lt"/>
-                <a:ea typeface="+mn-ea"/>
-                <a:cs typeface="+mn-cs"/>
-              </a:rPr>
-              <a:t>anc</a:t>
-            </a:r>
-            <a:r>
-              <a:rPr lang="en-US" dirty="0" smtClean="0"/>
-              <a:t>hing means you diverge from the main line of development and continue to do work without messing with that main line.</a:t>
-            </a:r>
-          </a:p>
-          <a:p>
-            <a:pPr>
-              <a:buFont typeface="Arial" pitchFamily="34" charset="0"/>
-              <a:buChar char="•"/>
-            </a:pPr>
-            <a:r>
-              <a:rPr lang="en-US" dirty="0" smtClean="0"/>
-              <a:t> In many VCS tools, this is a somewhat expensive process, often requiring you to create a new copy of your source code directory, which can take a long time for large projects.</a:t>
-            </a:r>
-          </a:p>
-          <a:p>
-            <a:pPr>
-              <a:buFont typeface="Arial" pitchFamily="34" charset="0"/>
-              <a:buChar char="•"/>
-            </a:pPr>
-            <a:r>
-              <a:rPr lang="en-US" dirty="0" smtClean="0"/>
-              <a:t> The way </a:t>
-            </a:r>
-            <a:r>
-              <a:rPr lang="en-US" dirty="0" err="1" smtClean="0"/>
+                <a:latin typeface="Verdana" pitchFamily="34" charset="0"/>
+              </a:rPr>
+              <a:t>- </a:t>
+            </a:r>
+            <a:r>
+              <a:rPr lang="en-US" sz="1600" b="1" dirty="0" err="1" smtClean="0">
+                <a:solidFill>
+                  <a:srgbClr val="486DA2"/>
+                </a:solidFill>
+                <a:latin typeface="Verdana" pitchFamily="34" charset="0"/>
+              </a:rPr>
               <a:t>Git</a:t>
             </a:r>
             <a:r>
-              <a:rPr lang="en-US" dirty="0" smtClean="0"/>
-              <a:t> branches is incredibly lightweight, making branching operations nearly instantaneous and switching back and forth between branches generally just as fast.</a:t>
-            </a:r>
-          </a:p>
-          <a:p>
-            <a:pPr>
-              <a:buFont typeface="Arial" pitchFamily="34" charset="0"/>
-              <a:buChar char="•"/>
-            </a:pPr>
-            <a:r>
-              <a:rPr lang="en-US" dirty="0" smtClean="0"/>
-              <a:t> Unlike many other VCSs, </a:t>
-            </a:r>
-            <a:r>
-              <a:rPr lang="en-US" dirty="0" err="1" smtClean="0"/>
+              <a:rPr lang="en-US" sz="1600" b="1" dirty="0" smtClean="0">
+                <a:solidFill>
+                  <a:srgbClr val="486DA2"/>
+                </a:solidFill>
+                <a:latin typeface="Verdana" pitchFamily="34" charset="0"/>
+              </a:rPr>
+              <a:t> 3-State Model</a:t>
+            </a:r>
+            <a:endParaRPr lang="en-US" sz="1400" dirty="0" smtClean="0"/>
+          </a:p>
+          <a:p>
+            <a:r>
+              <a:rPr lang="en-US" sz="1400" dirty="0" smtClean="0"/>
+              <a:t>The basic </a:t>
+            </a:r>
+            <a:r>
+              <a:rPr lang="en-US" sz="1400" dirty="0" err="1" smtClean="0"/>
               <a:t>Git</a:t>
             </a:r>
             <a:r>
-              <a:rPr lang="en-US" dirty="0" smtClean="0"/>
-              <a:t> encourages a workflow that branches and merges often, even multiple times in a day.</a:t>
-            </a:r>
-          </a:p>
-          <a:p>
-            <a:pPr>
-              <a:buFont typeface="Arial" pitchFamily="34" charset="0"/>
-              <a:buChar char="•"/>
-            </a:pPr>
-            <a:r>
-              <a:rPr lang="en-US" baseline="0" dirty="0" smtClean="0"/>
-              <a:t> </a:t>
-            </a:r>
-            <a:r>
-              <a:rPr lang="en-US" dirty="0" smtClean="0"/>
-              <a:t>When you commit in </a:t>
-            </a:r>
-            <a:r>
-              <a:rPr lang="en-US" dirty="0" err="1" smtClean="0"/>
+              <a:rPr lang="en-US" sz="1400" dirty="0" smtClean="0"/>
+              <a:t> workflow goes something like this:</a:t>
+            </a:r>
+          </a:p>
+          <a:p>
+            <a:r>
+              <a:rPr lang="en-US" sz="1400" dirty="0" smtClean="0"/>
+              <a:t>1) You modify files in your working directory.</a:t>
+            </a:r>
+          </a:p>
+          <a:p>
+            <a:r>
+              <a:rPr lang="en-US" sz="1400" dirty="0" smtClean="0"/>
+              <a:t>2) You stage the files, adding snapshots of them to your staging area.</a:t>
+            </a:r>
+          </a:p>
+          <a:p>
+            <a:r>
+              <a:rPr lang="en-US" sz="1400" dirty="0" smtClean="0"/>
+              <a:t>3) You do a commit, which takes the files as they are in the staging </a:t>
+            </a:r>
+          </a:p>
+          <a:p>
+            <a:r>
+              <a:rPr lang="en-US" sz="1400" dirty="0" smtClean="0"/>
+              <a:t>area and stores that snapshot permanently to your </a:t>
+            </a:r>
+            <a:r>
+              <a:rPr lang="en-US" sz="1400" dirty="0" err="1" smtClean="0"/>
               <a:t>Git</a:t>
             </a:r>
             <a:r>
-              <a:rPr lang="en-US" dirty="0" smtClean="0"/>
-              <a:t>, it stores a commit object that contains a pointer to the snapshot of the content you staged, the author and message metadata, and zero or more pointers to the commit or commits that were the direct parents of this commit. (Zero parents for the first commit, one parent for a normal commit, and multiple parents for a commit that results from a merge of two or more branches.)</a:t>
-            </a:r>
-            <a:endParaRPr lang="en-US" dirty="0"/>
+              <a:rPr lang="en-US" sz="1400" dirty="0" smtClean="0"/>
+              <a:t> directory.</a:t>
+            </a:r>
+          </a:p>
+          <a:p>
+            <a:endParaRPr lang="en-US" sz="1400" dirty="0" smtClean="0"/>
+          </a:p>
+          <a:p>
+            <a:endParaRPr lang="en-US" sz="1400" dirty="0" smtClean="0"/>
           </a:p>
         </p:txBody>
       </p:sp>
@@ -4614,7 +4730,7 @@
             <a:fld id="{06F8F5D6-CB0D-4EDE-B95E-664AB82371FD}" type="slidenum">
               <a:rPr lang="en-US" smtClean="0"/>
               <a:pPr/>
-              <a:t>10</a:t>
+              <a:t>9</a:t>
             </a:fld>
             <a:endParaRPr lang="en-US"/>
           </a:p>
@@ -4680,39 +4796,22 @@
             </a:pPr>
             <a:r>
               <a:rPr lang="en-US" dirty="0" smtClean="0"/>
-              <a:t> When you create the commit by running ’</a:t>
-            </a:r>
-            <a:r>
-              <a:rPr lang="en-US" dirty="0" err="1" smtClean="0"/>
-              <a:t>git</a:t>
+              <a:t> Br</a:t>
+            </a:r>
+            <a:r>
+              <a:rPr lang="en-US" sz="1200" kern="1200" dirty="0" smtClean="0">
+                <a:solidFill>
+                  <a:schemeClr val="tx1"/>
+                </a:solidFill>
+                <a:latin typeface="+mn-lt"/>
+                <a:ea typeface="+mn-ea"/>
+                <a:cs typeface="+mn-cs"/>
+              </a:rPr>
+              <a:t>anc</a:t>
             </a:r>
             <a:r>
               <a:rPr lang="en-US" dirty="0" smtClean="0"/>
-              <a:t> commit’, </a:t>
-            </a:r>
-            <a:r>
-              <a:rPr lang="en-US" dirty="0" err="1" smtClean="0"/>
-              <a:t>Git</a:t>
-            </a:r>
-            <a:r>
-              <a:rPr lang="en-US" dirty="0" smtClean="0"/>
-              <a:t> checksums each subdirectory (in this case, just the root project directory) and stores those tree objects in the </a:t>
-            </a:r>
-            <a:r>
-              <a:rPr lang="en-US" dirty="0" err="1" smtClean="0"/>
-              <a:t>Git</a:t>
-            </a:r>
-            <a:r>
-              <a:rPr lang="en-US" dirty="0" smtClean="0"/>
-              <a:t> repository. </a:t>
-            </a:r>
-            <a:r>
-              <a:rPr lang="en-US" dirty="0" err="1" smtClean="0"/>
-              <a:t>Git</a:t>
-            </a:r>
-            <a:r>
-              <a:rPr lang="en-US" dirty="0" smtClean="0"/>
-              <a:t> then creates a commit object that has the metadata and a pointer to the root project tree so it can re-create that snapshot when needed.</a:t>
+              <a:t>hing means you diverge from the main line of development and continue to do work without messing with that main line.</a:t>
             </a:r>
           </a:p>
           <a:p>
@@ -4720,7 +4819,10 @@
               <a:buFont typeface="Arial" pitchFamily="34" charset="0"/>
               <a:buChar char="•"/>
             </a:pPr>
-            <a:endParaRPr lang="en-US" dirty="0" smtClean="0"/>
+            <a:r>
+              <a:rPr lang="en-US" dirty="0" smtClean="0"/>
+              <a:t> In many VCS tools, this is a somewhat expensive process, often requiring you to create a new copy of your source code directory, which can take a long time for large projects.</a:t>
+            </a:r>
           </a:p>
           <a:p>
             <a:pPr>
@@ -4729,7 +4831,15 @@
             </a:pPr>
             <a:r>
               <a:rPr lang="en-US" dirty="0" smtClean="0"/>
-              <a:t>  If you make some changes and commit again, the next commit stores a pointer to the commit that came immediately before it. After 2 more commits, your history might look like this slide:</a:t>
+              <a:t> The way </a:t>
+            </a:r>
+            <a:r>
+              <a:rPr lang="en-US" dirty="0" err="1" smtClean="0"/>
+              <a:t>Git</a:t>
+            </a:r>
+            <a:r>
+              <a:rPr lang="en-US" dirty="0" smtClean="0"/>
+              <a:t> branches is incredibly lightweight, making branching operations nearly instantaneous and switching back and forth between branches generally just as fast.</a:t>
             </a:r>
           </a:p>
           <a:p>
@@ -4737,29 +4847,31 @@
               <a:buFont typeface="Arial" pitchFamily="34" charset="0"/>
               <a:buChar char="•"/>
             </a:pPr>
-            <a:endParaRPr lang="en-US" dirty="0" smtClean="0"/>
-          </a:p>
-          <a:p>
-            <a:pPr marL="0" marR="0" indent="0" algn="l" defTabSz="914400" rtl="0" eaLnBrk="1" fontAlgn="auto" latinLnBrk="0" hangingPunct="1">
-              <a:lnSpc>
-                <a:spcPct val="100000"/>
-              </a:lnSpc>
-              <a:spcBef>
-                <a:spcPts val="0"/>
-              </a:spcBef>
-              <a:spcAft>
-                <a:spcPts val="0"/>
-              </a:spcAft>
-              <a:buClrTx/>
-              <a:buSzTx/>
+            <a:r>
+              <a:rPr lang="en-US" dirty="0" smtClean="0"/>
+              <a:t> Unlike many other VCSs, </a:t>
+            </a:r>
+            <a:r>
+              <a:rPr lang="en-US" dirty="0" err="1" smtClean="0"/>
+              <a:t>Git</a:t>
+            </a:r>
+            <a:r>
+              <a:rPr lang="en-US" dirty="0" smtClean="0"/>
+              <a:t> encourages a workflow that branches and merges often, even multiple times in a day.</a:t>
+            </a:r>
+          </a:p>
+          <a:p>
+            <a:pPr>
               <a:buFont typeface="Arial" pitchFamily="34" charset="0"/>
               <a:buChar char="•"/>
-              <a:tabLst/>
-              <a:defRPr/>
             </a:pPr>
             <a:r>
+              <a:rPr lang="en-US" baseline="0" dirty="0" smtClean="0"/>
+              <a:t> </a:t>
+            </a:r>
+            <a:r>
               <a:rPr lang="en-US" dirty="0" smtClean="0"/>
-              <a:t> A branch in </a:t>
+              <a:t>When you commit in </a:t>
             </a:r>
             <a:r>
               <a:rPr lang="en-US" dirty="0" err="1" smtClean="0"/>
@@ -4767,16 +4879,9 @@
             </a:r>
             <a:r>
               <a:rPr lang="en-US" dirty="0" smtClean="0"/>
-              <a:t> is simply a lightweight movable pointer to one of these commits. The default branch name in </a:t>
-            </a:r>
-            <a:r>
-              <a:rPr lang="en-US" dirty="0" err="1" smtClean="0"/>
-              <a:t>Git</a:t>
-            </a:r>
-            <a:r>
-              <a:rPr lang="en-US" dirty="0" smtClean="0"/>
-              <a:t> is master. As you initially make commits, you’re given a master branch that points to the last commit you made. Every time you commit, it moves forward automatically.</a:t>
-            </a:r>
+              <a:t>, it stores a commit object that contains a pointer to the snapshot of the content you staged, the author and message metadata, and zero or more pointers to the commit or commits that were the direct parents of this commit. (Zero parents for the first commit, one parent for a normal commit, and multiple parents for a commit that results from a merge of two or more branches.)</a:t>
+            </a:r>
+            <a:endParaRPr lang="en-US" dirty="0"/>
           </a:p>
         </p:txBody>
       </p:sp>
@@ -4798,7 +4903,7 @@
             <a:fld id="{06F8F5D6-CB0D-4EDE-B95E-664AB82371FD}" type="slidenum">
               <a:rPr lang="en-US" smtClean="0"/>
               <a:pPr/>
-              <a:t>11</a:t>
+              <a:t>10</a:t>
             </a:fld>
             <a:endParaRPr lang="en-US"/>
           </a:p>
@@ -4853,7 +4958,9 @@
         </p:nvSpPr>
         <p:spPr/>
         <p:txBody>
-          <a:bodyPr/>
+          <a:bodyPr>
+            <a:normAutofit/>
+          </a:bodyPr>
           <a:lstStyle/>
           <a:p>
             <a:pPr>
@@ -4862,7 +4969,39 @@
             </a:pPr>
             <a:r>
               <a:rPr lang="en-US" dirty="0" smtClean="0"/>
-              <a:t> Next create a remote public repository by clicking the “New repository” link on the right side near “Your Repositories”.</a:t>
+              <a:t> When you create the commit by running ’</a:t>
+            </a:r>
+            <a:r>
+              <a:rPr lang="en-US" dirty="0" err="1" smtClean="0"/>
+              <a:t>git</a:t>
+            </a:r>
+            <a:r>
+              <a:rPr lang="en-US" dirty="0" smtClean="0"/>
+              <a:t> commit’, </a:t>
+            </a:r>
+            <a:r>
+              <a:rPr lang="en-US" dirty="0" err="1" smtClean="0"/>
+              <a:t>Git</a:t>
+            </a:r>
+            <a:r>
+              <a:rPr lang="en-US" dirty="0" smtClean="0"/>
+              <a:t> checksums each subdirectory (in this case, just the root project directory) and stores those tree objects in the </a:t>
+            </a:r>
+            <a:r>
+              <a:rPr lang="en-US" dirty="0" err="1" smtClean="0"/>
+              <a:t>Git</a:t>
+            </a:r>
+            <a:r>
+              <a:rPr lang="en-US" dirty="0" smtClean="0"/>
+              <a:t> repository. </a:t>
+            </a:r>
+            <a:r>
+              <a:rPr lang="en-US" dirty="0" err="1" smtClean="0"/>
+              <a:t>Git</a:t>
+            </a:r>
+            <a:r>
+              <a:rPr lang="en-US" dirty="0" smtClean="0"/>
+              <a:t> then creates a commit object that has the metadata and a pointer to the root project tree so it can re-create that snapshot when needed.</a:t>
             </a:r>
           </a:p>
           <a:p>
@@ -4870,10 +5009,7 @@
               <a:buFont typeface="Arial" pitchFamily="34" charset="0"/>
               <a:buChar char="•"/>
             </a:pPr>
-            <a:r>
-              <a:rPr lang="en-US" dirty="0" smtClean="0"/>
-              <a:t> Then fill in the name, description, and web page for the repository and then click “Create Repository”.</a:t>
-            </a:r>
+            <a:endParaRPr lang="en-US" dirty="0" smtClean="0"/>
           </a:p>
           <a:p>
             <a:pPr>
@@ -4882,19 +5018,54 @@
             </a:pPr>
             <a:r>
               <a:rPr lang="en-US" dirty="0" smtClean="0"/>
-              <a:t> Make a note of the “Clone URL” in the following page. You will need this to commit your application to the public repository on the web at </a:t>
+              <a:t>  If you make some changes and commit again, the next commit stores a pointer to the commit that came immediately before it. After 2 more commits, your history might look like this slide:</a:t>
+            </a:r>
+          </a:p>
+          <a:p>
+            <a:pPr>
+              <a:buFont typeface="Arial" pitchFamily="34" charset="0"/>
+              <a:buChar char="•"/>
+            </a:pPr>
+            <a:endParaRPr lang="en-US" dirty="0" smtClean="0"/>
+          </a:p>
+          <a:p>
+            <a:pPr marL="0" marR="0" indent="0" algn="l" defTabSz="914400" rtl="0" eaLnBrk="1" fontAlgn="auto" latinLnBrk="0" hangingPunct="1">
+              <a:lnSpc>
+                <a:spcPct val="100000"/>
+              </a:lnSpc>
+              <a:spcBef>
+                <a:spcPts val="0"/>
+              </a:spcBef>
+              <a:spcAft>
+                <a:spcPts val="0"/>
+              </a:spcAft>
+              <a:buClrTx/>
+              <a:buSzTx/>
+              <a:buFont typeface="Arial" pitchFamily="34" charset="0"/>
+              <a:buChar char="•"/>
+              <a:tabLst/>
+              <a:defRPr/>
+            </a:pPr>
+            <a:r>
+              <a:rPr lang="en-US" dirty="0" smtClean="0"/>
+              <a:t> A branch in </a:t>
             </a:r>
             <a:r>
               <a:rPr lang="en-US" dirty="0" err="1" smtClean="0"/>
-              <a:t>github.com</a:t>
+              <a:t>Git</a:t>
             </a:r>
             <a:r>
               <a:rPr lang="en-US" dirty="0" smtClean="0"/>
-              <a:t>.</a:t>
-            </a:r>
-          </a:p>
-          <a:p>
-            <a:endParaRPr lang="en-US" dirty="0"/>
+              <a:t> is simply a lightweight movable pointer to one of these commits. The default branch name in </a:t>
+            </a:r>
+            <a:r>
+              <a:rPr lang="en-US" dirty="0" err="1" smtClean="0"/>
+              <a:t>Git</a:t>
+            </a:r>
+            <a:r>
+              <a:rPr lang="en-US" dirty="0" smtClean="0"/>
+              <a:t> is master. As you initially make commits, you’re given a master branch that points to the last commit you made. Every time you commit, it moves forward automatically.</a:t>
+            </a:r>
           </a:p>
         </p:txBody>
       </p:sp>
@@ -4916,18 +5087,13 @@
             <a:fld id="{06F8F5D6-CB0D-4EDE-B95E-664AB82371FD}" type="slidenum">
               <a:rPr lang="en-US" smtClean="0"/>
               <a:pPr/>
-              <a:t>13</a:t>
+              <a:t>11</a:t>
             </a:fld>
             <a:endParaRPr lang="en-US"/>
           </a:p>
         </p:txBody>
       </p:sp>
     </p:spTree>
-    <p:extLst>
-      <p:ext uri="{BB962C8B-B14F-4D97-AF65-F5344CB8AC3E}">
-        <p14:creationId xmlns="" xmlns:p14="http://schemas.microsoft.com/office/powerpoint/2010/main" val="1343535215"/>
-      </p:ext>
-    </p:extLst>
   </p:cSld>
   <p:clrMapOvr>
     <a:masterClrMapping/>
@@ -4976,193 +5142,44 @@
         </p:nvSpPr>
         <p:spPr/>
         <p:txBody>
-          <a:bodyPr>
-            <a:normAutofit/>
-          </a:bodyPr>
+          <a:bodyPr/>
           <a:lstStyle/>
           <a:p>
-            <a:r>
-              <a:rPr lang="en-US" b="1" dirty="0" smtClean="0"/>
-              <a:t>LINUX</a:t>
-            </a:r>
-          </a:p>
-          <a:p>
-            <a:r>
-              <a:rPr lang="en-US" sz="1200" dirty="0" smtClean="0"/>
-              <a:t>Most Linux distributions come with </a:t>
-            </a:r>
-            <a:r>
-              <a:rPr lang="en-US" altLang="en-US" sz="1200" dirty="0" smtClean="0"/>
-              <a:t>“</a:t>
-            </a:r>
-            <a:r>
-              <a:rPr lang="en-US" altLang="ja-JP" sz="1200" dirty="0" err="1" smtClean="0"/>
-              <a:t>git</a:t>
-            </a:r>
-            <a:r>
-              <a:rPr lang="en-US" altLang="en-US" sz="1200" dirty="0" smtClean="0"/>
-              <a:t>”</a:t>
-            </a:r>
-            <a:r>
-              <a:rPr lang="en-US" altLang="ja-JP" sz="1200" dirty="0" smtClean="0"/>
-              <a:t> installed them. If you are running an older version of a Linux distribution you might have to install </a:t>
-            </a:r>
-            <a:r>
-              <a:rPr lang="en-US" altLang="en-US" sz="1200" dirty="0" smtClean="0"/>
-              <a:t>“</a:t>
-            </a:r>
-            <a:r>
-              <a:rPr lang="en-US" altLang="ja-JP" sz="1200" dirty="0" err="1" smtClean="0"/>
-              <a:t>git</a:t>
-            </a:r>
-            <a:r>
-              <a:rPr lang="en-US" altLang="en-US" sz="1200" dirty="0" smtClean="0"/>
-              <a:t>”</a:t>
-            </a:r>
-            <a:r>
-              <a:rPr lang="en-US" altLang="ja-JP" sz="1200" dirty="0" smtClean="0"/>
-              <a:t> from a third-party repository. </a:t>
-            </a:r>
-          </a:p>
-          <a:p>
-            <a:endParaRPr lang="en-US" sz="1000" dirty="0" smtClean="0"/>
-          </a:p>
-          <a:p>
-            <a:r>
-              <a:rPr lang="en-US" sz="1200" b="1" dirty="0" err="1" smtClean="0"/>
-              <a:t>CentOS</a:t>
-            </a:r>
-            <a:r>
-              <a:rPr lang="en-US" sz="1200" b="1" dirty="0" smtClean="0"/>
-              <a:t> 5 </a:t>
-            </a:r>
-          </a:p>
-          <a:p>
-            <a:r>
-              <a:rPr lang="en-US" sz="1200" dirty="0" smtClean="0"/>
-              <a:t>First configure the RPM forge repository on your system. This can be done by simply installing the correct </a:t>
-            </a:r>
-            <a:r>
-              <a:rPr lang="en-US" sz="1200" dirty="0" err="1" smtClean="0"/>
-              <a:t>RPMForge</a:t>
-            </a:r>
-            <a:r>
-              <a:rPr lang="en-US" sz="1200" dirty="0" smtClean="0"/>
-              <a:t> RPM for you system from link below. </a:t>
-            </a:r>
-            <a:r>
-              <a:rPr lang="en-US" sz="1000" dirty="0" smtClean="0">
-                <a:hlinkClick r:id="rId3"/>
-              </a:rPr>
-              <a:t>http://wiki.centos.org/AdditionalResources/Repositories/RPMForge#head-5aabf02717d5b6b12d47edbc5811404998926a1b </a:t>
-            </a:r>
-            <a:endParaRPr lang="en-US" sz="1000" dirty="0" smtClean="0"/>
-          </a:p>
-          <a:p>
-            <a:r>
-              <a:rPr lang="en-US" sz="1000" dirty="0" smtClean="0"/>
-              <a:t>Once that his done installing </a:t>
-            </a:r>
-            <a:r>
-              <a:rPr lang="en-US" altLang="en-US" sz="1000" dirty="0" smtClean="0"/>
-              <a:t>“</a:t>
-            </a:r>
-            <a:r>
-              <a:rPr lang="en-US" altLang="ja-JP" sz="1000" dirty="0" err="1" smtClean="0"/>
-              <a:t>git</a:t>
-            </a:r>
-            <a:r>
-              <a:rPr lang="en-US" altLang="en-US" sz="1000" dirty="0" smtClean="0"/>
-              <a:t>”</a:t>
-            </a:r>
-            <a:r>
-              <a:rPr lang="en-US" altLang="ja-JP" sz="1000" dirty="0" smtClean="0"/>
-              <a:t> by running the following command</a:t>
-            </a:r>
-            <a:endParaRPr lang="en-US" sz="1000" dirty="0" smtClean="0"/>
-          </a:p>
-          <a:p>
-            <a:r>
-              <a:rPr lang="en-US" sz="1100" dirty="0" smtClean="0">
-                <a:latin typeface="Courier New" pitchFamily="49" charset="0"/>
-                <a:cs typeface="Courier New" pitchFamily="49" charset="0"/>
-              </a:rPr>
-              <a:t>$ </a:t>
-            </a:r>
-            <a:r>
-              <a:rPr lang="en-US" sz="1100" dirty="0" err="1" smtClean="0">
-                <a:latin typeface="Courier New" pitchFamily="49" charset="0"/>
-                <a:cs typeface="Courier New" pitchFamily="49" charset="0"/>
-              </a:rPr>
-              <a:t>sudo</a:t>
-            </a:r>
-            <a:r>
-              <a:rPr lang="en-US" sz="1100" dirty="0" smtClean="0">
-                <a:latin typeface="Courier New" pitchFamily="49" charset="0"/>
-                <a:cs typeface="Courier New" pitchFamily="49" charset="0"/>
-              </a:rPr>
-              <a:t> yum install </a:t>
-            </a:r>
-            <a:r>
-              <a:rPr lang="en-US" sz="1100" dirty="0" err="1" smtClean="0">
-                <a:latin typeface="Courier New" pitchFamily="49" charset="0"/>
-                <a:cs typeface="Courier New" pitchFamily="49" charset="0"/>
-              </a:rPr>
-              <a:t>git</a:t>
-            </a:r>
-            <a:endParaRPr lang="en-US" sz="1100" dirty="0" smtClean="0">
-              <a:latin typeface="Courier New" pitchFamily="49" charset="0"/>
-              <a:cs typeface="Courier New" pitchFamily="49" charset="0"/>
-            </a:endParaRPr>
-          </a:p>
-          <a:p>
-            <a:endParaRPr lang="en-US" sz="1000" dirty="0" smtClean="0"/>
-          </a:p>
-          <a:p>
-            <a:r>
-              <a:rPr lang="en-US" sz="1200" b="1" dirty="0" err="1" smtClean="0"/>
-              <a:t>Ubuntu</a:t>
-            </a:r>
-            <a:r>
-              <a:rPr lang="en-US" sz="1200" b="1" dirty="0" smtClean="0"/>
-              <a:t> </a:t>
-            </a:r>
-          </a:p>
-          <a:p>
-            <a:r>
-              <a:rPr lang="en-US" sz="1100" dirty="0" smtClean="0">
-                <a:latin typeface="Courier New" pitchFamily="49" charset="0"/>
-                <a:cs typeface="Courier New" pitchFamily="49" charset="0"/>
-              </a:rPr>
-              <a:t>$ </a:t>
-            </a:r>
-            <a:r>
-              <a:rPr lang="en-US" sz="1100" dirty="0" err="1" smtClean="0">
-                <a:latin typeface="Courier New" pitchFamily="49" charset="0"/>
-                <a:cs typeface="Courier New" pitchFamily="49" charset="0"/>
-              </a:rPr>
-              <a:t>sudo</a:t>
-            </a:r>
-            <a:r>
-              <a:rPr lang="en-US" sz="1100" dirty="0" smtClean="0">
-                <a:latin typeface="Courier New" pitchFamily="49" charset="0"/>
-                <a:cs typeface="Courier New" pitchFamily="49" charset="0"/>
-              </a:rPr>
-              <a:t> apt-get install </a:t>
-            </a:r>
-            <a:r>
-              <a:rPr lang="en-US" sz="1100" dirty="0" err="1" smtClean="0">
-                <a:latin typeface="Courier New" pitchFamily="49" charset="0"/>
-                <a:cs typeface="Courier New" pitchFamily="49" charset="0"/>
-              </a:rPr>
-              <a:t>git</a:t>
-            </a:r>
-            <a:r>
-              <a:rPr lang="en-US" sz="1100" dirty="0" smtClean="0">
-                <a:latin typeface="Courier New" pitchFamily="49" charset="0"/>
-                <a:cs typeface="Courier New" pitchFamily="49" charset="0"/>
-              </a:rPr>
-              <a:t>-core</a:t>
+            <a:pPr>
+              <a:buFont typeface="Arial" pitchFamily="34" charset="0"/>
+              <a:buChar char="•"/>
+            </a:pPr>
+            <a:r>
+              <a:rPr lang="en-US" dirty="0" smtClean="0"/>
+              <a:t> Next create a remote public repository by clicking the “New repository” link on the right side near “Your Repositories”.</a:t>
+            </a:r>
+          </a:p>
+          <a:p>
+            <a:pPr>
+              <a:buFont typeface="Arial" pitchFamily="34" charset="0"/>
+              <a:buChar char="•"/>
+            </a:pPr>
+            <a:r>
+              <a:rPr lang="en-US" dirty="0" smtClean="0"/>
+              <a:t> Then fill in the name, description, and web page for the repository and then click “Create Repository”.</a:t>
+            </a:r>
+          </a:p>
+          <a:p>
+            <a:pPr>
+              <a:buFont typeface="Arial" pitchFamily="34" charset="0"/>
+              <a:buChar char="•"/>
+            </a:pPr>
+            <a:r>
+              <a:rPr lang="en-US" dirty="0" smtClean="0"/>
+              <a:t> Make a note of the “Clone URL” in the following page. You will need this to commit your application to the public repository on the web at </a:t>
+            </a:r>
+            <a:r>
+              <a:rPr lang="en-US" dirty="0" err="1" smtClean="0"/>
+              <a:t>github.com</a:t>
+            </a:r>
+            <a:r>
+              <a:rPr lang="en-US" dirty="0" smtClean="0"/>
+              <a:t>.</a:t>
             </a:r>
           </a:p>
           <a:p>
@@ -5188,13 +5205,18 @@
             <a:fld id="{06F8F5D6-CB0D-4EDE-B95E-664AB82371FD}" type="slidenum">
               <a:rPr lang="en-US" smtClean="0"/>
               <a:pPr/>
-              <a:t>14</a:t>
+              <a:t>13</a:t>
             </a:fld>
             <a:endParaRPr lang="en-US"/>
           </a:p>
         </p:txBody>
       </p:sp>
     </p:spTree>
+    <p:extLst>
+      <p:ext uri="{BB962C8B-B14F-4D97-AF65-F5344CB8AC3E}">
+        <p14:creationId xmlns:p14="http://schemas.microsoft.com/office/powerpoint/2010/main" val="1343535215"/>
+      </p:ext>
+    </p:extLst>
   </p:cSld>
   <p:clrMapOvr>
     <a:masterClrMapping/>
@@ -5244,61 +5266,196 @@
         <p:spPr/>
         <p:txBody>
           <a:bodyPr>
-            <a:normAutofit fontScale="92500"/>
+            <a:normAutofit/>
           </a:bodyPr>
           <a:lstStyle/>
           <a:p>
             <a:r>
-              <a:rPr lang="en-US" i="1" dirty="0" smtClean="0"/>
-              <a:t>[Note: It is assumed that the user is comfortable with installing a basic application. Only the ones that require close attention are mentioned in the next few slides.</a:t>
-            </a:r>
-          </a:p>
-          <a:p>
-            <a:endParaRPr lang="en-US" i="1" dirty="0" smtClean="0"/>
-          </a:p>
-          <a:p>
-            <a:r>
-              <a:rPr lang="en-US" i="1" dirty="0" smtClean="0"/>
-              <a:t>For a detailed installation manual please refer to the following link: </a:t>
-            </a:r>
-            <a:r>
-              <a:rPr lang="en-US" i="1" dirty="0" smtClean="0">
+              <a:rPr lang="en-US" b="1" dirty="0" smtClean="0"/>
+              <a:t>LINUX</a:t>
+            </a:r>
+          </a:p>
+          <a:p>
+            <a:r>
+              <a:rPr lang="en-US" sz="1200" dirty="0" smtClean="0"/>
+              <a:t>Most Linux distributions come with </a:t>
+            </a:r>
+            <a:r>
+              <a:rPr lang="en-US" altLang="en-US" sz="1200" dirty="0" smtClean="0"/>
+              <a:t>“</a:t>
+            </a:r>
+            <a:r>
+              <a:rPr lang="en-US" altLang="ja-JP" sz="1200" dirty="0" err="1" smtClean="0"/>
+              <a:t>git</a:t>
+            </a:r>
+            <a:r>
+              <a:rPr lang="en-US" altLang="en-US" sz="1200" dirty="0" smtClean="0"/>
+              <a:t>”</a:t>
+            </a:r>
+            <a:r>
+              <a:rPr lang="en-US" altLang="ja-JP" sz="1200" dirty="0" smtClean="0"/>
+              <a:t> installed them. If you are running an older version of a Linux distribution you might have to install </a:t>
+            </a:r>
+            <a:r>
+              <a:rPr lang="en-US" altLang="en-US" sz="1200" dirty="0" smtClean="0"/>
+              <a:t>“</a:t>
+            </a:r>
+            <a:r>
+              <a:rPr lang="en-US" altLang="ja-JP" sz="1200" dirty="0" err="1" smtClean="0"/>
+              <a:t>git</a:t>
+            </a:r>
+            <a:r>
+              <a:rPr lang="en-US" altLang="en-US" sz="1200" dirty="0" smtClean="0"/>
+              <a:t>”</a:t>
+            </a:r>
+            <a:r>
+              <a:rPr lang="en-US" altLang="ja-JP" sz="1200" dirty="0" smtClean="0"/>
+              <a:t> from a third-party repository. </a:t>
+            </a:r>
+          </a:p>
+          <a:p>
+            <a:endParaRPr lang="en-US" sz="1000" dirty="0" smtClean="0"/>
+          </a:p>
+          <a:p>
+            <a:r>
+              <a:rPr lang="en-US" sz="1200" b="1" dirty="0" err="1" smtClean="0"/>
+              <a:t>CentOS</a:t>
+            </a:r>
+            <a:r>
+              <a:rPr lang="en-US" sz="1200" b="1" dirty="0" smtClean="0"/>
+              <a:t> 5 </a:t>
+            </a:r>
+          </a:p>
+          <a:p>
+            <a:r>
+              <a:rPr lang="en-US" sz="1200" dirty="0" smtClean="0"/>
+              <a:t>First configure the RPM forge repository on your system. This can be done by simply installing the correct </a:t>
+            </a:r>
+            <a:r>
+              <a:rPr lang="en-US" sz="1200" dirty="0" err="1" smtClean="0"/>
+              <a:t>RPMForge</a:t>
+            </a:r>
+            <a:r>
+              <a:rPr lang="en-US" sz="1200" dirty="0" smtClean="0"/>
+              <a:t> RPM for you system from link below. </a:t>
+            </a:r>
+            <a:r>
+              <a:rPr lang="en-US" sz="1000" dirty="0" smtClean="0">
                 <a:hlinkClick r:id="rId3"/>
               </a:rPr>
-              <a:t>http://help.github.com/win-set-up-git/</a:t>
-            </a:r>
-            <a:endParaRPr lang="en-US" i="1" dirty="0" smtClean="0"/>
-          </a:p>
-          <a:p>
-            <a:endParaRPr lang="en-US" i="1" dirty="0" smtClean="0"/>
-          </a:p>
-          <a:p>
-            <a:r>
-              <a:rPr lang="en-US" i="1" dirty="0" smtClean="0"/>
-              <a:t>The installation screens shown here are for Windows machine and it is fairly similar for other non-windows systems.]</a:t>
-            </a:r>
-          </a:p>
-          <a:p>
-            <a:endParaRPr lang="en-US" i="1" dirty="0" smtClean="0"/>
-          </a:p>
-          <a:p>
-            <a:r>
-              <a:rPr lang="en-US" dirty="0" smtClean="0"/>
-              <a:t>(If you’ve completed the installation then you can jump to </a:t>
-            </a:r>
-            <a:r>
-              <a:rPr lang="en-US" i="1" dirty="0" smtClean="0">
-                <a:hlinkClick r:id="rId4" action="ppaction://hlinksldjump"/>
-              </a:rPr>
-              <a:t>GIT Setup</a:t>
-            </a:r>
-            <a:r>
-              <a:rPr lang="en-US" dirty="0" smtClean="0"/>
-              <a:t>)</a:t>
-            </a:r>
-          </a:p>
-          <a:p>
-            <a:endParaRPr lang="en-US" dirty="0" smtClean="0"/>
+              <a:t>http://wiki.centos.org/AdditionalResources/Repositories/RPMForge#head-5aabf02717d5b6b12d47edbc5811404998926a1b </a:t>
+            </a:r>
+            <a:endParaRPr lang="en-US" sz="1000" dirty="0" smtClean="0"/>
+          </a:p>
+          <a:p>
+            <a:r>
+              <a:rPr lang="en-US" sz="1000" dirty="0" smtClean="0"/>
+              <a:t>Once that his done installing </a:t>
+            </a:r>
+            <a:r>
+              <a:rPr lang="en-US" altLang="en-US" sz="1000" dirty="0" smtClean="0"/>
+              <a:t>“</a:t>
+            </a:r>
+            <a:r>
+              <a:rPr lang="en-US" altLang="ja-JP" sz="1000" dirty="0" err="1" smtClean="0"/>
+              <a:t>git</a:t>
+            </a:r>
+            <a:r>
+              <a:rPr lang="en-US" altLang="en-US" sz="1000" dirty="0" smtClean="0"/>
+              <a:t>”</a:t>
+            </a:r>
+            <a:r>
+              <a:rPr lang="en-US" altLang="ja-JP" sz="1000" dirty="0" smtClean="0"/>
+              <a:t> by running the following command</a:t>
+            </a:r>
+            <a:endParaRPr lang="en-US" sz="1000" dirty="0" smtClean="0"/>
+          </a:p>
+          <a:p>
+            <a:r>
+              <a:rPr lang="en-US" sz="1100" dirty="0" smtClean="0">
+                <a:latin typeface="Courier New" pitchFamily="49" charset="0"/>
+                <a:cs typeface="Courier New" pitchFamily="49" charset="0"/>
+              </a:rPr>
+              <a:t>$ </a:t>
+            </a:r>
+            <a:r>
+              <a:rPr lang="en-US" sz="1100" dirty="0" err="1" smtClean="0">
+                <a:latin typeface="Courier New" pitchFamily="49" charset="0"/>
+                <a:cs typeface="Courier New" pitchFamily="49" charset="0"/>
+              </a:rPr>
+              <a:t>sudo</a:t>
+            </a:r>
+            <a:r>
+              <a:rPr lang="en-US" sz="1100" dirty="0" smtClean="0">
+                <a:latin typeface="Courier New" pitchFamily="49" charset="0"/>
+                <a:cs typeface="Courier New" pitchFamily="49" charset="0"/>
+              </a:rPr>
+              <a:t> yum install </a:t>
+            </a:r>
+            <a:r>
+              <a:rPr lang="en-US" sz="1100" dirty="0" err="1" smtClean="0">
+                <a:latin typeface="Courier New" pitchFamily="49" charset="0"/>
+                <a:cs typeface="Courier New" pitchFamily="49" charset="0"/>
+              </a:rPr>
+              <a:t>git</a:t>
+            </a:r>
+            <a:endParaRPr lang="en-US" sz="1100" dirty="0" smtClean="0">
+              <a:latin typeface="Courier New" pitchFamily="49" charset="0"/>
+              <a:cs typeface="Courier New" pitchFamily="49" charset="0"/>
+            </a:endParaRPr>
+          </a:p>
+          <a:p>
+            <a:endParaRPr lang="en-US" sz="1000" dirty="0" smtClean="0"/>
+          </a:p>
+          <a:p>
+            <a:r>
+              <a:rPr lang="en-US" sz="1200" b="1" dirty="0" err="1" smtClean="0"/>
+              <a:t>Ubuntu</a:t>
+            </a:r>
+            <a:r>
+              <a:rPr lang="en-US" sz="1200" b="1" dirty="0" smtClean="0"/>
+              <a:t> </a:t>
+            </a:r>
+          </a:p>
+          <a:p>
+            <a:r>
+              <a:rPr lang="en-US" sz="1100" dirty="0" smtClean="0">
+                <a:latin typeface="Courier New" pitchFamily="49" charset="0"/>
+                <a:cs typeface="Courier New" pitchFamily="49" charset="0"/>
+              </a:rPr>
+              <a:t>$ </a:t>
+            </a:r>
+            <a:r>
+              <a:rPr lang="en-US" sz="1100" dirty="0" err="1" smtClean="0">
+                <a:latin typeface="Courier New" pitchFamily="49" charset="0"/>
+                <a:cs typeface="Courier New" pitchFamily="49" charset="0"/>
+              </a:rPr>
+              <a:t>sudo</a:t>
+            </a:r>
+            <a:r>
+              <a:rPr lang="en-US" sz="1100" dirty="0" smtClean="0">
+                <a:latin typeface="Courier New" pitchFamily="49" charset="0"/>
+                <a:cs typeface="Courier New" pitchFamily="49" charset="0"/>
+              </a:rPr>
+              <a:t> apt-get install </a:t>
+            </a:r>
+            <a:r>
+              <a:rPr lang="en-US" sz="1100" dirty="0" err="1" smtClean="0">
+                <a:latin typeface="Courier New" pitchFamily="49" charset="0"/>
+                <a:cs typeface="Courier New" pitchFamily="49" charset="0"/>
+              </a:rPr>
+              <a:t>git</a:t>
+            </a:r>
+            <a:r>
+              <a:rPr lang="en-US" sz="1100" dirty="0" smtClean="0">
+                <a:latin typeface="Courier New" pitchFamily="49" charset="0"/>
+                <a:cs typeface="Courier New" pitchFamily="49" charset="0"/>
+              </a:rPr>
+              <a:t>-core</a:t>
+            </a:r>
+          </a:p>
+          <a:p>
+            <a:endParaRPr lang="en-US" dirty="0"/>
           </a:p>
         </p:txBody>
       </p:sp>
@@ -5320,7 +5477,7 @@
             <a:fld id="{06F8F5D6-CB0D-4EDE-B95E-664AB82371FD}" type="slidenum">
               <a:rPr lang="en-US" smtClean="0"/>
               <a:pPr/>
-              <a:t>15</a:t>
+              <a:t>14</a:t>
             </a:fld>
             <a:endParaRPr lang="en-US"/>
           </a:p>
@@ -7626,7 +7783,7 @@
           <a:p>
             <a:r>
               <a:rPr lang="fr-FR">
-                <a:hlinkClick r:id="rId2"/>
+                <a:hlinkClick r:id="rId3"/>
               </a:rPr>
               <a:t>Powerpoint Templates</a:t>
             </a:r>
@@ -7643,7 +7800,7 @@
           <p:nvPr/>
         </p:nvPicPr>
         <p:blipFill>
-          <a:blip r:embed="rId3" cstate="print"/>
+          <a:blip r:embed="rId4" cstate="print"/>
           <a:srcRect/>
           <a:stretch>
             <a:fillRect/>
@@ -7764,7 +7921,7 @@
                   <a:srgbClr val="486DA2"/>
                 </a:solidFill>
                 <a:latin typeface="Verdana" pitchFamily="34" charset="0"/>
-                <a:hlinkClick r:id="rId4"/>
+                <a:hlinkClick r:id="rId5"/>
               </a:rPr>
               <a:t>http://bit.ly/setupgit</a:t>
             </a:r>
@@ -7797,32 +7954,6 @@
       <p:pic>
         <p:nvPicPr>
           <p:cNvPr id="2075" name="Picture 27" descr="octocat.png (512×512)"/>
-          <p:cNvPicPr>
-            <a:picLocks noChangeAspect="1" noChangeArrowheads="1"/>
-          </p:cNvPicPr>
-          <p:nvPr/>
-        </p:nvPicPr>
-        <p:blipFill>
-          <a:blip r:embed="rId5" cstate="print"/>
-          <a:srcRect/>
-          <a:stretch>
-            <a:fillRect/>
-          </a:stretch>
-        </p:blipFill>
-        <p:spPr bwMode="auto">
-          <a:xfrm>
-            <a:off x="35496" y="1772816"/>
-            <a:ext cx="3240360" cy="3240361"/>
-          </a:xfrm>
-          <a:prstGeom prst="rect">
-            <a:avLst/>
-          </a:prstGeom>
-          <a:noFill/>
-        </p:spPr>
-      </p:pic>
-      <p:pic>
-        <p:nvPicPr>
-          <p:cNvPr id="6" name="Picture 15" descr="http://www.camilleroux.com/wp-content/uploads/2010/10/github_logo.png?119d5e"/>
           <p:cNvPicPr>
             <a:picLocks noChangeAspect="1" noChangeArrowheads="1"/>
           </p:cNvPicPr>
@@ -7837,8 +7968,8 @@
         </p:blipFill>
         <p:spPr bwMode="auto">
           <a:xfrm>
-            <a:off x="3812887" y="2276872"/>
-            <a:ext cx="5313956" cy="1656184"/>
+            <a:off x="-11382" y="332656"/>
+            <a:ext cx="3240360" cy="3240361"/>
           </a:xfrm>
           <a:prstGeom prst="rect">
             <a:avLst/>
@@ -7848,7 +7979,7 @@
       </p:pic>
       <p:pic>
         <p:nvPicPr>
-          <p:cNvPr id="7" name="Picture 2"/>
+          <p:cNvPr id="6" name="Picture 15" descr="http://www.camilleroux.com/wp-content/uploads/2010/10/github_logo.png?119d5e"/>
           <p:cNvPicPr>
             <a:picLocks noChangeAspect="1" noChangeArrowheads="1"/>
           </p:cNvPicPr>
@@ -7863,7 +7994,33 @@
         </p:blipFill>
         <p:spPr bwMode="auto">
           <a:xfrm>
-            <a:off x="2627784" y="5805264"/>
+            <a:off x="3812887" y="2276872"/>
+            <a:ext cx="5313956" cy="1656184"/>
+          </a:xfrm>
+          <a:prstGeom prst="rect">
+            <a:avLst/>
+          </a:prstGeom>
+          <a:noFill/>
+        </p:spPr>
+      </p:pic>
+      <p:pic>
+        <p:nvPicPr>
+          <p:cNvPr id="7" name="Picture 2"/>
+          <p:cNvPicPr>
+            <a:picLocks noChangeAspect="1" noChangeArrowheads="1"/>
+          </p:cNvPicPr>
+          <p:nvPr/>
+        </p:nvPicPr>
+        <p:blipFill>
+          <a:blip r:embed="rId8" cstate="print"/>
+          <a:srcRect/>
+          <a:stretch>
+            <a:fillRect/>
+          </a:stretch>
+        </p:blipFill>
+        <p:spPr bwMode="auto">
+          <a:xfrm>
+            <a:off x="3491880" y="5877272"/>
             <a:ext cx="3312368" cy="720080"/>
           </a:xfrm>
           <a:prstGeom prst="rect">
@@ -7924,10 +8081,10 @@
           <p:nvPr/>
         </p:nvPicPr>
         <p:blipFill>
-          <a:blip r:embed="rId8" cstate="print">
+          <a:blip r:embed="rId9" cstate="print">
             <a:extLst>
               <a:ext uri="{28A0092B-C50C-407E-A947-70E740481C1C}">
-                <a14:useLocalDpi xmlns="" xmlns:a14="http://schemas.microsoft.com/office/drawing/2010/main" val="0"/>
+                <a14:useLocalDpi xmlns:a14="http://schemas.microsoft.com/office/drawing/2010/main" val="0"/>
               </a:ext>
             </a:extLst>
           </a:blip>
@@ -7937,8 +8094,8 @@
         </p:blipFill>
         <p:spPr>
           <a:xfrm>
-            <a:off x="323528" y="5445225"/>
-            <a:ext cx="1872208" cy="1002968"/>
+            <a:off x="3054" y="5877272"/>
+            <a:ext cx="1830693" cy="980728"/>
           </a:xfrm>
           <a:prstGeom prst="rect">
             <a:avLst/>
@@ -7983,6 +8140,30 @@
           </a:p>
         </p:txBody>
       </p:sp>
+      <p:pic>
+        <p:nvPicPr>
+          <p:cNvPr id="3" name="Picture 2"/>
+          <p:cNvPicPr>
+            <a:picLocks noChangeAspect="1"/>
+          </p:cNvPicPr>
+          <p:nvPr/>
+        </p:nvPicPr>
+        <p:blipFill>
+          <a:blip r:embed="rId10"/>
+          <a:stretch>
+            <a:fillRect/>
+          </a:stretch>
+        </p:blipFill>
+        <p:spPr>
+          <a:xfrm>
+            <a:off x="395536" y="3501008"/>
+            <a:ext cx="2286000" cy="1282700"/>
+          </a:xfrm>
+          <a:prstGeom prst="rect">
+            <a:avLst/>
+          </a:prstGeom>
+        </p:spPr>
+      </p:pic>
     </p:spTree>
   </p:cSld>
   <p:clrMapOvr>
@@ -7991,7 +8172,7 @@
   <p:timing>
     <p:tnLst>
       <p:par>
-        <p:cTn id="1" dur="indefinite" restart="never" nodeType="tmRoot"/>
+        <p:cTn xmlns:p14="http://schemas.microsoft.com/office/powerpoint/2010/main" id="1" dur="indefinite" restart="never" nodeType="tmRoot"/>
       </p:par>
     </p:tnLst>
   </p:timing>
@@ -8268,6 +8449,36 @@
           <a:noFill/>
         </p:spPr>
       </p:pic>
+      <p:pic>
+        <p:nvPicPr>
+          <p:cNvPr id="9" name="Picture 8" descr="ScrumDo_Ad Tile.jpg"/>
+          <p:cNvPicPr>
+            <a:picLocks noChangeAspect="1"/>
+          </p:cNvPicPr>
+          <p:nvPr/>
+        </p:nvPicPr>
+        <p:blipFill>
+          <a:blip r:embed="rId5" cstate="print">
+            <a:extLst>
+              <a:ext uri="{28A0092B-C50C-407E-A947-70E740481C1C}">
+                <a14:useLocalDpi xmlns:a14="http://schemas.microsoft.com/office/drawing/2010/main" val="0"/>
+              </a:ext>
+            </a:extLst>
+          </a:blip>
+          <a:stretch>
+            <a:fillRect/>
+          </a:stretch>
+        </p:blipFill>
+        <p:spPr>
+          <a:xfrm>
+            <a:off x="0" y="6027624"/>
+            <a:ext cx="1584176" cy="848665"/>
+          </a:xfrm>
+          <a:prstGeom prst="rect">
+            <a:avLst/>
+          </a:prstGeom>
+        </p:spPr>
+      </p:pic>
     </p:spTree>
   </p:cSld>
   <p:clrMapOvr>
@@ -8276,7 +8487,7 @@
   <p:timing>
     <p:tnLst>
       <p:par>
-        <p:cTn id="1" dur="indefinite" restart="never" nodeType="tmRoot"/>
+        <p:cTn xmlns:p14="http://schemas.microsoft.com/office/powerpoint/2010/main" id="1" dur="indefinite" restart="never" nodeType="tmRoot"/>
       </p:par>
     </p:tnLst>
   </p:timing>
@@ -8582,6 +8793,36 @@
           <a:noFill/>
         </p:spPr>
       </p:pic>
+      <p:pic>
+        <p:nvPicPr>
+          <p:cNvPr id="10" name="Picture 9" descr="ScrumDo_Ad Tile.jpg"/>
+          <p:cNvPicPr>
+            <a:picLocks noChangeAspect="1"/>
+          </p:cNvPicPr>
+          <p:nvPr/>
+        </p:nvPicPr>
+        <p:blipFill>
+          <a:blip r:embed="rId6" cstate="print">
+            <a:extLst>
+              <a:ext uri="{28A0092B-C50C-407E-A947-70E740481C1C}">
+                <a14:useLocalDpi xmlns:a14="http://schemas.microsoft.com/office/drawing/2010/main" val="0"/>
+              </a:ext>
+            </a:extLst>
+          </a:blip>
+          <a:stretch>
+            <a:fillRect/>
+          </a:stretch>
+        </p:blipFill>
+        <p:spPr>
+          <a:xfrm>
+            <a:off x="0" y="6027624"/>
+            <a:ext cx="1584176" cy="848665"/>
+          </a:xfrm>
+          <a:prstGeom prst="rect">
+            <a:avLst/>
+          </a:prstGeom>
+        </p:spPr>
+      </p:pic>
     </p:spTree>
   </p:cSld>
   <p:clrMapOvr>
@@ -8590,7 +8831,7 @@
   <p:timing>
     <p:tnLst>
       <p:par>
-        <p:cTn id="1" dur="indefinite" restart="never" nodeType="tmRoot"/>
+        <p:cTn xmlns:p14="http://schemas.microsoft.com/office/powerpoint/2010/main" id="1" dur="indefinite" restart="never" nodeType="tmRoot"/>
       </p:par>
     </p:tnLst>
   </p:timing>
@@ -8947,10 +9188,64 @@
           </a:p>
         </p:txBody>
       </p:sp>
+      <p:pic>
+        <p:nvPicPr>
+          <p:cNvPr id="9" name="Picture 8" descr="ScrumDo_Ad Tile.jpg"/>
+          <p:cNvPicPr>
+            <a:picLocks noChangeAspect="1"/>
+          </p:cNvPicPr>
+          <p:nvPr/>
+        </p:nvPicPr>
+        <p:blipFill>
+          <a:blip r:embed="rId4" cstate="print">
+            <a:extLst>
+              <a:ext uri="{28A0092B-C50C-407E-A947-70E740481C1C}">
+                <a14:useLocalDpi xmlns:a14="http://schemas.microsoft.com/office/drawing/2010/main" val="0"/>
+              </a:ext>
+            </a:extLst>
+          </a:blip>
+          <a:stretch>
+            <a:fillRect/>
+          </a:stretch>
+        </p:blipFill>
+        <p:spPr>
+          <a:xfrm>
+            <a:off x="0" y="6027624"/>
+            <a:ext cx="1584176" cy="848665"/>
+          </a:xfrm>
+          <a:prstGeom prst="rect">
+            <a:avLst/>
+          </a:prstGeom>
+        </p:spPr>
+      </p:pic>
+      <p:pic>
+        <p:nvPicPr>
+          <p:cNvPr id="10" name="Picture 9"/>
+          <p:cNvPicPr>
+            <a:picLocks noChangeAspect="1"/>
+          </p:cNvPicPr>
+          <p:nvPr/>
+        </p:nvPicPr>
+        <p:blipFill>
+          <a:blip r:embed="rId5"/>
+          <a:stretch>
+            <a:fillRect/>
+          </a:stretch>
+        </p:blipFill>
+        <p:spPr>
+          <a:xfrm>
+            <a:off x="4067944" y="6053738"/>
+            <a:ext cx="1656184" cy="929303"/>
+          </a:xfrm>
+          <a:prstGeom prst="rect">
+            <a:avLst/>
+          </a:prstGeom>
+        </p:spPr>
+      </p:pic>
     </p:spTree>
     <p:extLst>
       <p:ext uri="{BB962C8B-B14F-4D97-AF65-F5344CB8AC3E}">
-        <p14:creationId xmlns="" xmlns:p14="http://schemas.microsoft.com/office/powerpoint/2010/main" val="1318206517"/>
+        <p14:creationId xmlns:p14="http://schemas.microsoft.com/office/powerpoint/2010/main" val="1318206517"/>
       </p:ext>
     </p:extLst>
   </p:cSld>
@@ -8960,7 +9255,7 @@
   <p:timing>
     <p:tnLst>
       <p:par>
-        <p:cTn id="1" dur="indefinite" restart="never" nodeType="tmRoot"/>
+        <p:cTn xmlns:p14="http://schemas.microsoft.com/office/powerpoint/2010/main" id="1" dur="indefinite" restart="never" nodeType="tmRoot"/>
       </p:par>
     </p:tnLst>
   </p:timing>
@@ -9128,10 +9423,64 @@
           </a:p>
         </p:txBody>
       </p:sp>
+      <p:pic>
+        <p:nvPicPr>
+          <p:cNvPr id="4" name="Picture 3" descr="ScrumDo_Ad Tile.jpg"/>
+          <p:cNvPicPr>
+            <a:picLocks noChangeAspect="1"/>
+          </p:cNvPicPr>
+          <p:nvPr/>
+        </p:nvPicPr>
+        <p:blipFill>
+          <a:blip r:embed="rId4" cstate="print">
+            <a:extLst>
+              <a:ext uri="{28A0092B-C50C-407E-A947-70E740481C1C}">
+                <a14:useLocalDpi xmlns:a14="http://schemas.microsoft.com/office/drawing/2010/main" val="0"/>
+              </a:ext>
+            </a:extLst>
+          </a:blip>
+          <a:stretch>
+            <a:fillRect/>
+          </a:stretch>
+        </p:blipFill>
+        <p:spPr>
+          <a:xfrm>
+            <a:off x="0" y="6027624"/>
+            <a:ext cx="1584176" cy="848665"/>
+          </a:xfrm>
+          <a:prstGeom prst="rect">
+            <a:avLst/>
+          </a:prstGeom>
+        </p:spPr>
+      </p:pic>
+      <p:pic>
+        <p:nvPicPr>
+          <p:cNvPr id="5" name="Picture 4"/>
+          <p:cNvPicPr>
+            <a:picLocks noChangeAspect="1"/>
+          </p:cNvPicPr>
+          <p:nvPr/>
+        </p:nvPicPr>
+        <p:blipFill>
+          <a:blip r:embed="rId5"/>
+          <a:stretch>
+            <a:fillRect/>
+          </a:stretch>
+        </p:blipFill>
+        <p:spPr>
+          <a:xfrm>
+            <a:off x="4067944" y="6053738"/>
+            <a:ext cx="1656184" cy="929303"/>
+          </a:xfrm>
+          <a:prstGeom prst="rect">
+            <a:avLst/>
+          </a:prstGeom>
+        </p:spPr>
+      </p:pic>
     </p:spTree>
     <p:extLst>
       <p:ext uri="{BB962C8B-B14F-4D97-AF65-F5344CB8AC3E}">
-        <p14:creationId xmlns="" xmlns:p14="http://schemas.microsoft.com/office/powerpoint/2010/main" val="2344691747"/>
+        <p14:creationId xmlns:p14="http://schemas.microsoft.com/office/powerpoint/2010/main" val="2344691747"/>
       </p:ext>
     </p:extLst>
   </p:cSld>
@@ -9141,7 +9490,7 @@
   <p:timing>
     <p:tnLst>
       <p:par>
-        <p:cTn id="1" dur="indefinite" restart="never" nodeType="tmRoot"/>
+        <p:cTn xmlns:p14="http://schemas.microsoft.com/office/powerpoint/2010/main" id="1" dur="indefinite" restart="never" nodeType="tmRoot"/>
       </p:par>
     </p:tnLst>
   </p:timing>
@@ -9404,6 +9753,60 @@
           </a:p>
         </p:txBody>
       </p:sp>
+      <p:pic>
+        <p:nvPicPr>
+          <p:cNvPr id="4" name="Picture 3" descr="ScrumDo_Ad Tile.jpg"/>
+          <p:cNvPicPr>
+            <a:picLocks noChangeAspect="1"/>
+          </p:cNvPicPr>
+          <p:nvPr/>
+        </p:nvPicPr>
+        <p:blipFill>
+          <a:blip r:embed="rId4" cstate="print">
+            <a:extLst>
+              <a:ext uri="{28A0092B-C50C-407E-A947-70E740481C1C}">
+                <a14:useLocalDpi xmlns:a14="http://schemas.microsoft.com/office/drawing/2010/main" val="0"/>
+              </a:ext>
+            </a:extLst>
+          </a:blip>
+          <a:stretch>
+            <a:fillRect/>
+          </a:stretch>
+        </p:blipFill>
+        <p:spPr>
+          <a:xfrm>
+            <a:off x="0" y="6027624"/>
+            <a:ext cx="1584176" cy="848665"/>
+          </a:xfrm>
+          <a:prstGeom prst="rect">
+            <a:avLst/>
+          </a:prstGeom>
+        </p:spPr>
+      </p:pic>
+      <p:pic>
+        <p:nvPicPr>
+          <p:cNvPr id="5" name="Picture 4"/>
+          <p:cNvPicPr>
+            <a:picLocks noChangeAspect="1"/>
+          </p:cNvPicPr>
+          <p:nvPr/>
+        </p:nvPicPr>
+        <p:blipFill>
+          <a:blip r:embed="rId5"/>
+          <a:stretch>
+            <a:fillRect/>
+          </a:stretch>
+        </p:blipFill>
+        <p:spPr>
+          <a:xfrm>
+            <a:off x="4067944" y="6053738"/>
+            <a:ext cx="1656184" cy="929303"/>
+          </a:xfrm>
+          <a:prstGeom prst="rect">
+            <a:avLst/>
+          </a:prstGeom>
+        </p:spPr>
+      </p:pic>
     </p:spTree>
   </p:cSld>
   <p:clrMapOvr>
@@ -9412,7 +9815,7 @@
   <p:timing>
     <p:tnLst>
       <p:par>
-        <p:cTn id="1" dur="indefinite" restart="never" nodeType="tmRoot"/>
+        <p:cTn xmlns:p14="http://schemas.microsoft.com/office/powerpoint/2010/main" id="1" dur="indefinite" restart="never" nodeType="tmRoot"/>
       </p:par>
     </p:tnLst>
   </p:timing>
@@ -9727,6 +10130,60 @@
           </a:p>
         </p:txBody>
       </p:sp>
+      <p:pic>
+        <p:nvPicPr>
+          <p:cNvPr id="9" name="Picture 8" descr="ScrumDo_Ad Tile.jpg"/>
+          <p:cNvPicPr>
+            <a:picLocks noChangeAspect="1"/>
+          </p:cNvPicPr>
+          <p:nvPr/>
+        </p:nvPicPr>
+        <p:blipFill>
+          <a:blip r:embed="rId6" cstate="print">
+            <a:extLst>
+              <a:ext uri="{28A0092B-C50C-407E-A947-70E740481C1C}">
+                <a14:useLocalDpi xmlns:a14="http://schemas.microsoft.com/office/drawing/2010/main" val="0"/>
+              </a:ext>
+            </a:extLst>
+          </a:blip>
+          <a:stretch>
+            <a:fillRect/>
+          </a:stretch>
+        </p:blipFill>
+        <p:spPr>
+          <a:xfrm>
+            <a:off x="0" y="6027624"/>
+            <a:ext cx="1584176" cy="848665"/>
+          </a:xfrm>
+          <a:prstGeom prst="rect">
+            <a:avLst/>
+          </a:prstGeom>
+        </p:spPr>
+      </p:pic>
+      <p:pic>
+        <p:nvPicPr>
+          <p:cNvPr id="10" name="Picture 9"/>
+          <p:cNvPicPr>
+            <a:picLocks noChangeAspect="1"/>
+          </p:cNvPicPr>
+          <p:nvPr/>
+        </p:nvPicPr>
+        <p:blipFill>
+          <a:blip r:embed="rId7"/>
+          <a:stretch>
+            <a:fillRect/>
+          </a:stretch>
+        </p:blipFill>
+        <p:spPr>
+          <a:xfrm>
+            <a:off x="4067944" y="6053738"/>
+            <a:ext cx="1656184" cy="929303"/>
+          </a:xfrm>
+          <a:prstGeom prst="rect">
+            <a:avLst/>
+          </a:prstGeom>
+        </p:spPr>
+      </p:pic>
     </p:spTree>
   </p:cSld>
   <p:clrMapOvr>
@@ -9735,7 +10192,7 @@
   <p:timing>
     <p:tnLst>
       <p:par>
-        <p:cTn id="1" dur="indefinite" restart="never" nodeType="tmRoot"/>
+        <p:cTn xmlns:p14="http://schemas.microsoft.com/office/powerpoint/2010/main" id="1" dur="indefinite" restart="never" nodeType="tmRoot"/>
       </p:par>
     </p:tnLst>
   </p:timing>
@@ -10044,6 +10501,36 @@
           <a:noFill/>
         </p:spPr>
       </p:pic>
+      <p:pic>
+        <p:nvPicPr>
+          <p:cNvPr id="9" name="Picture 8" descr="ScrumDo_Ad Tile.jpg"/>
+          <p:cNvPicPr>
+            <a:picLocks noChangeAspect="1"/>
+          </p:cNvPicPr>
+          <p:nvPr/>
+        </p:nvPicPr>
+        <p:blipFill>
+          <a:blip r:embed="rId5" cstate="print">
+            <a:extLst>
+              <a:ext uri="{28A0092B-C50C-407E-A947-70E740481C1C}">
+                <a14:useLocalDpi xmlns:a14="http://schemas.microsoft.com/office/drawing/2010/main" val="0"/>
+              </a:ext>
+            </a:extLst>
+          </a:blip>
+          <a:stretch>
+            <a:fillRect/>
+          </a:stretch>
+        </p:blipFill>
+        <p:spPr>
+          <a:xfrm>
+            <a:off x="0" y="6027624"/>
+            <a:ext cx="1584176" cy="848665"/>
+          </a:xfrm>
+          <a:prstGeom prst="rect">
+            <a:avLst/>
+          </a:prstGeom>
+        </p:spPr>
+      </p:pic>
     </p:spTree>
   </p:cSld>
   <p:clrMapOvr>
@@ -10052,7 +10539,7 @@
   <p:timing>
     <p:tnLst>
       <p:par>
-        <p:cTn id="1" dur="indefinite" restart="never" nodeType="tmRoot"/>
+        <p:cTn xmlns:p14="http://schemas.microsoft.com/office/powerpoint/2010/main" id="1" dur="indefinite" restart="never" nodeType="tmRoot"/>
       </p:par>
     </p:tnLst>
   </p:timing>
@@ -10363,6 +10850,36 @@
           <a:noFill/>
         </p:spPr>
       </p:pic>
+      <p:pic>
+        <p:nvPicPr>
+          <p:cNvPr id="9" name="Picture 8" descr="ScrumDo_Ad Tile.jpg"/>
+          <p:cNvPicPr>
+            <a:picLocks noChangeAspect="1"/>
+          </p:cNvPicPr>
+          <p:nvPr/>
+        </p:nvPicPr>
+        <p:blipFill>
+          <a:blip r:embed="rId6" cstate="print">
+            <a:extLst>
+              <a:ext uri="{28A0092B-C50C-407E-A947-70E740481C1C}">
+                <a14:useLocalDpi xmlns:a14="http://schemas.microsoft.com/office/drawing/2010/main" val="0"/>
+              </a:ext>
+            </a:extLst>
+          </a:blip>
+          <a:stretch>
+            <a:fillRect/>
+          </a:stretch>
+        </p:blipFill>
+        <p:spPr>
+          <a:xfrm>
+            <a:off x="0" y="6027624"/>
+            <a:ext cx="1584176" cy="848665"/>
+          </a:xfrm>
+          <a:prstGeom prst="rect">
+            <a:avLst/>
+          </a:prstGeom>
+        </p:spPr>
+      </p:pic>
     </p:spTree>
   </p:cSld>
   <p:clrMapOvr>
@@ -10371,7 +10888,7 @@
   <p:timing>
     <p:tnLst>
       <p:par>
-        <p:cTn id="1" dur="indefinite" restart="never" nodeType="tmRoot"/>
+        <p:cTn xmlns:p14="http://schemas.microsoft.com/office/powerpoint/2010/main" id="1" dur="indefinite" restart="never" nodeType="tmRoot"/>
       </p:par>
     </p:tnLst>
   </p:timing>
@@ -10674,6 +11191,36 @@
           <a:noFill/>
         </p:spPr>
       </p:pic>
+      <p:pic>
+        <p:nvPicPr>
+          <p:cNvPr id="9" name="Picture 8" descr="ScrumDo_Ad Tile.jpg"/>
+          <p:cNvPicPr>
+            <a:picLocks noChangeAspect="1"/>
+          </p:cNvPicPr>
+          <p:nvPr/>
+        </p:nvPicPr>
+        <p:blipFill>
+          <a:blip r:embed="rId5" cstate="print">
+            <a:extLst>
+              <a:ext uri="{28A0092B-C50C-407E-A947-70E740481C1C}">
+                <a14:useLocalDpi xmlns:a14="http://schemas.microsoft.com/office/drawing/2010/main" val="0"/>
+              </a:ext>
+            </a:extLst>
+          </a:blip>
+          <a:stretch>
+            <a:fillRect/>
+          </a:stretch>
+        </p:blipFill>
+        <p:spPr>
+          <a:xfrm>
+            <a:off x="0" y="6027624"/>
+            <a:ext cx="1584176" cy="848665"/>
+          </a:xfrm>
+          <a:prstGeom prst="rect">
+            <a:avLst/>
+          </a:prstGeom>
+        </p:spPr>
+      </p:pic>
     </p:spTree>
   </p:cSld>
   <p:clrMapOvr>
@@ -10682,7 +11229,7 @@
   <p:timing>
     <p:tnLst>
       <p:par>
-        <p:cTn id="1" dur="indefinite" restart="never" nodeType="tmRoot"/>
+        <p:cTn xmlns:p14="http://schemas.microsoft.com/office/powerpoint/2010/main" id="1" dur="indefinite" restart="never" nodeType="tmRoot"/>
       </p:par>
     </p:tnLst>
   </p:timing>
@@ -11216,6 +11763,60 @@
           </a:p>
         </p:txBody>
       </p:sp>
+      <p:pic>
+        <p:nvPicPr>
+          <p:cNvPr id="9" name="Picture 8" descr="ScrumDo_Ad Tile.jpg"/>
+          <p:cNvPicPr>
+            <a:picLocks noChangeAspect="1"/>
+          </p:cNvPicPr>
+          <p:nvPr/>
+        </p:nvPicPr>
+        <p:blipFill>
+          <a:blip r:embed="rId5" cstate="print">
+            <a:extLst>
+              <a:ext uri="{28A0092B-C50C-407E-A947-70E740481C1C}">
+                <a14:useLocalDpi xmlns:a14="http://schemas.microsoft.com/office/drawing/2010/main" val="0"/>
+              </a:ext>
+            </a:extLst>
+          </a:blip>
+          <a:stretch>
+            <a:fillRect/>
+          </a:stretch>
+        </p:blipFill>
+        <p:spPr>
+          <a:xfrm>
+            <a:off x="0" y="6027624"/>
+            <a:ext cx="1584176" cy="848665"/>
+          </a:xfrm>
+          <a:prstGeom prst="rect">
+            <a:avLst/>
+          </a:prstGeom>
+        </p:spPr>
+      </p:pic>
+      <p:pic>
+        <p:nvPicPr>
+          <p:cNvPr id="10" name="Picture 9"/>
+          <p:cNvPicPr>
+            <a:picLocks noChangeAspect="1"/>
+          </p:cNvPicPr>
+          <p:nvPr/>
+        </p:nvPicPr>
+        <p:blipFill>
+          <a:blip r:embed="rId6"/>
+          <a:stretch>
+            <a:fillRect/>
+          </a:stretch>
+        </p:blipFill>
+        <p:spPr>
+          <a:xfrm>
+            <a:off x="4067944" y="6053738"/>
+            <a:ext cx="1656184" cy="929303"/>
+          </a:xfrm>
+          <a:prstGeom prst="rect">
+            <a:avLst/>
+          </a:prstGeom>
+        </p:spPr>
+      </p:pic>
     </p:spTree>
   </p:cSld>
   <p:clrMapOvr>
@@ -11224,7 +11825,7 @@
   <p:timing>
     <p:tnLst>
       <p:par>
-        <p:cTn id="1" dur="indefinite" restart="never" nodeType="tmRoot"/>
+        <p:cTn xmlns:p14="http://schemas.microsoft.com/office/powerpoint/2010/main" id="1" dur="indefinite" restart="never" nodeType="tmRoot"/>
       </p:par>
     </p:tnLst>
   </p:timing>
@@ -11281,7 +11882,12 @@
             <p:ph idx="1"/>
           </p:nvPr>
         </p:nvSpPr>
-        <p:spPr/>
+        <p:spPr>
+          <a:xfrm>
+            <a:off x="467544" y="1268760"/>
+            <a:ext cx="8229600" cy="4525963"/>
+          </a:xfrm>
+        </p:spPr>
         <p:txBody>
           <a:bodyPr/>
           <a:lstStyle/>
@@ -11386,16 +11992,77 @@
           </a:p>
         </p:txBody>
       </p:sp>
+      <p:pic>
+        <p:nvPicPr>
+          <p:cNvPr id="4" name="Picture 3" descr="ScrumDo_Ad Tile.jpg"/>
+          <p:cNvPicPr>
+            <a:picLocks noChangeAspect="1"/>
+          </p:cNvPicPr>
+          <p:nvPr/>
+        </p:nvPicPr>
+        <p:blipFill>
+          <a:blip r:embed="rId2" cstate="print">
+            <a:extLst>
+              <a:ext uri="{28A0092B-C50C-407E-A947-70E740481C1C}">
+                <a14:useLocalDpi xmlns:a14="http://schemas.microsoft.com/office/drawing/2010/main" val="0"/>
+              </a:ext>
+            </a:extLst>
+          </a:blip>
+          <a:stretch>
+            <a:fillRect/>
+          </a:stretch>
+        </p:blipFill>
+        <p:spPr>
+          <a:xfrm>
+            <a:off x="0" y="6027624"/>
+            <a:ext cx="1584176" cy="848665"/>
+          </a:xfrm>
+          <a:prstGeom prst="rect">
+            <a:avLst/>
+          </a:prstGeom>
+        </p:spPr>
+      </p:pic>
+      <p:pic>
+        <p:nvPicPr>
+          <p:cNvPr id="5" name="Picture 4"/>
+          <p:cNvPicPr>
+            <a:picLocks noChangeAspect="1"/>
+          </p:cNvPicPr>
+          <p:nvPr/>
+        </p:nvPicPr>
+        <p:blipFill>
+          <a:blip r:embed="rId3"/>
+          <a:stretch>
+            <a:fillRect/>
+          </a:stretch>
+        </p:blipFill>
+        <p:spPr>
+          <a:xfrm>
+            <a:off x="3635896" y="5938316"/>
+            <a:ext cx="1656184" cy="929303"/>
+          </a:xfrm>
+          <a:prstGeom prst="rect">
+            <a:avLst/>
+          </a:prstGeom>
+        </p:spPr>
+      </p:pic>
     </p:spTree>
     <p:extLst>
       <p:ext uri="{BB962C8B-B14F-4D97-AF65-F5344CB8AC3E}">
-        <p14:creationId xmlns="" xmlns:p14="http://schemas.microsoft.com/office/powerpoint/2010/main" val="3160812206"/>
+        <p14:creationId xmlns:p14="http://schemas.microsoft.com/office/powerpoint/2010/main" val="3160812206"/>
       </p:ext>
     </p:extLst>
   </p:cSld>
   <p:clrMapOvr>
     <a:masterClrMapping/>
   </p:clrMapOvr>
+  <p:timing>
+    <p:tnLst>
+      <p:par>
+        <p:cTn xmlns:p14="http://schemas.microsoft.com/office/powerpoint/2010/main" id="1" dur="indefinite" restart="never" nodeType="tmRoot"/>
+      </p:par>
+    </p:tnLst>
+  </p:timing>
 </p:sld>
 </file>
 
@@ -11725,7 +12392,6 @@
               <a:rPr lang="en-US" sz="2000" dirty="0" smtClean="0"/>
               <a:t>.</a:t>
             </a:r>
-            <a:endParaRPr lang="en-US" sz="2000" dirty="0" smtClean="0"/>
           </a:p>
           <a:p>
             <a:pPr>
@@ -11939,6 +12605,60 @@
           </a:p>
         </p:txBody>
       </p:sp>
+      <p:pic>
+        <p:nvPicPr>
+          <p:cNvPr id="9" name="Picture 8" descr="ScrumDo_Ad Tile.jpg"/>
+          <p:cNvPicPr>
+            <a:picLocks noChangeAspect="1"/>
+          </p:cNvPicPr>
+          <p:nvPr/>
+        </p:nvPicPr>
+        <p:blipFill>
+          <a:blip r:embed="rId4" cstate="print">
+            <a:extLst>
+              <a:ext uri="{28A0092B-C50C-407E-A947-70E740481C1C}">
+                <a14:useLocalDpi xmlns:a14="http://schemas.microsoft.com/office/drawing/2010/main" val="0"/>
+              </a:ext>
+            </a:extLst>
+          </a:blip>
+          <a:stretch>
+            <a:fillRect/>
+          </a:stretch>
+        </p:blipFill>
+        <p:spPr>
+          <a:xfrm>
+            <a:off x="0" y="6027624"/>
+            <a:ext cx="1584176" cy="848665"/>
+          </a:xfrm>
+          <a:prstGeom prst="rect">
+            <a:avLst/>
+          </a:prstGeom>
+        </p:spPr>
+      </p:pic>
+      <p:pic>
+        <p:nvPicPr>
+          <p:cNvPr id="10" name="Picture 9"/>
+          <p:cNvPicPr>
+            <a:picLocks noChangeAspect="1"/>
+          </p:cNvPicPr>
+          <p:nvPr/>
+        </p:nvPicPr>
+        <p:blipFill>
+          <a:blip r:embed="rId5"/>
+          <a:stretch>
+            <a:fillRect/>
+          </a:stretch>
+        </p:blipFill>
+        <p:spPr>
+          <a:xfrm>
+            <a:off x="4067944" y="6053738"/>
+            <a:ext cx="1656184" cy="929303"/>
+          </a:xfrm>
+          <a:prstGeom prst="rect">
+            <a:avLst/>
+          </a:prstGeom>
+        </p:spPr>
+      </p:pic>
     </p:spTree>
   </p:cSld>
   <p:clrMapOvr>
@@ -11947,7 +12667,7 @@
   <p:timing>
     <p:tnLst>
       <p:par>
-        <p:cTn id="1" dur="indefinite" restart="never" nodeType="tmRoot"/>
+        <p:cTn xmlns:p14="http://schemas.microsoft.com/office/powerpoint/2010/main" id="1" dur="indefinite" restart="never" nodeType="tmRoot"/>
       </p:par>
     </p:tnLst>
   </p:timing>
@@ -12468,6 +13188,60 @@
           <a:noFill/>
         </p:spPr>
       </p:pic>
+      <p:pic>
+        <p:nvPicPr>
+          <p:cNvPr id="9" name="Picture 8" descr="ScrumDo_Ad Tile.jpg"/>
+          <p:cNvPicPr>
+            <a:picLocks noChangeAspect="1"/>
+          </p:cNvPicPr>
+          <p:nvPr/>
+        </p:nvPicPr>
+        <p:blipFill>
+          <a:blip r:embed="rId5" cstate="print">
+            <a:extLst>
+              <a:ext uri="{28A0092B-C50C-407E-A947-70E740481C1C}">
+                <a14:useLocalDpi xmlns:a14="http://schemas.microsoft.com/office/drawing/2010/main" val="0"/>
+              </a:ext>
+            </a:extLst>
+          </a:blip>
+          <a:stretch>
+            <a:fillRect/>
+          </a:stretch>
+        </p:blipFill>
+        <p:spPr>
+          <a:xfrm>
+            <a:off x="0" y="6027624"/>
+            <a:ext cx="1584176" cy="848665"/>
+          </a:xfrm>
+          <a:prstGeom prst="rect">
+            <a:avLst/>
+          </a:prstGeom>
+        </p:spPr>
+      </p:pic>
+      <p:pic>
+        <p:nvPicPr>
+          <p:cNvPr id="11" name="Picture 10"/>
+          <p:cNvPicPr>
+            <a:picLocks noChangeAspect="1"/>
+          </p:cNvPicPr>
+          <p:nvPr/>
+        </p:nvPicPr>
+        <p:blipFill>
+          <a:blip r:embed="rId6"/>
+          <a:stretch>
+            <a:fillRect/>
+          </a:stretch>
+        </p:blipFill>
+        <p:spPr>
+          <a:xfrm>
+            <a:off x="4067944" y="6053738"/>
+            <a:ext cx="1656184" cy="929303"/>
+          </a:xfrm>
+          <a:prstGeom prst="rect">
+            <a:avLst/>
+          </a:prstGeom>
+        </p:spPr>
+      </p:pic>
     </p:spTree>
   </p:cSld>
   <p:clrMapOvr>
@@ -12476,7 +13250,7 @@
   <p:timing>
     <p:tnLst>
       <p:par>
-        <p:cTn id="1" dur="indefinite" restart="never" nodeType="tmRoot"/>
+        <p:cTn xmlns:p14="http://schemas.microsoft.com/office/powerpoint/2010/main" id="1" dur="indefinite" restart="never" nodeType="tmRoot"/>
       </p:par>
     </p:tnLst>
   </p:timing>
@@ -12557,15 +13331,7 @@
                 <a:cs typeface="Courier New" pitchFamily="49" charset="0"/>
                 <a:sym typeface="Wingdings 3"/>
               </a:rPr>
-              <a:t> </a:t>
-            </a:r>
-            <a:r>
-              <a:rPr lang="en-US" dirty="0" smtClean="0">
-                <a:latin typeface="Courier New" pitchFamily="49" charset="0"/>
-                <a:cs typeface="Courier New" pitchFamily="49" charset="0"/>
-                <a:sym typeface="Wingdings 3"/>
-              </a:rPr>
-              <a:t>branch </a:t>
+              <a:t> branch </a:t>
             </a:r>
             <a:r>
               <a:rPr lang="en-US" dirty="0" err="1" smtClean="0">
@@ -12700,11 +13466,7 @@
             </a:r>
             <a:r>
               <a:rPr lang="en-US" dirty="0" smtClean="0"/>
-              <a:t> branch on the remote repository</a:t>
-            </a:r>
-            <a:r>
-              <a:rPr lang="en-US" dirty="0" smtClean="0"/>
-              <a:t>:</a:t>
+              <a:t> branch on the remote repository:</a:t>
             </a:r>
           </a:p>
           <a:p>
@@ -12730,15 +13492,7 @@
                 <a:cs typeface="Courier New" pitchFamily="49" charset="0"/>
                 <a:sym typeface="Wingdings 3"/>
               </a:rPr>
-              <a:t> </a:t>
-            </a:r>
-            <a:r>
-              <a:rPr lang="en-US" dirty="0" smtClean="0">
-                <a:latin typeface="Courier New" pitchFamily="49" charset="0"/>
-                <a:cs typeface="Courier New" pitchFamily="49" charset="0"/>
-                <a:sym typeface="Wingdings 3"/>
-              </a:rPr>
-              <a:t>push origin </a:t>
+              <a:t> push origin </a:t>
             </a:r>
             <a:r>
               <a:rPr lang="en-US" dirty="0" err="1" smtClean="0">
@@ -12774,11 +13528,7 @@
             </a:r>
             <a:r>
               <a:rPr lang="en-US" dirty="0" smtClean="0"/>
-              <a:t> push origin </a:t>
-            </a:r>
-            <a:r>
-              <a:rPr lang="en-US" dirty="0" smtClean="0"/>
-              <a:t>:</a:t>
+              <a:t> push origin :</a:t>
             </a:r>
             <a:r>
               <a:rPr lang="en-US" dirty="0" err="1" smtClean="0"/>
@@ -12832,10 +13582,64 @@
           </a:p>
         </p:txBody>
       </p:sp>
+      <p:pic>
+        <p:nvPicPr>
+          <p:cNvPr id="4" name="Picture 3" descr="ScrumDo_Ad Tile.jpg"/>
+          <p:cNvPicPr>
+            <a:picLocks noChangeAspect="1"/>
+          </p:cNvPicPr>
+          <p:nvPr/>
+        </p:nvPicPr>
+        <p:blipFill>
+          <a:blip r:embed="rId3" cstate="print">
+            <a:extLst>
+              <a:ext uri="{28A0092B-C50C-407E-A947-70E740481C1C}">
+                <a14:useLocalDpi xmlns:a14="http://schemas.microsoft.com/office/drawing/2010/main" val="0"/>
+              </a:ext>
+            </a:extLst>
+          </a:blip>
+          <a:stretch>
+            <a:fillRect/>
+          </a:stretch>
+        </p:blipFill>
+        <p:spPr>
+          <a:xfrm>
+            <a:off x="0" y="6027624"/>
+            <a:ext cx="1584176" cy="848665"/>
+          </a:xfrm>
+          <a:prstGeom prst="rect">
+            <a:avLst/>
+          </a:prstGeom>
+        </p:spPr>
+      </p:pic>
+      <p:pic>
+        <p:nvPicPr>
+          <p:cNvPr id="5" name="Picture 4"/>
+          <p:cNvPicPr>
+            <a:picLocks noChangeAspect="1"/>
+          </p:cNvPicPr>
+          <p:nvPr/>
+        </p:nvPicPr>
+        <p:blipFill>
+          <a:blip r:embed="rId4"/>
+          <a:stretch>
+            <a:fillRect/>
+          </a:stretch>
+        </p:blipFill>
+        <p:spPr>
+          <a:xfrm>
+            <a:off x="4067944" y="6053738"/>
+            <a:ext cx="1656184" cy="929303"/>
+          </a:xfrm>
+          <a:prstGeom prst="rect">
+            <a:avLst/>
+          </a:prstGeom>
+        </p:spPr>
+      </p:pic>
     </p:spTree>
     <p:extLst>
       <p:ext uri="{BB962C8B-B14F-4D97-AF65-F5344CB8AC3E}">
-        <p14:creationId xmlns="" xmlns:p14="http://schemas.microsoft.com/office/powerpoint/2010/main" val="1795653434"/>
+        <p14:creationId xmlns:p14="http://schemas.microsoft.com/office/powerpoint/2010/main" val="1795653434"/>
       </p:ext>
     </p:extLst>
   </p:cSld>
@@ -12845,7 +13649,7 @@
   <p:timing>
     <p:tnLst>
       <p:par>
-        <p:cTn id="1" dur="indefinite" restart="never" nodeType="tmRoot"/>
+        <p:cTn xmlns:p14="http://schemas.microsoft.com/office/powerpoint/2010/main" id="1" dur="indefinite" restart="never" nodeType="tmRoot"/>
       </p:par>
     </p:tnLst>
   </p:timing>
@@ -12966,10 +13770,64 @@
           </a:p>
         </p:txBody>
       </p:sp>
+      <p:pic>
+        <p:nvPicPr>
+          <p:cNvPr id="3" name="Picture 2" descr="ScrumDo_Ad Tile.jpg"/>
+          <p:cNvPicPr>
+            <a:picLocks noChangeAspect="1"/>
+          </p:cNvPicPr>
+          <p:nvPr/>
+        </p:nvPicPr>
+        <p:blipFill>
+          <a:blip r:embed="rId3" cstate="print">
+            <a:extLst>
+              <a:ext uri="{28A0092B-C50C-407E-A947-70E740481C1C}">
+                <a14:useLocalDpi xmlns:a14="http://schemas.microsoft.com/office/drawing/2010/main" val="0"/>
+              </a:ext>
+            </a:extLst>
+          </a:blip>
+          <a:stretch>
+            <a:fillRect/>
+          </a:stretch>
+        </p:blipFill>
+        <p:spPr>
+          <a:xfrm>
+            <a:off x="0" y="6027624"/>
+            <a:ext cx="1584176" cy="848665"/>
+          </a:xfrm>
+          <a:prstGeom prst="rect">
+            <a:avLst/>
+          </a:prstGeom>
+        </p:spPr>
+      </p:pic>
+      <p:pic>
+        <p:nvPicPr>
+          <p:cNvPr id="4" name="Picture 3"/>
+          <p:cNvPicPr>
+            <a:picLocks noChangeAspect="1"/>
+          </p:cNvPicPr>
+          <p:nvPr/>
+        </p:nvPicPr>
+        <p:blipFill>
+          <a:blip r:embed="rId4"/>
+          <a:stretch>
+            <a:fillRect/>
+          </a:stretch>
+        </p:blipFill>
+        <p:spPr>
+          <a:xfrm>
+            <a:off x="4067944" y="6053738"/>
+            <a:ext cx="1656184" cy="929303"/>
+          </a:xfrm>
+          <a:prstGeom prst="rect">
+            <a:avLst/>
+          </a:prstGeom>
+        </p:spPr>
+      </p:pic>
     </p:spTree>
     <p:extLst>
       <p:ext uri="{BB962C8B-B14F-4D97-AF65-F5344CB8AC3E}">
-        <p14:creationId xmlns="" xmlns:p14="http://schemas.microsoft.com/office/powerpoint/2010/main" val="606890052"/>
+        <p14:creationId xmlns:p14="http://schemas.microsoft.com/office/powerpoint/2010/main" val="606890052"/>
       </p:ext>
     </p:extLst>
   </p:cSld>
@@ -12979,7 +13837,7 @@
   <p:timing>
     <p:tnLst>
       <p:par>
-        <p:cTn id="1" dur="indefinite" restart="never" nodeType="tmRoot"/>
+        <p:cTn xmlns:p14="http://schemas.microsoft.com/office/powerpoint/2010/main" id="1" dur="indefinite" restart="never" nodeType="tmRoot"/>
       </p:par>
     </p:tnLst>
   </p:timing>
@@ -13352,6 +14210,60 @@
           <a:noFill/>
         </p:spPr>
       </p:pic>
+      <p:pic>
+        <p:nvPicPr>
+          <p:cNvPr id="9" name="Picture 8" descr="ScrumDo_Ad Tile.jpg"/>
+          <p:cNvPicPr>
+            <a:picLocks noChangeAspect="1"/>
+          </p:cNvPicPr>
+          <p:nvPr/>
+        </p:nvPicPr>
+        <p:blipFill>
+          <a:blip r:embed="rId6" cstate="print">
+            <a:extLst>
+              <a:ext uri="{28A0092B-C50C-407E-A947-70E740481C1C}">
+                <a14:useLocalDpi xmlns:a14="http://schemas.microsoft.com/office/drawing/2010/main" val="0"/>
+              </a:ext>
+            </a:extLst>
+          </a:blip>
+          <a:stretch>
+            <a:fillRect/>
+          </a:stretch>
+        </p:blipFill>
+        <p:spPr>
+          <a:xfrm>
+            <a:off x="0" y="6027624"/>
+            <a:ext cx="1584176" cy="848665"/>
+          </a:xfrm>
+          <a:prstGeom prst="rect">
+            <a:avLst/>
+          </a:prstGeom>
+        </p:spPr>
+      </p:pic>
+      <p:pic>
+        <p:nvPicPr>
+          <p:cNvPr id="10" name="Picture 9"/>
+          <p:cNvPicPr>
+            <a:picLocks noChangeAspect="1"/>
+          </p:cNvPicPr>
+          <p:nvPr/>
+        </p:nvPicPr>
+        <p:blipFill>
+          <a:blip r:embed="rId7"/>
+          <a:stretch>
+            <a:fillRect/>
+          </a:stretch>
+        </p:blipFill>
+        <p:spPr>
+          <a:xfrm>
+            <a:off x="4067944" y="6053738"/>
+            <a:ext cx="1656184" cy="929303"/>
+          </a:xfrm>
+          <a:prstGeom prst="rect">
+            <a:avLst/>
+          </a:prstGeom>
+        </p:spPr>
+      </p:pic>
     </p:spTree>
   </p:cSld>
   <p:clrMapOvr>
@@ -13360,7 +14272,7 @@
   <p:timing>
     <p:tnLst>
       <p:par>
-        <p:cTn id="1" dur="indefinite" restart="never" nodeType="tmRoot"/>
+        <p:cTn xmlns:p14="http://schemas.microsoft.com/office/powerpoint/2010/main" id="1" dur="indefinite" restart="never" nodeType="tmRoot"/>
       </p:par>
     </p:tnLst>
   </p:timing>
@@ -13728,6 +14640,60 @@
           </a:p>
         </p:txBody>
       </p:sp>
+      <p:pic>
+        <p:nvPicPr>
+          <p:cNvPr id="9" name="Picture 8" descr="ScrumDo_Ad Tile.jpg"/>
+          <p:cNvPicPr>
+            <a:picLocks noChangeAspect="1"/>
+          </p:cNvPicPr>
+          <p:nvPr/>
+        </p:nvPicPr>
+        <p:blipFill>
+          <a:blip r:embed="rId4" cstate="print">
+            <a:extLst>
+              <a:ext uri="{28A0092B-C50C-407E-A947-70E740481C1C}">
+                <a14:useLocalDpi xmlns:a14="http://schemas.microsoft.com/office/drawing/2010/main" val="0"/>
+              </a:ext>
+            </a:extLst>
+          </a:blip>
+          <a:stretch>
+            <a:fillRect/>
+          </a:stretch>
+        </p:blipFill>
+        <p:spPr>
+          <a:xfrm>
+            <a:off x="0" y="6027624"/>
+            <a:ext cx="1584176" cy="848665"/>
+          </a:xfrm>
+          <a:prstGeom prst="rect">
+            <a:avLst/>
+          </a:prstGeom>
+        </p:spPr>
+      </p:pic>
+      <p:pic>
+        <p:nvPicPr>
+          <p:cNvPr id="10" name="Picture 9"/>
+          <p:cNvPicPr>
+            <a:picLocks noChangeAspect="1"/>
+          </p:cNvPicPr>
+          <p:nvPr/>
+        </p:nvPicPr>
+        <p:blipFill>
+          <a:blip r:embed="rId5"/>
+          <a:stretch>
+            <a:fillRect/>
+          </a:stretch>
+        </p:blipFill>
+        <p:spPr>
+          <a:xfrm>
+            <a:off x="4067944" y="6053738"/>
+            <a:ext cx="1656184" cy="929303"/>
+          </a:xfrm>
+          <a:prstGeom prst="rect">
+            <a:avLst/>
+          </a:prstGeom>
+        </p:spPr>
+      </p:pic>
     </p:spTree>
   </p:cSld>
   <p:clrMapOvr>
@@ -13736,7 +14702,7 @@
   <p:timing>
     <p:tnLst>
       <p:par>
-        <p:cTn id="1" dur="indefinite" restart="never" nodeType="tmRoot"/>
+        <p:cTn xmlns:p14="http://schemas.microsoft.com/office/powerpoint/2010/main" id="1" dur="indefinite" restart="never" nodeType="tmRoot"/>
       </p:par>
     </p:tnLst>
   </p:timing>
@@ -14164,6 +15130,60 @@
           </a:p>
         </p:txBody>
       </p:sp>
+      <p:pic>
+        <p:nvPicPr>
+          <p:cNvPr id="9" name="Picture 8" descr="ScrumDo_Ad Tile.jpg"/>
+          <p:cNvPicPr>
+            <a:picLocks noChangeAspect="1"/>
+          </p:cNvPicPr>
+          <p:nvPr/>
+        </p:nvPicPr>
+        <p:blipFill>
+          <a:blip r:embed="rId6" cstate="print">
+            <a:extLst>
+              <a:ext uri="{28A0092B-C50C-407E-A947-70E740481C1C}">
+                <a14:useLocalDpi xmlns:a14="http://schemas.microsoft.com/office/drawing/2010/main" val="0"/>
+              </a:ext>
+            </a:extLst>
+          </a:blip>
+          <a:stretch>
+            <a:fillRect/>
+          </a:stretch>
+        </p:blipFill>
+        <p:spPr>
+          <a:xfrm>
+            <a:off x="0" y="6027624"/>
+            <a:ext cx="1584176" cy="848665"/>
+          </a:xfrm>
+          <a:prstGeom prst="rect">
+            <a:avLst/>
+          </a:prstGeom>
+        </p:spPr>
+      </p:pic>
+      <p:pic>
+        <p:nvPicPr>
+          <p:cNvPr id="10" name="Picture 9"/>
+          <p:cNvPicPr>
+            <a:picLocks noChangeAspect="1"/>
+          </p:cNvPicPr>
+          <p:nvPr/>
+        </p:nvPicPr>
+        <p:blipFill>
+          <a:blip r:embed="rId7"/>
+          <a:stretch>
+            <a:fillRect/>
+          </a:stretch>
+        </p:blipFill>
+        <p:spPr>
+          <a:xfrm>
+            <a:off x="4067944" y="6053738"/>
+            <a:ext cx="1656184" cy="929303"/>
+          </a:xfrm>
+          <a:prstGeom prst="rect">
+            <a:avLst/>
+          </a:prstGeom>
+        </p:spPr>
+      </p:pic>
     </p:spTree>
   </p:cSld>
   <p:clrMapOvr>
@@ -14172,7 +15192,7 @@
   <p:timing>
     <p:tnLst>
       <p:par>
-        <p:cTn id="1" dur="indefinite" restart="never" nodeType="tmRoot"/>
+        <p:cTn xmlns:p14="http://schemas.microsoft.com/office/powerpoint/2010/main" id="1" dur="indefinite" restart="never" nodeType="tmRoot"/>
       </p:par>
     </p:tnLst>
   </p:timing>
@@ -14253,7 +15273,7 @@
           <p:nvPr/>
         </p:nvPicPr>
         <p:blipFill>
-          <a:blip r:embed="rId2" cstate="print">
+          <a:blip r:embed="rId3" cstate="print">
             <a:lum bright="70000" contrast="-70000"/>
           </a:blip>
           <a:srcRect/>
@@ -14316,7 +15336,7 @@
             </a:r>
             <a:r>
               <a:rPr lang="en-US" dirty="0" smtClean="0">
-                <a:hlinkClick r:id="rId3"/>
+                <a:hlinkClick r:id="rId4"/>
               </a:rPr>
               <a:t>http://progit.org/book/</a:t>
             </a:r>
@@ -14401,7 +15421,7 @@
             </a:r>
             <a:r>
               <a:rPr lang="en-US" dirty="0" smtClean="0">
-                <a:hlinkClick r:id="rId4"/>
+                <a:hlinkClick r:id="rId5"/>
               </a:rPr>
               <a:t>http://www.gittiapp.com/</a:t>
             </a:r>
@@ -14437,7 +15457,7 @@
                   <a:srgbClr val="486DA2"/>
                 </a:solidFill>
                 <a:latin typeface="+mj-lt"/>
-                <a:hlinkClick r:id="rId5"/>
+                <a:hlinkClick r:id="rId6"/>
               </a:rPr>
               <a:t>www.sourcetreeapp.com</a:t>
             </a:r>
@@ -14460,7 +15480,7 @@
             </a:r>
             <a:r>
               <a:rPr lang="en-US" dirty="0" smtClean="0">
-                <a:hlinkClick r:id="rId6"/>
+                <a:hlinkClick r:id="rId7"/>
               </a:rPr>
               <a:t>http://www.git-tower.com/</a:t>
             </a:r>
@@ -14496,7 +15516,7 @@
             </a:r>
             <a:r>
               <a:rPr lang="en-US" dirty="0" smtClean="0">
-                <a:hlinkClick r:id="rId7"/>
+                <a:hlinkClick r:id="rId8"/>
               </a:rPr>
               <a:t>http://www.syntevo.com/smartgit/index.html</a:t>
             </a:r>
@@ -14523,7 +15543,7 @@
             </a:r>
             <a:r>
               <a:rPr lang="en-US" dirty="0" smtClean="0">
-                <a:hlinkClick r:id="rId8"/>
+                <a:hlinkClick r:id="rId9"/>
               </a:rPr>
               <a:t>http://gitx.frim.nl/</a:t>
             </a:r>
@@ -14583,7 +15603,7 @@
             </a:r>
             <a:r>
               <a:rPr lang="en-US" dirty="0" smtClean="0">
-                <a:hlinkClick r:id="rId9"/>
+                <a:hlinkClick r:id="rId10"/>
               </a:rPr>
               <a:t>http://code.google.com/p/tortoisegit/</a:t>
             </a:r>
@@ -14610,7 +15630,7 @@
             </a:r>
             <a:r>
               <a:rPr lang="en-US" dirty="0" smtClean="0">
-                <a:hlinkClick r:id="rId10"/>
+                <a:hlinkClick r:id="rId11"/>
               </a:rPr>
               <a:t>http://code.google.com/p/gitextensions/</a:t>
             </a:r>
@@ -14646,7 +15666,7 @@
             </a:r>
             <a:r>
               <a:rPr lang="en-US" dirty="0" smtClean="0">
-                <a:hlinkClick r:id="rId7"/>
+                <a:hlinkClick r:id="rId8"/>
               </a:rPr>
               <a:t>http://www.syntevo.com/smartgit/index.html</a:t>
             </a:r>
@@ -14784,6 +15804,60 @@
           </a:p>
         </p:txBody>
       </p:sp>
+      <p:pic>
+        <p:nvPicPr>
+          <p:cNvPr id="9" name="Picture 8" descr="ScrumDo_Ad Tile.jpg"/>
+          <p:cNvPicPr>
+            <a:picLocks noChangeAspect="1"/>
+          </p:cNvPicPr>
+          <p:nvPr/>
+        </p:nvPicPr>
+        <p:blipFill>
+          <a:blip r:embed="rId12" cstate="print">
+            <a:extLst>
+              <a:ext uri="{28A0092B-C50C-407E-A947-70E740481C1C}">
+                <a14:useLocalDpi xmlns:a14="http://schemas.microsoft.com/office/drawing/2010/main" val="0"/>
+              </a:ext>
+            </a:extLst>
+          </a:blip>
+          <a:stretch>
+            <a:fillRect/>
+          </a:stretch>
+        </p:blipFill>
+        <p:spPr>
+          <a:xfrm>
+            <a:off x="0" y="6027624"/>
+            <a:ext cx="1584176" cy="848665"/>
+          </a:xfrm>
+          <a:prstGeom prst="rect">
+            <a:avLst/>
+          </a:prstGeom>
+        </p:spPr>
+      </p:pic>
+      <p:pic>
+        <p:nvPicPr>
+          <p:cNvPr id="10" name="Picture 9"/>
+          <p:cNvPicPr>
+            <a:picLocks noChangeAspect="1"/>
+          </p:cNvPicPr>
+          <p:nvPr/>
+        </p:nvPicPr>
+        <p:blipFill>
+          <a:blip r:embed="rId13"/>
+          <a:stretch>
+            <a:fillRect/>
+          </a:stretch>
+        </p:blipFill>
+        <p:spPr>
+          <a:xfrm>
+            <a:off x="4067944" y="6053738"/>
+            <a:ext cx="1656184" cy="929303"/>
+          </a:xfrm>
+          <a:prstGeom prst="rect">
+            <a:avLst/>
+          </a:prstGeom>
+        </p:spPr>
+      </p:pic>
     </p:spTree>
   </p:cSld>
   <p:clrMapOvr>
@@ -14792,7 +15866,7 @@
   <p:timing>
     <p:tnLst>
       <p:par>
-        <p:cTn id="1" dur="indefinite" restart="never" nodeType="tmRoot"/>
+        <p:cTn xmlns:p14="http://schemas.microsoft.com/office/powerpoint/2010/main" id="1" dur="indefinite" restart="never" nodeType="tmRoot"/>
       </p:par>
     </p:tnLst>
   </p:timing>
@@ -15114,7 +16188,7 @@
       </p:sp>
       <p:pic>
         <p:nvPicPr>
-          <p:cNvPr id="2075" name="Picture 27" descr="octocat.png (512×512)"/>
+          <p:cNvPr id="41986" name="Picture 2"/>
           <p:cNvPicPr>
             <a:picLocks noChangeAspect="1" noChangeArrowheads="1"/>
           </p:cNvPicPr>
@@ -15129,58 +16203,6 @@
         </p:blipFill>
         <p:spPr bwMode="auto">
           <a:xfrm>
-            <a:off x="0" y="908720"/>
-            <a:ext cx="1656184" cy="1656184"/>
-          </a:xfrm>
-          <a:prstGeom prst="rect">
-            <a:avLst/>
-          </a:prstGeom>
-          <a:noFill/>
-        </p:spPr>
-      </p:pic>
-      <p:pic>
-        <p:nvPicPr>
-          <p:cNvPr id="6" name="Picture 15" descr="http://www.camilleroux.com/wp-content/uploads/2010/10/github_logo.png?119d5e"/>
-          <p:cNvPicPr>
-            <a:picLocks noChangeAspect="1" noChangeArrowheads="1"/>
-          </p:cNvPicPr>
-          <p:nvPr/>
-        </p:nvPicPr>
-        <p:blipFill>
-          <a:blip r:embed="rId7" cstate="print"/>
-          <a:srcRect/>
-          <a:stretch>
-            <a:fillRect/>
-          </a:stretch>
-        </p:blipFill>
-        <p:spPr bwMode="auto">
-          <a:xfrm>
-            <a:off x="11755" y="2276872"/>
-            <a:ext cx="2808312" cy="875258"/>
-          </a:xfrm>
-          <a:prstGeom prst="rect">
-            <a:avLst/>
-          </a:prstGeom>
-          <a:noFill/>
-        </p:spPr>
-      </p:pic>
-      <p:pic>
-        <p:nvPicPr>
-          <p:cNvPr id="41986" name="Picture 2"/>
-          <p:cNvPicPr>
-            <a:picLocks noChangeAspect="1" noChangeArrowheads="1"/>
-          </p:cNvPicPr>
-          <p:nvPr/>
-        </p:nvPicPr>
-        <p:blipFill>
-          <a:blip r:embed="rId8" cstate="print"/>
-          <a:srcRect/>
-          <a:stretch>
-            <a:fillRect/>
-          </a:stretch>
-        </p:blipFill>
-        <p:spPr bwMode="auto">
-          <a:xfrm>
             <a:off x="27388" y="5229200"/>
             <a:ext cx="3312368" cy="720080"/>
           </a:xfrm>
@@ -15242,10 +16264,10 @@
           <p:nvPr/>
         </p:nvPicPr>
         <p:blipFill>
-          <a:blip r:embed="rId9" cstate="print">
+          <a:blip r:embed="rId7" cstate="print">
             <a:extLst>
               <a:ext uri="{28A0092B-C50C-407E-A947-70E740481C1C}">
-                <a14:useLocalDpi xmlns="" xmlns:a14="http://schemas.microsoft.com/office/drawing/2010/main" val="0"/>
+                <a14:useLocalDpi xmlns:a14="http://schemas.microsoft.com/office/drawing/2010/main" val="0"/>
               </a:ext>
             </a:extLst>
           </a:blip>
@@ -15257,6 +16279,30 @@
           <a:xfrm>
             <a:off x="179512" y="3645024"/>
             <a:ext cx="2232248" cy="1195847"/>
+          </a:xfrm>
+          <a:prstGeom prst="rect">
+            <a:avLst/>
+          </a:prstGeom>
+        </p:spPr>
+      </p:pic>
+      <p:pic>
+        <p:nvPicPr>
+          <p:cNvPr id="10" name="Picture 9"/>
+          <p:cNvPicPr>
+            <a:picLocks noChangeAspect="1"/>
+          </p:cNvPicPr>
+          <p:nvPr/>
+        </p:nvPicPr>
+        <p:blipFill>
+          <a:blip r:embed="rId8"/>
+          <a:stretch>
+            <a:fillRect/>
+          </a:stretch>
+        </p:blipFill>
+        <p:spPr>
+          <a:xfrm>
+            <a:off x="0" y="5877272"/>
+            <a:ext cx="2286000" cy="1282700"/>
           </a:xfrm>
           <a:prstGeom prst="rect">
             <a:avLst/>
@@ -15271,7 +16317,7 @@
   <p:timing>
     <p:tnLst>
       <p:par>
-        <p:cTn id="1" dur="indefinite" restart="never" nodeType="tmRoot"/>
+        <p:cTn xmlns:p14="http://schemas.microsoft.com/office/powerpoint/2010/main" id="1" dur="indefinite" restart="never" nodeType="tmRoot"/>
       </p:par>
     </p:tnLst>
   </p:timing>
@@ -15485,6 +16531,60 @@
           <a:noFill/>
         </p:spPr>
       </p:pic>
+      <p:pic>
+        <p:nvPicPr>
+          <p:cNvPr id="5" name="Picture 4" descr="ScrumDo_Ad Tile.jpg"/>
+          <p:cNvPicPr>
+            <a:picLocks noChangeAspect="1"/>
+          </p:cNvPicPr>
+          <p:nvPr/>
+        </p:nvPicPr>
+        <p:blipFill>
+          <a:blip r:embed="rId4" cstate="print">
+            <a:extLst>
+              <a:ext uri="{28A0092B-C50C-407E-A947-70E740481C1C}">
+                <a14:useLocalDpi xmlns:a14="http://schemas.microsoft.com/office/drawing/2010/main" val="0"/>
+              </a:ext>
+            </a:extLst>
+          </a:blip>
+          <a:stretch>
+            <a:fillRect/>
+          </a:stretch>
+        </p:blipFill>
+        <p:spPr>
+          <a:xfrm>
+            <a:off x="0" y="6027624"/>
+            <a:ext cx="1584176" cy="848665"/>
+          </a:xfrm>
+          <a:prstGeom prst="rect">
+            <a:avLst/>
+          </a:prstGeom>
+        </p:spPr>
+      </p:pic>
+      <p:pic>
+        <p:nvPicPr>
+          <p:cNvPr id="6" name="Picture 5"/>
+          <p:cNvPicPr>
+            <a:picLocks noChangeAspect="1"/>
+          </p:cNvPicPr>
+          <p:nvPr/>
+        </p:nvPicPr>
+        <p:blipFill>
+          <a:blip r:embed="rId5"/>
+          <a:stretch>
+            <a:fillRect/>
+          </a:stretch>
+        </p:blipFill>
+        <p:spPr>
+          <a:xfrm>
+            <a:off x="3635896" y="5938316"/>
+            <a:ext cx="1656184" cy="929303"/>
+          </a:xfrm>
+          <a:prstGeom prst="rect">
+            <a:avLst/>
+          </a:prstGeom>
+        </p:spPr>
+      </p:pic>
     </p:spTree>
   </p:cSld>
   <p:clrMapOvr>
@@ -15493,7 +16593,7 @@
   <p:timing>
     <p:tnLst>
       <p:par>
-        <p:cTn id="1" dur="indefinite" restart="never" nodeType="tmRoot"/>
+        <p:cTn xmlns:p14="http://schemas.microsoft.com/office/powerpoint/2010/main" id="1" dur="indefinite" restart="never" nodeType="tmRoot"/>
       </p:par>
     </p:tnLst>
   </p:timing>
@@ -15670,6 +16770,60 @@
           <a:noFill/>
         </p:spPr>
       </p:pic>
+      <p:pic>
+        <p:nvPicPr>
+          <p:cNvPr id="7" name="Picture 6" descr="ScrumDo_Ad Tile.jpg"/>
+          <p:cNvPicPr>
+            <a:picLocks noChangeAspect="1"/>
+          </p:cNvPicPr>
+          <p:nvPr/>
+        </p:nvPicPr>
+        <p:blipFill>
+          <a:blip r:embed="rId4" cstate="print">
+            <a:extLst>
+              <a:ext uri="{28A0092B-C50C-407E-A947-70E740481C1C}">
+                <a14:useLocalDpi xmlns:a14="http://schemas.microsoft.com/office/drawing/2010/main" val="0"/>
+              </a:ext>
+            </a:extLst>
+          </a:blip>
+          <a:stretch>
+            <a:fillRect/>
+          </a:stretch>
+        </p:blipFill>
+        <p:spPr>
+          <a:xfrm>
+            <a:off x="0" y="6027624"/>
+            <a:ext cx="1584176" cy="848665"/>
+          </a:xfrm>
+          <a:prstGeom prst="rect">
+            <a:avLst/>
+          </a:prstGeom>
+        </p:spPr>
+      </p:pic>
+      <p:pic>
+        <p:nvPicPr>
+          <p:cNvPr id="9" name="Picture 8"/>
+          <p:cNvPicPr>
+            <a:picLocks noChangeAspect="1"/>
+          </p:cNvPicPr>
+          <p:nvPr/>
+        </p:nvPicPr>
+        <p:blipFill>
+          <a:blip r:embed="rId5"/>
+          <a:stretch>
+            <a:fillRect/>
+          </a:stretch>
+        </p:blipFill>
+        <p:spPr>
+          <a:xfrm>
+            <a:off x="3635896" y="5938316"/>
+            <a:ext cx="1656184" cy="929303"/>
+          </a:xfrm>
+          <a:prstGeom prst="rect">
+            <a:avLst/>
+          </a:prstGeom>
+        </p:spPr>
+      </p:pic>
     </p:spTree>
   </p:cSld>
   <p:clrMapOvr>
@@ -15678,7 +16832,7 @@
   <p:timing>
     <p:tnLst>
       <p:par>
-        <p:cTn id="1" dur="indefinite" restart="never" nodeType="tmRoot"/>
+        <p:cTn xmlns:p14="http://schemas.microsoft.com/office/powerpoint/2010/main" id="1" dur="indefinite" restart="never" nodeType="tmRoot"/>
       </p:par>
     </p:tnLst>
   </p:timing>
@@ -15861,6 +17015,60 @@
           <a:noFill/>
         </p:spPr>
       </p:pic>
+      <p:pic>
+        <p:nvPicPr>
+          <p:cNvPr id="7" name="Picture 6" descr="ScrumDo_Ad Tile.jpg"/>
+          <p:cNvPicPr>
+            <a:picLocks noChangeAspect="1"/>
+          </p:cNvPicPr>
+          <p:nvPr/>
+        </p:nvPicPr>
+        <p:blipFill>
+          <a:blip r:embed="rId4" cstate="print">
+            <a:extLst>
+              <a:ext uri="{28A0092B-C50C-407E-A947-70E740481C1C}">
+                <a14:useLocalDpi xmlns:a14="http://schemas.microsoft.com/office/drawing/2010/main" val="0"/>
+              </a:ext>
+            </a:extLst>
+          </a:blip>
+          <a:stretch>
+            <a:fillRect/>
+          </a:stretch>
+        </p:blipFill>
+        <p:spPr>
+          <a:xfrm>
+            <a:off x="0" y="6027624"/>
+            <a:ext cx="1584176" cy="848665"/>
+          </a:xfrm>
+          <a:prstGeom prst="rect">
+            <a:avLst/>
+          </a:prstGeom>
+        </p:spPr>
+      </p:pic>
+      <p:pic>
+        <p:nvPicPr>
+          <p:cNvPr id="9" name="Picture 8"/>
+          <p:cNvPicPr>
+            <a:picLocks noChangeAspect="1"/>
+          </p:cNvPicPr>
+          <p:nvPr/>
+        </p:nvPicPr>
+        <p:blipFill>
+          <a:blip r:embed="rId5"/>
+          <a:stretch>
+            <a:fillRect/>
+          </a:stretch>
+        </p:blipFill>
+        <p:spPr>
+          <a:xfrm>
+            <a:off x="3635896" y="5938316"/>
+            <a:ext cx="1656184" cy="929303"/>
+          </a:xfrm>
+          <a:prstGeom prst="rect">
+            <a:avLst/>
+          </a:prstGeom>
+        </p:spPr>
+      </p:pic>
     </p:spTree>
   </p:cSld>
   <p:clrMapOvr>
@@ -15869,7 +17077,7 @@
   <p:timing>
     <p:tnLst>
       <p:par>
-        <p:cTn id="1" dur="indefinite" restart="never" nodeType="tmRoot"/>
+        <p:cTn xmlns:p14="http://schemas.microsoft.com/office/powerpoint/2010/main" id="1" dur="indefinite" restart="never" nodeType="tmRoot"/>
       </p:par>
     </p:tnLst>
   </p:timing>
@@ -15988,7 +17196,7 @@
         </p:nvSpPr>
         <p:spPr bwMode="auto">
           <a:xfrm>
-            <a:off x="2123728" y="981621"/>
+            <a:off x="1835696" y="764704"/>
             <a:ext cx="6840760" cy="5327699"/>
           </a:xfrm>
           <a:prstGeom prst="rect">
@@ -16043,13 +17251,67 @@
         </p:blipFill>
         <p:spPr bwMode="auto">
           <a:xfrm>
-            <a:off x="3203848" y="1700808"/>
+            <a:off x="3203848" y="1484784"/>
             <a:ext cx="4248472" cy="4783781"/>
           </a:xfrm>
           <a:prstGeom prst="rect">
             <a:avLst/>
           </a:prstGeom>
           <a:noFill/>
+        </p:spPr>
+      </p:pic>
+      <p:pic>
+        <p:nvPicPr>
+          <p:cNvPr id="6" name="Picture 5" descr="ScrumDo_Ad Tile.jpg"/>
+          <p:cNvPicPr>
+            <a:picLocks noChangeAspect="1"/>
+          </p:cNvPicPr>
+          <p:nvPr/>
+        </p:nvPicPr>
+        <p:blipFill>
+          <a:blip r:embed="rId4" cstate="print">
+            <a:extLst>
+              <a:ext uri="{28A0092B-C50C-407E-A947-70E740481C1C}">
+                <a14:useLocalDpi xmlns:a14="http://schemas.microsoft.com/office/drawing/2010/main" val="0"/>
+              </a:ext>
+            </a:extLst>
+          </a:blip>
+          <a:stretch>
+            <a:fillRect/>
+          </a:stretch>
+        </p:blipFill>
+        <p:spPr>
+          <a:xfrm>
+            <a:off x="0" y="6027624"/>
+            <a:ext cx="1584176" cy="848665"/>
+          </a:xfrm>
+          <a:prstGeom prst="rect">
+            <a:avLst/>
+          </a:prstGeom>
+        </p:spPr>
+      </p:pic>
+      <p:pic>
+        <p:nvPicPr>
+          <p:cNvPr id="7" name="Picture 6"/>
+          <p:cNvPicPr>
+            <a:picLocks noChangeAspect="1"/>
+          </p:cNvPicPr>
+          <p:nvPr/>
+        </p:nvPicPr>
+        <p:blipFill>
+          <a:blip r:embed="rId5"/>
+          <a:stretch>
+            <a:fillRect/>
+          </a:stretch>
+        </p:blipFill>
+        <p:spPr>
+          <a:xfrm>
+            <a:off x="4067944" y="6053738"/>
+            <a:ext cx="1656184" cy="929303"/>
+          </a:xfrm>
+          <a:prstGeom prst="rect">
+            <a:avLst/>
+          </a:prstGeom>
         </p:spPr>
       </p:pic>
     </p:spTree>
@@ -16060,7 +17322,7 @@
   <p:timing>
     <p:tnLst>
       <p:par>
-        <p:cTn id="1" dur="indefinite" restart="never" nodeType="tmRoot"/>
+        <p:cTn xmlns:p14="http://schemas.microsoft.com/office/powerpoint/2010/main" id="1" dur="indefinite" restart="never" nodeType="tmRoot"/>
       </p:par>
     </p:tnLst>
   </p:timing>
@@ -16322,6 +17584,60 @@
           <a:noFill/>
         </p:spPr>
       </p:pic>
+      <p:pic>
+        <p:nvPicPr>
+          <p:cNvPr id="5" name="Picture 4" descr="ScrumDo_Ad Tile.jpg"/>
+          <p:cNvPicPr>
+            <a:picLocks noChangeAspect="1"/>
+          </p:cNvPicPr>
+          <p:nvPr/>
+        </p:nvPicPr>
+        <p:blipFill>
+          <a:blip r:embed="rId4" cstate="print">
+            <a:extLst>
+              <a:ext uri="{28A0092B-C50C-407E-A947-70E740481C1C}">
+                <a14:useLocalDpi xmlns:a14="http://schemas.microsoft.com/office/drawing/2010/main" val="0"/>
+              </a:ext>
+            </a:extLst>
+          </a:blip>
+          <a:stretch>
+            <a:fillRect/>
+          </a:stretch>
+        </p:blipFill>
+        <p:spPr>
+          <a:xfrm>
+            <a:off x="0" y="6027624"/>
+            <a:ext cx="1584176" cy="848665"/>
+          </a:xfrm>
+          <a:prstGeom prst="rect">
+            <a:avLst/>
+          </a:prstGeom>
+        </p:spPr>
+      </p:pic>
+      <p:pic>
+        <p:nvPicPr>
+          <p:cNvPr id="6" name="Picture 5"/>
+          <p:cNvPicPr>
+            <a:picLocks noChangeAspect="1"/>
+          </p:cNvPicPr>
+          <p:nvPr/>
+        </p:nvPicPr>
+        <p:blipFill>
+          <a:blip r:embed="rId5"/>
+          <a:stretch>
+            <a:fillRect/>
+          </a:stretch>
+        </p:blipFill>
+        <p:spPr>
+          <a:xfrm>
+            <a:off x="4067944" y="6053738"/>
+            <a:ext cx="1656184" cy="929303"/>
+          </a:xfrm>
+          <a:prstGeom prst="rect">
+            <a:avLst/>
+          </a:prstGeom>
+        </p:spPr>
+      </p:pic>
     </p:spTree>
   </p:cSld>
   <p:clrMapOvr>
@@ -16330,7 +17646,7 @@
   <p:timing>
     <p:tnLst>
       <p:par>
-        <p:cTn id="1" dur="indefinite" restart="never" nodeType="tmRoot"/>
+        <p:cTn xmlns:p14="http://schemas.microsoft.com/office/powerpoint/2010/main" id="1" dur="indefinite" restart="never" nodeType="tmRoot"/>
       </p:par>
     </p:tnLst>
   </p:timing>
@@ -16602,6 +17918,60 @@
           <a:noFill/>
         </p:spPr>
       </p:pic>
+      <p:pic>
+        <p:nvPicPr>
+          <p:cNvPr id="7" name="Picture 6" descr="ScrumDo_Ad Tile.jpg"/>
+          <p:cNvPicPr>
+            <a:picLocks noChangeAspect="1"/>
+          </p:cNvPicPr>
+          <p:nvPr/>
+        </p:nvPicPr>
+        <p:blipFill>
+          <a:blip r:embed="rId6" cstate="print">
+            <a:extLst>
+              <a:ext uri="{28A0092B-C50C-407E-A947-70E740481C1C}">
+                <a14:useLocalDpi xmlns:a14="http://schemas.microsoft.com/office/drawing/2010/main" val="0"/>
+              </a:ext>
+            </a:extLst>
+          </a:blip>
+          <a:stretch>
+            <a:fillRect/>
+          </a:stretch>
+        </p:blipFill>
+        <p:spPr>
+          <a:xfrm>
+            <a:off x="0" y="6027624"/>
+            <a:ext cx="1584176" cy="848665"/>
+          </a:xfrm>
+          <a:prstGeom prst="rect">
+            <a:avLst/>
+          </a:prstGeom>
+        </p:spPr>
+      </p:pic>
+      <p:pic>
+        <p:nvPicPr>
+          <p:cNvPr id="9" name="Picture 8"/>
+          <p:cNvPicPr>
+            <a:picLocks noChangeAspect="1"/>
+          </p:cNvPicPr>
+          <p:nvPr/>
+        </p:nvPicPr>
+        <p:blipFill>
+          <a:blip r:embed="rId7"/>
+          <a:stretch>
+            <a:fillRect/>
+          </a:stretch>
+        </p:blipFill>
+        <p:spPr>
+          <a:xfrm>
+            <a:off x="4067944" y="6053738"/>
+            <a:ext cx="1656184" cy="929303"/>
+          </a:xfrm>
+          <a:prstGeom prst="rect">
+            <a:avLst/>
+          </a:prstGeom>
+        </p:spPr>
+      </p:pic>
     </p:spTree>
   </p:cSld>
   <p:clrMapOvr>
@@ -16610,7 +17980,7 @@
   <p:timing>
     <p:tnLst>
       <p:par>
-        <p:cTn id="1" dur="indefinite" restart="never" nodeType="tmRoot"/>
+        <p:cTn xmlns:p14="http://schemas.microsoft.com/office/powerpoint/2010/main" id="1" dur="indefinite" restart="never" nodeType="tmRoot"/>
       </p:par>
     </p:tnLst>
   </p:timing>
@@ -16889,13 +18259,67 @@
         </p:blipFill>
         <p:spPr bwMode="auto">
           <a:xfrm>
-            <a:off x="3275856" y="3495246"/>
+            <a:off x="5220072" y="2780928"/>
             <a:ext cx="3528392" cy="3246122"/>
           </a:xfrm>
           <a:prstGeom prst="rect">
             <a:avLst/>
           </a:prstGeom>
           <a:noFill/>
+        </p:spPr>
+      </p:pic>
+      <p:pic>
+        <p:nvPicPr>
+          <p:cNvPr id="6" name="Picture 5" descr="ScrumDo_Ad Tile.jpg"/>
+          <p:cNvPicPr>
+            <a:picLocks noChangeAspect="1"/>
+          </p:cNvPicPr>
+          <p:nvPr/>
+        </p:nvPicPr>
+        <p:blipFill>
+          <a:blip r:embed="rId5" cstate="print">
+            <a:extLst>
+              <a:ext uri="{28A0092B-C50C-407E-A947-70E740481C1C}">
+                <a14:useLocalDpi xmlns:a14="http://schemas.microsoft.com/office/drawing/2010/main" val="0"/>
+              </a:ext>
+            </a:extLst>
+          </a:blip>
+          <a:stretch>
+            <a:fillRect/>
+          </a:stretch>
+        </p:blipFill>
+        <p:spPr>
+          <a:xfrm>
+            <a:off x="0" y="6027624"/>
+            <a:ext cx="1584176" cy="848665"/>
+          </a:xfrm>
+          <a:prstGeom prst="rect">
+            <a:avLst/>
+          </a:prstGeom>
+        </p:spPr>
+      </p:pic>
+      <p:pic>
+        <p:nvPicPr>
+          <p:cNvPr id="7" name="Picture 6"/>
+          <p:cNvPicPr>
+            <a:picLocks noChangeAspect="1"/>
+          </p:cNvPicPr>
+          <p:nvPr/>
+        </p:nvPicPr>
+        <p:blipFill>
+          <a:blip r:embed="rId6"/>
+          <a:stretch>
+            <a:fillRect/>
+          </a:stretch>
+        </p:blipFill>
+        <p:spPr>
+          <a:xfrm>
+            <a:off x="4067944" y="6053738"/>
+            <a:ext cx="1656184" cy="929303"/>
+          </a:xfrm>
+          <a:prstGeom prst="rect">
+            <a:avLst/>
+          </a:prstGeom>
         </p:spPr>
       </p:pic>
     </p:spTree>
@@ -16906,7 +18330,7 @@
   <p:timing>
     <p:tnLst>
       <p:par>
-        <p:cTn id="1" dur="indefinite" restart="never" nodeType="tmRoot"/>
+        <p:cTn xmlns:p14="http://schemas.microsoft.com/office/powerpoint/2010/main" id="1" dur="indefinite" restart="never" nodeType="tmRoot"/>
       </p:par>
     </p:tnLst>
   </p:timing>

--- a/GitHub.pptx
+++ b/GitHub.pptx
@@ -565,6 +565,99 @@
           <a:bodyPr/>
           <a:lstStyle/>
           <a:p>
+            <a:r>
+              <a:rPr lang="en-US" dirty="0" smtClean="0"/>
+              <a:t>Ajay,</a:t>
+            </a:r>
+            <a:r>
+              <a:rPr lang="en-US" baseline="0" dirty="0" smtClean="0"/>
+              <a:t> Founder of Code </a:t>
+            </a:r>
+            <a:r>
+              <a:rPr lang="en-US" baseline="0" dirty="0" err="1" smtClean="0"/>
+              <a:t>Genesys</a:t>
+            </a:r>
+            <a:r>
+              <a:rPr lang="en-US" baseline="0" dirty="0" smtClean="0"/>
+              <a:t>, An Agile Web and Mobile Consulting services company in Education, Insurance and Financial services sectors.</a:t>
+            </a:r>
+          </a:p>
+          <a:p>
+            <a:endParaRPr lang="en-US" baseline="0" dirty="0" smtClean="0"/>
+          </a:p>
+          <a:p>
+            <a:r>
+              <a:rPr lang="en-US" baseline="0" dirty="0" smtClean="0"/>
+              <a:t>Web programmer Java, </a:t>
+            </a:r>
+            <a:r>
+              <a:rPr lang="en-US" baseline="0" dirty="0" err="1" smtClean="0"/>
+              <a:t>RubyRails</a:t>
+            </a:r>
+            <a:r>
+              <a:rPr lang="en-US" baseline="0" dirty="0" smtClean="0"/>
+              <a:t>, Python/</a:t>
+            </a:r>
+            <a:r>
+              <a:rPr lang="en-US" baseline="0" dirty="0" err="1" smtClean="0"/>
+              <a:t>Django</a:t>
+            </a:r>
+            <a:endParaRPr lang="en-US" baseline="0" dirty="0" smtClean="0"/>
+          </a:p>
+          <a:p>
+            <a:endParaRPr lang="en-US" baseline="0" dirty="0" smtClean="0"/>
+          </a:p>
+          <a:p>
+            <a:r>
+              <a:rPr lang="en-US" baseline="0" dirty="0" smtClean="0"/>
+              <a:t>Co-Architect of </a:t>
+            </a:r>
+            <a:r>
+              <a:rPr lang="en-US" baseline="0" dirty="0" err="1" smtClean="0"/>
+              <a:t>ScrumDo.com</a:t>
+            </a:r>
+            <a:r>
+              <a:rPr lang="en-US" baseline="0" dirty="0" smtClean="0"/>
+              <a:t> </a:t>
+            </a:r>
+          </a:p>
+          <a:p>
+            <a:endParaRPr lang="en-US" baseline="0" dirty="0" smtClean="0"/>
+          </a:p>
+          <a:p>
+            <a:r>
+              <a:rPr lang="en-US" baseline="0" dirty="0" err="1" smtClean="0"/>
+              <a:t>Bala</a:t>
+            </a:r>
+            <a:r>
+              <a:rPr lang="en-US" baseline="0" dirty="0" smtClean="0"/>
+              <a:t> is my fellow compatriot an IT Architect</a:t>
+            </a:r>
+          </a:p>
+          <a:p>
+            <a:endParaRPr lang="en-US" baseline="0" dirty="0" smtClean="0"/>
+          </a:p>
+          <a:p>
+            <a:endParaRPr lang="en-US" baseline="0" dirty="0" smtClean="0"/>
+          </a:p>
+          <a:p>
+            <a:r>
+              <a:rPr lang="en-US" dirty="0" smtClean="0"/>
+              <a:t>I am here to present on a very basic topic of version control with a beginner tutorial on </a:t>
+            </a:r>
+            <a:r>
+              <a:rPr lang="en-US" dirty="0" err="1" smtClean="0"/>
+              <a:t>github</a:t>
+            </a:r>
+            <a:r>
+              <a:rPr lang="en-US" dirty="0" smtClean="0"/>
+              <a:t>.</a:t>
+            </a:r>
+          </a:p>
+          <a:p>
+            <a:endParaRPr lang="en-US" dirty="0" smtClean="0"/>
+          </a:p>
+          <a:p>
             <a:endParaRPr lang="en-US" dirty="0"/>
           </a:p>
         </p:txBody>
@@ -648,61 +741,113 @@
         <p:spPr/>
         <p:txBody>
           <a:bodyPr>
-            <a:normAutofit fontScale="92500"/>
+            <a:normAutofit/>
           </a:bodyPr>
           <a:lstStyle/>
           <a:p>
-            <a:r>
-              <a:rPr lang="en-US" i="1" dirty="0" smtClean="0"/>
-              <a:t>[Note: It is assumed that the user is comfortable with installing a basic application. Only the ones that require close attention are mentioned in the next few slides.</a:t>
-            </a:r>
-          </a:p>
-          <a:p>
-            <a:endParaRPr lang="en-US" i="1" dirty="0" smtClean="0"/>
-          </a:p>
-          <a:p>
-            <a:r>
-              <a:rPr lang="en-US" i="1" dirty="0" smtClean="0"/>
-              <a:t>For a detailed installation manual please refer to the following link: </a:t>
-            </a:r>
-            <a:r>
-              <a:rPr lang="en-US" i="1" dirty="0" smtClean="0">
-                <a:hlinkClick r:id="rId3"/>
-              </a:rPr>
-              <a:t>http://help.github.com/win-set-up-git/</a:t>
-            </a:r>
-            <a:endParaRPr lang="en-US" i="1" dirty="0" smtClean="0"/>
-          </a:p>
-          <a:p>
-            <a:endParaRPr lang="en-US" i="1" dirty="0" smtClean="0"/>
-          </a:p>
-          <a:p>
-            <a:r>
-              <a:rPr lang="en-US" i="1" dirty="0" smtClean="0"/>
-              <a:t>The installation screens shown here are for Windows machine and it is fairly similar for other non-windows systems.]</a:t>
-            </a:r>
-          </a:p>
-          <a:p>
-            <a:endParaRPr lang="en-US" i="1" dirty="0" smtClean="0"/>
-          </a:p>
-          <a:p>
+            <a:pPr>
+              <a:buFont typeface="Arial" pitchFamily="34" charset="0"/>
+              <a:buChar char="•"/>
+            </a:pPr>
             <a:r>
               <a:rPr lang="en-US" dirty="0" smtClean="0"/>
-              <a:t>(If you’ve completed the installation then you can jump to </a:t>
-            </a:r>
-            <a:r>
-              <a:rPr lang="en-US" i="1" dirty="0" smtClean="0">
-                <a:hlinkClick r:id="rId4" action="ppaction://hlinksldjump"/>
-              </a:rPr>
-              <a:t>GIT Setup</a:t>
+              <a:t> When you create the commit by running ’</a:t>
+            </a:r>
+            <a:r>
+              <a:rPr lang="en-US" dirty="0" err="1" smtClean="0"/>
+              <a:t>git</a:t>
             </a:r>
             <a:r>
               <a:rPr lang="en-US" dirty="0" smtClean="0"/>
-              <a:t>)</a:t>
-            </a:r>
-          </a:p>
-          <a:p>
+              <a:t> commit’, </a:t>
+            </a:r>
+            <a:r>
+              <a:rPr lang="en-US" dirty="0" err="1" smtClean="0"/>
+              <a:t>Git</a:t>
+            </a:r>
+            <a:r>
+              <a:rPr lang="en-US" dirty="0" smtClean="0"/>
+              <a:t> checksums each subdirectory (in this case, just the root project directory) and stores those tree objects in the </a:t>
+            </a:r>
+            <a:r>
+              <a:rPr lang="en-US" dirty="0" err="1" smtClean="0"/>
+              <a:t>Git</a:t>
+            </a:r>
+            <a:r>
+              <a:rPr lang="en-US" dirty="0" smtClean="0"/>
+              <a:t> repository. </a:t>
+            </a:r>
+            <a:r>
+              <a:rPr lang="en-US" dirty="0" err="1" smtClean="0"/>
+              <a:t>Git</a:t>
+            </a:r>
+            <a:r>
+              <a:rPr lang="en-US" dirty="0" smtClean="0"/>
+              <a:t> then creates a commit object that has the metadata and a pointer to the root project tree so it can re-create that snapshot when needed.</a:t>
+            </a:r>
+          </a:p>
+          <a:p>
+            <a:pPr>
+              <a:buFont typeface="Arial" pitchFamily="34" charset="0"/>
+              <a:buChar char="•"/>
+            </a:pPr>
             <a:endParaRPr lang="en-US" dirty="0" smtClean="0"/>
+          </a:p>
+          <a:p>
+            <a:pPr>
+              <a:buFont typeface="Arial" pitchFamily="34" charset="0"/>
+              <a:buChar char="•"/>
+            </a:pPr>
+            <a:r>
+              <a:rPr lang="en-US" dirty="0" smtClean="0"/>
+              <a:t>  If you make some changes and commit again, the next commit stores a pointer to the commit that came immediately before it. After 2 more commits, your history might look like this slide:</a:t>
+            </a:r>
+          </a:p>
+          <a:p>
+            <a:pPr>
+              <a:buFont typeface="Arial" pitchFamily="34" charset="0"/>
+              <a:buChar char="•"/>
+            </a:pPr>
+            <a:endParaRPr lang="en-US" dirty="0" smtClean="0"/>
+          </a:p>
+          <a:p>
+            <a:pPr marL="0" marR="0" indent="0" algn="l" defTabSz="914400" rtl="0" eaLnBrk="1" fontAlgn="auto" latinLnBrk="0" hangingPunct="1">
+              <a:lnSpc>
+                <a:spcPct val="100000"/>
+              </a:lnSpc>
+              <a:spcBef>
+                <a:spcPts val="0"/>
+              </a:spcBef>
+              <a:spcAft>
+                <a:spcPts val="0"/>
+              </a:spcAft>
+              <a:buClrTx/>
+              <a:buSzTx/>
+              <a:buFont typeface="Arial" pitchFamily="34" charset="0"/>
+              <a:buChar char="•"/>
+              <a:tabLst/>
+              <a:defRPr/>
+            </a:pPr>
+            <a:r>
+              <a:rPr lang="en-US" dirty="0" smtClean="0"/>
+              <a:t> A branch in </a:t>
+            </a:r>
+            <a:r>
+              <a:rPr lang="en-US" dirty="0" err="1" smtClean="0"/>
+              <a:t>Git</a:t>
+            </a:r>
+            <a:r>
+              <a:rPr lang="en-US" dirty="0" smtClean="0"/>
+              <a:t> is simply a lightweight movable pointer to one of these commits. The default branch name in </a:t>
+            </a:r>
+            <a:r>
+              <a:rPr lang="en-US" dirty="0" err="1" smtClean="0"/>
+              <a:t>Git</a:t>
+            </a:r>
+            <a:r>
+              <a:rPr lang="en-US" dirty="0" smtClean="0"/>
+              <a:t> is master. As you initially make commits, you’re given a master branch that points to the last commit you made. Every time you commit, it moves forward automatically.</a:t>
+            </a:r>
           </a:p>
         </p:txBody>
       </p:sp>
@@ -724,7 +869,7 @@
             <a:fld id="{06F8F5D6-CB0D-4EDE-B95E-664AB82371FD}" type="slidenum">
               <a:rPr lang="en-US" smtClean="0"/>
               <a:pPr/>
-              <a:t>15</a:t>
+              <a:t>11</a:t>
             </a:fld>
             <a:endParaRPr lang="en-US"/>
           </a:p>
@@ -779,38 +924,45 @@
         </p:nvSpPr>
         <p:spPr/>
         <p:txBody>
-          <a:bodyPr>
-            <a:normAutofit/>
-          </a:bodyPr>
+          <a:bodyPr/>
           <a:lstStyle/>
           <a:p>
-            <a:pPr marL="0" marR="0" indent="0" algn="l" defTabSz="914400" rtl="0" eaLnBrk="1" fontAlgn="auto" latinLnBrk="0" hangingPunct="1">
-              <a:lnSpc>
-                <a:spcPct val="100000"/>
-              </a:lnSpc>
-              <a:spcBef>
-                <a:spcPts val="0"/>
-              </a:spcBef>
-              <a:spcAft>
-                <a:spcPts val="0"/>
-              </a:spcAft>
-              <a:buClrTx/>
-              <a:buSzTx/>
-              <a:buFontTx/>
-              <a:buNone/>
-              <a:tabLst/>
-              <a:defRPr/>
+            <a:pPr>
+              <a:buFont typeface="Arial" pitchFamily="34" charset="0"/>
+              <a:buChar char="•"/>
             </a:pPr>
             <a:r>
               <a:rPr lang="en-US" dirty="0" smtClean="0"/>
-              <a:t>The context menu entries options give a user two new options on files when right-clicked in Windows Explorer.</a:t>
-            </a:r>
-            <a:endParaRPr lang="en-US" b="1" dirty="0" smtClean="0">
-              <a:solidFill>
-                <a:srgbClr val="486DA2"/>
-              </a:solidFill>
-              <a:latin typeface="Verdana" pitchFamily="34" charset="0"/>
-            </a:endParaRPr>
+              <a:t> Next create a remote public repository by clicking the “New repository” link on the right side near “Your Repositories”.</a:t>
+            </a:r>
+          </a:p>
+          <a:p>
+            <a:pPr>
+              <a:buFont typeface="Arial" pitchFamily="34" charset="0"/>
+              <a:buChar char="•"/>
+            </a:pPr>
+            <a:r>
+              <a:rPr lang="en-US" dirty="0" smtClean="0"/>
+              <a:t> Then fill in the name, description, and web page for the repository and then click “Create Repository”.</a:t>
+            </a:r>
+          </a:p>
+          <a:p>
+            <a:pPr>
+              <a:buFont typeface="Arial" pitchFamily="34" charset="0"/>
+              <a:buChar char="•"/>
+            </a:pPr>
+            <a:r>
+              <a:rPr lang="en-US" dirty="0" smtClean="0"/>
+              <a:t> Make a note of the “Clone URL” in the following page. You will need this to commit your application to the public repository on the web at </a:t>
+            </a:r>
+            <a:r>
+              <a:rPr lang="en-US" dirty="0" err="1" smtClean="0"/>
+              <a:t>github.com</a:t>
+            </a:r>
+            <a:r>
+              <a:rPr lang="en-US" dirty="0" smtClean="0"/>
+              <a:t>.</a:t>
+            </a:r>
           </a:p>
           <a:p>
             <a:endParaRPr lang="en-US" dirty="0"/>
@@ -835,13 +987,18 @@
             <a:fld id="{06F8F5D6-CB0D-4EDE-B95E-664AB82371FD}" type="slidenum">
               <a:rPr lang="en-US" smtClean="0"/>
               <a:pPr/>
-              <a:t>16</a:t>
+              <a:t>13</a:t>
             </a:fld>
             <a:endParaRPr lang="en-US"/>
           </a:p>
         </p:txBody>
       </p:sp>
     </p:spTree>
+    <p:extLst>
+      <p:ext uri="{BB962C8B-B14F-4D97-AF65-F5344CB8AC3E}">
+        <p14:creationId xmlns:p14="http://schemas.microsoft.com/office/powerpoint/2010/main" val="1343535215"/>
+      </p:ext>
+    </p:extLst>
   </p:cSld>
   <p:clrMapOvr>
     <a:masterClrMapping/>
@@ -895,49 +1052,189 @@
           </a:bodyPr>
           <a:lstStyle/>
           <a:p>
-            <a:pPr marL="0" marR="0" indent="0" algn="l" defTabSz="914400" rtl="0" eaLnBrk="1" fontAlgn="auto" latinLnBrk="0" hangingPunct="1">
-              <a:lnSpc>
-                <a:spcPct val="100000"/>
-              </a:lnSpc>
-              <a:spcBef>
-                <a:spcPts val="0"/>
-              </a:spcBef>
-              <a:spcAft>
-                <a:spcPts val="0"/>
-              </a:spcAft>
-              <a:buClrTx/>
-              <a:buSzTx/>
-              <a:buFontTx/>
-              <a:buNone/>
-              <a:tabLst/>
-              <a:defRPr/>
-            </a:pPr>
-            <a:r>
-              <a:rPr lang="en-US" dirty="0" smtClean="0"/>
-              <a:t>Use the “</a:t>
-            </a:r>
-            <a:r>
-              <a:rPr lang="en-US" dirty="0" err="1" smtClean="0"/>
-              <a:t>Git</a:t>
-            </a:r>
-            <a:r>
-              <a:rPr lang="en-US" dirty="0" smtClean="0"/>
-              <a:t> Bash only” option if you only want </a:t>
-            </a:r>
-            <a:r>
-              <a:rPr lang="en-US" dirty="0" err="1" smtClean="0"/>
-              <a:t>msysgit</a:t>
-            </a:r>
-            <a:r>
-              <a:rPr lang="en-US" dirty="0" smtClean="0"/>
-              <a:t> component.  The other two options are tightly coupled to the operating system’s current setup.</a:t>
-            </a:r>
-            <a:endParaRPr lang="en-US" sz="1400" b="1" dirty="0" smtClean="0">
-              <a:solidFill>
-                <a:srgbClr val="486DA2"/>
-              </a:solidFill>
-              <a:latin typeface="Verdana" pitchFamily="34" charset="0"/>
+            <a:r>
+              <a:rPr lang="en-US" b="1" dirty="0" smtClean="0"/>
+              <a:t>LINUX</a:t>
+            </a:r>
+          </a:p>
+          <a:p>
+            <a:r>
+              <a:rPr lang="en-US" sz="1200" dirty="0" smtClean="0"/>
+              <a:t>Most Linux distributions come with </a:t>
+            </a:r>
+            <a:r>
+              <a:rPr lang="en-US" altLang="en-US" sz="1200" dirty="0" smtClean="0"/>
+              <a:t>“</a:t>
+            </a:r>
+            <a:r>
+              <a:rPr lang="en-US" altLang="ja-JP" sz="1200" dirty="0" err="1" smtClean="0"/>
+              <a:t>git</a:t>
+            </a:r>
+            <a:r>
+              <a:rPr lang="en-US" altLang="en-US" sz="1200" dirty="0" smtClean="0"/>
+              <a:t>”</a:t>
+            </a:r>
+            <a:r>
+              <a:rPr lang="en-US" altLang="ja-JP" sz="1200" dirty="0" smtClean="0"/>
+              <a:t> installed them. If you are running an older version of a Linux distribution you might have to install </a:t>
+            </a:r>
+            <a:r>
+              <a:rPr lang="en-US" altLang="en-US" sz="1200" dirty="0" smtClean="0"/>
+              <a:t>“</a:t>
+            </a:r>
+            <a:r>
+              <a:rPr lang="en-US" altLang="ja-JP" sz="1200" dirty="0" err="1" smtClean="0"/>
+              <a:t>git</a:t>
+            </a:r>
+            <a:r>
+              <a:rPr lang="en-US" altLang="en-US" sz="1200" dirty="0" smtClean="0"/>
+              <a:t>”</a:t>
+            </a:r>
+            <a:r>
+              <a:rPr lang="en-US" altLang="ja-JP" sz="1200" dirty="0" smtClean="0"/>
+              <a:t> from a third-party repository. </a:t>
+            </a:r>
+          </a:p>
+          <a:p>
+            <a:endParaRPr lang="en-US" sz="1000" dirty="0" smtClean="0"/>
+          </a:p>
+          <a:p>
+            <a:r>
+              <a:rPr lang="en-US" sz="1200" b="1" dirty="0" err="1" smtClean="0"/>
+              <a:t>CentOS</a:t>
+            </a:r>
+            <a:r>
+              <a:rPr lang="en-US" sz="1200" b="1" dirty="0" smtClean="0"/>
+              <a:t> 5 </a:t>
+            </a:r>
+          </a:p>
+          <a:p>
+            <a:r>
+              <a:rPr lang="en-US" sz="1200" dirty="0" smtClean="0"/>
+              <a:t>First configure the RPM forge repository on your system. This can be done by simply installing the correct </a:t>
+            </a:r>
+            <a:r>
+              <a:rPr lang="en-US" sz="1200" dirty="0" err="1" smtClean="0"/>
+              <a:t>RPMForge</a:t>
+            </a:r>
+            <a:r>
+              <a:rPr lang="en-US" sz="1200" dirty="0" smtClean="0"/>
+              <a:t> RPM for you system from link below. </a:t>
+            </a:r>
+            <a:r>
+              <a:rPr lang="en-US" sz="1000" dirty="0" smtClean="0">
+                <a:hlinkClick r:id="rId3"/>
+              </a:rPr>
+              <a:t>http://wiki.centos.org/AdditionalResources/Repositories/RPMForge#head-5aabf02717d5b6b12d47edbc5811404998926a1b </a:t>
+            </a:r>
+            <a:endParaRPr lang="en-US" sz="1000" dirty="0" smtClean="0"/>
+          </a:p>
+          <a:p>
+            <a:r>
+              <a:rPr lang="en-US" sz="1000" dirty="0" smtClean="0"/>
+              <a:t>Once that his done installing </a:t>
+            </a:r>
+            <a:r>
+              <a:rPr lang="en-US" altLang="en-US" sz="1000" dirty="0" smtClean="0"/>
+              <a:t>“</a:t>
+            </a:r>
+            <a:r>
+              <a:rPr lang="en-US" altLang="ja-JP" sz="1000" dirty="0" err="1" smtClean="0"/>
+              <a:t>git</a:t>
+            </a:r>
+            <a:r>
+              <a:rPr lang="en-US" altLang="en-US" sz="1000" dirty="0" smtClean="0"/>
+              <a:t>”</a:t>
+            </a:r>
+            <a:r>
+              <a:rPr lang="en-US" altLang="ja-JP" sz="1000" dirty="0" smtClean="0"/>
+              <a:t> by running the following command</a:t>
+            </a:r>
+            <a:endParaRPr lang="en-US" sz="1000" dirty="0" smtClean="0"/>
+          </a:p>
+          <a:p>
+            <a:r>
+              <a:rPr lang="en-US" sz="1100" dirty="0" smtClean="0">
+                <a:latin typeface="Courier New" pitchFamily="49" charset="0"/>
+                <a:cs typeface="Courier New" pitchFamily="49" charset="0"/>
+              </a:rPr>
+              <a:t>$ </a:t>
+            </a:r>
+            <a:r>
+              <a:rPr lang="en-US" sz="1100" dirty="0" err="1" smtClean="0">
+                <a:latin typeface="Courier New" pitchFamily="49" charset="0"/>
+                <a:cs typeface="Courier New" pitchFamily="49" charset="0"/>
+              </a:rPr>
+              <a:t>sudo</a:t>
+            </a:r>
+            <a:r>
+              <a:rPr lang="en-US" sz="1100" dirty="0" smtClean="0">
+                <a:latin typeface="Courier New" pitchFamily="49" charset="0"/>
+                <a:cs typeface="Courier New" pitchFamily="49" charset="0"/>
+              </a:rPr>
+              <a:t> yum install </a:t>
+            </a:r>
+            <a:r>
+              <a:rPr lang="en-US" sz="1100" dirty="0" err="1" smtClean="0">
+                <a:latin typeface="Courier New" pitchFamily="49" charset="0"/>
+                <a:cs typeface="Courier New" pitchFamily="49" charset="0"/>
+              </a:rPr>
+              <a:t>git</a:t>
+            </a:r>
+            <a:endParaRPr lang="en-US" sz="1100" dirty="0" smtClean="0">
+              <a:latin typeface="Courier New" pitchFamily="49" charset="0"/>
+              <a:cs typeface="Courier New" pitchFamily="49" charset="0"/>
             </a:endParaRPr>
+          </a:p>
+          <a:p>
+            <a:endParaRPr lang="en-US" sz="1000" dirty="0" smtClean="0"/>
+          </a:p>
+          <a:p>
+            <a:r>
+              <a:rPr lang="en-US" sz="1200" b="1" dirty="0" err="1" smtClean="0"/>
+              <a:t>Ubuntu</a:t>
+            </a:r>
+            <a:r>
+              <a:rPr lang="en-US" sz="1200" b="1" dirty="0" smtClean="0"/>
+              <a:t> </a:t>
+            </a:r>
+          </a:p>
+          <a:p>
+            <a:r>
+              <a:rPr lang="en-US" sz="1100" dirty="0" smtClean="0">
+                <a:latin typeface="Courier New" pitchFamily="49" charset="0"/>
+                <a:cs typeface="Courier New" pitchFamily="49" charset="0"/>
+              </a:rPr>
+              <a:t>$ </a:t>
+            </a:r>
+            <a:r>
+              <a:rPr lang="en-US" sz="1100" dirty="0" err="1" smtClean="0">
+                <a:latin typeface="Courier New" pitchFamily="49" charset="0"/>
+                <a:cs typeface="Courier New" pitchFamily="49" charset="0"/>
+              </a:rPr>
+              <a:t>sudo</a:t>
+            </a:r>
+            <a:r>
+              <a:rPr lang="en-US" sz="1100" dirty="0" smtClean="0">
+                <a:latin typeface="Courier New" pitchFamily="49" charset="0"/>
+                <a:cs typeface="Courier New" pitchFamily="49" charset="0"/>
+              </a:rPr>
+              <a:t> apt-get install </a:t>
+            </a:r>
+            <a:r>
+              <a:rPr lang="en-US" sz="1100" dirty="0" err="1" smtClean="0">
+                <a:latin typeface="Courier New" pitchFamily="49" charset="0"/>
+                <a:cs typeface="Courier New" pitchFamily="49" charset="0"/>
+              </a:rPr>
+              <a:t>git</a:t>
+            </a:r>
+            <a:r>
+              <a:rPr lang="en-US" sz="1100" dirty="0" smtClean="0">
+                <a:latin typeface="Courier New" pitchFamily="49" charset="0"/>
+                <a:cs typeface="Courier New" pitchFamily="49" charset="0"/>
+              </a:rPr>
+              <a:t>-core</a:t>
+            </a:r>
           </a:p>
           <a:p>
             <a:endParaRPr lang="en-US" dirty="0"/>
@@ -962,7 +1259,7 @@
             <a:fld id="{06F8F5D6-CB0D-4EDE-B95E-664AB82371FD}" type="slidenum">
               <a:rPr lang="en-US" smtClean="0"/>
               <a:pPr/>
-              <a:t>17</a:t>
+              <a:t>14</a:t>
             </a:fld>
             <a:endParaRPr lang="en-US"/>
           </a:p>
@@ -1018,40 +1315,61 @@
         <p:spPr/>
         <p:txBody>
           <a:bodyPr>
-            <a:normAutofit/>
+            <a:normAutofit fontScale="92500"/>
           </a:bodyPr>
           <a:lstStyle/>
           <a:p>
-            <a:pPr marL="0" marR="0" indent="0" algn="l" defTabSz="914400" rtl="0" eaLnBrk="1" fontAlgn="auto" latinLnBrk="0" hangingPunct="1">
-              <a:lnSpc>
-                <a:spcPct val="100000"/>
-              </a:lnSpc>
-              <a:spcBef>
-                <a:spcPts val="0"/>
-              </a:spcBef>
-              <a:spcAft>
-                <a:spcPts val="0"/>
-              </a:spcAft>
-              <a:buClrTx/>
-              <a:buSzTx/>
-              <a:buFontTx/>
-              <a:buNone/>
-              <a:tabLst/>
-              <a:defRPr/>
-            </a:pPr>
+            <a:r>
+              <a:rPr lang="en-US" i="1" dirty="0" smtClean="0"/>
+              <a:t>[Note: It is assumed that the user is comfortable with installing a basic application. Only the ones that require close attention are mentioned in the next few slides.</a:t>
+            </a:r>
+          </a:p>
+          <a:p>
+            <a:endParaRPr lang="en-US" i="1" dirty="0" smtClean="0"/>
+          </a:p>
+          <a:p>
+            <a:r>
+              <a:rPr lang="en-US" i="1" dirty="0" smtClean="0"/>
+              <a:t>For a detailed installation manual please refer to the following link: </a:t>
+            </a:r>
+            <a:r>
+              <a:rPr lang="en-US" i="1" dirty="0" smtClean="0">
+                <a:hlinkClick r:id="rId3"/>
+              </a:rPr>
+              <a:t>http://help.github.com/win-set-up-git/</a:t>
+            </a:r>
+            <a:endParaRPr lang="en-US" i="1" dirty="0" smtClean="0"/>
+          </a:p>
+          <a:p>
+            <a:endParaRPr lang="en-US" i="1" dirty="0" smtClean="0"/>
+          </a:p>
+          <a:p>
+            <a:r>
+              <a:rPr lang="en-US" i="1" dirty="0" smtClean="0"/>
+              <a:t>The installation screens shown here are for Windows machine and it is fairly similar for other non-windows systems.]</a:t>
+            </a:r>
+          </a:p>
+          <a:p>
+            <a:endParaRPr lang="en-US" i="1" dirty="0" smtClean="0"/>
+          </a:p>
+          <a:p>
             <a:r>
               <a:rPr lang="en-US" dirty="0" smtClean="0"/>
-              <a:t>Typical Windows developers won’t interact with other operating systems so choosing the 3rd option, in regards to non-handling of line-endings is usually best.</a:t>
-            </a:r>
-            <a:endParaRPr lang="en-US" sz="1400" b="1" dirty="0" smtClean="0">
-              <a:solidFill>
-                <a:srgbClr val="486DA2"/>
-              </a:solidFill>
-              <a:latin typeface="Verdana" pitchFamily="34" charset="0"/>
-            </a:endParaRPr>
-          </a:p>
-          <a:p>
-            <a:endParaRPr lang="en-US" dirty="0"/>
+              <a:t>(If you’ve completed the installation then you can jump to </a:t>
+            </a:r>
+            <a:r>
+              <a:rPr lang="en-US" i="1" dirty="0" smtClean="0">
+                <a:hlinkClick r:id="rId4" action="ppaction://hlinksldjump"/>
+              </a:rPr>
+              <a:t>GIT Setup</a:t>
+            </a:r>
+            <a:r>
+              <a:rPr lang="en-US" dirty="0" smtClean="0"/>
+              <a:t>)</a:t>
+            </a:r>
+          </a:p>
+          <a:p>
+            <a:endParaRPr lang="en-US" dirty="0" smtClean="0"/>
           </a:p>
         </p:txBody>
       </p:sp>
@@ -1073,7 +1391,7 @@
             <a:fld id="{06F8F5D6-CB0D-4EDE-B95E-664AB82371FD}" type="slidenum">
               <a:rPr lang="en-US" smtClean="0"/>
               <a:pPr/>
-              <a:t>18</a:t>
+              <a:t>15</a:t>
             </a:fld>
             <a:endParaRPr lang="en-US"/>
           </a:p>
@@ -1129,7 +1447,7 @@
         <p:spPr/>
         <p:txBody>
           <a:bodyPr>
-            <a:normAutofit fontScale="92500" lnSpcReduction="10000"/>
+            <a:normAutofit/>
           </a:bodyPr>
           <a:lstStyle/>
           <a:p>
@@ -1152,252 +1470,14 @@
             </a:pPr>
             <a:r>
               <a:rPr lang="en-US" dirty="0" smtClean="0"/>
-              <a:t>If you’ve installed it successfully you will have both a command-line version (including an SSH client that will come in handy later) and the standard GUI. Open the </a:t>
-            </a:r>
-            <a:r>
-              <a:rPr lang="en-US" dirty="0" err="1" smtClean="0"/>
-              <a:t>GitBash</a:t>
-            </a:r>
-            <a:r>
-              <a:rPr lang="en-US" dirty="0" smtClean="0"/>
-              <a:t> program and follow the steps below.</a:t>
-            </a:r>
-          </a:p>
-          <a:p>
-            <a:endParaRPr lang="en-US" dirty="0" smtClean="0"/>
-          </a:p>
-          <a:p>
-            <a:pPr>
-              <a:buFont typeface="Wingdings" pitchFamily="2" charset="2"/>
-              <a:buChar char="§"/>
-            </a:pPr>
-            <a:r>
-              <a:rPr lang="en-US" sz="1400" dirty="0" smtClean="0"/>
-              <a:t> </a:t>
-            </a:r>
-            <a:r>
-              <a:rPr lang="en-US" dirty="0" smtClean="0"/>
-              <a:t>Add your generated SSH to your account on the </a:t>
-            </a:r>
-            <a:r>
-              <a:rPr lang="en-US" dirty="0" err="1" smtClean="0">
-                <a:hlinkClick r:id="rId3" action="ppaction://hlinksldjump"/>
-              </a:rPr>
-              <a:t>GitHub</a:t>
-            </a:r>
-            <a:r>
-              <a:rPr lang="en-US" dirty="0" smtClean="0"/>
-              <a:t> site. (</a:t>
-            </a:r>
-            <a:r>
-              <a:rPr lang="en-US" i="1" dirty="0" smtClean="0"/>
-              <a:t>Click “Account Settings”</a:t>
-            </a:r>
-            <a:r>
-              <a:rPr lang="en-US" dirty="0" smtClean="0"/>
-              <a:t> &gt;</a:t>
-            </a:r>
-            <a:r>
-              <a:rPr lang="en-US" i="1" dirty="0" smtClean="0"/>
-              <a:t> “SSH Public Keys”</a:t>
-            </a:r>
-            <a:r>
-              <a:rPr lang="en-US" dirty="0" smtClean="0"/>
-              <a:t> &gt;</a:t>
-            </a:r>
-            <a:r>
-              <a:rPr lang="en-US" i="1" dirty="0" smtClean="0"/>
-              <a:t> “Add another public key”)</a:t>
-            </a:r>
-          </a:p>
-          <a:p>
-            <a:pPr>
-              <a:buFont typeface="Wingdings" pitchFamily="2" charset="2"/>
-              <a:buChar char="§"/>
-            </a:pPr>
-            <a:r>
-              <a:rPr lang="en-US" dirty="0" smtClean="0"/>
-              <a:t> Open the id_rsa.pub file, that contains your public SSH key, in a text editor. This file might be hidden so use appropriate action to get access to it.</a:t>
-            </a:r>
-            <a:endParaRPr lang="en-US" i="1" dirty="0" smtClean="0"/>
-          </a:p>
-          <a:p>
-            <a:endParaRPr lang="en-US" dirty="0" smtClean="0"/>
-          </a:p>
-          <a:p>
-            <a:r>
-              <a:rPr lang="en-US" dirty="0" smtClean="0"/>
-              <a:t>It is important that you copy your SSH key exactly as it is written without adding any newlines or whitespace into the “Key” field.</a:t>
-            </a:r>
-          </a:p>
-          <a:p>
-            <a:endParaRPr lang="en-US" dirty="0" smtClean="0"/>
-          </a:p>
-          <a:p>
-            <a:pPr>
-              <a:buFontTx/>
-              <a:buChar char="-"/>
-            </a:pPr>
-            <a:r>
-              <a:rPr lang="en-US" dirty="0" smtClean="0"/>
-              <a:t> Test your SSH key by typing the following in </a:t>
-            </a:r>
-            <a:r>
-              <a:rPr lang="en-US" dirty="0" err="1" smtClean="0"/>
-              <a:t>GitBash</a:t>
-            </a:r>
-            <a:r>
-              <a:rPr lang="en-US" dirty="0" smtClean="0"/>
-              <a:t> prompt:</a:t>
-            </a:r>
-          </a:p>
-          <a:p>
-            <a:r>
-              <a:rPr lang="en-US" sz="1100" dirty="0" smtClean="0">
-                <a:latin typeface="Courier New" pitchFamily="49" charset="0"/>
-                <a:cs typeface="Courier New" pitchFamily="49" charset="0"/>
-                <a:sym typeface="Wingdings 3"/>
-              </a:rPr>
-              <a:t>$ </a:t>
-            </a:r>
-            <a:r>
-              <a:rPr lang="en-US" sz="1100" dirty="0" err="1" smtClean="0">
-                <a:latin typeface="Courier New" pitchFamily="49" charset="0"/>
-                <a:cs typeface="Courier New" pitchFamily="49" charset="0"/>
-                <a:sym typeface="Wingdings 3"/>
-              </a:rPr>
-              <a:t>ssh</a:t>
-            </a:r>
-            <a:r>
-              <a:rPr lang="en-US" sz="1100" dirty="0" smtClean="0">
-                <a:latin typeface="Courier New" pitchFamily="49" charset="0"/>
-                <a:cs typeface="Courier New" pitchFamily="49" charset="0"/>
-                <a:sym typeface="Wingdings 3"/>
-              </a:rPr>
-              <a:t> -T </a:t>
-            </a:r>
-            <a:r>
-              <a:rPr lang="en-US" sz="1100" dirty="0" smtClean="0">
-                <a:latin typeface="Courier New" pitchFamily="49" charset="0"/>
-                <a:cs typeface="Courier New" pitchFamily="49" charset="0"/>
-                <a:sym typeface="Wingdings 3"/>
-                <a:hlinkClick r:id="rId4"/>
-              </a:rPr>
-              <a:t>git@github.com</a:t>
-            </a:r>
-            <a:r>
-              <a:rPr lang="en-US" sz="1100" dirty="0" smtClean="0">
-                <a:latin typeface="Courier New" pitchFamily="49" charset="0"/>
-                <a:cs typeface="Courier New" pitchFamily="49" charset="0"/>
-                <a:sym typeface="Wingdings 3"/>
-              </a:rPr>
-              <a:t> </a:t>
-            </a:r>
-            <a:r>
-              <a:rPr lang="de-DE" sz="1100" dirty="0" smtClean="0">
-                <a:latin typeface="Courier New" pitchFamily="49" charset="0"/>
-                <a:cs typeface="Courier New" pitchFamily="49" charset="0"/>
-                <a:sym typeface="Wingdings 3"/>
-              </a:rPr>
-              <a:t></a:t>
-            </a:r>
-          </a:p>
-          <a:p>
-            <a:r>
-              <a:rPr lang="de-DE" sz="1100" dirty="0" smtClean="0">
-                <a:latin typeface="Courier New" pitchFamily="49" charset="0"/>
-                <a:cs typeface="Courier New" pitchFamily="49" charset="0"/>
-                <a:sym typeface="Wingdings 3"/>
-              </a:rPr>
-              <a:t>Are you sure you want to continue connecting (yes/no)? yes </a:t>
-            </a:r>
-            <a:endParaRPr lang="en-US" sz="1100" dirty="0" smtClean="0"/>
-          </a:p>
-          <a:p>
-            <a:r>
-              <a:rPr lang="en-US" dirty="0" smtClean="0"/>
-              <a:t> </a:t>
-            </a:r>
-          </a:p>
-          <a:p>
-            <a:pPr>
-              <a:buFont typeface="Arial" pitchFamily="34" charset="0"/>
-              <a:buChar char="•"/>
-            </a:pPr>
-            <a:r>
-              <a:rPr lang="en-US" sz="1400" b="1" dirty="0" smtClean="0">
-                <a:solidFill>
-                  <a:srgbClr val="486DA2"/>
-                </a:solidFill>
-                <a:latin typeface="Verdana" pitchFamily="34" charset="0"/>
-              </a:rPr>
-              <a:t> Create local GIT Repositories:</a:t>
-            </a:r>
-          </a:p>
-          <a:p>
-            <a:r>
-              <a:rPr lang="en-US" dirty="0" smtClean="0"/>
-              <a:t>Every time you make a commit with </a:t>
-            </a:r>
-            <a:r>
-              <a:rPr lang="en-US" dirty="0" err="1" smtClean="0"/>
-              <a:t>Git</a:t>
-            </a:r>
-            <a:r>
-              <a:rPr lang="en-US" dirty="0" smtClean="0"/>
-              <a:t>, it is stored in a repository (a.k.a. “repo”). To put your project up on </a:t>
-            </a:r>
-            <a:r>
-              <a:rPr lang="en-US" dirty="0" err="1" smtClean="0"/>
-              <a:t>GitHub</a:t>
-            </a:r>
-            <a:r>
-              <a:rPr lang="en-US" dirty="0" smtClean="0"/>
-              <a:t>, you’ll need to have a </a:t>
-            </a:r>
-            <a:r>
-              <a:rPr lang="en-US" dirty="0" err="1" smtClean="0"/>
-              <a:t>GitHub</a:t>
-            </a:r>
-            <a:r>
-              <a:rPr lang="en-US" dirty="0" smtClean="0"/>
-              <a:t> repository for it to live in.</a:t>
-            </a:r>
-          </a:p>
-          <a:p>
-            <a:endParaRPr lang="de-DE" dirty="0" smtClean="0"/>
-          </a:p>
-          <a:p>
-            <a:r>
-              <a:rPr lang="de-DE" dirty="0" smtClean="0"/>
-              <a:t>Go to any folder which contains the application source code that you wish to convert as local repository. Right click on it and choose “Git Bash Here“. Then type the following: </a:t>
-            </a:r>
-            <a:r>
-              <a:rPr lang="de-DE" sz="1100" dirty="0" smtClean="0">
-                <a:latin typeface="Courier New" pitchFamily="49" charset="0"/>
-                <a:cs typeface="Courier New" pitchFamily="49" charset="0"/>
-                <a:sym typeface="Wingdings 3"/>
-              </a:rPr>
-              <a:t>$ git init </a:t>
-            </a:r>
-          </a:p>
-          <a:p>
-            <a:endParaRPr lang="de-DE" sz="1100" dirty="0" smtClean="0">
-              <a:latin typeface="Courier New" pitchFamily="49" charset="0"/>
-              <a:cs typeface="Courier New" pitchFamily="49" charset="0"/>
-              <a:sym typeface="Wingdings 3"/>
+              <a:t>The context menu entries options give a user two new options on files when right-clicked in Windows Explorer.</a:t>
+            </a:r>
+            <a:endParaRPr lang="en-US" b="1" dirty="0" smtClean="0">
+              <a:solidFill>
+                <a:srgbClr val="486DA2"/>
+              </a:solidFill>
+              <a:latin typeface="Verdana" pitchFamily="34" charset="0"/>
             </a:endParaRPr>
-          </a:p>
-          <a:p>
-            <a:r>
-              <a:rPr lang="en-US" dirty="0" err="1" smtClean="0"/>
-              <a:t>Voilà</a:t>
-            </a:r>
-            <a:r>
-              <a:rPr lang="de-DE" dirty="0" smtClean="0"/>
-              <a:t>!  You‘ve just created a local GitHub Rep in your system!</a:t>
-            </a:r>
-            <a:endParaRPr lang="en-US" dirty="0" smtClean="0"/>
           </a:p>
           <a:p>
             <a:endParaRPr lang="en-US" dirty="0"/>
@@ -1422,7 +1502,7 @@
             <a:fld id="{06F8F5D6-CB0D-4EDE-B95E-664AB82371FD}" type="slidenum">
               <a:rPr lang="en-US" smtClean="0"/>
               <a:pPr/>
-              <a:t>19</a:t>
+              <a:t>16</a:t>
             </a:fld>
             <a:endParaRPr lang="en-US"/>
           </a:p>
@@ -1478,418 +1558,30 @@
         <p:spPr/>
         <p:txBody>
           <a:bodyPr>
-            <a:normAutofit fontScale="77500" lnSpcReduction="20000"/>
+            <a:normAutofit/>
           </a:bodyPr>
           <a:lstStyle/>
           <a:p>
+            <a:pPr marL="0" marR="0" indent="0" algn="l" defTabSz="914400" rtl="0" eaLnBrk="1" fontAlgn="auto" latinLnBrk="0" hangingPunct="1">
+              <a:lnSpc>
+                <a:spcPct val="100000"/>
+              </a:lnSpc>
+              <a:spcBef>
+                <a:spcPts val="0"/>
+              </a:spcBef>
+              <a:spcAft>
+                <a:spcPts val="0"/>
+              </a:spcAft>
+              <a:buClrTx/>
+              <a:buSzTx/>
+              <a:buFontTx/>
+              <a:buNone/>
+              <a:tabLst/>
+              <a:defRPr/>
+            </a:pPr>
             <a:r>
               <a:rPr lang="en-US" dirty="0" smtClean="0"/>
-              <a:t>Create ‘.</a:t>
-            </a:r>
-            <a:r>
-              <a:rPr lang="en-US" dirty="0" err="1" smtClean="0"/>
-              <a:t>gitignore</a:t>
-            </a:r>
-            <a:r>
-              <a:rPr lang="en-US" dirty="0" smtClean="0"/>
-              <a:t>’ file to filter the commit operation by excluding the ones specific to local environment (like bin folder etc)</a:t>
-            </a:r>
-          </a:p>
-          <a:p>
-            <a:r>
-              <a:rPr lang="en-US" sz="1100" dirty="0" smtClean="0">
-                <a:latin typeface="Courier New" pitchFamily="49" charset="0"/>
-                <a:cs typeface="Courier New" pitchFamily="49" charset="0"/>
-                <a:sym typeface="Wingdings 3"/>
-              </a:rPr>
-              <a:t>$ touch .</a:t>
-            </a:r>
-            <a:r>
-              <a:rPr lang="en-US" sz="1100" dirty="0" err="1" smtClean="0">
-                <a:latin typeface="Courier New" pitchFamily="49" charset="0"/>
-                <a:cs typeface="Courier New" pitchFamily="49" charset="0"/>
-                <a:sym typeface="Wingdings 3"/>
-              </a:rPr>
-              <a:t>gitignore</a:t>
-            </a:r>
-            <a:endParaRPr lang="en-US" sz="1100" dirty="0" smtClean="0">
-              <a:latin typeface="Courier New" pitchFamily="49" charset="0"/>
-              <a:cs typeface="Courier New" pitchFamily="49" charset="0"/>
-              <a:sym typeface="Wingdings 3"/>
-            </a:endParaRPr>
-          </a:p>
-          <a:p>
-            <a:r>
-              <a:rPr lang="en-US" sz="1100" dirty="0" smtClean="0">
-                <a:latin typeface="Courier New" pitchFamily="49" charset="0"/>
-                <a:cs typeface="Courier New" pitchFamily="49" charset="0"/>
-                <a:sym typeface="Wingdings 3"/>
-              </a:rPr>
-              <a:t>$ </a:t>
-            </a:r>
-            <a:r>
-              <a:rPr lang="en-US" sz="1100" dirty="0" err="1" smtClean="0">
-                <a:latin typeface="Courier New" pitchFamily="49" charset="0"/>
-                <a:cs typeface="Courier New" pitchFamily="49" charset="0"/>
-                <a:sym typeface="Wingdings 3"/>
-              </a:rPr>
-              <a:t>ls</a:t>
-            </a:r>
-            <a:r>
-              <a:rPr lang="en-US" sz="1100" dirty="0" smtClean="0">
-                <a:latin typeface="Courier New" pitchFamily="49" charset="0"/>
-                <a:cs typeface="Courier New" pitchFamily="49" charset="0"/>
-                <a:sym typeface="Wingdings 3"/>
-              </a:rPr>
-              <a:t> –al</a:t>
-            </a:r>
-          </a:p>
-          <a:p>
-            <a:r>
-              <a:rPr lang="en-US" dirty="0" smtClean="0"/>
-              <a:t>[In this file you can enter partial or full names of files/folder that you don’t want to commit to the repo]</a:t>
-            </a:r>
-          </a:p>
-          <a:p>
-            <a:endParaRPr lang="en-US" dirty="0" smtClean="0"/>
-          </a:p>
-          <a:p>
-            <a:r>
-              <a:rPr lang="en-US" dirty="0" smtClean="0"/>
-              <a:t>We can now view all the files that we can commit.</a:t>
-            </a:r>
-          </a:p>
-          <a:p>
-            <a:endParaRPr lang="en-US" dirty="0" smtClean="0"/>
-          </a:p>
-          <a:p>
-            <a:pPr>
-              <a:buFont typeface="Arial" pitchFamily="34" charset="0"/>
-              <a:buChar char="•"/>
-            </a:pPr>
-            <a:r>
-              <a:rPr lang="en-US" b="1" dirty="0" smtClean="0">
-                <a:solidFill>
-                  <a:srgbClr val="486DA2"/>
-                </a:solidFill>
-                <a:latin typeface="Verdana" pitchFamily="34" charset="0"/>
-              </a:rPr>
-              <a:t> GIT Status</a:t>
-            </a:r>
-          </a:p>
-          <a:p>
-            <a:r>
-              <a:rPr lang="en-US" dirty="0" smtClean="0"/>
-              <a:t>After committing our code to the repo we can run “</a:t>
-            </a:r>
-            <a:r>
-              <a:rPr lang="en-US" dirty="0" err="1" smtClean="0"/>
-              <a:t>git</a:t>
-            </a:r>
-            <a:r>
-              <a:rPr lang="en-US" dirty="0" smtClean="0"/>
-              <a:t> status” to see the status between staging area &amp; working directory.</a:t>
-            </a:r>
-          </a:p>
-          <a:p>
-            <a:endParaRPr lang="en-US" dirty="0" smtClean="0"/>
-          </a:p>
-          <a:p>
-            <a:r>
-              <a:rPr lang="en-US" dirty="0" smtClean="0"/>
-              <a:t>From the above example, (where a file ‘</a:t>
-            </a:r>
-            <a:r>
-              <a:rPr lang="en-US" dirty="0" err="1" smtClean="0"/>
-              <a:t>program.cs</a:t>
-            </a:r>
-            <a:r>
-              <a:rPr lang="en-US" dirty="0" smtClean="0"/>
-              <a:t>’ has been edited and changed) we get a message: “Changed but not updated”. It means that it’s changed in our working directory, but not staged (i.e. not in our staging area or ready for commit).  If we tried to commit right now, nothing would be committed because nothing is in our staging area. </a:t>
-            </a:r>
-          </a:p>
-          <a:p>
-            <a:r>
-              <a:rPr lang="en-US" sz="1100" dirty="0" smtClean="0">
-                <a:latin typeface="Courier New" pitchFamily="49" charset="0"/>
-                <a:cs typeface="Courier New" pitchFamily="49" charset="0"/>
-                <a:sym typeface="Wingdings 3"/>
-              </a:rPr>
-              <a:t>$ </a:t>
-            </a:r>
-            <a:r>
-              <a:rPr lang="en-US" sz="1100" dirty="0" err="1" smtClean="0">
-                <a:latin typeface="Courier New" pitchFamily="49" charset="0"/>
-                <a:cs typeface="Courier New" pitchFamily="49" charset="0"/>
-                <a:sym typeface="Wingdings 3"/>
-              </a:rPr>
-              <a:t>git</a:t>
-            </a:r>
-            <a:r>
-              <a:rPr lang="en-US" sz="1100" dirty="0" smtClean="0">
-                <a:latin typeface="Courier New" pitchFamily="49" charset="0"/>
-                <a:cs typeface="Courier New" pitchFamily="49" charset="0"/>
-                <a:sym typeface="Wingdings 3"/>
-              </a:rPr>
-              <a:t> status</a:t>
-            </a:r>
-          </a:p>
-          <a:p>
-            <a:r>
-              <a:rPr lang="en-US" dirty="0" smtClean="0"/>
-              <a:t>This gives the status of all the files in the folder i.e. whether they are in the modified, staging or repo area.</a:t>
-            </a:r>
-          </a:p>
-          <a:p>
-            <a:endParaRPr lang="en-US" dirty="0" smtClean="0"/>
-          </a:p>
-          <a:p>
-            <a:r>
-              <a:rPr lang="en-US" dirty="0" smtClean="0"/>
-              <a:t>In order to add files to staging area we execute:</a:t>
-            </a:r>
-          </a:p>
-          <a:p>
-            <a:r>
-              <a:rPr lang="en-US" sz="1100" dirty="0" smtClean="0">
-                <a:latin typeface="Courier New" pitchFamily="49" charset="0"/>
-                <a:cs typeface="Courier New" pitchFamily="49" charset="0"/>
-                <a:sym typeface="Wingdings 3"/>
-              </a:rPr>
-              <a:t>$ </a:t>
-            </a:r>
-            <a:r>
-              <a:rPr lang="en-US" sz="1100" dirty="0" err="1" smtClean="0">
-                <a:latin typeface="Courier New" pitchFamily="49" charset="0"/>
-                <a:cs typeface="Courier New" pitchFamily="49" charset="0"/>
-                <a:sym typeface="Wingdings 3"/>
-              </a:rPr>
-              <a:t>git</a:t>
-            </a:r>
-            <a:r>
-              <a:rPr lang="en-US" sz="1100" dirty="0" smtClean="0">
-                <a:latin typeface="Courier New" pitchFamily="49" charset="0"/>
-                <a:cs typeface="Courier New" pitchFamily="49" charset="0"/>
-                <a:sym typeface="Wingdings 3"/>
-              </a:rPr>
-              <a:t> add .</a:t>
-            </a:r>
-          </a:p>
-          <a:p>
-            <a:r>
-              <a:rPr lang="en-US" dirty="0" smtClean="0"/>
-              <a:t>And then execute ‘</a:t>
-            </a:r>
-            <a:r>
-              <a:rPr lang="en-US" dirty="0" err="1" smtClean="0"/>
-              <a:t>git</a:t>
-            </a:r>
-            <a:r>
-              <a:rPr lang="en-US" dirty="0" smtClean="0"/>
-              <a:t> status’ again to see the changes made.</a:t>
-            </a:r>
-          </a:p>
-          <a:p>
-            <a:endParaRPr lang="en-US" dirty="0" smtClean="0"/>
-          </a:p>
-          <a:p>
-            <a:r>
-              <a:rPr lang="en-US" dirty="0" smtClean="0"/>
-              <a:t>Now its time to commit files from staging area to repo by typing:</a:t>
-            </a:r>
-          </a:p>
-          <a:p>
-            <a:r>
-              <a:rPr lang="en-US" sz="1100" dirty="0" smtClean="0">
-                <a:latin typeface="Courier New" pitchFamily="49" charset="0"/>
-                <a:cs typeface="Courier New" pitchFamily="49" charset="0"/>
-                <a:sym typeface="Wingdings 3"/>
-              </a:rPr>
-              <a:t>$ </a:t>
-            </a:r>
-            <a:r>
-              <a:rPr lang="en-US" sz="1100" dirty="0" err="1" smtClean="0">
-                <a:latin typeface="Courier New" pitchFamily="49" charset="0"/>
-                <a:cs typeface="Courier New" pitchFamily="49" charset="0"/>
-                <a:sym typeface="Wingdings 3"/>
-              </a:rPr>
-              <a:t>git</a:t>
-            </a:r>
-            <a:r>
-              <a:rPr lang="en-US" sz="1100" dirty="0" smtClean="0">
-                <a:latin typeface="Courier New" pitchFamily="49" charset="0"/>
-                <a:cs typeface="Courier New" pitchFamily="49" charset="0"/>
-                <a:sym typeface="Wingdings 3"/>
-              </a:rPr>
-              <a:t> commit –m “Your Custom Message”</a:t>
-            </a:r>
-          </a:p>
-          <a:p>
-            <a:endParaRPr lang="en-US" sz="1100" dirty="0" smtClean="0">
-              <a:latin typeface="Courier New" pitchFamily="49" charset="0"/>
-              <a:cs typeface="Courier New" pitchFamily="49" charset="0"/>
-              <a:sym typeface="Wingdings 3"/>
-            </a:endParaRPr>
-          </a:p>
-          <a:p>
-            <a:endParaRPr lang="en-US" sz="1100" dirty="0" smtClean="0"/>
-          </a:p>
-          <a:p>
-            <a:pPr>
-              <a:buFont typeface="Arial" pitchFamily="34" charset="0"/>
-              <a:buChar char="•"/>
-            </a:pPr>
-            <a:r>
-              <a:rPr lang="en-US" sz="1100" b="1" dirty="0" smtClean="0">
-                <a:solidFill>
-                  <a:srgbClr val="486DA2"/>
-                </a:solidFill>
-                <a:latin typeface="Verdana" pitchFamily="34" charset="0"/>
-              </a:rPr>
-              <a:t>  GIT Remote</a:t>
-            </a:r>
-          </a:p>
-          <a:p>
-            <a:r>
-              <a:rPr lang="en-US" sz="1100" dirty="0" smtClean="0"/>
-              <a:t>We need to add the remote repository to be watched by your local GIT repository.</a:t>
-            </a:r>
-          </a:p>
-          <a:p>
-            <a:r>
-              <a:rPr lang="en-US" sz="1100" dirty="0" smtClean="0"/>
-              <a:t>First </a:t>
-            </a:r>
-            <a:r>
-              <a:rPr lang="en-US" sz="1100" dirty="0" err="1" smtClean="0"/>
-              <a:t>goto</a:t>
-            </a:r>
-            <a:r>
-              <a:rPr lang="en-US" sz="1100" dirty="0" smtClean="0"/>
-              <a:t> your local repo folder.</a:t>
-            </a:r>
-          </a:p>
-          <a:p>
-            <a:r>
-              <a:rPr lang="en-US" sz="1100" dirty="0" smtClean="0"/>
-              <a:t>Then type the following:</a:t>
-            </a:r>
-          </a:p>
-          <a:p>
-            <a:r>
-              <a:rPr lang="en-US" sz="1050" dirty="0" smtClean="0">
-                <a:latin typeface="Courier New" pitchFamily="49" charset="0"/>
-                <a:cs typeface="Courier New" pitchFamily="49" charset="0"/>
-                <a:sym typeface="Wingdings 3"/>
-              </a:rPr>
-              <a:t>$ </a:t>
-            </a:r>
-            <a:r>
-              <a:rPr lang="en-US" sz="1050" dirty="0" err="1" smtClean="0">
-                <a:latin typeface="Courier New" pitchFamily="49" charset="0"/>
-                <a:cs typeface="Courier New" pitchFamily="49" charset="0"/>
-                <a:sym typeface="Wingdings 3"/>
-              </a:rPr>
-              <a:t>git</a:t>
-            </a:r>
-            <a:r>
-              <a:rPr lang="en-US" sz="1050" dirty="0" smtClean="0">
-                <a:latin typeface="Courier New" pitchFamily="49" charset="0"/>
-                <a:cs typeface="Courier New" pitchFamily="49" charset="0"/>
-                <a:sym typeface="Wingdings 3"/>
-              </a:rPr>
-              <a:t> remote add </a:t>
-            </a:r>
-            <a:r>
-              <a:rPr lang="en-US" sz="1050" dirty="0" err="1" smtClean="0">
-                <a:latin typeface="Courier New" pitchFamily="49" charset="0"/>
-                <a:cs typeface="Courier New" pitchFamily="49" charset="0"/>
-                <a:sym typeface="Wingdings 3"/>
-              </a:rPr>
-              <a:t>remote_repo_name</a:t>
-            </a:r>
-            <a:r>
-              <a:rPr lang="en-US" sz="1050" dirty="0" smtClean="0">
-                <a:latin typeface="Courier New" pitchFamily="49" charset="0"/>
-                <a:cs typeface="Courier New" pitchFamily="49" charset="0"/>
-                <a:sym typeface="Wingdings 3"/>
-              </a:rPr>
-              <a:t> </a:t>
-            </a:r>
-            <a:r>
-              <a:rPr lang="en-US" sz="1050" dirty="0" err="1" smtClean="0">
-                <a:latin typeface="Courier New" pitchFamily="49" charset="0"/>
-                <a:cs typeface="Courier New" pitchFamily="49" charset="0"/>
-                <a:sym typeface="Wingdings 3"/>
-                <a:hlinkClick r:id="rId2" action="ppaction://hlinksldjump"/>
-              </a:rPr>
-              <a:t>your_clone_URL</a:t>
-            </a:r>
-            <a:endParaRPr lang="en-US" sz="1050" dirty="0" smtClean="0">
-              <a:latin typeface="Courier New" pitchFamily="49" charset="0"/>
-              <a:cs typeface="Courier New" pitchFamily="49" charset="0"/>
-              <a:sym typeface="Wingdings 3"/>
-            </a:endParaRPr>
-          </a:p>
-          <a:p>
-            <a:endParaRPr lang="en-US" sz="1100" dirty="0" smtClean="0"/>
-          </a:p>
-          <a:p>
-            <a:r>
-              <a:rPr lang="en-US" sz="1050" b="1" i="1" dirty="0" smtClean="0"/>
-              <a:t>Quick Tip: </a:t>
-            </a:r>
-            <a:r>
-              <a:rPr lang="en-US" sz="1050" i="1" dirty="0" smtClean="0"/>
-              <a:t>You can clear your </a:t>
-            </a:r>
-            <a:r>
-              <a:rPr lang="en-US" sz="1050" i="1" dirty="0" err="1" smtClean="0"/>
-              <a:t>Git</a:t>
-            </a:r>
-            <a:r>
-              <a:rPr lang="en-US" sz="1050" i="1" dirty="0" smtClean="0"/>
-              <a:t> Bash screen by pressing </a:t>
-            </a:r>
-            <a:r>
-              <a:rPr lang="en-US" sz="1050" i="1" dirty="0" err="1" smtClean="0"/>
-              <a:t>Ctrl+L</a:t>
-            </a:r>
-            <a:r>
-              <a:rPr lang="en-US" sz="1050" i="1" dirty="0" smtClean="0"/>
-              <a:t> on the keyboard.  This works in most bash terminals.</a:t>
-            </a:r>
-          </a:p>
-          <a:p>
-            <a:endParaRPr lang="en-US" sz="1100" dirty="0" smtClean="0">
-              <a:latin typeface="Courier New" pitchFamily="49" charset="0"/>
-              <a:cs typeface="Courier New" pitchFamily="49" charset="0"/>
-              <a:sym typeface="Wingdings 3"/>
-            </a:endParaRPr>
-          </a:p>
-          <a:p>
-            <a:r>
-              <a:rPr lang="en-US" dirty="0" smtClean="0"/>
-              <a:t>Now you have told your local repository to watch your newly created github.com remote public repository.</a:t>
-            </a:r>
-          </a:p>
-          <a:p>
-            <a:endParaRPr lang="en-US" dirty="0" smtClean="0"/>
-          </a:p>
-          <a:p>
-            <a:r>
-              <a:rPr lang="en-US" dirty="0" smtClean="0"/>
-              <a:t>Now we need to push this code up to the </a:t>
-            </a:r>
-            <a:r>
-              <a:rPr lang="en-US" dirty="0" smtClean="0">
-                <a:hlinkClick r:id="rId3"/>
-              </a:rPr>
-              <a:t>Github.com</a:t>
-            </a:r>
-            <a:r>
-              <a:rPr lang="en-US" dirty="0" smtClean="0"/>
-              <a:t> repository. (Look at the last step of the “Existing </a:t>
+              <a:t>Use the “</a:t>
             </a:r>
             <a:r>
               <a:rPr lang="en-US" dirty="0" err="1" smtClean="0"/>
@@ -1897,132 +1589,22 @@
             </a:r>
             <a:r>
               <a:rPr lang="en-US" dirty="0" smtClean="0"/>
-              <a:t> Repo?” information from </a:t>
-            </a:r>
-            <a:r>
-              <a:rPr lang="en-US" dirty="0" smtClean="0">
-                <a:hlinkClick r:id="rId3"/>
-              </a:rPr>
-              <a:t>Github.com</a:t>
+              <a:t> Bash only” option if you only want </a:t>
+            </a:r>
+            <a:r>
+              <a:rPr lang="en-US" dirty="0" err="1" smtClean="0"/>
+              <a:t>msysgit</a:t>
             </a:r>
             <a:r>
               <a:rPr lang="en-US" dirty="0" smtClean="0"/>
-              <a:t>)</a:t>
-            </a:r>
-          </a:p>
-          <a:p>
-            <a:r>
-              <a:rPr lang="en-US" dirty="0" smtClean="0"/>
-              <a:t>Type the following:</a:t>
-            </a:r>
-          </a:p>
-          <a:p>
-            <a:r>
-              <a:rPr lang="en-US" sz="1100" dirty="0" smtClean="0">
-                <a:latin typeface="Courier New" pitchFamily="49" charset="0"/>
-                <a:cs typeface="Courier New" pitchFamily="49" charset="0"/>
-                <a:sym typeface="Wingdings 3"/>
-              </a:rPr>
-              <a:t>$ </a:t>
-            </a:r>
-            <a:r>
-              <a:rPr lang="en-US" sz="1100" dirty="0" err="1" smtClean="0">
-                <a:latin typeface="Courier New" pitchFamily="49" charset="0"/>
-                <a:cs typeface="Courier New" pitchFamily="49" charset="0"/>
-                <a:sym typeface="Wingdings 3"/>
-              </a:rPr>
-              <a:t>git</a:t>
-            </a:r>
-            <a:r>
-              <a:rPr lang="en-US" sz="1100" dirty="0" smtClean="0">
-                <a:latin typeface="Courier New" pitchFamily="49" charset="0"/>
-                <a:cs typeface="Courier New" pitchFamily="49" charset="0"/>
-                <a:sym typeface="Wingdings 3"/>
-              </a:rPr>
-              <a:t> push </a:t>
-            </a:r>
-            <a:r>
-              <a:rPr lang="en-US" sz="1100" dirty="0" err="1" smtClean="0">
-                <a:latin typeface="Courier New" pitchFamily="49" charset="0"/>
-                <a:cs typeface="Courier New" pitchFamily="49" charset="0"/>
-                <a:sym typeface="Wingdings 3"/>
-              </a:rPr>
-              <a:t>remote_repo_name</a:t>
-            </a:r>
-            <a:r>
-              <a:rPr lang="en-US" sz="1100" dirty="0" smtClean="0">
-                <a:latin typeface="Courier New" pitchFamily="49" charset="0"/>
-                <a:cs typeface="Courier New" pitchFamily="49" charset="0"/>
-                <a:sym typeface="Wingdings 3"/>
-              </a:rPr>
-              <a:t> master</a:t>
-            </a:r>
-            <a:endParaRPr lang="en-US" dirty="0" smtClean="0"/>
-          </a:p>
-          <a:p>
-            <a:endParaRPr lang="en-US" dirty="0" smtClean="0"/>
-          </a:p>
-          <a:p>
-            <a:r>
-              <a:rPr lang="en-US" dirty="0" smtClean="0"/>
-              <a:t>During the push, you will most likely get prompted for host authenticity.  Make sure you type ‘yes’, not just ‘y’.  This will add </a:t>
-            </a:r>
-            <a:r>
-              <a:rPr lang="en-US" dirty="0" err="1" smtClean="0"/>
-              <a:t>github.com’s</a:t>
-            </a:r>
-            <a:r>
-              <a:rPr lang="en-US" dirty="0" smtClean="0"/>
-              <a:t> public RSA key to your ~/.</a:t>
-            </a:r>
-            <a:r>
-              <a:rPr lang="en-US" dirty="0" err="1" smtClean="0"/>
-              <a:t>ssh</a:t>
-            </a:r>
-            <a:r>
-              <a:rPr lang="en-US" dirty="0" smtClean="0"/>
-              <a:t>/</a:t>
-            </a:r>
-            <a:r>
-              <a:rPr lang="en-US" dirty="0" err="1" smtClean="0"/>
-              <a:t>known_hosts</a:t>
-            </a:r>
-            <a:r>
-              <a:rPr lang="en-US" dirty="0" smtClean="0"/>
-              <a:t> file so that you won’t get prompted for this again on any future push.  This let’s your system and github.com to trust each other.  After you say ‘yes’ the files are pushed up to the remote repository.</a:t>
-            </a:r>
-          </a:p>
-          <a:p>
-            <a:endParaRPr lang="en-US" dirty="0" smtClean="0"/>
-          </a:p>
-          <a:p>
-            <a:r>
-              <a:rPr lang="en-US" sz="1100" b="1" i="1" dirty="0" smtClean="0"/>
-              <a:t>Side Note:</a:t>
-            </a:r>
-            <a:r>
-              <a:rPr lang="en-US" sz="1100" i="1" dirty="0" smtClean="0"/>
-              <a:t>  Your clone URL doesn’t look like a HTTP URL or a </a:t>
-            </a:r>
-            <a:r>
-              <a:rPr lang="en-US" sz="1100" i="1" dirty="0" err="1" smtClean="0"/>
-              <a:t>ssh</a:t>
-            </a:r>
-            <a:r>
-              <a:rPr lang="en-US" sz="1100" i="1" dirty="0" smtClean="0"/>
-              <a:t>:// protocol.  But it is still SSH.  The </a:t>
-            </a:r>
-            <a:r>
-              <a:rPr lang="en-US" sz="1100" i="1" dirty="0" err="1" smtClean="0"/>
-              <a:t>git</a:t>
-            </a:r>
-            <a:r>
-              <a:rPr lang="en-US" sz="1100" i="1" dirty="0" smtClean="0"/>
-              <a:t> protocol, usually using port 9418, is used for clone, fetch, or pull.</a:t>
-            </a:r>
-          </a:p>
-          <a:p>
-            <a:endParaRPr lang="en-US" dirty="0" smtClean="0"/>
+              <a:t> component.  The other two options are tightly coupled to the operating system’s current setup.</a:t>
+            </a:r>
+            <a:endParaRPr lang="en-US" sz="1400" b="1" dirty="0" smtClean="0">
+              <a:solidFill>
+                <a:srgbClr val="486DA2"/>
+              </a:solidFill>
+              <a:latin typeface="Verdana" pitchFamily="34" charset="0"/>
+            </a:endParaRPr>
           </a:p>
           <a:p>
             <a:endParaRPr lang="en-US" dirty="0"/>
@@ -2047,7 +1629,7 @@
             <a:fld id="{06F8F5D6-CB0D-4EDE-B95E-664AB82371FD}" type="slidenum">
               <a:rPr lang="en-US" smtClean="0"/>
               <a:pPr/>
-              <a:t>20</a:t>
+              <a:t>17</a:t>
             </a:fld>
             <a:endParaRPr lang="en-US"/>
           </a:p>
@@ -2103,393 +1685,37 @@
         <p:spPr/>
         <p:txBody>
           <a:bodyPr>
-            <a:normAutofit fontScale="85000" lnSpcReduction="20000"/>
+            <a:normAutofit/>
           </a:bodyPr>
           <a:lstStyle/>
           <a:p>
-            <a:pPr>
-              <a:buFont typeface="Arial" pitchFamily="34" charset="0"/>
-              <a:buChar char="•"/>
+            <a:pPr marL="0" marR="0" indent="0" algn="l" defTabSz="914400" rtl="0" eaLnBrk="1" fontAlgn="auto" latinLnBrk="0" hangingPunct="1">
+              <a:lnSpc>
+                <a:spcPct val="100000"/>
+              </a:lnSpc>
+              <a:spcBef>
+                <a:spcPts val="0"/>
+              </a:spcBef>
+              <a:spcAft>
+                <a:spcPts val="0"/>
+              </a:spcAft>
+              <a:buClrTx/>
+              <a:buSzTx/>
+              <a:buFontTx/>
+              <a:buNone/>
+              <a:tabLst/>
+              <a:defRPr/>
             </a:pPr>
             <a:r>
-              <a:rPr lang="en-US" b="1" dirty="0" smtClean="0">
-                <a:solidFill>
-                  <a:srgbClr val="486DA2"/>
-                </a:solidFill>
-                <a:latin typeface="Verdana" pitchFamily="34" charset="0"/>
-              </a:rPr>
-              <a:t> GIT Add</a:t>
-            </a:r>
-          </a:p>
-          <a:p>
-            <a:r>
               <a:rPr lang="en-US" dirty="0" smtClean="0"/>
-              <a:t>Example of adding ‘</a:t>
-            </a:r>
-            <a:r>
-              <a:rPr lang="en-US" dirty="0" err="1" smtClean="0"/>
-              <a:t>Program.cs</a:t>
-            </a:r>
-            <a:r>
-              <a:rPr lang="en-US" dirty="0" smtClean="0"/>
-              <a:t>’ to our staging area with the “</a:t>
-            </a:r>
-            <a:r>
-              <a:rPr lang="en-US" b="1" dirty="0" err="1" smtClean="0"/>
-              <a:t>git</a:t>
-            </a:r>
-            <a:r>
-              <a:rPr lang="en-US" b="1" dirty="0" smtClean="0"/>
-              <a:t> add </a:t>
-            </a:r>
-            <a:r>
-              <a:rPr lang="en-US" b="1" dirty="0" err="1" smtClean="0"/>
-              <a:t>Program.cs</a:t>
-            </a:r>
-            <a:r>
-              <a:rPr lang="en-US" dirty="0" smtClean="0"/>
-              <a:t>” command:</a:t>
-            </a:r>
-          </a:p>
-          <a:p>
-            <a:endParaRPr lang="en-US" dirty="0" smtClean="0"/>
-          </a:p>
-          <a:p>
-            <a:pPr>
-              <a:buFont typeface="Arial" pitchFamily="34" charset="0"/>
-              <a:buChar char="•"/>
-            </a:pPr>
-            <a:r>
-              <a:rPr lang="en-US" b="1" dirty="0" smtClean="0">
-                <a:solidFill>
-                  <a:srgbClr val="486DA2"/>
-                </a:solidFill>
-                <a:latin typeface="Verdana" pitchFamily="34" charset="0"/>
-              </a:rPr>
-              <a:t> GIT Reset</a:t>
-            </a:r>
-          </a:p>
-          <a:p>
-            <a:r>
-              <a:rPr lang="en-US" dirty="0" smtClean="0"/>
-              <a:t>We can roll back one commit clearing our staging area and working directory with the following command:</a:t>
-            </a:r>
-          </a:p>
-          <a:p>
-            <a:r>
-              <a:rPr lang="en-US" sz="1100" dirty="0" smtClean="0">
-                <a:latin typeface="Courier New" pitchFamily="49" charset="0"/>
-                <a:cs typeface="Courier New" pitchFamily="49" charset="0"/>
-                <a:sym typeface="Wingdings 3"/>
-              </a:rPr>
-              <a:t>$ </a:t>
-            </a:r>
-            <a:r>
-              <a:rPr lang="en-US" sz="1100" dirty="0" err="1" smtClean="0">
-                <a:latin typeface="Courier New" pitchFamily="49" charset="0"/>
-                <a:cs typeface="Courier New" pitchFamily="49" charset="0"/>
-                <a:sym typeface="Wingdings 3"/>
-              </a:rPr>
-              <a:t>git</a:t>
-            </a:r>
-            <a:r>
-              <a:rPr lang="en-US" sz="1100" dirty="0" smtClean="0">
-                <a:latin typeface="Courier New" pitchFamily="49" charset="0"/>
-                <a:cs typeface="Courier New" pitchFamily="49" charset="0"/>
-                <a:sym typeface="Wingdings 3"/>
-              </a:rPr>
-              <a:t> reset –hard HEAD^</a:t>
-            </a:r>
-          </a:p>
-          <a:p>
-            <a:endParaRPr lang="en-US" dirty="0" smtClean="0"/>
-          </a:p>
-          <a:p>
-            <a:r>
-              <a:rPr lang="en-US" dirty="0" smtClean="0"/>
-              <a:t>The “HEAD^” portion of the command means that we want to reset the commits to one prior (^) to the HEAD (aka, the latest commit).</a:t>
-            </a:r>
-          </a:p>
-          <a:p>
-            <a:r>
-              <a:rPr lang="en-US" dirty="0" smtClean="0"/>
-              <a:t>This branch has been rolled back to the previous commit.  The new commit we just did was destroyed from history.</a:t>
-            </a:r>
-          </a:p>
-          <a:p>
-            <a:endParaRPr lang="en-US" dirty="0" smtClean="0"/>
-          </a:p>
-          <a:p>
-            <a:r>
-              <a:rPr lang="en-US" sz="1100" b="1" i="1" dirty="0" smtClean="0"/>
-              <a:t>SIDE NOTE: </a:t>
-            </a:r>
-            <a:r>
-              <a:rPr lang="en-US" sz="1100" i="1" dirty="0" smtClean="0"/>
-              <a:t>If you just want to clear your working directory and staging area, but not the latest commit, just issue a “</a:t>
-            </a:r>
-            <a:r>
-              <a:rPr lang="en-US" sz="1100" i="1" dirty="0" err="1" smtClean="0"/>
-              <a:t>git</a:t>
-            </a:r>
-            <a:r>
-              <a:rPr lang="en-US" sz="1100" i="1" dirty="0" smtClean="0"/>
-              <a:t> reset –-hard” command without the “HEAD^”</a:t>
-            </a:r>
-          </a:p>
-          <a:p>
-            <a:endParaRPr lang="en-US" sz="1100" i="1" dirty="0" smtClean="0"/>
-          </a:p>
-          <a:p>
-            <a:pPr>
-              <a:buFont typeface="Arial" pitchFamily="34" charset="0"/>
-              <a:buChar char="•"/>
-            </a:pPr>
-            <a:r>
-              <a:rPr lang="en-US" sz="1100" b="1" dirty="0" smtClean="0">
-                <a:solidFill>
-                  <a:srgbClr val="486DA2"/>
-                </a:solidFill>
-                <a:latin typeface="Verdana" pitchFamily="34" charset="0"/>
-              </a:rPr>
-              <a:t> GIT Remote</a:t>
-            </a:r>
-          </a:p>
-          <a:p>
-            <a:r>
-              <a:rPr lang="en-US" sz="1100" dirty="0" smtClean="0"/>
-              <a:t>We can look at the remote repository that we’re watching by issuing the following command:</a:t>
-            </a:r>
-          </a:p>
-          <a:p>
-            <a:r>
-              <a:rPr lang="en-US" sz="1050" dirty="0" smtClean="0">
-                <a:latin typeface="Courier New" pitchFamily="49" charset="0"/>
-                <a:cs typeface="Courier New" pitchFamily="49" charset="0"/>
-                <a:sym typeface="Wingdings 3"/>
-              </a:rPr>
-              <a:t>$ </a:t>
-            </a:r>
-            <a:r>
-              <a:rPr lang="en-US" sz="1050" dirty="0" err="1" smtClean="0">
-                <a:latin typeface="Courier New" pitchFamily="49" charset="0"/>
-                <a:cs typeface="Courier New" pitchFamily="49" charset="0"/>
-                <a:sym typeface="Wingdings 3"/>
-              </a:rPr>
-              <a:t>git</a:t>
-            </a:r>
-            <a:r>
-              <a:rPr lang="en-US" sz="1050" dirty="0" smtClean="0">
-                <a:latin typeface="Courier New" pitchFamily="49" charset="0"/>
-                <a:cs typeface="Courier New" pitchFamily="49" charset="0"/>
-                <a:sym typeface="Wingdings 3"/>
-              </a:rPr>
-              <a:t> remote -v</a:t>
-            </a:r>
-          </a:p>
-          <a:p>
-            <a:endParaRPr lang="en-US" sz="1100" dirty="0" smtClean="0"/>
-          </a:p>
-          <a:p>
-            <a:pPr>
-              <a:buFont typeface="Arial" pitchFamily="34" charset="0"/>
-              <a:buChar char="•"/>
-            </a:pPr>
-            <a:r>
-              <a:rPr lang="en-US" sz="1100" b="1" dirty="0" smtClean="0">
-                <a:solidFill>
-                  <a:srgbClr val="486DA2"/>
-                </a:solidFill>
-                <a:latin typeface="Verdana" pitchFamily="34" charset="0"/>
-              </a:rPr>
-              <a:t>  GIT Log</a:t>
-            </a:r>
-          </a:p>
-          <a:p>
-            <a:r>
-              <a:rPr lang="en-US" sz="1100" dirty="0" smtClean="0"/>
-              <a:t>We can see all the commits we’ve made to the repository by issuing the following command:</a:t>
-            </a:r>
-          </a:p>
-          <a:p>
-            <a:r>
-              <a:rPr lang="en-US" sz="1050" dirty="0" smtClean="0">
-                <a:latin typeface="Courier New" pitchFamily="49" charset="0"/>
-                <a:cs typeface="Courier New" pitchFamily="49" charset="0"/>
-                <a:sym typeface="Wingdings 3"/>
-              </a:rPr>
-              <a:t>$ </a:t>
-            </a:r>
-            <a:r>
-              <a:rPr lang="en-US" sz="1050" dirty="0" err="1" smtClean="0">
-                <a:latin typeface="Courier New" pitchFamily="49" charset="0"/>
-                <a:cs typeface="Courier New" pitchFamily="49" charset="0"/>
-                <a:sym typeface="Wingdings 3"/>
-              </a:rPr>
-              <a:t>git</a:t>
-            </a:r>
-            <a:r>
-              <a:rPr lang="en-US" sz="1050" dirty="0" smtClean="0">
-                <a:latin typeface="Courier New" pitchFamily="49" charset="0"/>
-                <a:cs typeface="Courier New" pitchFamily="49" charset="0"/>
-                <a:sym typeface="Wingdings 3"/>
-              </a:rPr>
-              <a:t> log</a:t>
-            </a:r>
-          </a:p>
-          <a:p>
-            <a:endParaRPr lang="en-US" sz="1100" dirty="0" smtClean="0"/>
-          </a:p>
-          <a:p>
-            <a:pPr>
-              <a:buFont typeface="Arial" pitchFamily="34" charset="0"/>
-              <a:buChar char="•"/>
-            </a:pPr>
-            <a:r>
-              <a:rPr lang="en-US" sz="1100" b="1" dirty="0" smtClean="0">
-                <a:solidFill>
-                  <a:srgbClr val="486DA2"/>
-                </a:solidFill>
-                <a:latin typeface="Verdana" pitchFamily="34" charset="0"/>
-              </a:rPr>
-              <a:t>  GIT Clone</a:t>
-            </a:r>
-          </a:p>
-          <a:p>
-            <a:r>
-              <a:rPr lang="en-US" sz="1100" dirty="0" smtClean="0"/>
-              <a:t>If you want to get a copy of an existing </a:t>
-            </a:r>
-            <a:r>
-              <a:rPr lang="en-US" sz="1100" dirty="0" err="1" smtClean="0"/>
-              <a:t>Git</a:t>
-            </a:r>
-            <a:r>
-              <a:rPr lang="en-US" sz="1100" dirty="0" smtClean="0"/>
-              <a:t> repository — for example, a project you’d like to contribute to — the command you need is </a:t>
-            </a:r>
-            <a:r>
-              <a:rPr lang="en-US" sz="1100" dirty="0" err="1" smtClean="0"/>
-              <a:t>git</a:t>
-            </a:r>
-            <a:r>
-              <a:rPr lang="en-US" sz="1100" dirty="0" smtClean="0"/>
-              <a:t> clone.</a:t>
-            </a:r>
-          </a:p>
-          <a:p>
-            <a:r>
-              <a:rPr lang="en-US" sz="1050" dirty="0" smtClean="0">
-                <a:latin typeface="Courier New" pitchFamily="49" charset="0"/>
-                <a:cs typeface="Courier New" pitchFamily="49" charset="0"/>
-                <a:sym typeface="Wingdings 3"/>
-              </a:rPr>
-              <a:t>$ </a:t>
-            </a:r>
-            <a:r>
-              <a:rPr lang="en-US" sz="1050" dirty="0" err="1" smtClean="0">
-                <a:latin typeface="Courier New" pitchFamily="49" charset="0"/>
-                <a:cs typeface="Courier New" pitchFamily="49" charset="0"/>
-                <a:sym typeface="Wingdings 3"/>
-              </a:rPr>
-              <a:t>git</a:t>
-            </a:r>
-            <a:r>
-              <a:rPr lang="en-US" sz="1050" dirty="0" smtClean="0">
-                <a:latin typeface="Courier New" pitchFamily="49" charset="0"/>
-                <a:cs typeface="Courier New" pitchFamily="49" charset="0"/>
-                <a:sym typeface="Wingdings 3"/>
-              </a:rPr>
-              <a:t> clone </a:t>
-            </a:r>
-            <a:r>
-              <a:rPr lang="en-US" sz="1050" dirty="0" err="1" smtClean="0">
-                <a:latin typeface="Courier New" pitchFamily="49" charset="0"/>
-                <a:cs typeface="Courier New" pitchFamily="49" charset="0"/>
-                <a:sym typeface="Wingdings 3"/>
-              </a:rPr>
-              <a:t>your_clone_URL</a:t>
-            </a:r>
-            <a:r>
-              <a:rPr lang="en-US" sz="1050" dirty="0" smtClean="0">
-                <a:latin typeface="Courier New" pitchFamily="49" charset="0"/>
-                <a:cs typeface="Courier New" pitchFamily="49" charset="0"/>
-                <a:sym typeface="Wingdings 3"/>
-              </a:rPr>
-              <a:t> </a:t>
-            </a:r>
-            <a:r>
-              <a:rPr lang="en-US" sz="1050" dirty="0" err="1" smtClean="0">
-                <a:latin typeface="Courier New" pitchFamily="49" charset="0"/>
-                <a:cs typeface="Courier New" pitchFamily="49" charset="0"/>
-                <a:sym typeface="Wingdings 3"/>
-              </a:rPr>
-              <a:t>local_foldername</a:t>
-            </a:r>
-            <a:endParaRPr lang="en-US" sz="1050" dirty="0" smtClean="0">
-              <a:latin typeface="Courier New" pitchFamily="49" charset="0"/>
-              <a:cs typeface="Courier New" pitchFamily="49" charset="0"/>
-              <a:sym typeface="Wingdings 3"/>
+              <a:t>Typical Windows developers won’t interact with other operating systems so choosing the 3rd option, in regards to non-handling of line-endings is usually best.</a:t>
+            </a:r>
+            <a:endParaRPr lang="en-US" sz="1400" b="1" dirty="0" smtClean="0">
+              <a:solidFill>
+                <a:srgbClr val="486DA2"/>
+              </a:solidFill>
+              <a:latin typeface="Verdana" pitchFamily="34" charset="0"/>
             </a:endParaRPr>
-          </a:p>
-          <a:p>
-            <a:endParaRPr lang="en-US" sz="1100" dirty="0" smtClean="0"/>
-          </a:p>
-          <a:p>
-            <a:pPr>
-              <a:buFont typeface="Arial" pitchFamily="34" charset="0"/>
-              <a:buChar char="•"/>
-            </a:pPr>
-            <a:r>
-              <a:rPr lang="en-US" sz="1100" b="1" dirty="0" smtClean="0">
-                <a:solidFill>
-                  <a:srgbClr val="486DA2"/>
-                </a:solidFill>
-                <a:latin typeface="Verdana" pitchFamily="34" charset="0"/>
-              </a:rPr>
-              <a:t>  GIT Diff</a:t>
-            </a:r>
-          </a:p>
-          <a:p>
-            <a:r>
-              <a:rPr lang="en-US" sz="1100" dirty="0" smtClean="0"/>
-              <a:t>We can see all the </a:t>
-            </a:r>
-            <a:r>
-              <a:rPr lang="en-US" sz="1100" dirty="0" err="1" smtClean="0"/>
-              <a:t>unstaged</a:t>
-            </a:r>
-            <a:r>
-              <a:rPr lang="en-US" sz="1100" dirty="0" smtClean="0"/>
-              <a:t> files with the following command:</a:t>
-            </a:r>
-          </a:p>
-          <a:p>
-            <a:r>
-              <a:rPr lang="en-US" sz="1050" dirty="0" smtClean="0">
-                <a:latin typeface="Courier New" pitchFamily="49" charset="0"/>
-                <a:cs typeface="Courier New" pitchFamily="49" charset="0"/>
-                <a:sym typeface="Wingdings 3"/>
-              </a:rPr>
-              <a:t>$ </a:t>
-            </a:r>
-            <a:r>
-              <a:rPr lang="en-US" sz="1050" dirty="0" err="1" smtClean="0">
-                <a:latin typeface="Courier New" pitchFamily="49" charset="0"/>
-                <a:cs typeface="Courier New" pitchFamily="49" charset="0"/>
-                <a:sym typeface="Wingdings 3"/>
-              </a:rPr>
-              <a:t>git</a:t>
-            </a:r>
-            <a:r>
-              <a:rPr lang="en-US" sz="1050" dirty="0" smtClean="0">
-                <a:latin typeface="Courier New" pitchFamily="49" charset="0"/>
-                <a:cs typeface="Courier New" pitchFamily="49" charset="0"/>
-                <a:sym typeface="Wingdings 3"/>
-              </a:rPr>
-              <a:t> diff</a:t>
-            </a:r>
-            <a:endParaRPr lang="en-US" sz="1100" i="1" dirty="0" smtClean="0"/>
           </a:p>
           <a:p>
             <a:endParaRPr lang="en-US" dirty="0"/>
@@ -2514,7 +1740,7 @@
             <a:fld id="{06F8F5D6-CB0D-4EDE-B95E-664AB82371FD}" type="slidenum">
               <a:rPr lang="en-US" smtClean="0"/>
               <a:pPr/>
-              <a:t>21</a:t>
+              <a:t>18</a:t>
             </a:fld>
             <a:endParaRPr lang="en-US"/>
           </a:p>
@@ -2574,226 +1800,6 @@
           </a:bodyPr>
           <a:lstStyle/>
           <a:p>
-            <a:r>
-              <a:rPr lang="en-US" dirty="0" smtClean="0"/>
-              <a:t>Now let’s imagine that we have a task that states “Prompt user for their name and say hello back to them, including their name”.  Let’s create a new branch locally so that we have a separate place to do our active development for this task.</a:t>
-            </a:r>
-          </a:p>
-          <a:p>
-            <a:r>
-              <a:rPr lang="en-US" dirty="0" smtClean="0"/>
-              <a:t>Issue the command:  </a:t>
-            </a:r>
-            <a:r>
-              <a:rPr lang="en-US" sz="1100" dirty="0" smtClean="0">
-                <a:latin typeface="Courier New" pitchFamily="49" charset="0"/>
-                <a:cs typeface="Courier New" pitchFamily="49" charset="0"/>
-                <a:sym typeface="Wingdings 3"/>
-              </a:rPr>
-              <a:t>$ </a:t>
-            </a:r>
-            <a:r>
-              <a:rPr lang="en-US" sz="1100" dirty="0" err="1" smtClean="0">
-                <a:latin typeface="Courier New" pitchFamily="49" charset="0"/>
-                <a:cs typeface="Courier New" pitchFamily="49" charset="0"/>
-                <a:sym typeface="Wingdings 3"/>
-              </a:rPr>
-              <a:t>git</a:t>
-            </a:r>
-            <a:r>
-              <a:rPr lang="en-US" sz="1100" dirty="0" smtClean="0">
-                <a:latin typeface="Courier New" pitchFamily="49" charset="0"/>
-                <a:cs typeface="Courier New" pitchFamily="49" charset="0"/>
-                <a:sym typeface="Wingdings 3"/>
-              </a:rPr>
-              <a:t> checkout -b </a:t>
-            </a:r>
-            <a:r>
-              <a:rPr lang="en-US" sz="1100" dirty="0" err="1" smtClean="0">
-                <a:latin typeface="Courier New" pitchFamily="49" charset="0"/>
-                <a:cs typeface="Courier New" pitchFamily="49" charset="0"/>
-                <a:sym typeface="Wingdings 3"/>
-              </a:rPr>
-              <a:t>user_prompt</a:t>
-            </a:r>
-            <a:endParaRPr lang="en-US" sz="1100" dirty="0" smtClean="0">
-              <a:latin typeface="Courier New" pitchFamily="49" charset="0"/>
-              <a:cs typeface="Courier New" pitchFamily="49" charset="0"/>
-              <a:sym typeface="Wingdings 3"/>
-            </a:endParaRPr>
-          </a:p>
-          <a:p>
-            <a:endParaRPr lang="en-US" dirty="0" smtClean="0"/>
-          </a:p>
-          <a:p>
-            <a:r>
-              <a:rPr lang="en-US" dirty="0" smtClean="0"/>
-              <a:t>A couple things to notice:</a:t>
-            </a:r>
-          </a:p>
-          <a:p>
-            <a:pPr marL="228600" indent="-228600">
-              <a:buAutoNum type="arabicPeriod"/>
-            </a:pPr>
-            <a:r>
-              <a:rPr lang="en-US" dirty="0" smtClean="0"/>
-              <a:t>It says “Switched to a new branch ‘</a:t>
-            </a:r>
-            <a:r>
-              <a:rPr lang="en-US" dirty="0" err="1" smtClean="0"/>
-              <a:t>user_prompt</a:t>
-            </a:r>
-            <a:r>
-              <a:rPr lang="en-US" dirty="0" smtClean="0"/>
-              <a:t>’”.  The “</a:t>
-            </a:r>
-            <a:r>
-              <a:rPr lang="en-US" dirty="0" err="1" smtClean="0"/>
-              <a:t>git</a:t>
-            </a:r>
-            <a:r>
-              <a:rPr lang="en-US" dirty="0" smtClean="0"/>
-              <a:t> checkout –b” command creates a new branch by the name following the command and then checks it out automatically.  This is the shorthand version of doing “</a:t>
-            </a:r>
-            <a:r>
-              <a:rPr lang="en-US" dirty="0" err="1" smtClean="0"/>
-              <a:t>git</a:t>
-            </a:r>
-            <a:r>
-              <a:rPr lang="en-US" dirty="0" smtClean="0"/>
-              <a:t> branch </a:t>
-            </a:r>
-            <a:r>
-              <a:rPr lang="en-US" dirty="0" err="1" smtClean="0"/>
-              <a:t>user_prompt</a:t>
-            </a:r>
-            <a:r>
-              <a:rPr lang="en-US" dirty="0" smtClean="0"/>
-              <a:t>” and then “</a:t>
-            </a:r>
-            <a:r>
-              <a:rPr lang="en-US" dirty="0" err="1" smtClean="0"/>
-              <a:t>git</a:t>
-            </a:r>
-            <a:r>
-              <a:rPr lang="en-US" dirty="0" smtClean="0"/>
-              <a:t> checkout </a:t>
-            </a:r>
-            <a:r>
-              <a:rPr lang="en-US" dirty="0" err="1" smtClean="0"/>
-              <a:t>user_prompt</a:t>
-            </a:r>
-            <a:r>
-              <a:rPr lang="en-US" dirty="0" smtClean="0"/>
-              <a:t>”.</a:t>
-            </a:r>
-          </a:p>
-          <a:p>
-            <a:pPr marL="228600" indent="-228600">
-              <a:buAutoNum type="arabicPeriod"/>
-            </a:pPr>
-            <a:endParaRPr lang="en-US" dirty="0" smtClean="0"/>
-          </a:p>
-          <a:p>
-            <a:r>
-              <a:rPr lang="en-US" dirty="0" smtClean="0"/>
-              <a:t>2. It shows the “(</a:t>
-            </a:r>
-            <a:r>
-              <a:rPr lang="en-US" dirty="0" err="1" smtClean="0"/>
-              <a:t>user_prompt</a:t>
-            </a:r>
-            <a:r>
-              <a:rPr lang="en-US" dirty="0" smtClean="0"/>
-              <a:t>)” text at the end of bash prompt which means that we’re on the </a:t>
-            </a:r>
-            <a:r>
-              <a:rPr lang="en-US" dirty="0" err="1" smtClean="0"/>
-              <a:t>user_prompt</a:t>
-            </a:r>
-            <a:r>
-              <a:rPr lang="en-US" dirty="0" smtClean="0"/>
-              <a:t> branch.  To verify we can issue “</a:t>
-            </a:r>
-            <a:r>
-              <a:rPr lang="en-US" dirty="0" err="1" smtClean="0"/>
-              <a:t>git</a:t>
-            </a:r>
-            <a:r>
-              <a:rPr lang="en-US" dirty="0" smtClean="0"/>
-              <a:t> branch” command that lists all the local branches. Here the (*) next to name indicates the active branch.</a:t>
-            </a:r>
-          </a:p>
-          <a:p>
-            <a:pPr>
-              <a:buFont typeface="Arial" pitchFamily="34" charset="0"/>
-              <a:buChar char="•"/>
-            </a:pPr>
-            <a:endParaRPr lang="en-US" sz="1200" b="1" dirty="0" smtClean="0">
-              <a:solidFill>
-                <a:srgbClr val="486DA2"/>
-              </a:solidFill>
-              <a:latin typeface="Verdana" pitchFamily="34" charset="0"/>
-            </a:endParaRPr>
-          </a:p>
-          <a:p>
-            <a:pPr>
-              <a:buFont typeface="Arial" pitchFamily="34" charset="0"/>
-              <a:buChar char="•"/>
-            </a:pPr>
-            <a:r>
-              <a:rPr lang="en-US" sz="1200" b="1" dirty="0" smtClean="0">
-                <a:solidFill>
-                  <a:srgbClr val="486DA2"/>
-                </a:solidFill>
-                <a:latin typeface="Verdana" pitchFamily="34" charset="0"/>
-              </a:rPr>
-              <a:t>GIT Branch</a:t>
-            </a:r>
-          </a:p>
-          <a:p>
-            <a:r>
-              <a:rPr lang="en-US" sz="1200" dirty="0" smtClean="0"/>
-              <a:t>You can run “</a:t>
-            </a:r>
-            <a:r>
-              <a:rPr lang="en-US" sz="1200" b="1" dirty="0" err="1" smtClean="0"/>
-              <a:t>git</a:t>
-            </a:r>
-            <a:r>
-              <a:rPr lang="en-US" sz="1200" b="1" dirty="0" smtClean="0"/>
-              <a:t> branch</a:t>
-            </a:r>
-            <a:r>
-              <a:rPr lang="en-US" sz="1200" dirty="0" smtClean="0"/>
-              <a:t>” to see what branch you’re on, but </a:t>
-            </a:r>
-            <a:r>
-              <a:rPr lang="en-US" sz="1200" dirty="0" err="1" smtClean="0"/>
-              <a:t>msysgit</a:t>
-            </a:r>
-            <a:r>
-              <a:rPr lang="en-US" sz="1200" dirty="0" smtClean="0"/>
-              <a:t> let’s you know via the end of your bash prompt “(master)”. [For more information go </a:t>
-            </a:r>
-            <a:r>
-              <a:rPr lang="en-US" sz="1200" dirty="0" smtClean="0">
-                <a:hlinkClick r:id="rId3" action="ppaction://hlinksldjump"/>
-              </a:rPr>
-              <a:t>here</a:t>
-            </a:r>
-            <a:r>
-              <a:rPr lang="en-US" sz="1200" dirty="0" smtClean="0"/>
-              <a:t>]</a:t>
-            </a:r>
-          </a:p>
-          <a:p>
-            <a:r>
-              <a:rPr lang="en-US" sz="1200" dirty="0" smtClean="0"/>
-              <a:t>The branch name with the asterisk (*) next to it is the active branch.  In this case I only have the one branch, master.</a:t>
-            </a:r>
-          </a:p>
-          <a:p>
             <a:pPr marL="0" marR="0" indent="0" algn="l" defTabSz="914400" rtl="0" eaLnBrk="1" fontAlgn="auto" latinLnBrk="0" hangingPunct="1">
               <a:lnSpc>
                 <a:spcPct val="100000"/>
@@ -2811,88 +1817,202 @@
               <a:tabLst/>
               <a:defRPr/>
             </a:pPr>
-            <a:endParaRPr lang="en-US" b="1" dirty="0" smtClean="0"/>
-          </a:p>
-          <a:p>
-            <a:pPr marL="0" marR="0" indent="0" algn="l" defTabSz="914400" rtl="0" eaLnBrk="1" fontAlgn="auto" latinLnBrk="0" hangingPunct="1">
-              <a:lnSpc>
-                <a:spcPct val="100000"/>
-              </a:lnSpc>
-              <a:spcBef>
-                <a:spcPts val="0"/>
-              </a:spcBef>
-              <a:spcAft>
-                <a:spcPts val="0"/>
-              </a:spcAft>
-              <a:buClrTx/>
-              <a:buSzTx/>
+            <a:r>
+              <a:rPr lang="en-US" dirty="0" smtClean="0"/>
+              <a:t>If you’ve installed it successfully you will have both a command-line version (including an SSH client that will come in handy later) and the standard GUI. Open the </a:t>
+            </a:r>
+            <a:r>
+              <a:rPr lang="en-US" dirty="0" err="1" smtClean="0"/>
+              <a:t>GitBash</a:t>
+            </a:r>
+            <a:r>
+              <a:rPr lang="en-US" dirty="0" smtClean="0"/>
+              <a:t> program and follow the steps below.</a:t>
+            </a:r>
+          </a:p>
+          <a:p>
+            <a:endParaRPr lang="en-US" dirty="0" smtClean="0"/>
+          </a:p>
+          <a:p>
+            <a:pPr>
+              <a:buFont typeface="Wingdings" pitchFamily="2" charset="2"/>
+              <a:buChar char="§"/>
+            </a:pPr>
+            <a:r>
+              <a:rPr lang="en-US" sz="1400" dirty="0" smtClean="0"/>
+              <a:t> </a:t>
+            </a:r>
+            <a:r>
+              <a:rPr lang="en-US" dirty="0" smtClean="0"/>
+              <a:t>Add your generated SSH to your account on the </a:t>
+            </a:r>
+            <a:r>
+              <a:rPr lang="en-US" dirty="0" err="1" smtClean="0">
+                <a:hlinkClick r:id="rId3" action="ppaction://hlinksldjump"/>
+              </a:rPr>
+              <a:t>GitHub</a:t>
+            </a:r>
+            <a:r>
+              <a:rPr lang="en-US" dirty="0" smtClean="0"/>
+              <a:t> site. (</a:t>
+            </a:r>
+            <a:r>
+              <a:rPr lang="en-US" i="1" dirty="0" smtClean="0"/>
+              <a:t>Click “Account Settings”</a:t>
+            </a:r>
+            <a:r>
+              <a:rPr lang="en-US" dirty="0" smtClean="0"/>
+              <a:t> &gt;</a:t>
+            </a:r>
+            <a:r>
+              <a:rPr lang="en-US" i="1" dirty="0" smtClean="0"/>
+              <a:t> “SSH Public Keys”</a:t>
+            </a:r>
+            <a:r>
+              <a:rPr lang="en-US" dirty="0" smtClean="0"/>
+              <a:t> &gt;</a:t>
+            </a:r>
+            <a:r>
+              <a:rPr lang="en-US" i="1" dirty="0" smtClean="0"/>
+              <a:t> “Add another public key”)</a:t>
+            </a:r>
+          </a:p>
+          <a:p>
+            <a:pPr>
+              <a:buFont typeface="Wingdings" pitchFamily="2" charset="2"/>
+              <a:buChar char="§"/>
+            </a:pPr>
+            <a:r>
+              <a:rPr lang="en-US" dirty="0" smtClean="0"/>
+              <a:t> Open the id_rsa.pub file, that contains your public SSH key, in a text editor. This file might be hidden so use appropriate action to get access to it.</a:t>
+            </a:r>
+            <a:endParaRPr lang="en-US" i="1" dirty="0" smtClean="0"/>
+          </a:p>
+          <a:p>
+            <a:endParaRPr lang="en-US" dirty="0" smtClean="0"/>
+          </a:p>
+          <a:p>
+            <a:r>
+              <a:rPr lang="en-US" dirty="0" smtClean="0"/>
+              <a:t>It is important that you copy your SSH key exactly as it is written without adding any newlines or whitespace into the “Key” field.</a:t>
+            </a:r>
+          </a:p>
+          <a:p>
+            <a:endParaRPr lang="en-US" dirty="0" smtClean="0"/>
+          </a:p>
+          <a:p>
+            <a:pPr>
               <a:buFontTx/>
-              <a:buNone/>
-              <a:tabLst/>
-              <a:defRPr/>
+              <a:buChar char="-"/>
             </a:pPr>
             <a:r>
-              <a:rPr lang="en-US" b="1" dirty="0" smtClean="0"/>
-              <a:t>To create a remote branch on </a:t>
-            </a:r>
-            <a:r>
-              <a:rPr lang="en-US" b="1" dirty="0" err="1" smtClean="0"/>
-              <a:t>github</a:t>
-            </a:r>
-            <a:r>
-              <a:rPr lang="en-US" b="1" dirty="0" smtClean="0"/>
-              <a:t> that is a replica of your local branch</a:t>
-            </a:r>
-          </a:p>
-          <a:p>
-            <a:pPr marL="0" marR="0" indent="0" algn="l" defTabSz="914400" rtl="0" eaLnBrk="1" fontAlgn="auto" latinLnBrk="0" hangingPunct="1">
-              <a:lnSpc>
-                <a:spcPct val="100000"/>
-              </a:lnSpc>
-              <a:spcBef>
-                <a:spcPts val="0"/>
-              </a:spcBef>
-              <a:spcAft>
-                <a:spcPts val="0"/>
-              </a:spcAft>
-              <a:buClrTx/>
-              <a:buSzTx/>
-              <a:buFontTx/>
-              <a:buNone/>
-              <a:tabLst/>
-              <a:defRPr/>
+              <a:rPr lang="en-US" dirty="0" smtClean="0"/>
+              <a:t> Test your SSH key by typing the following in </a:t>
+            </a:r>
+            <a:r>
+              <a:rPr lang="en-US" dirty="0" err="1" smtClean="0"/>
+              <a:t>GitBash</a:t>
+            </a:r>
+            <a:r>
+              <a:rPr lang="en-US" dirty="0" smtClean="0"/>
+              <a:t> prompt:</a:t>
+            </a:r>
+          </a:p>
+          <a:p>
+            <a:r>
+              <a:rPr lang="en-US" sz="1100" dirty="0" smtClean="0">
+                <a:latin typeface="Courier New" pitchFamily="49" charset="0"/>
+                <a:cs typeface="Courier New" pitchFamily="49" charset="0"/>
+                <a:sym typeface="Wingdings 3"/>
+              </a:rPr>
+              <a:t>$ </a:t>
+            </a:r>
+            <a:r>
+              <a:rPr lang="en-US" sz="1100" dirty="0" err="1" smtClean="0">
+                <a:latin typeface="Courier New" pitchFamily="49" charset="0"/>
+                <a:cs typeface="Courier New" pitchFamily="49" charset="0"/>
+                <a:sym typeface="Wingdings 3"/>
+              </a:rPr>
+              <a:t>ssh</a:t>
+            </a:r>
+            <a:r>
+              <a:rPr lang="en-US" sz="1100" dirty="0" smtClean="0">
+                <a:latin typeface="Courier New" pitchFamily="49" charset="0"/>
+                <a:cs typeface="Courier New" pitchFamily="49" charset="0"/>
+                <a:sym typeface="Wingdings 3"/>
+              </a:rPr>
+              <a:t> -T </a:t>
+            </a:r>
+            <a:r>
+              <a:rPr lang="en-US" sz="1100" dirty="0" smtClean="0">
+                <a:latin typeface="Courier New" pitchFamily="49" charset="0"/>
+                <a:cs typeface="Courier New" pitchFamily="49" charset="0"/>
+                <a:sym typeface="Wingdings 3"/>
+                <a:hlinkClick r:id="rId4"/>
+              </a:rPr>
+              <a:t>git@github.com</a:t>
+            </a:r>
+            <a:r>
+              <a:rPr lang="en-US" sz="1100" dirty="0" smtClean="0">
+                <a:latin typeface="Courier New" pitchFamily="49" charset="0"/>
+                <a:cs typeface="Courier New" pitchFamily="49" charset="0"/>
+                <a:sym typeface="Wingdings 3"/>
+              </a:rPr>
+              <a:t> </a:t>
+            </a:r>
+            <a:r>
+              <a:rPr lang="de-DE" sz="1100" dirty="0" smtClean="0">
+                <a:latin typeface="Courier New" pitchFamily="49" charset="0"/>
+                <a:cs typeface="Courier New" pitchFamily="49" charset="0"/>
+                <a:sym typeface="Wingdings 3"/>
+              </a:rPr>
+              <a:t></a:t>
+            </a:r>
+          </a:p>
+          <a:p>
+            <a:r>
+              <a:rPr lang="de-DE" sz="1100" dirty="0" smtClean="0">
+                <a:latin typeface="Courier New" pitchFamily="49" charset="0"/>
+                <a:cs typeface="Courier New" pitchFamily="49" charset="0"/>
+                <a:sym typeface="Wingdings 3"/>
+              </a:rPr>
+              <a:t>Are you sure you want to continue connecting (yes/no)? yes </a:t>
+            </a:r>
+            <a:endParaRPr lang="en-US" sz="1100" dirty="0" smtClean="0"/>
+          </a:p>
+          <a:p>
+            <a:r>
+              <a:rPr lang="en-US" dirty="0" smtClean="0"/>
+              <a:t> </a:t>
+            </a:r>
+          </a:p>
+          <a:p>
+            <a:pPr>
+              <a:buFont typeface="Arial" pitchFamily="34" charset="0"/>
+              <a:buChar char="•"/>
             </a:pPr>
-            <a:endParaRPr lang="en-US" dirty="0" smtClean="0"/>
-          </a:p>
-          <a:p>
-            <a:pPr marL="0" marR="0" indent="0" algn="l" defTabSz="914400" rtl="0" eaLnBrk="1" fontAlgn="auto" latinLnBrk="0" hangingPunct="1">
-              <a:lnSpc>
-                <a:spcPct val="100000"/>
-              </a:lnSpc>
-              <a:spcBef>
-                <a:spcPts val="0"/>
-              </a:spcBef>
-              <a:spcAft>
-                <a:spcPts val="0"/>
-              </a:spcAft>
-              <a:buClrTx/>
-              <a:buSzTx/>
-              <a:buFontTx/>
-              <a:buNone/>
-              <a:tabLst/>
-              <a:defRPr/>
-            </a:pPr>
+            <a:r>
+              <a:rPr lang="en-US" sz="1400" b="1" dirty="0" smtClean="0">
+                <a:solidFill>
+                  <a:srgbClr val="486DA2"/>
+                </a:solidFill>
+                <a:latin typeface="Verdana" pitchFamily="34" charset="0"/>
+              </a:rPr>
+              <a:t> Create local GIT Repositories:</a:t>
+            </a:r>
+          </a:p>
+          <a:p>
             <a:r>
               <a:rPr lang="en-US" dirty="0" smtClean="0"/>
-              <a:t>Suppose you created a local </a:t>
-            </a:r>
-            <a:r>
-              <a:rPr lang="en-US" i="1" dirty="0" err="1" smtClean="0"/>
-              <a:t>plugin</a:t>
+              <a:t>Every time you make a commit with </a:t>
+            </a:r>
+            <a:r>
+              <a:rPr lang="en-US" dirty="0" err="1" smtClean="0"/>
+              <a:t>Git</a:t>
             </a:r>
             <a:r>
               <a:rPr lang="en-US" dirty="0" smtClean="0"/>
-              <a:t> branch that you want to expose to others through your </a:t>
+              <a:t>, it is stored in a repository (a.k.a. “repo”). To put your project up on </a:t>
             </a:r>
             <a:r>
               <a:rPr lang="en-US" dirty="0" err="1" smtClean="0"/>
@@ -2900,10 +2020,50 @@
             </a:r>
             <a:r>
               <a:rPr lang="en-US" dirty="0" smtClean="0"/>
-              <a:t> repository but you are not yet confident enough to put it into the master branch.</a:t>
-            </a:r>
-          </a:p>
-          <a:p>
+              <a:t>, you’ll need to have a </a:t>
+            </a:r>
+            <a:r>
+              <a:rPr lang="en-US" dirty="0" err="1" smtClean="0"/>
+              <a:t>GitHub</a:t>
+            </a:r>
+            <a:r>
+              <a:rPr lang="en-US" dirty="0" smtClean="0"/>
+              <a:t> repository for it to live in.</a:t>
+            </a:r>
+          </a:p>
+          <a:p>
+            <a:endParaRPr lang="de-DE" dirty="0" smtClean="0"/>
+          </a:p>
+          <a:p>
+            <a:r>
+              <a:rPr lang="de-DE" dirty="0" smtClean="0"/>
+              <a:t>Go to any folder which contains the application source code that you wish to convert as local repository. Right click on it and choose “Git Bash Here“. Then type the following: </a:t>
+            </a:r>
+            <a:r>
+              <a:rPr lang="de-DE" sz="1100" dirty="0" smtClean="0">
+                <a:latin typeface="Courier New" pitchFamily="49" charset="0"/>
+                <a:cs typeface="Courier New" pitchFamily="49" charset="0"/>
+                <a:sym typeface="Wingdings 3"/>
+              </a:rPr>
+              <a:t>$ git init </a:t>
+            </a:r>
+          </a:p>
+          <a:p>
+            <a:endParaRPr lang="de-DE" sz="1100" dirty="0" smtClean="0">
+              <a:latin typeface="Courier New" pitchFamily="49" charset="0"/>
+              <a:cs typeface="Courier New" pitchFamily="49" charset="0"/>
+              <a:sym typeface="Wingdings 3"/>
+            </a:endParaRPr>
+          </a:p>
+          <a:p>
+            <a:r>
+              <a:rPr lang="en-US" dirty="0" err="1" smtClean="0"/>
+              <a:t>Voilà</a:t>
+            </a:r>
+            <a:r>
+              <a:rPr lang="de-DE" dirty="0" smtClean="0"/>
+              <a:t>!  You‘ve just created a local GitHub Rep in your system!</a:t>
+            </a:r>
             <a:endParaRPr lang="en-US" dirty="0" smtClean="0"/>
           </a:p>
           <a:p>
@@ -2929,7 +2089,7 @@
             <a:fld id="{06F8F5D6-CB0D-4EDE-B95E-664AB82371FD}" type="slidenum">
               <a:rPr lang="en-US" smtClean="0"/>
               <a:pPr/>
-              <a:t>22</a:t>
+              <a:t>19</a:t>
             </a:fld>
             <a:endParaRPr lang="en-US"/>
           </a:p>
@@ -2985,9 +2145,552 @@
         <p:spPr/>
         <p:txBody>
           <a:bodyPr>
-            <a:normAutofit/>
+            <a:normAutofit fontScale="77500" lnSpcReduction="20000"/>
           </a:bodyPr>
           <a:lstStyle/>
+          <a:p>
+            <a:r>
+              <a:rPr lang="en-US" dirty="0" smtClean="0"/>
+              <a:t>Create ‘.</a:t>
+            </a:r>
+            <a:r>
+              <a:rPr lang="en-US" dirty="0" err="1" smtClean="0"/>
+              <a:t>gitignore</a:t>
+            </a:r>
+            <a:r>
+              <a:rPr lang="en-US" dirty="0" smtClean="0"/>
+              <a:t>’ file to filter the commit operation by excluding the ones specific to local environment (like bin folder etc)</a:t>
+            </a:r>
+          </a:p>
+          <a:p>
+            <a:r>
+              <a:rPr lang="en-US" sz="1100" dirty="0" smtClean="0">
+                <a:latin typeface="Courier New" pitchFamily="49" charset="0"/>
+                <a:cs typeface="Courier New" pitchFamily="49" charset="0"/>
+                <a:sym typeface="Wingdings 3"/>
+              </a:rPr>
+              <a:t>$ touch .</a:t>
+            </a:r>
+            <a:r>
+              <a:rPr lang="en-US" sz="1100" dirty="0" err="1" smtClean="0">
+                <a:latin typeface="Courier New" pitchFamily="49" charset="0"/>
+                <a:cs typeface="Courier New" pitchFamily="49" charset="0"/>
+                <a:sym typeface="Wingdings 3"/>
+              </a:rPr>
+              <a:t>gitignore</a:t>
+            </a:r>
+            <a:endParaRPr lang="en-US" sz="1100" dirty="0" smtClean="0">
+              <a:latin typeface="Courier New" pitchFamily="49" charset="0"/>
+              <a:cs typeface="Courier New" pitchFamily="49" charset="0"/>
+              <a:sym typeface="Wingdings 3"/>
+            </a:endParaRPr>
+          </a:p>
+          <a:p>
+            <a:r>
+              <a:rPr lang="en-US" sz="1100" dirty="0" smtClean="0">
+                <a:latin typeface="Courier New" pitchFamily="49" charset="0"/>
+                <a:cs typeface="Courier New" pitchFamily="49" charset="0"/>
+                <a:sym typeface="Wingdings 3"/>
+              </a:rPr>
+              <a:t>$ </a:t>
+            </a:r>
+            <a:r>
+              <a:rPr lang="en-US" sz="1100" dirty="0" err="1" smtClean="0">
+                <a:latin typeface="Courier New" pitchFamily="49" charset="0"/>
+                <a:cs typeface="Courier New" pitchFamily="49" charset="0"/>
+                <a:sym typeface="Wingdings 3"/>
+              </a:rPr>
+              <a:t>ls</a:t>
+            </a:r>
+            <a:r>
+              <a:rPr lang="en-US" sz="1100" dirty="0" smtClean="0">
+                <a:latin typeface="Courier New" pitchFamily="49" charset="0"/>
+                <a:cs typeface="Courier New" pitchFamily="49" charset="0"/>
+                <a:sym typeface="Wingdings 3"/>
+              </a:rPr>
+              <a:t> –al</a:t>
+            </a:r>
+          </a:p>
+          <a:p>
+            <a:r>
+              <a:rPr lang="en-US" dirty="0" smtClean="0"/>
+              <a:t>[In this file you can enter partial or full names of files/folder that you don’t want to commit to the repo]</a:t>
+            </a:r>
+          </a:p>
+          <a:p>
+            <a:endParaRPr lang="en-US" dirty="0" smtClean="0"/>
+          </a:p>
+          <a:p>
+            <a:r>
+              <a:rPr lang="en-US" dirty="0" smtClean="0"/>
+              <a:t>We can now view all the files that we can commit.</a:t>
+            </a:r>
+          </a:p>
+          <a:p>
+            <a:endParaRPr lang="en-US" dirty="0" smtClean="0"/>
+          </a:p>
+          <a:p>
+            <a:pPr>
+              <a:buFont typeface="Arial" pitchFamily="34" charset="0"/>
+              <a:buChar char="•"/>
+            </a:pPr>
+            <a:r>
+              <a:rPr lang="en-US" b="1" dirty="0" smtClean="0">
+                <a:solidFill>
+                  <a:srgbClr val="486DA2"/>
+                </a:solidFill>
+                <a:latin typeface="Verdana" pitchFamily="34" charset="0"/>
+              </a:rPr>
+              <a:t> GIT Status</a:t>
+            </a:r>
+          </a:p>
+          <a:p>
+            <a:r>
+              <a:rPr lang="en-US" dirty="0" smtClean="0"/>
+              <a:t>After committing our code to the repo we can run “</a:t>
+            </a:r>
+            <a:r>
+              <a:rPr lang="en-US" dirty="0" err="1" smtClean="0"/>
+              <a:t>git</a:t>
+            </a:r>
+            <a:r>
+              <a:rPr lang="en-US" dirty="0" smtClean="0"/>
+              <a:t> status” to see the status between staging area &amp; working directory.</a:t>
+            </a:r>
+          </a:p>
+          <a:p>
+            <a:endParaRPr lang="en-US" dirty="0" smtClean="0"/>
+          </a:p>
+          <a:p>
+            <a:r>
+              <a:rPr lang="en-US" dirty="0" smtClean="0"/>
+              <a:t>From the above example, (where a file ‘</a:t>
+            </a:r>
+            <a:r>
+              <a:rPr lang="en-US" dirty="0" err="1" smtClean="0"/>
+              <a:t>program.cs</a:t>
+            </a:r>
+            <a:r>
+              <a:rPr lang="en-US" dirty="0" smtClean="0"/>
+              <a:t>’ has been edited and changed) we get a message: “Changed but not updated”. It means that it’s changed in our working directory, but not staged (i.e. not in our staging area or ready for commit).  If we tried to commit right now, nothing would be committed because nothing is in our staging area. </a:t>
+            </a:r>
+          </a:p>
+          <a:p>
+            <a:r>
+              <a:rPr lang="en-US" sz="1100" dirty="0" smtClean="0">
+                <a:latin typeface="Courier New" pitchFamily="49" charset="0"/>
+                <a:cs typeface="Courier New" pitchFamily="49" charset="0"/>
+                <a:sym typeface="Wingdings 3"/>
+              </a:rPr>
+              <a:t>$ </a:t>
+            </a:r>
+            <a:r>
+              <a:rPr lang="en-US" sz="1100" dirty="0" err="1" smtClean="0">
+                <a:latin typeface="Courier New" pitchFamily="49" charset="0"/>
+                <a:cs typeface="Courier New" pitchFamily="49" charset="0"/>
+                <a:sym typeface="Wingdings 3"/>
+              </a:rPr>
+              <a:t>git</a:t>
+            </a:r>
+            <a:r>
+              <a:rPr lang="en-US" sz="1100" dirty="0" smtClean="0">
+                <a:latin typeface="Courier New" pitchFamily="49" charset="0"/>
+                <a:cs typeface="Courier New" pitchFamily="49" charset="0"/>
+                <a:sym typeface="Wingdings 3"/>
+              </a:rPr>
+              <a:t> status</a:t>
+            </a:r>
+          </a:p>
+          <a:p>
+            <a:r>
+              <a:rPr lang="en-US" dirty="0" smtClean="0"/>
+              <a:t>This gives the status of all the files in the folder i.e. whether they are in the modified, staging or repo area.</a:t>
+            </a:r>
+          </a:p>
+          <a:p>
+            <a:endParaRPr lang="en-US" dirty="0" smtClean="0"/>
+          </a:p>
+          <a:p>
+            <a:r>
+              <a:rPr lang="en-US" dirty="0" smtClean="0"/>
+              <a:t>In order to add files to staging area we execute:</a:t>
+            </a:r>
+          </a:p>
+          <a:p>
+            <a:r>
+              <a:rPr lang="en-US" sz="1100" dirty="0" smtClean="0">
+                <a:latin typeface="Courier New" pitchFamily="49" charset="0"/>
+                <a:cs typeface="Courier New" pitchFamily="49" charset="0"/>
+                <a:sym typeface="Wingdings 3"/>
+              </a:rPr>
+              <a:t>$ </a:t>
+            </a:r>
+            <a:r>
+              <a:rPr lang="en-US" sz="1100" dirty="0" err="1" smtClean="0">
+                <a:latin typeface="Courier New" pitchFamily="49" charset="0"/>
+                <a:cs typeface="Courier New" pitchFamily="49" charset="0"/>
+                <a:sym typeface="Wingdings 3"/>
+              </a:rPr>
+              <a:t>git</a:t>
+            </a:r>
+            <a:r>
+              <a:rPr lang="en-US" sz="1100" dirty="0" smtClean="0">
+                <a:latin typeface="Courier New" pitchFamily="49" charset="0"/>
+                <a:cs typeface="Courier New" pitchFamily="49" charset="0"/>
+                <a:sym typeface="Wingdings 3"/>
+              </a:rPr>
+              <a:t> add .</a:t>
+            </a:r>
+          </a:p>
+          <a:p>
+            <a:r>
+              <a:rPr lang="en-US" dirty="0" smtClean="0"/>
+              <a:t>And then execute ‘</a:t>
+            </a:r>
+            <a:r>
+              <a:rPr lang="en-US" dirty="0" err="1" smtClean="0"/>
+              <a:t>git</a:t>
+            </a:r>
+            <a:r>
+              <a:rPr lang="en-US" dirty="0" smtClean="0"/>
+              <a:t> status’ again to see the changes made.</a:t>
+            </a:r>
+          </a:p>
+          <a:p>
+            <a:endParaRPr lang="en-US" dirty="0" smtClean="0"/>
+          </a:p>
+          <a:p>
+            <a:r>
+              <a:rPr lang="en-US" dirty="0" smtClean="0"/>
+              <a:t>Now its time to commit files from staging area to repo by typing:</a:t>
+            </a:r>
+          </a:p>
+          <a:p>
+            <a:r>
+              <a:rPr lang="en-US" sz="1100" dirty="0" smtClean="0">
+                <a:latin typeface="Courier New" pitchFamily="49" charset="0"/>
+                <a:cs typeface="Courier New" pitchFamily="49" charset="0"/>
+                <a:sym typeface="Wingdings 3"/>
+              </a:rPr>
+              <a:t>$ </a:t>
+            </a:r>
+            <a:r>
+              <a:rPr lang="en-US" sz="1100" dirty="0" err="1" smtClean="0">
+                <a:latin typeface="Courier New" pitchFamily="49" charset="0"/>
+                <a:cs typeface="Courier New" pitchFamily="49" charset="0"/>
+                <a:sym typeface="Wingdings 3"/>
+              </a:rPr>
+              <a:t>git</a:t>
+            </a:r>
+            <a:r>
+              <a:rPr lang="en-US" sz="1100" dirty="0" smtClean="0">
+                <a:latin typeface="Courier New" pitchFamily="49" charset="0"/>
+                <a:cs typeface="Courier New" pitchFamily="49" charset="0"/>
+                <a:sym typeface="Wingdings 3"/>
+              </a:rPr>
+              <a:t> commit –m “Your Custom Message”</a:t>
+            </a:r>
+          </a:p>
+          <a:p>
+            <a:endParaRPr lang="en-US" sz="1100" dirty="0" smtClean="0">
+              <a:latin typeface="Courier New" pitchFamily="49" charset="0"/>
+              <a:cs typeface="Courier New" pitchFamily="49" charset="0"/>
+              <a:sym typeface="Wingdings 3"/>
+            </a:endParaRPr>
+          </a:p>
+          <a:p>
+            <a:endParaRPr lang="en-US" sz="1100" dirty="0" smtClean="0"/>
+          </a:p>
+          <a:p>
+            <a:pPr>
+              <a:buFont typeface="Arial" pitchFamily="34" charset="0"/>
+              <a:buChar char="•"/>
+            </a:pPr>
+            <a:r>
+              <a:rPr lang="en-US" sz="1100" b="1" dirty="0" smtClean="0">
+                <a:solidFill>
+                  <a:srgbClr val="486DA2"/>
+                </a:solidFill>
+                <a:latin typeface="Verdana" pitchFamily="34" charset="0"/>
+              </a:rPr>
+              <a:t>  GIT Remote</a:t>
+            </a:r>
+          </a:p>
+          <a:p>
+            <a:r>
+              <a:rPr lang="en-US" sz="1100" dirty="0" smtClean="0"/>
+              <a:t>We need to add the remote repository to be watched by your local GIT repository.</a:t>
+            </a:r>
+          </a:p>
+          <a:p>
+            <a:r>
+              <a:rPr lang="en-US" sz="1100" dirty="0" smtClean="0"/>
+              <a:t>First </a:t>
+            </a:r>
+            <a:r>
+              <a:rPr lang="en-US" sz="1100" dirty="0" err="1" smtClean="0"/>
+              <a:t>goto</a:t>
+            </a:r>
+            <a:r>
+              <a:rPr lang="en-US" sz="1100" dirty="0" smtClean="0"/>
+              <a:t> your local repo folder.</a:t>
+            </a:r>
+          </a:p>
+          <a:p>
+            <a:r>
+              <a:rPr lang="en-US" sz="1100" dirty="0" smtClean="0"/>
+              <a:t>Then type the following:</a:t>
+            </a:r>
+          </a:p>
+          <a:p>
+            <a:r>
+              <a:rPr lang="en-US" sz="1050" dirty="0" smtClean="0">
+                <a:latin typeface="Courier New" pitchFamily="49" charset="0"/>
+                <a:cs typeface="Courier New" pitchFamily="49" charset="0"/>
+                <a:sym typeface="Wingdings 3"/>
+              </a:rPr>
+              <a:t>$ </a:t>
+            </a:r>
+            <a:r>
+              <a:rPr lang="en-US" sz="1050" dirty="0" err="1" smtClean="0">
+                <a:latin typeface="Courier New" pitchFamily="49" charset="0"/>
+                <a:cs typeface="Courier New" pitchFamily="49" charset="0"/>
+                <a:sym typeface="Wingdings 3"/>
+              </a:rPr>
+              <a:t>git</a:t>
+            </a:r>
+            <a:r>
+              <a:rPr lang="en-US" sz="1050" dirty="0" smtClean="0">
+                <a:latin typeface="Courier New" pitchFamily="49" charset="0"/>
+                <a:cs typeface="Courier New" pitchFamily="49" charset="0"/>
+                <a:sym typeface="Wingdings 3"/>
+              </a:rPr>
+              <a:t> remote add </a:t>
+            </a:r>
+            <a:r>
+              <a:rPr lang="en-US" sz="1050" dirty="0" err="1" smtClean="0">
+                <a:latin typeface="Courier New" pitchFamily="49" charset="0"/>
+                <a:cs typeface="Courier New" pitchFamily="49" charset="0"/>
+                <a:sym typeface="Wingdings 3"/>
+              </a:rPr>
+              <a:t>remote_repo_name</a:t>
+            </a:r>
+            <a:r>
+              <a:rPr lang="en-US" sz="1050" dirty="0" smtClean="0">
+                <a:latin typeface="Courier New" pitchFamily="49" charset="0"/>
+                <a:cs typeface="Courier New" pitchFamily="49" charset="0"/>
+                <a:sym typeface="Wingdings 3"/>
+              </a:rPr>
+              <a:t> </a:t>
+            </a:r>
+            <a:r>
+              <a:rPr lang="en-US" sz="1050" dirty="0" err="1" smtClean="0">
+                <a:latin typeface="Courier New" pitchFamily="49" charset="0"/>
+                <a:cs typeface="Courier New" pitchFamily="49" charset="0"/>
+                <a:sym typeface="Wingdings 3"/>
+                <a:hlinkClick r:id="rId2" action="ppaction://hlinksldjump"/>
+              </a:rPr>
+              <a:t>your_clone_URL</a:t>
+            </a:r>
+            <a:endParaRPr lang="en-US" sz="1050" dirty="0" smtClean="0">
+              <a:latin typeface="Courier New" pitchFamily="49" charset="0"/>
+              <a:cs typeface="Courier New" pitchFamily="49" charset="0"/>
+              <a:sym typeface="Wingdings 3"/>
+            </a:endParaRPr>
+          </a:p>
+          <a:p>
+            <a:endParaRPr lang="en-US" sz="1100" dirty="0" smtClean="0"/>
+          </a:p>
+          <a:p>
+            <a:r>
+              <a:rPr lang="en-US" sz="1050" b="1" i="1" dirty="0" smtClean="0"/>
+              <a:t>Quick Tip: </a:t>
+            </a:r>
+            <a:r>
+              <a:rPr lang="en-US" sz="1050" i="1" dirty="0" smtClean="0"/>
+              <a:t>You can clear your </a:t>
+            </a:r>
+            <a:r>
+              <a:rPr lang="en-US" sz="1050" i="1" dirty="0" err="1" smtClean="0"/>
+              <a:t>Git</a:t>
+            </a:r>
+            <a:r>
+              <a:rPr lang="en-US" sz="1050" i="1" dirty="0" smtClean="0"/>
+              <a:t> Bash screen by pressing </a:t>
+            </a:r>
+            <a:r>
+              <a:rPr lang="en-US" sz="1050" i="1" dirty="0" err="1" smtClean="0"/>
+              <a:t>Ctrl+L</a:t>
+            </a:r>
+            <a:r>
+              <a:rPr lang="en-US" sz="1050" i="1" dirty="0" smtClean="0"/>
+              <a:t> on the keyboard.  This works in most bash terminals.</a:t>
+            </a:r>
+          </a:p>
+          <a:p>
+            <a:endParaRPr lang="en-US" sz="1100" dirty="0" smtClean="0">
+              <a:latin typeface="Courier New" pitchFamily="49" charset="0"/>
+              <a:cs typeface="Courier New" pitchFamily="49" charset="0"/>
+              <a:sym typeface="Wingdings 3"/>
+            </a:endParaRPr>
+          </a:p>
+          <a:p>
+            <a:r>
+              <a:rPr lang="en-US" dirty="0" smtClean="0"/>
+              <a:t>Now you have told your local repository to watch your newly created github.com remote public repository.</a:t>
+            </a:r>
+          </a:p>
+          <a:p>
+            <a:endParaRPr lang="en-US" dirty="0" smtClean="0"/>
+          </a:p>
+          <a:p>
+            <a:r>
+              <a:rPr lang="en-US" dirty="0" smtClean="0"/>
+              <a:t>Now we need to push this code up to the </a:t>
+            </a:r>
+            <a:r>
+              <a:rPr lang="en-US" dirty="0" smtClean="0">
+                <a:hlinkClick r:id="rId3"/>
+              </a:rPr>
+              <a:t>Github.com</a:t>
+            </a:r>
+            <a:r>
+              <a:rPr lang="en-US" dirty="0" smtClean="0"/>
+              <a:t> repository. (Look at the last step of the “Existing </a:t>
+            </a:r>
+            <a:r>
+              <a:rPr lang="en-US" dirty="0" err="1" smtClean="0"/>
+              <a:t>Git</a:t>
+            </a:r>
+            <a:r>
+              <a:rPr lang="en-US" dirty="0" smtClean="0"/>
+              <a:t> Repo?” information from </a:t>
+            </a:r>
+            <a:r>
+              <a:rPr lang="en-US" dirty="0" smtClean="0">
+                <a:hlinkClick r:id="rId3"/>
+              </a:rPr>
+              <a:t>Github.com</a:t>
+            </a:r>
+            <a:r>
+              <a:rPr lang="en-US" dirty="0" smtClean="0"/>
+              <a:t>)</a:t>
+            </a:r>
+          </a:p>
+          <a:p>
+            <a:r>
+              <a:rPr lang="en-US" dirty="0" smtClean="0"/>
+              <a:t>Type the following:</a:t>
+            </a:r>
+          </a:p>
+          <a:p>
+            <a:r>
+              <a:rPr lang="en-US" sz="1100" dirty="0" smtClean="0">
+                <a:latin typeface="Courier New" pitchFamily="49" charset="0"/>
+                <a:cs typeface="Courier New" pitchFamily="49" charset="0"/>
+                <a:sym typeface="Wingdings 3"/>
+              </a:rPr>
+              <a:t>$ </a:t>
+            </a:r>
+            <a:r>
+              <a:rPr lang="en-US" sz="1100" dirty="0" err="1" smtClean="0">
+                <a:latin typeface="Courier New" pitchFamily="49" charset="0"/>
+                <a:cs typeface="Courier New" pitchFamily="49" charset="0"/>
+                <a:sym typeface="Wingdings 3"/>
+              </a:rPr>
+              <a:t>git</a:t>
+            </a:r>
+            <a:r>
+              <a:rPr lang="en-US" sz="1100" dirty="0" smtClean="0">
+                <a:latin typeface="Courier New" pitchFamily="49" charset="0"/>
+                <a:cs typeface="Courier New" pitchFamily="49" charset="0"/>
+                <a:sym typeface="Wingdings 3"/>
+              </a:rPr>
+              <a:t> push </a:t>
+            </a:r>
+            <a:r>
+              <a:rPr lang="en-US" sz="1100" dirty="0" err="1" smtClean="0">
+                <a:latin typeface="Courier New" pitchFamily="49" charset="0"/>
+                <a:cs typeface="Courier New" pitchFamily="49" charset="0"/>
+                <a:sym typeface="Wingdings 3"/>
+              </a:rPr>
+              <a:t>remote_repo_name</a:t>
+            </a:r>
+            <a:r>
+              <a:rPr lang="en-US" sz="1100" dirty="0" smtClean="0">
+                <a:latin typeface="Courier New" pitchFamily="49" charset="0"/>
+                <a:cs typeface="Courier New" pitchFamily="49" charset="0"/>
+                <a:sym typeface="Wingdings 3"/>
+              </a:rPr>
+              <a:t> master</a:t>
+            </a:r>
+            <a:endParaRPr lang="en-US" dirty="0" smtClean="0"/>
+          </a:p>
+          <a:p>
+            <a:endParaRPr lang="en-US" dirty="0" smtClean="0"/>
+          </a:p>
+          <a:p>
+            <a:r>
+              <a:rPr lang="en-US" dirty="0" smtClean="0"/>
+              <a:t>During the push, you will most likely get prompted for host authenticity.  Make sure you type ‘yes’, not just ‘y’.  This will add </a:t>
+            </a:r>
+            <a:r>
+              <a:rPr lang="en-US" dirty="0" err="1" smtClean="0"/>
+              <a:t>github.com’s</a:t>
+            </a:r>
+            <a:r>
+              <a:rPr lang="en-US" dirty="0" smtClean="0"/>
+              <a:t> public RSA key to your ~/.</a:t>
+            </a:r>
+            <a:r>
+              <a:rPr lang="en-US" dirty="0" err="1" smtClean="0"/>
+              <a:t>ssh</a:t>
+            </a:r>
+            <a:r>
+              <a:rPr lang="en-US" dirty="0" smtClean="0"/>
+              <a:t>/</a:t>
+            </a:r>
+            <a:r>
+              <a:rPr lang="en-US" dirty="0" err="1" smtClean="0"/>
+              <a:t>known_hosts</a:t>
+            </a:r>
+            <a:r>
+              <a:rPr lang="en-US" dirty="0" smtClean="0"/>
+              <a:t> file so that you won’t get prompted for this again on any future push.  This let’s your system and github.com to trust each other.  After you say ‘yes’ the files are pushed up to the remote repository.</a:t>
+            </a:r>
+          </a:p>
+          <a:p>
+            <a:endParaRPr lang="en-US" dirty="0" smtClean="0"/>
+          </a:p>
+          <a:p>
+            <a:r>
+              <a:rPr lang="en-US" sz="1100" b="1" i="1" dirty="0" smtClean="0"/>
+              <a:t>Side Note:</a:t>
+            </a:r>
+            <a:r>
+              <a:rPr lang="en-US" sz="1100" i="1" dirty="0" smtClean="0"/>
+              <a:t>  Your clone URL doesn’t look like a HTTP URL or a </a:t>
+            </a:r>
+            <a:r>
+              <a:rPr lang="en-US" sz="1100" i="1" dirty="0" err="1" smtClean="0"/>
+              <a:t>ssh</a:t>
+            </a:r>
+            <a:r>
+              <a:rPr lang="en-US" sz="1100" i="1" dirty="0" smtClean="0"/>
+              <a:t>:// protocol.  But it is still SSH.  The </a:t>
+            </a:r>
+            <a:r>
+              <a:rPr lang="en-US" sz="1100" i="1" dirty="0" err="1" smtClean="0"/>
+              <a:t>git</a:t>
+            </a:r>
+            <a:r>
+              <a:rPr lang="en-US" sz="1100" i="1" dirty="0" smtClean="0"/>
+              <a:t> protocol, usually using port 9418, is used for clone, fetch, or pull.</a:t>
+            </a:r>
+          </a:p>
+          <a:p>
+            <a:endParaRPr lang="en-US" dirty="0" smtClean="0"/>
+          </a:p>
           <a:p>
             <a:endParaRPr lang="en-US" dirty="0"/>
           </a:p>
@@ -3011,7 +2714,7 @@
             <a:fld id="{06F8F5D6-CB0D-4EDE-B95E-664AB82371FD}" type="slidenum">
               <a:rPr lang="en-US" smtClean="0"/>
               <a:pPr/>
-              <a:t>23</a:t>
+              <a:t>20</a:t>
             </a:fld>
             <a:endParaRPr lang="en-US"/>
           </a:p>
@@ -3067,120 +2770,79 @@
         <p:spPr/>
         <p:txBody>
           <a:bodyPr>
-            <a:normAutofit fontScale="92500" lnSpcReduction="20000"/>
+            <a:normAutofit fontScale="85000" lnSpcReduction="20000"/>
           </a:bodyPr>
           <a:lstStyle/>
           <a:p>
+            <a:pPr>
+              <a:buFont typeface="Arial" pitchFamily="34" charset="0"/>
+              <a:buChar char="•"/>
+            </a:pPr>
+            <a:r>
+              <a:rPr lang="en-US" b="1" dirty="0" smtClean="0">
+                <a:solidFill>
+                  <a:srgbClr val="486DA2"/>
+                </a:solidFill>
+                <a:latin typeface="Verdana" pitchFamily="34" charset="0"/>
+              </a:rPr>
+              <a:t> GIT Add</a:t>
+            </a:r>
+          </a:p>
+          <a:p>
             <a:r>
               <a:rPr lang="en-US" dirty="0" smtClean="0"/>
-              <a:t>At some point you may find yourself wanting to contribute to someone else’s project, or would like to use someone’s project as the starting point for your own. This is known as “forking.” </a:t>
+              <a:t>Example of adding ‘</a:t>
+            </a:r>
+            <a:r>
+              <a:rPr lang="en-US" dirty="0" err="1" smtClean="0"/>
+              <a:t>Program.cs</a:t>
+            </a:r>
+            <a:r>
+              <a:rPr lang="en-US" dirty="0" smtClean="0"/>
+              <a:t>’ to our staging area with the “</a:t>
+            </a:r>
+            <a:r>
+              <a:rPr lang="en-US" b="1" dirty="0" err="1" smtClean="0"/>
+              <a:t>git</a:t>
+            </a:r>
+            <a:r>
+              <a:rPr lang="en-US" b="1" dirty="0" smtClean="0"/>
+              <a:t> add </a:t>
+            </a:r>
+            <a:r>
+              <a:rPr lang="en-US" b="1" dirty="0" err="1" smtClean="0"/>
+              <a:t>Program.cs</a:t>
+            </a:r>
+            <a:r>
+              <a:rPr lang="en-US" dirty="0" smtClean="0"/>
+              <a:t>” command:</a:t>
             </a:r>
           </a:p>
           <a:p>
             <a:endParaRPr lang="en-US" dirty="0" smtClean="0"/>
           </a:p>
           <a:p>
+            <a:pPr>
+              <a:buFont typeface="Arial" pitchFamily="34" charset="0"/>
+              <a:buChar char="•"/>
+            </a:pPr>
+            <a:r>
+              <a:rPr lang="en-US" b="1" dirty="0" smtClean="0">
+                <a:solidFill>
+                  <a:srgbClr val="486DA2"/>
+                </a:solidFill>
+                <a:latin typeface="Verdana" pitchFamily="34" charset="0"/>
+              </a:rPr>
+              <a:t> GIT Reset</a:t>
+            </a:r>
+          </a:p>
+          <a:p>
             <a:r>
               <a:rPr lang="en-US" dirty="0" smtClean="0"/>
-              <a:t>For this tutorial, we’ll be using the </a:t>
-            </a:r>
-            <a:r>
-              <a:rPr lang="en-US" dirty="0" err="1" smtClean="0"/>
-              <a:t>Scrumdo</a:t>
-            </a:r>
-            <a:r>
-              <a:rPr lang="en-US" dirty="0" smtClean="0"/>
-              <a:t> project.</a:t>
-            </a:r>
-          </a:p>
-          <a:p>
-            <a:endParaRPr lang="en-US" b="1" dirty="0" smtClean="0">
-              <a:solidFill>
-                <a:srgbClr val="486DA2"/>
-              </a:solidFill>
-              <a:latin typeface="Verdana" pitchFamily="34" charset="0"/>
-            </a:endParaRPr>
-          </a:p>
-          <a:p>
-            <a:r>
-              <a:rPr lang="en-US" b="1" dirty="0" smtClean="0"/>
-              <a:t>Step 1: Fork the “</a:t>
-            </a:r>
-            <a:r>
-              <a:rPr lang="en-US" b="1" dirty="0" err="1" smtClean="0"/>
-              <a:t>Scrumdo</a:t>
-            </a:r>
-            <a:r>
-              <a:rPr lang="en-US" b="1" dirty="0" smtClean="0"/>
-              <a:t> ” repo</a:t>
-            </a:r>
-            <a:endParaRPr lang="en-US" dirty="0" smtClean="0"/>
-          </a:p>
-          <a:p>
-            <a:r>
-              <a:rPr lang="en-US" dirty="0" smtClean="0"/>
-              <a:t>To fork this project, click the “Fork” button.</a:t>
-            </a:r>
-          </a:p>
-          <a:p>
-            <a:endParaRPr lang="en-US" b="1" dirty="0" smtClean="0">
-              <a:solidFill>
-                <a:srgbClr val="486DA2"/>
-              </a:solidFill>
-              <a:latin typeface="Verdana" pitchFamily="34" charset="0"/>
-            </a:endParaRPr>
-          </a:p>
-          <a:p>
-            <a:r>
-              <a:rPr lang="en-US" b="1" dirty="0" smtClean="0"/>
-              <a:t>Step 2 : Set Up Your Local Repo</a:t>
-            </a:r>
-          </a:p>
-          <a:p>
-            <a:r>
-              <a:rPr lang="en-US" dirty="0" smtClean="0"/>
-              <a:t>You’ve successfully forked the </a:t>
-            </a:r>
-            <a:r>
-              <a:rPr lang="en-US" dirty="0" err="1" smtClean="0"/>
-              <a:t>Scrumdo</a:t>
-            </a:r>
-            <a:r>
-              <a:rPr lang="en-US" dirty="0" smtClean="0"/>
-              <a:t> repo, but so far it only exists on </a:t>
-            </a:r>
-            <a:r>
-              <a:rPr lang="en-US" dirty="0" err="1" smtClean="0"/>
-              <a:t>GitHub</a:t>
-            </a:r>
-            <a:r>
-              <a:rPr lang="en-US" dirty="0" smtClean="0"/>
-              <a:t>. To be able to work on the project, you will need to clone it to your local machine.</a:t>
-            </a:r>
-          </a:p>
-          <a:p>
-            <a:endParaRPr lang="en-US" dirty="0" smtClean="0"/>
-          </a:p>
-          <a:p>
-            <a:r>
-              <a:rPr lang="en-US" b="1" dirty="0" smtClean="0"/>
-              <a:t>Step 2A: Clone the “</a:t>
-            </a:r>
-            <a:r>
-              <a:rPr lang="en-US" b="1" dirty="0" err="1" smtClean="0"/>
-              <a:t>Scrumdo</a:t>
-            </a:r>
-            <a:r>
-              <a:rPr lang="en-US" b="1" dirty="0" smtClean="0"/>
-              <a:t>” project</a:t>
-            </a:r>
-            <a:endParaRPr lang="en-US" dirty="0" smtClean="0"/>
-          </a:p>
-          <a:p>
-            <a:r>
-              <a:rPr lang="en-US" dirty="0" smtClean="0"/>
-              <a:t>Run the following code:	</a:t>
-            </a:r>
+              <a:t>We can roll back one commit clearing our staging area and working directory with the following command:</a:t>
+            </a:r>
+          </a:p>
+          <a:p>
             <a:r>
               <a:rPr lang="en-US" sz="1100" dirty="0" smtClean="0">
                 <a:latin typeface="Courier New" pitchFamily="49" charset="0"/>
@@ -3203,94 +2865,275 @@
                 <a:cs typeface="Courier New" pitchFamily="49" charset="0"/>
                 <a:sym typeface="Wingdings 3"/>
               </a:rPr>
-              <a:t> clone </a:t>
-            </a:r>
-            <a:r>
-              <a:rPr lang="en-US" sz="1100" dirty="0" err="1" smtClean="0">
+              <a:t> reset –hard HEAD^</a:t>
+            </a:r>
+          </a:p>
+          <a:p>
+            <a:endParaRPr lang="en-US" dirty="0" smtClean="0"/>
+          </a:p>
+          <a:p>
+            <a:r>
+              <a:rPr lang="en-US" dirty="0" smtClean="0"/>
+              <a:t>The “HEAD^” portion of the command means that we want to reset the commits to one prior (^) to the HEAD (aka, the latest commit).</a:t>
+            </a:r>
+          </a:p>
+          <a:p>
+            <a:r>
+              <a:rPr lang="en-US" dirty="0" smtClean="0"/>
+              <a:t>This branch has been rolled back to the previous commit.  The new commit we just did was destroyed from history.</a:t>
+            </a:r>
+          </a:p>
+          <a:p>
+            <a:endParaRPr lang="en-US" dirty="0" smtClean="0"/>
+          </a:p>
+          <a:p>
+            <a:r>
+              <a:rPr lang="en-US" sz="1100" b="1" i="1" dirty="0" smtClean="0"/>
+              <a:t>SIDE NOTE: </a:t>
+            </a:r>
+            <a:r>
+              <a:rPr lang="en-US" sz="1100" i="1" dirty="0" smtClean="0"/>
+              <a:t>If you just want to clear your working directory and staging area, but not the latest commit, just issue a “</a:t>
+            </a:r>
+            <a:r>
+              <a:rPr lang="en-US" sz="1100" i="1" dirty="0" err="1" smtClean="0"/>
+              <a:t>git</a:t>
+            </a:r>
+            <a:r>
+              <a:rPr lang="en-US" sz="1100" i="1" dirty="0" smtClean="0"/>
+              <a:t> reset –-hard” command without the “HEAD^”</a:t>
+            </a:r>
+          </a:p>
+          <a:p>
+            <a:endParaRPr lang="en-US" sz="1100" i="1" dirty="0" smtClean="0"/>
+          </a:p>
+          <a:p>
+            <a:pPr>
+              <a:buFont typeface="Arial" pitchFamily="34" charset="0"/>
+              <a:buChar char="•"/>
+            </a:pPr>
+            <a:r>
+              <a:rPr lang="en-US" sz="1100" b="1" dirty="0" smtClean="0">
+                <a:solidFill>
+                  <a:srgbClr val="486DA2"/>
+                </a:solidFill>
+                <a:latin typeface="Verdana" pitchFamily="34" charset="0"/>
+              </a:rPr>
+              <a:t> GIT Remote</a:t>
+            </a:r>
+          </a:p>
+          <a:p>
+            <a:r>
+              <a:rPr lang="en-US" sz="1100" dirty="0" smtClean="0"/>
+              <a:t>We can look at the remote repository that we’re watching by issuing the following command:</a:t>
+            </a:r>
+          </a:p>
+          <a:p>
+            <a:r>
+              <a:rPr lang="en-US" sz="1050" dirty="0" smtClean="0">
                 <a:latin typeface="Courier New" pitchFamily="49" charset="0"/>
                 <a:cs typeface="Courier New" pitchFamily="49" charset="0"/>
                 <a:sym typeface="Wingdings 3"/>
               </a:rPr>
-              <a:t>git@github.com:username</a:t>
-            </a:r>
-            <a:r>
-              <a:rPr lang="en-US" sz="1100" dirty="0" smtClean="0">
+              <a:t>$ </a:t>
+            </a:r>
+            <a:r>
+              <a:rPr lang="en-US" sz="1050" dirty="0" err="1" smtClean="0">
                 <a:latin typeface="Courier New" pitchFamily="49" charset="0"/>
                 <a:cs typeface="Courier New" pitchFamily="49" charset="0"/>
                 <a:sym typeface="Wingdings 3"/>
               </a:rPr>
-              <a:t>/Scrumdo.git</a:t>
-            </a:r>
-          </a:p>
-          <a:p>
-            <a:endParaRPr lang="en-US" dirty="0" smtClean="0"/>
-          </a:p>
-          <a:p>
-            <a:r>
-              <a:rPr lang="en-US" b="1" dirty="0" smtClean="0"/>
-              <a:t>Step 2B: Configure remotes</a:t>
-            </a:r>
-            <a:endParaRPr lang="en-US" dirty="0" smtClean="0"/>
-          </a:p>
-          <a:p>
-            <a:r>
-              <a:rPr lang="en-US" dirty="0" smtClean="0"/>
-              <a:t>When a repo is cloned, it has a default remote called origin that points to your fork on </a:t>
-            </a:r>
-            <a:r>
-              <a:rPr lang="en-US" dirty="0" err="1" smtClean="0"/>
-              <a:t>GitHub</a:t>
-            </a:r>
-            <a:r>
-              <a:rPr lang="en-US" dirty="0" smtClean="0"/>
-              <a:t>, not the original repo it was forked from. To keep track of the original repo, you need to add another remote named upstream:</a:t>
-            </a:r>
-          </a:p>
-          <a:p>
-            <a:endParaRPr lang="en-US" dirty="0" smtClean="0"/>
-          </a:p>
-          <a:p>
-            <a:r>
-              <a:rPr lang="en-US" sz="1100" dirty="0" smtClean="0">
+              <a:t>git</a:t>
+            </a:r>
+            <a:r>
+              <a:rPr lang="en-US" sz="1050" dirty="0" smtClean="0">
                 <a:latin typeface="Courier New" pitchFamily="49" charset="0"/>
                 <a:cs typeface="Courier New" pitchFamily="49" charset="0"/>
                 <a:sym typeface="Wingdings 3"/>
               </a:rPr>
-              <a:t>$ </a:t>
-            </a:r>
-            <a:r>
-              <a:rPr lang="en-US" sz="1100" dirty="0" err="1" smtClean="0">
+              <a:t> remote -v</a:t>
+            </a:r>
+          </a:p>
+          <a:p>
+            <a:endParaRPr lang="en-US" sz="1100" dirty="0" smtClean="0"/>
+          </a:p>
+          <a:p>
+            <a:pPr>
+              <a:buFont typeface="Arial" pitchFamily="34" charset="0"/>
+              <a:buChar char="•"/>
+            </a:pPr>
+            <a:r>
+              <a:rPr lang="en-US" sz="1100" b="1" dirty="0" smtClean="0">
+                <a:solidFill>
+                  <a:srgbClr val="486DA2"/>
+                </a:solidFill>
+                <a:latin typeface="Verdana" pitchFamily="34" charset="0"/>
+              </a:rPr>
+              <a:t>  GIT Log</a:t>
+            </a:r>
+          </a:p>
+          <a:p>
+            <a:r>
+              <a:rPr lang="en-US" sz="1100" dirty="0" smtClean="0"/>
+              <a:t>We can see all the commits we’ve made to the repository by issuing the following command:</a:t>
+            </a:r>
+          </a:p>
+          <a:p>
+            <a:r>
+              <a:rPr lang="en-US" sz="1050" dirty="0" smtClean="0">
                 <a:latin typeface="Courier New" pitchFamily="49" charset="0"/>
                 <a:cs typeface="Courier New" pitchFamily="49" charset="0"/>
                 <a:sym typeface="Wingdings 3"/>
               </a:rPr>
-              <a:t>cd</a:t>
-            </a:r>
-            <a:r>
-              <a:rPr lang="en-US" sz="1100" dirty="0" smtClean="0">
+              <a:t>$ </a:t>
+            </a:r>
+            <a:r>
+              <a:rPr lang="en-US" sz="1050" dirty="0" err="1" smtClean="0">
                 <a:latin typeface="Courier New" pitchFamily="49" charset="0"/>
                 <a:cs typeface="Courier New" pitchFamily="49" charset="0"/>
                 <a:sym typeface="Wingdings 3"/>
               </a:rPr>
-              <a:t> </a:t>
-            </a:r>
-            <a:r>
-              <a:rPr lang="en-US" sz="1100" dirty="0" err="1" smtClean="0">
+              <a:t>git</a:t>
+            </a:r>
+            <a:r>
+              <a:rPr lang="en-US" sz="1050" dirty="0" smtClean="0">
                 <a:latin typeface="Courier New" pitchFamily="49" charset="0"/>
                 <a:cs typeface="Courier New" pitchFamily="49" charset="0"/>
                 <a:sym typeface="Wingdings 3"/>
               </a:rPr>
-              <a:t>Scrumdo</a:t>
-            </a:r>
-            <a:endParaRPr lang="en-US" sz="1100" dirty="0" smtClean="0">
+              <a:t> log</a:t>
+            </a:r>
+          </a:p>
+          <a:p>
+            <a:endParaRPr lang="en-US" sz="1100" dirty="0" smtClean="0"/>
+          </a:p>
+          <a:p>
+            <a:pPr>
+              <a:buFont typeface="Arial" pitchFamily="34" charset="0"/>
+              <a:buChar char="•"/>
+            </a:pPr>
+            <a:r>
+              <a:rPr lang="en-US" sz="1100" b="1" dirty="0" smtClean="0">
+                <a:solidFill>
+                  <a:srgbClr val="486DA2"/>
+                </a:solidFill>
+                <a:latin typeface="Verdana" pitchFamily="34" charset="0"/>
+              </a:rPr>
+              <a:t>  GIT Clone</a:t>
+            </a:r>
+          </a:p>
+          <a:p>
+            <a:r>
+              <a:rPr lang="en-US" sz="1100" dirty="0" smtClean="0"/>
+              <a:t>If you want to get a copy of an existing </a:t>
+            </a:r>
+            <a:r>
+              <a:rPr lang="en-US" sz="1100" dirty="0" err="1" smtClean="0"/>
+              <a:t>Git</a:t>
+            </a:r>
+            <a:r>
+              <a:rPr lang="en-US" sz="1100" dirty="0" smtClean="0"/>
+              <a:t> repository — for example, a project you’d like to contribute to — the command you need is </a:t>
+            </a:r>
+            <a:r>
+              <a:rPr lang="en-US" sz="1100" dirty="0" err="1" smtClean="0"/>
+              <a:t>git</a:t>
+            </a:r>
+            <a:r>
+              <a:rPr lang="en-US" sz="1100" dirty="0" smtClean="0"/>
+              <a:t> clone.</a:t>
+            </a:r>
+          </a:p>
+          <a:p>
+            <a:r>
+              <a:rPr lang="en-US" sz="1050" dirty="0" smtClean="0">
+                <a:latin typeface="Courier New" pitchFamily="49" charset="0"/>
+                <a:cs typeface="Courier New" pitchFamily="49" charset="0"/>
+                <a:sym typeface="Wingdings 3"/>
+              </a:rPr>
+              <a:t>$ </a:t>
+            </a:r>
+            <a:r>
+              <a:rPr lang="en-US" sz="1050" dirty="0" err="1" smtClean="0">
+                <a:latin typeface="Courier New" pitchFamily="49" charset="0"/>
+                <a:cs typeface="Courier New" pitchFamily="49" charset="0"/>
+                <a:sym typeface="Wingdings 3"/>
+              </a:rPr>
+              <a:t>git</a:t>
+            </a:r>
+            <a:r>
+              <a:rPr lang="en-US" sz="1050" dirty="0" smtClean="0">
+                <a:latin typeface="Courier New" pitchFamily="49" charset="0"/>
+                <a:cs typeface="Courier New" pitchFamily="49" charset="0"/>
+                <a:sym typeface="Wingdings 3"/>
+              </a:rPr>
+              <a:t> clone </a:t>
+            </a:r>
+            <a:r>
+              <a:rPr lang="en-US" sz="1050" dirty="0" err="1" smtClean="0">
+                <a:latin typeface="Courier New" pitchFamily="49" charset="0"/>
+                <a:cs typeface="Courier New" pitchFamily="49" charset="0"/>
+                <a:sym typeface="Wingdings 3"/>
+              </a:rPr>
+              <a:t>your_clone_URL</a:t>
+            </a:r>
+            <a:r>
+              <a:rPr lang="en-US" sz="1050" dirty="0" smtClean="0">
+                <a:latin typeface="Courier New" pitchFamily="49" charset="0"/>
+                <a:cs typeface="Courier New" pitchFamily="49" charset="0"/>
+                <a:sym typeface="Wingdings 3"/>
+              </a:rPr>
+              <a:t> </a:t>
+            </a:r>
+            <a:r>
+              <a:rPr lang="en-US" sz="1050" dirty="0" err="1" smtClean="0">
+                <a:latin typeface="Courier New" pitchFamily="49" charset="0"/>
+                <a:cs typeface="Courier New" pitchFamily="49" charset="0"/>
+                <a:sym typeface="Wingdings 3"/>
+              </a:rPr>
+              <a:t>local_foldername</a:t>
+            </a:r>
+            <a:endParaRPr lang="en-US" sz="1050" dirty="0" smtClean="0">
               <a:latin typeface="Courier New" pitchFamily="49" charset="0"/>
               <a:cs typeface="Courier New" pitchFamily="49" charset="0"/>
               <a:sym typeface="Wingdings 3"/>
             </a:endParaRPr>
           </a:p>
           <a:p>
-            <a:r>
-              <a:rPr lang="en-US" sz="1100" dirty="0" smtClean="0">
+            <a:endParaRPr lang="en-US" sz="1100" dirty="0" smtClean="0"/>
+          </a:p>
+          <a:p>
+            <a:pPr>
+              <a:buFont typeface="Arial" pitchFamily="34" charset="0"/>
+              <a:buChar char="•"/>
+            </a:pPr>
+            <a:r>
+              <a:rPr lang="en-US" sz="1100" b="1" dirty="0" smtClean="0">
+                <a:solidFill>
+                  <a:srgbClr val="486DA2"/>
+                </a:solidFill>
+                <a:latin typeface="Verdana" pitchFamily="34" charset="0"/>
+              </a:rPr>
+              <a:t>  GIT Diff</a:t>
+            </a:r>
+          </a:p>
+          <a:p>
+            <a:r>
+              <a:rPr lang="en-US" sz="1100" dirty="0" smtClean="0"/>
+              <a:t>We can see all the </a:t>
+            </a:r>
+            <a:r>
+              <a:rPr lang="en-US" sz="1100" dirty="0" err="1" smtClean="0"/>
+              <a:t>unstaged</a:t>
+            </a:r>
+            <a:r>
+              <a:rPr lang="en-US" sz="1100" dirty="0" smtClean="0"/>
+              <a:t> files with the following command:</a:t>
+            </a:r>
+          </a:p>
+          <a:p>
+            <a:r>
+              <a:rPr lang="en-US" sz="1050" dirty="0" smtClean="0">
                 <a:latin typeface="Courier New" pitchFamily="49" charset="0"/>
                 <a:cs typeface="Courier New" pitchFamily="49" charset="0"/>
                 <a:sym typeface="Wingdings 3"/>
@@ -3298,7 +3141,7 @@
               <a:t>$ </a:t>
             </a:r>
             <a:r>
-              <a:rPr lang="en-US" sz="1100" dirty="0" err="1" smtClean="0">
+              <a:rPr lang="en-US" sz="1050" dirty="0" err="1" smtClean="0">
                 <a:latin typeface="Courier New" pitchFamily="49" charset="0"/>
                 <a:cs typeface="Courier New" pitchFamily="49" charset="0"/>
                 <a:sym typeface="Wingdings 3"/>
@@ -3306,65 +3149,14 @@
               <a:t>git</a:t>
             </a:r>
             <a:r>
-              <a:rPr lang="en-US" sz="1100" dirty="0" smtClean="0">
+              <a:rPr lang="en-US" sz="1050" dirty="0" smtClean="0">
                 <a:latin typeface="Courier New" pitchFamily="49" charset="0"/>
                 <a:cs typeface="Courier New" pitchFamily="49" charset="0"/>
                 <a:sym typeface="Wingdings 3"/>
               </a:rPr>
-              <a:t> remote add upstream git://github.com/ScrumDoLLC/ScrumDo.git</a:t>
-            </a:r>
-          </a:p>
-          <a:p>
-            <a:r>
-              <a:rPr lang="en-US" sz="1100" dirty="0" smtClean="0">
-                <a:latin typeface="Courier New" pitchFamily="49" charset="0"/>
-                <a:cs typeface="Courier New" pitchFamily="49" charset="0"/>
-                <a:sym typeface="Wingdings 3"/>
-              </a:rPr>
-              <a:t>$ </a:t>
-            </a:r>
-            <a:r>
-              <a:rPr lang="en-US" sz="1100" dirty="0" err="1" smtClean="0">
-                <a:latin typeface="Courier New" pitchFamily="49" charset="0"/>
-                <a:cs typeface="Courier New" pitchFamily="49" charset="0"/>
-                <a:sym typeface="Wingdings 3"/>
-              </a:rPr>
-              <a:t>git</a:t>
-            </a:r>
-            <a:r>
-              <a:rPr lang="en-US" sz="1100" dirty="0" smtClean="0">
-                <a:latin typeface="Courier New" pitchFamily="49" charset="0"/>
-                <a:cs typeface="Courier New" pitchFamily="49" charset="0"/>
-                <a:sym typeface="Wingdings 3"/>
-              </a:rPr>
-              <a:t> fetch upstream</a:t>
-            </a:r>
-          </a:p>
-          <a:p>
-            <a:endParaRPr lang="en-US" sz="1100" dirty="0" smtClean="0">
-              <a:latin typeface="Courier New" pitchFamily="49" charset="0"/>
-              <a:cs typeface="Courier New" pitchFamily="49" charset="0"/>
-              <a:sym typeface="Wingdings 3"/>
-              <a:hlinkClick r:id="rId3"/>
-            </a:endParaRPr>
-          </a:p>
-          <a:p>
-            <a:r>
-              <a:rPr lang="en-US" dirty="0" smtClean="0"/>
-              <a:t>You’ve successfully forked a repo!</a:t>
-            </a:r>
-          </a:p>
-          <a:p>
-            <a:endParaRPr lang="en-US" dirty="0" smtClean="0">
-              <a:sym typeface="Wingdings 3"/>
-              <a:hlinkClick r:id="rId3"/>
-            </a:endParaRPr>
-          </a:p>
-          <a:p>
-            <a:endParaRPr lang="en-US" dirty="0" smtClean="0">
-              <a:sym typeface="Wingdings 3"/>
-              <a:hlinkClick r:id="rId3"/>
-            </a:endParaRPr>
+              <a:t> diff</a:t>
+            </a:r>
+            <a:endParaRPr lang="en-US" sz="1100" i="1" dirty="0" smtClean="0"/>
           </a:p>
           <a:p>
             <a:endParaRPr lang="en-US" dirty="0"/>
@@ -3389,7 +3181,7 @@
             <a:fld id="{06F8F5D6-CB0D-4EDE-B95E-664AB82371FD}" type="slidenum">
               <a:rPr lang="en-US" smtClean="0"/>
               <a:pPr/>
-              <a:t>24</a:t>
+              <a:t>21</a:t>
             </a:fld>
             <a:endParaRPr lang="en-US"/>
           </a:p>
@@ -3444,126 +3236,10 @@
         </p:nvSpPr>
         <p:spPr/>
         <p:txBody>
-          <a:bodyPr>
-            <a:normAutofit/>
-          </a:bodyPr>
+          <a:bodyPr/>
           <a:lstStyle/>
           <a:p>
-            <a:pPr algn="just"/>
-            <a:r>
-              <a:rPr lang="fr-FR" sz="1400" b="1" dirty="0" err="1" smtClean="0">
-                <a:solidFill>
-                  <a:srgbClr val="486DA2"/>
-                </a:solidFill>
-                <a:latin typeface="Verdana" pitchFamily="34" charset="0"/>
-              </a:rPr>
-              <a:t>What</a:t>
-            </a:r>
-            <a:r>
-              <a:rPr lang="fr-FR" sz="1400" b="1" dirty="0" smtClean="0">
-                <a:solidFill>
-                  <a:srgbClr val="486DA2"/>
-                </a:solidFill>
-                <a:latin typeface="Verdana" pitchFamily="34" charset="0"/>
-              </a:rPr>
-              <a:t> </a:t>
-            </a:r>
-            <a:r>
-              <a:rPr lang="fr-FR" sz="1400" b="1" dirty="0" err="1" smtClean="0">
-                <a:solidFill>
-                  <a:srgbClr val="486DA2"/>
-                </a:solidFill>
-                <a:latin typeface="Verdana" pitchFamily="34" charset="0"/>
-              </a:rPr>
-              <a:t>is</a:t>
-            </a:r>
-            <a:r>
-              <a:rPr lang="fr-FR" sz="1400" b="1" dirty="0" smtClean="0">
-                <a:solidFill>
-                  <a:srgbClr val="486DA2"/>
-                </a:solidFill>
-                <a:latin typeface="Verdana" pitchFamily="34" charset="0"/>
-              </a:rPr>
-              <a:t> Version Control?</a:t>
-            </a:r>
-          </a:p>
-          <a:p>
-            <a:pPr algn="just"/>
-            <a:r>
-              <a:rPr lang="en-US" dirty="0" smtClean="0"/>
-              <a:t>It is a system that records changes to a file or set of files over time so that you can recall specific versions later.</a:t>
-            </a:r>
-          </a:p>
-          <a:p>
-            <a:pPr algn="just"/>
-            <a:endParaRPr lang="en-US" sz="1400" b="1" dirty="0" smtClean="0">
-              <a:solidFill>
-                <a:srgbClr val="486DA2"/>
-              </a:solidFill>
-              <a:latin typeface="Verdana" pitchFamily="34" charset="0"/>
-            </a:endParaRPr>
-          </a:p>
-          <a:p>
-            <a:pPr algn="just"/>
-            <a:r>
-              <a:rPr lang="en-US" sz="1400" b="1" dirty="0" smtClean="0">
-                <a:solidFill>
-                  <a:srgbClr val="486DA2"/>
-                </a:solidFill>
-                <a:latin typeface="Verdana" pitchFamily="34" charset="0"/>
-              </a:rPr>
-              <a:t>Some of the features include:</a:t>
-            </a:r>
-          </a:p>
-          <a:p>
-            <a:pPr algn="just">
-              <a:buFont typeface="Arial" pitchFamily="34" charset="0"/>
-              <a:buChar char="•"/>
-            </a:pPr>
-            <a:r>
-              <a:rPr lang="en-US" dirty="0" smtClean="0"/>
-              <a:t> Revert files back to a previous state</a:t>
-            </a:r>
-          </a:p>
-          <a:p>
-            <a:pPr algn="just">
-              <a:buFont typeface="Arial" pitchFamily="34" charset="0"/>
-              <a:buChar char="•"/>
-            </a:pPr>
-            <a:r>
-              <a:rPr lang="en-US" dirty="0" smtClean="0"/>
-              <a:t> Revert the entire project back to a previous state</a:t>
-            </a:r>
-          </a:p>
-          <a:p>
-            <a:pPr algn="just">
-              <a:buFont typeface="Arial" pitchFamily="34" charset="0"/>
-              <a:buChar char="•"/>
-            </a:pPr>
-            <a:r>
-              <a:rPr lang="en-US" dirty="0" smtClean="0"/>
-              <a:t> Compare changes over time</a:t>
-            </a:r>
-          </a:p>
-          <a:p>
-            <a:pPr algn="just">
-              <a:buFont typeface="Arial" pitchFamily="34" charset="0"/>
-              <a:buChar char="•"/>
-            </a:pPr>
-            <a:r>
-              <a:rPr lang="en-US" dirty="0" smtClean="0"/>
-              <a:t> See who last modified something that might be causing a problem</a:t>
-            </a:r>
-          </a:p>
-          <a:p>
-            <a:pPr algn="just">
-              <a:buFont typeface="Arial" pitchFamily="34" charset="0"/>
-              <a:buChar char="•"/>
-            </a:pPr>
-            <a:r>
-              <a:rPr lang="en-US" dirty="0" smtClean="0"/>
-              <a:t> See who introduced an issue and when, and more.</a:t>
-            </a:r>
+            <a:endParaRPr lang="en-US" dirty="0"/>
           </a:p>
         </p:txBody>
       </p:sp>
@@ -3585,13 +3261,18 @@
             <a:fld id="{06F8F5D6-CB0D-4EDE-B95E-664AB82371FD}" type="slidenum">
               <a:rPr lang="en-US" smtClean="0"/>
               <a:pPr/>
-              <a:t>3</a:t>
+              <a:t>2</a:t>
             </a:fld>
             <a:endParaRPr lang="en-US"/>
           </a:p>
         </p:txBody>
       </p:sp>
     </p:spTree>
+    <p:extLst>
+      <p:ext uri="{BB962C8B-B14F-4D97-AF65-F5344CB8AC3E}">
+        <p14:creationId xmlns:p14="http://schemas.microsoft.com/office/powerpoint/2010/main" val="2121407833"/>
+      </p:ext>
+    </p:extLst>
   </p:cSld>
   <p:clrMapOvr>
     <a:masterClrMapping/>
@@ -3641,22 +3322,20 @@
         <p:spPr/>
         <p:txBody>
           <a:bodyPr>
-            <a:normAutofit fontScale="85000" lnSpcReduction="20000"/>
+            <a:normAutofit fontScale="92500" lnSpcReduction="10000"/>
           </a:bodyPr>
           <a:lstStyle/>
           <a:p>
             <a:r>
-              <a:rPr lang="en-US" b="1" dirty="0" smtClean="0"/>
-              <a:t>Push commits:</a:t>
-            </a:r>
-          </a:p>
-          <a:p>
-            <a:r>
               <a:rPr lang="en-US" dirty="0" smtClean="0"/>
-              <a:t>Once you’ve made some commits to a forked repo and want to push it to your forked project, you do it the same way you would with a regular repo:</a:t>
-            </a:r>
-          </a:p>
-          <a:p>
+              <a:t>Now let’s imagine that we have a task that states “Prompt user for their name and say hello back to them, including their name”.  Let’s create a new branch locally so that we have a separate place to do our active development for this task.</a:t>
+            </a:r>
+          </a:p>
+          <a:p>
+            <a:r>
+              <a:rPr lang="en-US" dirty="0" smtClean="0"/>
+              <a:t>Issue the command:  </a:t>
+            </a:r>
             <a:r>
               <a:rPr lang="en-US" sz="1100" dirty="0" smtClean="0">
                 <a:latin typeface="Courier New" pitchFamily="49" charset="0"/>
@@ -3679,32 +3358,7 @@
                 <a:cs typeface="Courier New" pitchFamily="49" charset="0"/>
                 <a:sym typeface="Wingdings 3"/>
               </a:rPr>
-              <a:t> push origin master</a:t>
-            </a:r>
-          </a:p>
-          <a:p>
-            <a:endParaRPr lang="en-US" dirty="0" smtClean="0"/>
-          </a:p>
-          <a:p>
-            <a:r>
-              <a:rPr lang="en-US" b="1" dirty="0" smtClean="0"/>
-              <a:t>Pull in upstream changes:</a:t>
-            </a:r>
-          </a:p>
-          <a:p>
-            <a:r>
-              <a:rPr lang="en-US" dirty="0" smtClean="0"/>
-              <a:t>If the original repo you forked your project from gets updated, you can add those updates to your fork by running the code:</a:t>
-            </a:r>
-          </a:p>
-          <a:p>
-            <a:r>
-              <a:rPr lang="en-US" sz="1100" dirty="0" smtClean="0">
-                <a:latin typeface="Courier New" pitchFamily="49" charset="0"/>
-                <a:cs typeface="Courier New" pitchFamily="49" charset="0"/>
-                <a:sym typeface="Wingdings 3"/>
-              </a:rPr>
-              <a:t>$ </a:t>
+              <a:t> checkout -b </a:t>
             </a:r>
             <a:r>
               <a:rPr lang="en-US" sz="1100" dirty="0" err="1" smtClean="0">
@@ -3712,137 +3366,293 @@
                 <a:cs typeface="Courier New" pitchFamily="49" charset="0"/>
                 <a:sym typeface="Wingdings 3"/>
               </a:rPr>
+              <a:t>user_prompt</a:t>
+            </a:r>
+            <a:endParaRPr lang="en-US" sz="1100" dirty="0" smtClean="0">
+              <a:latin typeface="Courier New" pitchFamily="49" charset="0"/>
+              <a:cs typeface="Courier New" pitchFamily="49" charset="0"/>
+              <a:sym typeface="Wingdings 3"/>
+            </a:endParaRPr>
+          </a:p>
+          <a:p>
+            <a:endParaRPr lang="en-US" dirty="0" smtClean="0"/>
+          </a:p>
+          <a:p>
+            <a:r>
+              <a:rPr lang="en-US" dirty="0" smtClean="0"/>
+              <a:t>A couple things to notice:</a:t>
+            </a:r>
+          </a:p>
+          <a:p>
+            <a:pPr marL="228600" indent="-228600">
+              <a:buAutoNum type="arabicPeriod"/>
+            </a:pPr>
+            <a:r>
+              <a:rPr lang="en-US" dirty="0" smtClean="0"/>
+              <a:t>It says “Switched to a new branch ‘</a:t>
+            </a:r>
+            <a:r>
+              <a:rPr lang="en-US" dirty="0" err="1" smtClean="0"/>
+              <a:t>user_prompt</a:t>
+            </a:r>
+            <a:r>
+              <a:rPr lang="en-US" dirty="0" smtClean="0"/>
+              <a:t>’”.  The “</a:t>
+            </a:r>
+            <a:r>
+              <a:rPr lang="en-US" dirty="0" err="1" smtClean="0"/>
               <a:t>git</a:t>
             </a:r>
             <a:r>
-              <a:rPr lang="en-US" sz="1100" dirty="0" smtClean="0">
-                <a:latin typeface="Courier New" pitchFamily="49" charset="0"/>
-                <a:cs typeface="Courier New" pitchFamily="49" charset="0"/>
-                <a:sym typeface="Wingdings 3"/>
-              </a:rPr>
-              <a:t> fetch upstream</a:t>
-            </a:r>
-          </a:p>
-          <a:p>
-            <a:r>
-              <a:rPr lang="en-US" sz="1100" dirty="0" smtClean="0">
-                <a:latin typeface="Courier New" pitchFamily="49" charset="0"/>
-                <a:cs typeface="Courier New" pitchFamily="49" charset="0"/>
-                <a:sym typeface="Wingdings 3"/>
-              </a:rPr>
-              <a:t>$ </a:t>
-            </a:r>
-            <a:r>
-              <a:rPr lang="en-US" sz="1100" dirty="0" err="1" smtClean="0">
-                <a:latin typeface="Courier New" pitchFamily="49" charset="0"/>
-                <a:cs typeface="Courier New" pitchFamily="49" charset="0"/>
-                <a:sym typeface="Wingdings 3"/>
-              </a:rPr>
+              <a:rPr lang="en-US" dirty="0" smtClean="0"/>
+              <a:t> checkout –b” command creates a new branch by the name following the command and then checks it out automatically.  This is the shorthand version of doing “</a:t>
+            </a:r>
+            <a:r>
+              <a:rPr lang="en-US" dirty="0" err="1" smtClean="0"/>
               <a:t>git</a:t>
             </a:r>
             <a:r>
-              <a:rPr lang="en-US" sz="1100" dirty="0" smtClean="0">
-                <a:latin typeface="Courier New" pitchFamily="49" charset="0"/>
-                <a:cs typeface="Courier New" pitchFamily="49" charset="0"/>
-                <a:sym typeface="Wingdings 3"/>
-              </a:rPr>
-              <a:t> merge upstream/master</a:t>
-            </a:r>
-          </a:p>
-          <a:p>
+              <a:rPr lang="en-US" dirty="0" smtClean="0"/>
+              <a:t> branch </a:t>
+            </a:r>
+            <a:r>
+              <a:rPr lang="en-US" dirty="0" err="1" smtClean="0"/>
+              <a:t>user_prompt</a:t>
+            </a:r>
+            <a:r>
+              <a:rPr lang="en-US" dirty="0" smtClean="0"/>
+              <a:t>” and then “</a:t>
+            </a:r>
+            <a:r>
+              <a:rPr lang="en-US" dirty="0" err="1" smtClean="0"/>
+              <a:t>git</a:t>
+            </a:r>
+            <a:r>
+              <a:rPr lang="en-US" dirty="0" smtClean="0"/>
+              <a:t> checkout </a:t>
+            </a:r>
+            <a:r>
+              <a:rPr lang="en-US" dirty="0" err="1" smtClean="0"/>
+              <a:t>user_prompt</a:t>
+            </a:r>
+            <a:r>
+              <a:rPr lang="en-US" dirty="0" smtClean="0"/>
+              <a:t>”.</a:t>
+            </a:r>
+          </a:p>
+          <a:p>
+            <a:pPr marL="228600" indent="-228600">
+              <a:buAutoNum type="arabicPeriod"/>
+            </a:pPr>
             <a:endParaRPr lang="en-US" dirty="0" smtClean="0"/>
           </a:p>
           <a:p>
             <a:r>
+              <a:rPr lang="en-US" dirty="0" smtClean="0"/>
+              <a:t>2. It shows the “(</a:t>
+            </a:r>
+            <a:r>
+              <a:rPr lang="en-US" dirty="0" err="1" smtClean="0"/>
+              <a:t>user_prompt</a:t>
+            </a:r>
+            <a:r>
+              <a:rPr lang="en-US" dirty="0" smtClean="0"/>
+              <a:t>)” text at the end of bash prompt which means that we’re on the </a:t>
+            </a:r>
+            <a:r>
+              <a:rPr lang="en-US" dirty="0" err="1" smtClean="0"/>
+              <a:t>user_prompt</a:t>
+            </a:r>
+            <a:r>
+              <a:rPr lang="en-US" dirty="0" smtClean="0"/>
+              <a:t> branch.  To verify we can issue “</a:t>
+            </a:r>
+            <a:r>
+              <a:rPr lang="en-US" dirty="0" err="1" smtClean="0"/>
+              <a:t>git</a:t>
+            </a:r>
+            <a:r>
+              <a:rPr lang="en-US" dirty="0" smtClean="0"/>
+              <a:t> branch” command that lists all the local branches. Here the (*) next to name indicates the active branch.</a:t>
+            </a:r>
+          </a:p>
+          <a:p>
+            <a:pPr>
+              <a:buFont typeface="Arial" pitchFamily="34" charset="0"/>
+              <a:buChar char="•"/>
+            </a:pPr>
+            <a:endParaRPr lang="en-US" sz="1200" b="1" dirty="0" smtClean="0">
+              <a:solidFill>
+                <a:srgbClr val="486DA2"/>
+              </a:solidFill>
+              <a:latin typeface="Verdana" pitchFamily="34" charset="0"/>
+            </a:endParaRPr>
+          </a:p>
+          <a:p>
+            <a:pPr>
+              <a:buFont typeface="Arial" pitchFamily="34" charset="0"/>
+              <a:buChar char="•"/>
+            </a:pPr>
+            <a:r>
+              <a:rPr lang="en-US" sz="1200" b="1" dirty="0" smtClean="0">
+                <a:solidFill>
+                  <a:srgbClr val="486DA2"/>
+                </a:solidFill>
+                <a:latin typeface="Verdana" pitchFamily="34" charset="0"/>
+              </a:rPr>
+              <a:t>GIT Branch</a:t>
+            </a:r>
+          </a:p>
+          <a:p>
+            <a:r>
+              <a:rPr lang="en-US" sz="1200" dirty="0" smtClean="0"/>
+              <a:t>You can run “</a:t>
+            </a:r>
+            <a:r>
+              <a:rPr lang="en-US" sz="1200" b="1" dirty="0" err="1" smtClean="0"/>
+              <a:t>git</a:t>
+            </a:r>
+            <a:r>
+              <a:rPr lang="en-US" sz="1200" b="1" dirty="0" smtClean="0"/>
+              <a:t> branch</a:t>
+            </a:r>
+            <a:r>
+              <a:rPr lang="en-US" sz="1200" dirty="0" smtClean="0"/>
+              <a:t>” to see what branch you’re on, but </a:t>
+            </a:r>
+            <a:r>
+              <a:rPr lang="en-US" sz="1200" dirty="0" err="1" smtClean="0"/>
+              <a:t>msysgit</a:t>
+            </a:r>
+            <a:r>
+              <a:rPr lang="en-US" sz="1200" dirty="0" smtClean="0"/>
+              <a:t> let’s you know via the end of your bash prompt “(master)”. [For more information go </a:t>
+            </a:r>
+            <a:r>
+              <a:rPr lang="en-US" sz="1200" dirty="0" smtClean="0">
+                <a:hlinkClick r:id="rId3" action="ppaction://hlinksldjump"/>
+              </a:rPr>
+              <a:t>here</a:t>
+            </a:r>
+            <a:r>
+              <a:rPr lang="en-US" sz="1200" dirty="0" smtClean="0"/>
+              <a:t>]</a:t>
+            </a:r>
+          </a:p>
+          <a:p>
+            <a:r>
+              <a:rPr lang="en-US" sz="1200" dirty="0" smtClean="0"/>
+              <a:t>The branch name with the asterisk (*) next to it is the active branch.  In this case I only have the one branch, master.</a:t>
+            </a:r>
+          </a:p>
+          <a:p>
+            <a:pPr marL="0" marR="0" indent="0" algn="l" defTabSz="914400" rtl="0" eaLnBrk="1" fontAlgn="auto" latinLnBrk="0" hangingPunct="1">
+              <a:lnSpc>
+                <a:spcPct val="100000"/>
+              </a:lnSpc>
+              <a:spcBef>
+                <a:spcPts val="0"/>
+              </a:spcBef>
+              <a:spcAft>
+                <a:spcPts val="0"/>
+              </a:spcAft>
+              <a:buClrTx/>
+              <a:buSzTx/>
+              <a:buFontTx/>
+              <a:buNone/>
+              <a:tabLst/>
+              <a:defRPr/>
+            </a:pPr>
+            <a:endParaRPr lang="en-US" b="1" dirty="0" smtClean="0"/>
+          </a:p>
+          <a:p>
+            <a:pPr marL="0" marR="0" indent="0" algn="l" defTabSz="914400" rtl="0" eaLnBrk="1" fontAlgn="auto" latinLnBrk="0" hangingPunct="1">
+              <a:lnSpc>
+                <a:spcPct val="100000"/>
+              </a:lnSpc>
+              <a:spcBef>
+                <a:spcPts val="0"/>
+              </a:spcBef>
+              <a:spcAft>
+                <a:spcPts val="0"/>
+              </a:spcAft>
+              <a:buClrTx/>
+              <a:buSzTx/>
+              <a:buFontTx/>
+              <a:buNone/>
+              <a:tabLst/>
+              <a:defRPr/>
+            </a:pPr>
+            <a:r>
               <a:rPr lang="en-US" b="1" dirty="0" smtClean="0"/>
-              <a:t>Work with branches:</a:t>
-            </a:r>
-          </a:p>
-          <a:p>
+              <a:t>To create a remote branch on </a:t>
+            </a:r>
+            <a:r>
+              <a:rPr lang="en-US" b="1" dirty="0" err="1" smtClean="0"/>
+              <a:t>github</a:t>
+            </a:r>
+            <a:r>
+              <a:rPr lang="en-US" b="1" dirty="0" smtClean="0"/>
+              <a:t> that is a replica of your local branch</a:t>
+            </a:r>
+          </a:p>
+          <a:p>
+            <a:pPr marL="0" marR="0" indent="0" algn="l" defTabSz="914400" rtl="0" eaLnBrk="1" fontAlgn="auto" latinLnBrk="0" hangingPunct="1">
+              <a:lnSpc>
+                <a:spcPct val="100000"/>
+              </a:lnSpc>
+              <a:spcBef>
+                <a:spcPts val="0"/>
+              </a:spcBef>
+              <a:spcAft>
+                <a:spcPts val="0"/>
+              </a:spcAft>
+              <a:buClrTx/>
+              <a:buSzTx/>
+              <a:buFontTx/>
+              <a:buNone/>
+              <a:tabLst/>
+              <a:defRPr/>
+            </a:pPr>
+            <a:endParaRPr lang="en-US" dirty="0" smtClean="0"/>
+          </a:p>
+          <a:p>
+            <a:pPr marL="0" marR="0" indent="0" algn="l" defTabSz="914400" rtl="0" eaLnBrk="1" fontAlgn="auto" latinLnBrk="0" hangingPunct="1">
+              <a:lnSpc>
+                <a:spcPct val="100000"/>
+              </a:lnSpc>
+              <a:spcBef>
+                <a:spcPts val="0"/>
+              </a:spcBef>
+              <a:spcAft>
+                <a:spcPts val="0"/>
+              </a:spcAft>
+              <a:buClrTx/>
+              <a:buSzTx/>
+              <a:buFontTx/>
+              <a:buNone/>
+              <a:tabLst/>
+              <a:defRPr/>
+            </a:pPr>
             <a:r>
               <a:rPr lang="en-US" dirty="0" smtClean="0"/>
-              <a:t>Branching allows you to build new features or test out ideas without putting your main project at risk. A </a:t>
+              <a:t>Suppose you created a local </a:t>
+            </a:r>
+            <a:r>
+              <a:rPr lang="en-US" i="1" dirty="0" err="1" smtClean="0"/>
+              <a:t>plugin</a:t>
+            </a:r>
+            <a:r>
+              <a:rPr lang="en-US" dirty="0" smtClean="0"/>
+              <a:t> branch that you want to expose to others through your </a:t>
             </a:r>
             <a:r>
               <a:rPr lang="en-US" dirty="0" err="1" smtClean="0"/>
-              <a:t>Git</a:t>
+              <a:t>GitHub</a:t>
             </a:r>
             <a:r>
               <a:rPr lang="en-US" dirty="0" smtClean="0"/>
-              <a:t> branch is a small file that references the commit it was spawned from. This makes </a:t>
-            </a:r>
-            <a:r>
-              <a:rPr lang="en-US" dirty="0" err="1" smtClean="0"/>
-              <a:t>Git</a:t>
-            </a:r>
-            <a:r>
-              <a:rPr lang="en-US" dirty="0" smtClean="0"/>
-              <a:t> branches very small and easy to work with.</a:t>
-            </a:r>
-          </a:p>
-          <a:p>
-            <a:endParaRPr lang="en-US" dirty="0" smtClean="0"/>
-          </a:p>
-          <a:p>
-            <a:r>
-              <a:rPr lang="en-US" b="1" dirty="0" smtClean="0"/>
-              <a:t>Pull requests:</a:t>
-            </a:r>
-          </a:p>
-          <a:p>
-            <a:r>
-              <a:rPr lang="en-US" dirty="0" smtClean="0"/>
-              <a:t>If you are hoping to contribute back to the original fork, you can send the original author a pull request.</a:t>
-            </a:r>
-          </a:p>
-          <a:p>
-            <a:endParaRPr lang="en-US" b="1" dirty="0" smtClean="0"/>
-          </a:p>
-          <a:p>
-            <a:r>
-              <a:rPr lang="en-US" b="1" dirty="0" err="1" smtClean="0"/>
-              <a:t>Unwatch</a:t>
-            </a:r>
-            <a:r>
-              <a:rPr lang="en-US" b="1" dirty="0" smtClean="0"/>
-              <a:t> the main repo:</a:t>
-            </a:r>
-          </a:p>
-          <a:p>
-            <a:r>
-              <a:rPr lang="en-US" dirty="0" smtClean="0"/>
-              <a:t>When you fork a particularly popular repo, you may find yourself with a lot of unwanted updates about it. To unsubscribe from updates to the main repo, click the “</a:t>
-            </a:r>
-            <a:r>
-              <a:rPr lang="en-US" dirty="0" err="1" smtClean="0"/>
-              <a:t>Unwatch</a:t>
-            </a:r>
-            <a:r>
-              <a:rPr lang="en-US" dirty="0" smtClean="0"/>
-              <a:t>” button on the </a:t>
-            </a:r>
-            <a:r>
-              <a:rPr lang="en-US" b="1" dirty="0" smtClean="0"/>
-              <a:t>main repo</a:t>
-            </a:r>
-            <a:r>
-              <a:rPr lang="en-US" dirty="0" smtClean="0"/>
-              <a:t>.</a:t>
-            </a:r>
-          </a:p>
-          <a:p>
-            <a:endParaRPr lang="en-US" b="1" dirty="0" smtClean="0"/>
-          </a:p>
-          <a:p>
-            <a:r>
-              <a:rPr lang="en-US" b="1" dirty="0" smtClean="0"/>
-              <a:t>Delete your fork:</a:t>
-            </a:r>
-          </a:p>
-          <a:p>
-            <a:r>
-              <a:rPr lang="en-US" dirty="0" smtClean="0"/>
-              <a:t>At some point you may decide that you want to delete your fork. To delete a fork, just follow the same steps as you would to delete a regular repo.</a:t>
+              <a:t> repository but you are not yet confident enough to put it into the master branch.</a:t>
             </a:r>
           </a:p>
           <a:p>
@@ -3871,7 +3681,7 @@
             <a:fld id="{06F8F5D6-CB0D-4EDE-B95E-664AB82371FD}" type="slidenum">
               <a:rPr lang="en-US" smtClean="0"/>
               <a:pPr/>
-              <a:t>25</a:t>
+              <a:t>22</a:t>
             </a:fld>
             <a:endParaRPr lang="en-US"/>
           </a:p>
@@ -3886,6 +3696,752 @@
 </file>
 
 <file path=ppt/notesSlides/notesSlide21.xml><?xml version="1.0" encoding="utf-8"?>
+<p:notes xmlns:a="http://schemas.openxmlformats.org/drawingml/2006/main" xmlns:r="http://schemas.openxmlformats.org/officeDocument/2006/relationships" xmlns:p="http://schemas.openxmlformats.org/presentationml/2006/main">
+  <p:cSld>
+    <p:spTree>
+      <p:nvGrpSpPr>
+        <p:cNvPr id="1" name=""/>
+        <p:cNvGrpSpPr/>
+        <p:nvPr/>
+      </p:nvGrpSpPr>
+      <p:grpSpPr>
+        <a:xfrm>
+          <a:off x="0" y="0"/>
+          <a:ext cx="0" cy="0"/>
+          <a:chOff x="0" y="0"/>
+          <a:chExt cx="0" cy="0"/>
+        </a:xfrm>
+      </p:grpSpPr>
+      <p:sp>
+        <p:nvSpPr>
+          <p:cNvPr id="2" name="Slide Image Placeholder 1"/>
+          <p:cNvSpPr>
+            <a:spLocks noGrp="1" noRot="1" noChangeAspect="1"/>
+          </p:cNvSpPr>
+          <p:nvPr>
+            <p:ph type="sldImg"/>
+          </p:nvPr>
+        </p:nvSpPr>
+        <p:spPr/>
+      </p:sp>
+      <p:sp>
+        <p:nvSpPr>
+          <p:cNvPr id="3" name="Notes Placeholder 2"/>
+          <p:cNvSpPr>
+            <a:spLocks noGrp="1"/>
+          </p:cNvSpPr>
+          <p:nvPr>
+            <p:ph type="body" idx="1"/>
+          </p:nvPr>
+        </p:nvSpPr>
+        <p:spPr/>
+        <p:txBody>
+          <a:bodyPr>
+            <a:normAutofit/>
+          </a:bodyPr>
+          <a:lstStyle/>
+          <a:p>
+            <a:endParaRPr lang="en-US" dirty="0"/>
+          </a:p>
+        </p:txBody>
+      </p:sp>
+      <p:sp>
+        <p:nvSpPr>
+          <p:cNvPr id="4" name="Slide Number Placeholder 3"/>
+          <p:cNvSpPr>
+            <a:spLocks noGrp="1"/>
+          </p:cNvSpPr>
+          <p:nvPr>
+            <p:ph type="sldNum" sz="quarter" idx="10"/>
+          </p:nvPr>
+        </p:nvSpPr>
+        <p:spPr/>
+        <p:txBody>
+          <a:bodyPr/>
+          <a:lstStyle/>
+          <a:p>
+            <a:fld id="{06F8F5D6-CB0D-4EDE-B95E-664AB82371FD}" type="slidenum">
+              <a:rPr lang="en-US" smtClean="0"/>
+              <a:pPr/>
+              <a:t>23</a:t>
+            </a:fld>
+            <a:endParaRPr lang="en-US"/>
+          </a:p>
+        </p:txBody>
+      </p:sp>
+    </p:spTree>
+  </p:cSld>
+  <p:clrMapOvr>
+    <a:masterClrMapping/>
+  </p:clrMapOvr>
+</p:notes>
+</file>
+
+<file path=ppt/notesSlides/notesSlide22.xml><?xml version="1.0" encoding="utf-8"?>
+<p:notes xmlns:a="http://schemas.openxmlformats.org/drawingml/2006/main" xmlns:r="http://schemas.openxmlformats.org/officeDocument/2006/relationships" xmlns:p="http://schemas.openxmlformats.org/presentationml/2006/main">
+  <p:cSld>
+    <p:spTree>
+      <p:nvGrpSpPr>
+        <p:cNvPr id="1" name=""/>
+        <p:cNvGrpSpPr/>
+        <p:nvPr/>
+      </p:nvGrpSpPr>
+      <p:grpSpPr>
+        <a:xfrm>
+          <a:off x="0" y="0"/>
+          <a:ext cx="0" cy="0"/>
+          <a:chOff x="0" y="0"/>
+          <a:chExt cx="0" cy="0"/>
+        </a:xfrm>
+      </p:grpSpPr>
+      <p:sp>
+        <p:nvSpPr>
+          <p:cNvPr id="2" name="Slide Image Placeholder 1"/>
+          <p:cNvSpPr>
+            <a:spLocks noGrp="1" noRot="1" noChangeAspect="1"/>
+          </p:cNvSpPr>
+          <p:nvPr>
+            <p:ph type="sldImg"/>
+          </p:nvPr>
+        </p:nvSpPr>
+        <p:spPr/>
+      </p:sp>
+      <p:sp>
+        <p:nvSpPr>
+          <p:cNvPr id="3" name="Notes Placeholder 2"/>
+          <p:cNvSpPr>
+            <a:spLocks noGrp="1"/>
+          </p:cNvSpPr>
+          <p:nvPr>
+            <p:ph type="body" idx="1"/>
+          </p:nvPr>
+        </p:nvSpPr>
+        <p:spPr/>
+        <p:txBody>
+          <a:bodyPr>
+            <a:normAutofit fontScale="92500" lnSpcReduction="20000"/>
+          </a:bodyPr>
+          <a:lstStyle/>
+          <a:p>
+            <a:r>
+              <a:rPr lang="en-US" dirty="0" smtClean="0"/>
+              <a:t>At some point you may find yourself wanting to contribute to someone else’s project, or would like to use someone’s project as the starting point for your own. This is known as “forking.” </a:t>
+            </a:r>
+          </a:p>
+          <a:p>
+            <a:endParaRPr lang="en-US" dirty="0" smtClean="0"/>
+          </a:p>
+          <a:p>
+            <a:r>
+              <a:rPr lang="en-US" dirty="0" smtClean="0"/>
+              <a:t>For this tutorial, we’ll be using the </a:t>
+            </a:r>
+            <a:r>
+              <a:rPr lang="en-US" dirty="0" err="1" smtClean="0"/>
+              <a:t>Scrumdo</a:t>
+            </a:r>
+            <a:r>
+              <a:rPr lang="en-US" dirty="0" smtClean="0"/>
+              <a:t> project.</a:t>
+            </a:r>
+          </a:p>
+          <a:p>
+            <a:endParaRPr lang="en-US" b="1" dirty="0" smtClean="0">
+              <a:solidFill>
+                <a:srgbClr val="486DA2"/>
+              </a:solidFill>
+              <a:latin typeface="Verdana" pitchFamily="34" charset="0"/>
+            </a:endParaRPr>
+          </a:p>
+          <a:p>
+            <a:r>
+              <a:rPr lang="en-US" b="1" dirty="0" smtClean="0"/>
+              <a:t>Step 1: Fork the “</a:t>
+            </a:r>
+            <a:r>
+              <a:rPr lang="en-US" b="1" dirty="0" err="1" smtClean="0"/>
+              <a:t>Scrumdo</a:t>
+            </a:r>
+            <a:r>
+              <a:rPr lang="en-US" b="1" dirty="0" smtClean="0"/>
+              <a:t> ” repo</a:t>
+            </a:r>
+            <a:endParaRPr lang="en-US" dirty="0" smtClean="0"/>
+          </a:p>
+          <a:p>
+            <a:r>
+              <a:rPr lang="en-US" dirty="0" smtClean="0"/>
+              <a:t>To fork this project, click the “Fork” button.</a:t>
+            </a:r>
+          </a:p>
+          <a:p>
+            <a:endParaRPr lang="en-US" b="1" dirty="0" smtClean="0">
+              <a:solidFill>
+                <a:srgbClr val="486DA2"/>
+              </a:solidFill>
+              <a:latin typeface="Verdana" pitchFamily="34" charset="0"/>
+            </a:endParaRPr>
+          </a:p>
+          <a:p>
+            <a:r>
+              <a:rPr lang="en-US" b="1" dirty="0" smtClean="0"/>
+              <a:t>Step 2 : Set Up Your Local Repo</a:t>
+            </a:r>
+          </a:p>
+          <a:p>
+            <a:r>
+              <a:rPr lang="en-US" dirty="0" smtClean="0"/>
+              <a:t>You’ve successfully forked the </a:t>
+            </a:r>
+            <a:r>
+              <a:rPr lang="en-US" dirty="0" err="1" smtClean="0"/>
+              <a:t>Scrumdo</a:t>
+            </a:r>
+            <a:r>
+              <a:rPr lang="en-US" dirty="0" smtClean="0"/>
+              <a:t> repo, but so far it only exists on </a:t>
+            </a:r>
+            <a:r>
+              <a:rPr lang="en-US" dirty="0" err="1" smtClean="0"/>
+              <a:t>GitHub</a:t>
+            </a:r>
+            <a:r>
+              <a:rPr lang="en-US" dirty="0" smtClean="0"/>
+              <a:t>. To be able to work on the project, you will need to clone it to your local machine.</a:t>
+            </a:r>
+          </a:p>
+          <a:p>
+            <a:endParaRPr lang="en-US" dirty="0" smtClean="0"/>
+          </a:p>
+          <a:p>
+            <a:r>
+              <a:rPr lang="en-US" b="1" dirty="0" smtClean="0"/>
+              <a:t>Step 2A: Clone the “</a:t>
+            </a:r>
+            <a:r>
+              <a:rPr lang="en-US" b="1" dirty="0" err="1" smtClean="0"/>
+              <a:t>Scrumdo</a:t>
+            </a:r>
+            <a:r>
+              <a:rPr lang="en-US" b="1" dirty="0" smtClean="0"/>
+              <a:t>” project</a:t>
+            </a:r>
+            <a:endParaRPr lang="en-US" dirty="0" smtClean="0"/>
+          </a:p>
+          <a:p>
+            <a:r>
+              <a:rPr lang="en-US" dirty="0" smtClean="0"/>
+              <a:t>Run the following code:	</a:t>
+            </a:r>
+            <a:r>
+              <a:rPr lang="en-US" sz="1100" dirty="0" smtClean="0">
+                <a:latin typeface="Courier New" pitchFamily="49" charset="0"/>
+                <a:cs typeface="Courier New" pitchFamily="49" charset="0"/>
+                <a:sym typeface="Wingdings 3"/>
+              </a:rPr>
+              <a:t>$ </a:t>
+            </a:r>
+            <a:r>
+              <a:rPr lang="en-US" sz="1100" dirty="0" err="1" smtClean="0">
+                <a:latin typeface="Courier New" pitchFamily="49" charset="0"/>
+                <a:cs typeface="Courier New" pitchFamily="49" charset="0"/>
+                <a:sym typeface="Wingdings 3"/>
+              </a:rPr>
+              <a:t>git</a:t>
+            </a:r>
+            <a:r>
+              <a:rPr lang="en-US" sz="1100" dirty="0" smtClean="0">
+                <a:latin typeface="Courier New" pitchFamily="49" charset="0"/>
+                <a:cs typeface="Courier New" pitchFamily="49" charset="0"/>
+                <a:sym typeface="Wingdings 3"/>
+              </a:rPr>
+              <a:t> clone </a:t>
+            </a:r>
+            <a:r>
+              <a:rPr lang="en-US" sz="1100" dirty="0" err="1" smtClean="0">
+                <a:latin typeface="Courier New" pitchFamily="49" charset="0"/>
+                <a:cs typeface="Courier New" pitchFamily="49" charset="0"/>
+                <a:sym typeface="Wingdings 3"/>
+              </a:rPr>
+              <a:t>git@github.com:username</a:t>
+            </a:r>
+            <a:r>
+              <a:rPr lang="en-US" sz="1100" dirty="0" smtClean="0">
+                <a:latin typeface="Courier New" pitchFamily="49" charset="0"/>
+                <a:cs typeface="Courier New" pitchFamily="49" charset="0"/>
+                <a:sym typeface="Wingdings 3"/>
+              </a:rPr>
+              <a:t>/Scrumdo.git</a:t>
+            </a:r>
+          </a:p>
+          <a:p>
+            <a:endParaRPr lang="en-US" dirty="0" smtClean="0"/>
+          </a:p>
+          <a:p>
+            <a:r>
+              <a:rPr lang="en-US" b="1" dirty="0" smtClean="0"/>
+              <a:t>Step 2B: Configure remotes</a:t>
+            </a:r>
+            <a:endParaRPr lang="en-US" dirty="0" smtClean="0"/>
+          </a:p>
+          <a:p>
+            <a:r>
+              <a:rPr lang="en-US" dirty="0" smtClean="0"/>
+              <a:t>When a repo is cloned, it has a default remote called origin that points to your fork on </a:t>
+            </a:r>
+            <a:r>
+              <a:rPr lang="en-US" dirty="0" err="1" smtClean="0"/>
+              <a:t>GitHub</a:t>
+            </a:r>
+            <a:r>
+              <a:rPr lang="en-US" dirty="0" smtClean="0"/>
+              <a:t>, not the original repo it was forked from. To keep track of the original repo, you need to add another remote named upstream:</a:t>
+            </a:r>
+          </a:p>
+          <a:p>
+            <a:endParaRPr lang="en-US" dirty="0" smtClean="0"/>
+          </a:p>
+          <a:p>
+            <a:r>
+              <a:rPr lang="en-US" sz="1100" dirty="0" smtClean="0">
+                <a:latin typeface="Courier New" pitchFamily="49" charset="0"/>
+                <a:cs typeface="Courier New" pitchFamily="49" charset="0"/>
+                <a:sym typeface="Wingdings 3"/>
+              </a:rPr>
+              <a:t>$ </a:t>
+            </a:r>
+            <a:r>
+              <a:rPr lang="en-US" sz="1100" dirty="0" err="1" smtClean="0">
+                <a:latin typeface="Courier New" pitchFamily="49" charset="0"/>
+                <a:cs typeface="Courier New" pitchFamily="49" charset="0"/>
+                <a:sym typeface="Wingdings 3"/>
+              </a:rPr>
+              <a:t>cd</a:t>
+            </a:r>
+            <a:r>
+              <a:rPr lang="en-US" sz="1100" dirty="0" smtClean="0">
+                <a:latin typeface="Courier New" pitchFamily="49" charset="0"/>
+                <a:cs typeface="Courier New" pitchFamily="49" charset="0"/>
+                <a:sym typeface="Wingdings 3"/>
+              </a:rPr>
+              <a:t> </a:t>
+            </a:r>
+            <a:r>
+              <a:rPr lang="en-US" sz="1100" dirty="0" err="1" smtClean="0">
+                <a:latin typeface="Courier New" pitchFamily="49" charset="0"/>
+                <a:cs typeface="Courier New" pitchFamily="49" charset="0"/>
+                <a:sym typeface="Wingdings 3"/>
+              </a:rPr>
+              <a:t>Scrumdo</a:t>
+            </a:r>
+            <a:endParaRPr lang="en-US" sz="1100" dirty="0" smtClean="0">
+              <a:latin typeface="Courier New" pitchFamily="49" charset="0"/>
+              <a:cs typeface="Courier New" pitchFamily="49" charset="0"/>
+              <a:sym typeface="Wingdings 3"/>
+            </a:endParaRPr>
+          </a:p>
+          <a:p>
+            <a:r>
+              <a:rPr lang="en-US" sz="1100" dirty="0" smtClean="0">
+                <a:latin typeface="Courier New" pitchFamily="49" charset="0"/>
+                <a:cs typeface="Courier New" pitchFamily="49" charset="0"/>
+                <a:sym typeface="Wingdings 3"/>
+              </a:rPr>
+              <a:t>$ </a:t>
+            </a:r>
+            <a:r>
+              <a:rPr lang="en-US" sz="1100" dirty="0" err="1" smtClean="0">
+                <a:latin typeface="Courier New" pitchFamily="49" charset="0"/>
+                <a:cs typeface="Courier New" pitchFamily="49" charset="0"/>
+                <a:sym typeface="Wingdings 3"/>
+              </a:rPr>
+              <a:t>git</a:t>
+            </a:r>
+            <a:r>
+              <a:rPr lang="en-US" sz="1100" dirty="0" smtClean="0">
+                <a:latin typeface="Courier New" pitchFamily="49" charset="0"/>
+                <a:cs typeface="Courier New" pitchFamily="49" charset="0"/>
+                <a:sym typeface="Wingdings 3"/>
+              </a:rPr>
+              <a:t> remote add upstream git://github.com/ScrumDoLLC/ScrumDo.git</a:t>
+            </a:r>
+          </a:p>
+          <a:p>
+            <a:r>
+              <a:rPr lang="en-US" sz="1100" dirty="0" smtClean="0">
+                <a:latin typeface="Courier New" pitchFamily="49" charset="0"/>
+                <a:cs typeface="Courier New" pitchFamily="49" charset="0"/>
+                <a:sym typeface="Wingdings 3"/>
+              </a:rPr>
+              <a:t>$ </a:t>
+            </a:r>
+            <a:r>
+              <a:rPr lang="en-US" sz="1100" dirty="0" err="1" smtClean="0">
+                <a:latin typeface="Courier New" pitchFamily="49" charset="0"/>
+                <a:cs typeface="Courier New" pitchFamily="49" charset="0"/>
+                <a:sym typeface="Wingdings 3"/>
+              </a:rPr>
+              <a:t>git</a:t>
+            </a:r>
+            <a:r>
+              <a:rPr lang="en-US" sz="1100" dirty="0" smtClean="0">
+                <a:latin typeface="Courier New" pitchFamily="49" charset="0"/>
+                <a:cs typeface="Courier New" pitchFamily="49" charset="0"/>
+                <a:sym typeface="Wingdings 3"/>
+              </a:rPr>
+              <a:t> fetch upstream</a:t>
+            </a:r>
+          </a:p>
+          <a:p>
+            <a:endParaRPr lang="en-US" sz="1100" dirty="0" smtClean="0">
+              <a:latin typeface="Courier New" pitchFamily="49" charset="0"/>
+              <a:cs typeface="Courier New" pitchFamily="49" charset="0"/>
+              <a:sym typeface="Wingdings 3"/>
+              <a:hlinkClick r:id="rId3"/>
+            </a:endParaRPr>
+          </a:p>
+          <a:p>
+            <a:r>
+              <a:rPr lang="en-US" dirty="0" smtClean="0"/>
+              <a:t>You’ve successfully forked a repo!</a:t>
+            </a:r>
+          </a:p>
+          <a:p>
+            <a:endParaRPr lang="en-US" dirty="0" smtClean="0">
+              <a:sym typeface="Wingdings 3"/>
+              <a:hlinkClick r:id="rId3"/>
+            </a:endParaRPr>
+          </a:p>
+          <a:p>
+            <a:endParaRPr lang="en-US" dirty="0" smtClean="0">
+              <a:sym typeface="Wingdings 3"/>
+              <a:hlinkClick r:id="rId3"/>
+            </a:endParaRPr>
+          </a:p>
+          <a:p>
+            <a:endParaRPr lang="en-US" dirty="0"/>
+          </a:p>
+        </p:txBody>
+      </p:sp>
+      <p:sp>
+        <p:nvSpPr>
+          <p:cNvPr id="4" name="Slide Number Placeholder 3"/>
+          <p:cNvSpPr>
+            <a:spLocks noGrp="1"/>
+          </p:cNvSpPr>
+          <p:nvPr>
+            <p:ph type="sldNum" sz="quarter" idx="10"/>
+          </p:nvPr>
+        </p:nvSpPr>
+        <p:spPr/>
+        <p:txBody>
+          <a:bodyPr/>
+          <a:lstStyle/>
+          <a:p>
+            <a:fld id="{06F8F5D6-CB0D-4EDE-B95E-664AB82371FD}" type="slidenum">
+              <a:rPr lang="en-US" smtClean="0"/>
+              <a:pPr/>
+              <a:t>24</a:t>
+            </a:fld>
+            <a:endParaRPr lang="en-US"/>
+          </a:p>
+        </p:txBody>
+      </p:sp>
+    </p:spTree>
+  </p:cSld>
+  <p:clrMapOvr>
+    <a:masterClrMapping/>
+  </p:clrMapOvr>
+</p:notes>
+</file>
+
+<file path=ppt/notesSlides/notesSlide23.xml><?xml version="1.0" encoding="utf-8"?>
+<p:notes xmlns:a="http://schemas.openxmlformats.org/drawingml/2006/main" xmlns:r="http://schemas.openxmlformats.org/officeDocument/2006/relationships" xmlns:p="http://schemas.openxmlformats.org/presentationml/2006/main">
+  <p:cSld>
+    <p:spTree>
+      <p:nvGrpSpPr>
+        <p:cNvPr id="1" name=""/>
+        <p:cNvGrpSpPr/>
+        <p:nvPr/>
+      </p:nvGrpSpPr>
+      <p:grpSpPr>
+        <a:xfrm>
+          <a:off x="0" y="0"/>
+          <a:ext cx="0" cy="0"/>
+          <a:chOff x="0" y="0"/>
+          <a:chExt cx="0" cy="0"/>
+        </a:xfrm>
+      </p:grpSpPr>
+      <p:sp>
+        <p:nvSpPr>
+          <p:cNvPr id="2" name="Slide Image Placeholder 1"/>
+          <p:cNvSpPr>
+            <a:spLocks noGrp="1" noRot="1" noChangeAspect="1"/>
+          </p:cNvSpPr>
+          <p:nvPr>
+            <p:ph type="sldImg"/>
+          </p:nvPr>
+        </p:nvSpPr>
+        <p:spPr/>
+      </p:sp>
+      <p:sp>
+        <p:nvSpPr>
+          <p:cNvPr id="3" name="Notes Placeholder 2"/>
+          <p:cNvSpPr>
+            <a:spLocks noGrp="1"/>
+          </p:cNvSpPr>
+          <p:nvPr>
+            <p:ph type="body" idx="1"/>
+          </p:nvPr>
+        </p:nvSpPr>
+        <p:spPr/>
+        <p:txBody>
+          <a:bodyPr>
+            <a:normAutofit fontScale="85000" lnSpcReduction="20000"/>
+          </a:bodyPr>
+          <a:lstStyle/>
+          <a:p>
+            <a:r>
+              <a:rPr lang="en-US" b="1" dirty="0" smtClean="0"/>
+              <a:t>Push commits:</a:t>
+            </a:r>
+          </a:p>
+          <a:p>
+            <a:r>
+              <a:rPr lang="en-US" dirty="0" smtClean="0"/>
+              <a:t>Once you’ve made some commits to a forked repo and want to push it to your forked project, you do it the same way you would with a regular repo:</a:t>
+            </a:r>
+          </a:p>
+          <a:p>
+            <a:r>
+              <a:rPr lang="en-US" sz="1100" dirty="0" smtClean="0">
+                <a:latin typeface="Courier New" pitchFamily="49" charset="0"/>
+                <a:cs typeface="Courier New" pitchFamily="49" charset="0"/>
+                <a:sym typeface="Wingdings 3"/>
+              </a:rPr>
+              <a:t>$ </a:t>
+            </a:r>
+            <a:r>
+              <a:rPr lang="en-US" sz="1100" dirty="0" err="1" smtClean="0">
+                <a:latin typeface="Courier New" pitchFamily="49" charset="0"/>
+                <a:cs typeface="Courier New" pitchFamily="49" charset="0"/>
+                <a:sym typeface="Wingdings 3"/>
+              </a:rPr>
+              <a:t>git</a:t>
+            </a:r>
+            <a:r>
+              <a:rPr lang="en-US" sz="1100" dirty="0" smtClean="0">
+                <a:latin typeface="Courier New" pitchFamily="49" charset="0"/>
+                <a:cs typeface="Courier New" pitchFamily="49" charset="0"/>
+                <a:sym typeface="Wingdings 3"/>
+              </a:rPr>
+              <a:t> push origin master</a:t>
+            </a:r>
+          </a:p>
+          <a:p>
+            <a:endParaRPr lang="en-US" dirty="0" smtClean="0"/>
+          </a:p>
+          <a:p>
+            <a:r>
+              <a:rPr lang="en-US" b="1" dirty="0" smtClean="0"/>
+              <a:t>Pull in upstream changes:</a:t>
+            </a:r>
+          </a:p>
+          <a:p>
+            <a:r>
+              <a:rPr lang="en-US" dirty="0" smtClean="0"/>
+              <a:t>If the original repo you forked your project from gets updated, you can add those updates to your fork by running the code:</a:t>
+            </a:r>
+          </a:p>
+          <a:p>
+            <a:r>
+              <a:rPr lang="en-US" sz="1100" dirty="0" smtClean="0">
+                <a:latin typeface="Courier New" pitchFamily="49" charset="0"/>
+                <a:cs typeface="Courier New" pitchFamily="49" charset="0"/>
+                <a:sym typeface="Wingdings 3"/>
+              </a:rPr>
+              <a:t>$ </a:t>
+            </a:r>
+            <a:r>
+              <a:rPr lang="en-US" sz="1100" dirty="0" err="1" smtClean="0">
+                <a:latin typeface="Courier New" pitchFamily="49" charset="0"/>
+                <a:cs typeface="Courier New" pitchFamily="49" charset="0"/>
+                <a:sym typeface="Wingdings 3"/>
+              </a:rPr>
+              <a:t>git</a:t>
+            </a:r>
+            <a:r>
+              <a:rPr lang="en-US" sz="1100" dirty="0" smtClean="0">
+                <a:latin typeface="Courier New" pitchFamily="49" charset="0"/>
+                <a:cs typeface="Courier New" pitchFamily="49" charset="0"/>
+                <a:sym typeface="Wingdings 3"/>
+              </a:rPr>
+              <a:t> fetch upstream</a:t>
+            </a:r>
+          </a:p>
+          <a:p>
+            <a:r>
+              <a:rPr lang="en-US" sz="1100" dirty="0" smtClean="0">
+                <a:latin typeface="Courier New" pitchFamily="49" charset="0"/>
+                <a:cs typeface="Courier New" pitchFamily="49" charset="0"/>
+                <a:sym typeface="Wingdings 3"/>
+              </a:rPr>
+              <a:t>$ </a:t>
+            </a:r>
+            <a:r>
+              <a:rPr lang="en-US" sz="1100" dirty="0" err="1" smtClean="0">
+                <a:latin typeface="Courier New" pitchFamily="49" charset="0"/>
+                <a:cs typeface="Courier New" pitchFamily="49" charset="0"/>
+                <a:sym typeface="Wingdings 3"/>
+              </a:rPr>
+              <a:t>git</a:t>
+            </a:r>
+            <a:r>
+              <a:rPr lang="en-US" sz="1100" dirty="0" smtClean="0">
+                <a:latin typeface="Courier New" pitchFamily="49" charset="0"/>
+                <a:cs typeface="Courier New" pitchFamily="49" charset="0"/>
+                <a:sym typeface="Wingdings 3"/>
+              </a:rPr>
+              <a:t> merge upstream/master</a:t>
+            </a:r>
+          </a:p>
+          <a:p>
+            <a:endParaRPr lang="en-US" dirty="0" smtClean="0"/>
+          </a:p>
+          <a:p>
+            <a:r>
+              <a:rPr lang="en-US" b="1" dirty="0" smtClean="0"/>
+              <a:t>Work with branches:</a:t>
+            </a:r>
+          </a:p>
+          <a:p>
+            <a:r>
+              <a:rPr lang="en-US" dirty="0" smtClean="0"/>
+              <a:t>Branching allows you to build new features or test out ideas without putting your main project at risk. A </a:t>
+            </a:r>
+            <a:r>
+              <a:rPr lang="en-US" dirty="0" err="1" smtClean="0"/>
+              <a:t>Git</a:t>
+            </a:r>
+            <a:r>
+              <a:rPr lang="en-US" dirty="0" smtClean="0"/>
+              <a:t> branch is a small file that references the commit it was spawned from. This makes </a:t>
+            </a:r>
+            <a:r>
+              <a:rPr lang="en-US" dirty="0" err="1" smtClean="0"/>
+              <a:t>Git</a:t>
+            </a:r>
+            <a:r>
+              <a:rPr lang="en-US" dirty="0" smtClean="0"/>
+              <a:t> branches very small and easy to work with.</a:t>
+            </a:r>
+          </a:p>
+          <a:p>
+            <a:endParaRPr lang="en-US" dirty="0" smtClean="0"/>
+          </a:p>
+          <a:p>
+            <a:r>
+              <a:rPr lang="en-US" b="1" dirty="0" smtClean="0"/>
+              <a:t>Pull requests:</a:t>
+            </a:r>
+          </a:p>
+          <a:p>
+            <a:r>
+              <a:rPr lang="en-US" dirty="0" smtClean="0"/>
+              <a:t>If you are hoping to contribute back to the original fork, you can send the original author a pull request.</a:t>
+            </a:r>
+          </a:p>
+          <a:p>
+            <a:endParaRPr lang="en-US" b="1" dirty="0" smtClean="0"/>
+          </a:p>
+          <a:p>
+            <a:r>
+              <a:rPr lang="en-US" b="1" dirty="0" err="1" smtClean="0"/>
+              <a:t>Unwatch</a:t>
+            </a:r>
+            <a:r>
+              <a:rPr lang="en-US" b="1" dirty="0" smtClean="0"/>
+              <a:t> the main repo:</a:t>
+            </a:r>
+          </a:p>
+          <a:p>
+            <a:r>
+              <a:rPr lang="en-US" dirty="0" smtClean="0"/>
+              <a:t>When you fork a particularly popular repo, you may find yourself with a lot of unwanted updates about it. To unsubscribe from updates to the main repo, click the “</a:t>
+            </a:r>
+            <a:r>
+              <a:rPr lang="en-US" dirty="0" err="1" smtClean="0"/>
+              <a:t>Unwatch</a:t>
+            </a:r>
+            <a:r>
+              <a:rPr lang="en-US" dirty="0" smtClean="0"/>
+              <a:t>” button on the </a:t>
+            </a:r>
+            <a:r>
+              <a:rPr lang="en-US" b="1" dirty="0" smtClean="0"/>
+              <a:t>main repo</a:t>
+            </a:r>
+            <a:r>
+              <a:rPr lang="en-US" dirty="0" smtClean="0"/>
+              <a:t>.</a:t>
+            </a:r>
+          </a:p>
+          <a:p>
+            <a:endParaRPr lang="en-US" b="1" dirty="0" smtClean="0"/>
+          </a:p>
+          <a:p>
+            <a:r>
+              <a:rPr lang="en-US" b="1" dirty="0" smtClean="0"/>
+              <a:t>Delete your fork:</a:t>
+            </a:r>
+          </a:p>
+          <a:p>
+            <a:r>
+              <a:rPr lang="en-US" dirty="0" smtClean="0"/>
+              <a:t>At some point you may decide that you want to delete your fork. To delete a fork, just follow the same steps as you would to delete a regular repo.</a:t>
+            </a:r>
+          </a:p>
+          <a:p>
+            <a:endParaRPr lang="en-US" dirty="0" smtClean="0"/>
+          </a:p>
+          <a:p>
+            <a:endParaRPr lang="en-US" dirty="0"/>
+          </a:p>
+        </p:txBody>
+      </p:sp>
+      <p:sp>
+        <p:nvSpPr>
+          <p:cNvPr id="4" name="Slide Number Placeholder 3"/>
+          <p:cNvSpPr>
+            <a:spLocks noGrp="1"/>
+          </p:cNvSpPr>
+          <p:nvPr>
+            <p:ph type="sldNum" sz="quarter" idx="10"/>
+          </p:nvPr>
+        </p:nvSpPr>
+        <p:spPr/>
+        <p:txBody>
+          <a:bodyPr/>
+          <a:lstStyle/>
+          <a:p>
+            <a:fld id="{06F8F5D6-CB0D-4EDE-B95E-664AB82371FD}" type="slidenum">
+              <a:rPr lang="en-US" smtClean="0"/>
+              <a:pPr/>
+              <a:t>25</a:t>
+            </a:fld>
+            <a:endParaRPr lang="en-US"/>
+          </a:p>
+        </p:txBody>
+      </p:sp>
+    </p:spTree>
+  </p:cSld>
+  <p:clrMapOvr>
+    <a:masterClrMapping/>
+  </p:clrMapOvr>
+</p:notes>
+</file>
+
+<file path=ppt/notesSlides/notesSlide24.xml><?xml version="1.0" encoding="utf-8"?>
 <p:notes xmlns:a="http://schemas.openxmlformats.org/drawingml/2006/main" xmlns:r="http://schemas.openxmlformats.org/officeDocument/2006/relationships" xmlns:p="http://schemas.openxmlformats.org/presentationml/2006/main">
   <p:cSld>
     <p:spTree>
@@ -4018,18 +4574,117 @@
           <a:p>
             <a:pPr algn="just"/>
             <a:r>
-              <a:rPr lang="en-US" sz="1200" b="1" dirty="0" smtClean="0">
-                <a:solidFill>
-                  <a:srgbClr val="486DA2"/>
-                </a:solidFill>
-                <a:latin typeface="Verdana" pitchFamily="34" charset="0"/>
-              </a:rPr>
-              <a:t>What's GIT?</a:t>
+              <a:rPr lang="fr-FR" sz="1400" b="0" dirty="0" smtClean="0">
+                <a:solidFill>
+                  <a:srgbClr val="486DA2"/>
+                </a:solidFill>
+                <a:latin typeface="Verdana" pitchFamily="34" charset="0"/>
+              </a:rPr>
+              <a:t>I</a:t>
+            </a:r>
+            <a:r>
+              <a:rPr lang="fr-FR" sz="1400" b="0" baseline="0" dirty="0" smtClean="0">
+                <a:solidFill>
+                  <a:srgbClr val="486DA2"/>
+                </a:solidFill>
+                <a:latin typeface="Verdana" pitchFamily="34" charset="0"/>
+              </a:rPr>
+              <a:t> </a:t>
+            </a:r>
+            <a:r>
+              <a:rPr lang="fr-FR" sz="1400" b="0" baseline="0" dirty="0" err="1" smtClean="0">
+                <a:solidFill>
+                  <a:srgbClr val="486DA2"/>
+                </a:solidFill>
+                <a:latin typeface="Verdana" pitchFamily="34" charset="0"/>
+              </a:rPr>
+              <a:t>want</a:t>
+            </a:r>
+            <a:r>
+              <a:rPr lang="fr-FR" sz="1400" b="0" baseline="0" dirty="0" smtClean="0">
+                <a:solidFill>
+                  <a:srgbClr val="486DA2"/>
+                </a:solidFill>
+                <a:latin typeface="Verdana" pitchFamily="34" charset="0"/>
+              </a:rPr>
+              <a:t> to </a:t>
+            </a:r>
+            <a:r>
+              <a:rPr lang="fr-FR" sz="1400" b="0" baseline="0" dirty="0" err="1" smtClean="0">
+                <a:solidFill>
+                  <a:srgbClr val="486DA2"/>
+                </a:solidFill>
+                <a:latin typeface="Verdana" pitchFamily="34" charset="0"/>
+              </a:rPr>
+              <a:t>start</a:t>
+            </a:r>
+            <a:r>
+              <a:rPr lang="fr-FR" sz="1400" b="0" baseline="0" dirty="0" smtClean="0">
+                <a:solidFill>
+                  <a:srgbClr val="486DA2"/>
+                </a:solidFill>
+                <a:latin typeface="Verdana" pitchFamily="34" charset="0"/>
+              </a:rPr>
+              <a:t> </a:t>
+            </a:r>
+            <a:r>
+              <a:rPr lang="fr-FR" sz="1400" b="0" baseline="0" dirty="0" err="1" smtClean="0">
+                <a:solidFill>
+                  <a:srgbClr val="486DA2"/>
+                </a:solidFill>
+                <a:latin typeface="Verdana" pitchFamily="34" charset="0"/>
+              </a:rPr>
+              <a:t>at</a:t>
+            </a:r>
+            <a:r>
+              <a:rPr lang="fr-FR" sz="1400" b="0" baseline="0" dirty="0" smtClean="0">
+                <a:solidFill>
+                  <a:srgbClr val="486DA2"/>
+                </a:solidFill>
+                <a:latin typeface="Verdana" pitchFamily="34" charset="0"/>
+              </a:rPr>
+              <a:t> the </a:t>
+            </a:r>
+            <a:r>
+              <a:rPr lang="fr-FR" sz="1400" b="0" baseline="0" dirty="0" err="1" smtClean="0">
+                <a:solidFill>
+                  <a:srgbClr val="486DA2"/>
+                </a:solidFill>
+                <a:latin typeface="Verdana" pitchFamily="34" charset="0"/>
+              </a:rPr>
+              <a:t>very</a:t>
+            </a:r>
+            <a:r>
+              <a:rPr lang="fr-FR" sz="1400" b="0" baseline="0" dirty="0" smtClean="0">
+                <a:solidFill>
+                  <a:srgbClr val="486DA2"/>
+                </a:solidFill>
+                <a:latin typeface="Verdana" pitchFamily="34" charset="0"/>
+              </a:rPr>
+              <a:t> </a:t>
+            </a:r>
+            <a:r>
+              <a:rPr lang="fr-FR" sz="1400" b="0" baseline="0" dirty="0" err="1" smtClean="0">
+                <a:solidFill>
+                  <a:srgbClr val="486DA2"/>
+                </a:solidFill>
+                <a:latin typeface="Verdana" pitchFamily="34" charset="0"/>
+              </a:rPr>
+              <a:t>beginning</a:t>
+            </a:r>
+            <a:r>
+              <a:rPr lang="fr-FR" sz="1400" b="0" baseline="0" dirty="0" smtClean="0">
+                <a:solidFill>
+                  <a:srgbClr val="486DA2"/>
+                </a:solidFill>
+                <a:latin typeface="Verdana" pitchFamily="34" charset="0"/>
+              </a:rPr>
+              <a:t>.</a:t>
             </a:r>
           </a:p>
           <a:p>
             <a:pPr algn="just"/>
-            <a:endParaRPr lang="en-US" sz="1200" b="1" dirty="0" smtClean="0">
+            <a:endParaRPr lang="fr-FR" sz="1400" b="0" baseline="0" dirty="0" smtClean="0">
               <a:solidFill>
                 <a:srgbClr val="486DA2"/>
               </a:solidFill>
@@ -4039,27 +4694,27 @@
           <a:p>
             <a:pPr algn="just"/>
             <a:r>
-              <a:rPr lang="en-US" sz="1200" b="1" dirty="0" err="1" smtClean="0">
-                <a:solidFill>
-                  <a:srgbClr val="486DA2"/>
-                </a:solidFill>
-                <a:latin typeface="Verdana" pitchFamily="34" charset="0"/>
-              </a:rPr>
-              <a:t>Git</a:t>
-            </a:r>
-            <a:r>
-              <a:rPr lang="en-US" sz="1200" b="1" dirty="0" smtClean="0">
-                <a:solidFill>
-                  <a:srgbClr val="486DA2"/>
-                </a:solidFill>
-                <a:latin typeface="Verdana" pitchFamily="34" charset="0"/>
-              </a:rPr>
-              <a:t> is an extremely fast, efficient, distributed version control system ideal for the collaborative development of software.</a:t>
+              <a:rPr lang="fr-FR" sz="1400" b="0" baseline="0" dirty="0" err="1" smtClean="0">
+                <a:solidFill>
+                  <a:srgbClr val="486DA2"/>
+                </a:solidFill>
+                <a:latin typeface="Verdana" pitchFamily="34" charset="0"/>
+              </a:rPr>
+              <a:t>Why</a:t>
+            </a:r>
+            <a:r>
+              <a:rPr lang="fr-FR" sz="1400" b="0" baseline="0" dirty="0" smtClean="0">
+                <a:solidFill>
+                  <a:srgbClr val="486DA2"/>
+                </a:solidFill>
+                <a:latin typeface="Verdana" pitchFamily="34" charset="0"/>
+              </a:rPr>
+              <a:t> version control</a:t>
             </a:r>
           </a:p>
           <a:p>
             <a:pPr algn="just"/>
-            <a:endParaRPr lang="en-US" sz="1200" b="1" dirty="0" smtClean="0">
+            <a:endParaRPr lang="fr-FR" sz="1400" b="0" baseline="0" dirty="0" smtClean="0">
               <a:solidFill>
                 <a:srgbClr val="486DA2"/>
               </a:solidFill>
@@ -4069,42 +4724,144 @@
           <a:p>
             <a:pPr algn="just"/>
             <a:r>
-              <a:rPr lang="en-US" sz="1200" b="1" dirty="0" smtClean="0">
-                <a:solidFill>
-                  <a:srgbClr val="486DA2"/>
-                </a:solidFill>
-                <a:latin typeface="Verdana" pitchFamily="34" charset="0"/>
-              </a:rPr>
-              <a:t>Why is it</a:t>
-            </a:r>
-            <a:r>
-              <a:rPr lang="en-US" sz="1200" b="1" baseline="0" dirty="0" smtClean="0">
-                <a:solidFill>
-                  <a:srgbClr val="486DA2"/>
-                </a:solidFill>
-                <a:latin typeface="Verdana" pitchFamily="34" charset="0"/>
-              </a:rPr>
-              <a:t> fast t- because it maximizes uses of storage and pointer </a:t>
-            </a:r>
-            <a:r>
-              <a:rPr lang="en-US" sz="1200" b="1" baseline="0" dirty="0" err="1" smtClean="0">
-                <a:solidFill>
-                  <a:srgbClr val="486DA2"/>
-                </a:solidFill>
-                <a:latin typeface="Verdana" pitchFamily="34" charset="0"/>
-              </a:rPr>
-              <a:t>arithmentic</a:t>
-            </a:r>
-            <a:r>
-              <a:rPr lang="en-US" sz="1200" b="1" baseline="0" dirty="0" smtClean="0">
-                <a:solidFill>
-                  <a:srgbClr val="486DA2"/>
-                </a:solidFill>
-                <a:latin typeface="Verdana" pitchFamily="34" charset="0"/>
-              </a:rPr>
-              <a:t>.</a:t>
-            </a:r>
-            <a:endParaRPr lang="en-US" sz="1200" b="1" dirty="0" smtClean="0">
+              <a:rPr lang="fr-FR" sz="1400" b="0" baseline="0" dirty="0" smtClean="0">
+                <a:solidFill>
+                  <a:srgbClr val="486DA2"/>
+                </a:solidFill>
+                <a:latin typeface="Verdana" pitchFamily="34" charset="0"/>
+              </a:rPr>
+              <a:t>How </a:t>
+            </a:r>
+            <a:r>
+              <a:rPr lang="fr-FR" sz="1400" b="0" baseline="0" dirty="0" err="1" smtClean="0">
+                <a:solidFill>
+                  <a:srgbClr val="486DA2"/>
+                </a:solidFill>
+                <a:latin typeface="Verdana" pitchFamily="34" charset="0"/>
+              </a:rPr>
+              <a:t>many</a:t>
+            </a:r>
+            <a:r>
+              <a:rPr lang="fr-FR" sz="1400" b="0" baseline="0" dirty="0" smtClean="0">
+                <a:solidFill>
+                  <a:srgbClr val="486DA2"/>
+                </a:solidFill>
+                <a:latin typeface="Verdana" pitchFamily="34" charset="0"/>
+              </a:rPr>
+              <a:t> of </a:t>
+            </a:r>
+            <a:r>
+              <a:rPr lang="fr-FR" sz="1400" b="0" baseline="0" dirty="0" err="1" smtClean="0">
+                <a:solidFill>
+                  <a:srgbClr val="486DA2"/>
+                </a:solidFill>
+                <a:latin typeface="Verdana" pitchFamily="34" charset="0"/>
+              </a:rPr>
+              <a:t>you</a:t>
+            </a:r>
+            <a:r>
+              <a:rPr lang="fr-FR" sz="1400" b="0" baseline="0" dirty="0" smtClean="0">
+                <a:solidFill>
+                  <a:srgbClr val="486DA2"/>
+                </a:solidFill>
+                <a:latin typeface="Verdana" pitchFamily="34" charset="0"/>
+              </a:rPr>
+              <a:t> have </a:t>
+            </a:r>
+            <a:r>
+              <a:rPr lang="fr-FR" sz="1400" b="0" baseline="0" dirty="0" err="1" smtClean="0">
+                <a:solidFill>
+                  <a:srgbClr val="486DA2"/>
+                </a:solidFill>
+                <a:latin typeface="Verdana" pitchFamily="34" charset="0"/>
+              </a:rPr>
+              <a:t>at</a:t>
+            </a:r>
+            <a:r>
+              <a:rPr lang="fr-FR" sz="1400" b="0" baseline="0" dirty="0" smtClean="0">
+                <a:solidFill>
+                  <a:srgbClr val="486DA2"/>
+                </a:solidFill>
+                <a:latin typeface="Verdana" pitchFamily="34" charset="0"/>
+              </a:rPr>
+              <a:t> </a:t>
+            </a:r>
+            <a:r>
+              <a:rPr lang="fr-FR" sz="1400" b="0" baseline="0" dirty="0" err="1" smtClean="0">
+                <a:solidFill>
+                  <a:srgbClr val="486DA2"/>
+                </a:solidFill>
+                <a:latin typeface="Verdana" pitchFamily="34" charset="0"/>
+              </a:rPr>
+              <a:t>some</a:t>
+            </a:r>
+            <a:r>
+              <a:rPr lang="fr-FR" sz="1400" b="0" baseline="0" dirty="0" smtClean="0">
+                <a:solidFill>
+                  <a:srgbClr val="486DA2"/>
+                </a:solidFill>
+                <a:latin typeface="Verdana" pitchFamily="34" charset="0"/>
+              </a:rPr>
+              <a:t> point or </a:t>
+            </a:r>
+            <a:r>
+              <a:rPr lang="fr-FR" sz="1400" b="0" baseline="0" dirty="0" err="1" smtClean="0">
+                <a:solidFill>
+                  <a:srgbClr val="486DA2"/>
+                </a:solidFill>
+                <a:latin typeface="Verdana" pitchFamily="34" charset="0"/>
+              </a:rPr>
+              <a:t>another</a:t>
+            </a:r>
+            <a:r>
+              <a:rPr lang="fr-FR" sz="1400" b="0" baseline="0" dirty="0" smtClean="0">
+                <a:solidFill>
+                  <a:srgbClr val="486DA2"/>
+                </a:solidFill>
+                <a:latin typeface="Verdana" pitchFamily="34" charset="0"/>
+              </a:rPr>
+              <a:t> </a:t>
+            </a:r>
+            <a:r>
+              <a:rPr lang="fr-FR" sz="1400" b="0" baseline="0" dirty="0" err="1" smtClean="0">
+                <a:solidFill>
+                  <a:srgbClr val="486DA2"/>
+                </a:solidFill>
+                <a:latin typeface="Verdana" pitchFamily="34" charset="0"/>
+              </a:rPr>
+              <a:t>renamed</a:t>
+            </a:r>
+            <a:r>
+              <a:rPr lang="fr-FR" sz="1400" b="0" baseline="0" dirty="0" smtClean="0">
+                <a:solidFill>
+                  <a:srgbClr val="486DA2"/>
+                </a:solidFill>
+                <a:latin typeface="Verdana" pitchFamily="34" charset="0"/>
+              </a:rPr>
+              <a:t> files to filename-latest1 2, and </a:t>
+            </a:r>
+            <a:r>
+              <a:rPr lang="fr-FR" sz="1400" b="0" baseline="0" dirty="0" err="1" smtClean="0">
+                <a:solidFill>
+                  <a:srgbClr val="486DA2"/>
+                </a:solidFill>
+                <a:latin typeface="Verdana" pitchFamily="34" charset="0"/>
+              </a:rPr>
+              <a:t>so</a:t>
+            </a:r>
+            <a:r>
+              <a:rPr lang="fr-FR" sz="1400" b="0" baseline="0" dirty="0" smtClean="0">
+                <a:solidFill>
+                  <a:srgbClr val="486DA2"/>
+                </a:solidFill>
+                <a:latin typeface="Verdana" pitchFamily="34" charset="0"/>
+              </a:rPr>
+              <a:t> on?</a:t>
+            </a:r>
+          </a:p>
+          <a:p>
+            <a:pPr algn="just"/>
+            <a:endParaRPr lang="fr-FR" sz="1400" b="0" dirty="0" smtClean="0">
               <a:solidFill>
                 <a:srgbClr val="486DA2"/>
               </a:solidFill>
@@ -4113,7 +4870,7 @@
           </a:p>
           <a:p>
             <a:pPr algn="just"/>
-            <a:endParaRPr lang="en-US" sz="1200" b="1" dirty="0" smtClean="0">
+            <a:endParaRPr lang="fr-FR" sz="1400" b="1" dirty="0" smtClean="0">
               <a:solidFill>
                 <a:srgbClr val="486DA2"/>
               </a:solidFill>
@@ -4123,36 +4880,52 @@
           <a:p>
             <a:pPr algn="just"/>
             <a:r>
-              <a:rPr lang="en-US" sz="1200" b="1" dirty="0" smtClean="0">
-                <a:solidFill>
-                  <a:srgbClr val="486DA2"/>
-                </a:solidFill>
-                <a:latin typeface="Verdana" pitchFamily="34" charset="0"/>
-              </a:rPr>
-              <a:t>And why </a:t>
-            </a:r>
-            <a:r>
-              <a:rPr lang="en-US" sz="1200" b="1" dirty="0" err="1" smtClean="0">
-                <a:solidFill>
-                  <a:srgbClr val="486DA2"/>
-                </a:solidFill>
-                <a:latin typeface="Verdana" pitchFamily="34" charset="0"/>
-              </a:rPr>
-              <a:t>GITHub</a:t>
-            </a:r>
-            <a:r>
-              <a:rPr lang="en-US" sz="1200" b="1" dirty="0" smtClean="0">
-                <a:solidFill>
-                  <a:srgbClr val="486DA2"/>
-                </a:solidFill>
-                <a:latin typeface="Verdana" pitchFamily="34" charset="0"/>
-              </a:rPr>
-              <a:t>?</a:t>
+              <a:rPr lang="fr-FR" sz="1400" b="1" dirty="0" err="1" smtClean="0">
+                <a:solidFill>
+                  <a:srgbClr val="486DA2"/>
+                </a:solidFill>
+                <a:latin typeface="Verdana" pitchFamily="34" charset="0"/>
+              </a:rPr>
+              <a:t>What</a:t>
+            </a:r>
+            <a:r>
+              <a:rPr lang="fr-FR" sz="1400" b="1" dirty="0" smtClean="0">
+                <a:solidFill>
+                  <a:srgbClr val="486DA2"/>
+                </a:solidFill>
+                <a:latin typeface="Verdana" pitchFamily="34" charset="0"/>
+              </a:rPr>
+              <a:t> </a:t>
+            </a:r>
+            <a:r>
+              <a:rPr lang="fr-FR" sz="1400" b="1" dirty="0" err="1" smtClean="0">
+                <a:solidFill>
+                  <a:srgbClr val="486DA2"/>
+                </a:solidFill>
+                <a:latin typeface="Verdana" pitchFamily="34" charset="0"/>
+              </a:rPr>
+              <a:t>is</a:t>
+            </a:r>
+            <a:r>
+              <a:rPr lang="fr-FR" sz="1400" b="1" dirty="0" smtClean="0">
+                <a:solidFill>
+                  <a:srgbClr val="486DA2"/>
+                </a:solidFill>
+                <a:latin typeface="Verdana" pitchFamily="34" charset="0"/>
+              </a:rPr>
+              <a:t> Version Control?</a:t>
             </a:r>
           </a:p>
           <a:p>
             <a:pPr algn="just"/>
-            <a:endParaRPr lang="en-US" sz="1200" b="1" dirty="0" smtClean="0">
+            <a:r>
+              <a:rPr lang="en-US" dirty="0" smtClean="0"/>
+              <a:t>It is a system that records changes to a file or set of files over time so that you can recall specific versions later.</a:t>
+            </a:r>
+          </a:p>
+          <a:p>
+            <a:pPr algn="just"/>
+            <a:endParaRPr lang="en-US" sz="1400" b="1" dirty="0" smtClean="0">
               <a:solidFill>
                 <a:srgbClr val="486DA2"/>
               </a:solidFill>
@@ -4162,71 +4935,64 @@
           <a:p>
             <a:pPr algn="just"/>
             <a:r>
-              <a:rPr lang="en-US" sz="1200" b="1" dirty="0" err="1" smtClean="0">
-                <a:solidFill>
-                  <a:srgbClr val="486DA2"/>
-                </a:solidFill>
-                <a:latin typeface="Verdana" pitchFamily="34" charset="0"/>
-              </a:rPr>
-              <a:t>GitHub</a:t>
-            </a:r>
-            <a:r>
-              <a:rPr lang="en-US" sz="1200" b="1" dirty="0" smtClean="0">
-                <a:solidFill>
-                  <a:srgbClr val="486DA2"/>
-                </a:solidFill>
-                <a:latin typeface="Verdana" pitchFamily="34" charset="0"/>
-              </a:rPr>
-              <a:t> is the best way to collaborate with others. Fork, send pull requests and manage all your public and private </a:t>
-            </a:r>
-            <a:r>
-              <a:rPr lang="en-US" sz="1200" b="1" dirty="0" err="1" smtClean="0">
-                <a:solidFill>
-                  <a:srgbClr val="486DA2"/>
-                </a:solidFill>
-                <a:latin typeface="Verdana" pitchFamily="34" charset="0"/>
-              </a:rPr>
-              <a:t>git</a:t>
-            </a:r>
-            <a:r>
-              <a:rPr lang="en-US" sz="1200" b="1" dirty="0" smtClean="0">
-                <a:solidFill>
-                  <a:srgbClr val="486DA2"/>
-                </a:solidFill>
-                <a:latin typeface="Verdana" pitchFamily="34" charset="0"/>
-              </a:rPr>
-              <a:t> repositories.</a:t>
-            </a:r>
-          </a:p>
-          <a:p>
-            <a:pPr algn="just"/>
-            <a:endParaRPr lang="en-US" sz="1200" b="1" dirty="0" smtClean="0">
-              <a:solidFill>
-                <a:srgbClr val="486DA2"/>
-              </a:solidFill>
-              <a:latin typeface="Verdana" pitchFamily="34" charset="0"/>
-            </a:endParaRPr>
-          </a:p>
-          <a:p>
-            <a:pPr algn="just"/>
-            <a:r>
-              <a:rPr lang="en-US" sz="1200" b="1" dirty="0" smtClean="0">
-                <a:solidFill>
-                  <a:srgbClr val="486DA2"/>
-                </a:solidFill>
-                <a:latin typeface="Verdana" pitchFamily="34" charset="0"/>
-              </a:rPr>
-              <a:t>It blends agile scrum practices naturally with its local repository features that makes it stand tall among all version control tools in the market.</a:t>
-            </a:r>
-            <a:endParaRPr lang="fr-FR" b="1" dirty="0" smtClean="0">
-              <a:solidFill>
-                <a:srgbClr val="486DA2"/>
-              </a:solidFill>
-              <a:latin typeface="Verdana" pitchFamily="34" charset="0"/>
-            </a:endParaRPr>
-          </a:p>
-          <a:p>
-            <a:endParaRPr lang="en-US" dirty="0"/>
+              <a:rPr lang="en-US" sz="1400" b="1" dirty="0" smtClean="0">
+                <a:solidFill>
+                  <a:srgbClr val="486DA2"/>
+                </a:solidFill>
+                <a:latin typeface="Verdana" pitchFamily="34" charset="0"/>
+              </a:rPr>
+              <a:t>Some of the features include:</a:t>
+            </a:r>
+          </a:p>
+          <a:p>
+            <a:pPr algn="just">
+              <a:buFont typeface="Arial" pitchFamily="34" charset="0"/>
+              <a:buChar char="•"/>
+            </a:pPr>
+            <a:r>
+              <a:rPr lang="en-US" dirty="0" smtClean="0"/>
+              <a:t> Revert files back to a previous state</a:t>
+            </a:r>
+          </a:p>
+          <a:p>
+            <a:pPr algn="just">
+              <a:buFont typeface="Arial" pitchFamily="34" charset="0"/>
+              <a:buChar char="•"/>
+            </a:pPr>
+            <a:r>
+              <a:rPr lang="en-US" dirty="0" smtClean="0"/>
+              <a:t> Revert the entire project back to a previous state</a:t>
+            </a:r>
+          </a:p>
+          <a:p>
+            <a:pPr algn="just">
+              <a:buFont typeface="Arial" pitchFamily="34" charset="0"/>
+              <a:buChar char="•"/>
+            </a:pPr>
+            <a:r>
+              <a:rPr lang="en-US" dirty="0" smtClean="0"/>
+              <a:t> Compare changes over time</a:t>
+            </a:r>
+          </a:p>
+          <a:p>
+            <a:pPr algn="just">
+              <a:buFont typeface="Arial" pitchFamily="34" charset="0"/>
+              <a:buChar char="•"/>
+            </a:pPr>
+            <a:r>
+              <a:rPr lang="en-US" dirty="0" smtClean="0"/>
+              <a:t> See who last modified something that might be causing a problem</a:t>
+            </a:r>
+          </a:p>
+          <a:p>
+            <a:pPr algn="just">
+              <a:buFont typeface="Arial" pitchFamily="34" charset="0"/>
+              <a:buChar char="•"/>
+            </a:pPr>
+            <a:r>
+              <a:rPr lang="en-US" dirty="0" smtClean="0"/>
+              <a:t> See who introduced an issue and when, and more.</a:t>
+            </a:r>
           </a:p>
         </p:txBody>
       </p:sp>
@@ -4248,7 +5014,7 @@
             <a:fld id="{06F8F5D6-CB0D-4EDE-B95E-664AB82371FD}" type="slidenum">
               <a:rPr lang="en-US" smtClean="0"/>
               <a:pPr/>
-              <a:t>7</a:t>
+              <a:t>3</a:t>
             </a:fld>
             <a:endParaRPr lang="en-US"/>
           </a:p>
@@ -4303,70 +5069,48 @@
         </p:nvSpPr>
         <p:spPr/>
         <p:txBody>
-          <a:bodyPr>
-            <a:normAutofit/>
-          </a:bodyPr>
+          <a:bodyPr/>
           <a:lstStyle/>
           <a:p>
             <a:r>
-              <a:rPr lang="en-US" sz="1400" b="1" dirty="0" smtClean="0">
-                <a:solidFill>
-                  <a:srgbClr val="486DA2"/>
-                </a:solidFill>
-                <a:latin typeface="Verdana" pitchFamily="34" charset="0"/>
-              </a:rPr>
-              <a:t>Other VCSs</a:t>
-            </a:r>
-          </a:p>
-          <a:p>
-            <a:r>
               <a:rPr lang="en-US" dirty="0" smtClean="0"/>
-              <a:t>Store information as a list of  file-based changes.</a:t>
-            </a:r>
-            <a:endParaRPr lang="en-US" sz="1400" dirty="0" smtClean="0"/>
-          </a:p>
-          <a:p>
-            <a:pPr algn="just"/>
-            <a:endParaRPr lang="en-US" sz="1400" dirty="0" smtClean="0"/>
-          </a:p>
-          <a:p>
-            <a:pPr algn="just"/>
-            <a:r>
-              <a:rPr lang="en-US" sz="1400" b="1" dirty="0" smtClean="0">
-                <a:solidFill>
-                  <a:srgbClr val="486DA2"/>
-                </a:solidFill>
-                <a:latin typeface="Verdana" pitchFamily="34" charset="0"/>
-              </a:rPr>
-              <a:t>GIT VCS</a:t>
-            </a:r>
-          </a:p>
-          <a:p>
-            <a:pPr algn="just"/>
+              <a:t>Example:</a:t>
+            </a:r>
+          </a:p>
+          <a:p>
             <a:r>
               <a:rPr lang="en-US" dirty="0" smtClean="0"/>
-              <a:t>Considers data more  like a set of snapshots of a mini file-system.</a:t>
-            </a:r>
-          </a:p>
-          <a:p>
-            <a:pPr algn="just"/>
-            <a:endParaRPr lang="en-US" sz="1400" dirty="0" smtClean="0"/>
-          </a:p>
-          <a:p>
-            <a:pPr algn="just"/>
+              <a:t>RCS</a:t>
+            </a:r>
+          </a:p>
+          <a:p>
             <a:r>
               <a:rPr lang="en-US" dirty="0" smtClean="0"/>
-              <a:t>It basically takes a picture of what all your files look like at that moment and stores a reference to that snapshot.</a:t>
-            </a:r>
-            <a:endParaRPr lang="fr-FR" b="1" dirty="0" smtClean="0">
-              <a:solidFill>
-                <a:srgbClr val="486DA2"/>
-              </a:solidFill>
-              <a:latin typeface="Verdana" pitchFamily="34" charset="0"/>
-            </a:endParaRPr>
-          </a:p>
-          <a:p>
-            <a:endParaRPr lang="en-US" dirty="0"/>
+              <a:t>SCCS</a:t>
+            </a:r>
+          </a:p>
+          <a:p>
+            <a:endParaRPr lang="en-US" dirty="0" smtClean="0"/>
+          </a:p>
+          <a:p>
+            <a:r>
+              <a:rPr lang="en-US" dirty="0" smtClean="0"/>
+              <a:t>Windows</a:t>
+            </a:r>
+          </a:p>
+          <a:p>
+            <a:endParaRPr lang="en-US" dirty="0" smtClean="0"/>
+          </a:p>
+          <a:p>
+            <a:r>
+              <a:rPr lang="en-US" dirty="0" smtClean="0"/>
+              <a:t>Mostly</a:t>
+            </a:r>
+            <a:r>
+              <a:rPr lang="en-US" baseline="0" dirty="0" smtClean="0"/>
+              <a:t> linear</a:t>
+            </a:r>
+            <a:endParaRPr lang="en-US" dirty="0" smtClean="0"/>
           </a:p>
         </p:txBody>
       </p:sp>
@@ -4388,13 +5132,18 @@
             <a:fld id="{06F8F5D6-CB0D-4EDE-B95E-664AB82371FD}" type="slidenum">
               <a:rPr lang="en-US" smtClean="0"/>
               <a:pPr/>
-              <a:t>8</a:t>
+              <a:t>4</a:t>
             </a:fld>
             <a:endParaRPr lang="en-US"/>
           </a:p>
         </p:txBody>
       </p:sp>
     </p:spTree>
+    <p:extLst>
+      <p:ext uri="{BB962C8B-B14F-4D97-AF65-F5344CB8AC3E}">
+        <p14:creationId xmlns:p14="http://schemas.microsoft.com/office/powerpoint/2010/main" val="774717958"/>
+      </p:ext>
+    </p:extLst>
   </p:cSld>
   <p:clrMapOvr>
     <a:masterClrMapping/>
@@ -4443,272 +5192,73 @@
         </p:nvSpPr>
         <p:spPr/>
         <p:txBody>
-          <a:bodyPr>
-            <a:normAutofit fontScale="70000" lnSpcReduction="20000"/>
-          </a:bodyPr>
+          <a:bodyPr/>
           <a:lstStyle/>
           <a:p>
             <a:r>
-              <a:rPr lang="en-US" sz="1400" b="1" dirty="0" smtClean="0">
-                <a:solidFill>
-                  <a:srgbClr val="486DA2"/>
-                </a:solidFill>
-                <a:latin typeface="Verdana" pitchFamily="34" charset="0"/>
-              </a:rPr>
-              <a:t>- Nearly Every Operation Is Local</a:t>
-            </a:r>
-          </a:p>
-          <a:p>
-            <a:r>
               <a:rPr lang="en-US" dirty="0" smtClean="0"/>
-              <a:t>Most operations in </a:t>
+              <a:t>Distributed version control systems (DVCSs) solve different problems than Centralized VCSs. Comparing them is like comparing hammers and screwdrivers.</a:t>
+            </a:r>
+          </a:p>
+          <a:p>
+            <a:endParaRPr lang="en-US" dirty="0" smtClean="0"/>
+          </a:p>
+          <a:p>
+            <a:r>
+              <a:rPr lang="en-US" dirty="0" smtClean="0"/>
+              <a:t>Centralized VCS systems are designed with the intent that there is One True Source that is Blessed, and therefore Good. All developers work (checkout) from that source, and then add (commit) their changes, which then become similarly Blessed. The only real difference between CVS, Subversion, </a:t>
             </a:r>
             <a:r>
               <a:rPr lang="en-US" dirty="0" err="1" smtClean="0"/>
-              <a:t>Git</a:t>
+              <a:t>ClearCase</a:t>
             </a:r>
             <a:r>
               <a:rPr lang="en-US" dirty="0" smtClean="0"/>
-              <a:t> only need local files and resources to operate – generally no information is needed from another computer on your network.</a:t>
-            </a:r>
-          </a:p>
-          <a:p>
+              <a:t>, Perforce, </a:t>
+            </a:r>
+            <a:r>
+              <a:rPr lang="en-US" dirty="0" err="1" smtClean="0"/>
+              <a:t>VisualSourceSafe</a:t>
+            </a:r>
             <a:r>
               <a:rPr lang="en-US" dirty="0" smtClean="0"/>
-              <a:t>Because you have the entire history of the project right there on your local disk, most operations seem almost instantaneous.</a:t>
-            </a:r>
-            <a:endParaRPr lang="en-US" sz="1400" b="1" dirty="0" smtClean="0">
-              <a:solidFill>
-                <a:srgbClr val="486DA2"/>
-              </a:solidFill>
-              <a:latin typeface="Verdana" pitchFamily="34" charset="0"/>
-            </a:endParaRPr>
-          </a:p>
-          <a:p>
-            <a:endParaRPr lang="en-US" sz="1400" b="1" dirty="0" smtClean="0">
-              <a:solidFill>
-                <a:srgbClr val="486DA2"/>
-              </a:solidFill>
-              <a:latin typeface="Verdana" pitchFamily="34" charset="0"/>
-            </a:endParaRPr>
-          </a:p>
-          <a:p>
-            <a:r>
-              <a:rPr lang="en-US" sz="1400" b="1" dirty="0" smtClean="0">
-                <a:solidFill>
-                  <a:srgbClr val="486DA2"/>
-                </a:solidFill>
-                <a:latin typeface="Verdana" pitchFamily="34" charset="0"/>
-              </a:rPr>
-              <a:t>- </a:t>
-            </a:r>
-            <a:r>
-              <a:rPr lang="en-US" sz="1400" b="1" dirty="0" err="1" smtClean="0">
-                <a:solidFill>
-                  <a:srgbClr val="486DA2"/>
-                </a:solidFill>
-                <a:latin typeface="Verdana" pitchFamily="34" charset="0"/>
-              </a:rPr>
-              <a:t>Git</a:t>
-            </a:r>
-            <a:r>
-              <a:rPr lang="en-US" sz="1400" b="1" dirty="0" smtClean="0">
-                <a:solidFill>
-                  <a:srgbClr val="486DA2"/>
-                </a:solidFill>
-                <a:latin typeface="Verdana" pitchFamily="34" charset="0"/>
-              </a:rPr>
-              <a:t> Has Integrity</a:t>
-            </a:r>
-          </a:p>
-          <a:p>
+              <a:t> and all the other </a:t>
+            </a:r>
+            <a:r>
+              <a:rPr lang="en-US" dirty="0" err="1" smtClean="0"/>
+              <a:t>CVCSes</a:t>
+            </a:r>
             <a:r>
               <a:rPr lang="en-US" dirty="0" smtClean="0"/>
-              <a:t>Everything in </a:t>
+              <a:t> is in the workflow, performance, and integration that each product offers.</a:t>
+            </a:r>
+          </a:p>
+          <a:p>
+            <a:endParaRPr lang="en-US" dirty="0" smtClean="0"/>
+          </a:p>
+          <a:p>
+            <a:r>
+              <a:rPr lang="en-US" dirty="0" smtClean="0"/>
+              <a:t>Distributed VCS systems are designed with the intent that one repository is as good as any other, and that merges from one repository to another are just another form of communication. Any semantic value as to which repository should be trusted is imposed from the outside by process, not by the software itself.</a:t>
+            </a:r>
+          </a:p>
+          <a:p>
+            <a:endParaRPr lang="en-US" dirty="0" smtClean="0"/>
+          </a:p>
+          <a:p>
+            <a:r>
+              <a:rPr lang="en-US" dirty="0" smtClean="0"/>
+              <a:t>The real choice between using one type or the other is organizational -- if your project or organization wants centralized control, then a DVCS is a non-starter. If your developers are expected to work all over the country/world, without secure broadband connections to a central repository, then DVCS is probably your salvation. If you need both, you're </a:t>
             </a:r>
             <a:r>
               <a:rPr lang="en-US" dirty="0" err="1" smtClean="0"/>
-              <a:t>Git</a:t>
+              <a:t>fsck'd</a:t>
             </a:r>
             <a:r>
               <a:rPr lang="en-US" dirty="0" smtClean="0"/>
-              <a:t> is check-summed before it is stored and is then referred to by that checksum. This means it’s impossible to change the contents of any file or directory without </a:t>
-            </a:r>
-            <a:r>
-              <a:rPr lang="en-US" dirty="0" err="1" smtClean="0"/>
-              <a:t>Git</a:t>
-            </a:r>
-            <a:r>
-              <a:rPr lang="en-US" dirty="0" smtClean="0"/>
-              <a:t> knowing about it.</a:t>
-            </a:r>
-            <a:endParaRPr lang="en-US" sz="1400" b="1" dirty="0" smtClean="0">
-              <a:solidFill>
-                <a:srgbClr val="486DA2"/>
-              </a:solidFill>
-              <a:latin typeface="Verdana" pitchFamily="34" charset="0"/>
-            </a:endParaRPr>
-          </a:p>
-          <a:p>
-            <a:endParaRPr lang="en-US" sz="1400" b="1" dirty="0" smtClean="0">
-              <a:solidFill>
-                <a:srgbClr val="486DA2"/>
-              </a:solidFill>
-              <a:latin typeface="Verdana" pitchFamily="34" charset="0"/>
-            </a:endParaRPr>
-          </a:p>
-          <a:p>
-            <a:r>
-              <a:rPr lang="en-US" sz="1400" b="1" dirty="0" smtClean="0">
-                <a:solidFill>
-                  <a:srgbClr val="486DA2"/>
-                </a:solidFill>
-                <a:latin typeface="Verdana" pitchFamily="34" charset="0"/>
-              </a:rPr>
-              <a:t>- </a:t>
-            </a:r>
-            <a:r>
-              <a:rPr lang="en-US" sz="1400" b="1" dirty="0" err="1" smtClean="0">
-                <a:solidFill>
-                  <a:srgbClr val="486DA2"/>
-                </a:solidFill>
-                <a:latin typeface="Verdana" pitchFamily="34" charset="0"/>
-              </a:rPr>
-              <a:t>Git</a:t>
-            </a:r>
-            <a:r>
-              <a:rPr lang="en-US" sz="1400" b="1" dirty="0" smtClean="0">
-                <a:solidFill>
-                  <a:srgbClr val="486DA2"/>
-                </a:solidFill>
-                <a:latin typeface="Verdana" pitchFamily="34" charset="0"/>
-              </a:rPr>
-              <a:t> Generally Only Adds Data</a:t>
-            </a:r>
-          </a:p>
-          <a:p>
-            <a:r>
-              <a:rPr lang="en-US" dirty="0" smtClean="0"/>
-              <a:t>When you do actions in </a:t>
-            </a:r>
-            <a:r>
-              <a:rPr lang="en-US" dirty="0" err="1" smtClean="0"/>
-              <a:t>Git</a:t>
-            </a:r>
-            <a:r>
-              <a:rPr lang="en-US" dirty="0" smtClean="0"/>
-              <a:t>, nearly all of them only add data to the </a:t>
-            </a:r>
-            <a:r>
-              <a:rPr lang="en-US" dirty="0" err="1" smtClean="0"/>
-              <a:t>Git</a:t>
-            </a:r>
-            <a:r>
-              <a:rPr lang="en-US" dirty="0" smtClean="0"/>
-              <a:t> database. This makes using </a:t>
-            </a:r>
-            <a:r>
-              <a:rPr lang="en-US" dirty="0" err="1" smtClean="0"/>
-              <a:t>Git</a:t>
-            </a:r>
-            <a:r>
-              <a:rPr lang="en-US" dirty="0" smtClean="0"/>
-              <a:t> a joy because we know we can experiment without the danger of severely screwing things up.</a:t>
-            </a:r>
-          </a:p>
-          <a:p>
-            <a:endParaRPr lang="en-US" sz="1400" b="1" dirty="0" smtClean="0">
-              <a:solidFill>
-                <a:srgbClr val="486DA2"/>
-              </a:solidFill>
-              <a:latin typeface="Verdana" pitchFamily="34" charset="0"/>
-            </a:endParaRPr>
-          </a:p>
-          <a:p>
-            <a:pPr>
-              <a:buFont typeface="Arial" pitchFamily="34" charset="0"/>
-              <a:buNone/>
-            </a:pPr>
-            <a:r>
-              <a:rPr lang="en-US" sz="1600" b="1" dirty="0" smtClean="0">
-                <a:solidFill>
-                  <a:srgbClr val="486DA2"/>
-                </a:solidFill>
-                <a:latin typeface="Verdana" pitchFamily="34" charset="0"/>
-              </a:rPr>
-              <a:t>- </a:t>
-            </a:r>
-            <a:r>
-              <a:rPr lang="en-US" sz="1600" b="1" dirty="0" err="1" smtClean="0">
-                <a:solidFill>
-                  <a:srgbClr val="486DA2"/>
-                </a:solidFill>
-                <a:latin typeface="Verdana" pitchFamily="34" charset="0"/>
-              </a:rPr>
-              <a:t>Git</a:t>
-            </a:r>
-            <a:r>
-              <a:rPr lang="en-US" sz="1600" b="1" dirty="0" smtClean="0">
-                <a:solidFill>
-                  <a:srgbClr val="486DA2"/>
-                </a:solidFill>
-                <a:latin typeface="Verdana" pitchFamily="34" charset="0"/>
-              </a:rPr>
-              <a:t> 3-State Model</a:t>
-            </a:r>
-            <a:endParaRPr lang="en-US" sz="1400" dirty="0" smtClean="0"/>
-          </a:p>
-          <a:p>
-            <a:r>
-              <a:rPr lang="en-US" sz="1400" dirty="0" smtClean="0"/>
-              <a:t>The basic </a:t>
-            </a:r>
-            <a:r>
-              <a:rPr lang="en-US" sz="1400" dirty="0" err="1" smtClean="0"/>
-              <a:t>Git</a:t>
-            </a:r>
-            <a:r>
-              <a:rPr lang="en-US" sz="1400" dirty="0" smtClean="0"/>
-              <a:t> workflow goes something like this:</a:t>
-            </a:r>
-          </a:p>
-          <a:p>
-            <a:r>
-              <a:rPr lang="en-US" sz="1400" dirty="0" smtClean="0"/>
-              <a:t>1) You modify files in your working directory.</a:t>
-            </a:r>
-          </a:p>
-          <a:p>
-            <a:r>
-              <a:rPr lang="en-US" sz="1400" dirty="0" smtClean="0"/>
-              <a:t>2) You stage the files, adding snapshots of them to your staging area.</a:t>
-            </a:r>
-          </a:p>
-          <a:p>
-            <a:r>
-              <a:rPr lang="en-US" sz="1400" dirty="0" smtClean="0"/>
-              <a:t>3) You do a commit, which takes the files as they are in the staging </a:t>
-            </a:r>
-          </a:p>
-          <a:p>
-            <a:r>
-              <a:rPr lang="en-US" sz="1400" dirty="0" smtClean="0"/>
-              <a:t>area and stores that snapshot permanently to your </a:t>
-            </a:r>
-            <a:r>
-              <a:rPr lang="en-US" sz="1400" dirty="0" err="1" smtClean="0"/>
-              <a:t>Git</a:t>
-            </a:r>
-            <a:r>
-              <a:rPr lang="en-US" sz="1400" dirty="0" smtClean="0"/>
-              <a:t> directory.</a:t>
-            </a:r>
-          </a:p>
-          <a:p>
-            <a:endParaRPr lang="en-US" sz="1400" dirty="0" smtClean="0"/>
-          </a:p>
-          <a:p>
-            <a:endParaRPr lang="en-US" sz="1400" dirty="0" smtClean="0"/>
+              <a:t>.</a:t>
+            </a:r>
+            <a:endParaRPr lang="en-US" dirty="0"/>
           </a:p>
         </p:txBody>
       </p:sp>
@@ -4730,13 +5280,18 @@
             <a:fld id="{06F8F5D6-CB0D-4EDE-B95E-664AB82371FD}" type="slidenum">
               <a:rPr lang="en-US" smtClean="0"/>
               <a:pPr/>
-              <a:t>9</a:t>
+              <a:t>6</a:t>
             </a:fld>
             <a:endParaRPr lang="en-US"/>
           </a:p>
         </p:txBody>
       </p:sp>
     </p:spTree>
+    <p:extLst>
+      <p:ext uri="{BB962C8B-B14F-4D97-AF65-F5344CB8AC3E}">
+        <p14:creationId xmlns:p14="http://schemas.microsoft.com/office/powerpoint/2010/main" val="393501157"/>
+      </p:ext>
+    </p:extLst>
   </p:cSld>
   <p:clrMapOvr>
     <a:masterClrMapping/>
@@ -4790,97 +5345,216 @@
           </a:bodyPr>
           <a:lstStyle/>
           <a:p>
-            <a:pPr>
-              <a:buFont typeface="Arial" pitchFamily="34" charset="0"/>
-              <a:buChar char="•"/>
-            </a:pPr>
-            <a:r>
-              <a:rPr lang="en-US" dirty="0" smtClean="0"/>
-              <a:t> Br</a:t>
-            </a:r>
-            <a:r>
-              <a:rPr lang="en-US" sz="1200" kern="1200" dirty="0" smtClean="0">
-                <a:solidFill>
-                  <a:schemeClr val="tx1"/>
-                </a:solidFill>
-                <a:latin typeface="+mn-lt"/>
-                <a:ea typeface="+mn-ea"/>
-                <a:cs typeface="+mn-cs"/>
-              </a:rPr>
-              <a:t>anc</a:t>
-            </a:r>
-            <a:r>
-              <a:rPr lang="en-US" dirty="0" smtClean="0"/>
-              <a:t>hing means you diverge from the main line of development and continue to do work without messing with that main line.</a:t>
-            </a:r>
-          </a:p>
-          <a:p>
-            <a:pPr>
-              <a:buFont typeface="Arial" pitchFamily="34" charset="0"/>
-              <a:buChar char="•"/>
-            </a:pPr>
-            <a:r>
-              <a:rPr lang="en-US" dirty="0" smtClean="0"/>
-              <a:t> In many VCS tools, this is a somewhat expensive process, often requiring you to create a new copy of your source code directory, which can take a long time for large projects.</a:t>
-            </a:r>
-          </a:p>
-          <a:p>
-            <a:pPr>
-              <a:buFont typeface="Arial" pitchFamily="34" charset="0"/>
-              <a:buChar char="•"/>
-            </a:pPr>
-            <a:r>
-              <a:rPr lang="en-US" dirty="0" smtClean="0"/>
-              <a:t> The way </a:t>
-            </a:r>
-            <a:r>
-              <a:rPr lang="en-US" dirty="0" err="1" smtClean="0"/>
+            <a:pPr algn="just"/>
+            <a:r>
+              <a:rPr lang="en-US" sz="1200" b="1" dirty="0" smtClean="0">
+                <a:solidFill>
+                  <a:srgbClr val="486DA2"/>
+                </a:solidFill>
+                <a:latin typeface="Verdana" pitchFamily="34" charset="0"/>
+              </a:rPr>
+              <a:t>What's GIT?</a:t>
+            </a:r>
+          </a:p>
+          <a:p>
+            <a:pPr algn="just"/>
+            <a:endParaRPr lang="en-US" sz="1200" b="1" dirty="0" smtClean="0">
+              <a:solidFill>
+                <a:srgbClr val="486DA2"/>
+              </a:solidFill>
+              <a:latin typeface="Verdana" pitchFamily="34" charset="0"/>
+            </a:endParaRPr>
+          </a:p>
+          <a:p>
+            <a:pPr algn="just"/>
+            <a:r>
+              <a:rPr lang="en-US" sz="1200" b="1" dirty="0" err="1" smtClean="0">
+                <a:solidFill>
+                  <a:srgbClr val="486DA2"/>
+                </a:solidFill>
+                <a:latin typeface="Verdana" pitchFamily="34" charset="0"/>
+              </a:rPr>
               <a:t>Git</a:t>
             </a:r>
             <a:r>
-              <a:rPr lang="en-US" dirty="0" smtClean="0"/>
-              <a:t> branches is incredibly lightweight, making branching operations nearly instantaneous and switching back and forth between branches generally just as fast.</a:t>
-            </a:r>
-          </a:p>
-          <a:p>
-            <a:pPr>
-              <a:buFont typeface="Arial" pitchFamily="34" charset="0"/>
-              <a:buChar char="•"/>
-            </a:pPr>
-            <a:r>
-              <a:rPr lang="en-US" dirty="0" smtClean="0"/>
-              <a:t> Unlike many other VCSs, </a:t>
-            </a:r>
-            <a:r>
-              <a:rPr lang="en-US" dirty="0" err="1" smtClean="0"/>
-              <a:t>Git</a:t>
-            </a:r>
-            <a:r>
-              <a:rPr lang="en-US" dirty="0" smtClean="0"/>
-              <a:t> encourages a workflow that branches and merges often, even multiple times in a day.</a:t>
-            </a:r>
-          </a:p>
-          <a:p>
-            <a:pPr>
-              <a:buFont typeface="Arial" pitchFamily="34" charset="0"/>
-              <a:buChar char="•"/>
-            </a:pPr>
-            <a:r>
-              <a:rPr lang="en-US" baseline="0" dirty="0" smtClean="0"/>
-              <a:t> </a:t>
-            </a:r>
-            <a:r>
-              <a:rPr lang="en-US" dirty="0" smtClean="0"/>
-              <a:t>When you commit in </a:t>
-            </a:r>
-            <a:r>
-              <a:rPr lang="en-US" dirty="0" err="1" smtClean="0"/>
-              <a:t>Git</a:t>
-            </a:r>
-            <a:r>
-              <a:rPr lang="en-US" dirty="0" smtClean="0"/>
-              <a:t>, it stores a commit object that contains a pointer to the snapshot of the content you staged, the author and message metadata, and zero or more pointers to the commit or commits that were the direct parents of this commit. (Zero parents for the first commit, one parent for a normal commit, and multiple parents for a commit that results from a merge of two or more branches.)</a:t>
-            </a:r>
+              <a:rPr lang="en-US" sz="1200" b="1" dirty="0" smtClean="0">
+                <a:solidFill>
+                  <a:srgbClr val="486DA2"/>
+                </a:solidFill>
+                <a:latin typeface="Verdana" pitchFamily="34" charset="0"/>
+              </a:rPr>
+              <a:t> is an extremely fast, efficient, distributed version control system ideal for the collaborative development of software.</a:t>
+            </a:r>
+          </a:p>
+          <a:p>
+            <a:pPr algn="just"/>
+            <a:endParaRPr lang="en-US" sz="1200" b="1" dirty="0" smtClean="0">
+              <a:solidFill>
+                <a:srgbClr val="486DA2"/>
+              </a:solidFill>
+              <a:latin typeface="Verdana" pitchFamily="34" charset="0"/>
+            </a:endParaRPr>
+          </a:p>
+          <a:p>
+            <a:pPr algn="just"/>
+            <a:r>
+              <a:rPr lang="en-US" sz="1200" b="1" dirty="0" smtClean="0">
+                <a:solidFill>
+                  <a:srgbClr val="486DA2"/>
+                </a:solidFill>
+                <a:latin typeface="Verdana" pitchFamily="34" charset="0"/>
+              </a:rPr>
+              <a:t>Why is it</a:t>
+            </a:r>
+            <a:r>
+              <a:rPr lang="en-US" sz="1200" b="1" baseline="0" dirty="0" smtClean="0">
+                <a:solidFill>
+                  <a:srgbClr val="486DA2"/>
+                </a:solidFill>
+                <a:latin typeface="Verdana" pitchFamily="34" charset="0"/>
+              </a:rPr>
+              <a:t> fast t- because it maximizes uses of storage and pointer </a:t>
+            </a:r>
+            <a:r>
+              <a:rPr lang="en-US" sz="1200" b="1" baseline="0" dirty="0" err="1" smtClean="0">
+                <a:solidFill>
+                  <a:srgbClr val="486DA2"/>
+                </a:solidFill>
+                <a:latin typeface="Verdana" pitchFamily="34" charset="0"/>
+              </a:rPr>
+              <a:t>arithmentic</a:t>
+            </a:r>
+            <a:r>
+              <a:rPr lang="en-US" sz="1200" b="1" baseline="0" dirty="0" smtClean="0">
+                <a:solidFill>
+                  <a:srgbClr val="486DA2"/>
+                </a:solidFill>
+                <a:latin typeface="Verdana" pitchFamily="34" charset="0"/>
+              </a:rPr>
+              <a:t>.</a:t>
+            </a:r>
+            <a:endParaRPr lang="en-US" sz="1200" b="1" dirty="0" smtClean="0">
+              <a:solidFill>
+                <a:srgbClr val="486DA2"/>
+              </a:solidFill>
+              <a:latin typeface="Verdana" pitchFamily="34" charset="0"/>
+            </a:endParaRPr>
+          </a:p>
+          <a:p>
+            <a:pPr algn="just"/>
+            <a:endParaRPr lang="en-US" sz="1200" b="1" dirty="0" smtClean="0">
+              <a:solidFill>
+                <a:srgbClr val="486DA2"/>
+              </a:solidFill>
+              <a:latin typeface="Verdana" pitchFamily="34" charset="0"/>
+            </a:endParaRPr>
+          </a:p>
+          <a:p>
+            <a:pPr algn="just"/>
+            <a:r>
+              <a:rPr lang="en-US" sz="1200" b="1" dirty="0" smtClean="0">
+                <a:solidFill>
+                  <a:srgbClr val="486DA2"/>
+                </a:solidFill>
+                <a:latin typeface="Verdana" pitchFamily="34" charset="0"/>
+              </a:rPr>
+              <a:t>And why </a:t>
+            </a:r>
+            <a:r>
+              <a:rPr lang="en-US" sz="1200" b="1" dirty="0" err="1" smtClean="0">
+                <a:solidFill>
+                  <a:srgbClr val="486DA2"/>
+                </a:solidFill>
+                <a:latin typeface="Verdana" pitchFamily="34" charset="0"/>
+              </a:rPr>
+              <a:t>GITHub</a:t>
+            </a:r>
+            <a:r>
+              <a:rPr lang="en-US" sz="1200" b="1" dirty="0" smtClean="0">
+                <a:solidFill>
+                  <a:srgbClr val="486DA2"/>
+                </a:solidFill>
+                <a:latin typeface="Verdana" pitchFamily="34" charset="0"/>
+              </a:rPr>
+              <a:t>?</a:t>
+            </a:r>
+          </a:p>
+          <a:p>
+            <a:pPr algn="just"/>
+            <a:endParaRPr lang="en-US" sz="1200" b="1" dirty="0" smtClean="0">
+              <a:solidFill>
+                <a:srgbClr val="486DA2"/>
+              </a:solidFill>
+              <a:latin typeface="Verdana" pitchFamily="34" charset="0"/>
+            </a:endParaRPr>
+          </a:p>
+          <a:p>
+            <a:pPr algn="just"/>
+            <a:r>
+              <a:rPr lang="en-US" sz="1200" b="1" dirty="0" err="1" smtClean="0">
+                <a:solidFill>
+                  <a:srgbClr val="486DA2"/>
+                </a:solidFill>
+                <a:latin typeface="Verdana" pitchFamily="34" charset="0"/>
+              </a:rPr>
+              <a:t>GitHub</a:t>
+            </a:r>
+            <a:r>
+              <a:rPr lang="en-US" sz="1200" b="1" dirty="0" smtClean="0">
+                <a:solidFill>
+                  <a:srgbClr val="486DA2"/>
+                </a:solidFill>
+                <a:latin typeface="Verdana" pitchFamily="34" charset="0"/>
+              </a:rPr>
+              <a:t> is the best way to collaborate with others. Fork, send pull requests and manage all your public and private </a:t>
+            </a:r>
+            <a:r>
+              <a:rPr lang="en-US" sz="1200" b="1" dirty="0" err="1" smtClean="0">
+                <a:solidFill>
+                  <a:srgbClr val="486DA2"/>
+                </a:solidFill>
+                <a:latin typeface="Verdana" pitchFamily="34" charset="0"/>
+              </a:rPr>
+              <a:t>git</a:t>
+            </a:r>
+            <a:r>
+              <a:rPr lang="en-US" sz="1200" b="1" dirty="0" smtClean="0">
+                <a:solidFill>
+                  <a:srgbClr val="486DA2"/>
+                </a:solidFill>
+                <a:latin typeface="Verdana" pitchFamily="34" charset="0"/>
+              </a:rPr>
+              <a:t> repositories.</a:t>
+            </a:r>
+          </a:p>
+          <a:p>
+            <a:pPr algn="just"/>
+            <a:endParaRPr lang="en-US" sz="1200" b="1" dirty="0" smtClean="0">
+              <a:solidFill>
+                <a:srgbClr val="486DA2"/>
+              </a:solidFill>
+              <a:latin typeface="Verdana" pitchFamily="34" charset="0"/>
+            </a:endParaRPr>
+          </a:p>
+          <a:p>
+            <a:pPr algn="just"/>
+            <a:r>
+              <a:rPr lang="en-US" sz="1200" b="1" dirty="0" smtClean="0">
+                <a:solidFill>
+                  <a:srgbClr val="486DA2"/>
+                </a:solidFill>
+                <a:latin typeface="Verdana" pitchFamily="34" charset="0"/>
+              </a:rPr>
+              <a:t>It blends agile scrum practices naturally with its local repository features that makes it stand tall among all version control tools in the market.</a:t>
+            </a:r>
+            <a:endParaRPr lang="fr-FR" b="1" dirty="0" smtClean="0">
+              <a:solidFill>
+                <a:srgbClr val="486DA2"/>
+              </a:solidFill>
+              <a:latin typeface="Verdana" pitchFamily="34" charset="0"/>
+            </a:endParaRPr>
+          </a:p>
+          <a:p>
             <a:endParaRPr lang="en-US" dirty="0"/>
           </a:p>
         </p:txBody>
@@ -4903,7 +5577,7 @@
             <a:fld id="{06F8F5D6-CB0D-4EDE-B95E-664AB82371FD}" type="slidenum">
               <a:rPr lang="en-US" smtClean="0"/>
               <a:pPr/>
-              <a:t>10</a:t>
+              <a:t>7</a:t>
             </a:fld>
             <a:endParaRPr lang="en-US"/>
           </a:p>
@@ -4963,109 +5637,65 @@
           </a:bodyPr>
           <a:lstStyle/>
           <a:p>
-            <a:pPr>
-              <a:buFont typeface="Arial" pitchFamily="34" charset="0"/>
-              <a:buChar char="•"/>
-            </a:pPr>
+            <a:r>
+              <a:rPr lang="en-US" sz="1400" b="1" dirty="0" smtClean="0">
+                <a:solidFill>
+                  <a:srgbClr val="486DA2"/>
+                </a:solidFill>
+                <a:latin typeface="Verdana" pitchFamily="34" charset="0"/>
+              </a:rPr>
+              <a:t>Other VCSs</a:t>
+            </a:r>
+          </a:p>
+          <a:p>
             <a:r>
               <a:rPr lang="en-US" dirty="0" smtClean="0"/>
-              <a:t> When you create the commit by running ’</a:t>
-            </a:r>
-            <a:r>
-              <a:rPr lang="en-US" dirty="0" err="1" smtClean="0"/>
-              <a:t>git</a:t>
-            </a:r>
+              <a:t>Store information as a list of  file-based changes.</a:t>
+            </a:r>
+            <a:endParaRPr lang="en-US" sz="1400" dirty="0" smtClean="0"/>
+          </a:p>
+          <a:p>
+            <a:pPr algn="just"/>
+            <a:endParaRPr lang="en-US" sz="1400" dirty="0" smtClean="0"/>
+          </a:p>
+          <a:p>
+            <a:pPr algn="just"/>
+            <a:r>
+              <a:rPr lang="en-US" sz="1400" b="1" dirty="0" smtClean="0">
+                <a:solidFill>
+                  <a:srgbClr val="486DA2"/>
+                </a:solidFill>
+                <a:latin typeface="Verdana" pitchFamily="34" charset="0"/>
+              </a:rPr>
+              <a:t>GIT VCS</a:t>
+            </a:r>
+          </a:p>
+          <a:p>
+            <a:pPr algn="just"/>
             <a:r>
               <a:rPr lang="en-US" dirty="0" smtClean="0"/>
-              <a:t> commit’, </a:t>
-            </a:r>
-            <a:r>
-              <a:rPr lang="en-US" dirty="0" err="1" smtClean="0"/>
-              <a:t>Git</a:t>
-            </a:r>
+              <a:t>Considers data more  like a set of snapshots of a mini file-system.</a:t>
+            </a:r>
+          </a:p>
+          <a:p>
+            <a:pPr algn="just"/>
+            <a:endParaRPr lang="en-US" sz="1400" dirty="0" smtClean="0"/>
+          </a:p>
+          <a:p>
+            <a:pPr algn="just"/>
             <a:r>
               <a:rPr lang="en-US" dirty="0" smtClean="0"/>
-              <a:t> checksums each subdirectory (in this case, just the root project directory) and stores those tree objects in the </a:t>
-            </a:r>
-            <a:r>
-              <a:rPr lang="en-US" dirty="0" err="1" smtClean="0"/>
-              <a:t>Git</a:t>
-            </a:r>
-            <a:r>
-              <a:rPr lang="en-US" dirty="0" smtClean="0"/>
-              <a:t> repository. </a:t>
-            </a:r>
-            <a:r>
-              <a:rPr lang="en-US" dirty="0" err="1" smtClean="0"/>
-              <a:t>Git</a:t>
-            </a:r>
-            <a:r>
-              <a:rPr lang="en-US" dirty="0" smtClean="0"/>
-              <a:t> then creates a commit object that has the metadata and a pointer to the root project tree so it can re-create that snapshot when needed.</a:t>
-            </a:r>
-          </a:p>
-          <a:p>
-            <a:pPr>
-              <a:buFont typeface="Arial" pitchFamily="34" charset="0"/>
-              <a:buChar char="•"/>
-            </a:pPr>
-            <a:endParaRPr lang="en-US" dirty="0" smtClean="0"/>
-          </a:p>
-          <a:p>
-            <a:pPr>
-              <a:buFont typeface="Arial" pitchFamily="34" charset="0"/>
-              <a:buChar char="•"/>
-            </a:pPr>
-            <a:r>
-              <a:rPr lang="en-US" dirty="0" smtClean="0"/>
-              <a:t>  If you make some changes and commit again, the next commit stores a pointer to the commit that came immediately before it. After 2 more commits, your history might look like this slide:</a:t>
-            </a:r>
-          </a:p>
-          <a:p>
-            <a:pPr>
-              <a:buFont typeface="Arial" pitchFamily="34" charset="0"/>
-              <a:buChar char="•"/>
-            </a:pPr>
-            <a:endParaRPr lang="en-US" dirty="0" smtClean="0"/>
-          </a:p>
-          <a:p>
-            <a:pPr marL="0" marR="0" indent="0" algn="l" defTabSz="914400" rtl="0" eaLnBrk="1" fontAlgn="auto" latinLnBrk="0" hangingPunct="1">
-              <a:lnSpc>
-                <a:spcPct val="100000"/>
-              </a:lnSpc>
-              <a:spcBef>
-                <a:spcPts val="0"/>
-              </a:spcBef>
-              <a:spcAft>
-                <a:spcPts val="0"/>
-              </a:spcAft>
-              <a:buClrTx/>
-              <a:buSzTx/>
-              <a:buFont typeface="Arial" pitchFamily="34" charset="0"/>
-              <a:buChar char="•"/>
-              <a:tabLst/>
-              <a:defRPr/>
-            </a:pPr>
-            <a:r>
-              <a:rPr lang="en-US" dirty="0" smtClean="0"/>
-              <a:t> A branch in </a:t>
-            </a:r>
-            <a:r>
-              <a:rPr lang="en-US" dirty="0" err="1" smtClean="0"/>
-              <a:t>Git</a:t>
-            </a:r>
-            <a:r>
-              <a:rPr lang="en-US" dirty="0" smtClean="0"/>
-              <a:t> is simply a lightweight movable pointer to one of these commits. The default branch name in </a:t>
-            </a:r>
-            <a:r>
-              <a:rPr lang="en-US" dirty="0" err="1" smtClean="0"/>
-              <a:t>Git</a:t>
-            </a:r>
-            <a:r>
-              <a:rPr lang="en-US" dirty="0" smtClean="0"/>
-              <a:t> is master. As you initially make commits, you’re given a master branch that points to the last commit you made. Every time you commit, it moves forward automatically.</a:t>
-            </a:r>
+              <a:t>It basically takes a picture of what all your files look like at that moment and stores a reference to that snapshot.</a:t>
+            </a:r>
+            <a:endParaRPr lang="fr-FR" b="1" dirty="0" smtClean="0">
+              <a:solidFill>
+                <a:srgbClr val="486DA2"/>
+              </a:solidFill>
+              <a:latin typeface="Verdana" pitchFamily="34" charset="0"/>
+            </a:endParaRPr>
+          </a:p>
+          <a:p>
+            <a:endParaRPr lang="en-US" dirty="0"/>
           </a:p>
         </p:txBody>
       </p:sp>
@@ -5087,7 +5717,7 @@
             <a:fld id="{06F8F5D6-CB0D-4EDE-B95E-664AB82371FD}" type="slidenum">
               <a:rPr lang="en-US" smtClean="0"/>
               <a:pPr/>
-              <a:t>11</a:t>
+              <a:t>8</a:t>
             </a:fld>
             <a:endParaRPr lang="en-US"/>
           </a:p>
@@ -5142,48 +5772,272 @@
         </p:nvSpPr>
         <p:spPr/>
         <p:txBody>
-          <a:bodyPr/>
+          <a:bodyPr>
+            <a:normAutofit fontScale="70000" lnSpcReduction="20000"/>
+          </a:bodyPr>
           <a:lstStyle/>
+          <a:p>
+            <a:r>
+              <a:rPr lang="en-US" sz="1400" b="1" dirty="0" smtClean="0">
+                <a:solidFill>
+                  <a:srgbClr val="486DA2"/>
+                </a:solidFill>
+                <a:latin typeface="Verdana" pitchFamily="34" charset="0"/>
+              </a:rPr>
+              <a:t>- Nearly Every Operation Is Local</a:t>
+            </a:r>
+          </a:p>
+          <a:p>
+            <a:r>
+              <a:rPr lang="en-US" dirty="0" smtClean="0"/>
+              <a:t>Most operations in </a:t>
+            </a:r>
+            <a:r>
+              <a:rPr lang="en-US" dirty="0" err="1" smtClean="0"/>
+              <a:t>Git</a:t>
+            </a:r>
+            <a:r>
+              <a:rPr lang="en-US" dirty="0" smtClean="0"/>
+              <a:t> only need local files and resources to operate – generally no information is needed from another computer on your network.</a:t>
+            </a:r>
+          </a:p>
+          <a:p>
+            <a:r>
+              <a:rPr lang="en-US" dirty="0" smtClean="0"/>
+              <a:t>Because you have the entire history of the project right there on your local disk, most operations seem almost instantaneous.</a:t>
+            </a:r>
+            <a:endParaRPr lang="en-US" sz="1400" b="1" dirty="0" smtClean="0">
+              <a:solidFill>
+                <a:srgbClr val="486DA2"/>
+              </a:solidFill>
+              <a:latin typeface="Verdana" pitchFamily="34" charset="0"/>
+            </a:endParaRPr>
+          </a:p>
+          <a:p>
+            <a:endParaRPr lang="en-US" sz="1400" b="1" dirty="0" smtClean="0">
+              <a:solidFill>
+                <a:srgbClr val="486DA2"/>
+              </a:solidFill>
+              <a:latin typeface="Verdana" pitchFamily="34" charset="0"/>
+            </a:endParaRPr>
+          </a:p>
+          <a:p>
+            <a:r>
+              <a:rPr lang="en-US" sz="1400" b="1" dirty="0" smtClean="0">
+                <a:solidFill>
+                  <a:srgbClr val="486DA2"/>
+                </a:solidFill>
+                <a:latin typeface="Verdana" pitchFamily="34" charset="0"/>
+              </a:rPr>
+              <a:t>- </a:t>
+            </a:r>
+            <a:r>
+              <a:rPr lang="en-US" sz="1400" b="1" dirty="0" err="1" smtClean="0">
+                <a:solidFill>
+                  <a:srgbClr val="486DA2"/>
+                </a:solidFill>
+                <a:latin typeface="Verdana" pitchFamily="34" charset="0"/>
+              </a:rPr>
+              <a:t>Git</a:t>
+            </a:r>
+            <a:r>
+              <a:rPr lang="en-US" sz="1400" b="1" dirty="0" smtClean="0">
+                <a:solidFill>
+                  <a:srgbClr val="486DA2"/>
+                </a:solidFill>
+                <a:latin typeface="Verdana" pitchFamily="34" charset="0"/>
+              </a:rPr>
+              <a:t> Has Integrity</a:t>
+            </a:r>
+          </a:p>
+          <a:p>
+            <a:r>
+              <a:rPr lang="en-US" dirty="0" smtClean="0"/>
+              <a:t>Everything in </a:t>
+            </a:r>
+            <a:r>
+              <a:rPr lang="en-US" dirty="0" err="1" smtClean="0"/>
+              <a:t>Git</a:t>
+            </a:r>
+            <a:r>
+              <a:rPr lang="en-US" dirty="0" smtClean="0"/>
+              <a:t> is check-summed before it is stored and is then referred to by that checksum. This means it’s impossible to change the contents of any file or directory without </a:t>
+            </a:r>
+            <a:r>
+              <a:rPr lang="en-US" dirty="0" err="1" smtClean="0"/>
+              <a:t>Git</a:t>
+            </a:r>
+            <a:r>
+              <a:rPr lang="en-US" dirty="0" smtClean="0"/>
+              <a:t> knowing about it.</a:t>
+            </a:r>
+            <a:endParaRPr lang="en-US" sz="1400" b="1" dirty="0" smtClean="0">
+              <a:solidFill>
+                <a:srgbClr val="486DA2"/>
+              </a:solidFill>
+              <a:latin typeface="Verdana" pitchFamily="34" charset="0"/>
+            </a:endParaRPr>
+          </a:p>
+          <a:p>
+            <a:endParaRPr lang="en-US" sz="1400" b="1" dirty="0" smtClean="0">
+              <a:solidFill>
+                <a:srgbClr val="486DA2"/>
+              </a:solidFill>
+              <a:latin typeface="Verdana" pitchFamily="34" charset="0"/>
+            </a:endParaRPr>
+          </a:p>
+          <a:p>
+            <a:r>
+              <a:rPr lang="en-US" sz="1400" b="1" dirty="0" smtClean="0">
+                <a:solidFill>
+                  <a:srgbClr val="486DA2"/>
+                </a:solidFill>
+                <a:latin typeface="Verdana" pitchFamily="34" charset="0"/>
+              </a:rPr>
+              <a:t>- </a:t>
+            </a:r>
+            <a:r>
+              <a:rPr lang="en-US" sz="1400" b="1" dirty="0" err="1" smtClean="0">
+                <a:solidFill>
+                  <a:srgbClr val="486DA2"/>
+                </a:solidFill>
+                <a:latin typeface="Verdana" pitchFamily="34" charset="0"/>
+              </a:rPr>
+              <a:t>Git</a:t>
+            </a:r>
+            <a:r>
+              <a:rPr lang="en-US" sz="1400" b="1" dirty="0" smtClean="0">
+                <a:solidFill>
+                  <a:srgbClr val="486DA2"/>
+                </a:solidFill>
+                <a:latin typeface="Verdana" pitchFamily="34" charset="0"/>
+              </a:rPr>
+              <a:t> Generally Only Adds Data</a:t>
+            </a:r>
+          </a:p>
+          <a:p>
+            <a:r>
+              <a:rPr lang="en-US" dirty="0" smtClean="0"/>
+              <a:t>When you do actions in </a:t>
+            </a:r>
+            <a:r>
+              <a:rPr lang="en-US" dirty="0" err="1" smtClean="0"/>
+              <a:t>Git</a:t>
+            </a:r>
+            <a:r>
+              <a:rPr lang="en-US" dirty="0" smtClean="0"/>
+              <a:t>, nearly all of them only add data to the </a:t>
+            </a:r>
+            <a:r>
+              <a:rPr lang="en-US" dirty="0" err="1" smtClean="0"/>
+              <a:t>Git</a:t>
+            </a:r>
+            <a:r>
+              <a:rPr lang="en-US" dirty="0" smtClean="0"/>
+              <a:t> database. This makes using </a:t>
+            </a:r>
+            <a:r>
+              <a:rPr lang="en-US" dirty="0" err="1" smtClean="0"/>
+              <a:t>Git</a:t>
+            </a:r>
+            <a:r>
+              <a:rPr lang="en-US" dirty="0" smtClean="0"/>
+              <a:t> a joy because we know we can experiment without the danger of severely screwing things up.</a:t>
+            </a:r>
+          </a:p>
+          <a:p>
+            <a:endParaRPr lang="en-US" sz="1400" b="1" dirty="0" smtClean="0">
+              <a:solidFill>
+                <a:srgbClr val="486DA2"/>
+              </a:solidFill>
+              <a:latin typeface="Verdana" pitchFamily="34" charset="0"/>
+            </a:endParaRPr>
+          </a:p>
           <a:p>
             <a:pPr>
               <a:buFont typeface="Arial" pitchFamily="34" charset="0"/>
-              <a:buChar char="•"/>
+              <a:buNone/>
             </a:pPr>
             <a:r>
-              <a:rPr lang="en-US" dirty="0" smtClean="0"/>
-              <a:t> Next create a remote public repository by clicking the “New repository” link on the right side near “Your Repositories”.</a:t>
-            </a:r>
-          </a:p>
-          <a:p>
-            <a:pPr>
-              <a:buFont typeface="Arial" pitchFamily="34" charset="0"/>
-              <a:buChar char="•"/>
-            </a:pPr>
-            <a:r>
-              <a:rPr lang="en-US" dirty="0" smtClean="0"/>
-              <a:t> Then fill in the name, description, and web page for the repository and then click “Create Repository”.</a:t>
-            </a:r>
-          </a:p>
-          <a:p>
-            <a:pPr>
-              <a:buFont typeface="Arial" pitchFamily="34" charset="0"/>
-              <a:buChar char="•"/>
-            </a:pPr>
-            <a:r>
-              <a:rPr lang="en-US" dirty="0" smtClean="0"/>
-              <a:t> Make a note of the “Clone URL” in the following page. You will need this to commit your application to the public repository on the web at </a:t>
-            </a:r>
-            <a:r>
-              <a:rPr lang="en-US" dirty="0" err="1" smtClean="0"/>
-              <a:t>github.com</a:t>
-            </a:r>
-            <a:r>
-              <a:rPr lang="en-US" dirty="0" smtClean="0"/>
-              <a:t>.</a:t>
-            </a:r>
-          </a:p>
-          <a:p>
-            <a:endParaRPr lang="en-US" dirty="0"/>
+              <a:rPr lang="en-US" sz="1600" b="1" dirty="0" smtClean="0">
+                <a:solidFill>
+                  <a:srgbClr val="486DA2"/>
+                </a:solidFill>
+                <a:latin typeface="Verdana" pitchFamily="34" charset="0"/>
+              </a:rPr>
+              <a:t>- </a:t>
+            </a:r>
+            <a:r>
+              <a:rPr lang="en-US" sz="1600" b="1" dirty="0" err="1" smtClean="0">
+                <a:solidFill>
+                  <a:srgbClr val="486DA2"/>
+                </a:solidFill>
+                <a:latin typeface="Verdana" pitchFamily="34" charset="0"/>
+              </a:rPr>
+              <a:t>Git</a:t>
+            </a:r>
+            <a:r>
+              <a:rPr lang="en-US" sz="1600" b="1" dirty="0" smtClean="0">
+                <a:solidFill>
+                  <a:srgbClr val="486DA2"/>
+                </a:solidFill>
+                <a:latin typeface="Verdana" pitchFamily="34" charset="0"/>
+              </a:rPr>
+              <a:t> 3-State Model</a:t>
+            </a:r>
+            <a:endParaRPr lang="en-US" sz="1400" dirty="0" smtClean="0"/>
+          </a:p>
+          <a:p>
+            <a:r>
+              <a:rPr lang="en-US" sz="1400" dirty="0" smtClean="0"/>
+              <a:t>The basic </a:t>
+            </a:r>
+            <a:r>
+              <a:rPr lang="en-US" sz="1400" dirty="0" err="1" smtClean="0"/>
+              <a:t>Git</a:t>
+            </a:r>
+            <a:r>
+              <a:rPr lang="en-US" sz="1400" dirty="0" smtClean="0"/>
+              <a:t> workflow goes something like this:</a:t>
+            </a:r>
+          </a:p>
+          <a:p>
+            <a:r>
+              <a:rPr lang="en-US" sz="1400" dirty="0" smtClean="0"/>
+              <a:t>1) You modify files in your working directory.</a:t>
+            </a:r>
+          </a:p>
+          <a:p>
+            <a:r>
+              <a:rPr lang="en-US" sz="1400" dirty="0" smtClean="0"/>
+              <a:t>2) You stage the files, adding snapshots of them to your staging area.</a:t>
+            </a:r>
+          </a:p>
+          <a:p>
+            <a:r>
+              <a:rPr lang="en-US" sz="1400" dirty="0" smtClean="0"/>
+              <a:t>3) You do a commit, which takes the files as they are in the staging </a:t>
+            </a:r>
+          </a:p>
+          <a:p>
+            <a:r>
+              <a:rPr lang="en-US" sz="1400" dirty="0" smtClean="0"/>
+              <a:t>area and stores that snapshot permanently to your </a:t>
+            </a:r>
+            <a:r>
+              <a:rPr lang="en-US" sz="1400" dirty="0" err="1" smtClean="0"/>
+              <a:t>Git</a:t>
+            </a:r>
+            <a:r>
+              <a:rPr lang="en-US" sz="1400" dirty="0" smtClean="0"/>
+              <a:t> directory.</a:t>
+            </a:r>
+          </a:p>
+          <a:p>
+            <a:endParaRPr lang="en-US" sz="1400" dirty="0" smtClean="0"/>
+          </a:p>
+          <a:p>
+            <a:endParaRPr lang="en-US" sz="1400" dirty="0" smtClean="0"/>
           </a:p>
         </p:txBody>
       </p:sp>
@@ -5205,18 +6059,13 @@
             <a:fld id="{06F8F5D6-CB0D-4EDE-B95E-664AB82371FD}" type="slidenum">
               <a:rPr lang="en-US" smtClean="0"/>
               <a:pPr/>
-              <a:t>13</a:t>
+              <a:t>9</a:t>
             </a:fld>
             <a:endParaRPr lang="en-US"/>
           </a:p>
         </p:txBody>
       </p:sp>
     </p:spTree>
-    <p:extLst>
-      <p:ext uri="{BB962C8B-B14F-4D97-AF65-F5344CB8AC3E}">
-        <p14:creationId xmlns:p14="http://schemas.microsoft.com/office/powerpoint/2010/main" val="1343535215"/>
-      </p:ext>
-    </p:extLst>
   </p:cSld>
   <p:clrMapOvr>
     <a:masterClrMapping/>
@@ -5270,191 +6119,97 @@
           </a:bodyPr>
           <a:lstStyle/>
           <a:p>
-            <a:r>
-              <a:rPr lang="en-US" b="1" dirty="0" smtClean="0"/>
-              <a:t>LINUX</a:t>
-            </a:r>
-          </a:p>
-          <a:p>
-            <a:r>
-              <a:rPr lang="en-US" sz="1200" dirty="0" smtClean="0"/>
-              <a:t>Most Linux distributions come with </a:t>
-            </a:r>
-            <a:r>
-              <a:rPr lang="en-US" altLang="en-US" sz="1200" dirty="0" smtClean="0"/>
-              <a:t>“</a:t>
-            </a:r>
-            <a:r>
-              <a:rPr lang="en-US" altLang="ja-JP" sz="1200" dirty="0" err="1" smtClean="0"/>
-              <a:t>git</a:t>
-            </a:r>
-            <a:r>
-              <a:rPr lang="en-US" altLang="en-US" sz="1200" dirty="0" smtClean="0"/>
-              <a:t>”</a:t>
-            </a:r>
-            <a:r>
-              <a:rPr lang="en-US" altLang="ja-JP" sz="1200" dirty="0" smtClean="0"/>
-              <a:t> installed them. If you are running an older version of a Linux distribution you might have to install </a:t>
-            </a:r>
-            <a:r>
-              <a:rPr lang="en-US" altLang="en-US" sz="1200" dirty="0" smtClean="0"/>
-              <a:t>“</a:t>
-            </a:r>
-            <a:r>
-              <a:rPr lang="en-US" altLang="ja-JP" sz="1200" dirty="0" err="1" smtClean="0"/>
-              <a:t>git</a:t>
-            </a:r>
-            <a:r>
-              <a:rPr lang="en-US" altLang="en-US" sz="1200" dirty="0" smtClean="0"/>
-              <a:t>”</a:t>
-            </a:r>
-            <a:r>
-              <a:rPr lang="en-US" altLang="ja-JP" sz="1200" dirty="0" smtClean="0"/>
-              <a:t> from a third-party repository. </a:t>
-            </a:r>
-          </a:p>
-          <a:p>
-            <a:endParaRPr lang="en-US" sz="1000" dirty="0" smtClean="0"/>
-          </a:p>
-          <a:p>
-            <a:r>
-              <a:rPr lang="en-US" sz="1200" b="1" dirty="0" err="1" smtClean="0"/>
-              <a:t>CentOS</a:t>
-            </a:r>
-            <a:r>
-              <a:rPr lang="en-US" sz="1200" b="1" dirty="0" smtClean="0"/>
-              <a:t> 5 </a:t>
-            </a:r>
-          </a:p>
-          <a:p>
-            <a:r>
-              <a:rPr lang="en-US" sz="1200" dirty="0" smtClean="0"/>
-              <a:t>First configure the RPM forge repository on your system. This can be done by simply installing the correct </a:t>
-            </a:r>
-            <a:r>
-              <a:rPr lang="en-US" sz="1200" dirty="0" err="1" smtClean="0"/>
-              <a:t>RPMForge</a:t>
-            </a:r>
-            <a:r>
-              <a:rPr lang="en-US" sz="1200" dirty="0" smtClean="0"/>
-              <a:t> RPM for you system from link below. </a:t>
-            </a:r>
-            <a:r>
-              <a:rPr lang="en-US" sz="1000" dirty="0" smtClean="0">
-                <a:hlinkClick r:id="rId3"/>
-              </a:rPr>
-              <a:t>http://wiki.centos.org/AdditionalResources/Repositories/RPMForge#head-5aabf02717d5b6b12d47edbc5811404998926a1b </a:t>
-            </a:r>
-            <a:endParaRPr lang="en-US" sz="1000" dirty="0" smtClean="0"/>
-          </a:p>
-          <a:p>
-            <a:r>
-              <a:rPr lang="en-US" sz="1000" dirty="0" smtClean="0"/>
-              <a:t>Once that his done installing </a:t>
-            </a:r>
-            <a:r>
-              <a:rPr lang="en-US" altLang="en-US" sz="1000" dirty="0" smtClean="0"/>
-              <a:t>“</a:t>
-            </a:r>
-            <a:r>
-              <a:rPr lang="en-US" altLang="ja-JP" sz="1000" dirty="0" err="1" smtClean="0"/>
-              <a:t>git</a:t>
-            </a:r>
-            <a:r>
-              <a:rPr lang="en-US" altLang="en-US" sz="1000" dirty="0" smtClean="0"/>
-              <a:t>”</a:t>
-            </a:r>
-            <a:r>
-              <a:rPr lang="en-US" altLang="ja-JP" sz="1000" dirty="0" smtClean="0"/>
-              <a:t> by running the following command</a:t>
-            </a:r>
-            <a:endParaRPr lang="en-US" sz="1000" dirty="0" smtClean="0"/>
-          </a:p>
-          <a:p>
-            <a:r>
-              <a:rPr lang="en-US" sz="1100" dirty="0" smtClean="0">
-                <a:latin typeface="Courier New" pitchFamily="49" charset="0"/>
-                <a:cs typeface="Courier New" pitchFamily="49" charset="0"/>
-              </a:rPr>
-              <a:t>$ </a:t>
-            </a:r>
-            <a:r>
-              <a:rPr lang="en-US" sz="1100" dirty="0" err="1" smtClean="0">
-                <a:latin typeface="Courier New" pitchFamily="49" charset="0"/>
-                <a:cs typeface="Courier New" pitchFamily="49" charset="0"/>
-              </a:rPr>
-              <a:t>sudo</a:t>
-            </a:r>
-            <a:r>
-              <a:rPr lang="en-US" sz="1100" dirty="0" smtClean="0">
-                <a:latin typeface="Courier New" pitchFamily="49" charset="0"/>
-                <a:cs typeface="Courier New" pitchFamily="49" charset="0"/>
-              </a:rPr>
-              <a:t> yum install </a:t>
-            </a:r>
-            <a:r>
-              <a:rPr lang="en-US" sz="1100" dirty="0" err="1" smtClean="0">
-                <a:latin typeface="Courier New" pitchFamily="49" charset="0"/>
-                <a:cs typeface="Courier New" pitchFamily="49" charset="0"/>
-              </a:rPr>
-              <a:t>git</a:t>
-            </a:r>
-            <a:endParaRPr lang="en-US" sz="1100" dirty="0" smtClean="0">
-              <a:latin typeface="Courier New" pitchFamily="49" charset="0"/>
-              <a:cs typeface="Courier New" pitchFamily="49" charset="0"/>
-            </a:endParaRPr>
-          </a:p>
-          <a:p>
-            <a:endParaRPr lang="en-US" sz="1000" dirty="0" smtClean="0"/>
-          </a:p>
-          <a:p>
-            <a:r>
-              <a:rPr lang="en-US" sz="1200" b="1" dirty="0" err="1" smtClean="0"/>
-              <a:t>Ubuntu</a:t>
-            </a:r>
-            <a:r>
-              <a:rPr lang="en-US" sz="1200" b="1" dirty="0" smtClean="0"/>
+            <a:pPr>
+              <a:buFont typeface="Arial" pitchFamily="34" charset="0"/>
+              <a:buChar char="•"/>
+            </a:pPr>
+            <a:r>
+              <a:rPr lang="en-US" dirty="0" smtClean="0"/>
+              <a:t> Br</a:t>
+            </a:r>
+            <a:r>
+              <a:rPr lang="en-US" sz="1200" kern="1200" dirty="0" smtClean="0">
+                <a:solidFill>
+                  <a:schemeClr val="tx1"/>
+                </a:solidFill>
+                <a:latin typeface="+mn-lt"/>
+                <a:ea typeface="+mn-ea"/>
+                <a:cs typeface="+mn-cs"/>
+              </a:rPr>
+              <a:t>anc</a:t>
+            </a:r>
+            <a:r>
+              <a:rPr lang="en-US" dirty="0" smtClean="0"/>
+              <a:t>hing means you diverge from the main line of development and continue to do work without messing with that main line.</a:t>
+            </a:r>
+          </a:p>
+          <a:p>
+            <a:pPr>
+              <a:buFont typeface="Arial" pitchFamily="34" charset="0"/>
+              <a:buChar char="•"/>
+            </a:pPr>
+            <a:r>
+              <a:rPr lang="en-US" dirty="0" smtClean="0"/>
+              <a:t> In many VCS tools, this is a somewhat expensive process, often requiring you to create a new copy of your source code directory, which can take a long time for large projects.</a:t>
+            </a:r>
+          </a:p>
+          <a:p>
+            <a:pPr>
+              <a:buFont typeface="Arial" pitchFamily="34" charset="0"/>
+              <a:buChar char="•"/>
+            </a:pPr>
+            <a:r>
+              <a:rPr lang="en-US" dirty="0" smtClean="0"/>
+              <a:t> The way </a:t>
+            </a:r>
+            <a:r>
+              <a:rPr lang="en-US" dirty="0" err="1" smtClean="0"/>
+              <a:t>Git</a:t>
+            </a:r>
+            <a:r>
+              <a:rPr lang="en-US" dirty="0" smtClean="0"/>
+              <a:t> branches is incredibly lightweight, making branching operations nearly instantaneous and switching back and forth between branches generally just as fast.</a:t>
+            </a:r>
+          </a:p>
+          <a:p>
+            <a:pPr>
+              <a:buFont typeface="Arial" pitchFamily="34" charset="0"/>
+              <a:buChar char="•"/>
+            </a:pPr>
+            <a:r>
+              <a:rPr lang="en-US" dirty="0" smtClean="0"/>
+              <a:t> Unlike many other VCSs, </a:t>
+            </a:r>
+            <a:r>
+              <a:rPr lang="en-US" dirty="0" err="1" smtClean="0"/>
+              <a:t>Git</a:t>
+            </a:r>
+            <a:r>
+              <a:rPr lang="en-US" dirty="0" smtClean="0"/>
+              <a:t> encourages a workflow that branches and merges often, even multiple times in a day.</a:t>
+            </a:r>
+          </a:p>
+          <a:p>
+            <a:pPr>
+              <a:buFont typeface="Arial" pitchFamily="34" charset="0"/>
+              <a:buChar char="•"/>
+            </a:pPr>
+            <a:r>
+              <a:rPr lang="en-US" baseline="0" dirty="0" smtClean="0"/>
               <a:t> </a:t>
             </a:r>
-          </a:p>
-          <a:p>
-            <a:r>
-              <a:rPr lang="en-US" sz="1100" dirty="0" smtClean="0">
-                <a:latin typeface="Courier New" pitchFamily="49" charset="0"/>
-                <a:cs typeface="Courier New" pitchFamily="49" charset="0"/>
-              </a:rPr>
-              <a:t>$ </a:t>
-            </a:r>
-            <a:r>
-              <a:rPr lang="en-US" sz="1100" dirty="0" err="1" smtClean="0">
-                <a:latin typeface="Courier New" pitchFamily="49" charset="0"/>
-                <a:cs typeface="Courier New" pitchFamily="49" charset="0"/>
-              </a:rPr>
-              <a:t>sudo</a:t>
-            </a:r>
-            <a:r>
-              <a:rPr lang="en-US" sz="1100" dirty="0" smtClean="0">
-                <a:latin typeface="Courier New" pitchFamily="49" charset="0"/>
-                <a:cs typeface="Courier New" pitchFamily="49" charset="0"/>
-              </a:rPr>
-              <a:t> apt-get install </a:t>
-            </a:r>
-            <a:r>
-              <a:rPr lang="en-US" sz="1100" dirty="0" err="1" smtClean="0">
-                <a:latin typeface="Courier New" pitchFamily="49" charset="0"/>
-                <a:cs typeface="Courier New" pitchFamily="49" charset="0"/>
-              </a:rPr>
-              <a:t>git</a:t>
-            </a:r>
-            <a:r>
-              <a:rPr lang="en-US" sz="1100" dirty="0" smtClean="0">
-                <a:latin typeface="Courier New" pitchFamily="49" charset="0"/>
-                <a:cs typeface="Courier New" pitchFamily="49" charset="0"/>
-              </a:rPr>
-              <a:t>-core</a:t>
-            </a:r>
-          </a:p>
-          <a:p>
+            <a:r>
+              <a:rPr lang="en-US" dirty="0" smtClean="0"/>
+              <a:t>When you commit in </a:t>
+            </a:r>
+            <a:r>
+              <a:rPr lang="en-US" dirty="0" err="1" smtClean="0"/>
+              <a:t>Git</a:t>
+            </a:r>
+            <a:r>
+              <a:rPr lang="en-US" dirty="0" smtClean="0"/>
+              <a:t>, it stores a commit object that contains a pointer to the snapshot of the content you staged, the author and message metadata, and zero or more pointers to the commit or commits that were the direct parents of this commit. (Zero parents for the first commit, one parent for a normal commit, and multiple parents for a commit that results from a merge of two or more branches.)</a:t>
+            </a:r>
             <a:endParaRPr lang="en-US" dirty="0"/>
           </a:p>
         </p:txBody>
@@ -5477,7 +6232,7 @@
             <a:fld id="{06F8F5D6-CB0D-4EDE-B95E-664AB82371FD}" type="slidenum">
               <a:rPr lang="en-US" smtClean="0"/>
               <a:pPr/>
-              <a:t>14</a:t>
+              <a:t>10</a:t>
             </a:fld>
             <a:endParaRPr lang="en-US"/>
           </a:p>
@@ -12001,7 +12756,7 @@
           <p:nvPr/>
         </p:nvPicPr>
         <p:blipFill>
-          <a:blip r:embed="rId2" cstate="print">
+          <a:blip r:embed="rId3" cstate="print">
             <a:extLst>
               <a:ext uri="{28A0092B-C50C-407E-A947-70E740481C1C}">
                 <a14:useLocalDpi xmlns:a14="http://schemas.microsoft.com/office/drawing/2010/main" val="0"/>
@@ -12031,7 +12786,7 @@
           <p:nvPr/>
         </p:nvPicPr>
         <p:blipFill>
-          <a:blip r:embed="rId3"/>
+          <a:blip r:embed="rId4"/>
           <a:stretch>
             <a:fillRect/>
           </a:stretch>
@@ -16585,6 +17340,72 @@
           </a:prstGeom>
         </p:spPr>
       </p:pic>
+      <p:pic>
+        <p:nvPicPr>
+          <p:cNvPr id="2" name="Picture 1"/>
+          <p:cNvPicPr>
+            <a:picLocks noChangeAspect="1"/>
+          </p:cNvPicPr>
+          <p:nvPr/>
+        </p:nvPicPr>
+        <p:blipFill>
+          <a:blip r:embed="rId6"/>
+          <a:stretch>
+            <a:fillRect/>
+          </a:stretch>
+        </p:blipFill>
+        <p:spPr>
+          <a:xfrm>
+            <a:off x="6660232" y="1340768"/>
+            <a:ext cx="1895722" cy="4653136"/>
+          </a:xfrm>
+          <a:prstGeom prst="rect">
+            <a:avLst/>
+          </a:prstGeom>
+        </p:spPr>
+      </p:pic>
+      <p:sp>
+        <p:nvSpPr>
+          <p:cNvPr id="3" name="TextBox 2"/>
+          <p:cNvSpPr txBox="1"/>
+          <p:nvPr/>
+        </p:nvSpPr>
+        <p:spPr>
+          <a:xfrm>
+            <a:off x="1835696" y="5661248"/>
+            <a:ext cx="3986663" cy="307777"/>
+          </a:xfrm>
+          <a:prstGeom prst="rect">
+            <a:avLst/>
+          </a:prstGeom>
+          <a:noFill/>
+        </p:spPr>
+        <p:txBody>
+          <a:bodyPr wrap="none" rtlCol="0">
+            <a:spAutoFit/>
+          </a:bodyPr>
+          <a:lstStyle/>
+          <a:p>
+            <a:r>
+              <a:rPr lang="en-US" sz="1400" dirty="0"/>
+              <a:t>Ref http://</a:t>
+            </a:r>
+            <a:r>
+              <a:rPr lang="en-US" sz="1400" dirty="0" err="1"/>
+              <a:t>en.wikipedia.org</a:t>
+            </a:r>
+            <a:r>
+              <a:rPr lang="en-US" sz="1400" dirty="0"/>
+              <a:t>/wiki/</a:t>
+            </a:r>
+            <a:r>
+              <a:rPr lang="en-US" sz="1400" dirty="0" err="1"/>
+              <a:t>Revision_control</a:t>
+            </a:r>
+            <a:endParaRPr lang="en-US" sz="1400" dirty="0"/>
+          </a:p>
+        </p:txBody>
+      </p:sp>
     </p:spTree>
   </p:cSld>
   <p:clrMapOvr>
@@ -16683,7 +17504,7 @@
           <p:nvPr/>
         </p:nvPicPr>
         <p:blipFill>
-          <a:blip r:embed="rId2" cstate="print">
+          <a:blip r:embed="rId3" cstate="print">
             <a:lum bright="70000" contrast="-70000"/>
           </a:blip>
           <a:srcRect/>
@@ -16753,7 +17574,7 @@
           <p:nvPr/>
         </p:nvPicPr>
         <p:blipFill>
-          <a:blip r:embed="rId3" cstate="print"/>
+          <a:blip r:embed="rId4" cstate="print"/>
           <a:srcRect/>
           <a:stretch>
             <a:fillRect/>
@@ -16779,7 +17600,7 @@
           <p:nvPr/>
         </p:nvPicPr>
         <p:blipFill>
-          <a:blip r:embed="rId4" cstate="print">
+          <a:blip r:embed="rId5" cstate="print">
             <a:extLst>
               <a:ext uri="{28A0092B-C50C-407E-A947-70E740481C1C}">
                 <a14:useLocalDpi xmlns:a14="http://schemas.microsoft.com/office/drawing/2010/main" val="0"/>
@@ -16809,7 +17630,7 @@
           <p:nvPr/>
         </p:nvPicPr>
         <p:blipFill>
-          <a:blip r:embed="rId5"/>
+          <a:blip r:embed="rId6"/>
           <a:stretch>
             <a:fillRect/>
           </a:stretch>
@@ -17167,7 +17988,7 @@
           <p:nvPr/>
         </p:nvPicPr>
         <p:blipFill>
-          <a:blip r:embed="rId2" cstate="print">
+          <a:blip r:embed="rId3" cstate="print">
             <a:lum bright="70000" contrast="-70000"/>
           </a:blip>
           <a:srcRect/>
@@ -17243,7 +18064,7 @@
           <p:nvPr/>
         </p:nvPicPr>
         <p:blipFill>
-          <a:blip r:embed="rId3" cstate="print"/>
+          <a:blip r:embed="rId4" cstate="print"/>
           <a:srcRect/>
           <a:stretch>
             <a:fillRect/>
@@ -17269,7 +18090,7 @@
           <p:nvPr/>
         </p:nvPicPr>
         <p:blipFill>
-          <a:blip r:embed="rId4" cstate="print">
+          <a:blip r:embed="rId5" cstate="print">
             <a:extLst>
               <a:ext uri="{28A0092B-C50C-407E-A947-70E740481C1C}">
                 <a14:useLocalDpi xmlns:a14="http://schemas.microsoft.com/office/drawing/2010/main" val="0"/>
@@ -17299,7 +18120,7 @@
           <p:nvPr/>
         </p:nvPicPr>
         <p:blipFill>
-          <a:blip r:embed="rId5"/>
+          <a:blip r:embed="rId6"/>
           <a:stretch>
             <a:fillRect/>
           </a:stretch>
